--- a/explain/container_image/application/static/AI.pptx
+++ b/explain/container_image/application/static/AI.pptx
@@ -6,6 +6,11 @@
   </p:sldMasterIdLst>
   <p:sldIdLst>
     <p:sldId id="256" r:id="rId2"/>
+    <p:sldId id="260" r:id="rId3"/>
+    <p:sldId id="257" r:id="rId4"/>
+    <p:sldId id="258" r:id="rId5"/>
+    <p:sldId id="259" r:id="rId6"/>
+    <p:sldId id="261" r:id="rId7"/>
   </p:sldIdLst>
   <p:sldSz cx="12192000" cy="6858000"/>
   <p:notesSz cx="6858000" cy="9144000"/>
@@ -5035,10 +5040,223 @@
             <a:off x="5181600" y="3534226"/>
             <a:ext cx="3773714" cy="1727202"/>
           </a:xfrm>
-          <a:prstGeom prst="rect">
+          <a:custGeom>
             <a:avLst/>
-          </a:prstGeom>
+            <a:gdLst>
+              <a:gd name="connsiteX0" fmla="*/ 0 w 3773714"/>
+              <a:gd name="connsiteY0" fmla="*/ 0 h 1727202"/>
+              <a:gd name="connsiteX1" fmla="*/ 666689 w 3773714"/>
+              <a:gd name="connsiteY1" fmla="*/ 0 h 1727202"/>
+              <a:gd name="connsiteX2" fmla="*/ 1295642 w 3773714"/>
+              <a:gd name="connsiteY2" fmla="*/ 0 h 1727202"/>
+              <a:gd name="connsiteX3" fmla="*/ 1811383 w 3773714"/>
+              <a:gd name="connsiteY3" fmla="*/ 0 h 1727202"/>
+              <a:gd name="connsiteX4" fmla="*/ 2440335 w 3773714"/>
+              <a:gd name="connsiteY4" fmla="*/ 0 h 1727202"/>
+              <a:gd name="connsiteX5" fmla="*/ 3031550 w 3773714"/>
+              <a:gd name="connsiteY5" fmla="*/ 0 h 1727202"/>
+              <a:gd name="connsiteX6" fmla="*/ 3773714 w 3773714"/>
+              <a:gd name="connsiteY6" fmla="*/ 0 h 1727202"/>
+              <a:gd name="connsiteX7" fmla="*/ 3773714 w 3773714"/>
+              <a:gd name="connsiteY7" fmla="*/ 541190 h 1727202"/>
+              <a:gd name="connsiteX8" fmla="*/ 3773714 w 3773714"/>
+              <a:gd name="connsiteY8" fmla="*/ 1099652 h 1727202"/>
+              <a:gd name="connsiteX9" fmla="*/ 3773714 w 3773714"/>
+              <a:gd name="connsiteY9" fmla="*/ 1727202 h 1727202"/>
+              <a:gd name="connsiteX10" fmla="*/ 3257973 w 3773714"/>
+              <a:gd name="connsiteY10" fmla="*/ 1727202 h 1727202"/>
+              <a:gd name="connsiteX11" fmla="*/ 2553546 w 3773714"/>
+              <a:gd name="connsiteY11" fmla="*/ 1727202 h 1727202"/>
+              <a:gd name="connsiteX12" fmla="*/ 1962331 w 3773714"/>
+              <a:gd name="connsiteY12" fmla="*/ 1727202 h 1727202"/>
+              <a:gd name="connsiteX13" fmla="*/ 1333379 w 3773714"/>
+              <a:gd name="connsiteY13" fmla="*/ 1727202 h 1727202"/>
+              <a:gd name="connsiteX14" fmla="*/ 779901 w 3773714"/>
+              <a:gd name="connsiteY14" fmla="*/ 1727202 h 1727202"/>
+              <a:gd name="connsiteX15" fmla="*/ 0 w 3773714"/>
+              <a:gd name="connsiteY15" fmla="*/ 1727202 h 1727202"/>
+              <a:gd name="connsiteX16" fmla="*/ 0 w 3773714"/>
+              <a:gd name="connsiteY16" fmla="*/ 1151468 h 1727202"/>
+              <a:gd name="connsiteX17" fmla="*/ 0 w 3773714"/>
+              <a:gd name="connsiteY17" fmla="*/ 575734 h 1727202"/>
+              <a:gd name="connsiteX18" fmla="*/ 0 w 3773714"/>
+              <a:gd name="connsiteY18" fmla="*/ 0 h 1727202"/>
+            </a:gdLst>
+            <a:ahLst/>
+            <a:cxnLst>
+              <a:cxn ang="0">
+                <a:pos x="connsiteX0" y="connsiteY0"/>
+              </a:cxn>
+              <a:cxn ang="0">
+                <a:pos x="connsiteX1" y="connsiteY1"/>
+              </a:cxn>
+              <a:cxn ang="0">
+                <a:pos x="connsiteX2" y="connsiteY2"/>
+              </a:cxn>
+              <a:cxn ang="0">
+                <a:pos x="connsiteX3" y="connsiteY3"/>
+              </a:cxn>
+              <a:cxn ang="0">
+                <a:pos x="connsiteX4" y="connsiteY4"/>
+              </a:cxn>
+              <a:cxn ang="0">
+                <a:pos x="connsiteX5" y="connsiteY5"/>
+              </a:cxn>
+              <a:cxn ang="0">
+                <a:pos x="connsiteX6" y="connsiteY6"/>
+              </a:cxn>
+              <a:cxn ang="0">
+                <a:pos x="connsiteX7" y="connsiteY7"/>
+              </a:cxn>
+              <a:cxn ang="0">
+                <a:pos x="connsiteX8" y="connsiteY8"/>
+              </a:cxn>
+              <a:cxn ang="0">
+                <a:pos x="connsiteX9" y="connsiteY9"/>
+              </a:cxn>
+              <a:cxn ang="0">
+                <a:pos x="connsiteX10" y="connsiteY10"/>
+              </a:cxn>
+              <a:cxn ang="0">
+                <a:pos x="connsiteX11" y="connsiteY11"/>
+              </a:cxn>
+              <a:cxn ang="0">
+                <a:pos x="connsiteX12" y="connsiteY12"/>
+              </a:cxn>
+              <a:cxn ang="0">
+                <a:pos x="connsiteX13" y="connsiteY13"/>
+              </a:cxn>
+              <a:cxn ang="0">
+                <a:pos x="connsiteX14" y="connsiteY14"/>
+              </a:cxn>
+              <a:cxn ang="0">
+                <a:pos x="connsiteX15" y="connsiteY15"/>
+              </a:cxn>
+              <a:cxn ang="0">
+                <a:pos x="connsiteX16" y="connsiteY16"/>
+              </a:cxn>
+              <a:cxn ang="0">
+                <a:pos x="connsiteX17" y="connsiteY17"/>
+              </a:cxn>
+              <a:cxn ang="0">
+                <a:pos x="connsiteX18" y="connsiteY18"/>
+              </a:cxn>
+            </a:cxnLst>
+            <a:rect l="l" t="t" r="r" b="b"/>
+            <a:pathLst>
+              <a:path w="3773714" h="1727202" extrusionOk="0">
+                <a:moveTo>
+                  <a:pt x="0" y="0"/>
+                </a:moveTo>
+                <a:cubicBezTo>
+                  <a:pt x="320767" y="-11317"/>
+                  <a:pt x="525006" y="-16254"/>
+                  <a:pt x="666689" y="0"/>
+                </a:cubicBezTo>
+                <a:cubicBezTo>
+                  <a:pt x="808372" y="16254"/>
+                  <a:pt x="1078518" y="-1013"/>
+                  <a:pt x="1295642" y="0"/>
+                </a:cubicBezTo>
+                <a:cubicBezTo>
+                  <a:pt x="1512766" y="1013"/>
+                  <a:pt x="1678102" y="-15845"/>
+                  <a:pt x="1811383" y="0"/>
+                </a:cubicBezTo>
+                <a:cubicBezTo>
+                  <a:pt x="1944664" y="15845"/>
+                  <a:pt x="2294193" y="19198"/>
+                  <a:pt x="2440335" y="0"/>
+                </a:cubicBezTo>
+                <a:cubicBezTo>
+                  <a:pt x="2586477" y="-19198"/>
+                  <a:pt x="2815369" y="-22133"/>
+                  <a:pt x="3031550" y="0"/>
+                </a:cubicBezTo>
+                <a:cubicBezTo>
+                  <a:pt x="3247732" y="22133"/>
+                  <a:pt x="3407252" y="-13831"/>
+                  <a:pt x="3773714" y="0"/>
+                </a:cubicBezTo>
+                <a:cubicBezTo>
+                  <a:pt x="3796209" y="131799"/>
+                  <a:pt x="3791615" y="309843"/>
+                  <a:pt x="3773714" y="541190"/>
+                </a:cubicBezTo>
+                <a:cubicBezTo>
+                  <a:pt x="3755814" y="772537"/>
+                  <a:pt x="3761261" y="976301"/>
+                  <a:pt x="3773714" y="1099652"/>
+                </a:cubicBezTo>
+                <a:cubicBezTo>
+                  <a:pt x="3786167" y="1223003"/>
+                  <a:pt x="3768983" y="1511044"/>
+                  <a:pt x="3773714" y="1727202"/>
+                </a:cubicBezTo>
+                <a:cubicBezTo>
+                  <a:pt x="3648035" y="1724636"/>
+                  <a:pt x="3367774" y="1710216"/>
+                  <a:pt x="3257973" y="1727202"/>
+                </a:cubicBezTo>
+                <a:cubicBezTo>
+                  <a:pt x="3148172" y="1744188"/>
+                  <a:pt x="2844740" y="1723278"/>
+                  <a:pt x="2553546" y="1727202"/>
+                </a:cubicBezTo>
+                <a:cubicBezTo>
+                  <a:pt x="2262352" y="1731126"/>
+                  <a:pt x="2253983" y="1719330"/>
+                  <a:pt x="1962331" y="1727202"/>
+                </a:cubicBezTo>
+                <a:cubicBezTo>
+                  <a:pt x="1670679" y="1735074"/>
+                  <a:pt x="1511188" y="1703494"/>
+                  <a:pt x="1333379" y="1727202"/>
+                </a:cubicBezTo>
+                <a:cubicBezTo>
+                  <a:pt x="1155570" y="1750910"/>
+                  <a:pt x="908100" y="1750766"/>
+                  <a:pt x="779901" y="1727202"/>
+                </a:cubicBezTo>
+                <a:cubicBezTo>
+                  <a:pt x="651702" y="1703638"/>
+                  <a:pt x="252327" y="1693116"/>
+                  <a:pt x="0" y="1727202"/>
+                </a:cubicBezTo>
+                <a:cubicBezTo>
+                  <a:pt x="16707" y="1509279"/>
+                  <a:pt x="15760" y="1299846"/>
+                  <a:pt x="0" y="1151468"/>
+                </a:cubicBezTo>
+                <a:cubicBezTo>
+                  <a:pt x="-15760" y="1003090"/>
+                  <a:pt x="-27093" y="717509"/>
+                  <a:pt x="0" y="575734"/>
+                </a:cubicBezTo>
+                <a:cubicBezTo>
+                  <a:pt x="27093" y="433959"/>
+                  <a:pt x="-1573" y="196938"/>
+                  <a:pt x="0" y="0"/>
+                </a:cubicBezTo>
+                <a:close/>
+              </a:path>
+            </a:pathLst>
+          </a:custGeom>
           <a:noFill/>
+          <a:ln>
+            <a:extLst>
+              <a:ext uri="{C807C97D-BFC1-408E-A445-0C87EB9F89A2}">
+                <ask:lineSketchStyleProps xmlns:ask="http://schemas.microsoft.com/office/drawing/2018/sketchyshapes" sd="1187246233">
+                  <a:prstGeom prst="rect">
+                    <a:avLst/>
+                  </a:prstGeom>
+                  <ask:type>
+                    <ask:lineSketchFreehand/>
+                  </ask:type>
+                </ask:lineSketchStyleProps>
+              </a:ext>
+            </a:extLst>
+          </a:ln>
         </p:spPr>
         <p:style>
           <a:lnRef idx="2">
@@ -5199,10 +5417,223 @@
             <a:off x="5181600" y="1324428"/>
             <a:ext cx="3897089" cy="1727202"/>
           </a:xfrm>
-          <a:prstGeom prst="rect">
+          <a:custGeom>
             <a:avLst/>
-          </a:prstGeom>
+            <a:gdLst>
+              <a:gd name="connsiteX0" fmla="*/ 0 w 3897089"/>
+              <a:gd name="connsiteY0" fmla="*/ 0 h 1727202"/>
+              <a:gd name="connsiteX1" fmla="*/ 649515 w 3897089"/>
+              <a:gd name="connsiteY1" fmla="*/ 0 h 1727202"/>
+              <a:gd name="connsiteX2" fmla="*/ 1260059 w 3897089"/>
+              <a:gd name="connsiteY2" fmla="*/ 0 h 1727202"/>
+              <a:gd name="connsiteX3" fmla="*/ 1948545 w 3897089"/>
+              <a:gd name="connsiteY3" fmla="*/ 0 h 1727202"/>
+              <a:gd name="connsiteX4" fmla="*/ 2676001 w 3897089"/>
+              <a:gd name="connsiteY4" fmla="*/ 0 h 1727202"/>
+              <a:gd name="connsiteX5" fmla="*/ 3325516 w 3897089"/>
+              <a:gd name="connsiteY5" fmla="*/ 0 h 1727202"/>
+              <a:gd name="connsiteX6" fmla="*/ 3897089 w 3897089"/>
+              <a:gd name="connsiteY6" fmla="*/ 0 h 1727202"/>
+              <a:gd name="connsiteX7" fmla="*/ 3897089 w 3897089"/>
+              <a:gd name="connsiteY7" fmla="*/ 523918 h 1727202"/>
+              <a:gd name="connsiteX8" fmla="*/ 3897089 w 3897089"/>
+              <a:gd name="connsiteY8" fmla="*/ 1047836 h 1727202"/>
+              <a:gd name="connsiteX9" fmla="*/ 3897089 w 3897089"/>
+              <a:gd name="connsiteY9" fmla="*/ 1727202 h 1727202"/>
+              <a:gd name="connsiteX10" fmla="*/ 3364487 w 3897089"/>
+              <a:gd name="connsiteY10" fmla="*/ 1727202 h 1727202"/>
+              <a:gd name="connsiteX11" fmla="*/ 2637030 w 3897089"/>
+              <a:gd name="connsiteY11" fmla="*/ 1727202 h 1727202"/>
+              <a:gd name="connsiteX12" fmla="*/ 1909574 w 3897089"/>
+              <a:gd name="connsiteY12" fmla="*/ 1727202 h 1727202"/>
+              <a:gd name="connsiteX13" fmla="*/ 1260059 w 3897089"/>
+              <a:gd name="connsiteY13" fmla="*/ 1727202 h 1727202"/>
+              <a:gd name="connsiteX14" fmla="*/ 649515 w 3897089"/>
+              <a:gd name="connsiteY14" fmla="*/ 1727202 h 1727202"/>
+              <a:gd name="connsiteX15" fmla="*/ 0 w 3897089"/>
+              <a:gd name="connsiteY15" fmla="*/ 1727202 h 1727202"/>
+              <a:gd name="connsiteX16" fmla="*/ 0 w 3897089"/>
+              <a:gd name="connsiteY16" fmla="*/ 1186012 h 1727202"/>
+              <a:gd name="connsiteX17" fmla="*/ 0 w 3897089"/>
+              <a:gd name="connsiteY17" fmla="*/ 644822 h 1727202"/>
+              <a:gd name="connsiteX18" fmla="*/ 0 w 3897089"/>
+              <a:gd name="connsiteY18" fmla="*/ 0 h 1727202"/>
+            </a:gdLst>
+            <a:ahLst/>
+            <a:cxnLst>
+              <a:cxn ang="0">
+                <a:pos x="connsiteX0" y="connsiteY0"/>
+              </a:cxn>
+              <a:cxn ang="0">
+                <a:pos x="connsiteX1" y="connsiteY1"/>
+              </a:cxn>
+              <a:cxn ang="0">
+                <a:pos x="connsiteX2" y="connsiteY2"/>
+              </a:cxn>
+              <a:cxn ang="0">
+                <a:pos x="connsiteX3" y="connsiteY3"/>
+              </a:cxn>
+              <a:cxn ang="0">
+                <a:pos x="connsiteX4" y="connsiteY4"/>
+              </a:cxn>
+              <a:cxn ang="0">
+                <a:pos x="connsiteX5" y="connsiteY5"/>
+              </a:cxn>
+              <a:cxn ang="0">
+                <a:pos x="connsiteX6" y="connsiteY6"/>
+              </a:cxn>
+              <a:cxn ang="0">
+                <a:pos x="connsiteX7" y="connsiteY7"/>
+              </a:cxn>
+              <a:cxn ang="0">
+                <a:pos x="connsiteX8" y="connsiteY8"/>
+              </a:cxn>
+              <a:cxn ang="0">
+                <a:pos x="connsiteX9" y="connsiteY9"/>
+              </a:cxn>
+              <a:cxn ang="0">
+                <a:pos x="connsiteX10" y="connsiteY10"/>
+              </a:cxn>
+              <a:cxn ang="0">
+                <a:pos x="connsiteX11" y="connsiteY11"/>
+              </a:cxn>
+              <a:cxn ang="0">
+                <a:pos x="connsiteX12" y="connsiteY12"/>
+              </a:cxn>
+              <a:cxn ang="0">
+                <a:pos x="connsiteX13" y="connsiteY13"/>
+              </a:cxn>
+              <a:cxn ang="0">
+                <a:pos x="connsiteX14" y="connsiteY14"/>
+              </a:cxn>
+              <a:cxn ang="0">
+                <a:pos x="connsiteX15" y="connsiteY15"/>
+              </a:cxn>
+              <a:cxn ang="0">
+                <a:pos x="connsiteX16" y="connsiteY16"/>
+              </a:cxn>
+              <a:cxn ang="0">
+                <a:pos x="connsiteX17" y="connsiteY17"/>
+              </a:cxn>
+              <a:cxn ang="0">
+                <a:pos x="connsiteX18" y="connsiteY18"/>
+              </a:cxn>
+            </a:cxnLst>
+            <a:rect l="l" t="t" r="r" b="b"/>
+            <a:pathLst>
+              <a:path w="3897089" h="1727202" extrusionOk="0">
+                <a:moveTo>
+                  <a:pt x="0" y="0"/>
+                </a:moveTo>
+                <a:cubicBezTo>
+                  <a:pt x="180658" y="6134"/>
+                  <a:pt x="500687" y="9386"/>
+                  <a:pt x="649515" y="0"/>
+                </a:cubicBezTo>
+                <a:cubicBezTo>
+                  <a:pt x="798344" y="-9386"/>
+                  <a:pt x="997211" y="-22716"/>
+                  <a:pt x="1260059" y="0"/>
+                </a:cubicBezTo>
+                <a:cubicBezTo>
+                  <a:pt x="1522907" y="22716"/>
+                  <a:pt x="1610582" y="9757"/>
+                  <a:pt x="1948545" y="0"/>
+                </a:cubicBezTo>
+                <a:cubicBezTo>
+                  <a:pt x="2286508" y="-9757"/>
+                  <a:pt x="2514369" y="24426"/>
+                  <a:pt x="2676001" y="0"/>
+                </a:cubicBezTo>
+                <a:cubicBezTo>
+                  <a:pt x="2837633" y="-24426"/>
+                  <a:pt x="3119820" y="-19438"/>
+                  <a:pt x="3325516" y="0"/>
+                </a:cubicBezTo>
+                <a:cubicBezTo>
+                  <a:pt x="3531213" y="19438"/>
+                  <a:pt x="3693115" y="3380"/>
+                  <a:pt x="3897089" y="0"/>
+                </a:cubicBezTo>
+                <a:cubicBezTo>
+                  <a:pt x="3875847" y="144577"/>
+                  <a:pt x="3878291" y="313016"/>
+                  <a:pt x="3897089" y="523918"/>
+                </a:cubicBezTo>
+                <a:cubicBezTo>
+                  <a:pt x="3915887" y="734820"/>
+                  <a:pt x="3904561" y="862419"/>
+                  <a:pt x="3897089" y="1047836"/>
+                </a:cubicBezTo>
+                <a:cubicBezTo>
+                  <a:pt x="3889617" y="1233253"/>
+                  <a:pt x="3926715" y="1550911"/>
+                  <a:pt x="3897089" y="1727202"/>
+                </a:cubicBezTo>
+                <a:cubicBezTo>
+                  <a:pt x="3762024" y="1748245"/>
+                  <a:pt x="3479231" y="1711063"/>
+                  <a:pt x="3364487" y="1727202"/>
+                </a:cubicBezTo>
+                <a:cubicBezTo>
+                  <a:pt x="3249743" y="1743341"/>
+                  <a:pt x="2956455" y="1750503"/>
+                  <a:pt x="2637030" y="1727202"/>
+                </a:cubicBezTo>
+                <a:cubicBezTo>
+                  <a:pt x="2317605" y="1703901"/>
+                  <a:pt x="2124029" y="1740325"/>
+                  <a:pt x="1909574" y="1727202"/>
+                </a:cubicBezTo>
+                <a:cubicBezTo>
+                  <a:pt x="1695119" y="1714079"/>
+                  <a:pt x="1541670" y="1747307"/>
+                  <a:pt x="1260059" y="1727202"/>
+                </a:cubicBezTo>
+                <a:cubicBezTo>
+                  <a:pt x="978448" y="1707097"/>
+                  <a:pt x="798812" y="1735232"/>
+                  <a:pt x="649515" y="1727202"/>
+                </a:cubicBezTo>
+                <a:cubicBezTo>
+                  <a:pt x="500218" y="1719172"/>
+                  <a:pt x="194013" y="1730878"/>
+                  <a:pt x="0" y="1727202"/>
+                </a:cubicBezTo>
+                <a:cubicBezTo>
+                  <a:pt x="19030" y="1492430"/>
+                  <a:pt x="-12229" y="1344155"/>
+                  <a:pt x="0" y="1186012"/>
+                </a:cubicBezTo>
+                <a:cubicBezTo>
+                  <a:pt x="12229" y="1027869"/>
+                  <a:pt x="-24493" y="758730"/>
+                  <a:pt x="0" y="644822"/>
+                </a:cubicBezTo>
+                <a:cubicBezTo>
+                  <a:pt x="24493" y="530914"/>
+                  <a:pt x="-28327" y="289360"/>
+                  <a:pt x="0" y="0"/>
+                </a:cubicBezTo>
+                <a:close/>
+              </a:path>
+            </a:pathLst>
+          </a:custGeom>
           <a:noFill/>
+          <a:ln>
+            <a:extLst>
+              <a:ext uri="{C807C97D-BFC1-408E-A445-0C87EB9F89A2}">
+                <ask:lineSketchStyleProps xmlns:ask="http://schemas.microsoft.com/office/drawing/2018/sketchyshapes" sd="1617499634">
+                  <a:prstGeom prst="rect">
+                    <a:avLst/>
+                  </a:prstGeom>
+                  <ask:type>
+                    <ask:lineSketchFreehand/>
+                  </ask:type>
+                </ask:lineSketchStyleProps>
+              </a:ext>
+            </a:extLst>
+          </a:ln>
         </p:spPr>
         <p:style>
           <a:lnRef idx="2">
@@ -5255,10 +5686,143 @@
             <a:off x="3554186" y="1436914"/>
             <a:ext cx="1338944" cy="1502220"/>
           </a:xfrm>
-          <a:prstGeom prst="rect">
+          <a:custGeom>
             <a:avLst/>
-          </a:prstGeom>
+            <a:gdLst>
+              <a:gd name="connsiteX0" fmla="*/ 0 w 1338944"/>
+              <a:gd name="connsiteY0" fmla="*/ 0 h 1502220"/>
+              <a:gd name="connsiteX1" fmla="*/ 656083 w 1338944"/>
+              <a:gd name="connsiteY1" fmla="*/ 0 h 1502220"/>
+              <a:gd name="connsiteX2" fmla="*/ 1338944 w 1338944"/>
+              <a:gd name="connsiteY2" fmla="*/ 0 h 1502220"/>
+              <a:gd name="connsiteX3" fmla="*/ 1338944 w 1338944"/>
+              <a:gd name="connsiteY3" fmla="*/ 530784 h 1502220"/>
+              <a:gd name="connsiteX4" fmla="*/ 1338944 w 1338944"/>
+              <a:gd name="connsiteY4" fmla="*/ 1031524 h 1502220"/>
+              <a:gd name="connsiteX5" fmla="*/ 1338944 w 1338944"/>
+              <a:gd name="connsiteY5" fmla="*/ 1502220 h 1502220"/>
+              <a:gd name="connsiteX6" fmla="*/ 696251 w 1338944"/>
+              <a:gd name="connsiteY6" fmla="*/ 1502220 h 1502220"/>
+              <a:gd name="connsiteX7" fmla="*/ 0 w 1338944"/>
+              <a:gd name="connsiteY7" fmla="*/ 1502220 h 1502220"/>
+              <a:gd name="connsiteX8" fmla="*/ 0 w 1338944"/>
+              <a:gd name="connsiteY8" fmla="*/ 971436 h 1502220"/>
+              <a:gd name="connsiteX9" fmla="*/ 0 w 1338944"/>
+              <a:gd name="connsiteY9" fmla="*/ 440651 h 1502220"/>
+              <a:gd name="connsiteX10" fmla="*/ 0 w 1338944"/>
+              <a:gd name="connsiteY10" fmla="*/ 0 h 1502220"/>
+            </a:gdLst>
+            <a:ahLst/>
+            <a:cxnLst>
+              <a:cxn ang="0">
+                <a:pos x="connsiteX0" y="connsiteY0"/>
+              </a:cxn>
+              <a:cxn ang="0">
+                <a:pos x="connsiteX1" y="connsiteY1"/>
+              </a:cxn>
+              <a:cxn ang="0">
+                <a:pos x="connsiteX2" y="connsiteY2"/>
+              </a:cxn>
+              <a:cxn ang="0">
+                <a:pos x="connsiteX3" y="connsiteY3"/>
+              </a:cxn>
+              <a:cxn ang="0">
+                <a:pos x="connsiteX4" y="connsiteY4"/>
+              </a:cxn>
+              <a:cxn ang="0">
+                <a:pos x="connsiteX5" y="connsiteY5"/>
+              </a:cxn>
+              <a:cxn ang="0">
+                <a:pos x="connsiteX6" y="connsiteY6"/>
+              </a:cxn>
+              <a:cxn ang="0">
+                <a:pos x="connsiteX7" y="connsiteY7"/>
+              </a:cxn>
+              <a:cxn ang="0">
+                <a:pos x="connsiteX8" y="connsiteY8"/>
+              </a:cxn>
+              <a:cxn ang="0">
+                <a:pos x="connsiteX9" y="connsiteY9"/>
+              </a:cxn>
+              <a:cxn ang="0">
+                <a:pos x="connsiteX10" y="connsiteY10"/>
+              </a:cxn>
+            </a:cxnLst>
+            <a:rect l="l" t="t" r="r" b="b"/>
+            <a:pathLst>
+              <a:path w="1338944" h="1502220" extrusionOk="0">
+                <a:moveTo>
+                  <a:pt x="0" y="0"/>
+                </a:moveTo>
+                <a:cubicBezTo>
+                  <a:pt x="200482" y="25301"/>
+                  <a:pt x="371504" y="-5476"/>
+                  <a:pt x="656083" y="0"/>
+                </a:cubicBezTo>
+                <a:cubicBezTo>
+                  <a:pt x="940662" y="5476"/>
+                  <a:pt x="1139353" y="-20652"/>
+                  <a:pt x="1338944" y="0"/>
+                </a:cubicBezTo>
+                <a:cubicBezTo>
+                  <a:pt x="1352605" y="243202"/>
+                  <a:pt x="1347045" y="266479"/>
+                  <a:pt x="1338944" y="530784"/>
+                </a:cubicBezTo>
+                <a:cubicBezTo>
+                  <a:pt x="1330843" y="795089"/>
+                  <a:pt x="1345839" y="889437"/>
+                  <a:pt x="1338944" y="1031524"/>
+                </a:cubicBezTo>
+                <a:cubicBezTo>
+                  <a:pt x="1332049" y="1173611"/>
+                  <a:pt x="1350985" y="1393242"/>
+                  <a:pt x="1338944" y="1502220"/>
+                </a:cubicBezTo>
+                <a:cubicBezTo>
+                  <a:pt x="1103643" y="1478975"/>
+                  <a:pt x="932875" y="1528704"/>
+                  <a:pt x="696251" y="1502220"/>
+                </a:cubicBezTo>
+                <a:cubicBezTo>
+                  <a:pt x="459627" y="1475736"/>
+                  <a:pt x="249876" y="1479740"/>
+                  <a:pt x="0" y="1502220"/>
+                </a:cubicBezTo>
+                <a:cubicBezTo>
+                  <a:pt x="19395" y="1329004"/>
+                  <a:pt x="-9995" y="1105552"/>
+                  <a:pt x="0" y="971436"/>
+                </a:cubicBezTo>
+                <a:cubicBezTo>
+                  <a:pt x="9995" y="837320"/>
+                  <a:pt x="3711" y="663749"/>
+                  <a:pt x="0" y="440651"/>
+                </a:cubicBezTo>
+                <a:cubicBezTo>
+                  <a:pt x="-3711" y="217553"/>
+                  <a:pt x="-21838" y="109368"/>
+                  <a:pt x="0" y="0"/>
+                </a:cubicBezTo>
+                <a:close/>
+              </a:path>
+            </a:pathLst>
+          </a:custGeom>
           <a:noFill/>
+          <a:ln>
+            <a:extLst>
+              <a:ext uri="{C807C97D-BFC1-408E-A445-0C87EB9F89A2}">
+                <ask:lineSketchStyleProps xmlns:ask="http://schemas.microsoft.com/office/drawing/2018/sketchyshapes" sd="1219033472">
+                  <a:prstGeom prst="rect">
+                    <a:avLst/>
+                  </a:prstGeom>
+                  <ask:type>
+                    <ask:lineSketchFreehand/>
+                  </ask:type>
+                </ask:lineSketchStyleProps>
+              </a:ext>
+            </a:extLst>
+          </a:ln>
         </p:spPr>
         <p:style>
           <a:lnRef idx="2">
@@ -5311,10 +5875,143 @@
             <a:off x="3585030" y="3759208"/>
             <a:ext cx="1338944" cy="1502220"/>
           </a:xfrm>
-          <a:prstGeom prst="rect">
+          <a:custGeom>
             <a:avLst/>
-          </a:prstGeom>
+            <a:gdLst>
+              <a:gd name="connsiteX0" fmla="*/ 0 w 1338944"/>
+              <a:gd name="connsiteY0" fmla="*/ 0 h 1502220"/>
+              <a:gd name="connsiteX1" fmla="*/ 656083 w 1338944"/>
+              <a:gd name="connsiteY1" fmla="*/ 0 h 1502220"/>
+              <a:gd name="connsiteX2" fmla="*/ 1338944 w 1338944"/>
+              <a:gd name="connsiteY2" fmla="*/ 0 h 1502220"/>
+              <a:gd name="connsiteX3" fmla="*/ 1338944 w 1338944"/>
+              <a:gd name="connsiteY3" fmla="*/ 530784 h 1502220"/>
+              <a:gd name="connsiteX4" fmla="*/ 1338944 w 1338944"/>
+              <a:gd name="connsiteY4" fmla="*/ 1031524 h 1502220"/>
+              <a:gd name="connsiteX5" fmla="*/ 1338944 w 1338944"/>
+              <a:gd name="connsiteY5" fmla="*/ 1502220 h 1502220"/>
+              <a:gd name="connsiteX6" fmla="*/ 696251 w 1338944"/>
+              <a:gd name="connsiteY6" fmla="*/ 1502220 h 1502220"/>
+              <a:gd name="connsiteX7" fmla="*/ 0 w 1338944"/>
+              <a:gd name="connsiteY7" fmla="*/ 1502220 h 1502220"/>
+              <a:gd name="connsiteX8" fmla="*/ 0 w 1338944"/>
+              <a:gd name="connsiteY8" fmla="*/ 971436 h 1502220"/>
+              <a:gd name="connsiteX9" fmla="*/ 0 w 1338944"/>
+              <a:gd name="connsiteY9" fmla="*/ 440651 h 1502220"/>
+              <a:gd name="connsiteX10" fmla="*/ 0 w 1338944"/>
+              <a:gd name="connsiteY10" fmla="*/ 0 h 1502220"/>
+            </a:gdLst>
+            <a:ahLst/>
+            <a:cxnLst>
+              <a:cxn ang="0">
+                <a:pos x="connsiteX0" y="connsiteY0"/>
+              </a:cxn>
+              <a:cxn ang="0">
+                <a:pos x="connsiteX1" y="connsiteY1"/>
+              </a:cxn>
+              <a:cxn ang="0">
+                <a:pos x="connsiteX2" y="connsiteY2"/>
+              </a:cxn>
+              <a:cxn ang="0">
+                <a:pos x="connsiteX3" y="connsiteY3"/>
+              </a:cxn>
+              <a:cxn ang="0">
+                <a:pos x="connsiteX4" y="connsiteY4"/>
+              </a:cxn>
+              <a:cxn ang="0">
+                <a:pos x="connsiteX5" y="connsiteY5"/>
+              </a:cxn>
+              <a:cxn ang="0">
+                <a:pos x="connsiteX6" y="connsiteY6"/>
+              </a:cxn>
+              <a:cxn ang="0">
+                <a:pos x="connsiteX7" y="connsiteY7"/>
+              </a:cxn>
+              <a:cxn ang="0">
+                <a:pos x="connsiteX8" y="connsiteY8"/>
+              </a:cxn>
+              <a:cxn ang="0">
+                <a:pos x="connsiteX9" y="connsiteY9"/>
+              </a:cxn>
+              <a:cxn ang="0">
+                <a:pos x="connsiteX10" y="connsiteY10"/>
+              </a:cxn>
+            </a:cxnLst>
+            <a:rect l="l" t="t" r="r" b="b"/>
+            <a:pathLst>
+              <a:path w="1338944" h="1502220" extrusionOk="0">
+                <a:moveTo>
+                  <a:pt x="0" y="0"/>
+                </a:moveTo>
+                <a:cubicBezTo>
+                  <a:pt x="200482" y="25301"/>
+                  <a:pt x="371504" y="-5476"/>
+                  <a:pt x="656083" y="0"/>
+                </a:cubicBezTo>
+                <a:cubicBezTo>
+                  <a:pt x="940662" y="5476"/>
+                  <a:pt x="1139353" y="-20652"/>
+                  <a:pt x="1338944" y="0"/>
+                </a:cubicBezTo>
+                <a:cubicBezTo>
+                  <a:pt x="1352605" y="243202"/>
+                  <a:pt x="1347045" y="266479"/>
+                  <a:pt x="1338944" y="530784"/>
+                </a:cubicBezTo>
+                <a:cubicBezTo>
+                  <a:pt x="1330843" y="795089"/>
+                  <a:pt x="1345839" y="889437"/>
+                  <a:pt x="1338944" y="1031524"/>
+                </a:cubicBezTo>
+                <a:cubicBezTo>
+                  <a:pt x="1332049" y="1173611"/>
+                  <a:pt x="1350985" y="1393242"/>
+                  <a:pt x="1338944" y="1502220"/>
+                </a:cubicBezTo>
+                <a:cubicBezTo>
+                  <a:pt x="1103643" y="1478975"/>
+                  <a:pt x="932875" y="1528704"/>
+                  <a:pt x="696251" y="1502220"/>
+                </a:cubicBezTo>
+                <a:cubicBezTo>
+                  <a:pt x="459627" y="1475736"/>
+                  <a:pt x="249876" y="1479740"/>
+                  <a:pt x="0" y="1502220"/>
+                </a:cubicBezTo>
+                <a:cubicBezTo>
+                  <a:pt x="19395" y="1329004"/>
+                  <a:pt x="-9995" y="1105552"/>
+                  <a:pt x="0" y="971436"/>
+                </a:cubicBezTo>
+                <a:cubicBezTo>
+                  <a:pt x="9995" y="837320"/>
+                  <a:pt x="3711" y="663749"/>
+                  <a:pt x="0" y="440651"/>
+                </a:cubicBezTo>
+                <a:cubicBezTo>
+                  <a:pt x="-3711" y="217553"/>
+                  <a:pt x="-21838" y="109368"/>
+                  <a:pt x="0" y="0"/>
+                </a:cubicBezTo>
+                <a:close/>
+              </a:path>
+            </a:pathLst>
+          </a:custGeom>
           <a:noFill/>
+          <a:ln>
+            <a:extLst>
+              <a:ext uri="{C807C97D-BFC1-408E-A445-0C87EB9F89A2}">
+                <ask:lineSketchStyleProps xmlns:ask="http://schemas.microsoft.com/office/drawing/2018/sketchyshapes" sd="1219033472">
+                  <a:prstGeom prst="rect">
+                    <a:avLst/>
+                  </a:prstGeom>
+                  <ask:type>
+                    <ask:lineSketchFreehand/>
+                  </ask:type>
+                </ask:lineSketchStyleProps>
+              </a:ext>
+            </a:extLst>
+          </a:ln>
         </p:spPr>
         <p:style>
           <a:lnRef idx="2">
@@ -5549,6 +6246,8186 @@
     <p:extLst>
       <p:ext uri="{BB962C8B-B14F-4D97-AF65-F5344CB8AC3E}">
         <p14:creationId xmlns:p14="http://schemas.microsoft.com/office/powerpoint/2010/main" val="2873785143"/>
+      </p:ext>
+    </p:extLst>
+  </p:cSld>
+  <p:clrMapOvr>
+    <a:masterClrMapping/>
+  </p:clrMapOvr>
+</p:sld>
+</file>
+
+<file path=ppt/slides/slide2.xml><?xml version="1.0" encoding="utf-8"?>
+<p:sld xmlns:a="http://schemas.openxmlformats.org/drawingml/2006/main" xmlns:r="http://schemas.openxmlformats.org/officeDocument/2006/relationships" xmlns:p="http://schemas.openxmlformats.org/presentationml/2006/main">
+  <p:cSld>
+    <p:spTree>
+      <p:nvGrpSpPr>
+        <p:cNvPr id="1" name=""/>
+        <p:cNvGrpSpPr/>
+        <p:nvPr/>
+      </p:nvGrpSpPr>
+      <p:grpSpPr>
+        <a:xfrm>
+          <a:off x="0" y="0"/>
+          <a:ext cx="0" cy="0"/>
+          <a:chOff x="0" y="0"/>
+          <a:chExt cx="0" cy="0"/>
+        </a:xfrm>
+      </p:grpSpPr>
+      <p:sp>
+        <p:nvSpPr>
+          <p:cNvPr id="5" name="Rectangle 4">
+            <a:extLst>
+              <a:ext uri="{FF2B5EF4-FFF2-40B4-BE49-F238E27FC236}">
+                <a16:creationId xmlns:a16="http://schemas.microsoft.com/office/drawing/2014/main" id="{7D60484B-6593-94BA-2C47-4C40B8BCB894}"/>
+              </a:ext>
+            </a:extLst>
+          </p:cNvPr>
+          <p:cNvSpPr/>
+          <p:nvPr/>
+        </p:nvSpPr>
+        <p:spPr>
+          <a:xfrm>
+            <a:off x="3429081" y="806300"/>
+            <a:ext cx="2971719" cy="4718053"/>
+          </a:xfrm>
+          <a:custGeom>
+            <a:avLst/>
+            <a:gdLst>
+              <a:gd name="connsiteX0" fmla="*/ 0 w 2971719"/>
+              <a:gd name="connsiteY0" fmla="*/ 0 h 4718053"/>
+              <a:gd name="connsiteX1" fmla="*/ 564627 w 2971719"/>
+              <a:gd name="connsiteY1" fmla="*/ 0 h 4718053"/>
+              <a:gd name="connsiteX2" fmla="*/ 1069819 w 2971719"/>
+              <a:gd name="connsiteY2" fmla="*/ 0 h 4718053"/>
+              <a:gd name="connsiteX3" fmla="*/ 1723597 w 2971719"/>
+              <a:gd name="connsiteY3" fmla="*/ 0 h 4718053"/>
+              <a:gd name="connsiteX4" fmla="*/ 2288224 w 2971719"/>
+              <a:gd name="connsiteY4" fmla="*/ 0 h 4718053"/>
+              <a:gd name="connsiteX5" fmla="*/ 2971719 w 2971719"/>
+              <a:gd name="connsiteY5" fmla="*/ 0 h 4718053"/>
+              <a:gd name="connsiteX6" fmla="*/ 2971719 w 2971719"/>
+              <a:gd name="connsiteY6" fmla="*/ 684118 h 4718053"/>
+              <a:gd name="connsiteX7" fmla="*/ 2971719 w 2971719"/>
+              <a:gd name="connsiteY7" fmla="*/ 1273874 h 4718053"/>
+              <a:gd name="connsiteX8" fmla="*/ 2971719 w 2971719"/>
+              <a:gd name="connsiteY8" fmla="*/ 1863631 h 4718053"/>
+              <a:gd name="connsiteX9" fmla="*/ 2971719 w 2971719"/>
+              <a:gd name="connsiteY9" fmla="*/ 2359027 h 4718053"/>
+              <a:gd name="connsiteX10" fmla="*/ 2971719 w 2971719"/>
+              <a:gd name="connsiteY10" fmla="*/ 2854422 h 4718053"/>
+              <a:gd name="connsiteX11" fmla="*/ 2971719 w 2971719"/>
+              <a:gd name="connsiteY11" fmla="*/ 3444179 h 4718053"/>
+              <a:gd name="connsiteX12" fmla="*/ 2971719 w 2971719"/>
+              <a:gd name="connsiteY12" fmla="*/ 4081116 h 4718053"/>
+              <a:gd name="connsiteX13" fmla="*/ 2971719 w 2971719"/>
+              <a:gd name="connsiteY13" fmla="*/ 4718053 h 4718053"/>
+              <a:gd name="connsiteX14" fmla="*/ 2377375 w 2971719"/>
+              <a:gd name="connsiteY14" fmla="*/ 4718053 h 4718053"/>
+              <a:gd name="connsiteX15" fmla="*/ 1842466 w 2971719"/>
+              <a:gd name="connsiteY15" fmla="*/ 4718053 h 4718053"/>
+              <a:gd name="connsiteX16" fmla="*/ 1248122 w 2971719"/>
+              <a:gd name="connsiteY16" fmla="*/ 4718053 h 4718053"/>
+              <a:gd name="connsiteX17" fmla="*/ 594344 w 2971719"/>
+              <a:gd name="connsiteY17" fmla="*/ 4718053 h 4718053"/>
+              <a:gd name="connsiteX18" fmla="*/ 0 w 2971719"/>
+              <a:gd name="connsiteY18" fmla="*/ 4718053 h 4718053"/>
+              <a:gd name="connsiteX19" fmla="*/ 0 w 2971719"/>
+              <a:gd name="connsiteY19" fmla="*/ 4269838 h 4718053"/>
+              <a:gd name="connsiteX20" fmla="*/ 0 w 2971719"/>
+              <a:gd name="connsiteY20" fmla="*/ 3774442 h 4718053"/>
+              <a:gd name="connsiteX21" fmla="*/ 0 w 2971719"/>
+              <a:gd name="connsiteY21" fmla="*/ 3231866 h 4718053"/>
+              <a:gd name="connsiteX22" fmla="*/ 0 w 2971719"/>
+              <a:gd name="connsiteY22" fmla="*/ 2547749 h 4718053"/>
+              <a:gd name="connsiteX23" fmla="*/ 0 w 2971719"/>
+              <a:gd name="connsiteY23" fmla="*/ 1957992 h 4718053"/>
+              <a:gd name="connsiteX24" fmla="*/ 0 w 2971719"/>
+              <a:gd name="connsiteY24" fmla="*/ 1415416 h 4718053"/>
+              <a:gd name="connsiteX25" fmla="*/ 0 w 2971719"/>
+              <a:gd name="connsiteY25" fmla="*/ 967201 h 4718053"/>
+              <a:gd name="connsiteX26" fmla="*/ 0 w 2971719"/>
+              <a:gd name="connsiteY26" fmla="*/ 518986 h 4718053"/>
+              <a:gd name="connsiteX27" fmla="*/ 0 w 2971719"/>
+              <a:gd name="connsiteY27" fmla="*/ 0 h 4718053"/>
+            </a:gdLst>
+            <a:ahLst/>
+            <a:cxnLst>
+              <a:cxn ang="0">
+                <a:pos x="connsiteX0" y="connsiteY0"/>
+              </a:cxn>
+              <a:cxn ang="0">
+                <a:pos x="connsiteX1" y="connsiteY1"/>
+              </a:cxn>
+              <a:cxn ang="0">
+                <a:pos x="connsiteX2" y="connsiteY2"/>
+              </a:cxn>
+              <a:cxn ang="0">
+                <a:pos x="connsiteX3" y="connsiteY3"/>
+              </a:cxn>
+              <a:cxn ang="0">
+                <a:pos x="connsiteX4" y="connsiteY4"/>
+              </a:cxn>
+              <a:cxn ang="0">
+                <a:pos x="connsiteX5" y="connsiteY5"/>
+              </a:cxn>
+              <a:cxn ang="0">
+                <a:pos x="connsiteX6" y="connsiteY6"/>
+              </a:cxn>
+              <a:cxn ang="0">
+                <a:pos x="connsiteX7" y="connsiteY7"/>
+              </a:cxn>
+              <a:cxn ang="0">
+                <a:pos x="connsiteX8" y="connsiteY8"/>
+              </a:cxn>
+              <a:cxn ang="0">
+                <a:pos x="connsiteX9" y="connsiteY9"/>
+              </a:cxn>
+              <a:cxn ang="0">
+                <a:pos x="connsiteX10" y="connsiteY10"/>
+              </a:cxn>
+              <a:cxn ang="0">
+                <a:pos x="connsiteX11" y="connsiteY11"/>
+              </a:cxn>
+              <a:cxn ang="0">
+                <a:pos x="connsiteX12" y="connsiteY12"/>
+              </a:cxn>
+              <a:cxn ang="0">
+                <a:pos x="connsiteX13" y="connsiteY13"/>
+              </a:cxn>
+              <a:cxn ang="0">
+                <a:pos x="connsiteX14" y="connsiteY14"/>
+              </a:cxn>
+              <a:cxn ang="0">
+                <a:pos x="connsiteX15" y="connsiteY15"/>
+              </a:cxn>
+              <a:cxn ang="0">
+                <a:pos x="connsiteX16" y="connsiteY16"/>
+              </a:cxn>
+              <a:cxn ang="0">
+                <a:pos x="connsiteX17" y="connsiteY17"/>
+              </a:cxn>
+              <a:cxn ang="0">
+                <a:pos x="connsiteX18" y="connsiteY18"/>
+              </a:cxn>
+              <a:cxn ang="0">
+                <a:pos x="connsiteX19" y="connsiteY19"/>
+              </a:cxn>
+              <a:cxn ang="0">
+                <a:pos x="connsiteX20" y="connsiteY20"/>
+              </a:cxn>
+              <a:cxn ang="0">
+                <a:pos x="connsiteX21" y="connsiteY21"/>
+              </a:cxn>
+              <a:cxn ang="0">
+                <a:pos x="connsiteX22" y="connsiteY22"/>
+              </a:cxn>
+              <a:cxn ang="0">
+                <a:pos x="connsiteX23" y="connsiteY23"/>
+              </a:cxn>
+              <a:cxn ang="0">
+                <a:pos x="connsiteX24" y="connsiteY24"/>
+              </a:cxn>
+              <a:cxn ang="0">
+                <a:pos x="connsiteX25" y="connsiteY25"/>
+              </a:cxn>
+              <a:cxn ang="0">
+                <a:pos x="connsiteX26" y="connsiteY26"/>
+              </a:cxn>
+              <a:cxn ang="0">
+                <a:pos x="connsiteX27" y="connsiteY27"/>
+              </a:cxn>
+            </a:cxnLst>
+            <a:rect l="l" t="t" r="r" b="b"/>
+            <a:pathLst>
+              <a:path w="2971719" h="4718053" extrusionOk="0">
+                <a:moveTo>
+                  <a:pt x="0" y="0"/>
+                </a:moveTo>
+                <a:cubicBezTo>
+                  <a:pt x="141460" y="-24436"/>
+                  <a:pt x="284864" y="27261"/>
+                  <a:pt x="564627" y="0"/>
+                </a:cubicBezTo>
+                <a:cubicBezTo>
+                  <a:pt x="844390" y="-27261"/>
+                  <a:pt x="914693" y="39004"/>
+                  <a:pt x="1069819" y="0"/>
+                </a:cubicBezTo>
+                <a:cubicBezTo>
+                  <a:pt x="1224945" y="-39004"/>
+                  <a:pt x="1479250" y="48174"/>
+                  <a:pt x="1723597" y="0"/>
+                </a:cubicBezTo>
+                <a:cubicBezTo>
+                  <a:pt x="1967944" y="-48174"/>
+                  <a:pt x="2116289" y="52240"/>
+                  <a:pt x="2288224" y="0"/>
+                </a:cubicBezTo>
+                <a:cubicBezTo>
+                  <a:pt x="2460159" y="-52240"/>
+                  <a:pt x="2655932" y="6140"/>
+                  <a:pt x="2971719" y="0"/>
+                </a:cubicBezTo>
+                <a:cubicBezTo>
+                  <a:pt x="2976368" y="308543"/>
+                  <a:pt x="2908107" y="516902"/>
+                  <a:pt x="2971719" y="684118"/>
+                </a:cubicBezTo>
+                <a:cubicBezTo>
+                  <a:pt x="3035331" y="851334"/>
+                  <a:pt x="2963486" y="992054"/>
+                  <a:pt x="2971719" y="1273874"/>
+                </a:cubicBezTo>
+                <a:cubicBezTo>
+                  <a:pt x="2979952" y="1555694"/>
+                  <a:pt x="2914548" y="1679228"/>
+                  <a:pt x="2971719" y="1863631"/>
+                </a:cubicBezTo>
+                <a:cubicBezTo>
+                  <a:pt x="3028890" y="2048034"/>
+                  <a:pt x="2967547" y="2112658"/>
+                  <a:pt x="2971719" y="2359027"/>
+                </a:cubicBezTo>
+                <a:cubicBezTo>
+                  <a:pt x="2975891" y="2605396"/>
+                  <a:pt x="2969386" y="2740634"/>
+                  <a:pt x="2971719" y="2854422"/>
+                </a:cubicBezTo>
+                <a:cubicBezTo>
+                  <a:pt x="2974052" y="2968210"/>
+                  <a:pt x="2934706" y="3321594"/>
+                  <a:pt x="2971719" y="3444179"/>
+                </a:cubicBezTo>
+                <a:cubicBezTo>
+                  <a:pt x="3008732" y="3566764"/>
+                  <a:pt x="2917274" y="3943387"/>
+                  <a:pt x="2971719" y="4081116"/>
+                </a:cubicBezTo>
+                <a:cubicBezTo>
+                  <a:pt x="3026164" y="4218845"/>
+                  <a:pt x="2927228" y="4504871"/>
+                  <a:pt x="2971719" y="4718053"/>
+                </a:cubicBezTo>
+                <a:cubicBezTo>
+                  <a:pt x="2757685" y="4751371"/>
+                  <a:pt x="2660739" y="4704617"/>
+                  <a:pt x="2377375" y="4718053"/>
+                </a:cubicBezTo>
+                <a:cubicBezTo>
+                  <a:pt x="2094011" y="4731489"/>
+                  <a:pt x="2088007" y="4664072"/>
+                  <a:pt x="1842466" y="4718053"/>
+                </a:cubicBezTo>
+                <a:cubicBezTo>
+                  <a:pt x="1596925" y="4772034"/>
+                  <a:pt x="1528106" y="4660993"/>
+                  <a:pt x="1248122" y="4718053"/>
+                </a:cubicBezTo>
+                <a:cubicBezTo>
+                  <a:pt x="968138" y="4775113"/>
+                  <a:pt x="745191" y="4663343"/>
+                  <a:pt x="594344" y="4718053"/>
+                </a:cubicBezTo>
+                <a:cubicBezTo>
+                  <a:pt x="443497" y="4772763"/>
+                  <a:pt x="202149" y="4717316"/>
+                  <a:pt x="0" y="4718053"/>
+                </a:cubicBezTo>
+                <a:cubicBezTo>
+                  <a:pt x="-1336" y="4610504"/>
+                  <a:pt x="27044" y="4443807"/>
+                  <a:pt x="0" y="4269838"/>
+                </a:cubicBezTo>
+                <a:cubicBezTo>
+                  <a:pt x="-27044" y="4095869"/>
+                  <a:pt x="28336" y="3928141"/>
+                  <a:pt x="0" y="3774442"/>
+                </a:cubicBezTo>
+                <a:cubicBezTo>
+                  <a:pt x="-28336" y="3620743"/>
+                  <a:pt x="14076" y="3475854"/>
+                  <a:pt x="0" y="3231866"/>
+                </a:cubicBezTo>
+                <a:cubicBezTo>
+                  <a:pt x="-14076" y="2987878"/>
+                  <a:pt x="18249" y="2843250"/>
+                  <a:pt x="0" y="2547749"/>
+                </a:cubicBezTo>
+                <a:cubicBezTo>
+                  <a:pt x="-18249" y="2252248"/>
+                  <a:pt x="64789" y="2240529"/>
+                  <a:pt x="0" y="1957992"/>
+                </a:cubicBezTo>
+                <a:cubicBezTo>
+                  <a:pt x="-64789" y="1675455"/>
+                  <a:pt x="34119" y="1679699"/>
+                  <a:pt x="0" y="1415416"/>
+                </a:cubicBezTo>
+                <a:cubicBezTo>
+                  <a:pt x="-34119" y="1151133"/>
+                  <a:pt x="5465" y="1140401"/>
+                  <a:pt x="0" y="967201"/>
+                </a:cubicBezTo>
+                <a:cubicBezTo>
+                  <a:pt x="-5465" y="794002"/>
+                  <a:pt x="17645" y="687714"/>
+                  <a:pt x="0" y="518986"/>
+                </a:cubicBezTo>
+                <a:cubicBezTo>
+                  <a:pt x="-17645" y="350259"/>
+                  <a:pt x="59701" y="258328"/>
+                  <a:pt x="0" y="0"/>
+                </a:cubicBezTo>
+                <a:close/>
+              </a:path>
+            </a:pathLst>
+          </a:custGeom>
+          <a:noFill/>
+          <a:ln>
+            <a:prstDash val="sysDot"/>
+            <a:extLst>
+              <a:ext uri="{C807C97D-BFC1-408E-A445-0C87EB9F89A2}">
+                <ask:lineSketchStyleProps xmlns:ask="http://schemas.microsoft.com/office/drawing/2018/sketchyshapes" sd="1219033472">
+                  <a:prstGeom prst="rect">
+                    <a:avLst/>
+                  </a:prstGeom>
+                  <ask:type>
+                    <ask:lineSketchScribble/>
+                  </ask:type>
+                </ask:lineSketchStyleProps>
+              </a:ext>
+            </a:extLst>
+          </a:ln>
+        </p:spPr>
+        <p:style>
+          <a:lnRef idx="2">
+            <a:schemeClr val="accent1">
+              <a:shade val="15000"/>
+            </a:schemeClr>
+          </a:lnRef>
+          <a:fillRef idx="1">
+            <a:schemeClr val="accent1"/>
+          </a:fillRef>
+          <a:effectRef idx="0">
+            <a:schemeClr val="accent1"/>
+          </a:effectRef>
+          <a:fontRef idx="minor">
+            <a:schemeClr val="lt1"/>
+          </a:fontRef>
+        </p:style>
+        <p:txBody>
+          <a:bodyPr rtlCol="0" anchor="t" anchorCtr="0"/>
+          <a:lstStyle/>
+          <a:p>
+            <a:pPr algn="ctr"/>
+            <a:r>
+              <a:rPr lang="en-US" dirty="0">
+                <a:solidFill>
+                  <a:schemeClr val="accent1">
+                    <a:lumMod val="75000"/>
+                  </a:schemeClr>
+                </a:solidFill>
+              </a:rPr>
+              <a:t>Banking Application</a:t>
+            </a:r>
+          </a:p>
+        </p:txBody>
+      </p:sp>
+      <p:pic>
+        <p:nvPicPr>
+          <p:cNvPr id="18" name="Graphic 17" descr="Bank with solid fill">
+            <a:extLst>
+              <a:ext uri="{FF2B5EF4-FFF2-40B4-BE49-F238E27FC236}">
+                <a16:creationId xmlns:a16="http://schemas.microsoft.com/office/drawing/2014/main" id="{5936E40F-C99B-13F7-5E59-CB917D247161}"/>
+              </a:ext>
+            </a:extLst>
+          </p:cNvPr>
+          <p:cNvPicPr>
+            <a:picLocks noChangeAspect="1"/>
+          </p:cNvPicPr>
+          <p:nvPr/>
+        </p:nvPicPr>
+        <p:blipFill>
+          <a:blip r:embed="rId2">
+            <a:extLst>
+              <a:ext uri="{96DAC541-7B7A-43D3-8B79-37D633B846F1}">
+                <asvg:svgBlip xmlns:asvg="http://schemas.microsoft.com/office/drawing/2016/SVG/main" r:embed="rId3"/>
+              </a:ext>
+            </a:extLst>
+          </a:blip>
+          <a:stretch>
+            <a:fillRect/>
+          </a:stretch>
+        </p:blipFill>
+        <p:spPr>
+          <a:xfrm>
+            <a:off x="4449144" y="1302573"/>
+            <a:ext cx="914400" cy="914400"/>
+          </a:xfrm>
+          <a:prstGeom prst="rect">
+            <a:avLst/>
+          </a:prstGeom>
+        </p:spPr>
+      </p:pic>
+      <p:grpSp>
+        <p:nvGrpSpPr>
+          <p:cNvPr id="40" name="Group 39">
+            <a:extLst>
+              <a:ext uri="{FF2B5EF4-FFF2-40B4-BE49-F238E27FC236}">
+                <a16:creationId xmlns:a16="http://schemas.microsoft.com/office/drawing/2014/main" id="{5B6DCC4A-CD66-1B3D-CA1A-D9D9FB28931D}"/>
+              </a:ext>
+            </a:extLst>
+          </p:cNvPr>
+          <p:cNvGrpSpPr/>
+          <p:nvPr/>
+        </p:nvGrpSpPr>
+        <p:grpSpPr>
+          <a:xfrm>
+            <a:off x="4921672" y="3071232"/>
+            <a:ext cx="944288" cy="581891"/>
+            <a:chOff x="7840639" y="1096816"/>
+            <a:chExt cx="1854117" cy="1532662"/>
+          </a:xfrm>
+        </p:grpSpPr>
+        <p:pic>
+          <p:nvPicPr>
+            <p:cNvPr id="20" name="Graphic 19" descr="Credit card with solid fill">
+              <a:extLst>
+                <a:ext uri="{FF2B5EF4-FFF2-40B4-BE49-F238E27FC236}">
+                  <a16:creationId xmlns:a16="http://schemas.microsoft.com/office/drawing/2014/main" id="{A1A3AC37-86B2-8A53-9D88-400CB8AE1CE1}"/>
+                </a:ext>
+              </a:extLst>
+            </p:cNvPr>
+            <p:cNvPicPr>
+              <a:picLocks noChangeAspect="1"/>
+            </p:cNvPicPr>
+            <p:nvPr/>
+          </p:nvPicPr>
+          <p:blipFill>
+            <a:blip r:embed="rId4">
+              <a:extLst>
+                <a:ext uri="{96DAC541-7B7A-43D3-8B79-37D633B846F1}">
+                  <asvg:svgBlip xmlns:asvg="http://schemas.microsoft.com/office/drawing/2016/SVG/main" r:embed="rId5"/>
+                </a:ext>
+              </a:extLst>
+            </a:blip>
+            <a:stretch>
+              <a:fillRect/>
+            </a:stretch>
+          </p:blipFill>
+          <p:spPr>
+            <a:xfrm>
+              <a:off x="8310497" y="1601066"/>
+              <a:ext cx="914400" cy="914400"/>
+            </a:xfrm>
+            <a:prstGeom prst="rect">
+              <a:avLst/>
+            </a:prstGeom>
+          </p:spPr>
+        </p:pic>
+        <p:sp>
+          <p:nvSpPr>
+            <p:cNvPr id="27" name="Rectangle 26">
+              <a:extLst>
+                <a:ext uri="{FF2B5EF4-FFF2-40B4-BE49-F238E27FC236}">
+                  <a16:creationId xmlns:a16="http://schemas.microsoft.com/office/drawing/2014/main" id="{F754BF64-AA2B-A23F-47E5-DECF1F093265}"/>
+                </a:ext>
+              </a:extLst>
+            </p:cNvPr>
+            <p:cNvSpPr/>
+            <p:nvPr/>
+          </p:nvSpPr>
+          <p:spPr>
+            <a:xfrm>
+              <a:off x="7840639" y="1096816"/>
+              <a:ext cx="1854117" cy="1532662"/>
+            </a:xfrm>
+            <a:custGeom>
+              <a:avLst/>
+              <a:gdLst>
+                <a:gd name="connsiteX0" fmla="*/ 0 w 944288"/>
+                <a:gd name="connsiteY0" fmla="*/ 0 h 581891"/>
+                <a:gd name="connsiteX1" fmla="*/ 462701 w 944288"/>
+                <a:gd name="connsiteY1" fmla="*/ 0 h 581891"/>
+                <a:gd name="connsiteX2" fmla="*/ 944288 w 944288"/>
+                <a:gd name="connsiteY2" fmla="*/ 0 h 581891"/>
+                <a:gd name="connsiteX3" fmla="*/ 944288 w 944288"/>
+                <a:gd name="connsiteY3" fmla="*/ 581891 h 581891"/>
+                <a:gd name="connsiteX4" fmla="*/ 472144 w 944288"/>
+                <a:gd name="connsiteY4" fmla="*/ 581891 h 581891"/>
+                <a:gd name="connsiteX5" fmla="*/ 0 w 944288"/>
+                <a:gd name="connsiteY5" fmla="*/ 581891 h 581891"/>
+                <a:gd name="connsiteX6" fmla="*/ 0 w 944288"/>
+                <a:gd name="connsiteY6" fmla="*/ 0 h 581891"/>
+              </a:gdLst>
+              <a:ahLst/>
+              <a:cxnLst>
+                <a:cxn ang="0">
+                  <a:pos x="connsiteX0" y="connsiteY0"/>
+                </a:cxn>
+                <a:cxn ang="0">
+                  <a:pos x="connsiteX1" y="connsiteY1"/>
+                </a:cxn>
+                <a:cxn ang="0">
+                  <a:pos x="connsiteX2" y="connsiteY2"/>
+                </a:cxn>
+                <a:cxn ang="0">
+                  <a:pos x="connsiteX3" y="connsiteY3"/>
+                </a:cxn>
+                <a:cxn ang="0">
+                  <a:pos x="connsiteX4" y="connsiteY4"/>
+                </a:cxn>
+                <a:cxn ang="0">
+                  <a:pos x="connsiteX5" y="connsiteY5"/>
+                </a:cxn>
+                <a:cxn ang="0">
+                  <a:pos x="connsiteX6" y="connsiteY6"/>
+                </a:cxn>
+              </a:cxnLst>
+              <a:rect l="l" t="t" r="r" b="b"/>
+              <a:pathLst>
+                <a:path w="944288" h="581891" extrusionOk="0">
+                  <a:moveTo>
+                    <a:pt x="0" y="0"/>
+                  </a:moveTo>
+                  <a:cubicBezTo>
+                    <a:pt x="205221" y="-15749"/>
+                    <a:pt x="315227" y="50023"/>
+                    <a:pt x="462701" y="0"/>
+                  </a:cubicBezTo>
+                  <a:cubicBezTo>
+                    <a:pt x="610175" y="-50023"/>
+                    <a:pt x="821364" y="14983"/>
+                    <a:pt x="944288" y="0"/>
+                  </a:cubicBezTo>
+                  <a:cubicBezTo>
+                    <a:pt x="968717" y="216924"/>
+                    <a:pt x="902762" y="353902"/>
+                    <a:pt x="944288" y="581891"/>
+                  </a:cubicBezTo>
+                  <a:cubicBezTo>
+                    <a:pt x="813085" y="621815"/>
+                    <a:pt x="654205" y="563078"/>
+                    <a:pt x="472144" y="581891"/>
+                  </a:cubicBezTo>
+                  <a:cubicBezTo>
+                    <a:pt x="290083" y="600704"/>
+                    <a:pt x="183207" y="534410"/>
+                    <a:pt x="0" y="581891"/>
+                  </a:cubicBezTo>
+                  <a:cubicBezTo>
+                    <a:pt x="-65518" y="451082"/>
+                    <a:pt x="60483" y="206295"/>
+                    <a:pt x="0" y="0"/>
+                  </a:cubicBezTo>
+                  <a:close/>
+                </a:path>
+              </a:pathLst>
+            </a:custGeom>
+            <a:noFill/>
+            <a:ln>
+              <a:prstDash val="sysDot"/>
+              <a:extLst>
+                <a:ext uri="{C807C97D-BFC1-408E-A445-0C87EB9F89A2}">
+                  <ask:lineSketchStyleProps xmlns:ask="http://schemas.microsoft.com/office/drawing/2018/sketchyshapes" sd="1219033472">
+                    <a:prstGeom prst="rect">
+                      <a:avLst/>
+                    </a:prstGeom>
+                    <ask:type>
+                      <ask:lineSketchScribble/>
+                    </ask:type>
+                  </ask:lineSketchStyleProps>
+                </a:ext>
+              </a:extLst>
+            </a:ln>
+          </p:spPr>
+          <p:style>
+            <a:lnRef idx="2">
+              <a:schemeClr val="accent1">
+                <a:shade val="15000"/>
+              </a:schemeClr>
+            </a:lnRef>
+            <a:fillRef idx="1">
+              <a:schemeClr val="accent1"/>
+            </a:fillRef>
+            <a:effectRef idx="0">
+              <a:schemeClr val="accent1"/>
+            </a:effectRef>
+            <a:fontRef idx="minor">
+              <a:schemeClr val="lt1"/>
+            </a:fontRef>
+          </p:style>
+          <p:txBody>
+            <a:bodyPr rtlCol="0" anchor="t" anchorCtr="0"/>
+            <a:lstStyle/>
+            <a:p>
+              <a:pPr algn="ctr"/>
+              <a:r>
+                <a:rPr lang="en-US" sz="1000" dirty="0">
+                  <a:solidFill>
+                    <a:schemeClr val="accent1">
+                      <a:lumMod val="75000"/>
+                    </a:schemeClr>
+                  </a:solidFill>
+                </a:rPr>
+                <a:t>No Risk</a:t>
+              </a:r>
+            </a:p>
+          </p:txBody>
+        </p:sp>
+      </p:grpSp>
+      <p:grpSp>
+        <p:nvGrpSpPr>
+          <p:cNvPr id="41" name="Group 40">
+            <a:extLst>
+              <a:ext uri="{FF2B5EF4-FFF2-40B4-BE49-F238E27FC236}">
+                <a16:creationId xmlns:a16="http://schemas.microsoft.com/office/drawing/2014/main" id="{2967FA07-87C0-FF30-E899-C970637E5A12}"/>
+              </a:ext>
+            </a:extLst>
+          </p:cNvPr>
+          <p:cNvGrpSpPr/>
+          <p:nvPr/>
+        </p:nvGrpSpPr>
+        <p:grpSpPr>
+          <a:xfrm>
+            <a:off x="4918698" y="4024251"/>
+            <a:ext cx="947261" cy="581892"/>
+            <a:chOff x="7840639" y="3087829"/>
+            <a:chExt cx="1854117" cy="1532662"/>
+          </a:xfrm>
+        </p:grpSpPr>
+        <p:pic>
+          <p:nvPicPr>
+            <p:cNvPr id="22" name="Graphic 21" descr="Debt with solid fill">
+              <a:extLst>
+                <a:ext uri="{FF2B5EF4-FFF2-40B4-BE49-F238E27FC236}">
+                  <a16:creationId xmlns:a16="http://schemas.microsoft.com/office/drawing/2014/main" id="{AD7B0E0F-01F6-7877-A5A5-EA90EE421572}"/>
+                </a:ext>
+              </a:extLst>
+            </p:cNvPr>
+            <p:cNvPicPr>
+              <a:picLocks noChangeAspect="1"/>
+            </p:cNvPicPr>
+            <p:nvPr/>
+          </p:nvPicPr>
+          <p:blipFill>
+            <a:blip r:embed="rId6">
+              <a:extLst>
+                <a:ext uri="{96DAC541-7B7A-43D3-8B79-37D633B846F1}">
+                  <asvg:svgBlip xmlns:asvg="http://schemas.microsoft.com/office/drawing/2016/SVG/main" r:embed="rId7"/>
+                </a:ext>
+              </a:extLst>
+            </a:blip>
+            <a:stretch>
+              <a:fillRect/>
+            </a:stretch>
+          </p:blipFill>
+          <p:spPr>
+            <a:xfrm>
+              <a:off x="8310497" y="3658756"/>
+              <a:ext cx="914400" cy="914400"/>
+            </a:xfrm>
+            <a:prstGeom prst="rect">
+              <a:avLst/>
+            </a:prstGeom>
+          </p:spPr>
+        </p:pic>
+        <p:sp>
+          <p:nvSpPr>
+            <p:cNvPr id="28" name="Rectangle 27">
+              <a:extLst>
+                <a:ext uri="{FF2B5EF4-FFF2-40B4-BE49-F238E27FC236}">
+                  <a16:creationId xmlns:a16="http://schemas.microsoft.com/office/drawing/2014/main" id="{86F56752-4908-69AA-0580-9ADFDB573D96}"/>
+                </a:ext>
+              </a:extLst>
+            </p:cNvPr>
+            <p:cNvSpPr/>
+            <p:nvPr/>
+          </p:nvSpPr>
+          <p:spPr>
+            <a:xfrm>
+              <a:off x="7840639" y="3087829"/>
+              <a:ext cx="1854117" cy="1532662"/>
+            </a:xfrm>
+            <a:custGeom>
+              <a:avLst/>
+              <a:gdLst>
+                <a:gd name="connsiteX0" fmla="*/ 0 w 947261"/>
+                <a:gd name="connsiteY0" fmla="*/ 0 h 581892"/>
+                <a:gd name="connsiteX1" fmla="*/ 464158 w 947261"/>
+                <a:gd name="connsiteY1" fmla="*/ 0 h 581892"/>
+                <a:gd name="connsiteX2" fmla="*/ 947261 w 947261"/>
+                <a:gd name="connsiteY2" fmla="*/ 0 h 581892"/>
+                <a:gd name="connsiteX3" fmla="*/ 947261 w 947261"/>
+                <a:gd name="connsiteY3" fmla="*/ 581892 h 581892"/>
+                <a:gd name="connsiteX4" fmla="*/ 473631 w 947261"/>
+                <a:gd name="connsiteY4" fmla="*/ 581892 h 581892"/>
+                <a:gd name="connsiteX5" fmla="*/ 0 w 947261"/>
+                <a:gd name="connsiteY5" fmla="*/ 581892 h 581892"/>
+                <a:gd name="connsiteX6" fmla="*/ 0 w 947261"/>
+                <a:gd name="connsiteY6" fmla="*/ 0 h 581892"/>
+              </a:gdLst>
+              <a:ahLst/>
+              <a:cxnLst>
+                <a:cxn ang="0">
+                  <a:pos x="connsiteX0" y="connsiteY0"/>
+                </a:cxn>
+                <a:cxn ang="0">
+                  <a:pos x="connsiteX1" y="connsiteY1"/>
+                </a:cxn>
+                <a:cxn ang="0">
+                  <a:pos x="connsiteX2" y="connsiteY2"/>
+                </a:cxn>
+                <a:cxn ang="0">
+                  <a:pos x="connsiteX3" y="connsiteY3"/>
+                </a:cxn>
+                <a:cxn ang="0">
+                  <a:pos x="connsiteX4" y="connsiteY4"/>
+                </a:cxn>
+                <a:cxn ang="0">
+                  <a:pos x="connsiteX5" y="connsiteY5"/>
+                </a:cxn>
+                <a:cxn ang="0">
+                  <a:pos x="connsiteX6" y="connsiteY6"/>
+                </a:cxn>
+              </a:cxnLst>
+              <a:rect l="l" t="t" r="r" b="b"/>
+              <a:pathLst>
+                <a:path w="947261" h="581892" extrusionOk="0">
+                  <a:moveTo>
+                    <a:pt x="0" y="0"/>
+                  </a:moveTo>
+                  <a:cubicBezTo>
+                    <a:pt x="175813" y="-49599"/>
+                    <a:pt x="233186" y="7302"/>
+                    <a:pt x="464158" y="0"/>
+                  </a:cubicBezTo>
+                  <a:cubicBezTo>
+                    <a:pt x="695130" y="-7302"/>
+                    <a:pt x="748241" y="26587"/>
+                    <a:pt x="947261" y="0"/>
+                  </a:cubicBezTo>
+                  <a:cubicBezTo>
+                    <a:pt x="977525" y="214294"/>
+                    <a:pt x="908202" y="352200"/>
+                    <a:pt x="947261" y="581892"/>
+                  </a:cubicBezTo>
+                  <a:cubicBezTo>
+                    <a:pt x="784855" y="596940"/>
+                    <a:pt x="614043" y="547491"/>
+                    <a:pt x="473631" y="581892"/>
+                  </a:cubicBezTo>
+                  <a:cubicBezTo>
+                    <a:pt x="333219" y="616293"/>
+                    <a:pt x="168075" y="576957"/>
+                    <a:pt x="0" y="581892"/>
+                  </a:cubicBezTo>
+                  <a:cubicBezTo>
+                    <a:pt x="-767" y="453127"/>
+                    <a:pt x="60419" y="211167"/>
+                    <a:pt x="0" y="0"/>
+                  </a:cubicBezTo>
+                  <a:close/>
+                </a:path>
+              </a:pathLst>
+            </a:custGeom>
+            <a:noFill/>
+            <a:ln>
+              <a:prstDash val="sysDot"/>
+              <a:extLst>
+                <a:ext uri="{C807C97D-BFC1-408E-A445-0C87EB9F89A2}">
+                  <ask:lineSketchStyleProps xmlns:ask="http://schemas.microsoft.com/office/drawing/2018/sketchyshapes" sd="1219033472">
+                    <a:prstGeom prst="rect">
+                      <a:avLst/>
+                    </a:prstGeom>
+                    <ask:type>
+                      <ask:lineSketchScribble/>
+                    </ask:type>
+                  </ask:lineSketchStyleProps>
+                </a:ext>
+              </a:extLst>
+            </a:ln>
+          </p:spPr>
+          <p:style>
+            <a:lnRef idx="2">
+              <a:schemeClr val="accent1">
+                <a:shade val="15000"/>
+              </a:schemeClr>
+            </a:lnRef>
+            <a:fillRef idx="1">
+              <a:schemeClr val="accent1"/>
+            </a:fillRef>
+            <a:effectRef idx="0">
+              <a:schemeClr val="accent1"/>
+            </a:effectRef>
+            <a:fontRef idx="minor">
+              <a:schemeClr val="lt1"/>
+            </a:fontRef>
+          </p:style>
+          <p:txBody>
+            <a:bodyPr rtlCol="0" anchor="t" anchorCtr="0"/>
+            <a:lstStyle/>
+            <a:p>
+              <a:pPr algn="ctr"/>
+              <a:r>
+                <a:rPr lang="en-US" sz="1000" dirty="0">
+                  <a:solidFill>
+                    <a:schemeClr val="accent1">
+                      <a:lumMod val="75000"/>
+                    </a:schemeClr>
+                  </a:solidFill>
+                </a:rPr>
+                <a:t>Risk</a:t>
+              </a:r>
+            </a:p>
+          </p:txBody>
+        </p:sp>
+      </p:grpSp>
+      <p:grpSp>
+        <p:nvGrpSpPr>
+          <p:cNvPr id="34" name="Group 33">
+            <a:extLst>
+              <a:ext uri="{FF2B5EF4-FFF2-40B4-BE49-F238E27FC236}">
+                <a16:creationId xmlns:a16="http://schemas.microsoft.com/office/drawing/2014/main" id="{FAB8395F-D5D6-19B5-6A4D-20C0C3DD6A53}"/>
+              </a:ext>
+            </a:extLst>
+          </p:cNvPr>
+          <p:cNvGrpSpPr/>
+          <p:nvPr/>
+        </p:nvGrpSpPr>
+        <p:grpSpPr>
+          <a:xfrm>
+            <a:off x="382999" y="2764856"/>
+            <a:ext cx="1923392" cy="1689962"/>
+            <a:chOff x="856753" y="1349374"/>
+            <a:chExt cx="1923392" cy="1689962"/>
+          </a:xfrm>
+        </p:grpSpPr>
+        <p:pic>
+          <p:nvPicPr>
+            <p:cNvPr id="26" name="Graphic 25" descr="Loan with solid fill">
+              <a:extLst>
+                <a:ext uri="{FF2B5EF4-FFF2-40B4-BE49-F238E27FC236}">
+                  <a16:creationId xmlns:a16="http://schemas.microsoft.com/office/drawing/2014/main" id="{56096936-100F-4641-09DF-5C748C2CCAE5}"/>
+                </a:ext>
+              </a:extLst>
+            </p:cNvPr>
+            <p:cNvPicPr>
+              <a:picLocks noChangeAspect="1"/>
+            </p:cNvPicPr>
+            <p:nvPr/>
+          </p:nvPicPr>
+          <p:blipFill>
+            <a:blip r:embed="rId8">
+              <a:extLst>
+                <a:ext uri="{96DAC541-7B7A-43D3-8B79-37D633B846F1}">
+                  <asvg:svgBlip xmlns:asvg="http://schemas.microsoft.com/office/drawing/2016/SVG/main" r:embed="rId9"/>
+                </a:ext>
+              </a:extLst>
+            </a:blip>
+            <a:stretch>
+              <a:fillRect/>
+            </a:stretch>
+          </p:blipFill>
+          <p:spPr>
+            <a:xfrm>
+              <a:off x="1326611" y="1863147"/>
+              <a:ext cx="914400" cy="914400"/>
+            </a:xfrm>
+            <a:prstGeom prst="rect">
+              <a:avLst/>
+            </a:prstGeom>
+          </p:spPr>
+        </p:pic>
+        <p:sp>
+          <p:nvSpPr>
+            <p:cNvPr id="29" name="Rectangle 28">
+              <a:extLst>
+                <a:ext uri="{FF2B5EF4-FFF2-40B4-BE49-F238E27FC236}">
+                  <a16:creationId xmlns:a16="http://schemas.microsoft.com/office/drawing/2014/main" id="{0CA134DB-1B83-AD68-912E-D3B1FE97BFA5}"/>
+                </a:ext>
+              </a:extLst>
+            </p:cNvPr>
+            <p:cNvSpPr/>
+            <p:nvPr/>
+          </p:nvSpPr>
+          <p:spPr>
+            <a:xfrm>
+              <a:off x="856753" y="1349374"/>
+              <a:ext cx="1923392" cy="1689962"/>
+            </a:xfrm>
+            <a:custGeom>
+              <a:avLst/>
+              <a:gdLst>
+                <a:gd name="connsiteX0" fmla="*/ 0 w 1923392"/>
+                <a:gd name="connsiteY0" fmla="*/ 0 h 1689962"/>
+                <a:gd name="connsiteX1" fmla="*/ 461614 w 1923392"/>
+                <a:gd name="connsiteY1" fmla="*/ 0 h 1689962"/>
+                <a:gd name="connsiteX2" fmla="*/ 884760 w 1923392"/>
+                <a:gd name="connsiteY2" fmla="*/ 0 h 1689962"/>
+                <a:gd name="connsiteX3" fmla="*/ 1404076 w 1923392"/>
+                <a:gd name="connsiteY3" fmla="*/ 0 h 1689962"/>
+                <a:gd name="connsiteX4" fmla="*/ 1923392 w 1923392"/>
+                <a:gd name="connsiteY4" fmla="*/ 0 h 1689962"/>
+                <a:gd name="connsiteX5" fmla="*/ 1923392 w 1923392"/>
+                <a:gd name="connsiteY5" fmla="*/ 546421 h 1689962"/>
+                <a:gd name="connsiteX6" fmla="*/ 1923392 w 1923392"/>
+                <a:gd name="connsiteY6" fmla="*/ 1075942 h 1689962"/>
+                <a:gd name="connsiteX7" fmla="*/ 1923392 w 1923392"/>
+                <a:gd name="connsiteY7" fmla="*/ 1689962 h 1689962"/>
+                <a:gd name="connsiteX8" fmla="*/ 1442544 w 1923392"/>
+                <a:gd name="connsiteY8" fmla="*/ 1689962 h 1689962"/>
+                <a:gd name="connsiteX9" fmla="*/ 1019398 w 1923392"/>
+                <a:gd name="connsiteY9" fmla="*/ 1689962 h 1689962"/>
+                <a:gd name="connsiteX10" fmla="*/ 538550 w 1923392"/>
+                <a:gd name="connsiteY10" fmla="*/ 1689962 h 1689962"/>
+                <a:gd name="connsiteX11" fmla="*/ 0 w 1923392"/>
+                <a:gd name="connsiteY11" fmla="*/ 1689962 h 1689962"/>
+                <a:gd name="connsiteX12" fmla="*/ 0 w 1923392"/>
+                <a:gd name="connsiteY12" fmla="*/ 1143541 h 1689962"/>
+                <a:gd name="connsiteX13" fmla="*/ 0 w 1923392"/>
+                <a:gd name="connsiteY13" fmla="*/ 597120 h 1689962"/>
+                <a:gd name="connsiteX14" fmla="*/ 0 w 1923392"/>
+                <a:gd name="connsiteY14" fmla="*/ 0 h 1689962"/>
+              </a:gdLst>
+              <a:ahLst/>
+              <a:cxnLst>
+                <a:cxn ang="0">
+                  <a:pos x="connsiteX0" y="connsiteY0"/>
+                </a:cxn>
+                <a:cxn ang="0">
+                  <a:pos x="connsiteX1" y="connsiteY1"/>
+                </a:cxn>
+                <a:cxn ang="0">
+                  <a:pos x="connsiteX2" y="connsiteY2"/>
+                </a:cxn>
+                <a:cxn ang="0">
+                  <a:pos x="connsiteX3" y="connsiteY3"/>
+                </a:cxn>
+                <a:cxn ang="0">
+                  <a:pos x="connsiteX4" y="connsiteY4"/>
+                </a:cxn>
+                <a:cxn ang="0">
+                  <a:pos x="connsiteX5" y="connsiteY5"/>
+                </a:cxn>
+                <a:cxn ang="0">
+                  <a:pos x="connsiteX6" y="connsiteY6"/>
+                </a:cxn>
+                <a:cxn ang="0">
+                  <a:pos x="connsiteX7" y="connsiteY7"/>
+                </a:cxn>
+                <a:cxn ang="0">
+                  <a:pos x="connsiteX8" y="connsiteY8"/>
+                </a:cxn>
+                <a:cxn ang="0">
+                  <a:pos x="connsiteX9" y="connsiteY9"/>
+                </a:cxn>
+                <a:cxn ang="0">
+                  <a:pos x="connsiteX10" y="connsiteY10"/>
+                </a:cxn>
+                <a:cxn ang="0">
+                  <a:pos x="connsiteX11" y="connsiteY11"/>
+                </a:cxn>
+                <a:cxn ang="0">
+                  <a:pos x="connsiteX12" y="connsiteY12"/>
+                </a:cxn>
+                <a:cxn ang="0">
+                  <a:pos x="connsiteX13" y="connsiteY13"/>
+                </a:cxn>
+                <a:cxn ang="0">
+                  <a:pos x="connsiteX14" y="connsiteY14"/>
+                </a:cxn>
+              </a:cxnLst>
+              <a:rect l="l" t="t" r="r" b="b"/>
+              <a:pathLst>
+                <a:path w="1923392" h="1689962" extrusionOk="0">
+                  <a:moveTo>
+                    <a:pt x="0" y="0"/>
+                  </a:moveTo>
+                  <a:cubicBezTo>
+                    <a:pt x="227801" y="-31282"/>
+                    <a:pt x="238772" y="177"/>
+                    <a:pt x="461614" y="0"/>
+                  </a:cubicBezTo>
+                  <a:cubicBezTo>
+                    <a:pt x="684456" y="-177"/>
+                    <a:pt x="750543" y="16802"/>
+                    <a:pt x="884760" y="0"/>
+                  </a:cubicBezTo>
+                  <a:cubicBezTo>
+                    <a:pt x="1018977" y="-16802"/>
+                    <a:pt x="1166083" y="4775"/>
+                    <a:pt x="1404076" y="0"/>
+                  </a:cubicBezTo>
+                  <a:cubicBezTo>
+                    <a:pt x="1642069" y="-4775"/>
+                    <a:pt x="1688438" y="33449"/>
+                    <a:pt x="1923392" y="0"/>
+                  </a:cubicBezTo>
+                  <a:cubicBezTo>
+                    <a:pt x="1935676" y="219725"/>
+                    <a:pt x="1870000" y="383968"/>
+                    <a:pt x="1923392" y="546421"/>
+                  </a:cubicBezTo>
+                  <a:cubicBezTo>
+                    <a:pt x="1976784" y="708874"/>
+                    <a:pt x="1879456" y="829176"/>
+                    <a:pt x="1923392" y="1075942"/>
+                  </a:cubicBezTo>
+                  <a:cubicBezTo>
+                    <a:pt x="1967328" y="1322708"/>
+                    <a:pt x="1888704" y="1446386"/>
+                    <a:pt x="1923392" y="1689962"/>
+                  </a:cubicBezTo>
+                  <a:cubicBezTo>
+                    <a:pt x="1770337" y="1744545"/>
+                    <a:pt x="1630323" y="1669426"/>
+                    <a:pt x="1442544" y="1689962"/>
+                  </a:cubicBezTo>
+                  <a:cubicBezTo>
+                    <a:pt x="1254765" y="1710498"/>
+                    <a:pt x="1191030" y="1656827"/>
+                    <a:pt x="1019398" y="1689962"/>
+                  </a:cubicBezTo>
+                  <a:cubicBezTo>
+                    <a:pt x="847766" y="1723097"/>
+                    <a:pt x="767402" y="1633780"/>
+                    <a:pt x="538550" y="1689962"/>
+                  </a:cubicBezTo>
+                  <a:cubicBezTo>
+                    <a:pt x="309698" y="1746144"/>
+                    <a:pt x="130529" y="1649856"/>
+                    <a:pt x="0" y="1689962"/>
+                  </a:cubicBezTo>
+                  <a:cubicBezTo>
+                    <a:pt x="-45620" y="1433399"/>
+                    <a:pt x="58886" y="1298127"/>
+                    <a:pt x="0" y="1143541"/>
+                  </a:cubicBezTo>
+                  <a:cubicBezTo>
+                    <a:pt x="-58886" y="988955"/>
+                    <a:pt x="14052" y="724923"/>
+                    <a:pt x="0" y="597120"/>
+                  </a:cubicBezTo>
+                  <a:cubicBezTo>
+                    <a:pt x="-14052" y="469317"/>
+                    <a:pt x="29747" y="243293"/>
+                    <a:pt x="0" y="0"/>
+                  </a:cubicBezTo>
+                  <a:close/>
+                </a:path>
+              </a:pathLst>
+            </a:custGeom>
+            <a:noFill/>
+            <a:ln>
+              <a:prstDash val="sysDot"/>
+              <a:extLst>
+                <a:ext uri="{C807C97D-BFC1-408E-A445-0C87EB9F89A2}">
+                  <ask:lineSketchStyleProps xmlns:ask="http://schemas.microsoft.com/office/drawing/2018/sketchyshapes" sd="1219033472">
+                    <a:prstGeom prst="rect">
+                      <a:avLst/>
+                    </a:prstGeom>
+                    <ask:type>
+                      <ask:lineSketchScribble/>
+                    </ask:type>
+                  </ask:lineSketchStyleProps>
+                </a:ext>
+              </a:extLst>
+            </a:ln>
+          </p:spPr>
+          <p:style>
+            <a:lnRef idx="2">
+              <a:schemeClr val="accent1">
+                <a:shade val="15000"/>
+              </a:schemeClr>
+            </a:lnRef>
+            <a:fillRef idx="1">
+              <a:schemeClr val="accent1"/>
+            </a:fillRef>
+            <a:effectRef idx="0">
+              <a:schemeClr val="accent1"/>
+            </a:effectRef>
+            <a:fontRef idx="minor">
+              <a:schemeClr val="lt1"/>
+            </a:fontRef>
+          </p:style>
+          <p:txBody>
+            <a:bodyPr rtlCol="0" anchor="t" anchorCtr="0"/>
+            <a:lstStyle/>
+            <a:p>
+              <a:pPr algn="ctr"/>
+              <a:r>
+                <a:rPr lang="en-US" dirty="0">
+                  <a:solidFill>
+                    <a:schemeClr val="accent1">
+                      <a:lumMod val="75000"/>
+                    </a:schemeClr>
+                  </a:solidFill>
+                </a:rPr>
+                <a:t>Request for credit</a:t>
+              </a:r>
+            </a:p>
+          </p:txBody>
+        </p:sp>
+      </p:grpSp>
+      <p:sp>
+        <p:nvSpPr>
+          <p:cNvPr id="33" name="Rectangle 32">
+            <a:extLst>
+              <a:ext uri="{FF2B5EF4-FFF2-40B4-BE49-F238E27FC236}">
+                <a16:creationId xmlns:a16="http://schemas.microsoft.com/office/drawing/2014/main" id="{87B96956-B009-295B-590B-81D2CD124F98}"/>
+              </a:ext>
+            </a:extLst>
+          </p:cNvPr>
+          <p:cNvSpPr/>
+          <p:nvPr/>
+        </p:nvSpPr>
+        <p:spPr>
+          <a:xfrm>
+            <a:off x="3716690" y="2514599"/>
+            <a:ext cx="2379309" cy="2602346"/>
+          </a:xfrm>
+          <a:custGeom>
+            <a:avLst/>
+            <a:gdLst>
+              <a:gd name="connsiteX0" fmla="*/ 0 w 2379309"/>
+              <a:gd name="connsiteY0" fmla="*/ 0 h 2602346"/>
+              <a:gd name="connsiteX1" fmla="*/ 571034 w 2379309"/>
+              <a:gd name="connsiteY1" fmla="*/ 0 h 2602346"/>
+              <a:gd name="connsiteX2" fmla="*/ 1094482 w 2379309"/>
+              <a:gd name="connsiteY2" fmla="*/ 0 h 2602346"/>
+              <a:gd name="connsiteX3" fmla="*/ 1736896 w 2379309"/>
+              <a:gd name="connsiteY3" fmla="*/ 0 h 2602346"/>
+              <a:gd name="connsiteX4" fmla="*/ 2379309 w 2379309"/>
+              <a:gd name="connsiteY4" fmla="*/ 0 h 2602346"/>
+              <a:gd name="connsiteX5" fmla="*/ 2379309 w 2379309"/>
+              <a:gd name="connsiteY5" fmla="*/ 494446 h 2602346"/>
+              <a:gd name="connsiteX6" fmla="*/ 2379309 w 2379309"/>
+              <a:gd name="connsiteY6" fmla="*/ 962868 h 2602346"/>
+              <a:gd name="connsiteX7" fmla="*/ 2379309 w 2379309"/>
+              <a:gd name="connsiteY7" fmla="*/ 1483337 h 2602346"/>
+              <a:gd name="connsiteX8" fmla="*/ 2379309 w 2379309"/>
+              <a:gd name="connsiteY8" fmla="*/ 2003806 h 2602346"/>
+              <a:gd name="connsiteX9" fmla="*/ 2379309 w 2379309"/>
+              <a:gd name="connsiteY9" fmla="*/ 2602346 h 2602346"/>
+              <a:gd name="connsiteX10" fmla="*/ 1832068 w 2379309"/>
+              <a:gd name="connsiteY10" fmla="*/ 2602346 h 2602346"/>
+              <a:gd name="connsiteX11" fmla="*/ 1237241 w 2379309"/>
+              <a:gd name="connsiteY11" fmla="*/ 2602346 h 2602346"/>
+              <a:gd name="connsiteX12" fmla="*/ 666207 w 2379309"/>
+              <a:gd name="connsiteY12" fmla="*/ 2602346 h 2602346"/>
+              <a:gd name="connsiteX13" fmla="*/ 0 w 2379309"/>
+              <a:gd name="connsiteY13" fmla="*/ 2602346 h 2602346"/>
+              <a:gd name="connsiteX14" fmla="*/ 0 w 2379309"/>
+              <a:gd name="connsiteY14" fmla="*/ 2029830 h 2602346"/>
+              <a:gd name="connsiteX15" fmla="*/ 0 w 2379309"/>
+              <a:gd name="connsiteY15" fmla="*/ 1457314 h 2602346"/>
+              <a:gd name="connsiteX16" fmla="*/ 0 w 2379309"/>
+              <a:gd name="connsiteY16" fmla="*/ 936845 h 2602346"/>
+              <a:gd name="connsiteX17" fmla="*/ 0 w 2379309"/>
+              <a:gd name="connsiteY17" fmla="*/ 0 h 2602346"/>
+            </a:gdLst>
+            <a:ahLst/>
+            <a:cxnLst>
+              <a:cxn ang="0">
+                <a:pos x="connsiteX0" y="connsiteY0"/>
+              </a:cxn>
+              <a:cxn ang="0">
+                <a:pos x="connsiteX1" y="connsiteY1"/>
+              </a:cxn>
+              <a:cxn ang="0">
+                <a:pos x="connsiteX2" y="connsiteY2"/>
+              </a:cxn>
+              <a:cxn ang="0">
+                <a:pos x="connsiteX3" y="connsiteY3"/>
+              </a:cxn>
+              <a:cxn ang="0">
+                <a:pos x="connsiteX4" y="connsiteY4"/>
+              </a:cxn>
+              <a:cxn ang="0">
+                <a:pos x="connsiteX5" y="connsiteY5"/>
+              </a:cxn>
+              <a:cxn ang="0">
+                <a:pos x="connsiteX6" y="connsiteY6"/>
+              </a:cxn>
+              <a:cxn ang="0">
+                <a:pos x="connsiteX7" y="connsiteY7"/>
+              </a:cxn>
+              <a:cxn ang="0">
+                <a:pos x="connsiteX8" y="connsiteY8"/>
+              </a:cxn>
+              <a:cxn ang="0">
+                <a:pos x="connsiteX9" y="connsiteY9"/>
+              </a:cxn>
+              <a:cxn ang="0">
+                <a:pos x="connsiteX10" y="connsiteY10"/>
+              </a:cxn>
+              <a:cxn ang="0">
+                <a:pos x="connsiteX11" y="connsiteY11"/>
+              </a:cxn>
+              <a:cxn ang="0">
+                <a:pos x="connsiteX12" y="connsiteY12"/>
+              </a:cxn>
+              <a:cxn ang="0">
+                <a:pos x="connsiteX13" y="connsiteY13"/>
+              </a:cxn>
+              <a:cxn ang="0">
+                <a:pos x="connsiteX14" y="connsiteY14"/>
+              </a:cxn>
+              <a:cxn ang="0">
+                <a:pos x="connsiteX15" y="connsiteY15"/>
+              </a:cxn>
+              <a:cxn ang="0">
+                <a:pos x="connsiteX16" y="connsiteY16"/>
+              </a:cxn>
+              <a:cxn ang="0">
+                <a:pos x="connsiteX17" y="connsiteY17"/>
+              </a:cxn>
+            </a:cxnLst>
+            <a:rect l="l" t="t" r="r" b="b"/>
+            <a:pathLst>
+              <a:path w="2379309" h="2602346" extrusionOk="0">
+                <a:moveTo>
+                  <a:pt x="0" y="0"/>
+                </a:moveTo>
+                <a:cubicBezTo>
+                  <a:pt x="203382" y="-17508"/>
+                  <a:pt x="425934" y="53362"/>
+                  <a:pt x="571034" y="0"/>
+                </a:cubicBezTo>
+                <a:cubicBezTo>
+                  <a:pt x="716134" y="-53362"/>
+                  <a:pt x="843743" y="49256"/>
+                  <a:pt x="1094482" y="0"/>
+                </a:cubicBezTo>
+                <a:cubicBezTo>
+                  <a:pt x="1345221" y="-49256"/>
+                  <a:pt x="1507551" y="8003"/>
+                  <a:pt x="1736896" y="0"/>
+                </a:cubicBezTo>
+                <a:cubicBezTo>
+                  <a:pt x="1966241" y="-8003"/>
+                  <a:pt x="2133323" y="51454"/>
+                  <a:pt x="2379309" y="0"/>
+                </a:cubicBezTo>
+                <a:cubicBezTo>
+                  <a:pt x="2412654" y="191311"/>
+                  <a:pt x="2349637" y="376848"/>
+                  <a:pt x="2379309" y="494446"/>
+                </a:cubicBezTo>
+                <a:cubicBezTo>
+                  <a:pt x="2408981" y="612044"/>
+                  <a:pt x="2324162" y="746864"/>
+                  <a:pt x="2379309" y="962868"/>
+                </a:cubicBezTo>
+                <a:cubicBezTo>
+                  <a:pt x="2434456" y="1178872"/>
+                  <a:pt x="2332183" y="1313243"/>
+                  <a:pt x="2379309" y="1483337"/>
+                </a:cubicBezTo>
+                <a:cubicBezTo>
+                  <a:pt x="2426435" y="1653431"/>
+                  <a:pt x="2350390" y="1845276"/>
+                  <a:pt x="2379309" y="2003806"/>
+                </a:cubicBezTo>
+                <a:cubicBezTo>
+                  <a:pt x="2408228" y="2162336"/>
+                  <a:pt x="2324704" y="2401579"/>
+                  <a:pt x="2379309" y="2602346"/>
+                </a:cubicBezTo>
+                <a:cubicBezTo>
+                  <a:pt x="2260488" y="2611673"/>
+                  <a:pt x="2015135" y="2591712"/>
+                  <a:pt x="1832068" y="2602346"/>
+                </a:cubicBezTo>
+                <a:cubicBezTo>
+                  <a:pt x="1649001" y="2612980"/>
+                  <a:pt x="1395958" y="2556290"/>
+                  <a:pt x="1237241" y="2602346"/>
+                </a:cubicBezTo>
+                <a:cubicBezTo>
+                  <a:pt x="1078524" y="2648402"/>
+                  <a:pt x="833386" y="2563188"/>
+                  <a:pt x="666207" y="2602346"/>
+                </a:cubicBezTo>
+                <a:cubicBezTo>
+                  <a:pt x="499028" y="2641504"/>
+                  <a:pt x="294944" y="2593888"/>
+                  <a:pt x="0" y="2602346"/>
+                </a:cubicBezTo>
+                <a:cubicBezTo>
+                  <a:pt x="-60084" y="2409655"/>
+                  <a:pt x="25112" y="2231519"/>
+                  <a:pt x="0" y="2029830"/>
+                </a:cubicBezTo>
+                <a:cubicBezTo>
+                  <a:pt x="-25112" y="1828141"/>
+                  <a:pt x="43018" y="1598218"/>
+                  <a:pt x="0" y="1457314"/>
+                </a:cubicBezTo>
+                <a:cubicBezTo>
+                  <a:pt x="-43018" y="1316410"/>
+                  <a:pt x="28908" y="1115237"/>
+                  <a:pt x="0" y="936845"/>
+                </a:cubicBezTo>
+                <a:cubicBezTo>
+                  <a:pt x="-28908" y="758453"/>
+                  <a:pt x="6308" y="317552"/>
+                  <a:pt x="0" y="0"/>
+                </a:cubicBezTo>
+                <a:close/>
+              </a:path>
+            </a:pathLst>
+          </a:custGeom>
+          <a:noFill/>
+          <a:ln>
+            <a:prstDash val="sysDot"/>
+            <a:extLst>
+              <a:ext uri="{C807C97D-BFC1-408E-A445-0C87EB9F89A2}">
+                <ask:lineSketchStyleProps xmlns:ask="http://schemas.microsoft.com/office/drawing/2018/sketchyshapes" sd="1219033472">
+                  <a:prstGeom prst="rect">
+                    <a:avLst/>
+                  </a:prstGeom>
+                  <ask:type>
+                    <ask:lineSketchScribble/>
+                  </ask:type>
+                </ask:lineSketchStyleProps>
+              </a:ext>
+            </a:extLst>
+          </a:ln>
+        </p:spPr>
+        <p:style>
+          <a:lnRef idx="2">
+            <a:schemeClr val="accent1">
+              <a:shade val="15000"/>
+            </a:schemeClr>
+          </a:lnRef>
+          <a:fillRef idx="1">
+            <a:schemeClr val="accent1"/>
+          </a:fillRef>
+          <a:effectRef idx="0">
+            <a:schemeClr val="accent1"/>
+          </a:effectRef>
+          <a:fontRef idx="minor">
+            <a:schemeClr val="lt1"/>
+          </a:fontRef>
+        </p:style>
+        <p:txBody>
+          <a:bodyPr rtlCol="0" anchor="t" anchorCtr="0"/>
+          <a:lstStyle/>
+          <a:p>
+            <a:pPr algn="ctr"/>
+            <a:r>
+              <a:rPr lang="en-US" dirty="0">
+                <a:solidFill>
+                  <a:schemeClr val="accent1">
+                    <a:lumMod val="75000"/>
+                  </a:schemeClr>
+                </a:solidFill>
+              </a:rPr>
+              <a:t>AI</a:t>
+            </a:r>
+          </a:p>
+        </p:txBody>
+      </p:sp>
+      <p:pic>
+        <p:nvPicPr>
+          <p:cNvPr id="47" name="Graphic 46" descr="Upward trend with solid fill">
+            <a:extLst>
+              <a:ext uri="{FF2B5EF4-FFF2-40B4-BE49-F238E27FC236}">
+                <a16:creationId xmlns:a16="http://schemas.microsoft.com/office/drawing/2014/main" id="{3FD83518-9746-CFD4-83DF-5A9B05F6AFEE}"/>
+              </a:ext>
+            </a:extLst>
+          </p:cNvPr>
+          <p:cNvPicPr>
+            <a:picLocks noChangeAspect="1"/>
+          </p:cNvPicPr>
+          <p:nvPr/>
+        </p:nvPicPr>
+        <p:blipFill>
+          <a:blip r:embed="rId10">
+            <a:extLst>
+              <a:ext uri="{96DAC541-7B7A-43D3-8B79-37D633B846F1}">
+                <asvg:svgBlip xmlns:asvg="http://schemas.microsoft.com/office/drawing/2016/SVG/main" r:embed="rId11"/>
+              </a:ext>
+            </a:extLst>
+          </a:blip>
+          <a:stretch>
+            <a:fillRect/>
+          </a:stretch>
+        </p:blipFill>
+        <p:spPr>
+          <a:xfrm>
+            <a:off x="10191135" y="3438135"/>
+            <a:ext cx="914400" cy="914400"/>
+          </a:xfrm>
+          <a:prstGeom prst="rect">
+            <a:avLst/>
+          </a:prstGeom>
+        </p:spPr>
+      </p:pic>
+      <p:grpSp>
+        <p:nvGrpSpPr>
+          <p:cNvPr id="57" name="Group 56">
+            <a:extLst>
+              <a:ext uri="{FF2B5EF4-FFF2-40B4-BE49-F238E27FC236}">
+                <a16:creationId xmlns:a16="http://schemas.microsoft.com/office/drawing/2014/main" id="{911627AF-215B-D32A-C7F9-336A3547F53C}"/>
+              </a:ext>
+            </a:extLst>
+          </p:cNvPr>
+          <p:cNvGrpSpPr/>
+          <p:nvPr/>
+        </p:nvGrpSpPr>
+        <p:grpSpPr>
+          <a:xfrm>
+            <a:off x="7298007" y="3069931"/>
+            <a:ext cx="1450288" cy="1537219"/>
+            <a:chOff x="7402813" y="2481666"/>
+            <a:chExt cx="1450288" cy="1371020"/>
+          </a:xfrm>
+        </p:grpSpPr>
+        <p:pic>
+          <p:nvPicPr>
+            <p:cNvPr id="45" name="Graphic 44" descr="Person with idea outline">
+              <a:extLst>
+                <a:ext uri="{FF2B5EF4-FFF2-40B4-BE49-F238E27FC236}">
+                  <a16:creationId xmlns:a16="http://schemas.microsoft.com/office/drawing/2014/main" id="{368C42F6-47AE-A5CF-97EC-4F4B7856A8AA}"/>
+                </a:ext>
+              </a:extLst>
+            </p:cNvPr>
+            <p:cNvPicPr>
+              <a:picLocks noChangeAspect="1"/>
+            </p:cNvPicPr>
+            <p:nvPr/>
+          </p:nvPicPr>
+          <p:blipFill>
+            <a:blip r:embed="rId12">
+              <a:extLst>
+                <a:ext uri="{96DAC541-7B7A-43D3-8B79-37D633B846F1}">
+                  <asvg:svgBlip xmlns:asvg="http://schemas.microsoft.com/office/drawing/2016/SVG/main" r:embed="rId13"/>
+                </a:ext>
+              </a:extLst>
+            </a:blip>
+            <a:stretch>
+              <a:fillRect/>
+            </a:stretch>
+          </p:blipFill>
+          <p:spPr>
+            <a:xfrm>
+              <a:off x="7670757" y="2826029"/>
+              <a:ext cx="914400" cy="914400"/>
+            </a:xfrm>
+            <a:prstGeom prst="rect">
+              <a:avLst/>
+            </a:prstGeom>
+          </p:spPr>
+        </p:pic>
+        <p:sp>
+          <p:nvSpPr>
+            <p:cNvPr id="50" name="Rectangle 49">
+              <a:extLst>
+                <a:ext uri="{FF2B5EF4-FFF2-40B4-BE49-F238E27FC236}">
+                  <a16:creationId xmlns:a16="http://schemas.microsoft.com/office/drawing/2014/main" id="{73EA43A1-B724-99DA-465F-27B02BC1C24D}"/>
+                </a:ext>
+              </a:extLst>
+            </p:cNvPr>
+            <p:cNvSpPr/>
+            <p:nvPr/>
+          </p:nvSpPr>
+          <p:spPr>
+            <a:xfrm>
+              <a:off x="7402813" y="2481666"/>
+              <a:ext cx="1450288" cy="1371020"/>
+            </a:xfrm>
+            <a:custGeom>
+              <a:avLst/>
+              <a:gdLst>
+                <a:gd name="connsiteX0" fmla="*/ 0 w 1450288"/>
+                <a:gd name="connsiteY0" fmla="*/ 0 h 1537219"/>
+                <a:gd name="connsiteX1" fmla="*/ 468926 w 1450288"/>
+                <a:gd name="connsiteY1" fmla="*/ 0 h 1537219"/>
+                <a:gd name="connsiteX2" fmla="*/ 908847 w 1450288"/>
+                <a:gd name="connsiteY2" fmla="*/ 0 h 1537219"/>
+                <a:gd name="connsiteX3" fmla="*/ 1450288 w 1450288"/>
+                <a:gd name="connsiteY3" fmla="*/ 0 h 1537219"/>
+                <a:gd name="connsiteX4" fmla="*/ 1450288 w 1450288"/>
+                <a:gd name="connsiteY4" fmla="*/ 497034 h 1537219"/>
+                <a:gd name="connsiteX5" fmla="*/ 1450288 w 1450288"/>
+                <a:gd name="connsiteY5" fmla="*/ 978696 h 1537219"/>
+                <a:gd name="connsiteX6" fmla="*/ 1450288 w 1450288"/>
+                <a:gd name="connsiteY6" fmla="*/ 1537219 h 1537219"/>
+                <a:gd name="connsiteX7" fmla="*/ 966859 w 1450288"/>
+                <a:gd name="connsiteY7" fmla="*/ 1537219 h 1537219"/>
+                <a:gd name="connsiteX8" fmla="*/ 454424 w 1450288"/>
+                <a:gd name="connsiteY8" fmla="*/ 1537219 h 1537219"/>
+                <a:gd name="connsiteX9" fmla="*/ 0 w 1450288"/>
+                <a:gd name="connsiteY9" fmla="*/ 1537219 h 1537219"/>
+                <a:gd name="connsiteX10" fmla="*/ 0 w 1450288"/>
+                <a:gd name="connsiteY10" fmla="*/ 1024813 h 1537219"/>
+                <a:gd name="connsiteX11" fmla="*/ 0 w 1450288"/>
+                <a:gd name="connsiteY11" fmla="*/ 527779 h 1537219"/>
+                <a:gd name="connsiteX12" fmla="*/ 0 w 1450288"/>
+                <a:gd name="connsiteY12" fmla="*/ 0 h 1537219"/>
+              </a:gdLst>
+              <a:ahLst/>
+              <a:cxnLst>
+                <a:cxn ang="0">
+                  <a:pos x="connsiteX0" y="connsiteY0"/>
+                </a:cxn>
+                <a:cxn ang="0">
+                  <a:pos x="connsiteX1" y="connsiteY1"/>
+                </a:cxn>
+                <a:cxn ang="0">
+                  <a:pos x="connsiteX2" y="connsiteY2"/>
+                </a:cxn>
+                <a:cxn ang="0">
+                  <a:pos x="connsiteX3" y="connsiteY3"/>
+                </a:cxn>
+                <a:cxn ang="0">
+                  <a:pos x="connsiteX4" y="connsiteY4"/>
+                </a:cxn>
+                <a:cxn ang="0">
+                  <a:pos x="connsiteX5" y="connsiteY5"/>
+                </a:cxn>
+                <a:cxn ang="0">
+                  <a:pos x="connsiteX6" y="connsiteY6"/>
+                </a:cxn>
+                <a:cxn ang="0">
+                  <a:pos x="connsiteX7" y="connsiteY7"/>
+                </a:cxn>
+                <a:cxn ang="0">
+                  <a:pos x="connsiteX8" y="connsiteY8"/>
+                </a:cxn>
+                <a:cxn ang="0">
+                  <a:pos x="connsiteX9" y="connsiteY9"/>
+                </a:cxn>
+                <a:cxn ang="0">
+                  <a:pos x="connsiteX10" y="connsiteY10"/>
+                </a:cxn>
+                <a:cxn ang="0">
+                  <a:pos x="connsiteX11" y="connsiteY11"/>
+                </a:cxn>
+                <a:cxn ang="0">
+                  <a:pos x="connsiteX12" y="connsiteY12"/>
+                </a:cxn>
+              </a:cxnLst>
+              <a:rect l="l" t="t" r="r" b="b"/>
+              <a:pathLst>
+                <a:path w="1450288" h="1537219" extrusionOk="0">
+                  <a:moveTo>
+                    <a:pt x="0" y="0"/>
+                  </a:moveTo>
+                  <a:cubicBezTo>
+                    <a:pt x="162153" y="-48389"/>
+                    <a:pt x="352239" y="16317"/>
+                    <a:pt x="468926" y="0"/>
+                  </a:cubicBezTo>
+                  <a:cubicBezTo>
+                    <a:pt x="585613" y="-16317"/>
+                    <a:pt x="706973" y="52504"/>
+                    <a:pt x="908847" y="0"/>
+                  </a:cubicBezTo>
+                  <a:cubicBezTo>
+                    <a:pt x="1110721" y="-52504"/>
+                    <a:pt x="1285982" y="60378"/>
+                    <a:pt x="1450288" y="0"/>
+                  </a:cubicBezTo>
+                  <a:cubicBezTo>
+                    <a:pt x="1496409" y="139774"/>
+                    <a:pt x="1417994" y="330920"/>
+                    <a:pt x="1450288" y="497034"/>
+                  </a:cubicBezTo>
+                  <a:cubicBezTo>
+                    <a:pt x="1482582" y="663148"/>
+                    <a:pt x="1419923" y="750868"/>
+                    <a:pt x="1450288" y="978696"/>
+                  </a:cubicBezTo>
+                  <a:cubicBezTo>
+                    <a:pt x="1480653" y="1206524"/>
+                    <a:pt x="1384589" y="1284253"/>
+                    <a:pt x="1450288" y="1537219"/>
+                  </a:cubicBezTo>
+                  <a:cubicBezTo>
+                    <a:pt x="1350823" y="1544551"/>
+                    <a:pt x="1202975" y="1535878"/>
+                    <a:pt x="966859" y="1537219"/>
+                  </a:cubicBezTo>
+                  <a:cubicBezTo>
+                    <a:pt x="730743" y="1538560"/>
+                    <a:pt x="624611" y="1498070"/>
+                    <a:pt x="454424" y="1537219"/>
+                  </a:cubicBezTo>
+                  <a:cubicBezTo>
+                    <a:pt x="284237" y="1576368"/>
+                    <a:pt x="213005" y="1490945"/>
+                    <a:pt x="0" y="1537219"/>
+                  </a:cubicBezTo>
+                  <a:cubicBezTo>
+                    <a:pt x="-26812" y="1329440"/>
+                    <a:pt x="13858" y="1268433"/>
+                    <a:pt x="0" y="1024813"/>
+                  </a:cubicBezTo>
+                  <a:cubicBezTo>
+                    <a:pt x="-13858" y="781193"/>
+                    <a:pt x="10434" y="741972"/>
+                    <a:pt x="0" y="527779"/>
+                  </a:cubicBezTo>
+                  <a:cubicBezTo>
+                    <a:pt x="-10434" y="313586"/>
+                    <a:pt x="37426" y="142494"/>
+                    <a:pt x="0" y="0"/>
+                  </a:cubicBezTo>
+                  <a:close/>
+                </a:path>
+              </a:pathLst>
+            </a:custGeom>
+            <a:noFill/>
+            <a:ln>
+              <a:prstDash val="sysDot"/>
+              <a:extLst>
+                <a:ext uri="{C807C97D-BFC1-408E-A445-0C87EB9F89A2}">
+                  <ask:lineSketchStyleProps xmlns:ask="http://schemas.microsoft.com/office/drawing/2018/sketchyshapes" sd="1219033472">
+                    <a:prstGeom prst="rect">
+                      <a:avLst/>
+                    </a:prstGeom>
+                    <ask:type>
+                      <ask:lineSketchScribble/>
+                    </ask:type>
+                  </ask:lineSketchStyleProps>
+                </a:ext>
+              </a:extLst>
+            </a:ln>
+          </p:spPr>
+          <p:style>
+            <a:lnRef idx="2">
+              <a:schemeClr val="accent1">
+                <a:shade val="15000"/>
+              </a:schemeClr>
+            </a:lnRef>
+            <a:fillRef idx="1">
+              <a:schemeClr val="accent1"/>
+            </a:fillRef>
+            <a:effectRef idx="0">
+              <a:schemeClr val="accent1"/>
+            </a:effectRef>
+            <a:fontRef idx="minor">
+              <a:schemeClr val="lt1"/>
+            </a:fontRef>
+          </p:style>
+          <p:txBody>
+            <a:bodyPr rtlCol="0" anchor="t" anchorCtr="0"/>
+            <a:lstStyle/>
+            <a:p>
+              <a:pPr algn="ctr"/>
+              <a:r>
+                <a:rPr lang="en-US" dirty="0">
+                  <a:solidFill>
+                    <a:schemeClr val="accent1">
+                      <a:lumMod val="75000"/>
+                    </a:schemeClr>
+                  </a:solidFill>
+                </a:rPr>
+                <a:t>Insights</a:t>
+              </a:r>
+            </a:p>
+          </p:txBody>
+        </p:sp>
+      </p:grpSp>
+      <p:sp>
+        <p:nvSpPr>
+          <p:cNvPr id="51" name="Rectangle 50">
+            <a:extLst>
+              <a:ext uri="{FF2B5EF4-FFF2-40B4-BE49-F238E27FC236}">
+                <a16:creationId xmlns:a16="http://schemas.microsoft.com/office/drawing/2014/main" id="{7ED9BF53-06E2-917F-3980-D6671955774C}"/>
+              </a:ext>
+            </a:extLst>
+          </p:cNvPr>
+          <p:cNvSpPr/>
+          <p:nvPr/>
+        </p:nvSpPr>
+        <p:spPr>
+          <a:xfrm>
+            <a:off x="9659700" y="3069931"/>
+            <a:ext cx="1977271" cy="1518241"/>
+          </a:xfrm>
+          <a:custGeom>
+            <a:avLst/>
+            <a:gdLst>
+              <a:gd name="connsiteX0" fmla="*/ 0 w 1977271"/>
+              <a:gd name="connsiteY0" fmla="*/ 0 h 1518241"/>
+              <a:gd name="connsiteX1" fmla="*/ 474545 w 1977271"/>
+              <a:gd name="connsiteY1" fmla="*/ 0 h 1518241"/>
+              <a:gd name="connsiteX2" fmla="*/ 909545 w 1977271"/>
+              <a:gd name="connsiteY2" fmla="*/ 0 h 1518241"/>
+              <a:gd name="connsiteX3" fmla="*/ 1443408 w 1977271"/>
+              <a:gd name="connsiteY3" fmla="*/ 0 h 1518241"/>
+              <a:gd name="connsiteX4" fmla="*/ 1977271 w 1977271"/>
+              <a:gd name="connsiteY4" fmla="*/ 0 h 1518241"/>
+              <a:gd name="connsiteX5" fmla="*/ 1977271 w 1977271"/>
+              <a:gd name="connsiteY5" fmla="*/ 490898 h 1518241"/>
+              <a:gd name="connsiteX6" fmla="*/ 1977271 w 1977271"/>
+              <a:gd name="connsiteY6" fmla="*/ 966613 h 1518241"/>
+              <a:gd name="connsiteX7" fmla="*/ 1977271 w 1977271"/>
+              <a:gd name="connsiteY7" fmla="*/ 1518241 h 1518241"/>
+              <a:gd name="connsiteX8" fmla="*/ 1482953 w 1977271"/>
+              <a:gd name="connsiteY8" fmla="*/ 1518241 h 1518241"/>
+              <a:gd name="connsiteX9" fmla="*/ 1047954 w 1977271"/>
+              <a:gd name="connsiteY9" fmla="*/ 1518241 h 1518241"/>
+              <a:gd name="connsiteX10" fmla="*/ 553636 w 1977271"/>
+              <a:gd name="connsiteY10" fmla="*/ 1518241 h 1518241"/>
+              <a:gd name="connsiteX11" fmla="*/ 0 w 1977271"/>
+              <a:gd name="connsiteY11" fmla="*/ 1518241 h 1518241"/>
+              <a:gd name="connsiteX12" fmla="*/ 0 w 1977271"/>
+              <a:gd name="connsiteY12" fmla="*/ 1027343 h 1518241"/>
+              <a:gd name="connsiteX13" fmla="*/ 0 w 1977271"/>
+              <a:gd name="connsiteY13" fmla="*/ 536445 h 1518241"/>
+              <a:gd name="connsiteX14" fmla="*/ 0 w 1977271"/>
+              <a:gd name="connsiteY14" fmla="*/ 0 h 1518241"/>
+            </a:gdLst>
+            <a:ahLst/>
+            <a:cxnLst>
+              <a:cxn ang="0">
+                <a:pos x="connsiteX0" y="connsiteY0"/>
+              </a:cxn>
+              <a:cxn ang="0">
+                <a:pos x="connsiteX1" y="connsiteY1"/>
+              </a:cxn>
+              <a:cxn ang="0">
+                <a:pos x="connsiteX2" y="connsiteY2"/>
+              </a:cxn>
+              <a:cxn ang="0">
+                <a:pos x="connsiteX3" y="connsiteY3"/>
+              </a:cxn>
+              <a:cxn ang="0">
+                <a:pos x="connsiteX4" y="connsiteY4"/>
+              </a:cxn>
+              <a:cxn ang="0">
+                <a:pos x="connsiteX5" y="connsiteY5"/>
+              </a:cxn>
+              <a:cxn ang="0">
+                <a:pos x="connsiteX6" y="connsiteY6"/>
+              </a:cxn>
+              <a:cxn ang="0">
+                <a:pos x="connsiteX7" y="connsiteY7"/>
+              </a:cxn>
+              <a:cxn ang="0">
+                <a:pos x="connsiteX8" y="connsiteY8"/>
+              </a:cxn>
+              <a:cxn ang="0">
+                <a:pos x="connsiteX9" y="connsiteY9"/>
+              </a:cxn>
+              <a:cxn ang="0">
+                <a:pos x="connsiteX10" y="connsiteY10"/>
+              </a:cxn>
+              <a:cxn ang="0">
+                <a:pos x="connsiteX11" y="connsiteY11"/>
+              </a:cxn>
+              <a:cxn ang="0">
+                <a:pos x="connsiteX12" y="connsiteY12"/>
+              </a:cxn>
+              <a:cxn ang="0">
+                <a:pos x="connsiteX13" y="connsiteY13"/>
+              </a:cxn>
+              <a:cxn ang="0">
+                <a:pos x="connsiteX14" y="connsiteY14"/>
+              </a:cxn>
+            </a:cxnLst>
+            <a:rect l="l" t="t" r="r" b="b"/>
+            <a:pathLst>
+              <a:path w="1977271" h="1518241" extrusionOk="0">
+                <a:moveTo>
+                  <a:pt x="0" y="0"/>
+                </a:moveTo>
+                <a:cubicBezTo>
+                  <a:pt x="161076" y="-2851"/>
+                  <a:pt x="326013" y="6534"/>
+                  <a:pt x="474545" y="0"/>
+                </a:cubicBezTo>
+                <a:cubicBezTo>
+                  <a:pt x="623077" y="-6534"/>
+                  <a:pt x="757561" y="38849"/>
+                  <a:pt x="909545" y="0"/>
+                </a:cubicBezTo>
+                <a:cubicBezTo>
+                  <a:pt x="1061529" y="-38849"/>
+                  <a:pt x="1243712" y="40186"/>
+                  <a:pt x="1443408" y="0"/>
+                </a:cubicBezTo>
+                <a:cubicBezTo>
+                  <a:pt x="1643104" y="-40186"/>
+                  <a:pt x="1719997" y="55262"/>
+                  <a:pt x="1977271" y="0"/>
+                </a:cubicBezTo>
+                <a:cubicBezTo>
+                  <a:pt x="2020400" y="155476"/>
+                  <a:pt x="1930018" y="290518"/>
+                  <a:pt x="1977271" y="490898"/>
+                </a:cubicBezTo>
+                <a:cubicBezTo>
+                  <a:pt x="2024524" y="691278"/>
+                  <a:pt x="1946496" y="746815"/>
+                  <a:pt x="1977271" y="966613"/>
+                </a:cubicBezTo>
+                <a:cubicBezTo>
+                  <a:pt x="2008046" y="1186411"/>
+                  <a:pt x="1954626" y="1244805"/>
+                  <a:pt x="1977271" y="1518241"/>
+                </a:cubicBezTo>
+                <a:cubicBezTo>
+                  <a:pt x="1828360" y="1530848"/>
+                  <a:pt x="1605215" y="1496631"/>
+                  <a:pt x="1482953" y="1518241"/>
+                </a:cubicBezTo>
+                <a:cubicBezTo>
+                  <a:pt x="1360691" y="1539851"/>
+                  <a:pt x="1210827" y="1475677"/>
+                  <a:pt x="1047954" y="1518241"/>
+                </a:cubicBezTo>
+                <a:cubicBezTo>
+                  <a:pt x="885081" y="1560805"/>
+                  <a:pt x="737259" y="1486815"/>
+                  <a:pt x="553636" y="1518241"/>
+                </a:cubicBezTo>
+                <a:cubicBezTo>
+                  <a:pt x="370013" y="1549667"/>
+                  <a:pt x="145341" y="1477254"/>
+                  <a:pt x="0" y="1518241"/>
+                </a:cubicBezTo>
+                <a:cubicBezTo>
+                  <a:pt x="-23547" y="1358400"/>
+                  <a:pt x="43563" y="1238978"/>
+                  <a:pt x="0" y="1027343"/>
+                </a:cubicBezTo>
+                <a:cubicBezTo>
+                  <a:pt x="-43563" y="815708"/>
+                  <a:pt x="35278" y="658588"/>
+                  <a:pt x="0" y="536445"/>
+                </a:cubicBezTo>
+                <a:cubicBezTo>
+                  <a:pt x="-35278" y="414302"/>
+                  <a:pt x="2717" y="216487"/>
+                  <a:pt x="0" y="0"/>
+                </a:cubicBezTo>
+                <a:close/>
+              </a:path>
+            </a:pathLst>
+          </a:custGeom>
+          <a:noFill/>
+          <a:ln>
+            <a:prstDash val="sysDot"/>
+            <a:extLst>
+              <a:ext uri="{C807C97D-BFC1-408E-A445-0C87EB9F89A2}">
+                <ask:lineSketchStyleProps xmlns:ask="http://schemas.microsoft.com/office/drawing/2018/sketchyshapes" sd="1219033472">
+                  <a:prstGeom prst="rect">
+                    <a:avLst/>
+                  </a:prstGeom>
+                  <ask:type>
+                    <ask:lineSketchScribble/>
+                  </ask:type>
+                </ask:lineSketchStyleProps>
+              </a:ext>
+            </a:extLst>
+          </a:ln>
+        </p:spPr>
+        <p:style>
+          <a:lnRef idx="2">
+            <a:schemeClr val="accent1">
+              <a:shade val="15000"/>
+            </a:schemeClr>
+          </a:lnRef>
+          <a:fillRef idx="1">
+            <a:schemeClr val="accent1"/>
+          </a:fillRef>
+          <a:effectRef idx="0">
+            <a:schemeClr val="accent1"/>
+          </a:effectRef>
+          <a:fontRef idx="minor">
+            <a:schemeClr val="lt1"/>
+          </a:fontRef>
+        </p:style>
+        <p:txBody>
+          <a:bodyPr rtlCol="0" anchor="t" anchorCtr="0"/>
+          <a:lstStyle/>
+          <a:p>
+            <a:pPr algn="ctr"/>
+            <a:r>
+              <a:rPr lang="en-US" dirty="0">
+                <a:solidFill>
+                  <a:schemeClr val="accent1">
+                    <a:lumMod val="75000"/>
+                  </a:schemeClr>
+                </a:solidFill>
+              </a:rPr>
+              <a:t>Business results</a:t>
+            </a:r>
+          </a:p>
+        </p:txBody>
+      </p:sp>
+      <p:cxnSp>
+        <p:nvCxnSpPr>
+          <p:cNvPr id="53" name="Curved Connector 52">
+            <a:extLst>
+              <a:ext uri="{FF2B5EF4-FFF2-40B4-BE49-F238E27FC236}">
+                <a16:creationId xmlns:a16="http://schemas.microsoft.com/office/drawing/2014/main" id="{AFD9558F-D994-DC06-294E-60BDA8D92EE1}"/>
+              </a:ext>
+            </a:extLst>
+          </p:cNvPr>
+          <p:cNvCxnSpPr>
+            <a:cxnSpLocks/>
+            <a:stCxn id="29" idx="3"/>
+            <a:endCxn id="33" idx="1"/>
+          </p:cNvCxnSpPr>
+          <p:nvPr/>
+        </p:nvCxnSpPr>
+        <p:spPr>
+          <a:xfrm>
+            <a:off x="2306391" y="3609837"/>
+            <a:ext cx="1410299" cy="205935"/>
+          </a:xfrm>
+          <a:prstGeom prst="curvedConnector3">
+            <a:avLst/>
+          </a:prstGeom>
+          <a:ln w="25400">
+            <a:tailEnd type="triangle"/>
+          </a:ln>
+        </p:spPr>
+        <p:style>
+          <a:lnRef idx="1">
+            <a:schemeClr val="accent1"/>
+          </a:lnRef>
+          <a:fillRef idx="0">
+            <a:schemeClr val="accent1"/>
+          </a:fillRef>
+          <a:effectRef idx="0">
+            <a:schemeClr val="accent1"/>
+          </a:effectRef>
+          <a:fontRef idx="minor">
+            <a:schemeClr val="tx1"/>
+          </a:fontRef>
+        </p:style>
+      </p:cxnSp>
+      <p:pic>
+        <p:nvPicPr>
+          <p:cNvPr id="61" name="Graphic 60" descr="Artificial Intelligence outline">
+            <a:extLst>
+              <a:ext uri="{FF2B5EF4-FFF2-40B4-BE49-F238E27FC236}">
+                <a16:creationId xmlns:a16="http://schemas.microsoft.com/office/drawing/2014/main" id="{E09FDA7C-2F13-536B-C7CC-9A052F8B171F}"/>
+              </a:ext>
+            </a:extLst>
+          </p:cNvPr>
+          <p:cNvPicPr>
+            <a:picLocks noChangeAspect="1"/>
+          </p:cNvPicPr>
+          <p:nvPr/>
+        </p:nvPicPr>
+        <p:blipFill>
+          <a:blip r:embed="rId14">
+            <a:extLst>
+              <a:ext uri="{96DAC541-7B7A-43D3-8B79-37D633B846F1}">
+                <asvg:svgBlip xmlns:asvg="http://schemas.microsoft.com/office/drawing/2016/SVG/main" r:embed="rId15"/>
+              </a:ext>
+            </a:extLst>
+          </a:blip>
+          <a:stretch>
+            <a:fillRect/>
+          </a:stretch>
+        </p:blipFill>
+        <p:spPr>
+          <a:xfrm>
+            <a:off x="3765002" y="3262676"/>
+            <a:ext cx="978334" cy="978334"/>
+          </a:xfrm>
+          <a:prstGeom prst="rect">
+            <a:avLst/>
+          </a:prstGeom>
+        </p:spPr>
+      </p:pic>
+      <p:cxnSp>
+        <p:nvCxnSpPr>
+          <p:cNvPr id="63" name="Curved Connector 62">
+            <a:extLst>
+              <a:ext uri="{FF2B5EF4-FFF2-40B4-BE49-F238E27FC236}">
+                <a16:creationId xmlns:a16="http://schemas.microsoft.com/office/drawing/2014/main" id="{BDBE5F17-98EA-611A-DB0A-59821E9956EF}"/>
+              </a:ext>
+            </a:extLst>
+          </p:cNvPr>
+          <p:cNvCxnSpPr>
+            <a:cxnSpLocks/>
+            <a:stCxn id="33" idx="3"/>
+            <a:endCxn id="50" idx="1"/>
+          </p:cNvCxnSpPr>
+          <p:nvPr/>
+        </p:nvCxnSpPr>
+        <p:spPr>
+          <a:xfrm>
+            <a:off x="6095999" y="3815772"/>
+            <a:ext cx="1202008" cy="22769"/>
+          </a:xfrm>
+          <a:prstGeom prst="curvedConnector3">
+            <a:avLst>
+              <a:gd name="adj1" fmla="val 52305"/>
+            </a:avLst>
+          </a:prstGeom>
+          <a:ln w="25400">
+            <a:tailEnd type="triangle"/>
+          </a:ln>
+        </p:spPr>
+        <p:style>
+          <a:lnRef idx="1">
+            <a:schemeClr val="accent1"/>
+          </a:lnRef>
+          <a:fillRef idx="0">
+            <a:schemeClr val="accent1"/>
+          </a:fillRef>
+          <a:effectRef idx="0">
+            <a:schemeClr val="accent1"/>
+          </a:effectRef>
+          <a:fontRef idx="minor">
+            <a:schemeClr val="tx1"/>
+          </a:fontRef>
+        </p:style>
+      </p:cxnSp>
+      <p:cxnSp>
+        <p:nvCxnSpPr>
+          <p:cNvPr id="68" name="Curved Connector 67">
+            <a:extLst>
+              <a:ext uri="{FF2B5EF4-FFF2-40B4-BE49-F238E27FC236}">
+                <a16:creationId xmlns:a16="http://schemas.microsoft.com/office/drawing/2014/main" id="{FB74556E-DBB7-8FCB-BF6B-916FE62031AB}"/>
+              </a:ext>
+            </a:extLst>
+          </p:cNvPr>
+          <p:cNvCxnSpPr>
+            <a:cxnSpLocks/>
+            <a:stCxn id="50" idx="3"/>
+            <a:endCxn id="51" idx="1"/>
+          </p:cNvCxnSpPr>
+          <p:nvPr/>
+        </p:nvCxnSpPr>
+        <p:spPr>
+          <a:xfrm flipV="1">
+            <a:off x="8748295" y="3829052"/>
+            <a:ext cx="911405" cy="9489"/>
+          </a:xfrm>
+          <a:prstGeom prst="curvedConnector3">
+            <a:avLst/>
+          </a:prstGeom>
+          <a:ln w="25400">
+            <a:tailEnd type="triangle"/>
+          </a:ln>
+        </p:spPr>
+        <p:style>
+          <a:lnRef idx="1">
+            <a:schemeClr val="accent1"/>
+          </a:lnRef>
+          <a:fillRef idx="0">
+            <a:schemeClr val="accent1"/>
+          </a:fillRef>
+          <a:effectRef idx="0">
+            <a:schemeClr val="accent1"/>
+          </a:effectRef>
+          <a:fontRef idx="minor">
+            <a:schemeClr val="tx1"/>
+          </a:fontRef>
+        </p:style>
+      </p:cxnSp>
+      <p:pic>
+        <p:nvPicPr>
+          <p:cNvPr id="72" name="Graphic 71" descr="Help outline">
+            <a:extLst>
+              <a:ext uri="{FF2B5EF4-FFF2-40B4-BE49-F238E27FC236}">
+                <a16:creationId xmlns:a16="http://schemas.microsoft.com/office/drawing/2014/main" id="{A3F17961-B202-E383-10DE-86C908F8119A}"/>
+              </a:ext>
+            </a:extLst>
+          </p:cNvPr>
+          <p:cNvPicPr>
+            <a:picLocks noChangeAspect="1"/>
+          </p:cNvPicPr>
+          <p:nvPr/>
+        </p:nvPicPr>
+        <p:blipFill>
+          <a:blip r:embed="rId16">
+            <a:extLst>
+              <a:ext uri="{96DAC541-7B7A-43D3-8B79-37D633B846F1}">
+                <asvg:svgBlip xmlns:asvg="http://schemas.microsoft.com/office/drawing/2016/SVG/main" r:embed="rId17"/>
+              </a:ext>
+            </a:extLst>
+          </a:blip>
+          <a:stretch>
+            <a:fillRect/>
+          </a:stretch>
+        </p:blipFill>
+        <p:spPr>
+          <a:xfrm>
+            <a:off x="5241073" y="3687432"/>
+            <a:ext cx="302509" cy="302509"/>
+          </a:xfrm>
+          <a:prstGeom prst="rect">
+            <a:avLst/>
+          </a:prstGeom>
+        </p:spPr>
+      </p:pic>
+    </p:spTree>
+    <p:extLst>
+      <p:ext uri="{BB962C8B-B14F-4D97-AF65-F5344CB8AC3E}">
+        <p14:creationId xmlns:p14="http://schemas.microsoft.com/office/powerpoint/2010/main" val="627353227"/>
+      </p:ext>
+    </p:extLst>
+  </p:cSld>
+  <p:clrMapOvr>
+    <a:masterClrMapping/>
+  </p:clrMapOvr>
+</p:sld>
+</file>
+
+<file path=ppt/slides/slide3.xml><?xml version="1.0" encoding="utf-8"?>
+<p:sld xmlns:a="http://schemas.openxmlformats.org/drawingml/2006/main" xmlns:r="http://schemas.openxmlformats.org/officeDocument/2006/relationships" xmlns:p="http://schemas.openxmlformats.org/presentationml/2006/main">
+  <p:cSld>
+    <p:spTree>
+      <p:nvGrpSpPr>
+        <p:cNvPr id="1" name=""/>
+        <p:cNvGrpSpPr/>
+        <p:nvPr/>
+      </p:nvGrpSpPr>
+      <p:grpSpPr>
+        <a:xfrm>
+          <a:off x="0" y="0"/>
+          <a:ext cx="0" cy="0"/>
+          <a:chOff x="0" y="0"/>
+          <a:chExt cx="0" cy="0"/>
+        </a:xfrm>
+      </p:grpSpPr>
+      <p:pic>
+        <p:nvPicPr>
+          <p:cNvPr id="38" name="Graphic 37" descr="Customer review outline">
+            <a:extLst>
+              <a:ext uri="{FF2B5EF4-FFF2-40B4-BE49-F238E27FC236}">
+                <a16:creationId xmlns:a16="http://schemas.microsoft.com/office/drawing/2014/main" id="{F0120825-4D04-7B08-A535-52DE15C5AF3B}"/>
+              </a:ext>
+            </a:extLst>
+          </p:cNvPr>
+          <p:cNvPicPr>
+            <a:picLocks noChangeAspect="1"/>
+          </p:cNvPicPr>
+          <p:nvPr/>
+        </p:nvPicPr>
+        <p:blipFill>
+          <a:blip r:embed="rId2">
+            <a:extLst>
+              <a:ext uri="{96DAC541-7B7A-43D3-8B79-37D633B846F1}">
+                <asvg:svgBlip xmlns:asvg="http://schemas.microsoft.com/office/drawing/2016/SVG/main" r:embed="rId3"/>
+              </a:ext>
+            </a:extLst>
+          </a:blip>
+          <a:stretch>
+            <a:fillRect/>
+          </a:stretch>
+        </p:blipFill>
+        <p:spPr>
+          <a:xfrm>
+            <a:off x="1304471" y="3243942"/>
+            <a:ext cx="914400" cy="914400"/>
+          </a:xfrm>
+          <a:prstGeom prst="rect">
+            <a:avLst/>
+          </a:prstGeom>
+        </p:spPr>
+      </p:pic>
+      <p:sp>
+        <p:nvSpPr>
+          <p:cNvPr id="41" name="Rectangle 40">
+            <a:extLst>
+              <a:ext uri="{FF2B5EF4-FFF2-40B4-BE49-F238E27FC236}">
+                <a16:creationId xmlns:a16="http://schemas.microsoft.com/office/drawing/2014/main" id="{DFDA6732-8E92-A3F8-D7B7-8B734EADDE99}"/>
+              </a:ext>
+            </a:extLst>
+          </p:cNvPr>
+          <p:cNvSpPr/>
+          <p:nvPr/>
+        </p:nvSpPr>
+        <p:spPr>
+          <a:xfrm>
+            <a:off x="1092199" y="2318657"/>
+            <a:ext cx="1338944" cy="2220686"/>
+          </a:xfrm>
+          <a:custGeom>
+            <a:avLst/>
+            <a:gdLst>
+              <a:gd name="connsiteX0" fmla="*/ 0 w 1338944"/>
+              <a:gd name="connsiteY0" fmla="*/ 0 h 2220686"/>
+              <a:gd name="connsiteX1" fmla="*/ 432925 w 1338944"/>
+              <a:gd name="connsiteY1" fmla="*/ 0 h 2220686"/>
+              <a:gd name="connsiteX2" fmla="*/ 839072 w 1338944"/>
+              <a:gd name="connsiteY2" fmla="*/ 0 h 2220686"/>
+              <a:gd name="connsiteX3" fmla="*/ 1338944 w 1338944"/>
+              <a:gd name="connsiteY3" fmla="*/ 0 h 2220686"/>
+              <a:gd name="connsiteX4" fmla="*/ 1338944 w 1338944"/>
+              <a:gd name="connsiteY4" fmla="*/ 532965 h 2220686"/>
+              <a:gd name="connsiteX5" fmla="*/ 1338944 w 1338944"/>
+              <a:gd name="connsiteY5" fmla="*/ 1043722 h 2220686"/>
+              <a:gd name="connsiteX6" fmla="*/ 1338944 w 1338944"/>
+              <a:gd name="connsiteY6" fmla="*/ 1554480 h 2220686"/>
+              <a:gd name="connsiteX7" fmla="*/ 1338944 w 1338944"/>
+              <a:gd name="connsiteY7" fmla="*/ 2220686 h 2220686"/>
+              <a:gd name="connsiteX8" fmla="*/ 892629 w 1338944"/>
+              <a:gd name="connsiteY8" fmla="*/ 2220686 h 2220686"/>
+              <a:gd name="connsiteX9" fmla="*/ 486483 w 1338944"/>
+              <a:gd name="connsiteY9" fmla="*/ 2220686 h 2220686"/>
+              <a:gd name="connsiteX10" fmla="*/ 0 w 1338944"/>
+              <a:gd name="connsiteY10" fmla="*/ 2220686 h 2220686"/>
+              <a:gd name="connsiteX11" fmla="*/ 0 w 1338944"/>
+              <a:gd name="connsiteY11" fmla="*/ 1665515 h 2220686"/>
+              <a:gd name="connsiteX12" fmla="*/ 0 w 1338944"/>
+              <a:gd name="connsiteY12" fmla="*/ 1088136 h 2220686"/>
+              <a:gd name="connsiteX13" fmla="*/ 0 w 1338944"/>
+              <a:gd name="connsiteY13" fmla="*/ 555172 h 2220686"/>
+              <a:gd name="connsiteX14" fmla="*/ 0 w 1338944"/>
+              <a:gd name="connsiteY14" fmla="*/ 0 h 2220686"/>
+            </a:gdLst>
+            <a:ahLst/>
+            <a:cxnLst>
+              <a:cxn ang="0">
+                <a:pos x="connsiteX0" y="connsiteY0"/>
+              </a:cxn>
+              <a:cxn ang="0">
+                <a:pos x="connsiteX1" y="connsiteY1"/>
+              </a:cxn>
+              <a:cxn ang="0">
+                <a:pos x="connsiteX2" y="connsiteY2"/>
+              </a:cxn>
+              <a:cxn ang="0">
+                <a:pos x="connsiteX3" y="connsiteY3"/>
+              </a:cxn>
+              <a:cxn ang="0">
+                <a:pos x="connsiteX4" y="connsiteY4"/>
+              </a:cxn>
+              <a:cxn ang="0">
+                <a:pos x="connsiteX5" y="connsiteY5"/>
+              </a:cxn>
+              <a:cxn ang="0">
+                <a:pos x="connsiteX6" y="connsiteY6"/>
+              </a:cxn>
+              <a:cxn ang="0">
+                <a:pos x="connsiteX7" y="connsiteY7"/>
+              </a:cxn>
+              <a:cxn ang="0">
+                <a:pos x="connsiteX8" y="connsiteY8"/>
+              </a:cxn>
+              <a:cxn ang="0">
+                <a:pos x="connsiteX9" y="connsiteY9"/>
+              </a:cxn>
+              <a:cxn ang="0">
+                <a:pos x="connsiteX10" y="connsiteY10"/>
+              </a:cxn>
+              <a:cxn ang="0">
+                <a:pos x="connsiteX11" y="connsiteY11"/>
+              </a:cxn>
+              <a:cxn ang="0">
+                <a:pos x="connsiteX12" y="connsiteY12"/>
+              </a:cxn>
+              <a:cxn ang="0">
+                <a:pos x="connsiteX13" y="connsiteY13"/>
+              </a:cxn>
+              <a:cxn ang="0">
+                <a:pos x="connsiteX14" y="connsiteY14"/>
+              </a:cxn>
+            </a:cxnLst>
+            <a:rect l="l" t="t" r="r" b="b"/>
+            <a:pathLst>
+              <a:path w="1338944" h="2220686" extrusionOk="0">
+                <a:moveTo>
+                  <a:pt x="0" y="0"/>
+                </a:moveTo>
+                <a:cubicBezTo>
+                  <a:pt x="92481" y="-19930"/>
+                  <a:pt x="276365" y="20873"/>
+                  <a:pt x="432925" y="0"/>
+                </a:cubicBezTo>
+                <a:cubicBezTo>
+                  <a:pt x="589486" y="-20873"/>
+                  <a:pt x="750610" y="34526"/>
+                  <a:pt x="839072" y="0"/>
+                </a:cubicBezTo>
+                <a:cubicBezTo>
+                  <a:pt x="927534" y="-34526"/>
+                  <a:pt x="1136150" y="9751"/>
+                  <a:pt x="1338944" y="0"/>
+                </a:cubicBezTo>
+                <a:cubicBezTo>
+                  <a:pt x="1393705" y="132795"/>
+                  <a:pt x="1335550" y="366308"/>
+                  <a:pt x="1338944" y="532965"/>
+                </a:cubicBezTo>
+                <a:cubicBezTo>
+                  <a:pt x="1342338" y="699622"/>
+                  <a:pt x="1307451" y="908527"/>
+                  <a:pt x="1338944" y="1043722"/>
+                </a:cubicBezTo>
+                <a:cubicBezTo>
+                  <a:pt x="1370437" y="1178917"/>
+                  <a:pt x="1309885" y="1299992"/>
+                  <a:pt x="1338944" y="1554480"/>
+                </a:cubicBezTo>
+                <a:cubicBezTo>
+                  <a:pt x="1368003" y="1808968"/>
+                  <a:pt x="1323478" y="1937941"/>
+                  <a:pt x="1338944" y="2220686"/>
+                </a:cubicBezTo>
+                <a:cubicBezTo>
+                  <a:pt x="1130898" y="2268940"/>
+                  <a:pt x="987108" y="2214919"/>
+                  <a:pt x="892629" y="2220686"/>
+                </a:cubicBezTo>
+                <a:cubicBezTo>
+                  <a:pt x="798151" y="2226453"/>
+                  <a:pt x="568946" y="2174844"/>
+                  <a:pt x="486483" y="2220686"/>
+                </a:cubicBezTo>
+                <a:cubicBezTo>
+                  <a:pt x="404020" y="2266528"/>
+                  <a:pt x="146060" y="2164884"/>
+                  <a:pt x="0" y="2220686"/>
+                </a:cubicBezTo>
+                <a:cubicBezTo>
+                  <a:pt x="-46592" y="2041681"/>
+                  <a:pt x="26240" y="1828916"/>
+                  <a:pt x="0" y="1665515"/>
+                </a:cubicBezTo>
+                <a:cubicBezTo>
+                  <a:pt x="-26240" y="1502114"/>
+                  <a:pt x="4507" y="1339706"/>
+                  <a:pt x="0" y="1088136"/>
+                </a:cubicBezTo>
+                <a:cubicBezTo>
+                  <a:pt x="-4507" y="836566"/>
+                  <a:pt x="28281" y="776350"/>
+                  <a:pt x="0" y="555172"/>
+                </a:cubicBezTo>
+                <a:cubicBezTo>
+                  <a:pt x="-28281" y="333994"/>
+                  <a:pt x="10642" y="239263"/>
+                  <a:pt x="0" y="0"/>
+                </a:cubicBezTo>
+                <a:close/>
+              </a:path>
+            </a:pathLst>
+          </a:custGeom>
+          <a:noFill/>
+          <a:ln>
+            <a:prstDash val="sysDot"/>
+            <a:extLst>
+              <a:ext uri="{C807C97D-BFC1-408E-A445-0C87EB9F89A2}">
+                <ask:lineSketchStyleProps xmlns:ask="http://schemas.microsoft.com/office/drawing/2018/sketchyshapes" sd="1219033472">
+                  <a:prstGeom prst="rect">
+                    <a:avLst/>
+                  </a:prstGeom>
+                  <ask:type>
+                    <ask:lineSketchScribble/>
+                  </ask:type>
+                </ask:lineSketchStyleProps>
+              </a:ext>
+            </a:extLst>
+          </a:ln>
+        </p:spPr>
+        <p:style>
+          <a:lnRef idx="2">
+            <a:schemeClr val="accent1">
+              <a:shade val="15000"/>
+            </a:schemeClr>
+          </a:lnRef>
+          <a:fillRef idx="1">
+            <a:schemeClr val="accent1"/>
+          </a:fillRef>
+          <a:effectRef idx="0">
+            <a:schemeClr val="accent1"/>
+          </a:effectRef>
+          <a:fontRef idx="minor">
+            <a:schemeClr val="lt1"/>
+          </a:fontRef>
+        </p:style>
+        <p:txBody>
+          <a:bodyPr rtlCol="0" anchor="t" anchorCtr="0"/>
+          <a:lstStyle/>
+          <a:p>
+            <a:pPr algn="ctr"/>
+            <a:r>
+              <a:rPr lang="en-US" dirty="0">
+                <a:solidFill>
+                  <a:schemeClr val="accent1">
+                    <a:lumMod val="75000"/>
+                  </a:schemeClr>
+                </a:solidFill>
+              </a:rPr>
+              <a:t>Business Objective</a:t>
+            </a:r>
+          </a:p>
+        </p:txBody>
+      </p:sp>
+      <p:pic>
+        <p:nvPicPr>
+          <p:cNvPr id="42" name="Graphic 41" descr="Artificial Intelligence outline">
+            <a:extLst>
+              <a:ext uri="{FF2B5EF4-FFF2-40B4-BE49-F238E27FC236}">
+                <a16:creationId xmlns:a16="http://schemas.microsoft.com/office/drawing/2014/main" id="{1834860B-B98C-DD3C-F2FE-830E57C693CE}"/>
+              </a:ext>
+            </a:extLst>
+          </p:cNvPr>
+          <p:cNvPicPr>
+            <a:picLocks noChangeAspect="1"/>
+          </p:cNvPicPr>
+          <p:nvPr/>
+        </p:nvPicPr>
+        <p:blipFill>
+          <a:blip r:embed="rId4">
+            <a:extLst>
+              <a:ext uri="{96DAC541-7B7A-43D3-8B79-37D633B846F1}">
+                <asvg:svgBlip xmlns:asvg="http://schemas.microsoft.com/office/drawing/2016/SVG/main" r:embed="rId5"/>
+              </a:ext>
+            </a:extLst>
+          </a:blip>
+          <a:stretch>
+            <a:fillRect/>
+          </a:stretch>
+        </p:blipFill>
+        <p:spPr>
+          <a:xfrm>
+            <a:off x="6672944" y="1730829"/>
+            <a:ext cx="914400" cy="914400"/>
+          </a:xfrm>
+          <a:prstGeom prst="rect">
+            <a:avLst/>
+          </a:prstGeom>
+        </p:spPr>
+      </p:pic>
+      <p:pic>
+        <p:nvPicPr>
+          <p:cNvPr id="43" name="Graphic 42" descr="Continuous Improvement with solid fill">
+            <a:extLst>
+              <a:ext uri="{FF2B5EF4-FFF2-40B4-BE49-F238E27FC236}">
+                <a16:creationId xmlns:a16="http://schemas.microsoft.com/office/drawing/2014/main" id="{655D5A6D-95C1-7D3B-91DB-AB6A0E777F54}"/>
+              </a:ext>
+            </a:extLst>
+          </p:cNvPr>
+          <p:cNvPicPr>
+            <a:picLocks noChangeAspect="1"/>
+          </p:cNvPicPr>
+          <p:nvPr/>
+        </p:nvPicPr>
+        <p:blipFill>
+          <a:blip r:embed="rId6">
+            <a:extLst>
+              <a:ext uri="{96DAC541-7B7A-43D3-8B79-37D633B846F1}">
+                <asvg:svgBlip xmlns:asvg="http://schemas.microsoft.com/office/drawing/2016/SVG/main" r:embed="rId7"/>
+              </a:ext>
+            </a:extLst>
+          </a:blip>
+          <a:stretch>
+            <a:fillRect/>
+          </a:stretch>
+        </p:blipFill>
+        <p:spPr>
+          <a:xfrm>
+            <a:off x="5428346" y="1799772"/>
+            <a:ext cx="914400" cy="914400"/>
+          </a:xfrm>
+          <a:prstGeom prst="rect">
+            <a:avLst/>
+          </a:prstGeom>
+        </p:spPr>
+      </p:pic>
+      <p:pic>
+        <p:nvPicPr>
+          <p:cNvPr id="44" name="Graphic 43" descr="Teacher with solid fill">
+            <a:extLst>
+              <a:ext uri="{FF2B5EF4-FFF2-40B4-BE49-F238E27FC236}">
+                <a16:creationId xmlns:a16="http://schemas.microsoft.com/office/drawing/2014/main" id="{F877BBB6-48EE-C020-A851-C4E4B467F980}"/>
+              </a:ext>
+            </a:extLst>
+          </p:cNvPr>
+          <p:cNvPicPr>
+            <a:picLocks noChangeAspect="1"/>
+          </p:cNvPicPr>
+          <p:nvPr/>
+        </p:nvPicPr>
+        <p:blipFill>
+          <a:blip r:embed="rId8">
+            <a:extLst>
+              <a:ext uri="{96DAC541-7B7A-43D3-8B79-37D633B846F1}">
+                <asvg:svgBlip xmlns:asvg="http://schemas.microsoft.com/office/drawing/2016/SVG/main" r:embed="rId9"/>
+              </a:ext>
+            </a:extLst>
+          </a:blip>
+          <a:stretch>
+            <a:fillRect/>
+          </a:stretch>
+        </p:blipFill>
+        <p:spPr>
+          <a:xfrm>
+            <a:off x="7917542" y="1730829"/>
+            <a:ext cx="914400" cy="914400"/>
+          </a:xfrm>
+          <a:prstGeom prst="rect">
+            <a:avLst/>
+          </a:prstGeom>
+        </p:spPr>
+      </p:pic>
+      <p:pic>
+        <p:nvPicPr>
+          <p:cNvPr id="45" name="Graphic 44" descr="Web design with solid fill">
+            <a:extLst>
+              <a:ext uri="{FF2B5EF4-FFF2-40B4-BE49-F238E27FC236}">
+                <a16:creationId xmlns:a16="http://schemas.microsoft.com/office/drawing/2014/main" id="{0D6C0ADC-2AC4-CEFD-8AE4-9E3985E752A3}"/>
+              </a:ext>
+            </a:extLst>
+          </p:cNvPr>
+          <p:cNvPicPr>
+            <a:picLocks noChangeAspect="1"/>
+          </p:cNvPicPr>
+          <p:nvPr/>
+        </p:nvPicPr>
+        <p:blipFill>
+          <a:blip r:embed="rId10">
+            <a:extLst>
+              <a:ext uri="{96DAC541-7B7A-43D3-8B79-37D633B846F1}">
+                <asvg:svgBlip xmlns:asvg="http://schemas.microsoft.com/office/drawing/2016/SVG/main" r:embed="rId11"/>
+              </a:ext>
+            </a:extLst>
+          </a:blip>
+          <a:stretch>
+            <a:fillRect/>
+          </a:stretch>
+        </p:blipFill>
+        <p:spPr>
+          <a:xfrm>
+            <a:off x="3766458" y="1730829"/>
+            <a:ext cx="914400" cy="914400"/>
+          </a:xfrm>
+          <a:prstGeom prst="rect">
+            <a:avLst/>
+          </a:prstGeom>
+        </p:spPr>
+      </p:pic>
+      <p:sp>
+        <p:nvSpPr>
+          <p:cNvPr id="46" name="Rectangle 45">
+            <a:extLst>
+              <a:ext uri="{FF2B5EF4-FFF2-40B4-BE49-F238E27FC236}">
+                <a16:creationId xmlns:a16="http://schemas.microsoft.com/office/drawing/2014/main" id="{C2650840-5B3B-F4DC-3181-FACCC2BC8495}"/>
+              </a:ext>
+            </a:extLst>
+          </p:cNvPr>
+          <p:cNvSpPr/>
+          <p:nvPr/>
+        </p:nvSpPr>
+        <p:spPr>
+          <a:xfrm>
+            <a:off x="5181600" y="3534226"/>
+            <a:ext cx="3773714" cy="1727202"/>
+          </a:xfrm>
+          <a:custGeom>
+            <a:avLst/>
+            <a:gdLst>
+              <a:gd name="connsiteX0" fmla="*/ 0 w 3773714"/>
+              <a:gd name="connsiteY0" fmla="*/ 0 h 1727202"/>
+              <a:gd name="connsiteX1" fmla="*/ 666689 w 3773714"/>
+              <a:gd name="connsiteY1" fmla="*/ 0 h 1727202"/>
+              <a:gd name="connsiteX2" fmla="*/ 1295642 w 3773714"/>
+              <a:gd name="connsiteY2" fmla="*/ 0 h 1727202"/>
+              <a:gd name="connsiteX3" fmla="*/ 1811383 w 3773714"/>
+              <a:gd name="connsiteY3" fmla="*/ 0 h 1727202"/>
+              <a:gd name="connsiteX4" fmla="*/ 2440335 w 3773714"/>
+              <a:gd name="connsiteY4" fmla="*/ 0 h 1727202"/>
+              <a:gd name="connsiteX5" fmla="*/ 3031550 w 3773714"/>
+              <a:gd name="connsiteY5" fmla="*/ 0 h 1727202"/>
+              <a:gd name="connsiteX6" fmla="*/ 3773714 w 3773714"/>
+              <a:gd name="connsiteY6" fmla="*/ 0 h 1727202"/>
+              <a:gd name="connsiteX7" fmla="*/ 3773714 w 3773714"/>
+              <a:gd name="connsiteY7" fmla="*/ 541190 h 1727202"/>
+              <a:gd name="connsiteX8" fmla="*/ 3773714 w 3773714"/>
+              <a:gd name="connsiteY8" fmla="*/ 1099652 h 1727202"/>
+              <a:gd name="connsiteX9" fmla="*/ 3773714 w 3773714"/>
+              <a:gd name="connsiteY9" fmla="*/ 1727202 h 1727202"/>
+              <a:gd name="connsiteX10" fmla="*/ 3257973 w 3773714"/>
+              <a:gd name="connsiteY10" fmla="*/ 1727202 h 1727202"/>
+              <a:gd name="connsiteX11" fmla="*/ 2553546 w 3773714"/>
+              <a:gd name="connsiteY11" fmla="*/ 1727202 h 1727202"/>
+              <a:gd name="connsiteX12" fmla="*/ 1962331 w 3773714"/>
+              <a:gd name="connsiteY12" fmla="*/ 1727202 h 1727202"/>
+              <a:gd name="connsiteX13" fmla="*/ 1333379 w 3773714"/>
+              <a:gd name="connsiteY13" fmla="*/ 1727202 h 1727202"/>
+              <a:gd name="connsiteX14" fmla="*/ 779901 w 3773714"/>
+              <a:gd name="connsiteY14" fmla="*/ 1727202 h 1727202"/>
+              <a:gd name="connsiteX15" fmla="*/ 0 w 3773714"/>
+              <a:gd name="connsiteY15" fmla="*/ 1727202 h 1727202"/>
+              <a:gd name="connsiteX16" fmla="*/ 0 w 3773714"/>
+              <a:gd name="connsiteY16" fmla="*/ 1151468 h 1727202"/>
+              <a:gd name="connsiteX17" fmla="*/ 0 w 3773714"/>
+              <a:gd name="connsiteY17" fmla="*/ 575734 h 1727202"/>
+              <a:gd name="connsiteX18" fmla="*/ 0 w 3773714"/>
+              <a:gd name="connsiteY18" fmla="*/ 0 h 1727202"/>
+            </a:gdLst>
+            <a:ahLst/>
+            <a:cxnLst>
+              <a:cxn ang="0">
+                <a:pos x="connsiteX0" y="connsiteY0"/>
+              </a:cxn>
+              <a:cxn ang="0">
+                <a:pos x="connsiteX1" y="connsiteY1"/>
+              </a:cxn>
+              <a:cxn ang="0">
+                <a:pos x="connsiteX2" y="connsiteY2"/>
+              </a:cxn>
+              <a:cxn ang="0">
+                <a:pos x="connsiteX3" y="connsiteY3"/>
+              </a:cxn>
+              <a:cxn ang="0">
+                <a:pos x="connsiteX4" y="connsiteY4"/>
+              </a:cxn>
+              <a:cxn ang="0">
+                <a:pos x="connsiteX5" y="connsiteY5"/>
+              </a:cxn>
+              <a:cxn ang="0">
+                <a:pos x="connsiteX6" y="connsiteY6"/>
+              </a:cxn>
+              <a:cxn ang="0">
+                <a:pos x="connsiteX7" y="connsiteY7"/>
+              </a:cxn>
+              <a:cxn ang="0">
+                <a:pos x="connsiteX8" y="connsiteY8"/>
+              </a:cxn>
+              <a:cxn ang="0">
+                <a:pos x="connsiteX9" y="connsiteY9"/>
+              </a:cxn>
+              <a:cxn ang="0">
+                <a:pos x="connsiteX10" y="connsiteY10"/>
+              </a:cxn>
+              <a:cxn ang="0">
+                <a:pos x="connsiteX11" y="connsiteY11"/>
+              </a:cxn>
+              <a:cxn ang="0">
+                <a:pos x="connsiteX12" y="connsiteY12"/>
+              </a:cxn>
+              <a:cxn ang="0">
+                <a:pos x="connsiteX13" y="connsiteY13"/>
+              </a:cxn>
+              <a:cxn ang="0">
+                <a:pos x="connsiteX14" y="connsiteY14"/>
+              </a:cxn>
+              <a:cxn ang="0">
+                <a:pos x="connsiteX15" y="connsiteY15"/>
+              </a:cxn>
+              <a:cxn ang="0">
+                <a:pos x="connsiteX16" y="connsiteY16"/>
+              </a:cxn>
+              <a:cxn ang="0">
+                <a:pos x="connsiteX17" y="connsiteY17"/>
+              </a:cxn>
+              <a:cxn ang="0">
+                <a:pos x="connsiteX18" y="connsiteY18"/>
+              </a:cxn>
+            </a:cxnLst>
+            <a:rect l="l" t="t" r="r" b="b"/>
+            <a:pathLst>
+              <a:path w="3773714" h="1727202" extrusionOk="0">
+                <a:moveTo>
+                  <a:pt x="0" y="0"/>
+                </a:moveTo>
+                <a:cubicBezTo>
+                  <a:pt x="320767" y="-11317"/>
+                  <a:pt x="525006" y="-16254"/>
+                  <a:pt x="666689" y="0"/>
+                </a:cubicBezTo>
+                <a:cubicBezTo>
+                  <a:pt x="808372" y="16254"/>
+                  <a:pt x="1078518" y="-1013"/>
+                  <a:pt x="1295642" y="0"/>
+                </a:cubicBezTo>
+                <a:cubicBezTo>
+                  <a:pt x="1512766" y="1013"/>
+                  <a:pt x="1678102" y="-15845"/>
+                  <a:pt x="1811383" y="0"/>
+                </a:cubicBezTo>
+                <a:cubicBezTo>
+                  <a:pt x="1944664" y="15845"/>
+                  <a:pt x="2294193" y="19198"/>
+                  <a:pt x="2440335" y="0"/>
+                </a:cubicBezTo>
+                <a:cubicBezTo>
+                  <a:pt x="2586477" y="-19198"/>
+                  <a:pt x="2815369" y="-22133"/>
+                  <a:pt x="3031550" y="0"/>
+                </a:cubicBezTo>
+                <a:cubicBezTo>
+                  <a:pt x="3247732" y="22133"/>
+                  <a:pt x="3407252" y="-13831"/>
+                  <a:pt x="3773714" y="0"/>
+                </a:cubicBezTo>
+                <a:cubicBezTo>
+                  <a:pt x="3796209" y="131799"/>
+                  <a:pt x="3791615" y="309843"/>
+                  <a:pt x="3773714" y="541190"/>
+                </a:cubicBezTo>
+                <a:cubicBezTo>
+                  <a:pt x="3755814" y="772537"/>
+                  <a:pt x="3761261" y="976301"/>
+                  <a:pt x="3773714" y="1099652"/>
+                </a:cubicBezTo>
+                <a:cubicBezTo>
+                  <a:pt x="3786167" y="1223003"/>
+                  <a:pt x="3768983" y="1511044"/>
+                  <a:pt x="3773714" y="1727202"/>
+                </a:cubicBezTo>
+                <a:cubicBezTo>
+                  <a:pt x="3648035" y="1724636"/>
+                  <a:pt x="3367774" y="1710216"/>
+                  <a:pt x="3257973" y="1727202"/>
+                </a:cubicBezTo>
+                <a:cubicBezTo>
+                  <a:pt x="3148172" y="1744188"/>
+                  <a:pt x="2844740" y="1723278"/>
+                  <a:pt x="2553546" y="1727202"/>
+                </a:cubicBezTo>
+                <a:cubicBezTo>
+                  <a:pt x="2262352" y="1731126"/>
+                  <a:pt x="2253983" y="1719330"/>
+                  <a:pt x="1962331" y="1727202"/>
+                </a:cubicBezTo>
+                <a:cubicBezTo>
+                  <a:pt x="1670679" y="1735074"/>
+                  <a:pt x="1511188" y="1703494"/>
+                  <a:pt x="1333379" y="1727202"/>
+                </a:cubicBezTo>
+                <a:cubicBezTo>
+                  <a:pt x="1155570" y="1750910"/>
+                  <a:pt x="908100" y="1750766"/>
+                  <a:pt x="779901" y="1727202"/>
+                </a:cubicBezTo>
+                <a:cubicBezTo>
+                  <a:pt x="651702" y="1703638"/>
+                  <a:pt x="252327" y="1693116"/>
+                  <a:pt x="0" y="1727202"/>
+                </a:cubicBezTo>
+                <a:cubicBezTo>
+                  <a:pt x="16707" y="1509279"/>
+                  <a:pt x="15760" y="1299846"/>
+                  <a:pt x="0" y="1151468"/>
+                </a:cubicBezTo>
+                <a:cubicBezTo>
+                  <a:pt x="-15760" y="1003090"/>
+                  <a:pt x="-27093" y="717509"/>
+                  <a:pt x="0" y="575734"/>
+                </a:cubicBezTo>
+                <a:cubicBezTo>
+                  <a:pt x="27093" y="433959"/>
+                  <a:pt x="-1573" y="196938"/>
+                  <a:pt x="0" y="0"/>
+                </a:cubicBezTo>
+                <a:close/>
+              </a:path>
+            </a:pathLst>
+          </a:custGeom>
+          <a:noFill/>
+          <a:ln>
+            <a:extLst>
+              <a:ext uri="{C807C97D-BFC1-408E-A445-0C87EB9F89A2}">
+                <ask:lineSketchStyleProps xmlns:ask="http://schemas.microsoft.com/office/drawing/2018/sketchyshapes" sd="1187246233">
+                  <a:prstGeom prst="rect">
+                    <a:avLst/>
+                  </a:prstGeom>
+                  <ask:type>
+                    <ask:lineSketchFreehand/>
+                  </ask:type>
+                </ask:lineSketchStyleProps>
+              </a:ext>
+            </a:extLst>
+          </a:ln>
+        </p:spPr>
+        <p:style>
+          <a:lnRef idx="2">
+            <a:schemeClr val="accent1">
+              <a:shade val="15000"/>
+            </a:schemeClr>
+          </a:lnRef>
+          <a:fillRef idx="1">
+            <a:schemeClr val="accent1"/>
+          </a:fillRef>
+          <a:effectRef idx="0">
+            <a:schemeClr val="accent1"/>
+          </a:effectRef>
+          <a:fontRef idx="minor">
+            <a:schemeClr val="lt1"/>
+          </a:fontRef>
+        </p:style>
+        <p:txBody>
+          <a:bodyPr rtlCol="0" anchor="t" anchorCtr="0"/>
+          <a:lstStyle/>
+          <a:p>
+            <a:pPr algn="ctr"/>
+            <a:r>
+              <a:rPr lang="en-US" dirty="0">
+                <a:solidFill>
+                  <a:schemeClr val="accent1">
+                    <a:lumMod val="75000"/>
+                  </a:schemeClr>
+                </a:solidFill>
+              </a:rPr>
+              <a:t>ML/OPs</a:t>
+            </a:r>
+          </a:p>
+        </p:txBody>
+      </p:sp>
+      <p:pic>
+        <p:nvPicPr>
+          <p:cNvPr id="47" name="Graphic 46" descr="Database with solid fill">
+            <a:extLst>
+              <a:ext uri="{FF2B5EF4-FFF2-40B4-BE49-F238E27FC236}">
+                <a16:creationId xmlns:a16="http://schemas.microsoft.com/office/drawing/2014/main" id="{14743B8E-0906-6DF8-3A08-598458CF92F9}"/>
+              </a:ext>
+            </a:extLst>
+          </p:cNvPr>
+          <p:cNvPicPr>
+            <a:picLocks noChangeAspect="1"/>
+          </p:cNvPicPr>
+          <p:nvPr/>
+        </p:nvPicPr>
+        <p:blipFill>
+          <a:blip r:embed="rId12">
+            <a:extLst>
+              <a:ext uri="{96DAC541-7B7A-43D3-8B79-37D633B846F1}">
+                <asvg:svgBlip xmlns:asvg="http://schemas.microsoft.com/office/drawing/2016/SVG/main" r:embed="rId13"/>
+              </a:ext>
+            </a:extLst>
+          </a:blip>
+          <a:stretch>
+            <a:fillRect/>
+          </a:stretch>
+        </p:blipFill>
+        <p:spPr>
+          <a:xfrm>
+            <a:off x="3766458" y="4187369"/>
+            <a:ext cx="914400" cy="914400"/>
+          </a:xfrm>
+          <a:prstGeom prst="rect">
+            <a:avLst/>
+          </a:prstGeom>
+        </p:spPr>
+      </p:pic>
+      <p:pic>
+        <p:nvPicPr>
+          <p:cNvPr id="48" name="Graphic 47" descr="Decision chart with solid fill">
+            <a:extLst>
+              <a:ext uri="{FF2B5EF4-FFF2-40B4-BE49-F238E27FC236}">
+                <a16:creationId xmlns:a16="http://schemas.microsoft.com/office/drawing/2014/main" id="{F4CF95B5-60DA-3E9C-5520-7E6235636306}"/>
+              </a:ext>
+            </a:extLst>
+          </p:cNvPr>
+          <p:cNvPicPr>
+            <a:picLocks noChangeAspect="1"/>
+          </p:cNvPicPr>
+          <p:nvPr/>
+        </p:nvPicPr>
+        <p:blipFill>
+          <a:blip r:embed="rId14">
+            <a:extLst>
+              <a:ext uri="{96DAC541-7B7A-43D3-8B79-37D633B846F1}">
+                <asvg:svgBlip xmlns:asvg="http://schemas.microsoft.com/office/drawing/2016/SVG/main" r:embed="rId15"/>
+              </a:ext>
+            </a:extLst>
+          </a:blip>
+          <a:stretch>
+            <a:fillRect/>
+          </a:stretch>
+        </p:blipFill>
+        <p:spPr>
+          <a:xfrm>
+            <a:off x="5885546" y="3940627"/>
+            <a:ext cx="914400" cy="914400"/>
+          </a:xfrm>
+          <a:prstGeom prst="rect">
+            <a:avLst/>
+          </a:prstGeom>
+        </p:spPr>
+      </p:pic>
+      <p:pic>
+        <p:nvPicPr>
+          <p:cNvPr id="49" name="Graphic 48" descr="Clipboard with solid fill">
+            <a:extLst>
+              <a:ext uri="{FF2B5EF4-FFF2-40B4-BE49-F238E27FC236}">
+                <a16:creationId xmlns:a16="http://schemas.microsoft.com/office/drawing/2014/main" id="{4A05EF6A-049F-A8A9-FB58-F1854D6A6A0C}"/>
+              </a:ext>
+            </a:extLst>
+          </p:cNvPr>
+          <p:cNvPicPr>
+            <a:picLocks noChangeAspect="1"/>
+          </p:cNvPicPr>
+          <p:nvPr/>
+        </p:nvPicPr>
+        <p:blipFill>
+          <a:blip r:embed="rId16">
+            <a:extLst>
+              <a:ext uri="{96DAC541-7B7A-43D3-8B79-37D633B846F1}">
+                <asvg:svgBlip xmlns:asvg="http://schemas.microsoft.com/office/drawing/2016/SVG/main" r:embed="rId17"/>
+              </a:ext>
+            </a:extLst>
+          </a:blip>
+          <a:stretch>
+            <a:fillRect/>
+          </a:stretch>
+        </p:blipFill>
+        <p:spPr>
+          <a:xfrm>
+            <a:off x="7587344" y="3889828"/>
+            <a:ext cx="914400" cy="914400"/>
+          </a:xfrm>
+          <a:prstGeom prst="rect">
+            <a:avLst/>
+          </a:prstGeom>
+        </p:spPr>
+      </p:pic>
+      <p:sp>
+        <p:nvSpPr>
+          <p:cNvPr id="50" name="Rectangle 49">
+            <a:extLst>
+              <a:ext uri="{FF2B5EF4-FFF2-40B4-BE49-F238E27FC236}">
+                <a16:creationId xmlns:a16="http://schemas.microsoft.com/office/drawing/2014/main" id="{125355DA-9408-51D2-BAB4-B7E0F03E852F}"/>
+              </a:ext>
+            </a:extLst>
+          </p:cNvPr>
+          <p:cNvSpPr/>
+          <p:nvPr/>
+        </p:nvSpPr>
+        <p:spPr>
+          <a:xfrm>
+            <a:off x="5181600" y="1324428"/>
+            <a:ext cx="3897089" cy="1727202"/>
+          </a:xfrm>
+          <a:custGeom>
+            <a:avLst/>
+            <a:gdLst>
+              <a:gd name="connsiteX0" fmla="*/ 0 w 3897089"/>
+              <a:gd name="connsiteY0" fmla="*/ 0 h 1727202"/>
+              <a:gd name="connsiteX1" fmla="*/ 649515 w 3897089"/>
+              <a:gd name="connsiteY1" fmla="*/ 0 h 1727202"/>
+              <a:gd name="connsiteX2" fmla="*/ 1260059 w 3897089"/>
+              <a:gd name="connsiteY2" fmla="*/ 0 h 1727202"/>
+              <a:gd name="connsiteX3" fmla="*/ 1948545 w 3897089"/>
+              <a:gd name="connsiteY3" fmla="*/ 0 h 1727202"/>
+              <a:gd name="connsiteX4" fmla="*/ 2676001 w 3897089"/>
+              <a:gd name="connsiteY4" fmla="*/ 0 h 1727202"/>
+              <a:gd name="connsiteX5" fmla="*/ 3325516 w 3897089"/>
+              <a:gd name="connsiteY5" fmla="*/ 0 h 1727202"/>
+              <a:gd name="connsiteX6" fmla="*/ 3897089 w 3897089"/>
+              <a:gd name="connsiteY6" fmla="*/ 0 h 1727202"/>
+              <a:gd name="connsiteX7" fmla="*/ 3897089 w 3897089"/>
+              <a:gd name="connsiteY7" fmla="*/ 523918 h 1727202"/>
+              <a:gd name="connsiteX8" fmla="*/ 3897089 w 3897089"/>
+              <a:gd name="connsiteY8" fmla="*/ 1047836 h 1727202"/>
+              <a:gd name="connsiteX9" fmla="*/ 3897089 w 3897089"/>
+              <a:gd name="connsiteY9" fmla="*/ 1727202 h 1727202"/>
+              <a:gd name="connsiteX10" fmla="*/ 3364487 w 3897089"/>
+              <a:gd name="connsiteY10" fmla="*/ 1727202 h 1727202"/>
+              <a:gd name="connsiteX11" fmla="*/ 2637030 w 3897089"/>
+              <a:gd name="connsiteY11" fmla="*/ 1727202 h 1727202"/>
+              <a:gd name="connsiteX12" fmla="*/ 1909574 w 3897089"/>
+              <a:gd name="connsiteY12" fmla="*/ 1727202 h 1727202"/>
+              <a:gd name="connsiteX13" fmla="*/ 1260059 w 3897089"/>
+              <a:gd name="connsiteY13" fmla="*/ 1727202 h 1727202"/>
+              <a:gd name="connsiteX14" fmla="*/ 649515 w 3897089"/>
+              <a:gd name="connsiteY14" fmla="*/ 1727202 h 1727202"/>
+              <a:gd name="connsiteX15" fmla="*/ 0 w 3897089"/>
+              <a:gd name="connsiteY15" fmla="*/ 1727202 h 1727202"/>
+              <a:gd name="connsiteX16" fmla="*/ 0 w 3897089"/>
+              <a:gd name="connsiteY16" fmla="*/ 1186012 h 1727202"/>
+              <a:gd name="connsiteX17" fmla="*/ 0 w 3897089"/>
+              <a:gd name="connsiteY17" fmla="*/ 644822 h 1727202"/>
+              <a:gd name="connsiteX18" fmla="*/ 0 w 3897089"/>
+              <a:gd name="connsiteY18" fmla="*/ 0 h 1727202"/>
+            </a:gdLst>
+            <a:ahLst/>
+            <a:cxnLst>
+              <a:cxn ang="0">
+                <a:pos x="connsiteX0" y="connsiteY0"/>
+              </a:cxn>
+              <a:cxn ang="0">
+                <a:pos x="connsiteX1" y="connsiteY1"/>
+              </a:cxn>
+              <a:cxn ang="0">
+                <a:pos x="connsiteX2" y="connsiteY2"/>
+              </a:cxn>
+              <a:cxn ang="0">
+                <a:pos x="connsiteX3" y="connsiteY3"/>
+              </a:cxn>
+              <a:cxn ang="0">
+                <a:pos x="connsiteX4" y="connsiteY4"/>
+              </a:cxn>
+              <a:cxn ang="0">
+                <a:pos x="connsiteX5" y="connsiteY5"/>
+              </a:cxn>
+              <a:cxn ang="0">
+                <a:pos x="connsiteX6" y="connsiteY6"/>
+              </a:cxn>
+              <a:cxn ang="0">
+                <a:pos x="connsiteX7" y="connsiteY7"/>
+              </a:cxn>
+              <a:cxn ang="0">
+                <a:pos x="connsiteX8" y="connsiteY8"/>
+              </a:cxn>
+              <a:cxn ang="0">
+                <a:pos x="connsiteX9" y="connsiteY9"/>
+              </a:cxn>
+              <a:cxn ang="0">
+                <a:pos x="connsiteX10" y="connsiteY10"/>
+              </a:cxn>
+              <a:cxn ang="0">
+                <a:pos x="connsiteX11" y="connsiteY11"/>
+              </a:cxn>
+              <a:cxn ang="0">
+                <a:pos x="connsiteX12" y="connsiteY12"/>
+              </a:cxn>
+              <a:cxn ang="0">
+                <a:pos x="connsiteX13" y="connsiteY13"/>
+              </a:cxn>
+              <a:cxn ang="0">
+                <a:pos x="connsiteX14" y="connsiteY14"/>
+              </a:cxn>
+              <a:cxn ang="0">
+                <a:pos x="connsiteX15" y="connsiteY15"/>
+              </a:cxn>
+              <a:cxn ang="0">
+                <a:pos x="connsiteX16" y="connsiteY16"/>
+              </a:cxn>
+              <a:cxn ang="0">
+                <a:pos x="connsiteX17" y="connsiteY17"/>
+              </a:cxn>
+              <a:cxn ang="0">
+                <a:pos x="connsiteX18" y="connsiteY18"/>
+              </a:cxn>
+            </a:cxnLst>
+            <a:rect l="l" t="t" r="r" b="b"/>
+            <a:pathLst>
+              <a:path w="3897089" h="1727202" extrusionOk="0">
+                <a:moveTo>
+                  <a:pt x="0" y="0"/>
+                </a:moveTo>
+                <a:cubicBezTo>
+                  <a:pt x="180658" y="6134"/>
+                  <a:pt x="500687" y="9386"/>
+                  <a:pt x="649515" y="0"/>
+                </a:cubicBezTo>
+                <a:cubicBezTo>
+                  <a:pt x="798344" y="-9386"/>
+                  <a:pt x="997211" y="-22716"/>
+                  <a:pt x="1260059" y="0"/>
+                </a:cubicBezTo>
+                <a:cubicBezTo>
+                  <a:pt x="1522907" y="22716"/>
+                  <a:pt x="1610582" y="9757"/>
+                  <a:pt x="1948545" y="0"/>
+                </a:cubicBezTo>
+                <a:cubicBezTo>
+                  <a:pt x="2286508" y="-9757"/>
+                  <a:pt x="2514369" y="24426"/>
+                  <a:pt x="2676001" y="0"/>
+                </a:cubicBezTo>
+                <a:cubicBezTo>
+                  <a:pt x="2837633" y="-24426"/>
+                  <a:pt x="3119820" y="-19438"/>
+                  <a:pt x="3325516" y="0"/>
+                </a:cubicBezTo>
+                <a:cubicBezTo>
+                  <a:pt x="3531213" y="19438"/>
+                  <a:pt x="3693115" y="3380"/>
+                  <a:pt x="3897089" y="0"/>
+                </a:cubicBezTo>
+                <a:cubicBezTo>
+                  <a:pt x="3875847" y="144577"/>
+                  <a:pt x="3878291" y="313016"/>
+                  <a:pt x="3897089" y="523918"/>
+                </a:cubicBezTo>
+                <a:cubicBezTo>
+                  <a:pt x="3915887" y="734820"/>
+                  <a:pt x="3904561" y="862419"/>
+                  <a:pt x="3897089" y="1047836"/>
+                </a:cubicBezTo>
+                <a:cubicBezTo>
+                  <a:pt x="3889617" y="1233253"/>
+                  <a:pt x="3926715" y="1550911"/>
+                  <a:pt x="3897089" y="1727202"/>
+                </a:cubicBezTo>
+                <a:cubicBezTo>
+                  <a:pt x="3762024" y="1748245"/>
+                  <a:pt x="3479231" y="1711063"/>
+                  <a:pt x="3364487" y="1727202"/>
+                </a:cubicBezTo>
+                <a:cubicBezTo>
+                  <a:pt x="3249743" y="1743341"/>
+                  <a:pt x="2956455" y="1750503"/>
+                  <a:pt x="2637030" y="1727202"/>
+                </a:cubicBezTo>
+                <a:cubicBezTo>
+                  <a:pt x="2317605" y="1703901"/>
+                  <a:pt x="2124029" y="1740325"/>
+                  <a:pt x="1909574" y="1727202"/>
+                </a:cubicBezTo>
+                <a:cubicBezTo>
+                  <a:pt x="1695119" y="1714079"/>
+                  <a:pt x="1541670" y="1747307"/>
+                  <a:pt x="1260059" y="1727202"/>
+                </a:cubicBezTo>
+                <a:cubicBezTo>
+                  <a:pt x="978448" y="1707097"/>
+                  <a:pt x="798812" y="1735232"/>
+                  <a:pt x="649515" y="1727202"/>
+                </a:cubicBezTo>
+                <a:cubicBezTo>
+                  <a:pt x="500218" y="1719172"/>
+                  <a:pt x="194013" y="1730878"/>
+                  <a:pt x="0" y="1727202"/>
+                </a:cubicBezTo>
+                <a:cubicBezTo>
+                  <a:pt x="19030" y="1492430"/>
+                  <a:pt x="-12229" y="1344155"/>
+                  <a:pt x="0" y="1186012"/>
+                </a:cubicBezTo>
+                <a:cubicBezTo>
+                  <a:pt x="12229" y="1027869"/>
+                  <a:pt x="-24493" y="758730"/>
+                  <a:pt x="0" y="644822"/>
+                </a:cubicBezTo>
+                <a:cubicBezTo>
+                  <a:pt x="24493" y="530914"/>
+                  <a:pt x="-28327" y="289360"/>
+                  <a:pt x="0" y="0"/>
+                </a:cubicBezTo>
+                <a:close/>
+              </a:path>
+            </a:pathLst>
+          </a:custGeom>
+          <a:noFill/>
+          <a:ln>
+            <a:extLst>
+              <a:ext uri="{C807C97D-BFC1-408E-A445-0C87EB9F89A2}">
+                <ask:lineSketchStyleProps xmlns:ask="http://schemas.microsoft.com/office/drawing/2018/sketchyshapes" sd="1617499634">
+                  <a:prstGeom prst="rect">
+                    <a:avLst/>
+                  </a:prstGeom>
+                  <ask:type>
+                    <ask:lineSketchFreehand/>
+                  </ask:type>
+                </ask:lineSketchStyleProps>
+              </a:ext>
+            </a:extLst>
+          </a:ln>
+        </p:spPr>
+        <p:style>
+          <a:lnRef idx="2">
+            <a:schemeClr val="accent1">
+              <a:shade val="15000"/>
+            </a:schemeClr>
+          </a:lnRef>
+          <a:fillRef idx="1">
+            <a:schemeClr val="accent1"/>
+          </a:fillRef>
+          <a:effectRef idx="0">
+            <a:schemeClr val="accent1"/>
+          </a:effectRef>
+          <a:fontRef idx="minor">
+            <a:schemeClr val="lt1"/>
+          </a:fontRef>
+        </p:style>
+        <p:txBody>
+          <a:bodyPr rtlCol="0" anchor="t" anchorCtr="0"/>
+          <a:lstStyle/>
+          <a:p>
+            <a:pPr algn="ctr"/>
+            <a:r>
+              <a:rPr lang="en-US" dirty="0">
+                <a:solidFill>
+                  <a:schemeClr val="accent1">
+                    <a:lumMod val="75000"/>
+                  </a:schemeClr>
+                </a:solidFill>
+              </a:rPr>
+              <a:t>AI</a:t>
+            </a:r>
+          </a:p>
+        </p:txBody>
+      </p:sp>
+      <p:sp>
+        <p:nvSpPr>
+          <p:cNvPr id="51" name="Rectangle 50">
+            <a:extLst>
+              <a:ext uri="{FF2B5EF4-FFF2-40B4-BE49-F238E27FC236}">
+                <a16:creationId xmlns:a16="http://schemas.microsoft.com/office/drawing/2014/main" id="{EB037479-3D26-978C-C58C-9149D174305F}"/>
+              </a:ext>
+            </a:extLst>
+          </p:cNvPr>
+          <p:cNvSpPr/>
+          <p:nvPr/>
+        </p:nvSpPr>
+        <p:spPr>
+          <a:xfrm>
+            <a:off x="3554186" y="1436914"/>
+            <a:ext cx="1338944" cy="1502220"/>
+          </a:xfrm>
+          <a:custGeom>
+            <a:avLst/>
+            <a:gdLst>
+              <a:gd name="connsiteX0" fmla="*/ 0 w 1338944"/>
+              <a:gd name="connsiteY0" fmla="*/ 0 h 1502220"/>
+              <a:gd name="connsiteX1" fmla="*/ 656083 w 1338944"/>
+              <a:gd name="connsiteY1" fmla="*/ 0 h 1502220"/>
+              <a:gd name="connsiteX2" fmla="*/ 1338944 w 1338944"/>
+              <a:gd name="connsiteY2" fmla="*/ 0 h 1502220"/>
+              <a:gd name="connsiteX3" fmla="*/ 1338944 w 1338944"/>
+              <a:gd name="connsiteY3" fmla="*/ 530784 h 1502220"/>
+              <a:gd name="connsiteX4" fmla="*/ 1338944 w 1338944"/>
+              <a:gd name="connsiteY4" fmla="*/ 1031524 h 1502220"/>
+              <a:gd name="connsiteX5" fmla="*/ 1338944 w 1338944"/>
+              <a:gd name="connsiteY5" fmla="*/ 1502220 h 1502220"/>
+              <a:gd name="connsiteX6" fmla="*/ 696251 w 1338944"/>
+              <a:gd name="connsiteY6" fmla="*/ 1502220 h 1502220"/>
+              <a:gd name="connsiteX7" fmla="*/ 0 w 1338944"/>
+              <a:gd name="connsiteY7" fmla="*/ 1502220 h 1502220"/>
+              <a:gd name="connsiteX8" fmla="*/ 0 w 1338944"/>
+              <a:gd name="connsiteY8" fmla="*/ 971436 h 1502220"/>
+              <a:gd name="connsiteX9" fmla="*/ 0 w 1338944"/>
+              <a:gd name="connsiteY9" fmla="*/ 440651 h 1502220"/>
+              <a:gd name="connsiteX10" fmla="*/ 0 w 1338944"/>
+              <a:gd name="connsiteY10" fmla="*/ 0 h 1502220"/>
+            </a:gdLst>
+            <a:ahLst/>
+            <a:cxnLst>
+              <a:cxn ang="0">
+                <a:pos x="connsiteX0" y="connsiteY0"/>
+              </a:cxn>
+              <a:cxn ang="0">
+                <a:pos x="connsiteX1" y="connsiteY1"/>
+              </a:cxn>
+              <a:cxn ang="0">
+                <a:pos x="connsiteX2" y="connsiteY2"/>
+              </a:cxn>
+              <a:cxn ang="0">
+                <a:pos x="connsiteX3" y="connsiteY3"/>
+              </a:cxn>
+              <a:cxn ang="0">
+                <a:pos x="connsiteX4" y="connsiteY4"/>
+              </a:cxn>
+              <a:cxn ang="0">
+                <a:pos x="connsiteX5" y="connsiteY5"/>
+              </a:cxn>
+              <a:cxn ang="0">
+                <a:pos x="connsiteX6" y="connsiteY6"/>
+              </a:cxn>
+              <a:cxn ang="0">
+                <a:pos x="connsiteX7" y="connsiteY7"/>
+              </a:cxn>
+              <a:cxn ang="0">
+                <a:pos x="connsiteX8" y="connsiteY8"/>
+              </a:cxn>
+              <a:cxn ang="0">
+                <a:pos x="connsiteX9" y="connsiteY9"/>
+              </a:cxn>
+              <a:cxn ang="0">
+                <a:pos x="connsiteX10" y="connsiteY10"/>
+              </a:cxn>
+            </a:cxnLst>
+            <a:rect l="l" t="t" r="r" b="b"/>
+            <a:pathLst>
+              <a:path w="1338944" h="1502220" extrusionOk="0">
+                <a:moveTo>
+                  <a:pt x="0" y="0"/>
+                </a:moveTo>
+                <a:cubicBezTo>
+                  <a:pt x="200482" y="25301"/>
+                  <a:pt x="371504" y="-5476"/>
+                  <a:pt x="656083" y="0"/>
+                </a:cubicBezTo>
+                <a:cubicBezTo>
+                  <a:pt x="940662" y="5476"/>
+                  <a:pt x="1139353" y="-20652"/>
+                  <a:pt x="1338944" y="0"/>
+                </a:cubicBezTo>
+                <a:cubicBezTo>
+                  <a:pt x="1352605" y="243202"/>
+                  <a:pt x="1347045" y="266479"/>
+                  <a:pt x="1338944" y="530784"/>
+                </a:cubicBezTo>
+                <a:cubicBezTo>
+                  <a:pt x="1330843" y="795089"/>
+                  <a:pt x="1345839" y="889437"/>
+                  <a:pt x="1338944" y="1031524"/>
+                </a:cubicBezTo>
+                <a:cubicBezTo>
+                  <a:pt x="1332049" y="1173611"/>
+                  <a:pt x="1350985" y="1393242"/>
+                  <a:pt x="1338944" y="1502220"/>
+                </a:cubicBezTo>
+                <a:cubicBezTo>
+                  <a:pt x="1103643" y="1478975"/>
+                  <a:pt x="932875" y="1528704"/>
+                  <a:pt x="696251" y="1502220"/>
+                </a:cubicBezTo>
+                <a:cubicBezTo>
+                  <a:pt x="459627" y="1475736"/>
+                  <a:pt x="249876" y="1479740"/>
+                  <a:pt x="0" y="1502220"/>
+                </a:cubicBezTo>
+                <a:cubicBezTo>
+                  <a:pt x="19395" y="1329004"/>
+                  <a:pt x="-9995" y="1105552"/>
+                  <a:pt x="0" y="971436"/>
+                </a:cubicBezTo>
+                <a:cubicBezTo>
+                  <a:pt x="9995" y="837320"/>
+                  <a:pt x="3711" y="663749"/>
+                  <a:pt x="0" y="440651"/>
+                </a:cubicBezTo>
+                <a:cubicBezTo>
+                  <a:pt x="-3711" y="217553"/>
+                  <a:pt x="-21838" y="109368"/>
+                  <a:pt x="0" y="0"/>
+                </a:cubicBezTo>
+                <a:close/>
+              </a:path>
+            </a:pathLst>
+          </a:custGeom>
+          <a:noFill/>
+          <a:ln>
+            <a:extLst>
+              <a:ext uri="{C807C97D-BFC1-408E-A445-0C87EB9F89A2}">
+                <ask:lineSketchStyleProps xmlns:ask="http://schemas.microsoft.com/office/drawing/2018/sketchyshapes" sd="1219033472">
+                  <a:prstGeom prst="rect">
+                    <a:avLst/>
+                  </a:prstGeom>
+                  <ask:type>
+                    <ask:lineSketchFreehand/>
+                  </ask:type>
+                </ask:lineSketchStyleProps>
+              </a:ext>
+            </a:extLst>
+          </a:ln>
+        </p:spPr>
+        <p:style>
+          <a:lnRef idx="2">
+            <a:schemeClr val="accent1">
+              <a:shade val="15000"/>
+            </a:schemeClr>
+          </a:lnRef>
+          <a:fillRef idx="1">
+            <a:schemeClr val="accent1"/>
+          </a:fillRef>
+          <a:effectRef idx="0">
+            <a:schemeClr val="accent1"/>
+          </a:effectRef>
+          <a:fontRef idx="minor">
+            <a:schemeClr val="lt1"/>
+          </a:fontRef>
+        </p:style>
+        <p:txBody>
+          <a:bodyPr rtlCol="0" anchor="t" anchorCtr="0"/>
+          <a:lstStyle/>
+          <a:p>
+            <a:pPr algn="ctr"/>
+            <a:r>
+              <a:rPr lang="en-US" dirty="0">
+                <a:solidFill>
+                  <a:schemeClr val="accent1">
+                    <a:lumMod val="75000"/>
+                  </a:schemeClr>
+                </a:solidFill>
+              </a:rPr>
+              <a:t>Application</a:t>
+            </a:r>
+          </a:p>
+        </p:txBody>
+      </p:sp>
+      <p:sp>
+        <p:nvSpPr>
+          <p:cNvPr id="52" name="Rectangle 51">
+            <a:extLst>
+              <a:ext uri="{FF2B5EF4-FFF2-40B4-BE49-F238E27FC236}">
+                <a16:creationId xmlns:a16="http://schemas.microsoft.com/office/drawing/2014/main" id="{80FC8ABF-11E6-35A0-7FAE-C5555C6A1FE3}"/>
+              </a:ext>
+            </a:extLst>
+          </p:cNvPr>
+          <p:cNvSpPr/>
+          <p:nvPr/>
+        </p:nvSpPr>
+        <p:spPr>
+          <a:xfrm>
+            <a:off x="3585030" y="3759208"/>
+            <a:ext cx="1338944" cy="1502220"/>
+          </a:xfrm>
+          <a:custGeom>
+            <a:avLst/>
+            <a:gdLst>
+              <a:gd name="connsiteX0" fmla="*/ 0 w 1338944"/>
+              <a:gd name="connsiteY0" fmla="*/ 0 h 1502220"/>
+              <a:gd name="connsiteX1" fmla="*/ 656083 w 1338944"/>
+              <a:gd name="connsiteY1" fmla="*/ 0 h 1502220"/>
+              <a:gd name="connsiteX2" fmla="*/ 1338944 w 1338944"/>
+              <a:gd name="connsiteY2" fmla="*/ 0 h 1502220"/>
+              <a:gd name="connsiteX3" fmla="*/ 1338944 w 1338944"/>
+              <a:gd name="connsiteY3" fmla="*/ 530784 h 1502220"/>
+              <a:gd name="connsiteX4" fmla="*/ 1338944 w 1338944"/>
+              <a:gd name="connsiteY4" fmla="*/ 1031524 h 1502220"/>
+              <a:gd name="connsiteX5" fmla="*/ 1338944 w 1338944"/>
+              <a:gd name="connsiteY5" fmla="*/ 1502220 h 1502220"/>
+              <a:gd name="connsiteX6" fmla="*/ 696251 w 1338944"/>
+              <a:gd name="connsiteY6" fmla="*/ 1502220 h 1502220"/>
+              <a:gd name="connsiteX7" fmla="*/ 0 w 1338944"/>
+              <a:gd name="connsiteY7" fmla="*/ 1502220 h 1502220"/>
+              <a:gd name="connsiteX8" fmla="*/ 0 w 1338944"/>
+              <a:gd name="connsiteY8" fmla="*/ 971436 h 1502220"/>
+              <a:gd name="connsiteX9" fmla="*/ 0 w 1338944"/>
+              <a:gd name="connsiteY9" fmla="*/ 440651 h 1502220"/>
+              <a:gd name="connsiteX10" fmla="*/ 0 w 1338944"/>
+              <a:gd name="connsiteY10" fmla="*/ 0 h 1502220"/>
+            </a:gdLst>
+            <a:ahLst/>
+            <a:cxnLst>
+              <a:cxn ang="0">
+                <a:pos x="connsiteX0" y="connsiteY0"/>
+              </a:cxn>
+              <a:cxn ang="0">
+                <a:pos x="connsiteX1" y="connsiteY1"/>
+              </a:cxn>
+              <a:cxn ang="0">
+                <a:pos x="connsiteX2" y="connsiteY2"/>
+              </a:cxn>
+              <a:cxn ang="0">
+                <a:pos x="connsiteX3" y="connsiteY3"/>
+              </a:cxn>
+              <a:cxn ang="0">
+                <a:pos x="connsiteX4" y="connsiteY4"/>
+              </a:cxn>
+              <a:cxn ang="0">
+                <a:pos x="connsiteX5" y="connsiteY5"/>
+              </a:cxn>
+              <a:cxn ang="0">
+                <a:pos x="connsiteX6" y="connsiteY6"/>
+              </a:cxn>
+              <a:cxn ang="0">
+                <a:pos x="connsiteX7" y="connsiteY7"/>
+              </a:cxn>
+              <a:cxn ang="0">
+                <a:pos x="connsiteX8" y="connsiteY8"/>
+              </a:cxn>
+              <a:cxn ang="0">
+                <a:pos x="connsiteX9" y="connsiteY9"/>
+              </a:cxn>
+              <a:cxn ang="0">
+                <a:pos x="connsiteX10" y="connsiteY10"/>
+              </a:cxn>
+            </a:cxnLst>
+            <a:rect l="l" t="t" r="r" b="b"/>
+            <a:pathLst>
+              <a:path w="1338944" h="1502220" extrusionOk="0">
+                <a:moveTo>
+                  <a:pt x="0" y="0"/>
+                </a:moveTo>
+                <a:cubicBezTo>
+                  <a:pt x="200482" y="25301"/>
+                  <a:pt x="371504" y="-5476"/>
+                  <a:pt x="656083" y="0"/>
+                </a:cubicBezTo>
+                <a:cubicBezTo>
+                  <a:pt x="940662" y="5476"/>
+                  <a:pt x="1139353" y="-20652"/>
+                  <a:pt x="1338944" y="0"/>
+                </a:cubicBezTo>
+                <a:cubicBezTo>
+                  <a:pt x="1352605" y="243202"/>
+                  <a:pt x="1347045" y="266479"/>
+                  <a:pt x="1338944" y="530784"/>
+                </a:cubicBezTo>
+                <a:cubicBezTo>
+                  <a:pt x="1330843" y="795089"/>
+                  <a:pt x="1345839" y="889437"/>
+                  <a:pt x="1338944" y="1031524"/>
+                </a:cubicBezTo>
+                <a:cubicBezTo>
+                  <a:pt x="1332049" y="1173611"/>
+                  <a:pt x="1350985" y="1393242"/>
+                  <a:pt x="1338944" y="1502220"/>
+                </a:cubicBezTo>
+                <a:cubicBezTo>
+                  <a:pt x="1103643" y="1478975"/>
+                  <a:pt x="932875" y="1528704"/>
+                  <a:pt x="696251" y="1502220"/>
+                </a:cubicBezTo>
+                <a:cubicBezTo>
+                  <a:pt x="459627" y="1475736"/>
+                  <a:pt x="249876" y="1479740"/>
+                  <a:pt x="0" y="1502220"/>
+                </a:cubicBezTo>
+                <a:cubicBezTo>
+                  <a:pt x="19395" y="1329004"/>
+                  <a:pt x="-9995" y="1105552"/>
+                  <a:pt x="0" y="971436"/>
+                </a:cubicBezTo>
+                <a:cubicBezTo>
+                  <a:pt x="9995" y="837320"/>
+                  <a:pt x="3711" y="663749"/>
+                  <a:pt x="0" y="440651"/>
+                </a:cubicBezTo>
+                <a:cubicBezTo>
+                  <a:pt x="-3711" y="217553"/>
+                  <a:pt x="-21838" y="109368"/>
+                  <a:pt x="0" y="0"/>
+                </a:cubicBezTo>
+                <a:close/>
+              </a:path>
+            </a:pathLst>
+          </a:custGeom>
+          <a:noFill/>
+          <a:ln>
+            <a:extLst>
+              <a:ext uri="{C807C97D-BFC1-408E-A445-0C87EB9F89A2}">
+                <ask:lineSketchStyleProps xmlns:ask="http://schemas.microsoft.com/office/drawing/2018/sketchyshapes" sd="1219033472">
+                  <a:prstGeom prst="rect">
+                    <a:avLst/>
+                  </a:prstGeom>
+                  <ask:type>
+                    <ask:lineSketchFreehand/>
+                  </ask:type>
+                </ask:lineSketchStyleProps>
+              </a:ext>
+            </a:extLst>
+          </a:ln>
+        </p:spPr>
+        <p:style>
+          <a:lnRef idx="2">
+            <a:schemeClr val="accent1">
+              <a:shade val="15000"/>
+            </a:schemeClr>
+          </a:lnRef>
+          <a:fillRef idx="1">
+            <a:schemeClr val="accent1"/>
+          </a:fillRef>
+          <a:effectRef idx="0">
+            <a:schemeClr val="accent1"/>
+          </a:effectRef>
+          <a:fontRef idx="minor">
+            <a:schemeClr val="lt1"/>
+          </a:fontRef>
+        </p:style>
+        <p:txBody>
+          <a:bodyPr rtlCol="0" anchor="t" anchorCtr="0"/>
+          <a:lstStyle/>
+          <a:p>
+            <a:pPr algn="ctr"/>
+            <a:r>
+              <a:rPr lang="en-US" dirty="0">
+                <a:solidFill>
+                  <a:schemeClr val="accent1">
+                    <a:lumMod val="75000"/>
+                  </a:schemeClr>
+                </a:solidFill>
+              </a:rPr>
+              <a:t>Database</a:t>
+            </a:r>
+          </a:p>
+        </p:txBody>
+      </p:sp>
+      <p:sp>
+        <p:nvSpPr>
+          <p:cNvPr id="53" name="TextBox 52">
+            <a:extLst>
+              <a:ext uri="{FF2B5EF4-FFF2-40B4-BE49-F238E27FC236}">
+                <a16:creationId xmlns:a16="http://schemas.microsoft.com/office/drawing/2014/main" id="{677FF11E-A275-2F0C-6541-708EB06421EA}"/>
+              </a:ext>
+            </a:extLst>
+          </p:cNvPr>
+          <p:cNvSpPr txBox="1"/>
+          <p:nvPr/>
+        </p:nvSpPr>
+        <p:spPr>
+          <a:xfrm>
+            <a:off x="5428346" y="2645229"/>
+            <a:ext cx="1103083" cy="276999"/>
+          </a:xfrm>
+          <a:prstGeom prst="rect">
+            <a:avLst/>
+          </a:prstGeom>
+          <a:noFill/>
+        </p:spPr>
+        <p:txBody>
+          <a:bodyPr wrap="square" rtlCol="0">
+            <a:spAutoFit/>
+          </a:bodyPr>
+          <a:lstStyle/>
+          <a:p>
+            <a:r>
+              <a:rPr lang="en-US" sz="1200" dirty="0">
+                <a:solidFill>
+                  <a:schemeClr val="accent1"/>
+                </a:solidFill>
+              </a:rPr>
+              <a:t>preprocess</a:t>
+            </a:r>
+          </a:p>
+        </p:txBody>
+      </p:sp>
+      <p:sp>
+        <p:nvSpPr>
+          <p:cNvPr id="54" name="TextBox 53">
+            <a:extLst>
+              <a:ext uri="{FF2B5EF4-FFF2-40B4-BE49-F238E27FC236}">
+                <a16:creationId xmlns:a16="http://schemas.microsoft.com/office/drawing/2014/main" id="{2EEAC376-6F38-42D5-8731-8595FFCCFCA1}"/>
+              </a:ext>
+            </a:extLst>
+          </p:cNvPr>
+          <p:cNvSpPr txBox="1"/>
+          <p:nvPr/>
+        </p:nvSpPr>
+        <p:spPr>
+          <a:xfrm>
+            <a:off x="6740980" y="2662135"/>
+            <a:ext cx="654954" cy="276999"/>
+          </a:xfrm>
+          <a:prstGeom prst="rect">
+            <a:avLst/>
+          </a:prstGeom>
+          <a:noFill/>
+        </p:spPr>
+        <p:txBody>
+          <a:bodyPr wrap="square" rtlCol="0">
+            <a:spAutoFit/>
+          </a:bodyPr>
+          <a:lstStyle/>
+          <a:p>
+            <a:r>
+              <a:rPr lang="en-US" sz="1200" dirty="0">
+                <a:solidFill>
+                  <a:schemeClr val="accent1"/>
+                </a:solidFill>
+              </a:rPr>
+              <a:t>predict</a:t>
+            </a:r>
+          </a:p>
+        </p:txBody>
+      </p:sp>
+      <p:sp>
+        <p:nvSpPr>
+          <p:cNvPr id="55" name="TextBox 54">
+            <a:extLst>
+              <a:ext uri="{FF2B5EF4-FFF2-40B4-BE49-F238E27FC236}">
+                <a16:creationId xmlns:a16="http://schemas.microsoft.com/office/drawing/2014/main" id="{A5BCCAF2-B0EE-E999-E1EE-244E95E8A4A1}"/>
+              </a:ext>
+            </a:extLst>
+          </p:cNvPr>
+          <p:cNvSpPr txBox="1"/>
+          <p:nvPr/>
+        </p:nvSpPr>
+        <p:spPr>
+          <a:xfrm>
+            <a:off x="8038192" y="2662134"/>
+            <a:ext cx="654954" cy="276999"/>
+          </a:xfrm>
+          <a:prstGeom prst="rect">
+            <a:avLst/>
+          </a:prstGeom>
+          <a:noFill/>
+        </p:spPr>
+        <p:txBody>
+          <a:bodyPr wrap="square" rtlCol="0">
+            <a:spAutoFit/>
+          </a:bodyPr>
+          <a:lstStyle/>
+          <a:p>
+            <a:r>
+              <a:rPr lang="en-US" sz="1200" dirty="0">
+                <a:solidFill>
+                  <a:schemeClr val="accent1"/>
+                </a:solidFill>
+              </a:rPr>
+              <a:t>explain</a:t>
+            </a:r>
+          </a:p>
+        </p:txBody>
+      </p:sp>
+      <p:sp>
+        <p:nvSpPr>
+          <p:cNvPr id="56" name="TextBox 55">
+            <a:extLst>
+              <a:ext uri="{FF2B5EF4-FFF2-40B4-BE49-F238E27FC236}">
+                <a16:creationId xmlns:a16="http://schemas.microsoft.com/office/drawing/2014/main" id="{D77C3BE6-25A7-D565-6737-AF0DFA5647BA}"/>
+              </a:ext>
+            </a:extLst>
+          </p:cNvPr>
+          <p:cNvSpPr txBox="1"/>
+          <p:nvPr/>
+        </p:nvSpPr>
+        <p:spPr>
+          <a:xfrm>
+            <a:off x="5601610" y="4888862"/>
+            <a:ext cx="1482272" cy="276999"/>
+          </a:xfrm>
+          <a:prstGeom prst="rect">
+            <a:avLst/>
+          </a:prstGeom>
+          <a:noFill/>
+        </p:spPr>
+        <p:txBody>
+          <a:bodyPr wrap="square" rtlCol="0">
+            <a:spAutoFit/>
+          </a:bodyPr>
+          <a:lstStyle/>
+          <a:p>
+            <a:r>
+              <a:rPr lang="en-US" sz="1200" dirty="0">
+                <a:solidFill>
+                  <a:schemeClr val="accent1"/>
+                </a:solidFill>
+              </a:rPr>
+              <a:t>train / eval  / deploy</a:t>
+            </a:r>
+          </a:p>
+        </p:txBody>
+      </p:sp>
+      <p:sp>
+        <p:nvSpPr>
+          <p:cNvPr id="57" name="TextBox 56">
+            <a:extLst>
+              <a:ext uri="{FF2B5EF4-FFF2-40B4-BE49-F238E27FC236}">
+                <a16:creationId xmlns:a16="http://schemas.microsoft.com/office/drawing/2014/main" id="{F3DE6067-072C-6516-2DD5-C370F583E862}"/>
+              </a:ext>
+            </a:extLst>
+          </p:cNvPr>
+          <p:cNvSpPr txBox="1"/>
+          <p:nvPr/>
+        </p:nvSpPr>
+        <p:spPr>
+          <a:xfrm>
+            <a:off x="7694386" y="4882831"/>
+            <a:ext cx="687612" cy="276999"/>
+          </a:xfrm>
+          <a:prstGeom prst="rect">
+            <a:avLst/>
+          </a:prstGeom>
+          <a:noFill/>
+        </p:spPr>
+        <p:txBody>
+          <a:bodyPr wrap="square" rtlCol="0">
+            <a:spAutoFit/>
+          </a:bodyPr>
+          <a:lstStyle/>
+          <a:p>
+            <a:r>
+              <a:rPr lang="en-US" sz="1200" dirty="0">
+                <a:solidFill>
+                  <a:schemeClr val="accent1"/>
+                </a:solidFill>
+              </a:rPr>
+              <a:t>monitor</a:t>
+            </a:r>
+          </a:p>
+        </p:txBody>
+      </p:sp>
+    </p:spTree>
+    <p:extLst>
+      <p:ext uri="{BB962C8B-B14F-4D97-AF65-F5344CB8AC3E}">
+        <p14:creationId xmlns:p14="http://schemas.microsoft.com/office/powerpoint/2010/main" val="2404349035"/>
+      </p:ext>
+    </p:extLst>
+  </p:cSld>
+  <p:clrMapOvr>
+    <a:masterClrMapping/>
+  </p:clrMapOvr>
+</p:sld>
+</file>
+
+<file path=ppt/slides/slide4.xml><?xml version="1.0" encoding="utf-8"?>
+<p:sld xmlns:a="http://schemas.openxmlformats.org/drawingml/2006/main" xmlns:r="http://schemas.openxmlformats.org/officeDocument/2006/relationships" xmlns:p="http://schemas.openxmlformats.org/presentationml/2006/main">
+  <p:cSld>
+    <p:spTree>
+      <p:nvGrpSpPr>
+        <p:cNvPr id="1" name=""/>
+        <p:cNvGrpSpPr/>
+        <p:nvPr/>
+      </p:nvGrpSpPr>
+      <p:grpSpPr>
+        <a:xfrm>
+          <a:off x="0" y="0"/>
+          <a:ext cx="0" cy="0"/>
+          <a:chOff x="0" y="0"/>
+          <a:chExt cx="0" cy="0"/>
+        </a:xfrm>
+      </p:grpSpPr>
+      <p:pic>
+        <p:nvPicPr>
+          <p:cNvPr id="38" name="Graphic 37" descr="Customer review outline">
+            <a:extLst>
+              <a:ext uri="{FF2B5EF4-FFF2-40B4-BE49-F238E27FC236}">
+                <a16:creationId xmlns:a16="http://schemas.microsoft.com/office/drawing/2014/main" id="{F0120825-4D04-7B08-A535-52DE15C5AF3B}"/>
+              </a:ext>
+            </a:extLst>
+          </p:cNvPr>
+          <p:cNvPicPr>
+            <a:picLocks noChangeAspect="1"/>
+          </p:cNvPicPr>
+          <p:nvPr/>
+        </p:nvPicPr>
+        <p:blipFill>
+          <a:blip r:embed="rId2">
+            <a:extLst>
+              <a:ext uri="{96DAC541-7B7A-43D3-8B79-37D633B846F1}">
+                <asvg:svgBlip xmlns:asvg="http://schemas.microsoft.com/office/drawing/2016/SVG/main" r:embed="rId3"/>
+              </a:ext>
+            </a:extLst>
+          </a:blip>
+          <a:stretch>
+            <a:fillRect/>
+          </a:stretch>
+        </p:blipFill>
+        <p:spPr>
+          <a:xfrm>
+            <a:off x="1304471" y="3243942"/>
+            <a:ext cx="914400" cy="914400"/>
+          </a:xfrm>
+          <a:prstGeom prst="rect">
+            <a:avLst/>
+          </a:prstGeom>
+        </p:spPr>
+      </p:pic>
+      <p:sp>
+        <p:nvSpPr>
+          <p:cNvPr id="41" name="Rectangle 40">
+            <a:extLst>
+              <a:ext uri="{FF2B5EF4-FFF2-40B4-BE49-F238E27FC236}">
+                <a16:creationId xmlns:a16="http://schemas.microsoft.com/office/drawing/2014/main" id="{DFDA6732-8E92-A3F8-D7B7-8B734EADDE99}"/>
+              </a:ext>
+            </a:extLst>
+          </p:cNvPr>
+          <p:cNvSpPr/>
+          <p:nvPr/>
+        </p:nvSpPr>
+        <p:spPr>
+          <a:xfrm>
+            <a:off x="1092199" y="2318657"/>
+            <a:ext cx="1338944" cy="2220686"/>
+          </a:xfrm>
+          <a:custGeom>
+            <a:avLst/>
+            <a:gdLst>
+              <a:gd name="connsiteX0" fmla="*/ 0 w 1338944"/>
+              <a:gd name="connsiteY0" fmla="*/ 0 h 2220686"/>
+              <a:gd name="connsiteX1" fmla="*/ 432925 w 1338944"/>
+              <a:gd name="connsiteY1" fmla="*/ 0 h 2220686"/>
+              <a:gd name="connsiteX2" fmla="*/ 839072 w 1338944"/>
+              <a:gd name="connsiteY2" fmla="*/ 0 h 2220686"/>
+              <a:gd name="connsiteX3" fmla="*/ 1338944 w 1338944"/>
+              <a:gd name="connsiteY3" fmla="*/ 0 h 2220686"/>
+              <a:gd name="connsiteX4" fmla="*/ 1338944 w 1338944"/>
+              <a:gd name="connsiteY4" fmla="*/ 532965 h 2220686"/>
+              <a:gd name="connsiteX5" fmla="*/ 1338944 w 1338944"/>
+              <a:gd name="connsiteY5" fmla="*/ 1043722 h 2220686"/>
+              <a:gd name="connsiteX6" fmla="*/ 1338944 w 1338944"/>
+              <a:gd name="connsiteY6" fmla="*/ 1554480 h 2220686"/>
+              <a:gd name="connsiteX7" fmla="*/ 1338944 w 1338944"/>
+              <a:gd name="connsiteY7" fmla="*/ 2220686 h 2220686"/>
+              <a:gd name="connsiteX8" fmla="*/ 892629 w 1338944"/>
+              <a:gd name="connsiteY8" fmla="*/ 2220686 h 2220686"/>
+              <a:gd name="connsiteX9" fmla="*/ 486483 w 1338944"/>
+              <a:gd name="connsiteY9" fmla="*/ 2220686 h 2220686"/>
+              <a:gd name="connsiteX10" fmla="*/ 0 w 1338944"/>
+              <a:gd name="connsiteY10" fmla="*/ 2220686 h 2220686"/>
+              <a:gd name="connsiteX11" fmla="*/ 0 w 1338944"/>
+              <a:gd name="connsiteY11" fmla="*/ 1665515 h 2220686"/>
+              <a:gd name="connsiteX12" fmla="*/ 0 w 1338944"/>
+              <a:gd name="connsiteY12" fmla="*/ 1088136 h 2220686"/>
+              <a:gd name="connsiteX13" fmla="*/ 0 w 1338944"/>
+              <a:gd name="connsiteY13" fmla="*/ 555172 h 2220686"/>
+              <a:gd name="connsiteX14" fmla="*/ 0 w 1338944"/>
+              <a:gd name="connsiteY14" fmla="*/ 0 h 2220686"/>
+            </a:gdLst>
+            <a:ahLst/>
+            <a:cxnLst>
+              <a:cxn ang="0">
+                <a:pos x="connsiteX0" y="connsiteY0"/>
+              </a:cxn>
+              <a:cxn ang="0">
+                <a:pos x="connsiteX1" y="connsiteY1"/>
+              </a:cxn>
+              <a:cxn ang="0">
+                <a:pos x="connsiteX2" y="connsiteY2"/>
+              </a:cxn>
+              <a:cxn ang="0">
+                <a:pos x="connsiteX3" y="connsiteY3"/>
+              </a:cxn>
+              <a:cxn ang="0">
+                <a:pos x="connsiteX4" y="connsiteY4"/>
+              </a:cxn>
+              <a:cxn ang="0">
+                <a:pos x="connsiteX5" y="connsiteY5"/>
+              </a:cxn>
+              <a:cxn ang="0">
+                <a:pos x="connsiteX6" y="connsiteY6"/>
+              </a:cxn>
+              <a:cxn ang="0">
+                <a:pos x="connsiteX7" y="connsiteY7"/>
+              </a:cxn>
+              <a:cxn ang="0">
+                <a:pos x="connsiteX8" y="connsiteY8"/>
+              </a:cxn>
+              <a:cxn ang="0">
+                <a:pos x="connsiteX9" y="connsiteY9"/>
+              </a:cxn>
+              <a:cxn ang="0">
+                <a:pos x="connsiteX10" y="connsiteY10"/>
+              </a:cxn>
+              <a:cxn ang="0">
+                <a:pos x="connsiteX11" y="connsiteY11"/>
+              </a:cxn>
+              <a:cxn ang="0">
+                <a:pos x="connsiteX12" y="connsiteY12"/>
+              </a:cxn>
+              <a:cxn ang="0">
+                <a:pos x="connsiteX13" y="connsiteY13"/>
+              </a:cxn>
+              <a:cxn ang="0">
+                <a:pos x="connsiteX14" y="connsiteY14"/>
+              </a:cxn>
+            </a:cxnLst>
+            <a:rect l="l" t="t" r="r" b="b"/>
+            <a:pathLst>
+              <a:path w="1338944" h="2220686" extrusionOk="0">
+                <a:moveTo>
+                  <a:pt x="0" y="0"/>
+                </a:moveTo>
+                <a:cubicBezTo>
+                  <a:pt x="92481" y="-19930"/>
+                  <a:pt x="276365" y="20873"/>
+                  <a:pt x="432925" y="0"/>
+                </a:cubicBezTo>
+                <a:cubicBezTo>
+                  <a:pt x="589486" y="-20873"/>
+                  <a:pt x="750610" y="34526"/>
+                  <a:pt x="839072" y="0"/>
+                </a:cubicBezTo>
+                <a:cubicBezTo>
+                  <a:pt x="927534" y="-34526"/>
+                  <a:pt x="1136150" y="9751"/>
+                  <a:pt x="1338944" y="0"/>
+                </a:cubicBezTo>
+                <a:cubicBezTo>
+                  <a:pt x="1393705" y="132795"/>
+                  <a:pt x="1335550" y="366308"/>
+                  <a:pt x="1338944" y="532965"/>
+                </a:cubicBezTo>
+                <a:cubicBezTo>
+                  <a:pt x="1342338" y="699622"/>
+                  <a:pt x="1307451" y="908527"/>
+                  <a:pt x="1338944" y="1043722"/>
+                </a:cubicBezTo>
+                <a:cubicBezTo>
+                  <a:pt x="1370437" y="1178917"/>
+                  <a:pt x="1309885" y="1299992"/>
+                  <a:pt x="1338944" y="1554480"/>
+                </a:cubicBezTo>
+                <a:cubicBezTo>
+                  <a:pt x="1368003" y="1808968"/>
+                  <a:pt x="1323478" y="1937941"/>
+                  <a:pt x="1338944" y="2220686"/>
+                </a:cubicBezTo>
+                <a:cubicBezTo>
+                  <a:pt x="1130898" y="2268940"/>
+                  <a:pt x="987108" y="2214919"/>
+                  <a:pt x="892629" y="2220686"/>
+                </a:cubicBezTo>
+                <a:cubicBezTo>
+                  <a:pt x="798151" y="2226453"/>
+                  <a:pt x="568946" y="2174844"/>
+                  <a:pt x="486483" y="2220686"/>
+                </a:cubicBezTo>
+                <a:cubicBezTo>
+                  <a:pt x="404020" y="2266528"/>
+                  <a:pt x="146060" y="2164884"/>
+                  <a:pt x="0" y="2220686"/>
+                </a:cubicBezTo>
+                <a:cubicBezTo>
+                  <a:pt x="-46592" y="2041681"/>
+                  <a:pt x="26240" y="1828916"/>
+                  <a:pt x="0" y="1665515"/>
+                </a:cubicBezTo>
+                <a:cubicBezTo>
+                  <a:pt x="-26240" y="1502114"/>
+                  <a:pt x="4507" y="1339706"/>
+                  <a:pt x="0" y="1088136"/>
+                </a:cubicBezTo>
+                <a:cubicBezTo>
+                  <a:pt x="-4507" y="836566"/>
+                  <a:pt x="28281" y="776350"/>
+                  <a:pt x="0" y="555172"/>
+                </a:cubicBezTo>
+                <a:cubicBezTo>
+                  <a:pt x="-28281" y="333994"/>
+                  <a:pt x="10642" y="239263"/>
+                  <a:pt x="0" y="0"/>
+                </a:cubicBezTo>
+                <a:close/>
+              </a:path>
+            </a:pathLst>
+          </a:custGeom>
+          <a:noFill/>
+          <a:ln>
+            <a:prstDash val="sysDot"/>
+            <a:extLst>
+              <a:ext uri="{C807C97D-BFC1-408E-A445-0C87EB9F89A2}">
+                <ask:lineSketchStyleProps xmlns:ask="http://schemas.microsoft.com/office/drawing/2018/sketchyshapes" sd="1219033472">
+                  <a:prstGeom prst="rect">
+                    <a:avLst/>
+                  </a:prstGeom>
+                  <ask:type>
+                    <ask:lineSketchScribble/>
+                  </ask:type>
+                </ask:lineSketchStyleProps>
+              </a:ext>
+            </a:extLst>
+          </a:ln>
+        </p:spPr>
+        <p:style>
+          <a:lnRef idx="2">
+            <a:schemeClr val="accent1">
+              <a:shade val="15000"/>
+            </a:schemeClr>
+          </a:lnRef>
+          <a:fillRef idx="1">
+            <a:schemeClr val="accent1"/>
+          </a:fillRef>
+          <a:effectRef idx="0">
+            <a:schemeClr val="accent1"/>
+          </a:effectRef>
+          <a:fontRef idx="minor">
+            <a:schemeClr val="lt1"/>
+          </a:fontRef>
+        </p:style>
+        <p:txBody>
+          <a:bodyPr rtlCol="0" anchor="t" anchorCtr="0"/>
+          <a:lstStyle/>
+          <a:p>
+            <a:pPr algn="ctr"/>
+            <a:r>
+              <a:rPr lang="en-US" dirty="0">
+                <a:solidFill>
+                  <a:schemeClr val="accent1">
+                    <a:lumMod val="75000"/>
+                  </a:schemeClr>
+                </a:solidFill>
+              </a:rPr>
+              <a:t>Business Objective</a:t>
+            </a:r>
+          </a:p>
+        </p:txBody>
+      </p:sp>
+      <p:pic>
+        <p:nvPicPr>
+          <p:cNvPr id="42" name="Graphic 41" descr="Artificial Intelligence outline">
+            <a:extLst>
+              <a:ext uri="{FF2B5EF4-FFF2-40B4-BE49-F238E27FC236}">
+                <a16:creationId xmlns:a16="http://schemas.microsoft.com/office/drawing/2014/main" id="{1834860B-B98C-DD3C-F2FE-830E57C693CE}"/>
+              </a:ext>
+            </a:extLst>
+          </p:cNvPr>
+          <p:cNvPicPr>
+            <a:picLocks noChangeAspect="1"/>
+          </p:cNvPicPr>
+          <p:nvPr/>
+        </p:nvPicPr>
+        <p:blipFill>
+          <a:blip r:embed="rId4">
+            <a:extLst>
+              <a:ext uri="{96DAC541-7B7A-43D3-8B79-37D633B846F1}">
+                <asvg:svgBlip xmlns:asvg="http://schemas.microsoft.com/office/drawing/2016/SVG/main" r:embed="rId5"/>
+              </a:ext>
+            </a:extLst>
+          </a:blip>
+          <a:stretch>
+            <a:fillRect/>
+          </a:stretch>
+        </p:blipFill>
+        <p:spPr>
+          <a:xfrm>
+            <a:off x="6672944" y="1730829"/>
+            <a:ext cx="914400" cy="914400"/>
+          </a:xfrm>
+          <a:prstGeom prst="rect">
+            <a:avLst/>
+          </a:prstGeom>
+        </p:spPr>
+      </p:pic>
+      <p:pic>
+        <p:nvPicPr>
+          <p:cNvPr id="43" name="Graphic 42" descr="Continuous Improvement with solid fill">
+            <a:extLst>
+              <a:ext uri="{FF2B5EF4-FFF2-40B4-BE49-F238E27FC236}">
+                <a16:creationId xmlns:a16="http://schemas.microsoft.com/office/drawing/2014/main" id="{655D5A6D-95C1-7D3B-91DB-AB6A0E777F54}"/>
+              </a:ext>
+            </a:extLst>
+          </p:cNvPr>
+          <p:cNvPicPr>
+            <a:picLocks noChangeAspect="1"/>
+          </p:cNvPicPr>
+          <p:nvPr/>
+        </p:nvPicPr>
+        <p:blipFill>
+          <a:blip r:embed="rId6">
+            <a:extLst>
+              <a:ext uri="{96DAC541-7B7A-43D3-8B79-37D633B846F1}">
+                <asvg:svgBlip xmlns:asvg="http://schemas.microsoft.com/office/drawing/2016/SVG/main" r:embed="rId7"/>
+              </a:ext>
+            </a:extLst>
+          </a:blip>
+          <a:stretch>
+            <a:fillRect/>
+          </a:stretch>
+        </p:blipFill>
+        <p:spPr>
+          <a:xfrm>
+            <a:off x="5428346" y="1799772"/>
+            <a:ext cx="914400" cy="914400"/>
+          </a:xfrm>
+          <a:prstGeom prst="rect">
+            <a:avLst/>
+          </a:prstGeom>
+        </p:spPr>
+      </p:pic>
+      <p:pic>
+        <p:nvPicPr>
+          <p:cNvPr id="44" name="Graphic 43" descr="Teacher with solid fill">
+            <a:extLst>
+              <a:ext uri="{FF2B5EF4-FFF2-40B4-BE49-F238E27FC236}">
+                <a16:creationId xmlns:a16="http://schemas.microsoft.com/office/drawing/2014/main" id="{F877BBB6-48EE-C020-A851-C4E4B467F980}"/>
+              </a:ext>
+            </a:extLst>
+          </p:cNvPr>
+          <p:cNvPicPr>
+            <a:picLocks noChangeAspect="1"/>
+          </p:cNvPicPr>
+          <p:nvPr/>
+        </p:nvPicPr>
+        <p:blipFill>
+          <a:blip r:embed="rId8">
+            <a:extLst>
+              <a:ext uri="{96DAC541-7B7A-43D3-8B79-37D633B846F1}">
+                <asvg:svgBlip xmlns:asvg="http://schemas.microsoft.com/office/drawing/2016/SVG/main" r:embed="rId9"/>
+              </a:ext>
+            </a:extLst>
+          </a:blip>
+          <a:stretch>
+            <a:fillRect/>
+          </a:stretch>
+        </p:blipFill>
+        <p:spPr>
+          <a:xfrm>
+            <a:off x="7917542" y="1730829"/>
+            <a:ext cx="914400" cy="914400"/>
+          </a:xfrm>
+          <a:prstGeom prst="rect">
+            <a:avLst/>
+          </a:prstGeom>
+        </p:spPr>
+      </p:pic>
+      <p:pic>
+        <p:nvPicPr>
+          <p:cNvPr id="45" name="Graphic 44" descr="Web design with solid fill">
+            <a:extLst>
+              <a:ext uri="{FF2B5EF4-FFF2-40B4-BE49-F238E27FC236}">
+                <a16:creationId xmlns:a16="http://schemas.microsoft.com/office/drawing/2014/main" id="{0D6C0ADC-2AC4-CEFD-8AE4-9E3985E752A3}"/>
+              </a:ext>
+            </a:extLst>
+          </p:cNvPr>
+          <p:cNvPicPr>
+            <a:picLocks noChangeAspect="1"/>
+          </p:cNvPicPr>
+          <p:nvPr/>
+        </p:nvPicPr>
+        <p:blipFill>
+          <a:blip r:embed="rId10">
+            <a:extLst>
+              <a:ext uri="{96DAC541-7B7A-43D3-8B79-37D633B846F1}">
+                <asvg:svgBlip xmlns:asvg="http://schemas.microsoft.com/office/drawing/2016/SVG/main" r:embed="rId11"/>
+              </a:ext>
+            </a:extLst>
+          </a:blip>
+          <a:stretch>
+            <a:fillRect/>
+          </a:stretch>
+        </p:blipFill>
+        <p:spPr>
+          <a:xfrm>
+            <a:off x="3766458" y="1730829"/>
+            <a:ext cx="914400" cy="914400"/>
+          </a:xfrm>
+          <a:prstGeom prst="rect">
+            <a:avLst/>
+          </a:prstGeom>
+        </p:spPr>
+      </p:pic>
+      <p:sp>
+        <p:nvSpPr>
+          <p:cNvPr id="46" name="Rectangle 45">
+            <a:extLst>
+              <a:ext uri="{FF2B5EF4-FFF2-40B4-BE49-F238E27FC236}">
+                <a16:creationId xmlns:a16="http://schemas.microsoft.com/office/drawing/2014/main" id="{C2650840-5B3B-F4DC-3181-FACCC2BC8495}"/>
+              </a:ext>
+            </a:extLst>
+          </p:cNvPr>
+          <p:cNvSpPr/>
+          <p:nvPr/>
+        </p:nvSpPr>
+        <p:spPr>
+          <a:xfrm>
+            <a:off x="5181600" y="3534226"/>
+            <a:ext cx="3773714" cy="1727202"/>
+          </a:xfrm>
+          <a:custGeom>
+            <a:avLst/>
+            <a:gdLst>
+              <a:gd name="connsiteX0" fmla="*/ 0 w 3773714"/>
+              <a:gd name="connsiteY0" fmla="*/ 0 h 1727202"/>
+              <a:gd name="connsiteX1" fmla="*/ 666689 w 3773714"/>
+              <a:gd name="connsiteY1" fmla="*/ 0 h 1727202"/>
+              <a:gd name="connsiteX2" fmla="*/ 1295642 w 3773714"/>
+              <a:gd name="connsiteY2" fmla="*/ 0 h 1727202"/>
+              <a:gd name="connsiteX3" fmla="*/ 1811383 w 3773714"/>
+              <a:gd name="connsiteY3" fmla="*/ 0 h 1727202"/>
+              <a:gd name="connsiteX4" fmla="*/ 2440335 w 3773714"/>
+              <a:gd name="connsiteY4" fmla="*/ 0 h 1727202"/>
+              <a:gd name="connsiteX5" fmla="*/ 3031550 w 3773714"/>
+              <a:gd name="connsiteY5" fmla="*/ 0 h 1727202"/>
+              <a:gd name="connsiteX6" fmla="*/ 3773714 w 3773714"/>
+              <a:gd name="connsiteY6" fmla="*/ 0 h 1727202"/>
+              <a:gd name="connsiteX7" fmla="*/ 3773714 w 3773714"/>
+              <a:gd name="connsiteY7" fmla="*/ 541190 h 1727202"/>
+              <a:gd name="connsiteX8" fmla="*/ 3773714 w 3773714"/>
+              <a:gd name="connsiteY8" fmla="*/ 1099652 h 1727202"/>
+              <a:gd name="connsiteX9" fmla="*/ 3773714 w 3773714"/>
+              <a:gd name="connsiteY9" fmla="*/ 1727202 h 1727202"/>
+              <a:gd name="connsiteX10" fmla="*/ 3257973 w 3773714"/>
+              <a:gd name="connsiteY10" fmla="*/ 1727202 h 1727202"/>
+              <a:gd name="connsiteX11" fmla="*/ 2553546 w 3773714"/>
+              <a:gd name="connsiteY11" fmla="*/ 1727202 h 1727202"/>
+              <a:gd name="connsiteX12" fmla="*/ 1962331 w 3773714"/>
+              <a:gd name="connsiteY12" fmla="*/ 1727202 h 1727202"/>
+              <a:gd name="connsiteX13" fmla="*/ 1333379 w 3773714"/>
+              <a:gd name="connsiteY13" fmla="*/ 1727202 h 1727202"/>
+              <a:gd name="connsiteX14" fmla="*/ 779901 w 3773714"/>
+              <a:gd name="connsiteY14" fmla="*/ 1727202 h 1727202"/>
+              <a:gd name="connsiteX15" fmla="*/ 0 w 3773714"/>
+              <a:gd name="connsiteY15" fmla="*/ 1727202 h 1727202"/>
+              <a:gd name="connsiteX16" fmla="*/ 0 w 3773714"/>
+              <a:gd name="connsiteY16" fmla="*/ 1151468 h 1727202"/>
+              <a:gd name="connsiteX17" fmla="*/ 0 w 3773714"/>
+              <a:gd name="connsiteY17" fmla="*/ 575734 h 1727202"/>
+              <a:gd name="connsiteX18" fmla="*/ 0 w 3773714"/>
+              <a:gd name="connsiteY18" fmla="*/ 0 h 1727202"/>
+            </a:gdLst>
+            <a:ahLst/>
+            <a:cxnLst>
+              <a:cxn ang="0">
+                <a:pos x="connsiteX0" y="connsiteY0"/>
+              </a:cxn>
+              <a:cxn ang="0">
+                <a:pos x="connsiteX1" y="connsiteY1"/>
+              </a:cxn>
+              <a:cxn ang="0">
+                <a:pos x="connsiteX2" y="connsiteY2"/>
+              </a:cxn>
+              <a:cxn ang="0">
+                <a:pos x="connsiteX3" y="connsiteY3"/>
+              </a:cxn>
+              <a:cxn ang="0">
+                <a:pos x="connsiteX4" y="connsiteY4"/>
+              </a:cxn>
+              <a:cxn ang="0">
+                <a:pos x="connsiteX5" y="connsiteY5"/>
+              </a:cxn>
+              <a:cxn ang="0">
+                <a:pos x="connsiteX6" y="connsiteY6"/>
+              </a:cxn>
+              <a:cxn ang="0">
+                <a:pos x="connsiteX7" y="connsiteY7"/>
+              </a:cxn>
+              <a:cxn ang="0">
+                <a:pos x="connsiteX8" y="connsiteY8"/>
+              </a:cxn>
+              <a:cxn ang="0">
+                <a:pos x="connsiteX9" y="connsiteY9"/>
+              </a:cxn>
+              <a:cxn ang="0">
+                <a:pos x="connsiteX10" y="connsiteY10"/>
+              </a:cxn>
+              <a:cxn ang="0">
+                <a:pos x="connsiteX11" y="connsiteY11"/>
+              </a:cxn>
+              <a:cxn ang="0">
+                <a:pos x="connsiteX12" y="connsiteY12"/>
+              </a:cxn>
+              <a:cxn ang="0">
+                <a:pos x="connsiteX13" y="connsiteY13"/>
+              </a:cxn>
+              <a:cxn ang="0">
+                <a:pos x="connsiteX14" y="connsiteY14"/>
+              </a:cxn>
+              <a:cxn ang="0">
+                <a:pos x="connsiteX15" y="connsiteY15"/>
+              </a:cxn>
+              <a:cxn ang="0">
+                <a:pos x="connsiteX16" y="connsiteY16"/>
+              </a:cxn>
+              <a:cxn ang="0">
+                <a:pos x="connsiteX17" y="connsiteY17"/>
+              </a:cxn>
+              <a:cxn ang="0">
+                <a:pos x="connsiteX18" y="connsiteY18"/>
+              </a:cxn>
+            </a:cxnLst>
+            <a:rect l="l" t="t" r="r" b="b"/>
+            <a:pathLst>
+              <a:path w="3773714" h="1727202" extrusionOk="0">
+                <a:moveTo>
+                  <a:pt x="0" y="0"/>
+                </a:moveTo>
+                <a:cubicBezTo>
+                  <a:pt x="320767" y="-11317"/>
+                  <a:pt x="525006" y="-16254"/>
+                  <a:pt x="666689" y="0"/>
+                </a:cubicBezTo>
+                <a:cubicBezTo>
+                  <a:pt x="808372" y="16254"/>
+                  <a:pt x="1078518" y="-1013"/>
+                  <a:pt x="1295642" y="0"/>
+                </a:cubicBezTo>
+                <a:cubicBezTo>
+                  <a:pt x="1512766" y="1013"/>
+                  <a:pt x="1678102" y="-15845"/>
+                  <a:pt x="1811383" y="0"/>
+                </a:cubicBezTo>
+                <a:cubicBezTo>
+                  <a:pt x="1944664" y="15845"/>
+                  <a:pt x="2294193" y="19198"/>
+                  <a:pt x="2440335" y="0"/>
+                </a:cubicBezTo>
+                <a:cubicBezTo>
+                  <a:pt x="2586477" y="-19198"/>
+                  <a:pt x="2815369" y="-22133"/>
+                  <a:pt x="3031550" y="0"/>
+                </a:cubicBezTo>
+                <a:cubicBezTo>
+                  <a:pt x="3247732" y="22133"/>
+                  <a:pt x="3407252" y="-13831"/>
+                  <a:pt x="3773714" y="0"/>
+                </a:cubicBezTo>
+                <a:cubicBezTo>
+                  <a:pt x="3796209" y="131799"/>
+                  <a:pt x="3791615" y="309843"/>
+                  <a:pt x="3773714" y="541190"/>
+                </a:cubicBezTo>
+                <a:cubicBezTo>
+                  <a:pt x="3755814" y="772537"/>
+                  <a:pt x="3761261" y="976301"/>
+                  <a:pt x="3773714" y="1099652"/>
+                </a:cubicBezTo>
+                <a:cubicBezTo>
+                  <a:pt x="3786167" y="1223003"/>
+                  <a:pt x="3768983" y="1511044"/>
+                  <a:pt x="3773714" y="1727202"/>
+                </a:cubicBezTo>
+                <a:cubicBezTo>
+                  <a:pt x="3648035" y="1724636"/>
+                  <a:pt x="3367774" y="1710216"/>
+                  <a:pt x="3257973" y="1727202"/>
+                </a:cubicBezTo>
+                <a:cubicBezTo>
+                  <a:pt x="3148172" y="1744188"/>
+                  <a:pt x="2844740" y="1723278"/>
+                  <a:pt x="2553546" y="1727202"/>
+                </a:cubicBezTo>
+                <a:cubicBezTo>
+                  <a:pt x="2262352" y="1731126"/>
+                  <a:pt x="2253983" y="1719330"/>
+                  <a:pt x="1962331" y="1727202"/>
+                </a:cubicBezTo>
+                <a:cubicBezTo>
+                  <a:pt x="1670679" y="1735074"/>
+                  <a:pt x="1511188" y="1703494"/>
+                  <a:pt x="1333379" y="1727202"/>
+                </a:cubicBezTo>
+                <a:cubicBezTo>
+                  <a:pt x="1155570" y="1750910"/>
+                  <a:pt x="908100" y="1750766"/>
+                  <a:pt x="779901" y="1727202"/>
+                </a:cubicBezTo>
+                <a:cubicBezTo>
+                  <a:pt x="651702" y="1703638"/>
+                  <a:pt x="252327" y="1693116"/>
+                  <a:pt x="0" y="1727202"/>
+                </a:cubicBezTo>
+                <a:cubicBezTo>
+                  <a:pt x="16707" y="1509279"/>
+                  <a:pt x="15760" y="1299846"/>
+                  <a:pt x="0" y="1151468"/>
+                </a:cubicBezTo>
+                <a:cubicBezTo>
+                  <a:pt x="-15760" y="1003090"/>
+                  <a:pt x="-27093" y="717509"/>
+                  <a:pt x="0" y="575734"/>
+                </a:cubicBezTo>
+                <a:cubicBezTo>
+                  <a:pt x="27093" y="433959"/>
+                  <a:pt x="-1573" y="196938"/>
+                  <a:pt x="0" y="0"/>
+                </a:cubicBezTo>
+                <a:close/>
+              </a:path>
+            </a:pathLst>
+          </a:custGeom>
+          <a:noFill/>
+          <a:ln>
+            <a:solidFill>
+              <a:srgbClr val="C00000"/>
+            </a:solidFill>
+            <a:extLst>
+              <a:ext uri="{C807C97D-BFC1-408E-A445-0C87EB9F89A2}">
+                <ask:lineSketchStyleProps xmlns:ask="http://schemas.microsoft.com/office/drawing/2018/sketchyshapes" sd="1187246233">
+                  <a:prstGeom prst="rect">
+                    <a:avLst/>
+                  </a:prstGeom>
+                  <ask:type>
+                    <ask:lineSketchFreehand/>
+                  </ask:type>
+                </ask:lineSketchStyleProps>
+              </a:ext>
+            </a:extLst>
+          </a:ln>
+        </p:spPr>
+        <p:style>
+          <a:lnRef idx="2">
+            <a:schemeClr val="accent1">
+              <a:shade val="15000"/>
+            </a:schemeClr>
+          </a:lnRef>
+          <a:fillRef idx="1">
+            <a:schemeClr val="accent1"/>
+          </a:fillRef>
+          <a:effectRef idx="0">
+            <a:schemeClr val="accent1"/>
+          </a:effectRef>
+          <a:fontRef idx="minor">
+            <a:schemeClr val="lt1"/>
+          </a:fontRef>
+        </p:style>
+        <p:txBody>
+          <a:bodyPr rtlCol="0" anchor="t" anchorCtr="0"/>
+          <a:lstStyle/>
+          <a:p>
+            <a:pPr algn="ctr"/>
+            <a:r>
+              <a:rPr lang="en-US" dirty="0">
+                <a:solidFill>
+                  <a:schemeClr val="accent1">
+                    <a:lumMod val="75000"/>
+                  </a:schemeClr>
+                </a:solidFill>
+              </a:rPr>
+              <a:t>ML/OPs</a:t>
+            </a:r>
+          </a:p>
+        </p:txBody>
+      </p:sp>
+      <p:pic>
+        <p:nvPicPr>
+          <p:cNvPr id="47" name="Graphic 46" descr="Database with solid fill">
+            <a:extLst>
+              <a:ext uri="{FF2B5EF4-FFF2-40B4-BE49-F238E27FC236}">
+                <a16:creationId xmlns:a16="http://schemas.microsoft.com/office/drawing/2014/main" id="{14743B8E-0906-6DF8-3A08-598458CF92F9}"/>
+              </a:ext>
+            </a:extLst>
+          </p:cNvPr>
+          <p:cNvPicPr>
+            <a:picLocks noChangeAspect="1"/>
+          </p:cNvPicPr>
+          <p:nvPr/>
+        </p:nvPicPr>
+        <p:blipFill>
+          <a:blip r:embed="rId12">
+            <a:extLst>
+              <a:ext uri="{96DAC541-7B7A-43D3-8B79-37D633B846F1}">
+                <asvg:svgBlip xmlns:asvg="http://schemas.microsoft.com/office/drawing/2016/SVG/main" r:embed="rId13"/>
+              </a:ext>
+            </a:extLst>
+          </a:blip>
+          <a:stretch>
+            <a:fillRect/>
+          </a:stretch>
+        </p:blipFill>
+        <p:spPr>
+          <a:xfrm>
+            <a:off x="3766458" y="4187369"/>
+            <a:ext cx="914400" cy="914400"/>
+          </a:xfrm>
+          <a:prstGeom prst="rect">
+            <a:avLst/>
+          </a:prstGeom>
+        </p:spPr>
+      </p:pic>
+      <p:pic>
+        <p:nvPicPr>
+          <p:cNvPr id="48" name="Graphic 47" descr="Decision chart with solid fill">
+            <a:extLst>
+              <a:ext uri="{FF2B5EF4-FFF2-40B4-BE49-F238E27FC236}">
+                <a16:creationId xmlns:a16="http://schemas.microsoft.com/office/drawing/2014/main" id="{F4CF95B5-60DA-3E9C-5520-7E6235636306}"/>
+              </a:ext>
+            </a:extLst>
+          </p:cNvPr>
+          <p:cNvPicPr>
+            <a:picLocks noChangeAspect="1"/>
+          </p:cNvPicPr>
+          <p:nvPr/>
+        </p:nvPicPr>
+        <p:blipFill>
+          <a:blip r:embed="rId14">
+            <a:extLst>
+              <a:ext uri="{96DAC541-7B7A-43D3-8B79-37D633B846F1}">
+                <asvg:svgBlip xmlns:asvg="http://schemas.microsoft.com/office/drawing/2016/SVG/main" r:embed="rId15"/>
+              </a:ext>
+            </a:extLst>
+          </a:blip>
+          <a:stretch>
+            <a:fillRect/>
+          </a:stretch>
+        </p:blipFill>
+        <p:spPr>
+          <a:xfrm>
+            <a:off x="5885546" y="3940627"/>
+            <a:ext cx="914400" cy="914400"/>
+          </a:xfrm>
+          <a:prstGeom prst="rect">
+            <a:avLst/>
+          </a:prstGeom>
+        </p:spPr>
+      </p:pic>
+      <p:pic>
+        <p:nvPicPr>
+          <p:cNvPr id="49" name="Graphic 48" descr="Clipboard with solid fill">
+            <a:extLst>
+              <a:ext uri="{FF2B5EF4-FFF2-40B4-BE49-F238E27FC236}">
+                <a16:creationId xmlns:a16="http://schemas.microsoft.com/office/drawing/2014/main" id="{4A05EF6A-049F-A8A9-FB58-F1854D6A6A0C}"/>
+              </a:ext>
+            </a:extLst>
+          </p:cNvPr>
+          <p:cNvPicPr>
+            <a:picLocks noChangeAspect="1"/>
+          </p:cNvPicPr>
+          <p:nvPr/>
+        </p:nvPicPr>
+        <p:blipFill>
+          <a:blip r:embed="rId16">
+            <a:extLst>
+              <a:ext uri="{96DAC541-7B7A-43D3-8B79-37D633B846F1}">
+                <asvg:svgBlip xmlns:asvg="http://schemas.microsoft.com/office/drawing/2016/SVG/main" r:embed="rId17"/>
+              </a:ext>
+            </a:extLst>
+          </a:blip>
+          <a:stretch>
+            <a:fillRect/>
+          </a:stretch>
+        </p:blipFill>
+        <p:spPr>
+          <a:xfrm>
+            <a:off x="7587344" y="3889828"/>
+            <a:ext cx="914400" cy="914400"/>
+          </a:xfrm>
+          <a:prstGeom prst="rect">
+            <a:avLst/>
+          </a:prstGeom>
+        </p:spPr>
+      </p:pic>
+      <p:sp>
+        <p:nvSpPr>
+          <p:cNvPr id="50" name="Rectangle 49">
+            <a:extLst>
+              <a:ext uri="{FF2B5EF4-FFF2-40B4-BE49-F238E27FC236}">
+                <a16:creationId xmlns:a16="http://schemas.microsoft.com/office/drawing/2014/main" id="{125355DA-9408-51D2-BAB4-B7E0F03E852F}"/>
+              </a:ext>
+            </a:extLst>
+          </p:cNvPr>
+          <p:cNvSpPr/>
+          <p:nvPr/>
+        </p:nvSpPr>
+        <p:spPr>
+          <a:xfrm>
+            <a:off x="5181600" y="1324428"/>
+            <a:ext cx="3897089" cy="1727202"/>
+          </a:xfrm>
+          <a:custGeom>
+            <a:avLst/>
+            <a:gdLst>
+              <a:gd name="connsiteX0" fmla="*/ 0 w 3897089"/>
+              <a:gd name="connsiteY0" fmla="*/ 0 h 1727202"/>
+              <a:gd name="connsiteX1" fmla="*/ 649515 w 3897089"/>
+              <a:gd name="connsiteY1" fmla="*/ 0 h 1727202"/>
+              <a:gd name="connsiteX2" fmla="*/ 1260059 w 3897089"/>
+              <a:gd name="connsiteY2" fmla="*/ 0 h 1727202"/>
+              <a:gd name="connsiteX3" fmla="*/ 1948545 w 3897089"/>
+              <a:gd name="connsiteY3" fmla="*/ 0 h 1727202"/>
+              <a:gd name="connsiteX4" fmla="*/ 2676001 w 3897089"/>
+              <a:gd name="connsiteY4" fmla="*/ 0 h 1727202"/>
+              <a:gd name="connsiteX5" fmla="*/ 3325516 w 3897089"/>
+              <a:gd name="connsiteY5" fmla="*/ 0 h 1727202"/>
+              <a:gd name="connsiteX6" fmla="*/ 3897089 w 3897089"/>
+              <a:gd name="connsiteY6" fmla="*/ 0 h 1727202"/>
+              <a:gd name="connsiteX7" fmla="*/ 3897089 w 3897089"/>
+              <a:gd name="connsiteY7" fmla="*/ 523918 h 1727202"/>
+              <a:gd name="connsiteX8" fmla="*/ 3897089 w 3897089"/>
+              <a:gd name="connsiteY8" fmla="*/ 1047836 h 1727202"/>
+              <a:gd name="connsiteX9" fmla="*/ 3897089 w 3897089"/>
+              <a:gd name="connsiteY9" fmla="*/ 1727202 h 1727202"/>
+              <a:gd name="connsiteX10" fmla="*/ 3364487 w 3897089"/>
+              <a:gd name="connsiteY10" fmla="*/ 1727202 h 1727202"/>
+              <a:gd name="connsiteX11" fmla="*/ 2637030 w 3897089"/>
+              <a:gd name="connsiteY11" fmla="*/ 1727202 h 1727202"/>
+              <a:gd name="connsiteX12" fmla="*/ 1909574 w 3897089"/>
+              <a:gd name="connsiteY12" fmla="*/ 1727202 h 1727202"/>
+              <a:gd name="connsiteX13" fmla="*/ 1260059 w 3897089"/>
+              <a:gd name="connsiteY13" fmla="*/ 1727202 h 1727202"/>
+              <a:gd name="connsiteX14" fmla="*/ 649515 w 3897089"/>
+              <a:gd name="connsiteY14" fmla="*/ 1727202 h 1727202"/>
+              <a:gd name="connsiteX15" fmla="*/ 0 w 3897089"/>
+              <a:gd name="connsiteY15" fmla="*/ 1727202 h 1727202"/>
+              <a:gd name="connsiteX16" fmla="*/ 0 w 3897089"/>
+              <a:gd name="connsiteY16" fmla="*/ 1186012 h 1727202"/>
+              <a:gd name="connsiteX17" fmla="*/ 0 w 3897089"/>
+              <a:gd name="connsiteY17" fmla="*/ 644822 h 1727202"/>
+              <a:gd name="connsiteX18" fmla="*/ 0 w 3897089"/>
+              <a:gd name="connsiteY18" fmla="*/ 0 h 1727202"/>
+            </a:gdLst>
+            <a:ahLst/>
+            <a:cxnLst>
+              <a:cxn ang="0">
+                <a:pos x="connsiteX0" y="connsiteY0"/>
+              </a:cxn>
+              <a:cxn ang="0">
+                <a:pos x="connsiteX1" y="connsiteY1"/>
+              </a:cxn>
+              <a:cxn ang="0">
+                <a:pos x="connsiteX2" y="connsiteY2"/>
+              </a:cxn>
+              <a:cxn ang="0">
+                <a:pos x="connsiteX3" y="connsiteY3"/>
+              </a:cxn>
+              <a:cxn ang="0">
+                <a:pos x="connsiteX4" y="connsiteY4"/>
+              </a:cxn>
+              <a:cxn ang="0">
+                <a:pos x="connsiteX5" y="connsiteY5"/>
+              </a:cxn>
+              <a:cxn ang="0">
+                <a:pos x="connsiteX6" y="connsiteY6"/>
+              </a:cxn>
+              <a:cxn ang="0">
+                <a:pos x="connsiteX7" y="connsiteY7"/>
+              </a:cxn>
+              <a:cxn ang="0">
+                <a:pos x="connsiteX8" y="connsiteY8"/>
+              </a:cxn>
+              <a:cxn ang="0">
+                <a:pos x="connsiteX9" y="connsiteY9"/>
+              </a:cxn>
+              <a:cxn ang="0">
+                <a:pos x="connsiteX10" y="connsiteY10"/>
+              </a:cxn>
+              <a:cxn ang="0">
+                <a:pos x="connsiteX11" y="connsiteY11"/>
+              </a:cxn>
+              <a:cxn ang="0">
+                <a:pos x="connsiteX12" y="connsiteY12"/>
+              </a:cxn>
+              <a:cxn ang="0">
+                <a:pos x="connsiteX13" y="connsiteY13"/>
+              </a:cxn>
+              <a:cxn ang="0">
+                <a:pos x="connsiteX14" y="connsiteY14"/>
+              </a:cxn>
+              <a:cxn ang="0">
+                <a:pos x="connsiteX15" y="connsiteY15"/>
+              </a:cxn>
+              <a:cxn ang="0">
+                <a:pos x="connsiteX16" y="connsiteY16"/>
+              </a:cxn>
+              <a:cxn ang="0">
+                <a:pos x="connsiteX17" y="connsiteY17"/>
+              </a:cxn>
+              <a:cxn ang="0">
+                <a:pos x="connsiteX18" y="connsiteY18"/>
+              </a:cxn>
+            </a:cxnLst>
+            <a:rect l="l" t="t" r="r" b="b"/>
+            <a:pathLst>
+              <a:path w="3897089" h="1727202" extrusionOk="0">
+                <a:moveTo>
+                  <a:pt x="0" y="0"/>
+                </a:moveTo>
+                <a:cubicBezTo>
+                  <a:pt x="180658" y="6134"/>
+                  <a:pt x="500687" y="9386"/>
+                  <a:pt x="649515" y="0"/>
+                </a:cubicBezTo>
+                <a:cubicBezTo>
+                  <a:pt x="798344" y="-9386"/>
+                  <a:pt x="997211" y="-22716"/>
+                  <a:pt x="1260059" y="0"/>
+                </a:cubicBezTo>
+                <a:cubicBezTo>
+                  <a:pt x="1522907" y="22716"/>
+                  <a:pt x="1610582" y="9757"/>
+                  <a:pt x="1948545" y="0"/>
+                </a:cubicBezTo>
+                <a:cubicBezTo>
+                  <a:pt x="2286508" y="-9757"/>
+                  <a:pt x="2514369" y="24426"/>
+                  <a:pt x="2676001" y="0"/>
+                </a:cubicBezTo>
+                <a:cubicBezTo>
+                  <a:pt x="2837633" y="-24426"/>
+                  <a:pt x="3119820" y="-19438"/>
+                  <a:pt x="3325516" y="0"/>
+                </a:cubicBezTo>
+                <a:cubicBezTo>
+                  <a:pt x="3531213" y="19438"/>
+                  <a:pt x="3693115" y="3380"/>
+                  <a:pt x="3897089" y="0"/>
+                </a:cubicBezTo>
+                <a:cubicBezTo>
+                  <a:pt x="3875847" y="144577"/>
+                  <a:pt x="3878291" y="313016"/>
+                  <a:pt x="3897089" y="523918"/>
+                </a:cubicBezTo>
+                <a:cubicBezTo>
+                  <a:pt x="3915887" y="734820"/>
+                  <a:pt x="3904561" y="862419"/>
+                  <a:pt x="3897089" y="1047836"/>
+                </a:cubicBezTo>
+                <a:cubicBezTo>
+                  <a:pt x="3889617" y="1233253"/>
+                  <a:pt x="3926715" y="1550911"/>
+                  <a:pt x="3897089" y="1727202"/>
+                </a:cubicBezTo>
+                <a:cubicBezTo>
+                  <a:pt x="3762024" y="1748245"/>
+                  <a:pt x="3479231" y="1711063"/>
+                  <a:pt x="3364487" y="1727202"/>
+                </a:cubicBezTo>
+                <a:cubicBezTo>
+                  <a:pt x="3249743" y="1743341"/>
+                  <a:pt x="2956455" y="1750503"/>
+                  <a:pt x="2637030" y="1727202"/>
+                </a:cubicBezTo>
+                <a:cubicBezTo>
+                  <a:pt x="2317605" y="1703901"/>
+                  <a:pt x="2124029" y="1740325"/>
+                  <a:pt x="1909574" y="1727202"/>
+                </a:cubicBezTo>
+                <a:cubicBezTo>
+                  <a:pt x="1695119" y="1714079"/>
+                  <a:pt x="1541670" y="1747307"/>
+                  <a:pt x="1260059" y="1727202"/>
+                </a:cubicBezTo>
+                <a:cubicBezTo>
+                  <a:pt x="978448" y="1707097"/>
+                  <a:pt x="798812" y="1735232"/>
+                  <a:pt x="649515" y="1727202"/>
+                </a:cubicBezTo>
+                <a:cubicBezTo>
+                  <a:pt x="500218" y="1719172"/>
+                  <a:pt x="194013" y="1730878"/>
+                  <a:pt x="0" y="1727202"/>
+                </a:cubicBezTo>
+                <a:cubicBezTo>
+                  <a:pt x="19030" y="1492430"/>
+                  <a:pt x="-12229" y="1344155"/>
+                  <a:pt x="0" y="1186012"/>
+                </a:cubicBezTo>
+                <a:cubicBezTo>
+                  <a:pt x="12229" y="1027869"/>
+                  <a:pt x="-24493" y="758730"/>
+                  <a:pt x="0" y="644822"/>
+                </a:cubicBezTo>
+                <a:cubicBezTo>
+                  <a:pt x="24493" y="530914"/>
+                  <a:pt x="-28327" y="289360"/>
+                  <a:pt x="0" y="0"/>
+                </a:cubicBezTo>
+                <a:close/>
+              </a:path>
+            </a:pathLst>
+          </a:custGeom>
+          <a:noFill/>
+          <a:ln>
+            <a:solidFill>
+              <a:srgbClr val="C00000"/>
+            </a:solidFill>
+            <a:extLst>
+              <a:ext uri="{C807C97D-BFC1-408E-A445-0C87EB9F89A2}">
+                <ask:lineSketchStyleProps xmlns:ask="http://schemas.microsoft.com/office/drawing/2018/sketchyshapes" sd="1617499634">
+                  <a:prstGeom prst="rect">
+                    <a:avLst/>
+                  </a:prstGeom>
+                  <ask:type>
+                    <ask:lineSketchFreehand/>
+                  </ask:type>
+                </ask:lineSketchStyleProps>
+              </a:ext>
+            </a:extLst>
+          </a:ln>
+        </p:spPr>
+        <p:style>
+          <a:lnRef idx="2">
+            <a:schemeClr val="accent1">
+              <a:shade val="15000"/>
+            </a:schemeClr>
+          </a:lnRef>
+          <a:fillRef idx="1">
+            <a:schemeClr val="accent1"/>
+          </a:fillRef>
+          <a:effectRef idx="0">
+            <a:schemeClr val="accent1"/>
+          </a:effectRef>
+          <a:fontRef idx="minor">
+            <a:schemeClr val="lt1"/>
+          </a:fontRef>
+        </p:style>
+        <p:txBody>
+          <a:bodyPr rtlCol="0" anchor="t" anchorCtr="0"/>
+          <a:lstStyle/>
+          <a:p>
+            <a:pPr algn="ctr"/>
+            <a:r>
+              <a:rPr lang="en-US" dirty="0">
+                <a:solidFill>
+                  <a:schemeClr val="accent1">
+                    <a:lumMod val="75000"/>
+                  </a:schemeClr>
+                </a:solidFill>
+              </a:rPr>
+              <a:t>AI</a:t>
+            </a:r>
+          </a:p>
+        </p:txBody>
+      </p:sp>
+      <p:sp>
+        <p:nvSpPr>
+          <p:cNvPr id="51" name="Rectangle 50">
+            <a:extLst>
+              <a:ext uri="{FF2B5EF4-FFF2-40B4-BE49-F238E27FC236}">
+                <a16:creationId xmlns:a16="http://schemas.microsoft.com/office/drawing/2014/main" id="{EB037479-3D26-978C-C58C-9149D174305F}"/>
+              </a:ext>
+            </a:extLst>
+          </p:cNvPr>
+          <p:cNvSpPr/>
+          <p:nvPr/>
+        </p:nvSpPr>
+        <p:spPr>
+          <a:xfrm>
+            <a:off x="3554186" y="1436914"/>
+            <a:ext cx="1338944" cy="1502220"/>
+          </a:xfrm>
+          <a:custGeom>
+            <a:avLst/>
+            <a:gdLst>
+              <a:gd name="connsiteX0" fmla="*/ 0 w 1338944"/>
+              <a:gd name="connsiteY0" fmla="*/ 0 h 1502220"/>
+              <a:gd name="connsiteX1" fmla="*/ 656083 w 1338944"/>
+              <a:gd name="connsiteY1" fmla="*/ 0 h 1502220"/>
+              <a:gd name="connsiteX2" fmla="*/ 1338944 w 1338944"/>
+              <a:gd name="connsiteY2" fmla="*/ 0 h 1502220"/>
+              <a:gd name="connsiteX3" fmla="*/ 1338944 w 1338944"/>
+              <a:gd name="connsiteY3" fmla="*/ 530784 h 1502220"/>
+              <a:gd name="connsiteX4" fmla="*/ 1338944 w 1338944"/>
+              <a:gd name="connsiteY4" fmla="*/ 1031524 h 1502220"/>
+              <a:gd name="connsiteX5" fmla="*/ 1338944 w 1338944"/>
+              <a:gd name="connsiteY5" fmla="*/ 1502220 h 1502220"/>
+              <a:gd name="connsiteX6" fmla="*/ 696251 w 1338944"/>
+              <a:gd name="connsiteY6" fmla="*/ 1502220 h 1502220"/>
+              <a:gd name="connsiteX7" fmla="*/ 0 w 1338944"/>
+              <a:gd name="connsiteY7" fmla="*/ 1502220 h 1502220"/>
+              <a:gd name="connsiteX8" fmla="*/ 0 w 1338944"/>
+              <a:gd name="connsiteY8" fmla="*/ 971436 h 1502220"/>
+              <a:gd name="connsiteX9" fmla="*/ 0 w 1338944"/>
+              <a:gd name="connsiteY9" fmla="*/ 440651 h 1502220"/>
+              <a:gd name="connsiteX10" fmla="*/ 0 w 1338944"/>
+              <a:gd name="connsiteY10" fmla="*/ 0 h 1502220"/>
+            </a:gdLst>
+            <a:ahLst/>
+            <a:cxnLst>
+              <a:cxn ang="0">
+                <a:pos x="connsiteX0" y="connsiteY0"/>
+              </a:cxn>
+              <a:cxn ang="0">
+                <a:pos x="connsiteX1" y="connsiteY1"/>
+              </a:cxn>
+              <a:cxn ang="0">
+                <a:pos x="connsiteX2" y="connsiteY2"/>
+              </a:cxn>
+              <a:cxn ang="0">
+                <a:pos x="connsiteX3" y="connsiteY3"/>
+              </a:cxn>
+              <a:cxn ang="0">
+                <a:pos x="connsiteX4" y="connsiteY4"/>
+              </a:cxn>
+              <a:cxn ang="0">
+                <a:pos x="connsiteX5" y="connsiteY5"/>
+              </a:cxn>
+              <a:cxn ang="0">
+                <a:pos x="connsiteX6" y="connsiteY6"/>
+              </a:cxn>
+              <a:cxn ang="0">
+                <a:pos x="connsiteX7" y="connsiteY7"/>
+              </a:cxn>
+              <a:cxn ang="0">
+                <a:pos x="connsiteX8" y="connsiteY8"/>
+              </a:cxn>
+              <a:cxn ang="0">
+                <a:pos x="connsiteX9" y="connsiteY9"/>
+              </a:cxn>
+              <a:cxn ang="0">
+                <a:pos x="connsiteX10" y="connsiteY10"/>
+              </a:cxn>
+            </a:cxnLst>
+            <a:rect l="l" t="t" r="r" b="b"/>
+            <a:pathLst>
+              <a:path w="1338944" h="1502220" extrusionOk="0">
+                <a:moveTo>
+                  <a:pt x="0" y="0"/>
+                </a:moveTo>
+                <a:cubicBezTo>
+                  <a:pt x="200482" y="25301"/>
+                  <a:pt x="371504" y="-5476"/>
+                  <a:pt x="656083" y="0"/>
+                </a:cubicBezTo>
+                <a:cubicBezTo>
+                  <a:pt x="940662" y="5476"/>
+                  <a:pt x="1139353" y="-20652"/>
+                  <a:pt x="1338944" y="0"/>
+                </a:cubicBezTo>
+                <a:cubicBezTo>
+                  <a:pt x="1352605" y="243202"/>
+                  <a:pt x="1347045" y="266479"/>
+                  <a:pt x="1338944" y="530784"/>
+                </a:cubicBezTo>
+                <a:cubicBezTo>
+                  <a:pt x="1330843" y="795089"/>
+                  <a:pt x="1345839" y="889437"/>
+                  <a:pt x="1338944" y="1031524"/>
+                </a:cubicBezTo>
+                <a:cubicBezTo>
+                  <a:pt x="1332049" y="1173611"/>
+                  <a:pt x="1350985" y="1393242"/>
+                  <a:pt x="1338944" y="1502220"/>
+                </a:cubicBezTo>
+                <a:cubicBezTo>
+                  <a:pt x="1103643" y="1478975"/>
+                  <a:pt x="932875" y="1528704"/>
+                  <a:pt x="696251" y="1502220"/>
+                </a:cubicBezTo>
+                <a:cubicBezTo>
+                  <a:pt x="459627" y="1475736"/>
+                  <a:pt x="249876" y="1479740"/>
+                  <a:pt x="0" y="1502220"/>
+                </a:cubicBezTo>
+                <a:cubicBezTo>
+                  <a:pt x="19395" y="1329004"/>
+                  <a:pt x="-9995" y="1105552"/>
+                  <a:pt x="0" y="971436"/>
+                </a:cubicBezTo>
+                <a:cubicBezTo>
+                  <a:pt x="9995" y="837320"/>
+                  <a:pt x="3711" y="663749"/>
+                  <a:pt x="0" y="440651"/>
+                </a:cubicBezTo>
+                <a:cubicBezTo>
+                  <a:pt x="-3711" y="217553"/>
+                  <a:pt x="-21838" y="109368"/>
+                  <a:pt x="0" y="0"/>
+                </a:cubicBezTo>
+                <a:close/>
+              </a:path>
+            </a:pathLst>
+          </a:custGeom>
+          <a:noFill/>
+          <a:ln>
+            <a:solidFill>
+              <a:srgbClr val="C00000"/>
+            </a:solidFill>
+            <a:extLst>
+              <a:ext uri="{C807C97D-BFC1-408E-A445-0C87EB9F89A2}">
+                <ask:lineSketchStyleProps xmlns:ask="http://schemas.microsoft.com/office/drawing/2018/sketchyshapes" sd="1219033472">
+                  <a:prstGeom prst="rect">
+                    <a:avLst/>
+                  </a:prstGeom>
+                  <ask:type>
+                    <ask:lineSketchFreehand/>
+                  </ask:type>
+                </ask:lineSketchStyleProps>
+              </a:ext>
+            </a:extLst>
+          </a:ln>
+        </p:spPr>
+        <p:style>
+          <a:lnRef idx="2">
+            <a:schemeClr val="accent1">
+              <a:shade val="15000"/>
+            </a:schemeClr>
+          </a:lnRef>
+          <a:fillRef idx="1">
+            <a:schemeClr val="accent1"/>
+          </a:fillRef>
+          <a:effectRef idx="0">
+            <a:schemeClr val="accent1"/>
+          </a:effectRef>
+          <a:fontRef idx="minor">
+            <a:schemeClr val="lt1"/>
+          </a:fontRef>
+        </p:style>
+        <p:txBody>
+          <a:bodyPr rtlCol="0" anchor="t" anchorCtr="0"/>
+          <a:lstStyle/>
+          <a:p>
+            <a:pPr algn="ctr"/>
+            <a:r>
+              <a:rPr lang="en-US" dirty="0">
+                <a:solidFill>
+                  <a:schemeClr val="accent1">
+                    <a:lumMod val="75000"/>
+                  </a:schemeClr>
+                </a:solidFill>
+              </a:rPr>
+              <a:t>Application</a:t>
+            </a:r>
+          </a:p>
+        </p:txBody>
+      </p:sp>
+      <p:sp>
+        <p:nvSpPr>
+          <p:cNvPr id="52" name="Rectangle 51">
+            <a:extLst>
+              <a:ext uri="{FF2B5EF4-FFF2-40B4-BE49-F238E27FC236}">
+                <a16:creationId xmlns:a16="http://schemas.microsoft.com/office/drawing/2014/main" id="{80FC8ABF-11E6-35A0-7FAE-C5555C6A1FE3}"/>
+              </a:ext>
+            </a:extLst>
+          </p:cNvPr>
+          <p:cNvSpPr/>
+          <p:nvPr/>
+        </p:nvSpPr>
+        <p:spPr>
+          <a:xfrm>
+            <a:off x="3585030" y="3759208"/>
+            <a:ext cx="1338944" cy="1502220"/>
+          </a:xfrm>
+          <a:custGeom>
+            <a:avLst/>
+            <a:gdLst>
+              <a:gd name="connsiteX0" fmla="*/ 0 w 1338944"/>
+              <a:gd name="connsiteY0" fmla="*/ 0 h 1502220"/>
+              <a:gd name="connsiteX1" fmla="*/ 656083 w 1338944"/>
+              <a:gd name="connsiteY1" fmla="*/ 0 h 1502220"/>
+              <a:gd name="connsiteX2" fmla="*/ 1338944 w 1338944"/>
+              <a:gd name="connsiteY2" fmla="*/ 0 h 1502220"/>
+              <a:gd name="connsiteX3" fmla="*/ 1338944 w 1338944"/>
+              <a:gd name="connsiteY3" fmla="*/ 530784 h 1502220"/>
+              <a:gd name="connsiteX4" fmla="*/ 1338944 w 1338944"/>
+              <a:gd name="connsiteY4" fmla="*/ 1031524 h 1502220"/>
+              <a:gd name="connsiteX5" fmla="*/ 1338944 w 1338944"/>
+              <a:gd name="connsiteY5" fmla="*/ 1502220 h 1502220"/>
+              <a:gd name="connsiteX6" fmla="*/ 696251 w 1338944"/>
+              <a:gd name="connsiteY6" fmla="*/ 1502220 h 1502220"/>
+              <a:gd name="connsiteX7" fmla="*/ 0 w 1338944"/>
+              <a:gd name="connsiteY7" fmla="*/ 1502220 h 1502220"/>
+              <a:gd name="connsiteX8" fmla="*/ 0 w 1338944"/>
+              <a:gd name="connsiteY8" fmla="*/ 971436 h 1502220"/>
+              <a:gd name="connsiteX9" fmla="*/ 0 w 1338944"/>
+              <a:gd name="connsiteY9" fmla="*/ 440651 h 1502220"/>
+              <a:gd name="connsiteX10" fmla="*/ 0 w 1338944"/>
+              <a:gd name="connsiteY10" fmla="*/ 0 h 1502220"/>
+            </a:gdLst>
+            <a:ahLst/>
+            <a:cxnLst>
+              <a:cxn ang="0">
+                <a:pos x="connsiteX0" y="connsiteY0"/>
+              </a:cxn>
+              <a:cxn ang="0">
+                <a:pos x="connsiteX1" y="connsiteY1"/>
+              </a:cxn>
+              <a:cxn ang="0">
+                <a:pos x="connsiteX2" y="connsiteY2"/>
+              </a:cxn>
+              <a:cxn ang="0">
+                <a:pos x="connsiteX3" y="connsiteY3"/>
+              </a:cxn>
+              <a:cxn ang="0">
+                <a:pos x="connsiteX4" y="connsiteY4"/>
+              </a:cxn>
+              <a:cxn ang="0">
+                <a:pos x="connsiteX5" y="connsiteY5"/>
+              </a:cxn>
+              <a:cxn ang="0">
+                <a:pos x="connsiteX6" y="connsiteY6"/>
+              </a:cxn>
+              <a:cxn ang="0">
+                <a:pos x="connsiteX7" y="connsiteY7"/>
+              </a:cxn>
+              <a:cxn ang="0">
+                <a:pos x="connsiteX8" y="connsiteY8"/>
+              </a:cxn>
+              <a:cxn ang="0">
+                <a:pos x="connsiteX9" y="connsiteY9"/>
+              </a:cxn>
+              <a:cxn ang="0">
+                <a:pos x="connsiteX10" y="connsiteY10"/>
+              </a:cxn>
+            </a:cxnLst>
+            <a:rect l="l" t="t" r="r" b="b"/>
+            <a:pathLst>
+              <a:path w="1338944" h="1502220" extrusionOk="0">
+                <a:moveTo>
+                  <a:pt x="0" y="0"/>
+                </a:moveTo>
+                <a:cubicBezTo>
+                  <a:pt x="200482" y="25301"/>
+                  <a:pt x="371504" y="-5476"/>
+                  <a:pt x="656083" y="0"/>
+                </a:cubicBezTo>
+                <a:cubicBezTo>
+                  <a:pt x="940662" y="5476"/>
+                  <a:pt x="1139353" y="-20652"/>
+                  <a:pt x="1338944" y="0"/>
+                </a:cubicBezTo>
+                <a:cubicBezTo>
+                  <a:pt x="1352605" y="243202"/>
+                  <a:pt x="1347045" y="266479"/>
+                  <a:pt x="1338944" y="530784"/>
+                </a:cubicBezTo>
+                <a:cubicBezTo>
+                  <a:pt x="1330843" y="795089"/>
+                  <a:pt x="1345839" y="889437"/>
+                  <a:pt x="1338944" y="1031524"/>
+                </a:cubicBezTo>
+                <a:cubicBezTo>
+                  <a:pt x="1332049" y="1173611"/>
+                  <a:pt x="1350985" y="1393242"/>
+                  <a:pt x="1338944" y="1502220"/>
+                </a:cubicBezTo>
+                <a:cubicBezTo>
+                  <a:pt x="1103643" y="1478975"/>
+                  <a:pt x="932875" y="1528704"/>
+                  <a:pt x="696251" y="1502220"/>
+                </a:cubicBezTo>
+                <a:cubicBezTo>
+                  <a:pt x="459627" y="1475736"/>
+                  <a:pt x="249876" y="1479740"/>
+                  <a:pt x="0" y="1502220"/>
+                </a:cubicBezTo>
+                <a:cubicBezTo>
+                  <a:pt x="19395" y="1329004"/>
+                  <a:pt x="-9995" y="1105552"/>
+                  <a:pt x="0" y="971436"/>
+                </a:cubicBezTo>
+                <a:cubicBezTo>
+                  <a:pt x="9995" y="837320"/>
+                  <a:pt x="3711" y="663749"/>
+                  <a:pt x="0" y="440651"/>
+                </a:cubicBezTo>
+                <a:cubicBezTo>
+                  <a:pt x="-3711" y="217553"/>
+                  <a:pt x="-21838" y="109368"/>
+                  <a:pt x="0" y="0"/>
+                </a:cubicBezTo>
+                <a:close/>
+              </a:path>
+            </a:pathLst>
+          </a:custGeom>
+          <a:noFill/>
+          <a:ln>
+            <a:solidFill>
+              <a:schemeClr val="accent1"/>
+            </a:solidFill>
+            <a:extLst>
+              <a:ext uri="{C807C97D-BFC1-408E-A445-0C87EB9F89A2}">
+                <ask:lineSketchStyleProps xmlns:ask="http://schemas.microsoft.com/office/drawing/2018/sketchyshapes" sd="1219033472">
+                  <a:prstGeom prst="rect">
+                    <a:avLst/>
+                  </a:prstGeom>
+                  <ask:type>
+                    <ask:lineSketchFreehand/>
+                  </ask:type>
+                </ask:lineSketchStyleProps>
+              </a:ext>
+            </a:extLst>
+          </a:ln>
+        </p:spPr>
+        <p:style>
+          <a:lnRef idx="2">
+            <a:schemeClr val="accent1">
+              <a:shade val="15000"/>
+            </a:schemeClr>
+          </a:lnRef>
+          <a:fillRef idx="1">
+            <a:schemeClr val="accent1"/>
+          </a:fillRef>
+          <a:effectRef idx="0">
+            <a:schemeClr val="accent1"/>
+          </a:effectRef>
+          <a:fontRef idx="minor">
+            <a:schemeClr val="lt1"/>
+          </a:fontRef>
+        </p:style>
+        <p:txBody>
+          <a:bodyPr rtlCol="0" anchor="t" anchorCtr="0"/>
+          <a:lstStyle/>
+          <a:p>
+            <a:pPr algn="ctr"/>
+            <a:r>
+              <a:rPr lang="en-US" dirty="0">
+                <a:solidFill>
+                  <a:schemeClr val="accent1">
+                    <a:lumMod val="75000"/>
+                  </a:schemeClr>
+                </a:solidFill>
+              </a:rPr>
+              <a:t>Database</a:t>
+            </a:r>
+          </a:p>
+        </p:txBody>
+      </p:sp>
+      <p:sp>
+        <p:nvSpPr>
+          <p:cNvPr id="53" name="TextBox 52">
+            <a:extLst>
+              <a:ext uri="{FF2B5EF4-FFF2-40B4-BE49-F238E27FC236}">
+                <a16:creationId xmlns:a16="http://schemas.microsoft.com/office/drawing/2014/main" id="{677FF11E-A275-2F0C-6541-708EB06421EA}"/>
+              </a:ext>
+            </a:extLst>
+          </p:cNvPr>
+          <p:cNvSpPr txBox="1"/>
+          <p:nvPr/>
+        </p:nvSpPr>
+        <p:spPr>
+          <a:xfrm>
+            <a:off x="5428346" y="2645229"/>
+            <a:ext cx="1103083" cy="276999"/>
+          </a:xfrm>
+          <a:prstGeom prst="rect">
+            <a:avLst/>
+          </a:prstGeom>
+          <a:noFill/>
+        </p:spPr>
+        <p:txBody>
+          <a:bodyPr wrap="square" rtlCol="0">
+            <a:spAutoFit/>
+          </a:bodyPr>
+          <a:lstStyle/>
+          <a:p>
+            <a:r>
+              <a:rPr lang="en-US" sz="1200" dirty="0">
+                <a:solidFill>
+                  <a:schemeClr val="accent1"/>
+                </a:solidFill>
+              </a:rPr>
+              <a:t>preprocess</a:t>
+            </a:r>
+          </a:p>
+        </p:txBody>
+      </p:sp>
+      <p:sp>
+        <p:nvSpPr>
+          <p:cNvPr id="54" name="TextBox 53">
+            <a:extLst>
+              <a:ext uri="{FF2B5EF4-FFF2-40B4-BE49-F238E27FC236}">
+                <a16:creationId xmlns:a16="http://schemas.microsoft.com/office/drawing/2014/main" id="{2EEAC376-6F38-42D5-8731-8595FFCCFCA1}"/>
+              </a:ext>
+            </a:extLst>
+          </p:cNvPr>
+          <p:cNvSpPr txBox="1"/>
+          <p:nvPr/>
+        </p:nvSpPr>
+        <p:spPr>
+          <a:xfrm>
+            <a:off x="6740980" y="2662135"/>
+            <a:ext cx="654954" cy="276999"/>
+          </a:xfrm>
+          <a:prstGeom prst="rect">
+            <a:avLst/>
+          </a:prstGeom>
+          <a:noFill/>
+        </p:spPr>
+        <p:txBody>
+          <a:bodyPr wrap="square" rtlCol="0">
+            <a:spAutoFit/>
+          </a:bodyPr>
+          <a:lstStyle/>
+          <a:p>
+            <a:r>
+              <a:rPr lang="en-US" sz="1200" dirty="0">
+                <a:solidFill>
+                  <a:schemeClr val="accent1"/>
+                </a:solidFill>
+              </a:rPr>
+              <a:t>predict</a:t>
+            </a:r>
+          </a:p>
+        </p:txBody>
+      </p:sp>
+      <p:sp>
+        <p:nvSpPr>
+          <p:cNvPr id="55" name="TextBox 54">
+            <a:extLst>
+              <a:ext uri="{FF2B5EF4-FFF2-40B4-BE49-F238E27FC236}">
+                <a16:creationId xmlns:a16="http://schemas.microsoft.com/office/drawing/2014/main" id="{A5BCCAF2-B0EE-E999-E1EE-244E95E8A4A1}"/>
+              </a:ext>
+            </a:extLst>
+          </p:cNvPr>
+          <p:cNvSpPr txBox="1"/>
+          <p:nvPr/>
+        </p:nvSpPr>
+        <p:spPr>
+          <a:xfrm>
+            <a:off x="8038192" y="2662134"/>
+            <a:ext cx="654954" cy="276999"/>
+          </a:xfrm>
+          <a:prstGeom prst="rect">
+            <a:avLst/>
+          </a:prstGeom>
+          <a:noFill/>
+        </p:spPr>
+        <p:txBody>
+          <a:bodyPr wrap="square" rtlCol="0">
+            <a:spAutoFit/>
+          </a:bodyPr>
+          <a:lstStyle/>
+          <a:p>
+            <a:r>
+              <a:rPr lang="en-US" sz="1200" dirty="0">
+                <a:solidFill>
+                  <a:schemeClr val="accent1"/>
+                </a:solidFill>
+              </a:rPr>
+              <a:t>explain</a:t>
+            </a:r>
+          </a:p>
+        </p:txBody>
+      </p:sp>
+      <p:sp>
+        <p:nvSpPr>
+          <p:cNvPr id="56" name="TextBox 55">
+            <a:extLst>
+              <a:ext uri="{FF2B5EF4-FFF2-40B4-BE49-F238E27FC236}">
+                <a16:creationId xmlns:a16="http://schemas.microsoft.com/office/drawing/2014/main" id="{D77C3BE6-25A7-D565-6737-AF0DFA5647BA}"/>
+              </a:ext>
+            </a:extLst>
+          </p:cNvPr>
+          <p:cNvSpPr txBox="1"/>
+          <p:nvPr/>
+        </p:nvSpPr>
+        <p:spPr>
+          <a:xfrm>
+            <a:off x="5601610" y="4888862"/>
+            <a:ext cx="1482272" cy="276999"/>
+          </a:xfrm>
+          <a:prstGeom prst="rect">
+            <a:avLst/>
+          </a:prstGeom>
+          <a:noFill/>
+        </p:spPr>
+        <p:txBody>
+          <a:bodyPr wrap="square" rtlCol="0">
+            <a:spAutoFit/>
+          </a:bodyPr>
+          <a:lstStyle/>
+          <a:p>
+            <a:r>
+              <a:rPr lang="en-US" sz="1200" dirty="0">
+                <a:solidFill>
+                  <a:schemeClr val="accent1"/>
+                </a:solidFill>
+              </a:rPr>
+              <a:t>train / eval  / deploy</a:t>
+            </a:r>
+          </a:p>
+        </p:txBody>
+      </p:sp>
+      <p:sp>
+        <p:nvSpPr>
+          <p:cNvPr id="57" name="TextBox 56">
+            <a:extLst>
+              <a:ext uri="{FF2B5EF4-FFF2-40B4-BE49-F238E27FC236}">
+                <a16:creationId xmlns:a16="http://schemas.microsoft.com/office/drawing/2014/main" id="{F3DE6067-072C-6516-2DD5-C370F583E862}"/>
+              </a:ext>
+            </a:extLst>
+          </p:cNvPr>
+          <p:cNvSpPr txBox="1"/>
+          <p:nvPr/>
+        </p:nvSpPr>
+        <p:spPr>
+          <a:xfrm>
+            <a:off x="7694386" y="4882831"/>
+            <a:ext cx="687612" cy="276999"/>
+          </a:xfrm>
+          <a:prstGeom prst="rect">
+            <a:avLst/>
+          </a:prstGeom>
+          <a:noFill/>
+        </p:spPr>
+        <p:txBody>
+          <a:bodyPr wrap="square" rtlCol="0">
+            <a:spAutoFit/>
+          </a:bodyPr>
+          <a:lstStyle/>
+          <a:p>
+            <a:r>
+              <a:rPr lang="en-US" sz="1200" dirty="0">
+                <a:solidFill>
+                  <a:schemeClr val="accent1"/>
+                </a:solidFill>
+              </a:rPr>
+              <a:t>monitor</a:t>
+            </a:r>
+          </a:p>
+        </p:txBody>
+      </p:sp>
+      <p:sp>
+        <p:nvSpPr>
+          <p:cNvPr id="3" name="Rectangle 2">
+            <a:extLst>
+              <a:ext uri="{FF2B5EF4-FFF2-40B4-BE49-F238E27FC236}">
+                <a16:creationId xmlns:a16="http://schemas.microsoft.com/office/drawing/2014/main" id="{5EFCD212-C613-86CF-C956-4B44E2A3888D}"/>
+              </a:ext>
+            </a:extLst>
+          </p:cNvPr>
+          <p:cNvSpPr>
+            <a:spLocks noChangeAspect="1"/>
+          </p:cNvSpPr>
+          <p:nvPr/>
+        </p:nvSpPr>
+        <p:spPr>
+          <a:xfrm rot="2528577">
+            <a:off x="8777961" y="835462"/>
+            <a:ext cx="3134576" cy="553998"/>
+          </a:xfrm>
+          <a:prstGeom prst="rect">
+            <a:avLst/>
+          </a:prstGeom>
+          <a:noFill/>
+        </p:spPr>
+        <p:txBody>
+          <a:bodyPr wrap="none" lIns="91440" tIns="45720" rIns="91440" bIns="45720">
+            <a:spAutoFit/>
+            <a:scene3d>
+              <a:camera prst="orthographicFront"/>
+              <a:lightRig rig="soft" dir="t">
+                <a:rot lat="0" lon="0" rev="15600000"/>
+              </a:lightRig>
+            </a:scene3d>
+            <a:sp3d extrusionH="57150" prstMaterial="softEdge">
+              <a:bevelT w="25400" h="38100"/>
+            </a:sp3d>
+          </a:bodyPr>
+          <a:lstStyle/>
+          <a:p>
+            <a:pPr algn="ctr"/>
+            <a:r>
+              <a:rPr lang="en-US" sz="3000" b="1" cap="none" spc="0" dirty="0">
+                <a:ln>
+                  <a:solidFill>
+                    <a:schemeClr val="tx1">
+                      <a:lumMod val="95000"/>
+                      <a:lumOff val="5000"/>
+                    </a:schemeClr>
+                  </a:solidFill>
+                </a:ln>
+                <a:solidFill>
+                  <a:srgbClr val="810012"/>
+                </a:solidFill>
+                <a:effectLst/>
+              </a:rPr>
+              <a:t>Red Hat OpenShift</a:t>
+            </a:r>
+          </a:p>
+        </p:txBody>
+      </p:sp>
+      <p:cxnSp>
+        <p:nvCxnSpPr>
+          <p:cNvPr id="12" name="Curved Connector 11">
+            <a:extLst>
+              <a:ext uri="{FF2B5EF4-FFF2-40B4-BE49-F238E27FC236}">
+                <a16:creationId xmlns:a16="http://schemas.microsoft.com/office/drawing/2014/main" id="{2CEA06F3-CDC3-CECA-8E0F-09CC3F6353DA}"/>
+              </a:ext>
+            </a:extLst>
+          </p:cNvPr>
+          <p:cNvCxnSpPr>
+            <a:cxnSpLocks/>
+            <a:stCxn id="3" idx="2"/>
+            <a:endCxn id="51" idx="0"/>
+          </p:cNvCxnSpPr>
+          <p:nvPr/>
+        </p:nvCxnSpPr>
+        <p:spPr>
+          <a:xfrm rot="5400000">
+            <a:off x="7131990" y="-1590485"/>
+            <a:ext cx="119067" cy="5935730"/>
+          </a:xfrm>
+          <a:prstGeom prst="curvedConnector3">
+            <a:avLst>
+              <a:gd name="adj1" fmla="val -384410"/>
+            </a:avLst>
+          </a:prstGeom>
+          <a:ln w="19050">
+            <a:solidFill>
+              <a:srgbClr val="810012"/>
+            </a:solidFill>
+            <a:tailEnd type="triangle"/>
+          </a:ln>
+        </p:spPr>
+        <p:style>
+          <a:lnRef idx="1">
+            <a:schemeClr val="accent1"/>
+          </a:lnRef>
+          <a:fillRef idx="0">
+            <a:schemeClr val="accent1"/>
+          </a:fillRef>
+          <a:effectRef idx="0">
+            <a:schemeClr val="accent1"/>
+          </a:effectRef>
+          <a:fontRef idx="minor">
+            <a:schemeClr val="tx1"/>
+          </a:fontRef>
+        </p:style>
+      </p:cxnSp>
+      <p:cxnSp>
+        <p:nvCxnSpPr>
+          <p:cNvPr id="23" name="Curved Connector 22">
+            <a:extLst>
+              <a:ext uri="{FF2B5EF4-FFF2-40B4-BE49-F238E27FC236}">
+                <a16:creationId xmlns:a16="http://schemas.microsoft.com/office/drawing/2014/main" id="{9D0EDB3C-376F-020E-6837-7B335B508542}"/>
+              </a:ext>
+            </a:extLst>
+          </p:cNvPr>
+          <p:cNvCxnSpPr>
+            <a:cxnSpLocks/>
+            <a:stCxn id="3" idx="2"/>
+            <a:endCxn id="46" idx="3"/>
+          </p:cNvCxnSpPr>
+          <p:nvPr/>
+        </p:nvCxnSpPr>
+        <p:spPr>
+          <a:xfrm rot="5400000">
+            <a:off x="8017361" y="2255800"/>
+            <a:ext cx="3079980" cy="1204074"/>
+          </a:xfrm>
+          <a:prstGeom prst="curvedConnector2">
+            <a:avLst/>
+          </a:prstGeom>
+          <a:ln w="19050">
+            <a:solidFill>
+              <a:srgbClr val="810012"/>
+            </a:solidFill>
+            <a:tailEnd type="triangle"/>
+          </a:ln>
+        </p:spPr>
+        <p:style>
+          <a:lnRef idx="1">
+            <a:schemeClr val="accent1"/>
+          </a:lnRef>
+          <a:fillRef idx="0">
+            <a:schemeClr val="accent1"/>
+          </a:fillRef>
+          <a:effectRef idx="0">
+            <a:schemeClr val="accent1"/>
+          </a:effectRef>
+          <a:fontRef idx="minor">
+            <a:schemeClr val="tx1"/>
+          </a:fontRef>
+        </p:style>
+      </p:cxnSp>
+      <p:cxnSp>
+        <p:nvCxnSpPr>
+          <p:cNvPr id="25" name="Curved Connector 24">
+            <a:extLst>
+              <a:ext uri="{FF2B5EF4-FFF2-40B4-BE49-F238E27FC236}">
+                <a16:creationId xmlns:a16="http://schemas.microsoft.com/office/drawing/2014/main" id="{E0A2493B-4B36-86AF-538B-831E197CF512}"/>
+              </a:ext>
+            </a:extLst>
+          </p:cNvPr>
+          <p:cNvCxnSpPr>
+            <a:cxnSpLocks/>
+            <a:stCxn id="3" idx="2"/>
+            <a:endCxn id="50" idx="3"/>
+          </p:cNvCxnSpPr>
+          <p:nvPr/>
+        </p:nvCxnSpPr>
+        <p:spPr>
+          <a:xfrm rot="5400000">
+            <a:off x="9183948" y="1212589"/>
+            <a:ext cx="870182" cy="1080699"/>
+          </a:xfrm>
+          <a:prstGeom prst="curvedConnector2">
+            <a:avLst/>
+          </a:prstGeom>
+          <a:ln w="19050">
+            <a:solidFill>
+              <a:srgbClr val="810012"/>
+            </a:solidFill>
+            <a:tailEnd type="triangle"/>
+          </a:ln>
+        </p:spPr>
+        <p:style>
+          <a:lnRef idx="1">
+            <a:schemeClr val="accent1"/>
+          </a:lnRef>
+          <a:fillRef idx="0">
+            <a:schemeClr val="accent1"/>
+          </a:fillRef>
+          <a:effectRef idx="0">
+            <a:schemeClr val="accent1"/>
+          </a:effectRef>
+          <a:fontRef idx="minor">
+            <a:schemeClr val="tx1"/>
+          </a:fontRef>
+        </p:style>
+      </p:cxnSp>
+      <p:sp>
+        <p:nvSpPr>
+          <p:cNvPr id="61" name="Rectangle 60">
+            <a:extLst>
+              <a:ext uri="{FF2B5EF4-FFF2-40B4-BE49-F238E27FC236}">
+                <a16:creationId xmlns:a16="http://schemas.microsoft.com/office/drawing/2014/main" id="{BCEDD328-565E-1CAA-DBF5-53A53388105A}"/>
+              </a:ext>
+            </a:extLst>
+          </p:cNvPr>
+          <p:cNvSpPr>
+            <a:spLocks noChangeAspect="1"/>
+          </p:cNvSpPr>
+          <p:nvPr/>
+        </p:nvSpPr>
+        <p:spPr>
+          <a:xfrm>
+            <a:off x="3343092" y="5873425"/>
+            <a:ext cx="1580882" cy="553998"/>
+          </a:xfrm>
+          <a:prstGeom prst="rect">
+            <a:avLst/>
+          </a:prstGeom>
+          <a:noFill/>
+        </p:spPr>
+        <p:txBody>
+          <a:bodyPr wrap="none" lIns="91440" tIns="45720" rIns="91440" bIns="45720">
+            <a:spAutoFit/>
+            <a:scene3d>
+              <a:camera prst="orthographicFront"/>
+              <a:lightRig rig="soft" dir="t">
+                <a:rot lat="0" lon="0" rev="15600000"/>
+              </a:lightRig>
+            </a:scene3d>
+            <a:sp3d extrusionH="57150" prstMaterial="softEdge">
+              <a:bevelT w="25400" h="38100"/>
+            </a:sp3d>
+          </a:bodyPr>
+          <a:lstStyle/>
+          <a:p>
+            <a:pPr algn="ctr"/>
+            <a:r>
+              <a:rPr lang="en-US" sz="3000" b="1" cap="none" spc="0" dirty="0">
+                <a:ln>
+                  <a:solidFill>
+                    <a:schemeClr val="tx1">
+                      <a:lumMod val="95000"/>
+                      <a:lumOff val="5000"/>
+                    </a:schemeClr>
+                  </a:solidFill>
+                </a:ln>
+                <a:solidFill>
+                  <a:schemeClr val="accent1"/>
+                </a:solidFill>
+                <a:effectLst/>
+              </a:rPr>
+              <a:t>IBM DB2</a:t>
+            </a:r>
+          </a:p>
+        </p:txBody>
+      </p:sp>
+      <p:cxnSp>
+        <p:nvCxnSpPr>
+          <p:cNvPr id="63" name="Straight Arrow Connector 62">
+            <a:extLst>
+              <a:ext uri="{FF2B5EF4-FFF2-40B4-BE49-F238E27FC236}">
+                <a16:creationId xmlns:a16="http://schemas.microsoft.com/office/drawing/2014/main" id="{BFB2F63E-4F2D-CB63-C9B1-91EE9A4012F9}"/>
+              </a:ext>
+            </a:extLst>
+          </p:cNvPr>
+          <p:cNvCxnSpPr>
+            <a:stCxn id="61" idx="0"/>
+            <a:endCxn id="52" idx="2"/>
+          </p:cNvCxnSpPr>
+          <p:nvPr/>
+        </p:nvCxnSpPr>
+        <p:spPr>
+          <a:xfrm rot="5400000" flipH="1" flipV="1">
+            <a:off x="3888019" y="5506943"/>
+            <a:ext cx="611997" cy="120969"/>
+          </a:xfrm>
+          <a:prstGeom prst="curvedConnector3">
+            <a:avLst>
+              <a:gd name="adj1" fmla="val 34908"/>
+            </a:avLst>
+          </a:prstGeom>
+          <a:ln w="19050">
+            <a:tailEnd type="triangle"/>
+          </a:ln>
+        </p:spPr>
+        <p:style>
+          <a:lnRef idx="1">
+            <a:schemeClr val="accent1"/>
+          </a:lnRef>
+          <a:fillRef idx="0">
+            <a:schemeClr val="accent1"/>
+          </a:fillRef>
+          <a:effectRef idx="0">
+            <a:schemeClr val="accent1"/>
+          </a:effectRef>
+          <a:fontRef idx="minor">
+            <a:schemeClr val="tx1"/>
+          </a:fontRef>
+        </p:style>
+      </p:cxnSp>
+    </p:spTree>
+    <p:extLst>
+      <p:ext uri="{BB962C8B-B14F-4D97-AF65-F5344CB8AC3E}">
+        <p14:creationId xmlns:p14="http://schemas.microsoft.com/office/powerpoint/2010/main" val="2725690868"/>
+      </p:ext>
+    </p:extLst>
+  </p:cSld>
+  <p:clrMapOvr>
+    <a:masterClrMapping/>
+  </p:clrMapOvr>
+</p:sld>
+</file>
+
+<file path=ppt/slides/slide5.xml><?xml version="1.0" encoding="utf-8"?>
+<p:sld xmlns:a="http://schemas.openxmlformats.org/drawingml/2006/main" xmlns:r="http://schemas.openxmlformats.org/officeDocument/2006/relationships" xmlns:p="http://schemas.openxmlformats.org/presentationml/2006/main">
+  <p:cSld>
+    <p:spTree>
+      <p:nvGrpSpPr>
+        <p:cNvPr id="1" name=""/>
+        <p:cNvGrpSpPr/>
+        <p:nvPr/>
+      </p:nvGrpSpPr>
+      <p:grpSpPr>
+        <a:xfrm>
+          <a:off x="0" y="0"/>
+          <a:ext cx="0" cy="0"/>
+          <a:chOff x="0" y="0"/>
+          <a:chExt cx="0" cy="0"/>
+        </a:xfrm>
+      </p:grpSpPr>
+      <p:pic>
+        <p:nvPicPr>
+          <p:cNvPr id="38" name="Graphic 37" descr="Customer review outline">
+            <a:extLst>
+              <a:ext uri="{FF2B5EF4-FFF2-40B4-BE49-F238E27FC236}">
+                <a16:creationId xmlns:a16="http://schemas.microsoft.com/office/drawing/2014/main" id="{F0120825-4D04-7B08-A535-52DE15C5AF3B}"/>
+              </a:ext>
+            </a:extLst>
+          </p:cNvPr>
+          <p:cNvPicPr>
+            <a:picLocks noChangeAspect="1"/>
+          </p:cNvPicPr>
+          <p:nvPr/>
+        </p:nvPicPr>
+        <p:blipFill>
+          <a:blip r:embed="rId2">
+            <a:extLst>
+              <a:ext uri="{96DAC541-7B7A-43D3-8B79-37D633B846F1}">
+                <asvg:svgBlip xmlns:asvg="http://schemas.microsoft.com/office/drawing/2016/SVG/main" r:embed="rId3"/>
+              </a:ext>
+            </a:extLst>
+          </a:blip>
+          <a:stretch>
+            <a:fillRect/>
+          </a:stretch>
+        </p:blipFill>
+        <p:spPr>
+          <a:xfrm>
+            <a:off x="1304471" y="3243942"/>
+            <a:ext cx="914400" cy="914400"/>
+          </a:xfrm>
+          <a:prstGeom prst="rect">
+            <a:avLst/>
+          </a:prstGeom>
+        </p:spPr>
+      </p:pic>
+      <p:sp>
+        <p:nvSpPr>
+          <p:cNvPr id="41" name="Rectangle 40">
+            <a:extLst>
+              <a:ext uri="{FF2B5EF4-FFF2-40B4-BE49-F238E27FC236}">
+                <a16:creationId xmlns:a16="http://schemas.microsoft.com/office/drawing/2014/main" id="{DFDA6732-8E92-A3F8-D7B7-8B734EADDE99}"/>
+              </a:ext>
+            </a:extLst>
+          </p:cNvPr>
+          <p:cNvSpPr/>
+          <p:nvPr/>
+        </p:nvSpPr>
+        <p:spPr>
+          <a:xfrm>
+            <a:off x="1092199" y="2318657"/>
+            <a:ext cx="1338944" cy="2220686"/>
+          </a:xfrm>
+          <a:custGeom>
+            <a:avLst/>
+            <a:gdLst>
+              <a:gd name="connsiteX0" fmla="*/ 0 w 1338944"/>
+              <a:gd name="connsiteY0" fmla="*/ 0 h 2220686"/>
+              <a:gd name="connsiteX1" fmla="*/ 432925 w 1338944"/>
+              <a:gd name="connsiteY1" fmla="*/ 0 h 2220686"/>
+              <a:gd name="connsiteX2" fmla="*/ 839072 w 1338944"/>
+              <a:gd name="connsiteY2" fmla="*/ 0 h 2220686"/>
+              <a:gd name="connsiteX3" fmla="*/ 1338944 w 1338944"/>
+              <a:gd name="connsiteY3" fmla="*/ 0 h 2220686"/>
+              <a:gd name="connsiteX4" fmla="*/ 1338944 w 1338944"/>
+              <a:gd name="connsiteY4" fmla="*/ 532965 h 2220686"/>
+              <a:gd name="connsiteX5" fmla="*/ 1338944 w 1338944"/>
+              <a:gd name="connsiteY5" fmla="*/ 1043722 h 2220686"/>
+              <a:gd name="connsiteX6" fmla="*/ 1338944 w 1338944"/>
+              <a:gd name="connsiteY6" fmla="*/ 1554480 h 2220686"/>
+              <a:gd name="connsiteX7" fmla="*/ 1338944 w 1338944"/>
+              <a:gd name="connsiteY7" fmla="*/ 2220686 h 2220686"/>
+              <a:gd name="connsiteX8" fmla="*/ 892629 w 1338944"/>
+              <a:gd name="connsiteY8" fmla="*/ 2220686 h 2220686"/>
+              <a:gd name="connsiteX9" fmla="*/ 486483 w 1338944"/>
+              <a:gd name="connsiteY9" fmla="*/ 2220686 h 2220686"/>
+              <a:gd name="connsiteX10" fmla="*/ 0 w 1338944"/>
+              <a:gd name="connsiteY10" fmla="*/ 2220686 h 2220686"/>
+              <a:gd name="connsiteX11" fmla="*/ 0 w 1338944"/>
+              <a:gd name="connsiteY11" fmla="*/ 1665515 h 2220686"/>
+              <a:gd name="connsiteX12" fmla="*/ 0 w 1338944"/>
+              <a:gd name="connsiteY12" fmla="*/ 1088136 h 2220686"/>
+              <a:gd name="connsiteX13" fmla="*/ 0 w 1338944"/>
+              <a:gd name="connsiteY13" fmla="*/ 555172 h 2220686"/>
+              <a:gd name="connsiteX14" fmla="*/ 0 w 1338944"/>
+              <a:gd name="connsiteY14" fmla="*/ 0 h 2220686"/>
+            </a:gdLst>
+            <a:ahLst/>
+            <a:cxnLst>
+              <a:cxn ang="0">
+                <a:pos x="connsiteX0" y="connsiteY0"/>
+              </a:cxn>
+              <a:cxn ang="0">
+                <a:pos x="connsiteX1" y="connsiteY1"/>
+              </a:cxn>
+              <a:cxn ang="0">
+                <a:pos x="connsiteX2" y="connsiteY2"/>
+              </a:cxn>
+              <a:cxn ang="0">
+                <a:pos x="connsiteX3" y="connsiteY3"/>
+              </a:cxn>
+              <a:cxn ang="0">
+                <a:pos x="connsiteX4" y="connsiteY4"/>
+              </a:cxn>
+              <a:cxn ang="0">
+                <a:pos x="connsiteX5" y="connsiteY5"/>
+              </a:cxn>
+              <a:cxn ang="0">
+                <a:pos x="connsiteX6" y="connsiteY6"/>
+              </a:cxn>
+              <a:cxn ang="0">
+                <a:pos x="connsiteX7" y="connsiteY7"/>
+              </a:cxn>
+              <a:cxn ang="0">
+                <a:pos x="connsiteX8" y="connsiteY8"/>
+              </a:cxn>
+              <a:cxn ang="0">
+                <a:pos x="connsiteX9" y="connsiteY9"/>
+              </a:cxn>
+              <a:cxn ang="0">
+                <a:pos x="connsiteX10" y="connsiteY10"/>
+              </a:cxn>
+              <a:cxn ang="0">
+                <a:pos x="connsiteX11" y="connsiteY11"/>
+              </a:cxn>
+              <a:cxn ang="0">
+                <a:pos x="connsiteX12" y="connsiteY12"/>
+              </a:cxn>
+              <a:cxn ang="0">
+                <a:pos x="connsiteX13" y="connsiteY13"/>
+              </a:cxn>
+              <a:cxn ang="0">
+                <a:pos x="connsiteX14" y="connsiteY14"/>
+              </a:cxn>
+            </a:cxnLst>
+            <a:rect l="l" t="t" r="r" b="b"/>
+            <a:pathLst>
+              <a:path w="1338944" h="2220686" extrusionOk="0">
+                <a:moveTo>
+                  <a:pt x="0" y="0"/>
+                </a:moveTo>
+                <a:cubicBezTo>
+                  <a:pt x="92481" y="-19930"/>
+                  <a:pt x="276365" y="20873"/>
+                  <a:pt x="432925" y="0"/>
+                </a:cubicBezTo>
+                <a:cubicBezTo>
+                  <a:pt x="589486" y="-20873"/>
+                  <a:pt x="750610" y="34526"/>
+                  <a:pt x="839072" y="0"/>
+                </a:cubicBezTo>
+                <a:cubicBezTo>
+                  <a:pt x="927534" y="-34526"/>
+                  <a:pt x="1136150" y="9751"/>
+                  <a:pt x="1338944" y="0"/>
+                </a:cubicBezTo>
+                <a:cubicBezTo>
+                  <a:pt x="1393705" y="132795"/>
+                  <a:pt x="1335550" y="366308"/>
+                  <a:pt x="1338944" y="532965"/>
+                </a:cubicBezTo>
+                <a:cubicBezTo>
+                  <a:pt x="1342338" y="699622"/>
+                  <a:pt x="1307451" y="908527"/>
+                  <a:pt x="1338944" y="1043722"/>
+                </a:cubicBezTo>
+                <a:cubicBezTo>
+                  <a:pt x="1370437" y="1178917"/>
+                  <a:pt x="1309885" y="1299992"/>
+                  <a:pt x="1338944" y="1554480"/>
+                </a:cubicBezTo>
+                <a:cubicBezTo>
+                  <a:pt x="1368003" y="1808968"/>
+                  <a:pt x="1323478" y="1937941"/>
+                  <a:pt x="1338944" y="2220686"/>
+                </a:cubicBezTo>
+                <a:cubicBezTo>
+                  <a:pt x="1130898" y="2268940"/>
+                  <a:pt x="987108" y="2214919"/>
+                  <a:pt x="892629" y="2220686"/>
+                </a:cubicBezTo>
+                <a:cubicBezTo>
+                  <a:pt x="798151" y="2226453"/>
+                  <a:pt x="568946" y="2174844"/>
+                  <a:pt x="486483" y="2220686"/>
+                </a:cubicBezTo>
+                <a:cubicBezTo>
+                  <a:pt x="404020" y="2266528"/>
+                  <a:pt x="146060" y="2164884"/>
+                  <a:pt x="0" y="2220686"/>
+                </a:cubicBezTo>
+                <a:cubicBezTo>
+                  <a:pt x="-46592" y="2041681"/>
+                  <a:pt x="26240" y="1828916"/>
+                  <a:pt x="0" y="1665515"/>
+                </a:cubicBezTo>
+                <a:cubicBezTo>
+                  <a:pt x="-26240" y="1502114"/>
+                  <a:pt x="4507" y="1339706"/>
+                  <a:pt x="0" y="1088136"/>
+                </a:cubicBezTo>
+                <a:cubicBezTo>
+                  <a:pt x="-4507" y="836566"/>
+                  <a:pt x="28281" y="776350"/>
+                  <a:pt x="0" y="555172"/>
+                </a:cubicBezTo>
+                <a:cubicBezTo>
+                  <a:pt x="-28281" y="333994"/>
+                  <a:pt x="10642" y="239263"/>
+                  <a:pt x="0" y="0"/>
+                </a:cubicBezTo>
+                <a:close/>
+              </a:path>
+            </a:pathLst>
+          </a:custGeom>
+          <a:noFill/>
+          <a:ln>
+            <a:prstDash val="sysDot"/>
+            <a:extLst>
+              <a:ext uri="{C807C97D-BFC1-408E-A445-0C87EB9F89A2}">
+                <ask:lineSketchStyleProps xmlns:ask="http://schemas.microsoft.com/office/drawing/2018/sketchyshapes" sd="1219033472">
+                  <a:prstGeom prst="rect">
+                    <a:avLst/>
+                  </a:prstGeom>
+                  <ask:type>
+                    <ask:lineSketchScribble/>
+                  </ask:type>
+                </ask:lineSketchStyleProps>
+              </a:ext>
+            </a:extLst>
+          </a:ln>
+        </p:spPr>
+        <p:style>
+          <a:lnRef idx="2">
+            <a:schemeClr val="accent1">
+              <a:shade val="15000"/>
+            </a:schemeClr>
+          </a:lnRef>
+          <a:fillRef idx="1">
+            <a:schemeClr val="accent1"/>
+          </a:fillRef>
+          <a:effectRef idx="0">
+            <a:schemeClr val="accent1"/>
+          </a:effectRef>
+          <a:fontRef idx="minor">
+            <a:schemeClr val="lt1"/>
+          </a:fontRef>
+        </p:style>
+        <p:txBody>
+          <a:bodyPr rtlCol="0" anchor="t" anchorCtr="0"/>
+          <a:lstStyle/>
+          <a:p>
+            <a:pPr algn="ctr"/>
+            <a:r>
+              <a:rPr lang="en-US" dirty="0">
+                <a:solidFill>
+                  <a:schemeClr val="accent1">
+                    <a:lumMod val="75000"/>
+                  </a:schemeClr>
+                </a:solidFill>
+              </a:rPr>
+              <a:t>Business Objective</a:t>
+            </a:r>
+          </a:p>
+        </p:txBody>
+      </p:sp>
+      <p:pic>
+        <p:nvPicPr>
+          <p:cNvPr id="42" name="Graphic 41" descr="Artificial Intelligence outline">
+            <a:extLst>
+              <a:ext uri="{FF2B5EF4-FFF2-40B4-BE49-F238E27FC236}">
+                <a16:creationId xmlns:a16="http://schemas.microsoft.com/office/drawing/2014/main" id="{1834860B-B98C-DD3C-F2FE-830E57C693CE}"/>
+              </a:ext>
+            </a:extLst>
+          </p:cNvPr>
+          <p:cNvPicPr>
+            <a:picLocks noChangeAspect="1"/>
+          </p:cNvPicPr>
+          <p:nvPr/>
+        </p:nvPicPr>
+        <p:blipFill>
+          <a:blip r:embed="rId4">
+            <a:extLst>
+              <a:ext uri="{96DAC541-7B7A-43D3-8B79-37D633B846F1}">
+                <asvg:svgBlip xmlns:asvg="http://schemas.microsoft.com/office/drawing/2016/SVG/main" r:embed="rId5"/>
+              </a:ext>
+            </a:extLst>
+          </a:blip>
+          <a:stretch>
+            <a:fillRect/>
+          </a:stretch>
+        </p:blipFill>
+        <p:spPr>
+          <a:xfrm>
+            <a:off x="6672944" y="1730829"/>
+            <a:ext cx="914400" cy="914400"/>
+          </a:xfrm>
+          <a:prstGeom prst="rect">
+            <a:avLst/>
+          </a:prstGeom>
+        </p:spPr>
+      </p:pic>
+      <p:pic>
+        <p:nvPicPr>
+          <p:cNvPr id="43" name="Graphic 42" descr="Continuous Improvement with solid fill">
+            <a:extLst>
+              <a:ext uri="{FF2B5EF4-FFF2-40B4-BE49-F238E27FC236}">
+                <a16:creationId xmlns:a16="http://schemas.microsoft.com/office/drawing/2014/main" id="{655D5A6D-95C1-7D3B-91DB-AB6A0E777F54}"/>
+              </a:ext>
+            </a:extLst>
+          </p:cNvPr>
+          <p:cNvPicPr>
+            <a:picLocks noChangeAspect="1"/>
+          </p:cNvPicPr>
+          <p:nvPr/>
+        </p:nvPicPr>
+        <p:blipFill>
+          <a:blip r:embed="rId6">
+            <a:extLst>
+              <a:ext uri="{96DAC541-7B7A-43D3-8B79-37D633B846F1}">
+                <asvg:svgBlip xmlns:asvg="http://schemas.microsoft.com/office/drawing/2016/SVG/main" r:embed="rId7"/>
+              </a:ext>
+            </a:extLst>
+          </a:blip>
+          <a:stretch>
+            <a:fillRect/>
+          </a:stretch>
+        </p:blipFill>
+        <p:spPr>
+          <a:xfrm>
+            <a:off x="5428346" y="1799772"/>
+            <a:ext cx="914400" cy="914400"/>
+          </a:xfrm>
+          <a:prstGeom prst="rect">
+            <a:avLst/>
+          </a:prstGeom>
+        </p:spPr>
+      </p:pic>
+      <p:pic>
+        <p:nvPicPr>
+          <p:cNvPr id="44" name="Graphic 43" descr="Teacher with solid fill">
+            <a:extLst>
+              <a:ext uri="{FF2B5EF4-FFF2-40B4-BE49-F238E27FC236}">
+                <a16:creationId xmlns:a16="http://schemas.microsoft.com/office/drawing/2014/main" id="{F877BBB6-48EE-C020-A851-C4E4B467F980}"/>
+              </a:ext>
+            </a:extLst>
+          </p:cNvPr>
+          <p:cNvPicPr>
+            <a:picLocks noChangeAspect="1"/>
+          </p:cNvPicPr>
+          <p:nvPr/>
+        </p:nvPicPr>
+        <p:blipFill>
+          <a:blip r:embed="rId8">
+            <a:extLst>
+              <a:ext uri="{96DAC541-7B7A-43D3-8B79-37D633B846F1}">
+                <asvg:svgBlip xmlns:asvg="http://schemas.microsoft.com/office/drawing/2016/SVG/main" r:embed="rId9"/>
+              </a:ext>
+            </a:extLst>
+          </a:blip>
+          <a:stretch>
+            <a:fillRect/>
+          </a:stretch>
+        </p:blipFill>
+        <p:spPr>
+          <a:xfrm>
+            <a:off x="7917542" y="1730829"/>
+            <a:ext cx="914400" cy="914400"/>
+          </a:xfrm>
+          <a:prstGeom prst="rect">
+            <a:avLst/>
+          </a:prstGeom>
+        </p:spPr>
+      </p:pic>
+      <p:pic>
+        <p:nvPicPr>
+          <p:cNvPr id="45" name="Graphic 44" descr="Web design with solid fill">
+            <a:extLst>
+              <a:ext uri="{FF2B5EF4-FFF2-40B4-BE49-F238E27FC236}">
+                <a16:creationId xmlns:a16="http://schemas.microsoft.com/office/drawing/2014/main" id="{0D6C0ADC-2AC4-CEFD-8AE4-9E3985E752A3}"/>
+              </a:ext>
+            </a:extLst>
+          </p:cNvPr>
+          <p:cNvPicPr>
+            <a:picLocks noChangeAspect="1"/>
+          </p:cNvPicPr>
+          <p:nvPr/>
+        </p:nvPicPr>
+        <p:blipFill>
+          <a:blip r:embed="rId10">
+            <a:extLst>
+              <a:ext uri="{96DAC541-7B7A-43D3-8B79-37D633B846F1}">
+                <asvg:svgBlip xmlns:asvg="http://schemas.microsoft.com/office/drawing/2016/SVG/main" r:embed="rId11"/>
+              </a:ext>
+            </a:extLst>
+          </a:blip>
+          <a:stretch>
+            <a:fillRect/>
+          </a:stretch>
+        </p:blipFill>
+        <p:spPr>
+          <a:xfrm>
+            <a:off x="3766458" y="1730829"/>
+            <a:ext cx="914400" cy="914400"/>
+          </a:xfrm>
+          <a:prstGeom prst="rect">
+            <a:avLst/>
+          </a:prstGeom>
+        </p:spPr>
+      </p:pic>
+      <p:sp>
+        <p:nvSpPr>
+          <p:cNvPr id="46" name="Rectangle 45">
+            <a:extLst>
+              <a:ext uri="{FF2B5EF4-FFF2-40B4-BE49-F238E27FC236}">
+                <a16:creationId xmlns:a16="http://schemas.microsoft.com/office/drawing/2014/main" id="{C2650840-5B3B-F4DC-3181-FACCC2BC8495}"/>
+              </a:ext>
+            </a:extLst>
+          </p:cNvPr>
+          <p:cNvSpPr/>
+          <p:nvPr/>
+        </p:nvSpPr>
+        <p:spPr>
+          <a:xfrm>
+            <a:off x="5181600" y="3534226"/>
+            <a:ext cx="3773714" cy="1727202"/>
+          </a:xfrm>
+          <a:custGeom>
+            <a:avLst/>
+            <a:gdLst>
+              <a:gd name="connsiteX0" fmla="*/ 0 w 3773714"/>
+              <a:gd name="connsiteY0" fmla="*/ 0 h 1727202"/>
+              <a:gd name="connsiteX1" fmla="*/ 666689 w 3773714"/>
+              <a:gd name="connsiteY1" fmla="*/ 0 h 1727202"/>
+              <a:gd name="connsiteX2" fmla="*/ 1295642 w 3773714"/>
+              <a:gd name="connsiteY2" fmla="*/ 0 h 1727202"/>
+              <a:gd name="connsiteX3" fmla="*/ 1811383 w 3773714"/>
+              <a:gd name="connsiteY3" fmla="*/ 0 h 1727202"/>
+              <a:gd name="connsiteX4" fmla="*/ 2440335 w 3773714"/>
+              <a:gd name="connsiteY4" fmla="*/ 0 h 1727202"/>
+              <a:gd name="connsiteX5" fmla="*/ 3031550 w 3773714"/>
+              <a:gd name="connsiteY5" fmla="*/ 0 h 1727202"/>
+              <a:gd name="connsiteX6" fmla="*/ 3773714 w 3773714"/>
+              <a:gd name="connsiteY6" fmla="*/ 0 h 1727202"/>
+              <a:gd name="connsiteX7" fmla="*/ 3773714 w 3773714"/>
+              <a:gd name="connsiteY7" fmla="*/ 541190 h 1727202"/>
+              <a:gd name="connsiteX8" fmla="*/ 3773714 w 3773714"/>
+              <a:gd name="connsiteY8" fmla="*/ 1099652 h 1727202"/>
+              <a:gd name="connsiteX9" fmla="*/ 3773714 w 3773714"/>
+              <a:gd name="connsiteY9" fmla="*/ 1727202 h 1727202"/>
+              <a:gd name="connsiteX10" fmla="*/ 3257973 w 3773714"/>
+              <a:gd name="connsiteY10" fmla="*/ 1727202 h 1727202"/>
+              <a:gd name="connsiteX11" fmla="*/ 2553546 w 3773714"/>
+              <a:gd name="connsiteY11" fmla="*/ 1727202 h 1727202"/>
+              <a:gd name="connsiteX12" fmla="*/ 1962331 w 3773714"/>
+              <a:gd name="connsiteY12" fmla="*/ 1727202 h 1727202"/>
+              <a:gd name="connsiteX13" fmla="*/ 1333379 w 3773714"/>
+              <a:gd name="connsiteY13" fmla="*/ 1727202 h 1727202"/>
+              <a:gd name="connsiteX14" fmla="*/ 779901 w 3773714"/>
+              <a:gd name="connsiteY14" fmla="*/ 1727202 h 1727202"/>
+              <a:gd name="connsiteX15" fmla="*/ 0 w 3773714"/>
+              <a:gd name="connsiteY15" fmla="*/ 1727202 h 1727202"/>
+              <a:gd name="connsiteX16" fmla="*/ 0 w 3773714"/>
+              <a:gd name="connsiteY16" fmla="*/ 1151468 h 1727202"/>
+              <a:gd name="connsiteX17" fmla="*/ 0 w 3773714"/>
+              <a:gd name="connsiteY17" fmla="*/ 575734 h 1727202"/>
+              <a:gd name="connsiteX18" fmla="*/ 0 w 3773714"/>
+              <a:gd name="connsiteY18" fmla="*/ 0 h 1727202"/>
+            </a:gdLst>
+            <a:ahLst/>
+            <a:cxnLst>
+              <a:cxn ang="0">
+                <a:pos x="connsiteX0" y="connsiteY0"/>
+              </a:cxn>
+              <a:cxn ang="0">
+                <a:pos x="connsiteX1" y="connsiteY1"/>
+              </a:cxn>
+              <a:cxn ang="0">
+                <a:pos x="connsiteX2" y="connsiteY2"/>
+              </a:cxn>
+              <a:cxn ang="0">
+                <a:pos x="connsiteX3" y="connsiteY3"/>
+              </a:cxn>
+              <a:cxn ang="0">
+                <a:pos x="connsiteX4" y="connsiteY4"/>
+              </a:cxn>
+              <a:cxn ang="0">
+                <a:pos x="connsiteX5" y="connsiteY5"/>
+              </a:cxn>
+              <a:cxn ang="0">
+                <a:pos x="connsiteX6" y="connsiteY6"/>
+              </a:cxn>
+              <a:cxn ang="0">
+                <a:pos x="connsiteX7" y="connsiteY7"/>
+              </a:cxn>
+              <a:cxn ang="0">
+                <a:pos x="connsiteX8" y="connsiteY8"/>
+              </a:cxn>
+              <a:cxn ang="0">
+                <a:pos x="connsiteX9" y="connsiteY9"/>
+              </a:cxn>
+              <a:cxn ang="0">
+                <a:pos x="connsiteX10" y="connsiteY10"/>
+              </a:cxn>
+              <a:cxn ang="0">
+                <a:pos x="connsiteX11" y="connsiteY11"/>
+              </a:cxn>
+              <a:cxn ang="0">
+                <a:pos x="connsiteX12" y="connsiteY12"/>
+              </a:cxn>
+              <a:cxn ang="0">
+                <a:pos x="connsiteX13" y="connsiteY13"/>
+              </a:cxn>
+              <a:cxn ang="0">
+                <a:pos x="connsiteX14" y="connsiteY14"/>
+              </a:cxn>
+              <a:cxn ang="0">
+                <a:pos x="connsiteX15" y="connsiteY15"/>
+              </a:cxn>
+              <a:cxn ang="0">
+                <a:pos x="connsiteX16" y="connsiteY16"/>
+              </a:cxn>
+              <a:cxn ang="0">
+                <a:pos x="connsiteX17" y="connsiteY17"/>
+              </a:cxn>
+              <a:cxn ang="0">
+                <a:pos x="connsiteX18" y="connsiteY18"/>
+              </a:cxn>
+            </a:cxnLst>
+            <a:rect l="l" t="t" r="r" b="b"/>
+            <a:pathLst>
+              <a:path w="3773714" h="1727202" extrusionOk="0">
+                <a:moveTo>
+                  <a:pt x="0" y="0"/>
+                </a:moveTo>
+                <a:cubicBezTo>
+                  <a:pt x="320767" y="-11317"/>
+                  <a:pt x="525006" y="-16254"/>
+                  <a:pt x="666689" y="0"/>
+                </a:cubicBezTo>
+                <a:cubicBezTo>
+                  <a:pt x="808372" y="16254"/>
+                  <a:pt x="1078518" y="-1013"/>
+                  <a:pt x="1295642" y="0"/>
+                </a:cubicBezTo>
+                <a:cubicBezTo>
+                  <a:pt x="1512766" y="1013"/>
+                  <a:pt x="1678102" y="-15845"/>
+                  <a:pt x="1811383" y="0"/>
+                </a:cubicBezTo>
+                <a:cubicBezTo>
+                  <a:pt x="1944664" y="15845"/>
+                  <a:pt x="2294193" y="19198"/>
+                  <a:pt x="2440335" y="0"/>
+                </a:cubicBezTo>
+                <a:cubicBezTo>
+                  <a:pt x="2586477" y="-19198"/>
+                  <a:pt x="2815369" y="-22133"/>
+                  <a:pt x="3031550" y="0"/>
+                </a:cubicBezTo>
+                <a:cubicBezTo>
+                  <a:pt x="3247732" y="22133"/>
+                  <a:pt x="3407252" y="-13831"/>
+                  <a:pt x="3773714" y="0"/>
+                </a:cubicBezTo>
+                <a:cubicBezTo>
+                  <a:pt x="3796209" y="131799"/>
+                  <a:pt x="3791615" y="309843"/>
+                  <a:pt x="3773714" y="541190"/>
+                </a:cubicBezTo>
+                <a:cubicBezTo>
+                  <a:pt x="3755814" y="772537"/>
+                  <a:pt x="3761261" y="976301"/>
+                  <a:pt x="3773714" y="1099652"/>
+                </a:cubicBezTo>
+                <a:cubicBezTo>
+                  <a:pt x="3786167" y="1223003"/>
+                  <a:pt x="3768983" y="1511044"/>
+                  <a:pt x="3773714" y="1727202"/>
+                </a:cubicBezTo>
+                <a:cubicBezTo>
+                  <a:pt x="3648035" y="1724636"/>
+                  <a:pt x="3367774" y="1710216"/>
+                  <a:pt x="3257973" y="1727202"/>
+                </a:cubicBezTo>
+                <a:cubicBezTo>
+                  <a:pt x="3148172" y="1744188"/>
+                  <a:pt x="2844740" y="1723278"/>
+                  <a:pt x="2553546" y="1727202"/>
+                </a:cubicBezTo>
+                <a:cubicBezTo>
+                  <a:pt x="2262352" y="1731126"/>
+                  <a:pt x="2253983" y="1719330"/>
+                  <a:pt x="1962331" y="1727202"/>
+                </a:cubicBezTo>
+                <a:cubicBezTo>
+                  <a:pt x="1670679" y="1735074"/>
+                  <a:pt x="1511188" y="1703494"/>
+                  <a:pt x="1333379" y="1727202"/>
+                </a:cubicBezTo>
+                <a:cubicBezTo>
+                  <a:pt x="1155570" y="1750910"/>
+                  <a:pt x="908100" y="1750766"/>
+                  <a:pt x="779901" y="1727202"/>
+                </a:cubicBezTo>
+                <a:cubicBezTo>
+                  <a:pt x="651702" y="1703638"/>
+                  <a:pt x="252327" y="1693116"/>
+                  <a:pt x="0" y="1727202"/>
+                </a:cubicBezTo>
+                <a:cubicBezTo>
+                  <a:pt x="16707" y="1509279"/>
+                  <a:pt x="15760" y="1299846"/>
+                  <a:pt x="0" y="1151468"/>
+                </a:cubicBezTo>
+                <a:cubicBezTo>
+                  <a:pt x="-15760" y="1003090"/>
+                  <a:pt x="-27093" y="717509"/>
+                  <a:pt x="0" y="575734"/>
+                </a:cubicBezTo>
+                <a:cubicBezTo>
+                  <a:pt x="27093" y="433959"/>
+                  <a:pt x="-1573" y="196938"/>
+                  <a:pt x="0" y="0"/>
+                </a:cubicBezTo>
+                <a:close/>
+              </a:path>
+            </a:pathLst>
+          </a:custGeom>
+          <a:noFill/>
+          <a:ln>
+            <a:extLst>
+              <a:ext uri="{C807C97D-BFC1-408E-A445-0C87EB9F89A2}">
+                <ask:lineSketchStyleProps xmlns:ask="http://schemas.microsoft.com/office/drawing/2018/sketchyshapes" sd="1187246233">
+                  <a:prstGeom prst="rect">
+                    <a:avLst/>
+                  </a:prstGeom>
+                  <ask:type>
+                    <ask:lineSketchFreehand/>
+                  </ask:type>
+                </ask:lineSketchStyleProps>
+              </a:ext>
+            </a:extLst>
+          </a:ln>
+        </p:spPr>
+        <p:style>
+          <a:lnRef idx="2">
+            <a:schemeClr val="accent1">
+              <a:shade val="15000"/>
+            </a:schemeClr>
+          </a:lnRef>
+          <a:fillRef idx="1">
+            <a:schemeClr val="accent1"/>
+          </a:fillRef>
+          <a:effectRef idx="0">
+            <a:schemeClr val="accent1"/>
+          </a:effectRef>
+          <a:fontRef idx="minor">
+            <a:schemeClr val="lt1"/>
+          </a:fontRef>
+        </p:style>
+        <p:txBody>
+          <a:bodyPr rtlCol="0" anchor="t" anchorCtr="0"/>
+          <a:lstStyle/>
+          <a:p>
+            <a:pPr algn="ctr"/>
+            <a:r>
+              <a:rPr lang="en-US" dirty="0">
+                <a:solidFill>
+                  <a:schemeClr val="accent1">
+                    <a:lumMod val="75000"/>
+                  </a:schemeClr>
+                </a:solidFill>
+              </a:rPr>
+              <a:t>ML/OPs</a:t>
+            </a:r>
+          </a:p>
+        </p:txBody>
+      </p:sp>
+      <p:pic>
+        <p:nvPicPr>
+          <p:cNvPr id="47" name="Graphic 46" descr="Database with solid fill">
+            <a:extLst>
+              <a:ext uri="{FF2B5EF4-FFF2-40B4-BE49-F238E27FC236}">
+                <a16:creationId xmlns:a16="http://schemas.microsoft.com/office/drawing/2014/main" id="{14743B8E-0906-6DF8-3A08-598458CF92F9}"/>
+              </a:ext>
+            </a:extLst>
+          </p:cNvPr>
+          <p:cNvPicPr>
+            <a:picLocks noChangeAspect="1"/>
+          </p:cNvPicPr>
+          <p:nvPr/>
+        </p:nvPicPr>
+        <p:blipFill>
+          <a:blip r:embed="rId12">
+            <a:extLst>
+              <a:ext uri="{96DAC541-7B7A-43D3-8B79-37D633B846F1}">
+                <asvg:svgBlip xmlns:asvg="http://schemas.microsoft.com/office/drawing/2016/SVG/main" r:embed="rId13"/>
+              </a:ext>
+            </a:extLst>
+          </a:blip>
+          <a:stretch>
+            <a:fillRect/>
+          </a:stretch>
+        </p:blipFill>
+        <p:spPr>
+          <a:xfrm>
+            <a:off x="3766458" y="4187369"/>
+            <a:ext cx="914400" cy="914400"/>
+          </a:xfrm>
+          <a:prstGeom prst="rect">
+            <a:avLst/>
+          </a:prstGeom>
+        </p:spPr>
+      </p:pic>
+      <p:pic>
+        <p:nvPicPr>
+          <p:cNvPr id="48" name="Graphic 47" descr="Decision chart with solid fill">
+            <a:extLst>
+              <a:ext uri="{FF2B5EF4-FFF2-40B4-BE49-F238E27FC236}">
+                <a16:creationId xmlns:a16="http://schemas.microsoft.com/office/drawing/2014/main" id="{F4CF95B5-60DA-3E9C-5520-7E6235636306}"/>
+              </a:ext>
+            </a:extLst>
+          </p:cNvPr>
+          <p:cNvPicPr>
+            <a:picLocks noChangeAspect="1"/>
+          </p:cNvPicPr>
+          <p:nvPr/>
+        </p:nvPicPr>
+        <p:blipFill>
+          <a:blip r:embed="rId14">
+            <a:extLst>
+              <a:ext uri="{96DAC541-7B7A-43D3-8B79-37D633B846F1}">
+                <asvg:svgBlip xmlns:asvg="http://schemas.microsoft.com/office/drawing/2016/SVG/main" r:embed="rId15"/>
+              </a:ext>
+            </a:extLst>
+          </a:blip>
+          <a:stretch>
+            <a:fillRect/>
+          </a:stretch>
+        </p:blipFill>
+        <p:spPr>
+          <a:xfrm>
+            <a:off x="5885546" y="3940627"/>
+            <a:ext cx="914400" cy="914400"/>
+          </a:xfrm>
+          <a:prstGeom prst="rect">
+            <a:avLst/>
+          </a:prstGeom>
+        </p:spPr>
+      </p:pic>
+      <p:pic>
+        <p:nvPicPr>
+          <p:cNvPr id="49" name="Graphic 48" descr="Clipboard with solid fill">
+            <a:extLst>
+              <a:ext uri="{FF2B5EF4-FFF2-40B4-BE49-F238E27FC236}">
+                <a16:creationId xmlns:a16="http://schemas.microsoft.com/office/drawing/2014/main" id="{4A05EF6A-049F-A8A9-FB58-F1854D6A6A0C}"/>
+              </a:ext>
+            </a:extLst>
+          </p:cNvPr>
+          <p:cNvPicPr>
+            <a:picLocks noChangeAspect="1"/>
+          </p:cNvPicPr>
+          <p:nvPr/>
+        </p:nvPicPr>
+        <p:blipFill>
+          <a:blip r:embed="rId16">
+            <a:extLst>
+              <a:ext uri="{96DAC541-7B7A-43D3-8B79-37D633B846F1}">
+                <asvg:svgBlip xmlns:asvg="http://schemas.microsoft.com/office/drawing/2016/SVG/main" r:embed="rId17"/>
+              </a:ext>
+            </a:extLst>
+          </a:blip>
+          <a:stretch>
+            <a:fillRect/>
+          </a:stretch>
+        </p:blipFill>
+        <p:spPr>
+          <a:xfrm>
+            <a:off x="7587344" y="3889828"/>
+            <a:ext cx="914400" cy="914400"/>
+          </a:xfrm>
+          <a:prstGeom prst="rect">
+            <a:avLst/>
+          </a:prstGeom>
+        </p:spPr>
+      </p:pic>
+      <p:sp>
+        <p:nvSpPr>
+          <p:cNvPr id="50" name="Rectangle 49">
+            <a:extLst>
+              <a:ext uri="{FF2B5EF4-FFF2-40B4-BE49-F238E27FC236}">
+                <a16:creationId xmlns:a16="http://schemas.microsoft.com/office/drawing/2014/main" id="{125355DA-9408-51D2-BAB4-B7E0F03E852F}"/>
+              </a:ext>
+            </a:extLst>
+          </p:cNvPr>
+          <p:cNvSpPr/>
+          <p:nvPr/>
+        </p:nvSpPr>
+        <p:spPr>
+          <a:xfrm>
+            <a:off x="5181600" y="1324428"/>
+            <a:ext cx="3897089" cy="1727202"/>
+          </a:xfrm>
+          <a:custGeom>
+            <a:avLst/>
+            <a:gdLst>
+              <a:gd name="connsiteX0" fmla="*/ 0 w 3897089"/>
+              <a:gd name="connsiteY0" fmla="*/ 0 h 1727202"/>
+              <a:gd name="connsiteX1" fmla="*/ 649515 w 3897089"/>
+              <a:gd name="connsiteY1" fmla="*/ 0 h 1727202"/>
+              <a:gd name="connsiteX2" fmla="*/ 1260059 w 3897089"/>
+              <a:gd name="connsiteY2" fmla="*/ 0 h 1727202"/>
+              <a:gd name="connsiteX3" fmla="*/ 1948545 w 3897089"/>
+              <a:gd name="connsiteY3" fmla="*/ 0 h 1727202"/>
+              <a:gd name="connsiteX4" fmla="*/ 2676001 w 3897089"/>
+              <a:gd name="connsiteY4" fmla="*/ 0 h 1727202"/>
+              <a:gd name="connsiteX5" fmla="*/ 3325516 w 3897089"/>
+              <a:gd name="connsiteY5" fmla="*/ 0 h 1727202"/>
+              <a:gd name="connsiteX6" fmla="*/ 3897089 w 3897089"/>
+              <a:gd name="connsiteY6" fmla="*/ 0 h 1727202"/>
+              <a:gd name="connsiteX7" fmla="*/ 3897089 w 3897089"/>
+              <a:gd name="connsiteY7" fmla="*/ 523918 h 1727202"/>
+              <a:gd name="connsiteX8" fmla="*/ 3897089 w 3897089"/>
+              <a:gd name="connsiteY8" fmla="*/ 1047836 h 1727202"/>
+              <a:gd name="connsiteX9" fmla="*/ 3897089 w 3897089"/>
+              <a:gd name="connsiteY9" fmla="*/ 1727202 h 1727202"/>
+              <a:gd name="connsiteX10" fmla="*/ 3364487 w 3897089"/>
+              <a:gd name="connsiteY10" fmla="*/ 1727202 h 1727202"/>
+              <a:gd name="connsiteX11" fmla="*/ 2637030 w 3897089"/>
+              <a:gd name="connsiteY11" fmla="*/ 1727202 h 1727202"/>
+              <a:gd name="connsiteX12" fmla="*/ 1909574 w 3897089"/>
+              <a:gd name="connsiteY12" fmla="*/ 1727202 h 1727202"/>
+              <a:gd name="connsiteX13" fmla="*/ 1260059 w 3897089"/>
+              <a:gd name="connsiteY13" fmla="*/ 1727202 h 1727202"/>
+              <a:gd name="connsiteX14" fmla="*/ 649515 w 3897089"/>
+              <a:gd name="connsiteY14" fmla="*/ 1727202 h 1727202"/>
+              <a:gd name="connsiteX15" fmla="*/ 0 w 3897089"/>
+              <a:gd name="connsiteY15" fmla="*/ 1727202 h 1727202"/>
+              <a:gd name="connsiteX16" fmla="*/ 0 w 3897089"/>
+              <a:gd name="connsiteY16" fmla="*/ 1186012 h 1727202"/>
+              <a:gd name="connsiteX17" fmla="*/ 0 w 3897089"/>
+              <a:gd name="connsiteY17" fmla="*/ 644822 h 1727202"/>
+              <a:gd name="connsiteX18" fmla="*/ 0 w 3897089"/>
+              <a:gd name="connsiteY18" fmla="*/ 0 h 1727202"/>
+            </a:gdLst>
+            <a:ahLst/>
+            <a:cxnLst>
+              <a:cxn ang="0">
+                <a:pos x="connsiteX0" y="connsiteY0"/>
+              </a:cxn>
+              <a:cxn ang="0">
+                <a:pos x="connsiteX1" y="connsiteY1"/>
+              </a:cxn>
+              <a:cxn ang="0">
+                <a:pos x="connsiteX2" y="connsiteY2"/>
+              </a:cxn>
+              <a:cxn ang="0">
+                <a:pos x="connsiteX3" y="connsiteY3"/>
+              </a:cxn>
+              <a:cxn ang="0">
+                <a:pos x="connsiteX4" y="connsiteY4"/>
+              </a:cxn>
+              <a:cxn ang="0">
+                <a:pos x="connsiteX5" y="connsiteY5"/>
+              </a:cxn>
+              <a:cxn ang="0">
+                <a:pos x="connsiteX6" y="connsiteY6"/>
+              </a:cxn>
+              <a:cxn ang="0">
+                <a:pos x="connsiteX7" y="connsiteY7"/>
+              </a:cxn>
+              <a:cxn ang="0">
+                <a:pos x="connsiteX8" y="connsiteY8"/>
+              </a:cxn>
+              <a:cxn ang="0">
+                <a:pos x="connsiteX9" y="connsiteY9"/>
+              </a:cxn>
+              <a:cxn ang="0">
+                <a:pos x="connsiteX10" y="connsiteY10"/>
+              </a:cxn>
+              <a:cxn ang="0">
+                <a:pos x="connsiteX11" y="connsiteY11"/>
+              </a:cxn>
+              <a:cxn ang="0">
+                <a:pos x="connsiteX12" y="connsiteY12"/>
+              </a:cxn>
+              <a:cxn ang="0">
+                <a:pos x="connsiteX13" y="connsiteY13"/>
+              </a:cxn>
+              <a:cxn ang="0">
+                <a:pos x="connsiteX14" y="connsiteY14"/>
+              </a:cxn>
+              <a:cxn ang="0">
+                <a:pos x="connsiteX15" y="connsiteY15"/>
+              </a:cxn>
+              <a:cxn ang="0">
+                <a:pos x="connsiteX16" y="connsiteY16"/>
+              </a:cxn>
+              <a:cxn ang="0">
+                <a:pos x="connsiteX17" y="connsiteY17"/>
+              </a:cxn>
+              <a:cxn ang="0">
+                <a:pos x="connsiteX18" y="connsiteY18"/>
+              </a:cxn>
+            </a:cxnLst>
+            <a:rect l="l" t="t" r="r" b="b"/>
+            <a:pathLst>
+              <a:path w="3897089" h="1727202" extrusionOk="0">
+                <a:moveTo>
+                  <a:pt x="0" y="0"/>
+                </a:moveTo>
+                <a:cubicBezTo>
+                  <a:pt x="180658" y="6134"/>
+                  <a:pt x="500687" y="9386"/>
+                  <a:pt x="649515" y="0"/>
+                </a:cubicBezTo>
+                <a:cubicBezTo>
+                  <a:pt x="798344" y="-9386"/>
+                  <a:pt x="997211" y="-22716"/>
+                  <a:pt x="1260059" y="0"/>
+                </a:cubicBezTo>
+                <a:cubicBezTo>
+                  <a:pt x="1522907" y="22716"/>
+                  <a:pt x="1610582" y="9757"/>
+                  <a:pt x="1948545" y="0"/>
+                </a:cubicBezTo>
+                <a:cubicBezTo>
+                  <a:pt x="2286508" y="-9757"/>
+                  <a:pt x="2514369" y="24426"/>
+                  <a:pt x="2676001" y="0"/>
+                </a:cubicBezTo>
+                <a:cubicBezTo>
+                  <a:pt x="2837633" y="-24426"/>
+                  <a:pt x="3119820" y="-19438"/>
+                  <a:pt x="3325516" y="0"/>
+                </a:cubicBezTo>
+                <a:cubicBezTo>
+                  <a:pt x="3531213" y="19438"/>
+                  <a:pt x="3693115" y="3380"/>
+                  <a:pt x="3897089" y="0"/>
+                </a:cubicBezTo>
+                <a:cubicBezTo>
+                  <a:pt x="3875847" y="144577"/>
+                  <a:pt x="3878291" y="313016"/>
+                  <a:pt x="3897089" y="523918"/>
+                </a:cubicBezTo>
+                <a:cubicBezTo>
+                  <a:pt x="3915887" y="734820"/>
+                  <a:pt x="3904561" y="862419"/>
+                  <a:pt x="3897089" y="1047836"/>
+                </a:cubicBezTo>
+                <a:cubicBezTo>
+                  <a:pt x="3889617" y="1233253"/>
+                  <a:pt x="3926715" y="1550911"/>
+                  <a:pt x="3897089" y="1727202"/>
+                </a:cubicBezTo>
+                <a:cubicBezTo>
+                  <a:pt x="3762024" y="1748245"/>
+                  <a:pt x="3479231" y="1711063"/>
+                  <a:pt x="3364487" y="1727202"/>
+                </a:cubicBezTo>
+                <a:cubicBezTo>
+                  <a:pt x="3249743" y="1743341"/>
+                  <a:pt x="2956455" y="1750503"/>
+                  <a:pt x="2637030" y="1727202"/>
+                </a:cubicBezTo>
+                <a:cubicBezTo>
+                  <a:pt x="2317605" y="1703901"/>
+                  <a:pt x="2124029" y="1740325"/>
+                  <a:pt x="1909574" y="1727202"/>
+                </a:cubicBezTo>
+                <a:cubicBezTo>
+                  <a:pt x="1695119" y="1714079"/>
+                  <a:pt x="1541670" y="1747307"/>
+                  <a:pt x="1260059" y="1727202"/>
+                </a:cubicBezTo>
+                <a:cubicBezTo>
+                  <a:pt x="978448" y="1707097"/>
+                  <a:pt x="798812" y="1735232"/>
+                  <a:pt x="649515" y="1727202"/>
+                </a:cubicBezTo>
+                <a:cubicBezTo>
+                  <a:pt x="500218" y="1719172"/>
+                  <a:pt x="194013" y="1730878"/>
+                  <a:pt x="0" y="1727202"/>
+                </a:cubicBezTo>
+                <a:cubicBezTo>
+                  <a:pt x="19030" y="1492430"/>
+                  <a:pt x="-12229" y="1344155"/>
+                  <a:pt x="0" y="1186012"/>
+                </a:cubicBezTo>
+                <a:cubicBezTo>
+                  <a:pt x="12229" y="1027869"/>
+                  <a:pt x="-24493" y="758730"/>
+                  <a:pt x="0" y="644822"/>
+                </a:cubicBezTo>
+                <a:cubicBezTo>
+                  <a:pt x="24493" y="530914"/>
+                  <a:pt x="-28327" y="289360"/>
+                  <a:pt x="0" y="0"/>
+                </a:cubicBezTo>
+                <a:close/>
+              </a:path>
+            </a:pathLst>
+          </a:custGeom>
+          <a:noFill/>
+          <a:ln>
+            <a:extLst>
+              <a:ext uri="{C807C97D-BFC1-408E-A445-0C87EB9F89A2}">
+                <ask:lineSketchStyleProps xmlns:ask="http://schemas.microsoft.com/office/drawing/2018/sketchyshapes" sd="1617499634">
+                  <a:prstGeom prst="rect">
+                    <a:avLst/>
+                  </a:prstGeom>
+                  <ask:type>
+                    <ask:lineSketchFreehand/>
+                  </ask:type>
+                </ask:lineSketchStyleProps>
+              </a:ext>
+            </a:extLst>
+          </a:ln>
+        </p:spPr>
+        <p:style>
+          <a:lnRef idx="2">
+            <a:schemeClr val="accent1">
+              <a:shade val="15000"/>
+            </a:schemeClr>
+          </a:lnRef>
+          <a:fillRef idx="1">
+            <a:schemeClr val="accent1"/>
+          </a:fillRef>
+          <a:effectRef idx="0">
+            <a:schemeClr val="accent1"/>
+          </a:effectRef>
+          <a:fontRef idx="minor">
+            <a:schemeClr val="lt1"/>
+          </a:fontRef>
+        </p:style>
+        <p:txBody>
+          <a:bodyPr rtlCol="0" anchor="t" anchorCtr="0"/>
+          <a:lstStyle/>
+          <a:p>
+            <a:pPr algn="ctr"/>
+            <a:r>
+              <a:rPr lang="en-US" dirty="0">
+                <a:solidFill>
+                  <a:schemeClr val="accent1">
+                    <a:lumMod val="75000"/>
+                  </a:schemeClr>
+                </a:solidFill>
+              </a:rPr>
+              <a:t>AI</a:t>
+            </a:r>
+          </a:p>
+        </p:txBody>
+      </p:sp>
+      <p:sp>
+        <p:nvSpPr>
+          <p:cNvPr id="51" name="Rectangle 50">
+            <a:extLst>
+              <a:ext uri="{FF2B5EF4-FFF2-40B4-BE49-F238E27FC236}">
+                <a16:creationId xmlns:a16="http://schemas.microsoft.com/office/drawing/2014/main" id="{EB037479-3D26-978C-C58C-9149D174305F}"/>
+              </a:ext>
+            </a:extLst>
+          </p:cNvPr>
+          <p:cNvSpPr/>
+          <p:nvPr/>
+        </p:nvSpPr>
+        <p:spPr>
+          <a:xfrm>
+            <a:off x="3554186" y="1436914"/>
+            <a:ext cx="1338944" cy="1502220"/>
+          </a:xfrm>
+          <a:custGeom>
+            <a:avLst/>
+            <a:gdLst>
+              <a:gd name="connsiteX0" fmla="*/ 0 w 1338944"/>
+              <a:gd name="connsiteY0" fmla="*/ 0 h 1502220"/>
+              <a:gd name="connsiteX1" fmla="*/ 656083 w 1338944"/>
+              <a:gd name="connsiteY1" fmla="*/ 0 h 1502220"/>
+              <a:gd name="connsiteX2" fmla="*/ 1338944 w 1338944"/>
+              <a:gd name="connsiteY2" fmla="*/ 0 h 1502220"/>
+              <a:gd name="connsiteX3" fmla="*/ 1338944 w 1338944"/>
+              <a:gd name="connsiteY3" fmla="*/ 530784 h 1502220"/>
+              <a:gd name="connsiteX4" fmla="*/ 1338944 w 1338944"/>
+              <a:gd name="connsiteY4" fmla="*/ 1031524 h 1502220"/>
+              <a:gd name="connsiteX5" fmla="*/ 1338944 w 1338944"/>
+              <a:gd name="connsiteY5" fmla="*/ 1502220 h 1502220"/>
+              <a:gd name="connsiteX6" fmla="*/ 696251 w 1338944"/>
+              <a:gd name="connsiteY6" fmla="*/ 1502220 h 1502220"/>
+              <a:gd name="connsiteX7" fmla="*/ 0 w 1338944"/>
+              <a:gd name="connsiteY7" fmla="*/ 1502220 h 1502220"/>
+              <a:gd name="connsiteX8" fmla="*/ 0 w 1338944"/>
+              <a:gd name="connsiteY8" fmla="*/ 971436 h 1502220"/>
+              <a:gd name="connsiteX9" fmla="*/ 0 w 1338944"/>
+              <a:gd name="connsiteY9" fmla="*/ 440651 h 1502220"/>
+              <a:gd name="connsiteX10" fmla="*/ 0 w 1338944"/>
+              <a:gd name="connsiteY10" fmla="*/ 0 h 1502220"/>
+            </a:gdLst>
+            <a:ahLst/>
+            <a:cxnLst>
+              <a:cxn ang="0">
+                <a:pos x="connsiteX0" y="connsiteY0"/>
+              </a:cxn>
+              <a:cxn ang="0">
+                <a:pos x="connsiteX1" y="connsiteY1"/>
+              </a:cxn>
+              <a:cxn ang="0">
+                <a:pos x="connsiteX2" y="connsiteY2"/>
+              </a:cxn>
+              <a:cxn ang="0">
+                <a:pos x="connsiteX3" y="connsiteY3"/>
+              </a:cxn>
+              <a:cxn ang="0">
+                <a:pos x="connsiteX4" y="connsiteY4"/>
+              </a:cxn>
+              <a:cxn ang="0">
+                <a:pos x="connsiteX5" y="connsiteY5"/>
+              </a:cxn>
+              <a:cxn ang="0">
+                <a:pos x="connsiteX6" y="connsiteY6"/>
+              </a:cxn>
+              <a:cxn ang="0">
+                <a:pos x="connsiteX7" y="connsiteY7"/>
+              </a:cxn>
+              <a:cxn ang="0">
+                <a:pos x="connsiteX8" y="connsiteY8"/>
+              </a:cxn>
+              <a:cxn ang="0">
+                <a:pos x="connsiteX9" y="connsiteY9"/>
+              </a:cxn>
+              <a:cxn ang="0">
+                <a:pos x="connsiteX10" y="connsiteY10"/>
+              </a:cxn>
+            </a:cxnLst>
+            <a:rect l="l" t="t" r="r" b="b"/>
+            <a:pathLst>
+              <a:path w="1338944" h="1502220" extrusionOk="0">
+                <a:moveTo>
+                  <a:pt x="0" y="0"/>
+                </a:moveTo>
+                <a:cubicBezTo>
+                  <a:pt x="200482" y="25301"/>
+                  <a:pt x="371504" y="-5476"/>
+                  <a:pt x="656083" y="0"/>
+                </a:cubicBezTo>
+                <a:cubicBezTo>
+                  <a:pt x="940662" y="5476"/>
+                  <a:pt x="1139353" y="-20652"/>
+                  <a:pt x="1338944" y="0"/>
+                </a:cubicBezTo>
+                <a:cubicBezTo>
+                  <a:pt x="1352605" y="243202"/>
+                  <a:pt x="1347045" y="266479"/>
+                  <a:pt x="1338944" y="530784"/>
+                </a:cubicBezTo>
+                <a:cubicBezTo>
+                  <a:pt x="1330843" y="795089"/>
+                  <a:pt x="1345839" y="889437"/>
+                  <a:pt x="1338944" y="1031524"/>
+                </a:cubicBezTo>
+                <a:cubicBezTo>
+                  <a:pt x="1332049" y="1173611"/>
+                  <a:pt x="1350985" y="1393242"/>
+                  <a:pt x="1338944" y="1502220"/>
+                </a:cubicBezTo>
+                <a:cubicBezTo>
+                  <a:pt x="1103643" y="1478975"/>
+                  <a:pt x="932875" y="1528704"/>
+                  <a:pt x="696251" y="1502220"/>
+                </a:cubicBezTo>
+                <a:cubicBezTo>
+                  <a:pt x="459627" y="1475736"/>
+                  <a:pt x="249876" y="1479740"/>
+                  <a:pt x="0" y="1502220"/>
+                </a:cubicBezTo>
+                <a:cubicBezTo>
+                  <a:pt x="19395" y="1329004"/>
+                  <a:pt x="-9995" y="1105552"/>
+                  <a:pt x="0" y="971436"/>
+                </a:cubicBezTo>
+                <a:cubicBezTo>
+                  <a:pt x="9995" y="837320"/>
+                  <a:pt x="3711" y="663749"/>
+                  <a:pt x="0" y="440651"/>
+                </a:cubicBezTo>
+                <a:cubicBezTo>
+                  <a:pt x="-3711" y="217553"/>
+                  <a:pt x="-21838" y="109368"/>
+                  <a:pt x="0" y="0"/>
+                </a:cubicBezTo>
+                <a:close/>
+              </a:path>
+            </a:pathLst>
+          </a:custGeom>
+          <a:noFill/>
+          <a:ln>
+            <a:extLst>
+              <a:ext uri="{C807C97D-BFC1-408E-A445-0C87EB9F89A2}">
+                <ask:lineSketchStyleProps xmlns:ask="http://schemas.microsoft.com/office/drawing/2018/sketchyshapes" sd="1219033472">
+                  <a:prstGeom prst="rect">
+                    <a:avLst/>
+                  </a:prstGeom>
+                  <ask:type>
+                    <ask:lineSketchFreehand/>
+                  </ask:type>
+                </ask:lineSketchStyleProps>
+              </a:ext>
+            </a:extLst>
+          </a:ln>
+        </p:spPr>
+        <p:style>
+          <a:lnRef idx="2">
+            <a:schemeClr val="accent1">
+              <a:shade val="15000"/>
+            </a:schemeClr>
+          </a:lnRef>
+          <a:fillRef idx="1">
+            <a:schemeClr val="accent1"/>
+          </a:fillRef>
+          <a:effectRef idx="0">
+            <a:schemeClr val="accent1"/>
+          </a:effectRef>
+          <a:fontRef idx="minor">
+            <a:schemeClr val="lt1"/>
+          </a:fontRef>
+        </p:style>
+        <p:txBody>
+          <a:bodyPr rtlCol="0" anchor="t" anchorCtr="0"/>
+          <a:lstStyle/>
+          <a:p>
+            <a:pPr algn="ctr"/>
+            <a:r>
+              <a:rPr lang="en-US" dirty="0">
+                <a:solidFill>
+                  <a:schemeClr val="accent1">
+                    <a:lumMod val="75000"/>
+                  </a:schemeClr>
+                </a:solidFill>
+              </a:rPr>
+              <a:t>Application</a:t>
+            </a:r>
+          </a:p>
+        </p:txBody>
+      </p:sp>
+      <p:sp>
+        <p:nvSpPr>
+          <p:cNvPr id="52" name="Rectangle 51">
+            <a:extLst>
+              <a:ext uri="{FF2B5EF4-FFF2-40B4-BE49-F238E27FC236}">
+                <a16:creationId xmlns:a16="http://schemas.microsoft.com/office/drawing/2014/main" id="{80FC8ABF-11E6-35A0-7FAE-C5555C6A1FE3}"/>
+              </a:ext>
+            </a:extLst>
+          </p:cNvPr>
+          <p:cNvSpPr/>
+          <p:nvPr/>
+        </p:nvSpPr>
+        <p:spPr>
+          <a:xfrm>
+            <a:off x="3585030" y="3759208"/>
+            <a:ext cx="1338944" cy="1502220"/>
+          </a:xfrm>
+          <a:custGeom>
+            <a:avLst/>
+            <a:gdLst>
+              <a:gd name="connsiteX0" fmla="*/ 0 w 1338944"/>
+              <a:gd name="connsiteY0" fmla="*/ 0 h 1502220"/>
+              <a:gd name="connsiteX1" fmla="*/ 656083 w 1338944"/>
+              <a:gd name="connsiteY1" fmla="*/ 0 h 1502220"/>
+              <a:gd name="connsiteX2" fmla="*/ 1338944 w 1338944"/>
+              <a:gd name="connsiteY2" fmla="*/ 0 h 1502220"/>
+              <a:gd name="connsiteX3" fmla="*/ 1338944 w 1338944"/>
+              <a:gd name="connsiteY3" fmla="*/ 530784 h 1502220"/>
+              <a:gd name="connsiteX4" fmla="*/ 1338944 w 1338944"/>
+              <a:gd name="connsiteY4" fmla="*/ 1031524 h 1502220"/>
+              <a:gd name="connsiteX5" fmla="*/ 1338944 w 1338944"/>
+              <a:gd name="connsiteY5" fmla="*/ 1502220 h 1502220"/>
+              <a:gd name="connsiteX6" fmla="*/ 696251 w 1338944"/>
+              <a:gd name="connsiteY6" fmla="*/ 1502220 h 1502220"/>
+              <a:gd name="connsiteX7" fmla="*/ 0 w 1338944"/>
+              <a:gd name="connsiteY7" fmla="*/ 1502220 h 1502220"/>
+              <a:gd name="connsiteX8" fmla="*/ 0 w 1338944"/>
+              <a:gd name="connsiteY8" fmla="*/ 971436 h 1502220"/>
+              <a:gd name="connsiteX9" fmla="*/ 0 w 1338944"/>
+              <a:gd name="connsiteY9" fmla="*/ 440651 h 1502220"/>
+              <a:gd name="connsiteX10" fmla="*/ 0 w 1338944"/>
+              <a:gd name="connsiteY10" fmla="*/ 0 h 1502220"/>
+            </a:gdLst>
+            <a:ahLst/>
+            <a:cxnLst>
+              <a:cxn ang="0">
+                <a:pos x="connsiteX0" y="connsiteY0"/>
+              </a:cxn>
+              <a:cxn ang="0">
+                <a:pos x="connsiteX1" y="connsiteY1"/>
+              </a:cxn>
+              <a:cxn ang="0">
+                <a:pos x="connsiteX2" y="connsiteY2"/>
+              </a:cxn>
+              <a:cxn ang="0">
+                <a:pos x="connsiteX3" y="connsiteY3"/>
+              </a:cxn>
+              <a:cxn ang="0">
+                <a:pos x="connsiteX4" y="connsiteY4"/>
+              </a:cxn>
+              <a:cxn ang="0">
+                <a:pos x="connsiteX5" y="connsiteY5"/>
+              </a:cxn>
+              <a:cxn ang="0">
+                <a:pos x="connsiteX6" y="connsiteY6"/>
+              </a:cxn>
+              <a:cxn ang="0">
+                <a:pos x="connsiteX7" y="connsiteY7"/>
+              </a:cxn>
+              <a:cxn ang="0">
+                <a:pos x="connsiteX8" y="connsiteY8"/>
+              </a:cxn>
+              <a:cxn ang="0">
+                <a:pos x="connsiteX9" y="connsiteY9"/>
+              </a:cxn>
+              <a:cxn ang="0">
+                <a:pos x="connsiteX10" y="connsiteY10"/>
+              </a:cxn>
+            </a:cxnLst>
+            <a:rect l="l" t="t" r="r" b="b"/>
+            <a:pathLst>
+              <a:path w="1338944" h="1502220" extrusionOk="0">
+                <a:moveTo>
+                  <a:pt x="0" y="0"/>
+                </a:moveTo>
+                <a:cubicBezTo>
+                  <a:pt x="200482" y="25301"/>
+                  <a:pt x="371504" y="-5476"/>
+                  <a:pt x="656083" y="0"/>
+                </a:cubicBezTo>
+                <a:cubicBezTo>
+                  <a:pt x="940662" y="5476"/>
+                  <a:pt x="1139353" y="-20652"/>
+                  <a:pt x="1338944" y="0"/>
+                </a:cubicBezTo>
+                <a:cubicBezTo>
+                  <a:pt x="1352605" y="243202"/>
+                  <a:pt x="1347045" y="266479"/>
+                  <a:pt x="1338944" y="530784"/>
+                </a:cubicBezTo>
+                <a:cubicBezTo>
+                  <a:pt x="1330843" y="795089"/>
+                  <a:pt x="1345839" y="889437"/>
+                  <a:pt x="1338944" y="1031524"/>
+                </a:cubicBezTo>
+                <a:cubicBezTo>
+                  <a:pt x="1332049" y="1173611"/>
+                  <a:pt x="1350985" y="1393242"/>
+                  <a:pt x="1338944" y="1502220"/>
+                </a:cubicBezTo>
+                <a:cubicBezTo>
+                  <a:pt x="1103643" y="1478975"/>
+                  <a:pt x="932875" y="1528704"/>
+                  <a:pt x="696251" y="1502220"/>
+                </a:cubicBezTo>
+                <a:cubicBezTo>
+                  <a:pt x="459627" y="1475736"/>
+                  <a:pt x="249876" y="1479740"/>
+                  <a:pt x="0" y="1502220"/>
+                </a:cubicBezTo>
+                <a:cubicBezTo>
+                  <a:pt x="19395" y="1329004"/>
+                  <a:pt x="-9995" y="1105552"/>
+                  <a:pt x="0" y="971436"/>
+                </a:cubicBezTo>
+                <a:cubicBezTo>
+                  <a:pt x="9995" y="837320"/>
+                  <a:pt x="3711" y="663749"/>
+                  <a:pt x="0" y="440651"/>
+                </a:cubicBezTo>
+                <a:cubicBezTo>
+                  <a:pt x="-3711" y="217553"/>
+                  <a:pt x="-21838" y="109368"/>
+                  <a:pt x="0" y="0"/>
+                </a:cubicBezTo>
+                <a:close/>
+              </a:path>
+            </a:pathLst>
+          </a:custGeom>
+          <a:noFill/>
+          <a:ln>
+            <a:extLst>
+              <a:ext uri="{C807C97D-BFC1-408E-A445-0C87EB9F89A2}">
+                <ask:lineSketchStyleProps xmlns:ask="http://schemas.microsoft.com/office/drawing/2018/sketchyshapes" sd="1219033472">
+                  <a:prstGeom prst="rect">
+                    <a:avLst/>
+                  </a:prstGeom>
+                  <ask:type>
+                    <ask:lineSketchFreehand/>
+                  </ask:type>
+                </ask:lineSketchStyleProps>
+              </a:ext>
+            </a:extLst>
+          </a:ln>
+        </p:spPr>
+        <p:style>
+          <a:lnRef idx="2">
+            <a:schemeClr val="accent1">
+              <a:shade val="15000"/>
+            </a:schemeClr>
+          </a:lnRef>
+          <a:fillRef idx="1">
+            <a:schemeClr val="accent1"/>
+          </a:fillRef>
+          <a:effectRef idx="0">
+            <a:schemeClr val="accent1"/>
+          </a:effectRef>
+          <a:fontRef idx="minor">
+            <a:schemeClr val="lt1"/>
+          </a:fontRef>
+        </p:style>
+        <p:txBody>
+          <a:bodyPr rtlCol="0" anchor="t" anchorCtr="0"/>
+          <a:lstStyle/>
+          <a:p>
+            <a:pPr algn="ctr"/>
+            <a:r>
+              <a:rPr lang="en-US" dirty="0">
+                <a:solidFill>
+                  <a:schemeClr val="accent1">
+                    <a:lumMod val="75000"/>
+                  </a:schemeClr>
+                </a:solidFill>
+              </a:rPr>
+              <a:t>Database</a:t>
+            </a:r>
+          </a:p>
+        </p:txBody>
+      </p:sp>
+      <p:sp>
+        <p:nvSpPr>
+          <p:cNvPr id="53" name="TextBox 52">
+            <a:extLst>
+              <a:ext uri="{FF2B5EF4-FFF2-40B4-BE49-F238E27FC236}">
+                <a16:creationId xmlns:a16="http://schemas.microsoft.com/office/drawing/2014/main" id="{677FF11E-A275-2F0C-6541-708EB06421EA}"/>
+              </a:ext>
+            </a:extLst>
+          </p:cNvPr>
+          <p:cNvSpPr txBox="1"/>
+          <p:nvPr/>
+        </p:nvSpPr>
+        <p:spPr>
+          <a:xfrm>
+            <a:off x="5428346" y="2645229"/>
+            <a:ext cx="1103083" cy="276999"/>
+          </a:xfrm>
+          <a:prstGeom prst="rect">
+            <a:avLst/>
+          </a:prstGeom>
+          <a:noFill/>
+        </p:spPr>
+        <p:txBody>
+          <a:bodyPr wrap="square" rtlCol="0">
+            <a:spAutoFit/>
+          </a:bodyPr>
+          <a:lstStyle/>
+          <a:p>
+            <a:r>
+              <a:rPr lang="en-US" sz="1200" dirty="0">
+                <a:solidFill>
+                  <a:schemeClr val="accent1"/>
+                </a:solidFill>
+              </a:rPr>
+              <a:t>preprocess</a:t>
+            </a:r>
+          </a:p>
+        </p:txBody>
+      </p:sp>
+      <p:sp>
+        <p:nvSpPr>
+          <p:cNvPr id="54" name="TextBox 53">
+            <a:extLst>
+              <a:ext uri="{FF2B5EF4-FFF2-40B4-BE49-F238E27FC236}">
+                <a16:creationId xmlns:a16="http://schemas.microsoft.com/office/drawing/2014/main" id="{2EEAC376-6F38-42D5-8731-8595FFCCFCA1}"/>
+              </a:ext>
+            </a:extLst>
+          </p:cNvPr>
+          <p:cNvSpPr txBox="1"/>
+          <p:nvPr/>
+        </p:nvSpPr>
+        <p:spPr>
+          <a:xfrm>
+            <a:off x="6740980" y="2662135"/>
+            <a:ext cx="654954" cy="276999"/>
+          </a:xfrm>
+          <a:prstGeom prst="rect">
+            <a:avLst/>
+          </a:prstGeom>
+          <a:noFill/>
+        </p:spPr>
+        <p:txBody>
+          <a:bodyPr wrap="square" rtlCol="0">
+            <a:spAutoFit/>
+          </a:bodyPr>
+          <a:lstStyle/>
+          <a:p>
+            <a:r>
+              <a:rPr lang="en-US" sz="1200" dirty="0">
+                <a:solidFill>
+                  <a:schemeClr val="accent1"/>
+                </a:solidFill>
+              </a:rPr>
+              <a:t>predict</a:t>
+            </a:r>
+          </a:p>
+        </p:txBody>
+      </p:sp>
+      <p:sp>
+        <p:nvSpPr>
+          <p:cNvPr id="55" name="TextBox 54">
+            <a:extLst>
+              <a:ext uri="{FF2B5EF4-FFF2-40B4-BE49-F238E27FC236}">
+                <a16:creationId xmlns:a16="http://schemas.microsoft.com/office/drawing/2014/main" id="{A5BCCAF2-B0EE-E999-E1EE-244E95E8A4A1}"/>
+              </a:ext>
+            </a:extLst>
+          </p:cNvPr>
+          <p:cNvSpPr txBox="1"/>
+          <p:nvPr/>
+        </p:nvSpPr>
+        <p:spPr>
+          <a:xfrm>
+            <a:off x="8038192" y="2662134"/>
+            <a:ext cx="654954" cy="276999"/>
+          </a:xfrm>
+          <a:prstGeom prst="rect">
+            <a:avLst/>
+          </a:prstGeom>
+          <a:noFill/>
+        </p:spPr>
+        <p:txBody>
+          <a:bodyPr wrap="square" rtlCol="0">
+            <a:spAutoFit/>
+          </a:bodyPr>
+          <a:lstStyle/>
+          <a:p>
+            <a:r>
+              <a:rPr lang="en-US" sz="1200" dirty="0">
+                <a:solidFill>
+                  <a:schemeClr val="accent1"/>
+                </a:solidFill>
+              </a:rPr>
+              <a:t>explain</a:t>
+            </a:r>
+          </a:p>
+        </p:txBody>
+      </p:sp>
+      <p:sp>
+        <p:nvSpPr>
+          <p:cNvPr id="56" name="TextBox 55">
+            <a:extLst>
+              <a:ext uri="{FF2B5EF4-FFF2-40B4-BE49-F238E27FC236}">
+                <a16:creationId xmlns:a16="http://schemas.microsoft.com/office/drawing/2014/main" id="{D77C3BE6-25A7-D565-6737-AF0DFA5647BA}"/>
+              </a:ext>
+            </a:extLst>
+          </p:cNvPr>
+          <p:cNvSpPr txBox="1"/>
+          <p:nvPr/>
+        </p:nvSpPr>
+        <p:spPr>
+          <a:xfrm>
+            <a:off x="5601610" y="4888862"/>
+            <a:ext cx="1482272" cy="276999"/>
+          </a:xfrm>
+          <a:prstGeom prst="rect">
+            <a:avLst/>
+          </a:prstGeom>
+          <a:noFill/>
+        </p:spPr>
+        <p:txBody>
+          <a:bodyPr wrap="square" rtlCol="0">
+            <a:spAutoFit/>
+          </a:bodyPr>
+          <a:lstStyle/>
+          <a:p>
+            <a:r>
+              <a:rPr lang="en-US" sz="1200" dirty="0">
+                <a:solidFill>
+                  <a:schemeClr val="accent1"/>
+                </a:solidFill>
+              </a:rPr>
+              <a:t>train / eval  / deploy</a:t>
+            </a:r>
+          </a:p>
+        </p:txBody>
+      </p:sp>
+      <p:sp>
+        <p:nvSpPr>
+          <p:cNvPr id="57" name="TextBox 56">
+            <a:extLst>
+              <a:ext uri="{FF2B5EF4-FFF2-40B4-BE49-F238E27FC236}">
+                <a16:creationId xmlns:a16="http://schemas.microsoft.com/office/drawing/2014/main" id="{F3DE6067-072C-6516-2DD5-C370F583E862}"/>
+              </a:ext>
+            </a:extLst>
+          </p:cNvPr>
+          <p:cNvSpPr txBox="1"/>
+          <p:nvPr/>
+        </p:nvSpPr>
+        <p:spPr>
+          <a:xfrm>
+            <a:off x="7694386" y="4882831"/>
+            <a:ext cx="687612" cy="276999"/>
+          </a:xfrm>
+          <a:prstGeom prst="rect">
+            <a:avLst/>
+          </a:prstGeom>
+          <a:noFill/>
+        </p:spPr>
+        <p:txBody>
+          <a:bodyPr wrap="square" rtlCol="0">
+            <a:spAutoFit/>
+          </a:bodyPr>
+          <a:lstStyle/>
+          <a:p>
+            <a:r>
+              <a:rPr lang="en-US" sz="1200" dirty="0">
+                <a:solidFill>
+                  <a:schemeClr val="accent1"/>
+                </a:solidFill>
+              </a:rPr>
+              <a:t>monitor</a:t>
+            </a:r>
+          </a:p>
+        </p:txBody>
+      </p:sp>
+      <p:sp>
+        <p:nvSpPr>
+          <p:cNvPr id="2" name="Rectangle 1">
+            <a:extLst>
+              <a:ext uri="{FF2B5EF4-FFF2-40B4-BE49-F238E27FC236}">
+                <a16:creationId xmlns:a16="http://schemas.microsoft.com/office/drawing/2014/main" id="{0B5A8436-8DED-A1AD-5909-B3D28FC65F4F}"/>
+              </a:ext>
+            </a:extLst>
+          </p:cNvPr>
+          <p:cNvSpPr>
+            <a:spLocks noChangeAspect="1"/>
+          </p:cNvSpPr>
+          <p:nvPr/>
+        </p:nvSpPr>
+        <p:spPr>
+          <a:xfrm>
+            <a:off x="9756238" y="3938837"/>
+            <a:ext cx="1704634" cy="553998"/>
+          </a:xfrm>
+          <a:prstGeom prst="rect">
+            <a:avLst/>
+          </a:prstGeom>
+          <a:noFill/>
+        </p:spPr>
+        <p:txBody>
+          <a:bodyPr wrap="none" lIns="91440" tIns="45720" rIns="91440" bIns="45720">
+            <a:spAutoFit/>
+            <a:scene3d>
+              <a:camera prst="orthographicFront"/>
+              <a:lightRig rig="soft" dir="t">
+                <a:rot lat="0" lon="0" rev="15600000"/>
+              </a:lightRig>
+            </a:scene3d>
+            <a:sp3d extrusionH="57150" prstMaterial="softEdge">
+              <a:bevelT w="25400" h="38100"/>
+            </a:sp3d>
+          </a:bodyPr>
+          <a:lstStyle/>
+          <a:p>
+            <a:pPr algn="ctr"/>
+            <a:r>
+              <a:rPr lang="en-US" sz="3000" b="1" cap="none" spc="0" dirty="0">
+                <a:ln>
+                  <a:solidFill>
+                    <a:schemeClr val="tx1">
+                      <a:lumMod val="95000"/>
+                      <a:lumOff val="5000"/>
+                    </a:schemeClr>
+                  </a:solidFill>
+                </a:ln>
+                <a:solidFill>
+                  <a:schemeClr val="accent1"/>
+                </a:solidFill>
+                <a:effectLst/>
+              </a:rPr>
+              <a:t>Kubeflow</a:t>
+            </a:r>
+          </a:p>
+        </p:txBody>
+      </p:sp>
+      <p:sp>
+        <p:nvSpPr>
+          <p:cNvPr id="3" name="Rectangle 2">
+            <a:extLst>
+              <a:ext uri="{FF2B5EF4-FFF2-40B4-BE49-F238E27FC236}">
+                <a16:creationId xmlns:a16="http://schemas.microsoft.com/office/drawing/2014/main" id="{1BD2F943-FCB0-1A0B-F850-5C346BB51568}"/>
+              </a:ext>
+            </a:extLst>
+          </p:cNvPr>
+          <p:cNvSpPr>
+            <a:spLocks noChangeAspect="1"/>
+          </p:cNvSpPr>
+          <p:nvPr/>
+        </p:nvSpPr>
+        <p:spPr>
+          <a:xfrm>
+            <a:off x="9612113" y="1674600"/>
+            <a:ext cx="1279709" cy="553998"/>
+          </a:xfrm>
+          <a:prstGeom prst="rect">
+            <a:avLst/>
+          </a:prstGeom>
+          <a:noFill/>
+        </p:spPr>
+        <p:txBody>
+          <a:bodyPr wrap="none" lIns="91440" tIns="45720" rIns="91440" bIns="45720">
+            <a:spAutoFit/>
+            <a:scene3d>
+              <a:camera prst="orthographicFront"/>
+              <a:lightRig rig="soft" dir="t">
+                <a:rot lat="0" lon="0" rev="15600000"/>
+              </a:lightRig>
+            </a:scene3d>
+            <a:sp3d extrusionH="57150" prstMaterial="softEdge">
+              <a:bevelT w="25400" h="38100"/>
+            </a:sp3d>
+          </a:bodyPr>
+          <a:lstStyle/>
+          <a:p>
+            <a:pPr algn="ctr"/>
+            <a:r>
+              <a:rPr lang="en-US" sz="3000" b="1" cap="none" spc="0" dirty="0" err="1">
+                <a:ln>
+                  <a:solidFill>
+                    <a:schemeClr val="tx1">
+                      <a:lumMod val="95000"/>
+                      <a:lumOff val="5000"/>
+                    </a:schemeClr>
+                  </a:solidFill>
+                </a:ln>
+                <a:solidFill>
+                  <a:schemeClr val="accent1"/>
+                </a:solidFill>
+                <a:effectLst/>
+              </a:rPr>
+              <a:t>KServe</a:t>
+            </a:r>
+            <a:endParaRPr lang="en-US" sz="3000" b="1" cap="none" spc="0" dirty="0">
+              <a:ln>
+                <a:solidFill>
+                  <a:schemeClr val="tx1">
+                    <a:lumMod val="95000"/>
+                    <a:lumOff val="5000"/>
+                  </a:schemeClr>
+                </a:solidFill>
+              </a:ln>
+              <a:solidFill>
+                <a:schemeClr val="accent1"/>
+              </a:solidFill>
+              <a:effectLst/>
+            </a:endParaRPr>
+          </a:p>
+        </p:txBody>
+      </p:sp>
+      <p:cxnSp>
+        <p:nvCxnSpPr>
+          <p:cNvPr id="5" name="Curved Connector 4">
+            <a:extLst>
+              <a:ext uri="{FF2B5EF4-FFF2-40B4-BE49-F238E27FC236}">
+                <a16:creationId xmlns:a16="http://schemas.microsoft.com/office/drawing/2014/main" id="{FDF218E5-6D40-94D0-D38E-C720C984577F}"/>
+              </a:ext>
+            </a:extLst>
+          </p:cNvPr>
+          <p:cNvCxnSpPr>
+            <a:stCxn id="3" idx="1"/>
+            <a:endCxn id="50" idx="3"/>
+          </p:cNvCxnSpPr>
+          <p:nvPr/>
+        </p:nvCxnSpPr>
+        <p:spPr>
+          <a:xfrm rot="10800000" flipV="1">
+            <a:off x="9078689" y="1951599"/>
+            <a:ext cx="533424" cy="236430"/>
+          </a:xfrm>
+          <a:prstGeom prst="curvedConnector3">
+            <a:avLst/>
+          </a:prstGeom>
+          <a:ln w="19050">
+            <a:tailEnd type="triangle"/>
+          </a:ln>
+        </p:spPr>
+        <p:style>
+          <a:lnRef idx="1">
+            <a:schemeClr val="accent1"/>
+          </a:lnRef>
+          <a:fillRef idx="0">
+            <a:schemeClr val="accent1"/>
+          </a:fillRef>
+          <a:effectRef idx="0">
+            <a:schemeClr val="accent1"/>
+          </a:effectRef>
+          <a:fontRef idx="minor">
+            <a:schemeClr val="tx1"/>
+          </a:fontRef>
+        </p:style>
+      </p:cxnSp>
+      <p:cxnSp>
+        <p:nvCxnSpPr>
+          <p:cNvPr id="6" name="Curved Connector 5">
+            <a:extLst>
+              <a:ext uri="{FF2B5EF4-FFF2-40B4-BE49-F238E27FC236}">
+                <a16:creationId xmlns:a16="http://schemas.microsoft.com/office/drawing/2014/main" id="{EFD36BF0-BA38-80EF-C003-D30E7DCB237C}"/>
+              </a:ext>
+            </a:extLst>
+          </p:cNvPr>
+          <p:cNvCxnSpPr>
+            <a:cxnSpLocks/>
+            <a:stCxn id="2" idx="0"/>
+            <a:endCxn id="46" idx="3"/>
+          </p:cNvCxnSpPr>
+          <p:nvPr/>
+        </p:nvCxnSpPr>
+        <p:spPr>
+          <a:xfrm rot="16200000" flipH="1" flipV="1">
+            <a:off x="9552440" y="3341711"/>
+            <a:ext cx="458990" cy="1653241"/>
+          </a:xfrm>
+          <a:prstGeom prst="curvedConnector4">
+            <a:avLst>
+              <a:gd name="adj1" fmla="val -49805"/>
+              <a:gd name="adj2" fmla="val 75777"/>
+            </a:avLst>
+          </a:prstGeom>
+          <a:ln w="19050">
+            <a:tailEnd type="triangle"/>
+          </a:ln>
+        </p:spPr>
+        <p:style>
+          <a:lnRef idx="1">
+            <a:schemeClr val="accent1"/>
+          </a:lnRef>
+          <a:fillRef idx="0">
+            <a:schemeClr val="accent1"/>
+          </a:fillRef>
+          <a:effectRef idx="0">
+            <a:schemeClr val="accent1"/>
+          </a:effectRef>
+          <a:fontRef idx="minor">
+            <a:schemeClr val="tx1"/>
+          </a:fontRef>
+        </p:style>
+      </p:cxnSp>
+      <p:cxnSp>
+        <p:nvCxnSpPr>
+          <p:cNvPr id="11" name="Curved Connector 10">
+            <a:extLst>
+              <a:ext uri="{FF2B5EF4-FFF2-40B4-BE49-F238E27FC236}">
+                <a16:creationId xmlns:a16="http://schemas.microsoft.com/office/drawing/2014/main" id="{B089656B-90C5-2946-E593-67832A9DB8FC}"/>
+              </a:ext>
+            </a:extLst>
+          </p:cNvPr>
+          <p:cNvCxnSpPr>
+            <a:cxnSpLocks/>
+            <a:stCxn id="2" idx="0"/>
+            <a:endCxn id="3" idx="2"/>
+          </p:cNvCxnSpPr>
+          <p:nvPr/>
+        </p:nvCxnSpPr>
+        <p:spPr>
+          <a:xfrm rot="16200000" flipV="1">
+            <a:off x="9575143" y="2905424"/>
+            <a:ext cx="1710239" cy="356587"/>
+          </a:xfrm>
+          <a:prstGeom prst="curvedConnector3">
+            <a:avLst>
+              <a:gd name="adj1" fmla="val 50000"/>
+            </a:avLst>
+          </a:prstGeom>
+          <a:ln w="19050">
+            <a:prstDash val="dash"/>
+            <a:tailEnd type="triangle"/>
+          </a:ln>
+        </p:spPr>
+        <p:style>
+          <a:lnRef idx="1">
+            <a:schemeClr val="accent1"/>
+          </a:lnRef>
+          <a:fillRef idx="0">
+            <a:schemeClr val="accent1"/>
+          </a:fillRef>
+          <a:effectRef idx="0">
+            <a:schemeClr val="accent1"/>
+          </a:effectRef>
+          <a:fontRef idx="minor">
+            <a:schemeClr val="tx1"/>
+          </a:fontRef>
+        </p:style>
+      </p:cxnSp>
+      <p:sp>
+        <p:nvSpPr>
+          <p:cNvPr id="19" name="TextBox 18">
+            <a:extLst>
+              <a:ext uri="{FF2B5EF4-FFF2-40B4-BE49-F238E27FC236}">
+                <a16:creationId xmlns:a16="http://schemas.microsoft.com/office/drawing/2014/main" id="{D72F600E-A87E-2B6F-BEDD-B5FC47FE712C}"/>
+              </a:ext>
+            </a:extLst>
+          </p:cNvPr>
+          <p:cNvSpPr txBox="1"/>
+          <p:nvPr/>
+        </p:nvSpPr>
+        <p:spPr>
+          <a:xfrm>
+            <a:off x="10251967" y="2318657"/>
+            <a:ext cx="1419993" cy="400110"/>
+          </a:xfrm>
+          <a:prstGeom prst="rect">
+            <a:avLst/>
+          </a:prstGeom>
+          <a:noFill/>
+        </p:spPr>
+        <p:txBody>
+          <a:bodyPr wrap="square" rtlCol="0">
+            <a:spAutoFit/>
+          </a:bodyPr>
+          <a:lstStyle/>
+          <a:p>
+            <a:r>
+              <a:rPr lang="en-US" sz="1000" dirty="0">
+                <a:solidFill>
+                  <a:schemeClr val="accent1"/>
+                </a:solidFill>
+              </a:rPr>
+              <a:t>Kubeflow includes </a:t>
+            </a:r>
+            <a:r>
+              <a:rPr lang="en-US" sz="1000" dirty="0" err="1">
+                <a:solidFill>
+                  <a:schemeClr val="accent1"/>
+                </a:solidFill>
+              </a:rPr>
+              <a:t>KServe</a:t>
+            </a:r>
+            <a:r>
+              <a:rPr lang="en-US" sz="1000" dirty="0">
+                <a:solidFill>
+                  <a:schemeClr val="accent1"/>
+                </a:solidFill>
+              </a:rPr>
+              <a:t> </a:t>
+            </a:r>
+          </a:p>
+        </p:txBody>
+      </p:sp>
+      <p:sp>
+        <p:nvSpPr>
+          <p:cNvPr id="20" name="Rectangle 19">
+            <a:extLst>
+              <a:ext uri="{FF2B5EF4-FFF2-40B4-BE49-F238E27FC236}">
+                <a16:creationId xmlns:a16="http://schemas.microsoft.com/office/drawing/2014/main" id="{026EBF05-D0C4-1790-7734-AF5E927ACFB1}"/>
+              </a:ext>
+            </a:extLst>
+          </p:cNvPr>
+          <p:cNvSpPr>
+            <a:spLocks noChangeAspect="1"/>
+          </p:cNvSpPr>
+          <p:nvPr/>
+        </p:nvSpPr>
+        <p:spPr>
+          <a:xfrm>
+            <a:off x="2867910" y="339841"/>
+            <a:ext cx="1434239" cy="553998"/>
+          </a:xfrm>
+          <a:prstGeom prst="rect">
+            <a:avLst/>
+          </a:prstGeom>
+          <a:noFill/>
+        </p:spPr>
+        <p:txBody>
+          <a:bodyPr wrap="none" lIns="91440" tIns="45720" rIns="91440" bIns="45720">
+            <a:spAutoFit/>
+            <a:scene3d>
+              <a:camera prst="orthographicFront"/>
+              <a:lightRig rig="soft" dir="t">
+                <a:rot lat="0" lon="0" rev="15600000"/>
+              </a:lightRig>
+            </a:scene3d>
+            <a:sp3d extrusionH="57150" prstMaterial="softEdge">
+              <a:bevelT w="25400" h="38100"/>
+            </a:sp3d>
+          </a:bodyPr>
+          <a:lstStyle/>
+          <a:p>
+            <a:pPr algn="ctr"/>
+            <a:r>
+              <a:rPr lang="en-US" sz="3000" b="1" cap="none" spc="0" dirty="0" err="1">
+                <a:ln>
+                  <a:solidFill>
+                    <a:schemeClr val="tx1">
+                      <a:lumMod val="95000"/>
+                      <a:lumOff val="5000"/>
+                    </a:schemeClr>
+                  </a:solidFill>
+                </a:ln>
+                <a:solidFill>
+                  <a:schemeClr val="accent1"/>
+                </a:solidFill>
+                <a:effectLst/>
+              </a:rPr>
+              <a:t>KNative</a:t>
+            </a:r>
+            <a:endParaRPr lang="en-US" sz="3000" b="1" cap="none" spc="0" dirty="0">
+              <a:ln>
+                <a:solidFill>
+                  <a:schemeClr val="tx1">
+                    <a:lumMod val="95000"/>
+                    <a:lumOff val="5000"/>
+                  </a:schemeClr>
+                </a:solidFill>
+              </a:ln>
+              <a:solidFill>
+                <a:schemeClr val="accent1"/>
+              </a:solidFill>
+              <a:effectLst/>
+            </a:endParaRPr>
+          </a:p>
+        </p:txBody>
+      </p:sp>
+      <p:cxnSp>
+        <p:nvCxnSpPr>
+          <p:cNvPr id="22" name="Curved Connector 21">
+            <a:extLst>
+              <a:ext uri="{FF2B5EF4-FFF2-40B4-BE49-F238E27FC236}">
+                <a16:creationId xmlns:a16="http://schemas.microsoft.com/office/drawing/2014/main" id="{33C33694-338D-4473-5A20-8990E6A8943E}"/>
+              </a:ext>
+            </a:extLst>
+          </p:cNvPr>
+          <p:cNvCxnSpPr>
+            <a:stCxn id="20" idx="2"/>
+            <a:endCxn id="51" idx="0"/>
+          </p:cNvCxnSpPr>
+          <p:nvPr/>
+        </p:nvCxnSpPr>
+        <p:spPr>
+          <a:xfrm rot="16200000" flipH="1">
+            <a:off x="3632807" y="846062"/>
+            <a:ext cx="543075" cy="638628"/>
+          </a:xfrm>
+          <a:prstGeom prst="curvedConnector3">
+            <a:avLst/>
+          </a:prstGeom>
+          <a:ln w="19050">
+            <a:tailEnd type="triangle"/>
+          </a:ln>
+        </p:spPr>
+        <p:style>
+          <a:lnRef idx="1">
+            <a:schemeClr val="accent1"/>
+          </a:lnRef>
+          <a:fillRef idx="0">
+            <a:schemeClr val="accent1"/>
+          </a:fillRef>
+          <a:effectRef idx="0">
+            <a:schemeClr val="accent1"/>
+          </a:effectRef>
+          <a:fontRef idx="minor">
+            <a:schemeClr val="tx1"/>
+          </a:fontRef>
+        </p:style>
+      </p:cxnSp>
+      <p:sp>
+        <p:nvSpPr>
+          <p:cNvPr id="25" name="Rectangle 24">
+            <a:extLst>
+              <a:ext uri="{FF2B5EF4-FFF2-40B4-BE49-F238E27FC236}">
+                <a16:creationId xmlns:a16="http://schemas.microsoft.com/office/drawing/2014/main" id="{5F4D4B81-F78A-C6C4-9530-6893C0DBD9B8}"/>
+              </a:ext>
+            </a:extLst>
+          </p:cNvPr>
+          <p:cNvSpPr>
+            <a:spLocks noChangeAspect="1"/>
+          </p:cNvSpPr>
+          <p:nvPr/>
+        </p:nvSpPr>
+        <p:spPr>
+          <a:xfrm>
+            <a:off x="3343092" y="5873425"/>
+            <a:ext cx="1580882" cy="553998"/>
+          </a:xfrm>
+          <a:prstGeom prst="rect">
+            <a:avLst/>
+          </a:prstGeom>
+          <a:noFill/>
+        </p:spPr>
+        <p:txBody>
+          <a:bodyPr wrap="none" lIns="91440" tIns="45720" rIns="91440" bIns="45720">
+            <a:spAutoFit/>
+            <a:scene3d>
+              <a:camera prst="orthographicFront"/>
+              <a:lightRig rig="soft" dir="t">
+                <a:rot lat="0" lon="0" rev="15600000"/>
+              </a:lightRig>
+            </a:scene3d>
+            <a:sp3d extrusionH="57150" prstMaterial="softEdge">
+              <a:bevelT w="25400" h="38100"/>
+            </a:sp3d>
+          </a:bodyPr>
+          <a:lstStyle/>
+          <a:p>
+            <a:pPr algn="ctr"/>
+            <a:r>
+              <a:rPr lang="en-US" sz="3000" b="1" cap="none" spc="0" dirty="0">
+                <a:ln>
+                  <a:solidFill>
+                    <a:schemeClr val="tx1">
+                      <a:lumMod val="95000"/>
+                      <a:lumOff val="5000"/>
+                    </a:schemeClr>
+                  </a:solidFill>
+                </a:ln>
+                <a:solidFill>
+                  <a:schemeClr val="accent1"/>
+                </a:solidFill>
+                <a:effectLst/>
+              </a:rPr>
+              <a:t>IBM DB2</a:t>
+            </a:r>
+          </a:p>
+        </p:txBody>
+      </p:sp>
+      <p:cxnSp>
+        <p:nvCxnSpPr>
+          <p:cNvPr id="26" name="Straight Arrow Connector 62">
+            <a:extLst>
+              <a:ext uri="{FF2B5EF4-FFF2-40B4-BE49-F238E27FC236}">
+                <a16:creationId xmlns:a16="http://schemas.microsoft.com/office/drawing/2014/main" id="{09DB3ABA-5648-C28F-B6A3-E488C4128235}"/>
+              </a:ext>
+            </a:extLst>
+          </p:cNvPr>
+          <p:cNvCxnSpPr>
+            <a:stCxn id="25" idx="0"/>
+          </p:cNvCxnSpPr>
+          <p:nvPr/>
+        </p:nvCxnSpPr>
+        <p:spPr>
+          <a:xfrm rot="5400000" flipH="1" flipV="1">
+            <a:off x="3888019" y="5506943"/>
+            <a:ext cx="611997" cy="120969"/>
+          </a:xfrm>
+          <a:prstGeom prst="curvedConnector3">
+            <a:avLst>
+              <a:gd name="adj1" fmla="val 34908"/>
+            </a:avLst>
+          </a:prstGeom>
+          <a:ln w="19050">
+            <a:tailEnd type="triangle"/>
+          </a:ln>
+        </p:spPr>
+        <p:style>
+          <a:lnRef idx="1">
+            <a:schemeClr val="accent1"/>
+          </a:lnRef>
+          <a:fillRef idx="0">
+            <a:schemeClr val="accent1"/>
+          </a:fillRef>
+          <a:effectRef idx="0">
+            <a:schemeClr val="accent1"/>
+          </a:effectRef>
+          <a:fontRef idx="minor">
+            <a:schemeClr val="tx1"/>
+          </a:fontRef>
+        </p:style>
+      </p:cxnSp>
+    </p:spTree>
+    <p:extLst>
+      <p:ext uri="{BB962C8B-B14F-4D97-AF65-F5344CB8AC3E}">
+        <p14:creationId xmlns:p14="http://schemas.microsoft.com/office/powerpoint/2010/main" val="2633872776"/>
+      </p:ext>
+    </p:extLst>
+  </p:cSld>
+  <p:clrMapOvr>
+    <a:masterClrMapping/>
+  </p:clrMapOvr>
+</p:sld>
+</file>
+
+<file path=ppt/slides/slide6.xml><?xml version="1.0" encoding="utf-8"?>
+<p:sld xmlns:a="http://schemas.openxmlformats.org/drawingml/2006/main" xmlns:r="http://schemas.openxmlformats.org/officeDocument/2006/relationships" xmlns:p="http://schemas.openxmlformats.org/presentationml/2006/main">
+  <p:cSld>
+    <p:spTree>
+      <p:nvGrpSpPr>
+        <p:cNvPr id="1" name=""/>
+        <p:cNvGrpSpPr/>
+        <p:nvPr/>
+      </p:nvGrpSpPr>
+      <p:grpSpPr>
+        <a:xfrm>
+          <a:off x="0" y="0"/>
+          <a:ext cx="0" cy="0"/>
+          <a:chOff x="0" y="0"/>
+          <a:chExt cx="0" cy="0"/>
+        </a:xfrm>
+      </p:grpSpPr>
+      <p:sp>
+        <p:nvSpPr>
+          <p:cNvPr id="4" name="Rectangle 3">
+            <a:extLst>
+              <a:ext uri="{FF2B5EF4-FFF2-40B4-BE49-F238E27FC236}">
+                <a16:creationId xmlns:a16="http://schemas.microsoft.com/office/drawing/2014/main" id="{29E23DF1-3638-FEB7-4CF2-024F4EF7D817}"/>
+              </a:ext>
+            </a:extLst>
+          </p:cNvPr>
+          <p:cNvSpPr/>
+          <p:nvPr/>
+        </p:nvSpPr>
+        <p:spPr>
+          <a:xfrm>
+            <a:off x="3477087" y="741370"/>
+            <a:ext cx="5838201" cy="923330"/>
+          </a:xfrm>
+          <a:prstGeom prst="rect">
+            <a:avLst/>
+          </a:prstGeom>
+          <a:noFill/>
+        </p:spPr>
+        <p:txBody>
+          <a:bodyPr wrap="none" lIns="91440" tIns="45720" rIns="91440" bIns="45720">
+            <a:spAutoFit/>
+          </a:bodyPr>
+          <a:lstStyle/>
+          <a:p>
+            <a:pPr algn="ctr"/>
+            <a:r>
+              <a:rPr lang="en-US" sz="5400" dirty="0">
+                <a:ln w="0"/>
+                <a:solidFill>
+                  <a:schemeClr val="accent1"/>
+                </a:solidFill>
+                <a:effectLst>
+                  <a:outerShdw blurRad="38100" dist="25400" dir="5400000" algn="ctr" rotWithShape="0">
+                    <a:srgbClr val="6E747A">
+                      <a:alpha val="43000"/>
+                    </a:srgbClr>
+                  </a:outerShdw>
+                </a:effectLst>
+              </a:rPr>
+              <a:t>IBM Power Systems</a:t>
+            </a:r>
+          </a:p>
+        </p:txBody>
+      </p:sp>
+      <p:sp>
+        <p:nvSpPr>
+          <p:cNvPr id="5" name="Rectangle 4">
+            <a:extLst>
+              <a:ext uri="{FF2B5EF4-FFF2-40B4-BE49-F238E27FC236}">
+                <a16:creationId xmlns:a16="http://schemas.microsoft.com/office/drawing/2014/main" id="{11E2563A-D867-6954-2184-CF34CA6E87B3}"/>
+              </a:ext>
+            </a:extLst>
+          </p:cNvPr>
+          <p:cNvSpPr/>
+          <p:nvPr/>
+        </p:nvSpPr>
+        <p:spPr>
+          <a:xfrm>
+            <a:off x="4155068" y="1845115"/>
+            <a:ext cx="4131259" cy="923330"/>
+          </a:xfrm>
+          <a:prstGeom prst="rect">
+            <a:avLst/>
+          </a:prstGeom>
+          <a:noFill/>
+        </p:spPr>
+        <p:txBody>
+          <a:bodyPr wrap="none" lIns="91440" tIns="45720" rIns="91440" bIns="45720">
+            <a:spAutoFit/>
+          </a:bodyPr>
+          <a:lstStyle/>
+          <a:p>
+            <a:pPr algn="ctr"/>
+            <a:r>
+              <a:rPr lang="en-US" sz="5400" dirty="0">
+                <a:ln w="0"/>
+                <a:solidFill>
+                  <a:schemeClr val="accent1"/>
+                </a:solidFill>
+                <a:effectLst>
+                  <a:outerShdw blurRad="38100" dist="25400" dir="5400000" algn="ctr" rotWithShape="0">
+                    <a:srgbClr val="6E747A">
+                      <a:alpha val="43000"/>
+                    </a:srgbClr>
+                  </a:outerShdw>
+                </a:effectLst>
+              </a:rPr>
+              <a:t>Explainable AI</a:t>
+            </a:r>
+          </a:p>
+        </p:txBody>
+      </p:sp>
+      <p:sp>
+        <p:nvSpPr>
+          <p:cNvPr id="6" name="Rectangle 5">
+            <a:extLst>
+              <a:ext uri="{FF2B5EF4-FFF2-40B4-BE49-F238E27FC236}">
+                <a16:creationId xmlns:a16="http://schemas.microsoft.com/office/drawing/2014/main" id="{27F1F5BE-A7ED-3524-5647-F0F343F2503B}"/>
+              </a:ext>
+            </a:extLst>
+          </p:cNvPr>
+          <p:cNvSpPr/>
+          <p:nvPr/>
+        </p:nvSpPr>
+        <p:spPr>
+          <a:xfrm>
+            <a:off x="4145125" y="3166226"/>
+            <a:ext cx="4308167" cy="923330"/>
+          </a:xfrm>
+          <a:prstGeom prst="rect">
+            <a:avLst/>
+          </a:prstGeom>
+          <a:noFill/>
+        </p:spPr>
+        <p:txBody>
+          <a:bodyPr wrap="none" lIns="91440" tIns="45720" rIns="91440" bIns="45720">
+            <a:spAutoFit/>
+          </a:bodyPr>
+          <a:lstStyle/>
+          <a:p>
+            <a:pPr algn="ctr"/>
+            <a:r>
+              <a:rPr lang="en-US" sz="5400" dirty="0">
+                <a:ln w="0"/>
+                <a:solidFill>
+                  <a:schemeClr val="accent1"/>
+                </a:solidFill>
+                <a:effectLst>
+                  <a:outerShdw blurRad="38100" dist="25400" dir="5400000" algn="ctr" rotWithShape="0">
+                    <a:srgbClr val="6E747A">
+                      <a:alpha val="43000"/>
+                    </a:srgbClr>
+                  </a:outerShdw>
+                </a:effectLst>
+              </a:rPr>
+              <a:t>Trustworthy AI</a:t>
+            </a:r>
+          </a:p>
+        </p:txBody>
+      </p:sp>
+      <p:sp>
+        <p:nvSpPr>
+          <p:cNvPr id="7" name="Rectangle 6">
+            <a:extLst>
+              <a:ext uri="{FF2B5EF4-FFF2-40B4-BE49-F238E27FC236}">
+                <a16:creationId xmlns:a16="http://schemas.microsoft.com/office/drawing/2014/main" id="{36D8545A-9A67-4CE9-F8C9-79F6DC8B588B}"/>
+              </a:ext>
+            </a:extLst>
+          </p:cNvPr>
+          <p:cNvSpPr/>
+          <p:nvPr/>
+        </p:nvSpPr>
+        <p:spPr>
+          <a:xfrm>
+            <a:off x="4339926" y="4667752"/>
+            <a:ext cx="3946401" cy="923330"/>
+          </a:xfrm>
+          <a:prstGeom prst="rect">
+            <a:avLst/>
+          </a:prstGeom>
+          <a:noFill/>
+        </p:spPr>
+        <p:txBody>
+          <a:bodyPr wrap="none" lIns="91440" tIns="45720" rIns="91440" bIns="45720">
+            <a:spAutoFit/>
+          </a:bodyPr>
+          <a:lstStyle/>
+          <a:p>
+            <a:pPr algn="ctr"/>
+            <a:r>
+              <a:rPr lang="en-US" sz="5400" dirty="0">
+                <a:ln w="0"/>
+                <a:solidFill>
+                  <a:schemeClr val="accent1"/>
+                </a:solidFill>
+                <a:effectLst>
+                  <a:outerShdw blurRad="38100" dist="25400" dir="5400000" algn="ctr" rotWithShape="0">
+                    <a:srgbClr val="6E747A">
+                      <a:alpha val="43000"/>
+                    </a:srgbClr>
+                  </a:outerShdw>
+                </a:effectLst>
+              </a:rPr>
+              <a:t>Open Source </a:t>
+            </a:r>
+          </a:p>
+        </p:txBody>
+      </p:sp>
+    </p:spTree>
+    <p:extLst>
+      <p:ext uri="{BB962C8B-B14F-4D97-AF65-F5344CB8AC3E}">
+        <p14:creationId xmlns:p14="http://schemas.microsoft.com/office/powerpoint/2010/main" val="1620157836"/>
       </p:ext>
     </p:extLst>
   </p:cSld>

--- a/explain/container_image/application/static/AI.pptx
+++ b/explain/container_image/application/static/AI.pptx
@@ -11,6 +11,9 @@
     <p:sldId id="258" r:id="rId5"/>
     <p:sldId id="259" r:id="rId6"/>
     <p:sldId id="261" r:id="rId7"/>
+    <p:sldId id="262" r:id="rId8"/>
+    <p:sldId id="263" r:id="rId9"/>
+    <p:sldId id="264" r:id="rId10"/>
   </p:sldIdLst>
   <p:sldSz cx="12192000" cy="6858000"/>
   <p:notesSz cx="6858000" cy="9144000"/>
@@ -14388,7 +14391,7 @@
         </p:nvSpPr>
         <p:spPr>
           <a:xfrm>
-            <a:off x="4339926" y="4667752"/>
+            <a:off x="4247496" y="4487337"/>
             <a:ext cx="3946401" cy="923330"/>
           </a:xfrm>
           <a:prstGeom prst="rect">
@@ -14426,6 +14429,6956 @@
     <p:extLst>
       <p:ext uri="{BB962C8B-B14F-4D97-AF65-F5344CB8AC3E}">
         <p14:creationId xmlns:p14="http://schemas.microsoft.com/office/powerpoint/2010/main" val="1620157836"/>
+      </p:ext>
+    </p:extLst>
+  </p:cSld>
+  <p:clrMapOvr>
+    <a:masterClrMapping/>
+  </p:clrMapOvr>
+</p:sld>
+</file>
+
+<file path=ppt/slides/slide7.xml><?xml version="1.0" encoding="utf-8"?>
+<p:sld xmlns:a="http://schemas.openxmlformats.org/drawingml/2006/main" xmlns:r="http://schemas.openxmlformats.org/officeDocument/2006/relationships" xmlns:p="http://schemas.openxmlformats.org/presentationml/2006/main">
+  <p:cSld>
+    <p:spTree>
+      <p:nvGrpSpPr>
+        <p:cNvPr id="1" name=""/>
+        <p:cNvGrpSpPr/>
+        <p:nvPr/>
+      </p:nvGrpSpPr>
+      <p:grpSpPr>
+        <a:xfrm>
+          <a:off x="0" y="0"/>
+          <a:ext cx="0" cy="0"/>
+          <a:chOff x="0" y="0"/>
+          <a:chExt cx="0" cy="0"/>
+        </a:xfrm>
+      </p:grpSpPr>
+      <p:sp>
+        <p:nvSpPr>
+          <p:cNvPr id="4" name="Rectangle 3">
+            <a:extLst>
+              <a:ext uri="{FF2B5EF4-FFF2-40B4-BE49-F238E27FC236}">
+                <a16:creationId xmlns:a16="http://schemas.microsoft.com/office/drawing/2014/main" id="{43410944-954D-912C-DF28-E67FEAE9A9E8}"/>
+              </a:ext>
+            </a:extLst>
+          </p:cNvPr>
+          <p:cNvSpPr/>
+          <p:nvPr/>
+        </p:nvSpPr>
+        <p:spPr>
+          <a:xfrm>
+            <a:off x="544945" y="1352136"/>
+            <a:ext cx="11277600" cy="4189681"/>
+          </a:xfrm>
+          <a:custGeom>
+            <a:avLst/>
+            <a:gdLst>
+              <a:gd name="connsiteX0" fmla="*/ 0 w 11277600"/>
+              <a:gd name="connsiteY0" fmla="*/ 0 h 4189681"/>
+              <a:gd name="connsiteX1" fmla="*/ 663388 w 11277600"/>
+              <a:gd name="connsiteY1" fmla="*/ 0 h 4189681"/>
+              <a:gd name="connsiteX2" fmla="*/ 1214000 w 11277600"/>
+              <a:gd name="connsiteY2" fmla="*/ 0 h 4189681"/>
+              <a:gd name="connsiteX3" fmla="*/ 1990165 w 11277600"/>
+              <a:gd name="connsiteY3" fmla="*/ 0 h 4189681"/>
+              <a:gd name="connsiteX4" fmla="*/ 2879105 w 11277600"/>
+              <a:gd name="connsiteY4" fmla="*/ 0 h 4189681"/>
+              <a:gd name="connsiteX5" fmla="*/ 3542493 w 11277600"/>
+              <a:gd name="connsiteY5" fmla="*/ 0 h 4189681"/>
+              <a:gd name="connsiteX6" fmla="*/ 4318657 w 11277600"/>
+              <a:gd name="connsiteY6" fmla="*/ 0 h 4189681"/>
+              <a:gd name="connsiteX7" fmla="*/ 4643718 w 11277600"/>
+              <a:gd name="connsiteY7" fmla="*/ 0 h 4189681"/>
+              <a:gd name="connsiteX8" fmla="*/ 4968778 w 11277600"/>
+              <a:gd name="connsiteY8" fmla="*/ 0 h 4189681"/>
+              <a:gd name="connsiteX9" fmla="*/ 5632166 w 11277600"/>
+              <a:gd name="connsiteY9" fmla="*/ 0 h 4189681"/>
+              <a:gd name="connsiteX10" fmla="*/ 6182778 w 11277600"/>
+              <a:gd name="connsiteY10" fmla="*/ 0 h 4189681"/>
+              <a:gd name="connsiteX11" fmla="*/ 6846167 w 11277600"/>
+              <a:gd name="connsiteY11" fmla="*/ 0 h 4189681"/>
+              <a:gd name="connsiteX12" fmla="*/ 7284003 w 11277600"/>
+              <a:gd name="connsiteY12" fmla="*/ 0 h 4189681"/>
+              <a:gd name="connsiteX13" fmla="*/ 8172943 w 11277600"/>
+              <a:gd name="connsiteY13" fmla="*/ 0 h 4189681"/>
+              <a:gd name="connsiteX14" fmla="*/ 8836331 w 11277600"/>
+              <a:gd name="connsiteY14" fmla="*/ 0 h 4189681"/>
+              <a:gd name="connsiteX15" fmla="*/ 9161392 w 11277600"/>
+              <a:gd name="connsiteY15" fmla="*/ 0 h 4189681"/>
+              <a:gd name="connsiteX16" fmla="*/ 9937556 w 11277600"/>
+              <a:gd name="connsiteY16" fmla="*/ 0 h 4189681"/>
+              <a:gd name="connsiteX17" fmla="*/ 10600944 w 11277600"/>
+              <a:gd name="connsiteY17" fmla="*/ 0 h 4189681"/>
+              <a:gd name="connsiteX18" fmla="*/ 11277600 w 11277600"/>
+              <a:gd name="connsiteY18" fmla="*/ 0 h 4189681"/>
+              <a:gd name="connsiteX19" fmla="*/ 11277600 w 11277600"/>
+              <a:gd name="connsiteY19" fmla="*/ 614487 h 4189681"/>
+              <a:gd name="connsiteX20" fmla="*/ 11277600 w 11277600"/>
+              <a:gd name="connsiteY20" fmla="*/ 1270870 h 4189681"/>
+              <a:gd name="connsiteX21" fmla="*/ 11277600 w 11277600"/>
+              <a:gd name="connsiteY21" fmla="*/ 1843460 h 4189681"/>
+              <a:gd name="connsiteX22" fmla="*/ 11277600 w 11277600"/>
+              <a:gd name="connsiteY22" fmla="*/ 2416049 h 4189681"/>
+              <a:gd name="connsiteX23" fmla="*/ 11277600 w 11277600"/>
+              <a:gd name="connsiteY23" fmla="*/ 3198123 h 4189681"/>
+              <a:gd name="connsiteX24" fmla="*/ 11277600 w 11277600"/>
+              <a:gd name="connsiteY24" fmla="*/ 4189681 h 4189681"/>
+              <a:gd name="connsiteX25" fmla="*/ 10614212 w 11277600"/>
+              <a:gd name="connsiteY25" fmla="*/ 4189681 h 4189681"/>
+              <a:gd name="connsiteX26" fmla="*/ 9725272 w 11277600"/>
+              <a:gd name="connsiteY26" fmla="*/ 4189681 h 4189681"/>
+              <a:gd name="connsiteX27" fmla="*/ 8836331 w 11277600"/>
+              <a:gd name="connsiteY27" fmla="*/ 4189681 h 4189681"/>
+              <a:gd name="connsiteX28" fmla="*/ 8060167 w 11277600"/>
+              <a:gd name="connsiteY28" fmla="*/ 4189681 h 4189681"/>
+              <a:gd name="connsiteX29" fmla="*/ 7509555 w 11277600"/>
+              <a:gd name="connsiteY29" fmla="*/ 4189681 h 4189681"/>
+              <a:gd name="connsiteX30" fmla="*/ 6733391 w 11277600"/>
+              <a:gd name="connsiteY30" fmla="*/ 4189681 h 4189681"/>
+              <a:gd name="connsiteX31" fmla="*/ 5844450 w 11277600"/>
+              <a:gd name="connsiteY31" fmla="*/ 4189681 h 4189681"/>
+              <a:gd name="connsiteX32" fmla="*/ 5406614 w 11277600"/>
+              <a:gd name="connsiteY32" fmla="*/ 4189681 h 4189681"/>
+              <a:gd name="connsiteX33" fmla="*/ 5081554 w 11277600"/>
+              <a:gd name="connsiteY33" fmla="*/ 4189681 h 4189681"/>
+              <a:gd name="connsiteX34" fmla="*/ 4418166 w 11277600"/>
+              <a:gd name="connsiteY34" fmla="*/ 4189681 h 4189681"/>
+              <a:gd name="connsiteX35" fmla="*/ 4093105 w 11277600"/>
+              <a:gd name="connsiteY35" fmla="*/ 4189681 h 4189681"/>
+              <a:gd name="connsiteX36" fmla="*/ 3316941 w 11277600"/>
+              <a:gd name="connsiteY36" fmla="*/ 4189681 h 4189681"/>
+              <a:gd name="connsiteX37" fmla="*/ 2428001 w 11277600"/>
+              <a:gd name="connsiteY37" fmla="*/ 4189681 h 4189681"/>
+              <a:gd name="connsiteX38" fmla="*/ 1990165 w 11277600"/>
+              <a:gd name="connsiteY38" fmla="*/ 4189681 h 4189681"/>
+              <a:gd name="connsiteX39" fmla="*/ 1439552 w 11277600"/>
+              <a:gd name="connsiteY39" fmla="*/ 4189681 h 4189681"/>
+              <a:gd name="connsiteX40" fmla="*/ 663388 w 11277600"/>
+              <a:gd name="connsiteY40" fmla="*/ 4189681 h 4189681"/>
+              <a:gd name="connsiteX41" fmla="*/ 0 w 11277600"/>
+              <a:gd name="connsiteY41" fmla="*/ 4189681 h 4189681"/>
+              <a:gd name="connsiteX42" fmla="*/ 0 w 11277600"/>
+              <a:gd name="connsiteY42" fmla="*/ 3491401 h 4189681"/>
+              <a:gd name="connsiteX43" fmla="*/ 0 w 11277600"/>
+              <a:gd name="connsiteY43" fmla="*/ 2918811 h 4189681"/>
+              <a:gd name="connsiteX44" fmla="*/ 0 w 11277600"/>
+              <a:gd name="connsiteY44" fmla="*/ 2262428 h 4189681"/>
+              <a:gd name="connsiteX45" fmla="*/ 0 w 11277600"/>
+              <a:gd name="connsiteY45" fmla="*/ 1606044 h 4189681"/>
+              <a:gd name="connsiteX46" fmla="*/ 0 w 11277600"/>
+              <a:gd name="connsiteY46" fmla="*/ 1033455 h 4189681"/>
+              <a:gd name="connsiteX47" fmla="*/ 0 w 11277600"/>
+              <a:gd name="connsiteY47" fmla="*/ 0 h 4189681"/>
+            </a:gdLst>
+            <a:ahLst/>
+            <a:cxnLst>
+              <a:cxn ang="0">
+                <a:pos x="connsiteX0" y="connsiteY0"/>
+              </a:cxn>
+              <a:cxn ang="0">
+                <a:pos x="connsiteX1" y="connsiteY1"/>
+              </a:cxn>
+              <a:cxn ang="0">
+                <a:pos x="connsiteX2" y="connsiteY2"/>
+              </a:cxn>
+              <a:cxn ang="0">
+                <a:pos x="connsiteX3" y="connsiteY3"/>
+              </a:cxn>
+              <a:cxn ang="0">
+                <a:pos x="connsiteX4" y="connsiteY4"/>
+              </a:cxn>
+              <a:cxn ang="0">
+                <a:pos x="connsiteX5" y="connsiteY5"/>
+              </a:cxn>
+              <a:cxn ang="0">
+                <a:pos x="connsiteX6" y="connsiteY6"/>
+              </a:cxn>
+              <a:cxn ang="0">
+                <a:pos x="connsiteX7" y="connsiteY7"/>
+              </a:cxn>
+              <a:cxn ang="0">
+                <a:pos x="connsiteX8" y="connsiteY8"/>
+              </a:cxn>
+              <a:cxn ang="0">
+                <a:pos x="connsiteX9" y="connsiteY9"/>
+              </a:cxn>
+              <a:cxn ang="0">
+                <a:pos x="connsiteX10" y="connsiteY10"/>
+              </a:cxn>
+              <a:cxn ang="0">
+                <a:pos x="connsiteX11" y="connsiteY11"/>
+              </a:cxn>
+              <a:cxn ang="0">
+                <a:pos x="connsiteX12" y="connsiteY12"/>
+              </a:cxn>
+              <a:cxn ang="0">
+                <a:pos x="connsiteX13" y="connsiteY13"/>
+              </a:cxn>
+              <a:cxn ang="0">
+                <a:pos x="connsiteX14" y="connsiteY14"/>
+              </a:cxn>
+              <a:cxn ang="0">
+                <a:pos x="connsiteX15" y="connsiteY15"/>
+              </a:cxn>
+              <a:cxn ang="0">
+                <a:pos x="connsiteX16" y="connsiteY16"/>
+              </a:cxn>
+              <a:cxn ang="0">
+                <a:pos x="connsiteX17" y="connsiteY17"/>
+              </a:cxn>
+              <a:cxn ang="0">
+                <a:pos x="connsiteX18" y="connsiteY18"/>
+              </a:cxn>
+              <a:cxn ang="0">
+                <a:pos x="connsiteX19" y="connsiteY19"/>
+              </a:cxn>
+              <a:cxn ang="0">
+                <a:pos x="connsiteX20" y="connsiteY20"/>
+              </a:cxn>
+              <a:cxn ang="0">
+                <a:pos x="connsiteX21" y="connsiteY21"/>
+              </a:cxn>
+              <a:cxn ang="0">
+                <a:pos x="connsiteX22" y="connsiteY22"/>
+              </a:cxn>
+              <a:cxn ang="0">
+                <a:pos x="connsiteX23" y="connsiteY23"/>
+              </a:cxn>
+              <a:cxn ang="0">
+                <a:pos x="connsiteX24" y="connsiteY24"/>
+              </a:cxn>
+              <a:cxn ang="0">
+                <a:pos x="connsiteX25" y="connsiteY25"/>
+              </a:cxn>
+              <a:cxn ang="0">
+                <a:pos x="connsiteX26" y="connsiteY26"/>
+              </a:cxn>
+              <a:cxn ang="0">
+                <a:pos x="connsiteX27" y="connsiteY27"/>
+              </a:cxn>
+              <a:cxn ang="0">
+                <a:pos x="connsiteX28" y="connsiteY28"/>
+              </a:cxn>
+              <a:cxn ang="0">
+                <a:pos x="connsiteX29" y="connsiteY29"/>
+              </a:cxn>
+              <a:cxn ang="0">
+                <a:pos x="connsiteX30" y="connsiteY30"/>
+              </a:cxn>
+              <a:cxn ang="0">
+                <a:pos x="connsiteX31" y="connsiteY31"/>
+              </a:cxn>
+              <a:cxn ang="0">
+                <a:pos x="connsiteX32" y="connsiteY32"/>
+              </a:cxn>
+              <a:cxn ang="0">
+                <a:pos x="connsiteX33" y="connsiteY33"/>
+              </a:cxn>
+              <a:cxn ang="0">
+                <a:pos x="connsiteX34" y="connsiteY34"/>
+              </a:cxn>
+              <a:cxn ang="0">
+                <a:pos x="connsiteX35" y="connsiteY35"/>
+              </a:cxn>
+              <a:cxn ang="0">
+                <a:pos x="connsiteX36" y="connsiteY36"/>
+              </a:cxn>
+              <a:cxn ang="0">
+                <a:pos x="connsiteX37" y="connsiteY37"/>
+              </a:cxn>
+              <a:cxn ang="0">
+                <a:pos x="connsiteX38" y="connsiteY38"/>
+              </a:cxn>
+              <a:cxn ang="0">
+                <a:pos x="connsiteX39" y="connsiteY39"/>
+              </a:cxn>
+              <a:cxn ang="0">
+                <a:pos x="connsiteX40" y="connsiteY40"/>
+              </a:cxn>
+              <a:cxn ang="0">
+                <a:pos x="connsiteX41" y="connsiteY41"/>
+              </a:cxn>
+              <a:cxn ang="0">
+                <a:pos x="connsiteX42" y="connsiteY42"/>
+              </a:cxn>
+              <a:cxn ang="0">
+                <a:pos x="connsiteX43" y="connsiteY43"/>
+              </a:cxn>
+              <a:cxn ang="0">
+                <a:pos x="connsiteX44" y="connsiteY44"/>
+              </a:cxn>
+              <a:cxn ang="0">
+                <a:pos x="connsiteX45" y="connsiteY45"/>
+              </a:cxn>
+              <a:cxn ang="0">
+                <a:pos x="connsiteX46" y="connsiteY46"/>
+              </a:cxn>
+              <a:cxn ang="0">
+                <a:pos x="connsiteX47" y="connsiteY47"/>
+              </a:cxn>
+            </a:cxnLst>
+            <a:rect l="l" t="t" r="r" b="b"/>
+            <a:pathLst>
+              <a:path w="11277600" h="4189681" extrusionOk="0">
+                <a:moveTo>
+                  <a:pt x="0" y="0"/>
+                </a:moveTo>
+                <a:cubicBezTo>
+                  <a:pt x="328679" y="-27333"/>
+                  <a:pt x="495352" y="-22313"/>
+                  <a:pt x="663388" y="0"/>
+                </a:cubicBezTo>
+                <a:cubicBezTo>
+                  <a:pt x="831424" y="22313"/>
+                  <a:pt x="940770" y="-26346"/>
+                  <a:pt x="1214000" y="0"/>
+                </a:cubicBezTo>
+                <a:cubicBezTo>
+                  <a:pt x="1487230" y="26346"/>
+                  <a:pt x="1801968" y="-6324"/>
+                  <a:pt x="1990165" y="0"/>
+                </a:cubicBezTo>
+                <a:cubicBezTo>
+                  <a:pt x="2178362" y="6324"/>
+                  <a:pt x="2605125" y="-10509"/>
+                  <a:pt x="2879105" y="0"/>
+                </a:cubicBezTo>
+                <a:cubicBezTo>
+                  <a:pt x="3153085" y="10509"/>
+                  <a:pt x="3386057" y="23969"/>
+                  <a:pt x="3542493" y="0"/>
+                </a:cubicBezTo>
+                <a:cubicBezTo>
+                  <a:pt x="3698929" y="-23969"/>
+                  <a:pt x="4089882" y="34527"/>
+                  <a:pt x="4318657" y="0"/>
+                </a:cubicBezTo>
+                <a:cubicBezTo>
+                  <a:pt x="4547432" y="-34527"/>
+                  <a:pt x="4534554" y="-9685"/>
+                  <a:pt x="4643718" y="0"/>
+                </a:cubicBezTo>
+                <a:cubicBezTo>
+                  <a:pt x="4752882" y="9685"/>
+                  <a:pt x="4808447" y="2535"/>
+                  <a:pt x="4968778" y="0"/>
+                </a:cubicBezTo>
+                <a:cubicBezTo>
+                  <a:pt x="5129109" y="-2535"/>
+                  <a:pt x="5465222" y="11069"/>
+                  <a:pt x="5632166" y="0"/>
+                </a:cubicBezTo>
+                <a:cubicBezTo>
+                  <a:pt x="5799110" y="-11069"/>
+                  <a:pt x="5917428" y="-25724"/>
+                  <a:pt x="6182778" y="0"/>
+                </a:cubicBezTo>
+                <a:cubicBezTo>
+                  <a:pt x="6448128" y="25724"/>
+                  <a:pt x="6581233" y="-24918"/>
+                  <a:pt x="6846167" y="0"/>
+                </a:cubicBezTo>
+                <a:cubicBezTo>
+                  <a:pt x="7111101" y="24918"/>
+                  <a:pt x="7176899" y="928"/>
+                  <a:pt x="7284003" y="0"/>
+                </a:cubicBezTo>
+                <a:cubicBezTo>
+                  <a:pt x="7391107" y="-928"/>
+                  <a:pt x="7948744" y="-23399"/>
+                  <a:pt x="8172943" y="0"/>
+                </a:cubicBezTo>
+                <a:cubicBezTo>
+                  <a:pt x="8397142" y="23399"/>
+                  <a:pt x="8679017" y="4790"/>
+                  <a:pt x="8836331" y="0"/>
+                </a:cubicBezTo>
+                <a:cubicBezTo>
+                  <a:pt x="8993645" y="-4790"/>
+                  <a:pt x="9083882" y="5590"/>
+                  <a:pt x="9161392" y="0"/>
+                </a:cubicBezTo>
+                <a:cubicBezTo>
+                  <a:pt x="9238902" y="-5590"/>
+                  <a:pt x="9678568" y="2815"/>
+                  <a:pt x="9937556" y="0"/>
+                </a:cubicBezTo>
+                <a:cubicBezTo>
+                  <a:pt x="10196544" y="-2815"/>
+                  <a:pt x="10377932" y="4183"/>
+                  <a:pt x="10600944" y="0"/>
+                </a:cubicBezTo>
+                <a:cubicBezTo>
+                  <a:pt x="10823956" y="-4183"/>
+                  <a:pt x="10966781" y="27709"/>
+                  <a:pt x="11277600" y="0"/>
+                </a:cubicBezTo>
+                <a:cubicBezTo>
+                  <a:pt x="11275650" y="208280"/>
+                  <a:pt x="11263514" y="457828"/>
+                  <a:pt x="11277600" y="614487"/>
+                </a:cubicBezTo>
+                <a:cubicBezTo>
+                  <a:pt x="11291686" y="771146"/>
+                  <a:pt x="11305671" y="982950"/>
+                  <a:pt x="11277600" y="1270870"/>
+                </a:cubicBezTo>
+                <a:cubicBezTo>
+                  <a:pt x="11249529" y="1558790"/>
+                  <a:pt x="11275980" y="1728767"/>
+                  <a:pt x="11277600" y="1843460"/>
+                </a:cubicBezTo>
+                <a:cubicBezTo>
+                  <a:pt x="11279221" y="1958153"/>
+                  <a:pt x="11299973" y="2172441"/>
+                  <a:pt x="11277600" y="2416049"/>
+                </a:cubicBezTo>
+                <a:cubicBezTo>
+                  <a:pt x="11255227" y="2659657"/>
+                  <a:pt x="11301030" y="2807522"/>
+                  <a:pt x="11277600" y="3198123"/>
+                </a:cubicBezTo>
+                <a:cubicBezTo>
+                  <a:pt x="11254170" y="3588724"/>
+                  <a:pt x="11255488" y="3811670"/>
+                  <a:pt x="11277600" y="4189681"/>
+                </a:cubicBezTo>
+                <a:cubicBezTo>
+                  <a:pt x="11047253" y="4222235"/>
+                  <a:pt x="10765262" y="4202004"/>
+                  <a:pt x="10614212" y="4189681"/>
+                </a:cubicBezTo>
+                <a:cubicBezTo>
+                  <a:pt x="10463162" y="4177358"/>
+                  <a:pt x="10037216" y="4168965"/>
+                  <a:pt x="9725272" y="4189681"/>
+                </a:cubicBezTo>
+                <a:cubicBezTo>
+                  <a:pt x="9413328" y="4210397"/>
+                  <a:pt x="9256497" y="4203023"/>
+                  <a:pt x="8836331" y="4189681"/>
+                </a:cubicBezTo>
+                <a:cubicBezTo>
+                  <a:pt x="8416165" y="4176339"/>
+                  <a:pt x="8342376" y="4213147"/>
+                  <a:pt x="8060167" y="4189681"/>
+                </a:cubicBezTo>
+                <a:cubicBezTo>
+                  <a:pt x="7777958" y="4166215"/>
+                  <a:pt x="7718464" y="4213914"/>
+                  <a:pt x="7509555" y="4189681"/>
+                </a:cubicBezTo>
+                <a:cubicBezTo>
+                  <a:pt x="7300646" y="4165448"/>
+                  <a:pt x="6971438" y="4165813"/>
+                  <a:pt x="6733391" y="4189681"/>
+                </a:cubicBezTo>
+                <a:cubicBezTo>
+                  <a:pt x="6495344" y="4213549"/>
+                  <a:pt x="6141798" y="4226846"/>
+                  <a:pt x="5844450" y="4189681"/>
+                </a:cubicBezTo>
+                <a:cubicBezTo>
+                  <a:pt x="5547102" y="4152516"/>
+                  <a:pt x="5611093" y="4206184"/>
+                  <a:pt x="5406614" y="4189681"/>
+                </a:cubicBezTo>
+                <a:cubicBezTo>
+                  <a:pt x="5202135" y="4173178"/>
+                  <a:pt x="5237388" y="4201028"/>
+                  <a:pt x="5081554" y="4189681"/>
+                </a:cubicBezTo>
+                <a:cubicBezTo>
+                  <a:pt x="4925720" y="4178334"/>
+                  <a:pt x="4694681" y="4214197"/>
+                  <a:pt x="4418166" y="4189681"/>
+                </a:cubicBezTo>
+                <a:cubicBezTo>
+                  <a:pt x="4141651" y="4165165"/>
+                  <a:pt x="4206129" y="4179973"/>
+                  <a:pt x="4093105" y="4189681"/>
+                </a:cubicBezTo>
+                <a:cubicBezTo>
+                  <a:pt x="3980081" y="4199389"/>
+                  <a:pt x="3599751" y="4194397"/>
+                  <a:pt x="3316941" y="4189681"/>
+                </a:cubicBezTo>
+                <a:cubicBezTo>
+                  <a:pt x="3034131" y="4184965"/>
+                  <a:pt x="2649991" y="4225113"/>
+                  <a:pt x="2428001" y="4189681"/>
+                </a:cubicBezTo>
+                <a:cubicBezTo>
+                  <a:pt x="2206011" y="4154249"/>
+                  <a:pt x="2097058" y="4181335"/>
+                  <a:pt x="1990165" y="4189681"/>
+                </a:cubicBezTo>
+                <a:cubicBezTo>
+                  <a:pt x="1883272" y="4198027"/>
+                  <a:pt x="1560904" y="4169570"/>
+                  <a:pt x="1439552" y="4189681"/>
+                </a:cubicBezTo>
+                <a:cubicBezTo>
+                  <a:pt x="1318200" y="4209792"/>
+                  <a:pt x="828819" y="4181681"/>
+                  <a:pt x="663388" y="4189681"/>
+                </a:cubicBezTo>
+                <a:cubicBezTo>
+                  <a:pt x="497957" y="4197681"/>
+                  <a:pt x="194419" y="4181930"/>
+                  <a:pt x="0" y="4189681"/>
+                </a:cubicBezTo>
+                <a:cubicBezTo>
+                  <a:pt x="-32231" y="4004256"/>
+                  <a:pt x="-10646" y="3720273"/>
+                  <a:pt x="0" y="3491401"/>
+                </a:cubicBezTo>
+                <a:cubicBezTo>
+                  <a:pt x="10646" y="3262529"/>
+                  <a:pt x="11782" y="3036157"/>
+                  <a:pt x="0" y="2918811"/>
+                </a:cubicBezTo>
+                <a:cubicBezTo>
+                  <a:pt x="-11782" y="2801465"/>
+                  <a:pt x="15872" y="2503286"/>
+                  <a:pt x="0" y="2262428"/>
+                </a:cubicBezTo>
+                <a:cubicBezTo>
+                  <a:pt x="-15872" y="2021570"/>
+                  <a:pt x="30117" y="1835315"/>
+                  <a:pt x="0" y="1606044"/>
+                </a:cubicBezTo>
+                <a:cubicBezTo>
+                  <a:pt x="-30117" y="1376773"/>
+                  <a:pt x="-8357" y="1229684"/>
+                  <a:pt x="0" y="1033455"/>
+                </a:cubicBezTo>
+                <a:cubicBezTo>
+                  <a:pt x="8357" y="837226"/>
+                  <a:pt x="-33575" y="299148"/>
+                  <a:pt x="0" y="0"/>
+                </a:cubicBezTo>
+                <a:close/>
+              </a:path>
+            </a:pathLst>
+          </a:custGeom>
+          <a:noFill/>
+          <a:ln>
+            <a:extLst>
+              <a:ext uri="{C807C97D-BFC1-408E-A445-0C87EB9F89A2}">
+                <ask:lineSketchStyleProps xmlns:ask="http://schemas.microsoft.com/office/drawing/2018/sketchyshapes" sd="1617499634">
+                  <a:prstGeom prst="rect">
+                    <a:avLst/>
+                  </a:prstGeom>
+                  <ask:type>
+                    <ask:lineSketchFreehand/>
+                  </ask:type>
+                </ask:lineSketchStyleProps>
+              </a:ext>
+            </a:extLst>
+          </a:ln>
+        </p:spPr>
+        <p:style>
+          <a:lnRef idx="2">
+            <a:schemeClr val="accent1">
+              <a:shade val="15000"/>
+            </a:schemeClr>
+          </a:lnRef>
+          <a:fillRef idx="1">
+            <a:schemeClr val="accent1"/>
+          </a:fillRef>
+          <a:effectRef idx="0">
+            <a:schemeClr val="accent1"/>
+          </a:effectRef>
+          <a:fontRef idx="minor">
+            <a:schemeClr val="lt1"/>
+          </a:fontRef>
+        </p:style>
+        <p:txBody>
+          <a:bodyPr rtlCol="0" anchor="t" anchorCtr="0"/>
+          <a:lstStyle/>
+          <a:p>
+            <a:pPr algn="ctr"/>
+            <a:r>
+              <a:rPr lang="en-US" dirty="0">
+                <a:solidFill>
+                  <a:schemeClr val="accent1">
+                    <a:lumMod val="75000"/>
+                  </a:schemeClr>
+                </a:solidFill>
+              </a:rPr>
+              <a:t>Train/Eval/Deploy Pipeline (Kubeflow)</a:t>
+            </a:r>
+          </a:p>
+        </p:txBody>
+      </p:sp>
+      <p:sp>
+        <p:nvSpPr>
+          <p:cNvPr id="5" name="Rectangle 4">
+            <a:extLst>
+              <a:ext uri="{FF2B5EF4-FFF2-40B4-BE49-F238E27FC236}">
+                <a16:creationId xmlns:a16="http://schemas.microsoft.com/office/drawing/2014/main" id="{BE245C02-1C94-E98E-E58E-6041FF6E45ED}"/>
+              </a:ext>
+            </a:extLst>
+          </p:cNvPr>
+          <p:cNvSpPr/>
+          <p:nvPr/>
+        </p:nvSpPr>
+        <p:spPr>
+          <a:xfrm>
+            <a:off x="705680" y="2030848"/>
+            <a:ext cx="1474102" cy="1502220"/>
+          </a:xfrm>
+          <a:custGeom>
+            <a:avLst/>
+            <a:gdLst>
+              <a:gd name="connsiteX0" fmla="*/ 0 w 1474102"/>
+              <a:gd name="connsiteY0" fmla="*/ 0 h 1502220"/>
+              <a:gd name="connsiteX1" fmla="*/ 476626 w 1474102"/>
+              <a:gd name="connsiteY1" fmla="*/ 0 h 1502220"/>
+              <a:gd name="connsiteX2" fmla="*/ 923771 w 1474102"/>
+              <a:gd name="connsiteY2" fmla="*/ 0 h 1502220"/>
+              <a:gd name="connsiteX3" fmla="*/ 1474102 w 1474102"/>
+              <a:gd name="connsiteY3" fmla="*/ 0 h 1502220"/>
+              <a:gd name="connsiteX4" fmla="*/ 1474102 w 1474102"/>
+              <a:gd name="connsiteY4" fmla="*/ 485718 h 1502220"/>
+              <a:gd name="connsiteX5" fmla="*/ 1474102 w 1474102"/>
+              <a:gd name="connsiteY5" fmla="*/ 956413 h 1502220"/>
+              <a:gd name="connsiteX6" fmla="*/ 1474102 w 1474102"/>
+              <a:gd name="connsiteY6" fmla="*/ 1502220 h 1502220"/>
+              <a:gd name="connsiteX7" fmla="*/ 982735 w 1474102"/>
+              <a:gd name="connsiteY7" fmla="*/ 1502220 h 1502220"/>
+              <a:gd name="connsiteX8" fmla="*/ 461885 w 1474102"/>
+              <a:gd name="connsiteY8" fmla="*/ 1502220 h 1502220"/>
+              <a:gd name="connsiteX9" fmla="*/ 0 w 1474102"/>
+              <a:gd name="connsiteY9" fmla="*/ 1502220 h 1502220"/>
+              <a:gd name="connsiteX10" fmla="*/ 0 w 1474102"/>
+              <a:gd name="connsiteY10" fmla="*/ 1001480 h 1502220"/>
+              <a:gd name="connsiteX11" fmla="*/ 0 w 1474102"/>
+              <a:gd name="connsiteY11" fmla="*/ 515762 h 1502220"/>
+              <a:gd name="connsiteX12" fmla="*/ 0 w 1474102"/>
+              <a:gd name="connsiteY12" fmla="*/ 0 h 1502220"/>
+            </a:gdLst>
+            <a:ahLst/>
+            <a:cxnLst>
+              <a:cxn ang="0">
+                <a:pos x="connsiteX0" y="connsiteY0"/>
+              </a:cxn>
+              <a:cxn ang="0">
+                <a:pos x="connsiteX1" y="connsiteY1"/>
+              </a:cxn>
+              <a:cxn ang="0">
+                <a:pos x="connsiteX2" y="connsiteY2"/>
+              </a:cxn>
+              <a:cxn ang="0">
+                <a:pos x="connsiteX3" y="connsiteY3"/>
+              </a:cxn>
+              <a:cxn ang="0">
+                <a:pos x="connsiteX4" y="connsiteY4"/>
+              </a:cxn>
+              <a:cxn ang="0">
+                <a:pos x="connsiteX5" y="connsiteY5"/>
+              </a:cxn>
+              <a:cxn ang="0">
+                <a:pos x="connsiteX6" y="connsiteY6"/>
+              </a:cxn>
+              <a:cxn ang="0">
+                <a:pos x="connsiteX7" y="connsiteY7"/>
+              </a:cxn>
+              <a:cxn ang="0">
+                <a:pos x="connsiteX8" y="connsiteY8"/>
+              </a:cxn>
+              <a:cxn ang="0">
+                <a:pos x="connsiteX9" y="connsiteY9"/>
+              </a:cxn>
+              <a:cxn ang="0">
+                <a:pos x="connsiteX10" y="connsiteY10"/>
+              </a:cxn>
+              <a:cxn ang="0">
+                <a:pos x="connsiteX11" y="connsiteY11"/>
+              </a:cxn>
+              <a:cxn ang="0">
+                <a:pos x="connsiteX12" y="connsiteY12"/>
+              </a:cxn>
+            </a:cxnLst>
+            <a:rect l="l" t="t" r="r" b="b"/>
+            <a:pathLst>
+              <a:path w="1474102" h="1502220" extrusionOk="0">
+                <a:moveTo>
+                  <a:pt x="0" y="0"/>
+                </a:moveTo>
+                <a:cubicBezTo>
+                  <a:pt x="123701" y="17865"/>
+                  <a:pt x="380075" y="-15782"/>
+                  <a:pt x="476626" y="0"/>
+                </a:cubicBezTo>
+                <a:cubicBezTo>
+                  <a:pt x="573177" y="15782"/>
+                  <a:pt x="741827" y="2622"/>
+                  <a:pt x="923771" y="0"/>
+                </a:cubicBezTo>
+                <a:cubicBezTo>
+                  <a:pt x="1105715" y="-2622"/>
+                  <a:pt x="1269455" y="-4001"/>
+                  <a:pt x="1474102" y="0"/>
+                </a:cubicBezTo>
+                <a:cubicBezTo>
+                  <a:pt x="1494371" y="182172"/>
+                  <a:pt x="1488678" y="322797"/>
+                  <a:pt x="1474102" y="485718"/>
+                </a:cubicBezTo>
+                <a:cubicBezTo>
+                  <a:pt x="1459526" y="648639"/>
+                  <a:pt x="1479109" y="849765"/>
+                  <a:pt x="1474102" y="956413"/>
+                </a:cubicBezTo>
+                <a:cubicBezTo>
+                  <a:pt x="1469095" y="1063061"/>
+                  <a:pt x="1485273" y="1368829"/>
+                  <a:pt x="1474102" y="1502220"/>
+                </a:cubicBezTo>
+                <a:cubicBezTo>
+                  <a:pt x="1229360" y="1503485"/>
+                  <a:pt x="1097785" y="1525126"/>
+                  <a:pt x="982735" y="1502220"/>
+                </a:cubicBezTo>
+                <a:cubicBezTo>
+                  <a:pt x="867685" y="1479314"/>
+                  <a:pt x="716961" y="1504479"/>
+                  <a:pt x="461885" y="1502220"/>
+                </a:cubicBezTo>
+                <a:cubicBezTo>
+                  <a:pt x="206809" y="1499962"/>
+                  <a:pt x="128251" y="1496175"/>
+                  <a:pt x="0" y="1502220"/>
+                </a:cubicBezTo>
+                <a:cubicBezTo>
+                  <a:pt x="19845" y="1313574"/>
+                  <a:pt x="22973" y="1200391"/>
+                  <a:pt x="0" y="1001480"/>
+                </a:cubicBezTo>
+                <a:cubicBezTo>
+                  <a:pt x="-22973" y="802569"/>
+                  <a:pt x="-5950" y="688831"/>
+                  <a:pt x="0" y="515762"/>
+                </a:cubicBezTo>
+                <a:cubicBezTo>
+                  <a:pt x="5950" y="342693"/>
+                  <a:pt x="-22968" y="213318"/>
+                  <a:pt x="0" y="0"/>
+                </a:cubicBezTo>
+                <a:close/>
+              </a:path>
+            </a:pathLst>
+          </a:custGeom>
+          <a:noFill/>
+          <a:ln>
+            <a:extLst>
+              <a:ext uri="{C807C97D-BFC1-408E-A445-0C87EB9F89A2}">
+                <ask:lineSketchStyleProps xmlns:ask="http://schemas.microsoft.com/office/drawing/2018/sketchyshapes" sd="1219033472">
+                  <a:prstGeom prst="rect">
+                    <a:avLst/>
+                  </a:prstGeom>
+                  <ask:type>
+                    <ask:lineSketchFreehand/>
+                  </ask:type>
+                </ask:lineSketchStyleProps>
+              </a:ext>
+            </a:extLst>
+          </a:ln>
+        </p:spPr>
+        <p:style>
+          <a:lnRef idx="2">
+            <a:schemeClr val="accent1">
+              <a:shade val="15000"/>
+            </a:schemeClr>
+          </a:lnRef>
+          <a:fillRef idx="1">
+            <a:schemeClr val="accent1"/>
+          </a:fillRef>
+          <a:effectRef idx="0">
+            <a:schemeClr val="accent1"/>
+          </a:effectRef>
+          <a:fontRef idx="minor">
+            <a:schemeClr val="lt1"/>
+          </a:fontRef>
+        </p:style>
+        <p:txBody>
+          <a:bodyPr rtlCol="0" anchor="ctr" anchorCtr="0"/>
+          <a:lstStyle/>
+          <a:p>
+            <a:pPr algn="ctr"/>
+            <a:r>
+              <a:rPr lang="en-US" sz="1400" dirty="0">
+                <a:solidFill>
+                  <a:schemeClr val="accent1">
+                    <a:lumMod val="75000"/>
+                  </a:schemeClr>
+                </a:solidFill>
+              </a:rPr>
+              <a:t>Load Train &amp; Test Data (DB2)</a:t>
+            </a:r>
+          </a:p>
+        </p:txBody>
+      </p:sp>
+      <p:sp>
+        <p:nvSpPr>
+          <p:cNvPr id="7" name="Rectangle 6">
+            <a:extLst>
+              <a:ext uri="{FF2B5EF4-FFF2-40B4-BE49-F238E27FC236}">
+                <a16:creationId xmlns:a16="http://schemas.microsoft.com/office/drawing/2014/main" id="{CFF78883-9381-9AB7-EC60-A0E8766D0B23}"/>
+              </a:ext>
+            </a:extLst>
+          </p:cNvPr>
+          <p:cNvSpPr/>
+          <p:nvPr/>
+        </p:nvSpPr>
+        <p:spPr>
+          <a:xfrm>
+            <a:off x="2687827" y="2030848"/>
+            <a:ext cx="1474102" cy="1502220"/>
+          </a:xfrm>
+          <a:custGeom>
+            <a:avLst/>
+            <a:gdLst>
+              <a:gd name="connsiteX0" fmla="*/ 0 w 1474102"/>
+              <a:gd name="connsiteY0" fmla="*/ 0 h 1502220"/>
+              <a:gd name="connsiteX1" fmla="*/ 476626 w 1474102"/>
+              <a:gd name="connsiteY1" fmla="*/ 0 h 1502220"/>
+              <a:gd name="connsiteX2" fmla="*/ 923771 w 1474102"/>
+              <a:gd name="connsiteY2" fmla="*/ 0 h 1502220"/>
+              <a:gd name="connsiteX3" fmla="*/ 1474102 w 1474102"/>
+              <a:gd name="connsiteY3" fmla="*/ 0 h 1502220"/>
+              <a:gd name="connsiteX4" fmla="*/ 1474102 w 1474102"/>
+              <a:gd name="connsiteY4" fmla="*/ 485718 h 1502220"/>
+              <a:gd name="connsiteX5" fmla="*/ 1474102 w 1474102"/>
+              <a:gd name="connsiteY5" fmla="*/ 956413 h 1502220"/>
+              <a:gd name="connsiteX6" fmla="*/ 1474102 w 1474102"/>
+              <a:gd name="connsiteY6" fmla="*/ 1502220 h 1502220"/>
+              <a:gd name="connsiteX7" fmla="*/ 982735 w 1474102"/>
+              <a:gd name="connsiteY7" fmla="*/ 1502220 h 1502220"/>
+              <a:gd name="connsiteX8" fmla="*/ 461885 w 1474102"/>
+              <a:gd name="connsiteY8" fmla="*/ 1502220 h 1502220"/>
+              <a:gd name="connsiteX9" fmla="*/ 0 w 1474102"/>
+              <a:gd name="connsiteY9" fmla="*/ 1502220 h 1502220"/>
+              <a:gd name="connsiteX10" fmla="*/ 0 w 1474102"/>
+              <a:gd name="connsiteY10" fmla="*/ 1001480 h 1502220"/>
+              <a:gd name="connsiteX11" fmla="*/ 0 w 1474102"/>
+              <a:gd name="connsiteY11" fmla="*/ 515762 h 1502220"/>
+              <a:gd name="connsiteX12" fmla="*/ 0 w 1474102"/>
+              <a:gd name="connsiteY12" fmla="*/ 0 h 1502220"/>
+            </a:gdLst>
+            <a:ahLst/>
+            <a:cxnLst>
+              <a:cxn ang="0">
+                <a:pos x="connsiteX0" y="connsiteY0"/>
+              </a:cxn>
+              <a:cxn ang="0">
+                <a:pos x="connsiteX1" y="connsiteY1"/>
+              </a:cxn>
+              <a:cxn ang="0">
+                <a:pos x="connsiteX2" y="connsiteY2"/>
+              </a:cxn>
+              <a:cxn ang="0">
+                <a:pos x="connsiteX3" y="connsiteY3"/>
+              </a:cxn>
+              <a:cxn ang="0">
+                <a:pos x="connsiteX4" y="connsiteY4"/>
+              </a:cxn>
+              <a:cxn ang="0">
+                <a:pos x="connsiteX5" y="connsiteY5"/>
+              </a:cxn>
+              <a:cxn ang="0">
+                <a:pos x="connsiteX6" y="connsiteY6"/>
+              </a:cxn>
+              <a:cxn ang="0">
+                <a:pos x="connsiteX7" y="connsiteY7"/>
+              </a:cxn>
+              <a:cxn ang="0">
+                <a:pos x="connsiteX8" y="connsiteY8"/>
+              </a:cxn>
+              <a:cxn ang="0">
+                <a:pos x="connsiteX9" y="connsiteY9"/>
+              </a:cxn>
+              <a:cxn ang="0">
+                <a:pos x="connsiteX10" y="connsiteY10"/>
+              </a:cxn>
+              <a:cxn ang="0">
+                <a:pos x="connsiteX11" y="connsiteY11"/>
+              </a:cxn>
+              <a:cxn ang="0">
+                <a:pos x="connsiteX12" y="connsiteY12"/>
+              </a:cxn>
+            </a:cxnLst>
+            <a:rect l="l" t="t" r="r" b="b"/>
+            <a:pathLst>
+              <a:path w="1474102" h="1502220" extrusionOk="0">
+                <a:moveTo>
+                  <a:pt x="0" y="0"/>
+                </a:moveTo>
+                <a:cubicBezTo>
+                  <a:pt x="123701" y="17865"/>
+                  <a:pt x="380075" y="-15782"/>
+                  <a:pt x="476626" y="0"/>
+                </a:cubicBezTo>
+                <a:cubicBezTo>
+                  <a:pt x="573177" y="15782"/>
+                  <a:pt x="741827" y="2622"/>
+                  <a:pt x="923771" y="0"/>
+                </a:cubicBezTo>
+                <a:cubicBezTo>
+                  <a:pt x="1105715" y="-2622"/>
+                  <a:pt x="1269455" y="-4001"/>
+                  <a:pt x="1474102" y="0"/>
+                </a:cubicBezTo>
+                <a:cubicBezTo>
+                  <a:pt x="1494371" y="182172"/>
+                  <a:pt x="1488678" y="322797"/>
+                  <a:pt x="1474102" y="485718"/>
+                </a:cubicBezTo>
+                <a:cubicBezTo>
+                  <a:pt x="1459526" y="648639"/>
+                  <a:pt x="1479109" y="849765"/>
+                  <a:pt x="1474102" y="956413"/>
+                </a:cubicBezTo>
+                <a:cubicBezTo>
+                  <a:pt x="1469095" y="1063061"/>
+                  <a:pt x="1485273" y="1368829"/>
+                  <a:pt x="1474102" y="1502220"/>
+                </a:cubicBezTo>
+                <a:cubicBezTo>
+                  <a:pt x="1229360" y="1503485"/>
+                  <a:pt x="1097785" y="1525126"/>
+                  <a:pt x="982735" y="1502220"/>
+                </a:cubicBezTo>
+                <a:cubicBezTo>
+                  <a:pt x="867685" y="1479314"/>
+                  <a:pt x="716961" y="1504479"/>
+                  <a:pt x="461885" y="1502220"/>
+                </a:cubicBezTo>
+                <a:cubicBezTo>
+                  <a:pt x="206809" y="1499962"/>
+                  <a:pt x="128251" y="1496175"/>
+                  <a:pt x="0" y="1502220"/>
+                </a:cubicBezTo>
+                <a:cubicBezTo>
+                  <a:pt x="19845" y="1313574"/>
+                  <a:pt x="22973" y="1200391"/>
+                  <a:pt x="0" y="1001480"/>
+                </a:cubicBezTo>
+                <a:cubicBezTo>
+                  <a:pt x="-22973" y="802569"/>
+                  <a:pt x="-5950" y="688831"/>
+                  <a:pt x="0" y="515762"/>
+                </a:cubicBezTo>
+                <a:cubicBezTo>
+                  <a:pt x="5950" y="342693"/>
+                  <a:pt x="-22968" y="213318"/>
+                  <a:pt x="0" y="0"/>
+                </a:cubicBezTo>
+                <a:close/>
+              </a:path>
+            </a:pathLst>
+          </a:custGeom>
+          <a:noFill/>
+          <a:ln>
+            <a:extLst>
+              <a:ext uri="{C807C97D-BFC1-408E-A445-0C87EB9F89A2}">
+                <ask:lineSketchStyleProps xmlns:ask="http://schemas.microsoft.com/office/drawing/2018/sketchyshapes" sd="1219033472">
+                  <a:prstGeom prst="rect">
+                    <a:avLst/>
+                  </a:prstGeom>
+                  <ask:type>
+                    <ask:lineSketchFreehand/>
+                  </ask:type>
+                </ask:lineSketchStyleProps>
+              </a:ext>
+            </a:extLst>
+          </a:ln>
+        </p:spPr>
+        <p:style>
+          <a:lnRef idx="2">
+            <a:schemeClr val="accent1">
+              <a:shade val="15000"/>
+            </a:schemeClr>
+          </a:lnRef>
+          <a:fillRef idx="1">
+            <a:schemeClr val="accent1"/>
+          </a:fillRef>
+          <a:effectRef idx="0">
+            <a:schemeClr val="accent1"/>
+          </a:effectRef>
+          <a:fontRef idx="minor">
+            <a:schemeClr val="lt1"/>
+          </a:fontRef>
+        </p:style>
+        <p:txBody>
+          <a:bodyPr rtlCol="0" anchor="ctr" anchorCtr="0"/>
+          <a:lstStyle/>
+          <a:p>
+            <a:pPr algn="ctr"/>
+            <a:r>
+              <a:rPr lang="en-US" sz="1400" dirty="0">
+                <a:solidFill>
+                  <a:schemeClr val="accent1">
+                    <a:lumMod val="75000"/>
+                  </a:schemeClr>
+                </a:solidFill>
+              </a:rPr>
+              <a:t>Fit Preprocessor</a:t>
+            </a:r>
+          </a:p>
+          <a:p>
+            <a:pPr algn="ctr"/>
+            <a:r>
+              <a:rPr lang="en-US" sz="1400" dirty="0">
+                <a:solidFill>
+                  <a:schemeClr val="accent1">
+                    <a:lumMod val="75000"/>
+                  </a:schemeClr>
+                </a:solidFill>
+              </a:rPr>
+              <a:t>(scikit-learn pipeline)</a:t>
+            </a:r>
+          </a:p>
+        </p:txBody>
+      </p:sp>
+      <p:sp>
+        <p:nvSpPr>
+          <p:cNvPr id="8" name="Rectangle 7">
+            <a:extLst>
+              <a:ext uri="{FF2B5EF4-FFF2-40B4-BE49-F238E27FC236}">
+                <a16:creationId xmlns:a16="http://schemas.microsoft.com/office/drawing/2014/main" id="{8C86884D-F054-CB27-57E6-5D5E5B3C15B6}"/>
+              </a:ext>
+            </a:extLst>
+          </p:cNvPr>
+          <p:cNvSpPr/>
+          <p:nvPr/>
+        </p:nvSpPr>
+        <p:spPr>
+          <a:xfrm>
+            <a:off x="4669974" y="2030848"/>
+            <a:ext cx="1474102" cy="1502220"/>
+          </a:xfrm>
+          <a:custGeom>
+            <a:avLst/>
+            <a:gdLst>
+              <a:gd name="connsiteX0" fmla="*/ 0 w 1474102"/>
+              <a:gd name="connsiteY0" fmla="*/ 0 h 1502220"/>
+              <a:gd name="connsiteX1" fmla="*/ 476626 w 1474102"/>
+              <a:gd name="connsiteY1" fmla="*/ 0 h 1502220"/>
+              <a:gd name="connsiteX2" fmla="*/ 923771 w 1474102"/>
+              <a:gd name="connsiteY2" fmla="*/ 0 h 1502220"/>
+              <a:gd name="connsiteX3" fmla="*/ 1474102 w 1474102"/>
+              <a:gd name="connsiteY3" fmla="*/ 0 h 1502220"/>
+              <a:gd name="connsiteX4" fmla="*/ 1474102 w 1474102"/>
+              <a:gd name="connsiteY4" fmla="*/ 485718 h 1502220"/>
+              <a:gd name="connsiteX5" fmla="*/ 1474102 w 1474102"/>
+              <a:gd name="connsiteY5" fmla="*/ 956413 h 1502220"/>
+              <a:gd name="connsiteX6" fmla="*/ 1474102 w 1474102"/>
+              <a:gd name="connsiteY6" fmla="*/ 1502220 h 1502220"/>
+              <a:gd name="connsiteX7" fmla="*/ 982735 w 1474102"/>
+              <a:gd name="connsiteY7" fmla="*/ 1502220 h 1502220"/>
+              <a:gd name="connsiteX8" fmla="*/ 461885 w 1474102"/>
+              <a:gd name="connsiteY8" fmla="*/ 1502220 h 1502220"/>
+              <a:gd name="connsiteX9" fmla="*/ 0 w 1474102"/>
+              <a:gd name="connsiteY9" fmla="*/ 1502220 h 1502220"/>
+              <a:gd name="connsiteX10" fmla="*/ 0 w 1474102"/>
+              <a:gd name="connsiteY10" fmla="*/ 1001480 h 1502220"/>
+              <a:gd name="connsiteX11" fmla="*/ 0 w 1474102"/>
+              <a:gd name="connsiteY11" fmla="*/ 515762 h 1502220"/>
+              <a:gd name="connsiteX12" fmla="*/ 0 w 1474102"/>
+              <a:gd name="connsiteY12" fmla="*/ 0 h 1502220"/>
+            </a:gdLst>
+            <a:ahLst/>
+            <a:cxnLst>
+              <a:cxn ang="0">
+                <a:pos x="connsiteX0" y="connsiteY0"/>
+              </a:cxn>
+              <a:cxn ang="0">
+                <a:pos x="connsiteX1" y="connsiteY1"/>
+              </a:cxn>
+              <a:cxn ang="0">
+                <a:pos x="connsiteX2" y="connsiteY2"/>
+              </a:cxn>
+              <a:cxn ang="0">
+                <a:pos x="connsiteX3" y="connsiteY3"/>
+              </a:cxn>
+              <a:cxn ang="0">
+                <a:pos x="connsiteX4" y="connsiteY4"/>
+              </a:cxn>
+              <a:cxn ang="0">
+                <a:pos x="connsiteX5" y="connsiteY5"/>
+              </a:cxn>
+              <a:cxn ang="0">
+                <a:pos x="connsiteX6" y="connsiteY6"/>
+              </a:cxn>
+              <a:cxn ang="0">
+                <a:pos x="connsiteX7" y="connsiteY7"/>
+              </a:cxn>
+              <a:cxn ang="0">
+                <a:pos x="connsiteX8" y="connsiteY8"/>
+              </a:cxn>
+              <a:cxn ang="0">
+                <a:pos x="connsiteX9" y="connsiteY9"/>
+              </a:cxn>
+              <a:cxn ang="0">
+                <a:pos x="connsiteX10" y="connsiteY10"/>
+              </a:cxn>
+              <a:cxn ang="0">
+                <a:pos x="connsiteX11" y="connsiteY11"/>
+              </a:cxn>
+              <a:cxn ang="0">
+                <a:pos x="connsiteX12" y="connsiteY12"/>
+              </a:cxn>
+            </a:cxnLst>
+            <a:rect l="l" t="t" r="r" b="b"/>
+            <a:pathLst>
+              <a:path w="1474102" h="1502220" extrusionOk="0">
+                <a:moveTo>
+                  <a:pt x="0" y="0"/>
+                </a:moveTo>
+                <a:cubicBezTo>
+                  <a:pt x="123701" y="17865"/>
+                  <a:pt x="380075" y="-15782"/>
+                  <a:pt x="476626" y="0"/>
+                </a:cubicBezTo>
+                <a:cubicBezTo>
+                  <a:pt x="573177" y="15782"/>
+                  <a:pt x="741827" y="2622"/>
+                  <a:pt x="923771" y="0"/>
+                </a:cubicBezTo>
+                <a:cubicBezTo>
+                  <a:pt x="1105715" y="-2622"/>
+                  <a:pt x="1269455" y="-4001"/>
+                  <a:pt x="1474102" y="0"/>
+                </a:cubicBezTo>
+                <a:cubicBezTo>
+                  <a:pt x="1494371" y="182172"/>
+                  <a:pt x="1488678" y="322797"/>
+                  <a:pt x="1474102" y="485718"/>
+                </a:cubicBezTo>
+                <a:cubicBezTo>
+                  <a:pt x="1459526" y="648639"/>
+                  <a:pt x="1479109" y="849765"/>
+                  <a:pt x="1474102" y="956413"/>
+                </a:cubicBezTo>
+                <a:cubicBezTo>
+                  <a:pt x="1469095" y="1063061"/>
+                  <a:pt x="1485273" y="1368829"/>
+                  <a:pt x="1474102" y="1502220"/>
+                </a:cubicBezTo>
+                <a:cubicBezTo>
+                  <a:pt x="1229360" y="1503485"/>
+                  <a:pt x="1097785" y="1525126"/>
+                  <a:pt x="982735" y="1502220"/>
+                </a:cubicBezTo>
+                <a:cubicBezTo>
+                  <a:pt x="867685" y="1479314"/>
+                  <a:pt x="716961" y="1504479"/>
+                  <a:pt x="461885" y="1502220"/>
+                </a:cubicBezTo>
+                <a:cubicBezTo>
+                  <a:pt x="206809" y="1499962"/>
+                  <a:pt x="128251" y="1496175"/>
+                  <a:pt x="0" y="1502220"/>
+                </a:cubicBezTo>
+                <a:cubicBezTo>
+                  <a:pt x="19845" y="1313574"/>
+                  <a:pt x="22973" y="1200391"/>
+                  <a:pt x="0" y="1001480"/>
+                </a:cubicBezTo>
+                <a:cubicBezTo>
+                  <a:pt x="-22973" y="802569"/>
+                  <a:pt x="-5950" y="688831"/>
+                  <a:pt x="0" y="515762"/>
+                </a:cubicBezTo>
+                <a:cubicBezTo>
+                  <a:pt x="5950" y="342693"/>
+                  <a:pt x="-22968" y="213318"/>
+                  <a:pt x="0" y="0"/>
+                </a:cubicBezTo>
+                <a:close/>
+              </a:path>
+            </a:pathLst>
+          </a:custGeom>
+          <a:noFill/>
+          <a:ln>
+            <a:extLst>
+              <a:ext uri="{C807C97D-BFC1-408E-A445-0C87EB9F89A2}">
+                <ask:lineSketchStyleProps xmlns:ask="http://schemas.microsoft.com/office/drawing/2018/sketchyshapes" sd="1219033472">
+                  <a:prstGeom prst="rect">
+                    <a:avLst/>
+                  </a:prstGeom>
+                  <ask:type>
+                    <ask:lineSketchFreehand/>
+                  </ask:type>
+                </ask:lineSketchStyleProps>
+              </a:ext>
+            </a:extLst>
+          </a:ln>
+        </p:spPr>
+        <p:style>
+          <a:lnRef idx="2">
+            <a:schemeClr val="accent1">
+              <a:shade val="15000"/>
+            </a:schemeClr>
+          </a:lnRef>
+          <a:fillRef idx="1">
+            <a:schemeClr val="accent1"/>
+          </a:fillRef>
+          <a:effectRef idx="0">
+            <a:schemeClr val="accent1"/>
+          </a:effectRef>
+          <a:fontRef idx="minor">
+            <a:schemeClr val="lt1"/>
+          </a:fontRef>
+        </p:style>
+        <p:txBody>
+          <a:bodyPr rtlCol="0" anchor="ctr" anchorCtr="0"/>
+          <a:lstStyle/>
+          <a:p>
+            <a:pPr algn="ctr"/>
+            <a:r>
+              <a:rPr lang="en-US" sz="1400" dirty="0">
+                <a:solidFill>
+                  <a:schemeClr val="accent1">
+                    <a:lumMod val="75000"/>
+                  </a:schemeClr>
+                </a:solidFill>
+              </a:rPr>
+              <a:t>Train Model</a:t>
+            </a:r>
+          </a:p>
+          <a:p>
+            <a:pPr algn="ctr"/>
+            <a:r>
+              <a:rPr lang="en-US" sz="1400" dirty="0">
+                <a:solidFill>
+                  <a:schemeClr val="accent1">
+                    <a:lumMod val="75000"/>
+                  </a:schemeClr>
+                </a:solidFill>
+              </a:rPr>
+              <a:t>(</a:t>
+            </a:r>
+            <a:r>
+              <a:rPr lang="en-US" sz="1400" dirty="0" err="1">
+                <a:solidFill>
+                  <a:schemeClr val="accent1">
+                    <a:lumMod val="75000"/>
+                  </a:schemeClr>
+                </a:solidFill>
+              </a:rPr>
+              <a:t>Tensorflow</a:t>
+            </a:r>
+            <a:r>
+              <a:rPr lang="en-US" sz="1400" dirty="0">
+                <a:solidFill>
+                  <a:schemeClr val="accent1">
+                    <a:lumMod val="75000"/>
+                  </a:schemeClr>
+                </a:solidFill>
+              </a:rPr>
+              <a:t> &amp; ONNX)</a:t>
+            </a:r>
+          </a:p>
+        </p:txBody>
+      </p:sp>
+      <p:sp>
+        <p:nvSpPr>
+          <p:cNvPr id="9" name="Rectangle 8">
+            <a:extLst>
+              <a:ext uri="{FF2B5EF4-FFF2-40B4-BE49-F238E27FC236}">
+                <a16:creationId xmlns:a16="http://schemas.microsoft.com/office/drawing/2014/main" id="{F61AA912-92BA-0F05-0225-20503A2D10E4}"/>
+              </a:ext>
+            </a:extLst>
+          </p:cNvPr>
+          <p:cNvSpPr/>
+          <p:nvPr/>
+        </p:nvSpPr>
+        <p:spPr>
+          <a:xfrm>
+            <a:off x="3769396" y="3859904"/>
+            <a:ext cx="1474102" cy="1502220"/>
+          </a:xfrm>
+          <a:custGeom>
+            <a:avLst/>
+            <a:gdLst>
+              <a:gd name="connsiteX0" fmla="*/ 0 w 1474102"/>
+              <a:gd name="connsiteY0" fmla="*/ 0 h 1502220"/>
+              <a:gd name="connsiteX1" fmla="*/ 476626 w 1474102"/>
+              <a:gd name="connsiteY1" fmla="*/ 0 h 1502220"/>
+              <a:gd name="connsiteX2" fmla="*/ 923771 w 1474102"/>
+              <a:gd name="connsiteY2" fmla="*/ 0 h 1502220"/>
+              <a:gd name="connsiteX3" fmla="*/ 1474102 w 1474102"/>
+              <a:gd name="connsiteY3" fmla="*/ 0 h 1502220"/>
+              <a:gd name="connsiteX4" fmla="*/ 1474102 w 1474102"/>
+              <a:gd name="connsiteY4" fmla="*/ 485718 h 1502220"/>
+              <a:gd name="connsiteX5" fmla="*/ 1474102 w 1474102"/>
+              <a:gd name="connsiteY5" fmla="*/ 956413 h 1502220"/>
+              <a:gd name="connsiteX6" fmla="*/ 1474102 w 1474102"/>
+              <a:gd name="connsiteY6" fmla="*/ 1502220 h 1502220"/>
+              <a:gd name="connsiteX7" fmla="*/ 982735 w 1474102"/>
+              <a:gd name="connsiteY7" fmla="*/ 1502220 h 1502220"/>
+              <a:gd name="connsiteX8" fmla="*/ 461885 w 1474102"/>
+              <a:gd name="connsiteY8" fmla="*/ 1502220 h 1502220"/>
+              <a:gd name="connsiteX9" fmla="*/ 0 w 1474102"/>
+              <a:gd name="connsiteY9" fmla="*/ 1502220 h 1502220"/>
+              <a:gd name="connsiteX10" fmla="*/ 0 w 1474102"/>
+              <a:gd name="connsiteY10" fmla="*/ 1001480 h 1502220"/>
+              <a:gd name="connsiteX11" fmla="*/ 0 w 1474102"/>
+              <a:gd name="connsiteY11" fmla="*/ 515762 h 1502220"/>
+              <a:gd name="connsiteX12" fmla="*/ 0 w 1474102"/>
+              <a:gd name="connsiteY12" fmla="*/ 0 h 1502220"/>
+            </a:gdLst>
+            <a:ahLst/>
+            <a:cxnLst>
+              <a:cxn ang="0">
+                <a:pos x="connsiteX0" y="connsiteY0"/>
+              </a:cxn>
+              <a:cxn ang="0">
+                <a:pos x="connsiteX1" y="connsiteY1"/>
+              </a:cxn>
+              <a:cxn ang="0">
+                <a:pos x="connsiteX2" y="connsiteY2"/>
+              </a:cxn>
+              <a:cxn ang="0">
+                <a:pos x="connsiteX3" y="connsiteY3"/>
+              </a:cxn>
+              <a:cxn ang="0">
+                <a:pos x="connsiteX4" y="connsiteY4"/>
+              </a:cxn>
+              <a:cxn ang="0">
+                <a:pos x="connsiteX5" y="connsiteY5"/>
+              </a:cxn>
+              <a:cxn ang="0">
+                <a:pos x="connsiteX6" y="connsiteY6"/>
+              </a:cxn>
+              <a:cxn ang="0">
+                <a:pos x="connsiteX7" y="connsiteY7"/>
+              </a:cxn>
+              <a:cxn ang="0">
+                <a:pos x="connsiteX8" y="connsiteY8"/>
+              </a:cxn>
+              <a:cxn ang="0">
+                <a:pos x="connsiteX9" y="connsiteY9"/>
+              </a:cxn>
+              <a:cxn ang="0">
+                <a:pos x="connsiteX10" y="connsiteY10"/>
+              </a:cxn>
+              <a:cxn ang="0">
+                <a:pos x="connsiteX11" y="connsiteY11"/>
+              </a:cxn>
+              <a:cxn ang="0">
+                <a:pos x="connsiteX12" y="connsiteY12"/>
+              </a:cxn>
+            </a:cxnLst>
+            <a:rect l="l" t="t" r="r" b="b"/>
+            <a:pathLst>
+              <a:path w="1474102" h="1502220" extrusionOk="0">
+                <a:moveTo>
+                  <a:pt x="0" y="0"/>
+                </a:moveTo>
+                <a:cubicBezTo>
+                  <a:pt x="123701" y="17865"/>
+                  <a:pt x="380075" y="-15782"/>
+                  <a:pt x="476626" y="0"/>
+                </a:cubicBezTo>
+                <a:cubicBezTo>
+                  <a:pt x="573177" y="15782"/>
+                  <a:pt x="741827" y="2622"/>
+                  <a:pt x="923771" y="0"/>
+                </a:cubicBezTo>
+                <a:cubicBezTo>
+                  <a:pt x="1105715" y="-2622"/>
+                  <a:pt x="1269455" y="-4001"/>
+                  <a:pt x="1474102" y="0"/>
+                </a:cubicBezTo>
+                <a:cubicBezTo>
+                  <a:pt x="1494371" y="182172"/>
+                  <a:pt x="1488678" y="322797"/>
+                  <a:pt x="1474102" y="485718"/>
+                </a:cubicBezTo>
+                <a:cubicBezTo>
+                  <a:pt x="1459526" y="648639"/>
+                  <a:pt x="1479109" y="849765"/>
+                  <a:pt x="1474102" y="956413"/>
+                </a:cubicBezTo>
+                <a:cubicBezTo>
+                  <a:pt x="1469095" y="1063061"/>
+                  <a:pt x="1485273" y="1368829"/>
+                  <a:pt x="1474102" y="1502220"/>
+                </a:cubicBezTo>
+                <a:cubicBezTo>
+                  <a:pt x="1229360" y="1503485"/>
+                  <a:pt x="1097785" y="1525126"/>
+                  <a:pt x="982735" y="1502220"/>
+                </a:cubicBezTo>
+                <a:cubicBezTo>
+                  <a:pt x="867685" y="1479314"/>
+                  <a:pt x="716961" y="1504479"/>
+                  <a:pt x="461885" y="1502220"/>
+                </a:cubicBezTo>
+                <a:cubicBezTo>
+                  <a:pt x="206809" y="1499962"/>
+                  <a:pt x="128251" y="1496175"/>
+                  <a:pt x="0" y="1502220"/>
+                </a:cubicBezTo>
+                <a:cubicBezTo>
+                  <a:pt x="19845" y="1313574"/>
+                  <a:pt x="22973" y="1200391"/>
+                  <a:pt x="0" y="1001480"/>
+                </a:cubicBezTo>
+                <a:cubicBezTo>
+                  <a:pt x="-22973" y="802569"/>
+                  <a:pt x="-5950" y="688831"/>
+                  <a:pt x="0" y="515762"/>
+                </a:cubicBezTo>
+                <a:cubicBezTo>
+                  <a:pt x="5950" y="342693"/>
+                  <a:pt x="-22968" y="213318"/>
+                  <a:pt x="0" y="0"/>
+                </a:cubicBezTo>
+                <a:close/>
+              </a:path>
+            </a:pathLst>
+          </a:custGeom>
+          <a:noFill/>
+          <a:ln>
+            <a:extLst>
+              <a:ext uri="{C807C97D-BFC1-408E-A445-0C87EB9F89A2}">
+                <ask:lineSketchStyleProps xmlns:ask="http://schemas.microsoft.com/office/drawing/2018/sketchyshapes" sd="1219033472">
+                  <a:prstGeom prst="rect">
+                    <a:avLst/>
+                  </a:prstGeom>
+                  <ask:type>
+                    <ask:lineSketchFreehand/>
+                  </ask:type>
+                </ask:lineSketchStyleProps>
+              </a:ext>
+            </a:extLst>
+          </a:ln>
+        </p:spPr>
+        <p:style>
+          <a:lnRef idx="2">
+            <a:schemeClr val="accent1">
+              <a:shade val="15000"/>
+            </a:schemeClr>
+          </a:lnRef>
+          <a:fillRef idx="1">
+            <a:schemeClr val="accent1"/>
+          </a:fillRef>
+          <a:effectRef idx="0">
+            <a:schemeClr val="accent1"/>
+          </a:effectRef>
+          <a:fontRef idx="minor">
+            <a:schemeClr val="lt1"/>
+          </a:fontRef>
+        </p:style>
+        <p:txBody>
+          <a:bodyPr rtlCol="0" anchor="ctr" anchorCtr="0"/>
+          <a:lstStyle/>
+          <a:p>
+            <a:pPr algn="ctr"/>
+            <a:r>
+              <a:rPr lang="en-US" sz="1400" dirty="0">
+                <a:solidFill>
+                  <a:schemeClr val="accent1">
+                    <a:lumMod val="75000"/>
+                  </a:schemeClr>
+                </a:solidFill>
+              </a:rPr>
+              <a:t>Monitor Training</a:t>
+            </a:r>
+          </a:p>
+          <a:p>
+            <a:pPr algn="ctr"/>
+            <a:r>
+              <a:rPr lang="en-US" sz="1400" dirty="0">
+                <a:solidFill>
+                  <a:schemeClr val="accent1">
+                    <a:lumMod val="75000"/>
+                  </a:schemeClr>
+                </a:solidFill>
+              </a:rPr>
+              <a:t>(</a:t>
+            </a:r>
+            <a:r>
+              <a:rPr lang="en-US" sz="1400" dirty="0" err="1">
+                <a:solidFill>
+                  <a:schemeClr val="accent1">
+                    <a:lumMod val="75000"/>
+                  </a:schemeClr>
+                </a:solidFill>
+              </a:rPr>
+              <a:t>TensorBoard</a:t>
+            </a:r>
+            <a:r>
+              <a:rPr lang="en-US" sz="1400" dirty="0">
+                <a:solidFill>
+                  <a:schemeClr val="accent1">
+                    <a:lumMod val="75000"/>
+                  </a:schemeClr>
+                </a:solidFill>
+              </a:rPr>
+              <a:t>)</a:t>
+            </a:r>
+          </a:p>
+        </p:txBody>
+      </p:sp>
+      <p:sp>
+        <p:nvSpPr>
+          <p:cNvPr id="10" name="Rectangle 9">
+            <a:extLst>
+              <a:ext uri="{FF2B5EF4-FFF2-40B4-BE49-F238E27FC236}">
+                <a16:creationId xmlns:a16="http://schemas.microsoft.com/office/drawing/2014/main" id="{21F7295C-29FE-F20C-9ECC-66274C463186}"/>
+              </a:ext>
+            </a:extLst>
+          </p:cNvPr>
+          <p:cNvSpPr/>
+          <p:nvPr/>
+        </p:nvSpPr>
+        <p:spPr>
+          <a:xfrm>
+            <a:off x="8231413" y="2030848"/>
+            <a:ext cx="1474101" cy="1502220"/>
+          </a:xfrm>
+          <a:custGeom>
+            <a:avLst/>
+            <a:gdLst>
+              <a:gd name="connsiteX0" fmla="*/ 0 w 1474101"/>
+              <a:gd name="connsiteY0" fmla="*/ 0 h 1502220"/>
+              <a:gd name="connsiteX1" fmla="*/ 476626 w 1474101"/>
+              <a:gd name="connsiteY1" fmla="*/ 0 h 1502220"/>
+              <a:gd name="connsiteX2" fmla="*/ 923770 w 1474101"/>
+              <a:gd name="connsiteY2" fmla="*/ 0 h 1502220"/>
+              <a:gd name="connsiteX3" fmla="*/ 1474101 w 1474101"/>
+              <a:gd name="connsiteY3" fmla="*/ 0 h 1502220"/>
+              <a:gd name="connsiteX4" fmla="*/ 1474101 w 1474101"/>
+              <a:gd name="connsiteY4" fmla="*/ 485718 h 1502220"/>
+              <a:gd name="connsiteX5" fmla="*/ 1474101 w 1474101"/>
+              <a:gd name="connsiteY5" fmla="*/ 956413 h 1502220"/>
+              <a:gd name="connsiteX6" fmla="*/ 1474101 w 1474101"/>
+              <a:gd name="connsiteY6" fmla="*/ 1502220 h 1502220"/>
+              <a:gd name="connsiteX7" fmla="*/ 982734 w 1474101"/>
+              <a:gd name="connsiteY7" fmla="*/ 1502220 h 1502220"/>
+              <a:gd name="connsiteX8" fmla="*/ 461885 w 1474101"/>
+              <a:gd name="connsiteY8" fmla="*/ 1502220 h 1502220"/>
+              <a:gd name="connsiteX9" fmla="*/ 0 w 1474101"/>
+              <a:gd name="connsiteY9" fmla="*/ 1502220 h 1502220"/>
+              <a:gd name="connsiteX10" fmla="*/ 0 w 1474101"/>
+              <a:gd name="connsiteY10" fmla="*/ 1001480 h 1502220"/>
+              <a:gd name="connsiteX11" fmla="*/ 0 w 1474101"/>
+              <a:gd name="connsiteY11" fmla="*/ 515762 h 1502220"/>
+              <a:gd name="connsiteX12" fmla="*/ 0 w 1474101"/>
+              <a:gd name="connsiteY12" fmla="*/ 0 h 1502220"/>
+            </a:gdLst>
+            <a:ahLst/>
+            <a:cxnLst>
+              <a:cxn ang="0">
+                <a:pos x="connsiteX0" y="connsiteY0"/>
+              </a:cxn>
+              <a:cxn ang="0">
+                <a:pos x="connsiteX1" y="connsiteY1"/>
+              </a:cxn>
+              <a:cxn ang="0">
+                <a:pos x="connsiteX2" y="connsiteY2"/>
+              </a:cxn>
+              <a:cxn ang="0">
+                <a:pos x="connsiteX3" y="connsiteY3"/>
+              </a:cxn>
+              <a:cxn ang="0">
+                <a:pos x="connsiteX4" y="connsiteY4"/>
+              </a:cxn>
+              <a:cxn ang="0">
+                <a:pos x="connsiteX5" y="connsiteY5"/>
+              </a:cxn>
+              <a:cxn ang="0">
+                <a:pos x="connsiteX6" y="connsiteY6"/>
+              </a:cxn>
+              <a:cxn ang="0">
+                <a:pos x="connsiteX7" y="connsiteY7"/>
+              </a:cxn>
+              <a:cxn ang="0">
+                <a:pos x="connsiteX8" y="connsiteY8"/>
+              </a:cxn>
+              <a:cxn ang="0">
+                <a:pos x="connsiteX9" y="connsiteY9"/>
+              </a:cxn>
+              <a:cxn ang="0">
+                <a:pos x="connsiteX10" y="connsiteY10"/>
+              </a:cxn>
+              <a:cxn ang="0">
+                <a:pos x="connsiteX11" y="connsiteY11"/>
+              </a:cxn>
+              <a:cxn ang="0">
+                <a:pos x="connsiteX12" y="connsiteY12"/>
+              </a:cxn>
+            </a:cxnLst>
+            <a:rect l="l" t="t" r="r" b="b"/>
+            <a:pathLst>
+              <a:path w="1474101" h="1502220" extrusionOk="0">
+                <a:moveTo>
+                  <a:pt x="0" y="0"/>
+                </a:moveTo>
+                <a:cubicBezTo>
+                  <a:pt x="123701" y="17865"/>
+                  <a:pt x="380075" y="-15782"/>
+                  <a:pt x="476626" y="0"/>
+                </a:cubicBezTo>
+                <a:cubicBezTo>
+                  <a:pt x="573177" y="15782"/>
+                  <a:pt x="748985" y="9121"/>
+                  <a:pt x="923770" y="0"/>
+                </a:cubicBezTo>
+                <a:cubicBezTo>
+                  <a:pt x="1098555" y="-9121"/>
+                  <a:pt x="1269454" y="-4001"/>
+                  <a:pt x="1474101" y="0"/>
+                </a:cubicBezTo>
+                <a:cubicBezTo>
+                  <a:pt x="1494370" y="182172"/>
+                  <a:pt x="1488677" y="322797"/>
+                  <a:pt x="1474101" y="485718"/>
+                </a:cubicBezTo>
+                <a:cubicBezTo>
+                  <a:pt x="1459525" y="648639"/>
+                  <a:pt x="1479108" y="849765"/>
+                  <a:pt x="1474101" y="956413"/>
+                </a:cubicBezTo>
+                <a:cubicBezTo>
+                  <a:pt x="1469094" y="1063061"/>
+                  <a:pt x="1485272" y="1368829"/>
+                  <a:pt x="1474101" y="1502220"/>
+                </a:cubicBezTo>
+                <a:cubicBezTo>
+                  <a:pt x="1229359" y="1503485"/>
+                  <a:pt x="1097784" y="1525126"/>
+                  <a:pt x="982734" y="1502220"/>
+                </a:cubicBezTo>
+                <a:cubicBezTo>
+                  <a:pt x="867684" y="1479314"/>
+                  <a:pt x="715380" y="1502295"/>
+                  <a:pt x="461885" y="1502220"/>
+                </a:cubicBezTo>
+                <a:cubicBezTo>
+                  <a:pt x="208390" y="1502145"/>
+                  <a:pt x="128251" y="1496175"/>
+                  <a:pt x="0" y="1502220"/>
+                </a:cubicBezTo>
+                <a:cubicBezTo>
+                  <a:pt x="19845" y="1313574"/>
+                  <a:pt x="22973" y="1200391"/>
+                  <a:pt x="0" y="1001480"/>
+                </a:cubicBezTo>
+                <a:cubicBezTo>
+                  <a:pt x="-22973" y="802569"/>
+                  <a:pt x="-5950" y="688831"/>
+                  <a:pt x="0" y="515762"/>
+                </a:cubicBezTo>
+                <a:cubicBezTo>
+                  <a:pt x="5950" y="342693"/>
+                  <a:pt x="-22968" y="213318"/>
+                  <a:pt x="0" y="0"/>
+                </a:cubicBezTo>
+                <a:close/>
+              </a:path>
+            </a:pathLst>
+          </a:custGeom>
+          <a:noFill/>
+          <a:ln>
+            <a:extLst>
+              <a:ext uri="{C807C97D-BFC1-408E-A445-0C87EB9F89A2}">
+                <ask:lineSketchStyleProps xmlns:ask="http://schemas.microsoft.com/office/drawing/2018/sketchyshapes" sd="1219033472">
+                  <a:prstGeom prst="rect">
+                    <a:avLst/>
+                  </a:prstGeom>
+                  <ask:type>
+                    <ask:lineSketchFreehand/>
+                  </ask:type>
+                </ask:lineSketchStyleProps>
+              </a:ext>
+            </a:extLst>
+          </a:ln>
+        </p:spPr>
+        <p:style>
+          <a:lnRef idx="2">
+            <a:schemeClr val="accent1">
+              <a:shade val="15000"/>
+            </a:schemeClr>
+          </a:lnRef>
+          <a:fillRef idx="1">
+            <a:schemeClr val="accent1"/>
+          </a:fillRef>
+          <a:effectRef idx="0">
+            <a:schemeClr val="accent1"/>
+          </a:effectRef>
+          <a:fontRef idx="minor">
+            <a:schemeClr val="lt1"/>
+          </a:fontRef>
+        </p:style>
+        <p:txBody>
+          <a:bodyPr rtlCol="0" anchor="ctr" anchorCtr="0"/>
+          <a:lstStyle/>
+          <a:p>
+            <a:pPr algn="ctr"/>
+            <a:r>
+              <a:rPr lang="en-US" sz="1400" dirty="0">
+                <a:solidFill>
+                  <a:schemeClr val="accent1">
+                    <a:lumMod val="75000"/>
+                  </a:schemeClr>
+                </a:solidFill>
+              </a:rPr>
+              <a:t>Evaluate Model</a:t>
+            </a:r>
+          </a:p>
+        </p:txBody>
+      </p:sp>
+      <p:sp>
+        <p:nvSpPr>
+          <p:cNvPr id="11" name="Rectangle 10">
+            <a:extLst>
+              <a:ext uri="{FF2B5EF4-FFF2-40B4-BE49-F238E27FC236}">
+                <a16:creationId xmlns:a16="http://schemas.microsoft.com/office/drawing/2014/main" id="{AFBF19EC-7858-3337-7C12-D4EEBB95A717}"/>
+              </a:ext>
+            </a:extLst>
+          </p:cNvPr>
+          <p:cNvSpPr/>
+          <p:nvPr/>
+        </p:nvSpPr>
+        <p:spPr>
+          <a:xfrm>
+            <a:off x="6450694" y="2030848"/>
+            <a:ext cx="1474101" cy="1502220"/>
+          </a:xfrm>
+          <a:custGeom>
+            <a:avLst/>
+            <a:gdLst>
+              <a:gd name="connsiteX0" fmla="*/ 0 w 1474101"/>
+              <a:gd name="connsiteY0" fmla="*/ 0 h 1502220"/>
+              <a:gd name="connsiteX1" fmla="*/ 476626 w 1474101"/>
+              <a:gd name="connsiteY1" fmla="*/ 0 h 1502220"/>
+              <a:gd name="connsiteX2" fmla="*/ 923770 w 1474101"/>
+              <a:gd name="connsiteY2" fmla="*/ 0 h 1502220"/>
+              <a:gd name="connsiteX3" fmla="*/ 1474101 w 1474101"/>
+              <a:gd name="connsiteY3" fmla="*/ 0 h 1502220"/>
+              <a:gd name="connsiteX4" fmla="*/ 1474101 w 1474101"/>
+              <a:gd name="connsiteY4" fmla="*/ 485718 h 1502220"/>
+              <a:gd name="connsiteX5" fmla="*/ 1474101 w 1474101"/>
+              <a:gd name="connsiteY5" fmla="*/ 956413 h 1502220"/>
+              <a:gd name="connsiteX6" fmla="*/ 1474101 w 1474101"/>
+              <a:gd name="connsiteY6" fmla="*/ 1502220 h 1502220"/>
+              <a:gd name="connsiteX7" fmla="*/ 982734 w 1474101"/>
+              <a:gd name="connsiteY7" fmla="*/ 1502220 h 1502220"/>
+              <a:gd name="connsiteX8" fmla="*/ 461885 w 1474101"/>
+              <a:gd name="connsiteY8" fmla="*/ 1502220 h 1502220"/>
+              <a:gd name="connsiteX9" fmla="*/ 0 w 1474101"/>
+              <a:gd name="connsiteY9" fmla="*/ 1502220 h 1502220"/>
+              <a:gd name="connsiteX10" fmla="*/ 0 w 1474101"/>
+              <a:gd name="connsiteY10" fmla="*/ 1001480 h 1502220"/>
+              <a:gd name="connsiteX11" fmla="*/ 0 w 1474101"/>
+              <a:gd name="connsiteY11" fmla="*/ 515762 h 1502220"/>
+              <a:gd name="connsiteX12" fmla="*/ 0 w 1474101"/>
+              <a:gd name="connsiteY12" fmla="*/ 0 h 1502220"/>
+            </a:gdLst>
+            <a:ahLst/>
+            <a:cxnLst>
+              <a:cxn ang="0">
+                <a:pos x="connsiteX0" y="connsiteY0"/>
+              </a:cxn>
+              <a:cxn ang="0">
+                <a:pos x="connsiteX1" y="connsiteY1"/>
+              </a:cxn>
+              <a:cxn ang="0">
+                <a:pos x="connsiteX2" y="connsiteY2"/>
+              </a:cxn>
+              <a:cxn ang="0">
+                <a:pos x="connsiteX3" y="connsiteY3"/>
+              </a:cxn>
+              <a:cxn ang="0">
+                <a:pos x="connsiteX4" y="connsiteY4"/>
+              </a:cxn>
+              <a:cxn ang="0">
+                <a:pos x="connsiteX5" y="connsiteY5"/>
+              </a:cxn>
+              <a:cxn ang="0">
+                <a:pos x="connsiteX6" y="connsiteY6"/>
+              </a:cxn>
+              <a:cxn ang="0">
+                <a:pos x="connsiteX7" y="connsiteY7"/>
+              </a:cxn>
+              <a:cxn ang="0">
+                <a:pos x="connsiteX8" y="connsiteY8"/>
+              </a:cxn>
+              <a:cxn ang="0">
+                <a:pos x="connsiteX9" y="connsiteY9"/>
+              </a:cxn>
+              <a:cxn ang="0">
+                <a:pos x="connsiteX10" y="connsiteY10"/>
+              </a:cxn>
+              <a:cxn ang="0">
+                <a:pos x="connsiteX11" y="connsiteY11"/>
+              </a:cxn>
+              <a:cxn ang="0">
+                <a:pos x="connsiteX12" y="connsiteY12"/>
+              </a:cxn>
+            </a:cxnLst>
+            <a:rect l="l" t="t" r="r" b="b"/>
+            <a:pathLst>
+              <a:path w="1474101" h="1502220" extrusionOk="0">
+                <a:moveTo>
+                  <a:pt x="0" y="0"/>
+                </a:moveTo>
+                <a:cubicBezTo>
+                  <a:pt x="123701" y="17865"/>
+                  <a:pt x="380075" y="-15782"/>
+                  <a:pt x="476626" y="0"/>
+                </a:cubicBezTo>
+                <a:cubicBezTo>
+                  <a:pt x="573177" y="15782"/>
+                  <a:pt x="748985" y="9121"/>
+                  <a:pt x="923770" y="0"/>
+                </a:cubicBezTo>
+                <a:cubicBezTo>
+                  <a:pt x="1098555" y="-9121"/>
+                  <a:pt x="1269454" y="-4001"/>
+                  <a:pt x="1474101" y="0"/>
+                </a:cubicBezTo>
+                <a:cubicBezTo>
+                  <a:pt x="1494370" y="182172"/>
+                  <a:pt x="1488677" y="322797"/>
+                  <a:pt x="1474101" y="485718"/>
+                </a:cubicBezTo>
+                <a:cubicBezTo>
+                  <a:pt x="1459525" y="648639"/>
+                  <a:pt x="1479108" y="849765"/>
+                  <a:pt x="1474101" y="956413"/>
+                </a:cubicBezTo>
+                <a:cubicBezTo>
+                  <a:pt x="1469094" y="1063061"/>
+                  <a:pt x="1485272" y="1368829"/>
+                  <a:pt x="1474101" y="1502220"/>
+                </a:cubicBezTo>
+                <a:cubicBezTo>
+                  <a:pt x="1229359" y="1503485"/>
+                  <a:pt x="1097784" y="1525126"/>
+                  <a:pt x="982734" y="1502220"/>
+                </a:cubicBezTo>
+                <a:cubicBezTo>
+                  <a:pt x="867684" y="1479314"/>
+                  <a:pt x="715380" y="1502295"/>
+                  <a:pt x="461885" y="1502220"/>
+                </a:cubicBezTo>
+                <a:cubicBezTo>
+                  <a:pt x="208390" y="1502145"/>
+                  <a:pt x="128251" y="1496175"/>
+                  <a:pt x="0" y="1502220"/>
+                </a:cubicBezTo>
+                <a:cubicBezTo>
+                  <a:pt x="19845" y="1313574"/>
+                  <a:pt x="22973" y="1200391"/>
+                  <a:pt x="0" y="1001480"/>
+                </a:cubicBezTo>
+                <a:cubicBezTo>
+                  <a:pt x="-22973" y="802569"/>
+                  <a:pt x="-5950" y="688831"/>
+                  <a:pt x="0" y="515762"/>
+                </a:cubicBezTo>
+                <a:cubicBezTo>
+                  <a:pt x="5950" y="342693"/>
+                  <a:pt x="-22968" y="213318"/>
+                  <a:pt x="0" y="0"/>
+                </a:cubicBezTo>
+                <a:close/>
+              </a:path>
+            </a:pathLst>
+          </a:custGeom>
+          <a:noFill/>
+          <a:ln>
+            <a:extLst>
+              <a:ext uri="{C807C97D-BFC1-408E-A445-0C87EB9F89A2}">
+                <ask:lineSketchStyleProps xmlns:ask="http://schemas.microsoft.com/office/drawing/2018/sketchyshapes" sd="1219033472">
+                  <a:prstGeom prst="rect">
+                    <a:avLst/>
+                  </a:prstGeom>
+                  <ask:type>
+                    <ask:lineSketchFreehand/>
+                  </ask:type>
+                </ask:lineSketchStyleProps>
+              </a:ext>
+            </a:extLst>
+          </a:ln>
+        </p:spPr>
+        <p:style>
+          <a:lnRef idx="2">
+            <a:schemeClr val="accent1">
+              <a:shade val="15000"/>
+            </a:schemeClr>
+          </a:lnRef>
+          <a:fillRef idx="1">
+            <a:schemeClr val="accent1"/>
+          </a:fillRef>
+          <a:effectRef idx="0">
+            <a:schemeClr val="accent1"/>
+          </a:effectRef>
+          <a:fontRef idx="minor">
+            <a:schemeClr val="lt1"/>
+          </a:fontRef>
+        </p:style>
+        <p:txBody>
+          <a:bodyPr rtlCol="0" anchor="ctr" anchorCtr="0"/>
+          <a:lstStyle/>
+          <a:p>
+            <a:pPr algn="ctr"/>
+            <a:r>
+              <a:rPr lang="en-US" sz="1400" dirty="0">
+                <a:solidFill>
+                  <a:schemeClr val="accent1">
+                    <a:lumMod val="75000"/>
+                  </a:schemeClr>
+                </a:solidFill>
+              </a:rPr>
+              <a:t>Train Explainer</a:t>
+            </a:r>
+          </a:p>
+          <a:p>
+            <a:pPr algn="ctr"/>
+            <a:r>
+              <a:rPr lang="en-US" sz="1400" dirty="0">
+                <a:solidFill>
+                  <a:schemeClr val="accent1">
+                    <a:lumMod val="75000"/>
+                  </a:schemeClr>
+                </a:solidFill>
+              </a:rPr>
+              <a:t>(Alibi)</a:t>
+            </a:r>
+          </a:p>
+        </p:txBody>
+      </p:sp>
+      <p:sp>
+        <p:nvSpPr>
+          <p:cNvPr id="12" name="Rectangle 11">
+            <a:extLst>
+              <a:ext uri="{FF2B5EF4-FFF2-40B4-BE49-F238E27FC236}">
+                <a16:creationId xmlns:a16="http://schemas.microsoft.com/office/drawing/2014/main" id="{695600E2-D638-D0DB-9E1C-DDB0B8F5F562}"/>
+              </a:ext>
+            </a:extLst>
+          </p:cNvPr>
+          <p:cNvSpPr/>
+          <p:nvPr/>
+        </p:nvSpPr>
+        <p:spPr>
+          <a:xfrm>
+            <a:off x="10172953" y="2030848"/>
+            <a:ext cx="1474102" cy="1502220"/>
+          </a:xfrm>
+          <a:custGeom>
+            <a:avLst/>
+            <a:gdLst>
+              <a:gd name="connsiteX0" fmla="*/ 0 w 1474102"/>
+              <a:gd name="connsiteY0" fmla="*/ 0 h 1502220"/>
+              <a:gd name="connsiteX1" fmla="*/ 476626 w 1474102"/>
+              <a:gd name="connsiteY1" fmla="*/ 0 h 1502220"/>
+              <a:gd name="connsiteX2" fmla="*/ 923771 w 1474102"/>
+              <a:gd name="connsiteY2" fmla="*/ 0 h 1502220"/>
+              <a:gd name="connsiteX3" fmla="*/ 1474102 w 1474102"/>
+              <a:gd name="connsiteY3" fmla="*/ 0 h 1502220"/>
+              <a:gd name="connsiteX4" fmla="*/ 1474102 w 1474102"/>
+              <a:gd name="connsiteY4" fmla="*/ 485718 h 1502220"/>
+              <a:gd name="connsiteX5" fmla="*/ 1474102 w 1474102"/>
+              <a:gd name="connsiteY5" fmla="*/ 956413 h 1502220"/>
+              <a:gd name="connsiteX6" fmla="*/ 1474102 w 1474102"/>
+              <a:gd name="connsiteY6" fmla="*/ 1502220 h 1502220"/>
+              <a:gd name="connsiteX7" fmla="*/ 982735 w 1474102"/>
+              <a:gd name="connsiteY7" fmla="*/ 1502220 h 1502220"/>
+              <a:gd name="connsiteX8" fmla="*/ 461885 w 1474102"/>
+              <a:gd name="connsiteY8" fmla="*/ 1502220 h 1502220"/>
+              <a:gd name="connsiteX9" fmla="*/ 0 w 1474102"/>
+              <a:gd name="connsiteY9" fmla="*/ 1502220 h 1502220"/>
+              <a:gd name="connsiteX10" fmla="*/ 0 w 1474102"/>
+              <a:gd name="connsiteY10" fmla="*/ 1001480 h 1502220"/>
+              <a:gd name="connsiteX11" fmla="*/ 0 w 1474102"/>
+              <a:gd name="connsiteY11" fmla="*/ 515762 h 1502220"/>
+              <a:gd name="connsiteX12" fmla="*/ 0 w 1474102"/>
+              <a:gd name="connsiteY12" fmla="*/ 0 h 1502220"/>
+            </a:gdLst>
+            <a:ahLst/>
+            <a:cxnLst>
+              <a:cxn ang="0">
+                <a:pos x="connsiteX0" y="connsiteY0"/>
+              </a:cxn>
+              <a:cxn ang="0">
+                <a:pos x="connsiteX1" y="connsiteY1"/>
+              </a:cxn>
+              <a:cxn ang="0">
+                <a:pos x="connsiteX2" y="connsiteY2"/>
+              </a:cxn>
+              <a:cxn ang="0">
+                <a:pos x="connsiteX3" y="connsiteY3"/>
+              </a:cxn>
+              <a:cxn ang="0">
+                <a:pos x="connsiteX4" y="connsiteY4"/>
+              </a:cxn>
+              <a:cxn ang="0">
+                <a:pos x="connsiteX5" y="connsiteY5"/>
+              </a:cxn>
+              <a:cxn ang="0">
+                <a:pos x="connsiteX6" y="connsiteY6"/>
+              </a:cxn>
+              <a:cxn ang="0">
+                <a:pos x="connsiteX7" y="connsiteY7"/>
+              </a:cxn>
+              <a:cxn ang="0">
+                <a:pos x="connsiteX8" y="connsiteY8"/>
+              </a:cxn>
+              <a:cxn ang="0">
+                <a:pos x="connsiteX9" y="connsiteY9"/>
+              </a:cxn>
+              <a:cxn ang="0">
+                <a:pos x="connsiteX10" y="connsiteY10"/>
+              </a:cxn>
+              <a:cxn ang="0">
+                <a:pos x="connsiteX11" y="connsiteY11"/>
+              </a:cxn>
+              <a:cxn ang="0">
+                <a:pos x="connsiteX12" y="connsiteY12"/>
+              </a:cxn>
+            </a:cxnLst>
+            <a:rect l="l" t="t" r="r" b="b"/>
+            <a:pathLst>
+              <a:path w="1474102" h="1502220" extrusionOk="0">
+                <a:moveTo>
+                  <a:pt x="0" y="0"/>
+                </a:moveTo>
+                <a:cubicBezTo>
+                  <a:pt x="123701" y="17865"/>
+                  <a:pt x="380075" y="-15782"/>
+                  <a:pt x="476626" y="0"/>
+                </a:cubicBezTo>
+                <a:cubicBezTo>
+                  <a:pt x="573177" y="15782"/>
+                  <a:pt x="741827" y="2622"/>
+                  <a:pt x="923771" y="0"/>
+                </a:cubicBezTo>
+                <a:cubicBezTo>
+                  <a:pt x="1105715" y="-2622"/>
+                  <a:pt x="1269455" y="-4001"/>
+                  <a:pt x="1474102" y="0"/>
+                </a:cubicBezTo>
+                <a:cubicBezTo>
+                  <a:pt x="1494371" y="182172"/>
+                  <a:pt x="1488678" y="322797"/>
+                  <a:pt x="1474102" y="485718"/>
+                </a:cubicBezTo>
+                <a:cubicBezTo>
+                  <a:pt x="1459526" y="648639"/>
+                  <a:pt x="1479109" y="849765"/>
+                  <a:pt x="1474102" y="956413"/>
+                </a:cubicBezTo>
+                <a:cubicBezTo>
+                  <a:pt x="1469095" y="1063061"/>
+                  <a:pt x="1485273" y="1368829"/>
+                  <a:pt x="1474102" y="1502220"/>
+                </a:cubicBezTo>
+                <a:cubicBezTo>
+                  <a:pt x="1229360" y="1503485"/>
+                  <a:pt x="1097785" y="1525126"/>
+                  <a:pt x="982735" y="1502220"/>
+                </a:cubicBezTo>
+                <a:cubicBezTo>
+                  <a:pt x="867685" y="1479314"/>
+                  <a:pt x="716961" y="1504479"/>
+                  <a:pt x="461885" y="1502220"/>
+                </a:cubicBezTo>
+                <a:cubicBezTo>
+                  <a:pt x="206809" y="1499962"/>
+                  <a:pt x="128251" y="1496175"/>
+                  <a:pt x="0" y="1502220"/>
+                </a:cubicBezTo>
+                <a:cubicBezTo>
+                  <a:pt x="19845" y="1313574"/>
+                  <a:pt x="22973" y="1200391"/>
+                  <a:pt x="0" y="1001480"/>
+                </a:cubicBezTo>
+                <a:cubicBezTo>
+                  <a:pt x="-22973" y="802569"/>
+                  <a:pt x="-5950" y="688831"/>
+                  <a:pt x="0" y="515762"/>
+                </a:cubicBezTo>
+                <a:cubicBezTo>
+                  <a:pt x="5950" y="342693"/>
+                  <a:pt x="-22968" y="213318"/>
+                  <a:pt x="0" y="0"/>
+                </a:cubicBezTo>
+                <a:close/>
+              </a:path>
+            </a:pathLst>
+          </a:custGeom>
+          <a:noFill/>
+          <a:ln>
+            <a:extLst>
+              <a:ext uri="{C807C97D-BFC1-408E-A445-0C87EB9F89A2}">
+                <ask:lineSketchStyleProps xmlns:ask="http://schemas.microsoft.com/office/drawing/2018/sketchyshapes" sd="1219033472">
+                  <a:prstGeom prst="rect">
+                    <a:avLst/>
+                  </a:prstGeom>
+                  <ask:type>
+                    <ask:lineSketchFreehand/>
+                  </ask:type>
+                </ask:lineSketchStyleProps>
+              </a:ext>
+            </a:extLst>
+          </a:ln>
+        </p:spPr>
+        <p:style>
+          <a:lnRef idx="2">
+            <a:schemeClr val="accent1">
+              <a:shade val="15000"/>
+            </a:schemeClr>
+          </a:lnRef>
+          <a:fillRef idx="1">
+            <a:schemeClr val="accent1"/>
+          </a:fillRef>
+          <a:effectRef idx="0">
+            <a:schemeClr val="accent1"/>
+          </a:effectRef>
+          <a:fontRef idx="minor">
+            <a:schemeClr val="lt1"/>
+          </a:fontRef>
+        </p:style>
+        <p:txBody>
+          <a:bodyPr rtlCol="0" anchor="ctr" anchorCtr="0"/>
+          <a:lstStyle/>
+          <a:p>
+            <a:pPr algn="ctr"/>
+            <a:r>
+              <a:rPr lang="en-US" sz="1400" dirty="0">
+                <a:solidFill>
+                  <a:schemeClr val="accent1">
+                    <a:lumMod val="75000"/>
+                  </a:schemeClr>
+                </a:solidFill>
+              </a:rPr>
+              <a:t>Deploy as OpenShift Service</a:t>
+            </a:r>
+            <a:br>
+              <a:rPr lang="en-US" sz="1400" dirty="0">
+                <a:solidFill>
+                  <a:schemeClr val="accent1">
+                    <a:lumMod val="75000"/>
+                  </a:schemeClr>
+                </a:solidFill>
+              </a:rPr>
+            </a:br>
+            <a:r>
+              <a:rPr lang="en-US" sz="1400" dirty="0">
+                <a:solidFill>
+                  <a:schemeClr val="accent1">
+                    <a:lumMod val="75000"/>
+                  </a:schemeClr>
+                </a:solidFill>
+              </a:rPr>
+              <a:t>(</a:t>
+            </a:r>
+            <a:r>
+              <a:rPr lang="en-US" sz="1400" dirty="0" err="1">
+                <a:solidFill>
+                  <a:schemeClr val="accent1">
+                    <a:lumMod val="75000"/>
+                  </a:schemeClr>
+                </a:solidFill>
+              </a:rPr>
+              <a:t>KServe</a:t>
+            </a:r>
+            <a:r>
+              <a:rPr lang="en-US" sz="1400" dirty="0">
+                <a:solidFill>
+                  <a:schemeClr val="accent1">
+                    <a:lumMod val="75000"/>
+                  </a:schemeClr>
+                </a:solidFill>
+              </a:rPr>
+              <a:t>)</a:t>
+            </a:r>
+          </a:p>
+        </p:txBody>
+      </p:sp>
+      <p:sp>
+        <p:nvSpPr>
+          <p:cNvPr id="13" name="Rectangle 12">
+            <a:extLst>
+              <a:ext uri="{FF2B5EF4-FFF2-40B4-BE49-F238E27FC236}">
+                <a16:creationId xmlns:a16="http://schemas.microsoft.com/office/drawing/2014/main" id="{08702E5A-408A-B05F-F474-68B8B3657F37}"/>
+              </a:ext>
+            </a:extLst>
+          </p:cNvPr>
+          <p:cNvSpPr/>
+          <p:nvPr/>
+        </p:nvSpPr>
+        <p:spPr>
+          <a:xfrm>
+            <a:off x="705680" y="3859904"/>
+            <a:ext cx="1474102" cy="1502220"/>
+          </a:xfrm>
+          <a:custGeom>
+            <a:avLst/>
+            <a:gdLst>
+              <a:gd name="connsiteX0" fmla="*/ 0 w 1474102"/>
+              <a:gd name="connsiteY0" fmla="*/ 0 h 1502220"/>
+              <a:gd name="connsiteX1" fmla="*/ 476626 w 1474102"/>
+              <a:gd name="connsiteY1" fmla="*/ 0 h 1502220"/>
+              <a:gd name="connsiteX2" fmla="*/ 923771 w 1474102"/>
+              <a:gd name="connsiteY2" fmla="*/ 0 h 1502220"/>
+              <a:gd name="connsiteX3" fmla="*/ 1474102 w 1474102"/>
+              <a:gd name="connsiteY3" fmla="*/ 0 h 1502220"/>
+              <a:gd name="connsiteX4" fmla="*/ 1474102 w 1474102"/>
+              <a:gd name="connsiteY4" fmla="*/ 485718 h 1502220"/>
+              <a:gd name="connsiteX5" fmla="*/ 1474102 w 1474102"/>
+              <a:gd name="connsiteY5" fmla="*/ 956413 h 1502220"/>
+              <a:gd name="connsiteX6" fmla="*/ 1474102 w 1474102"/>
+              <a:gd name="connsiteY6" fmla="*/ 1502220 h 1502220"/>
+              <a:gd name="connsiteX7" fmla="*/ 982735 w 1474102"/>
+              <a:gd name="connsiteY7" fmla="*/ 1502220 h 1502220"/>
+              <a:gd name="connsiteX8" fmla="*/ 461885 w 1474102"/>
+              <a:gd name="connsiteY8" fmla="*/ 1502220 h 1502220"/>
+              <a:gd name="connsiteX9" fmla="*/ 0 w 1474102"/>
+              <a:gd name="connsiteY9" fmla="*/ 1502220 h 1502220"/>
+              <a:gd name="connsiteX10" fmla="*/ 0 w 1474102"/>
+              <a:gd name="connsiteY10" fmla="*/ 1001480 h 1502220"/>
+              <a:gd name="connsiteX11" fmla="*/ 0 w 1474102"/>
+              <a:gd name="connsiteY11" fmla="*/ 515762 h 1502220"/>
+              <a:gd name="connsiteX12" fmla="*/ 0 w 1474102"/>
+              <a:gd name="connsiteY12" fmla="*/ 0 h 1502220"/>
+            </a:gdLst>
+            <a:ahLst/>
+            <a:cxnLst>
+              <a:cxn ang="0">
+                <a:pos x="connsiteX0" y="connsiteY0"/>
+              </a:cxn>
+              <a:cxn ang="0">
+                <a:pos x="connsiteX1" y="connsiteY1"/>
+              </a:cxn>
+              <a:cxn ang="0">
+                <a:pos x="connsiteX2" y="connsiteY2"/>
+              </a:cxn>
+              <a:cxn ang="0">
+                <a:pos x="connsiteX3" y="connsiteY3"/>
+              </a:cxn>
+              <a:cxn ang="0">
+                <a:pos x="connsiteX4" y="connsiteY4"/>
+              </a:cxn>
+              <a:cxn ang="0">
+                <a:pos x="connsiteX5" y="connsiteY5"/>
+              </a:cxn>
+              <a:cxn ang="0">
+                <a:pos x="connsiteX6" y="connsiteY6"/>
+              </a:cxn>
+              <a:cxn ang="0">
+                <a:pos x="connsiteX7" y="connsiteY7"/>
+              </a:cxn>
+              <a:cxn ang="0">
+                <a:pos x="connsiteX8" y="connsiteY8"/>
+              </a:cxn>
+              <a:cxn ang="0">
+                <a:pos x="connsiteX9" y="connsiteY9"/>
+              </a:cxn>
+              <a:cxn ang="0">
+                <a:pos x="connsiteX10" y="connsiteY10"/>
+              </a:cxn>
+              <a:cxn ang="0">
+                <a:pos x="connsiteX11" y="connsiteY11"/>
+              </a:cxn>
+              <a:cxn ang="0">
+                <a:pos x="connsiteX12" y="connsiteY12"/>
+              </a:cxn>
+            </a:cxnLst>
+            <a:rect l="l" t="t" r="r" b="b"/>
+            <a:pathLst>
+              <a:path w="1474102" h="1502220" extrusionOk="0">
+                <a:moveTo>
+                  <a:pt x="0" y="0"/>
+                </a:moveTo>
+                <a:cubicBezTo>
+                  <a:pt x="123701" y="17865"/>
+                  <a:pt x="380075" y="-15782"/>
+                  <a:pt x="476626" y="0"/>
+                </a:cubicBezTo>
+                <a:cubicBezTo>
+                  <a:pt x="573177" y="15782"/>
+                  <a:pt x="741827" y="2622"/>
+                  <a:pt x="923771" y="0"/>
+                </a:cubicBezTo>
+                <a:cubicBezTo>
+                  <a:pt x="1105715" y="-2622"/>
+                  <a:pt x="1269455" y="-4001"/>
+                  <a:pt x="1474102" y="0"/>
+                </a:cubicBezTo>
+                <a:cubicBezTo>
+                  <a:pt x="1494371" y="182172"/>
+                  <a:pt x="1488678" y="322797"/>
+                  <a:pt x="1474102" y="485718"/>
+                </a:cubicBezTo>
+                <a:cubicBezTo>
+                  <a:pt x="1459526" y="648639"/>
+                  <a:pt x="1479109" y="849765"/>
+                  <a:pt x="1474102" y="956413"/>
+                </a:cubicBezTo>
+                <a:cubicBezTo>
+                  <a:pt x="1469095" y="1063061"/>
+                  <a:pt x="1485273" y="1368829"/>
+                  <a:pt x="1474102" y="1502220"/>
+                </a:cubicBezTo>
+                <a:cubicBezTo>
+                  <a:pt x="1229360" y="1503485"/>
+                  <a:pt x="1097785" y="1525126"/>
+                  <a:pt x="982735" y="1502220"/>
+                </a:cubicBezTo>
+                <a:cubicBezTo>
+                  <a:pt x="867685" y="1479314"/>
+                  <a:pt x="716961" y="1504479"/>
+                  <a:pt x="461885" y="1502220"/>
+                </a:cubicBezTo>
+                <a:cubicBezTo>
+                  <a:pt x="206809" y="1499962"/>
+                  <a:pt x="128251" y="1496175"/>
+                  <a:pt x="0" y="1502220"/>
+                </a:cubicBezTo>
+                <a:cubicBezTo>
+                  <a:pt x="19845" y="1313574"/>
+                  <a:pt x="22973" y="1200391"/>
+                  <a:pt x="0" y="1001480"/>
+                </a:cubicBezTo>
+                <a:cubicBezTo>
+                  <a:pt x="-22973" y="802569"/>
+                  <a:pt x="-5950" y="688831"/>
+                  <a:pt x="0" y="515762"/>
+                </a:cubicBezTo>
+                <a:cubicBezTo>
+                  <a:pt x="5950" y="342693"/>
+                  <a:pt x="-22968" y="213318"/>
+                  <a:pt x="0" y="0"/>
+                </a:cubicBezTo>
+                <a:close/>
+              </a:path>
+            </a:pathLst>
+          </a:custGeom>
+          <a:noFill/>
+          <a:ln>
+            <a:extLst>
+              <a:ext uri="{C807C97D-BFC1-408E-A445-0C87EB9F89A2}">
+                <ask:lineSketchStyleProps xmlns:ask="http://schemas.microsoft.com/office/drawing/2018/sketchyshapes" sd="1219033472">
+                  <a:prstGeom prst="rect">
+                    <a:avLst/>
+                  </a:prstGeom>
+                  <ask:type>
+                    <ask:lineSketchFreehand/>
+                  </ask:type>
+                </ask:lineSketchStyleProps>
+              </a:ext>
+            </a:extLst>
+          </a:ln>
+        </p:spPr>
+        <p:style>
+          <a:lnRef idx="2">
+            <a:schemeClr val="accent1">
+              <a:shade val="15000"/>
+            </a:schemeClr>
+          </a:lnRef>
+          <a:fillRef idx="1">
+            <a:schemeClr val="accent1"/>
+          </a:fillRef>
+          <a:effectRef idx="0">
+            <a:schemeClr val="accent1"/>
+          </a:effectRef>
+          <a:fontRef idx="minor">
+            <a:schemeClr val="lt1"/>
+          </a:fontRef>
+        </p:style>
+        <p:txBody>
+          <a:bodyPr rtlCol="0" anchor="ctr" anchorCtr="0"/>
+          <a:lstStyle/>
+          <a:p>
+            <a:pPr algn="ctr"/>
+            <a:r>
+              <a:rPr lang="en-US" sz="1400" dirty="0">
+                <a:solidFill>
+                  <a:schemeClr val="accent1">
+                    <a:lumMod val="75000"/>
+                  </a:schemeClr>
+                </a:solidFill>
+              </a:rPr>
+              <a:t>Data Quality Report</a:t>
+            </a:r>
+          </a:p>
+          <a:p>
+            <a:pPr algn="ctr"/>
+            <a:r>
+              <a:rPr lang="en-US" sz="1400" dirty="0">
+                <a:solidFill>
+                  <a:schemeClr val="accent1">
+                    <a:lumMod val="75000"/>
+                  </a:schemeClr>
+                </a:solidFill>
+              </a:rPr>
+              <a:t>(Evidently AI)</a:t>
+            </a:r>
+          </a:p>
+        </p:txBody>
+      </p:sp>
+      <p:cxnSp>
+        <p:nvCxnSpPr>
+          <p:cNvPr id="15" name="Straight Arrow Connector 14">
+            <a:extLst>
+              <a:ext uri="{FF2B5EF4-FFF2-40B4-BE49-F238E27FC236}">
+                <a16:creationId xmlns:a16="http://schemas.microsoft.com/office/drawing/2014/main" id="{EDADA912-4404-CDB0-A283-4C7B0C14A6C3}"/>
+              </a:ext>
+            </a:extLst>
+          </p:cNvPr>
+          <p:cNvCxnSpPr>
+            <a:stCxn id="5" idx="3"/>
+            <a:endCxn id="7" idx="1"/>
+          </p:cNvCxnSpPr>
+          <p:nvPr/>
+        </p:nvCxnSpPr>
+        <p:spPr>
+          <a:xfrm>
+            <a:off x="2179782" y="2781958"/>
+            <a:ext cx="508045" cy="0"/>
+          </a:xfrm>
+          <a:prstGeom prst="straightConnector1">
+            <a:avLst/>
+          </a:prstGeom>
+          <a:ln>
+            <a:tailEnd type="triangle"/>
+          </a:ln>
+        </p:spPr>
+        <p:style>
+          <a:lnRef idx="1">
+            <a:schemeClr val="accent1"/>
+          </a:lnRef>
+          <a:fillRef idx="0">
+            <a:schemeClr val="accent1"/>
+          </a:fillRef>
+          <a:effectRef idx="0">
+            <a:schemeClr val="accent1"/>
+          </a:effectRef>
+          <a:fontRef idx="minor">
+            <a:schemeClr val="tx1"/>
+          </a:fontRef>
+        </p:style>
+      </p:cxnSp>
+      <p:cxnSp>
+        <p:nvCxnSpPr>
+          <p:cNvPr id="17" name="Straight Arrow Connector 16">
+            <a:extLst>
+              <a:ext uri="{FF2B5EF4-FFF2-40B4-BE49-F238E27FC236}">
+                <a16:creationId xmlns:a16="http://schemas.microsoft.com/office/drawing/2014/main" id="{82BFE968-C13A-9F40-4E5B-E03C731F0817}"/>
+              </a:ext>
+            </a:extLst>
+          </p:cNvPr>
+          <p:cNvCxnSpPr>
+            <a:stCxn id="7" idx="3"/>
+            <a:endCxn id="8" idx="1"/>
+          </p:cNvCxnSpPr>
+          <p:nvPr/>
+        </p:nvCxnSpPr>
+        <p:spPr>
+          <a:xfrm>
+            <a:off x="4161929" y="2781958"/>
+            <a:ext cx="508045" cy="0"/>
+          </a:xfrm>
+          <a:prstGeom prst="straightConnector1">
+            <a:avLst/>
+          </a:prstGeom>
+          <a:ln>
+            <a:tailEnd type="triangle"/>
+          </a:ln>
+        </p:spPr>
+        <p:style>
+          <a:lnRef idx="1">
+            <a:schemeClr val="accent1"/>
+          </a:lnRef>
+          <a:fillRef idx="0">
+            <a:schemeClr val="accent1"/>
+          </a:fillRef>
+          <a:effectRef idx="0">
+            <a:schemeClr val="accent1"/>
+          </a:effectRef>
+          <a:fontRef idx="minor">
+            <a:schemeClr val="tx1"/>
+          </a:fontRef>
+        </p:style>
+      </p:cxnSp>
+      <p:cxnSp>
+        <p:nvCxnSpPr>
+          <p:cNvPr id="19" name="Straight Arrow Connector 18">
+            <a:extLst>
+              <a:ext uri="{FF2B5EF4-FFF2-40B4-BE49-F238E27FC236}">
+                <a16:creationId xmlns:a16="http://schemas.microsoft.com/office/drawing/2014/main" id="{BCF501B2-DF8D-AD5E-01EF-620D02346299}"/>
+              </a:ext>
+            </a:extLst>
+          </p:cNvPr>
+          <p:cNvCxnSpPr>
+            <a:stCxn id="8" idx="3"/>
+            <a:endCxn id="11" idx="1"/>
+          </p:cNvCxnSpPr>
+          <p:nvPr/>
+        </p:nvCxnSpPr>
+        <p:spPr>
+          <a:xfrm>
+            <a:off x="6144076" y="2781958"/>
+            <a:ext cx="306618" cy="0"/>
+          </a:xfrm>
+          <a:prstGeom prst="straightConnector1">
+            <a:avLst/>
+          </a:prstGeom>
+          <a:ln>
+            <a:tailEnd type="triangle"/>
+          </a:ln>
+        </p:spPr>
+        <p:style>
+          <a:lnRef idx="1">
+            <a:schemeClr val="accent1"/>
+          </a:lnRef>
+          <a:fillRef idx="0">
+            <a:schemeClr val="accent1"/>
+          </a:fillRef>
+          <a:effectRef idx="0">
+            <a:schemeClr val="accent1"/>
+          </a:effectRef>
+          <a:fontRef idx="minor">
+            <a:schemeClr val="tx1"/>
+          </a:fontRef>
+        </p:style>
+      </p:cxnSp>
+      <p:cxnSp>
+        <p:nvCxnSpPr>
+          <p:cNvPr id="21" name="Straight Arrow Connector 20">
+            <a:extLst>
+              <a:ext uri="{FF2B5EF4-FFF2-40B4-BE49-F238E27FC236}">
+                <a16:creationId xmlns:a16="http://schemas.microsoft.com/office/drawing/2014/main" id="{3DEC4510-A8FD-D126-E536-522677F592EC}"/>
+              </a:ext>
+            </a:extLst>
+          </p:cNvPr>
+          <p:cNvCxnSpPr>
+            <a:stCxn id="11" idx="3"/>
+            <a:endCxn id="10" idx="1"/>
+          </p:cNvCxnSpPr>
+          <p:nvPr/>
+        </p:nvCxnSpPr>
+        <p:spPr>
+          <a:xfrm>
+            <a:off x="7924795" y="2781958"/>
+            <a:ext cx="306618" cy="0"/>
+          </a:xfrm>
+          <a:prstGeom prst="straightConnector1">
+            <a:avLst/>
+          </a:prstGeom>
+          <a:ln>
+            <a:tailEnd type="triangle"/>
+          </a:ln>
+        </p:spPr>
+        <p:style>
+          <a:lnRef idx="1">
+            <a:schemeClr val="accent1"/>
+          </a:lnRef>
+          <a:fillRef idx="0">
+            <a:schemeClr val="accent1"/>
+          </a:fillRef>
+          <a:effectRef idx="0">
+            <a:schemeClr val="accent1"/>
+          </a:effectRef>
+          <a:fontRef idx="minor">
+            <a:schemeClr val="tx1"/>
+          </a:fontRef>
+        </p:style>
+      </p:cxnSp>
+      <p:cxnSp>
+        <p:nvCxnSpPr>
+          <p:cNvPr id="23" name="Straight Arrow Connector 22">
+            <a:extLst>
+              <a:ext uri="{FF2B5EF4-FFF2-40B4-BE49-F238E27FC236}">
+                <a16:creationId xmlns:a16="http://schemas.microsoft.com/office/drawing/2014/main" id="{92615A59-B4BA-89E3-F73C-21561160D2BC}"/>
+              </a:ext>
+            </a:extLst>
+          </p:cNvPr>
+          <p:cNvCxnSpPr>
+            <a:stCxn id="10" idx="3"/>
+            <a:endCxn id="12" idx="1"/>
+          </p:cNvCxnSpPr>
+          <p:nvPr/>
+        </p:nvCxnSpPr>
+        <p:spPr>
+          <a:xfrm>
+            <a:off x="9705514" y="2781958"/>
+            <a:ext cx="467439" cy="0"/>
+          </a:xfrm>
+          <a:prstGeom prst="straightConnector1">
+            <a:avLst/>
+          </a:prstGeom>
+          <a:ln>
+            <a:tailEnd type="triangle"/>
+          </a:ln>
+        </p:spPr>
+        <p:style>
+          <a:lnRef idx="1">
+            <a:schemeClr val="accent1"/>
+          </a:lnRef>
+          <a:fillRef idx="0">
+            <a:schemeClr val="accent1"/>
+          </a:fillRef>
+          <a:effectRef idx="0">
+            <a:schemeClr val="accent1"/>
+          </a:effectRef>
+          <a:fontRef idx="minor">
+            <a:schemeClr val="tx1"/>
+          </a:fontRef>
+        </p:style>
+      </p:cxnSp>
+      <p:cxnSp>
+        <p:nvCxnSpPr>
+          <p:cNvPr id="26" name="Straight Connector 25">
+            <a:extLst>
+              <a:ext uri="{FF2B5EF4-FFF2-40B4-BE49-F238E27FC236}">
+                <a16:creationId xmlns:a16="http://schemas.microsoft.com/office/drawing/2014/main" id="{401AA7E1-F7FB-FB34-BE63-C3467F97DD28}"/>
+              </a:ext>
+            </a:extLst>
+          </p:cNvPr>
+          <p:cNvCxnSpPr>
+            <a:stCxn id="5" idx="2"/>
+            <a:endCxn id="13" idx="0"/>
+          </p:cNvCxnSpPr>
+          <p:nvPr/>
+        </p:nvCxnSpPr>
+        <p:spPr>
+          <a:xfrm>
+            <a:off x="1442731" y="3533068"/>
+            <a:ext cx="0" cy="326836"/>
+          </a:xfrm>
+          <a:prstGeom prst="line">
+            <a:avLst/>
+          </a:prstGeom>
+          <a:ln>
+            <a:prstDash val="dash"/>
+          </a:ln>
+        </p:spPr>
+        <p:style>
+          <a:lnRef idx="1">
+            <a:schemeClr val="accent1"/>
+          </a:lnRef>
+          <a:fillRef idx="0">
+            <a:schemeClr val="accent1"/>
+          </a:fillRef>
+          <a:effectRef idx="0">
+            <a:schemeClr val="accent1"/>
+          </a:effectRef>
+          <a:fontRef idx="minor">
+            <a:schemeClr val="tx1"/>
+          </a:fontRef>
+        </p:style>
+      </p:cxnSp>
+      <p:cxnSp>
+        <p:nvCxnSpPr>
+          <p:cNvPr id="27" name="Straight Connector 26">
+            <a:extLst>
+              <a:ext uri="{FF2B5EF4-FFF2-40B4-BE49-F238E27FC236}">
+                <a16:creationId xmlns:a16="http://schemas.microsoft.com/office/drawing/2014/main" id="{2E312B79-7E29-00DC-BA85-27FC419C3040}"/>
+              </a:ext>
+            </a:extLst>
+          </p:cNvPr>
+          <p:cNvCxnSpPr>
+            <a:cxnSpLocks/>
+            <a:stCxn id="8" idx="2"/>
+            <a:endCxn id="9" idx="0"/>
+          </p:cNvCxnSpPr>
+          <p:nvPr/>
+        </p:nvCxnSpPr>
+        <p:spPr>
+          <a:xfrm flipH="1">
+            <a:off x="4506447" y="3533068"/>
+            <a:ext cx="900578" cy="326836"/>
+          </a:xfrm>
+          <a:prstGeom prst="line">
+            <a:avLst/>
+          </a:prstGeom>
+          <a:ln>
+            <a:prstDash val="dash"/>
+          </a:ln>
+        </p:spPr>
+        <p:style>
+          <a:lnRef idx="1">
+            <a:schemeClr val="accent1"/>
+          </a:lnRef>
+          <a:fillRef idx="0">
+            <a:schemeClr val="accent1"/>
+          </a:fillRef>
+          <a:effectRef idx="0">
+            <a:schemeClr val="accent1"/>
+          </a:effectRef>
+          <a:fontRef idx="minor">
+            <a:schemeClr val="tx1"/>
+          </a:fontRef>
+        </p:style>
+      </p:cxnSp>
+      <p:sp>
+        <p:nvSpPr>
+          <p:cNvPr id="37" name="Rectangle 36">
+            <a:extLst>
+              <a:ext uri="{FF2B5EF4-FFF2-40B4-BE49-F238E27FC236}">
+                <a16:creationId xmlns:a16="http://schemas.microsoft.com/office/drawing/2014/main" id="{836C5847-5D47-F086-37C1-406EC411E1C6}"/>
+              </a:ext>
+            </a:extLst>
+          </p:cNvPr>
+          <p:cNvSpPr/>
+          <p:nvPr/>
+        </p:nvSpPr>
+        <p:spPr>
+          <a:xfrm>
+            <a:off x="5560334" y="3859903"/>
+            <a:ext cx="1474102" cy="1502220"/>
+          </a:xfrm>
+          <a:custGeom>
+            <a:avLst/>
+            <a:gdLst>
+              <a:gd name="connsiteX0" fmla="*/ 0 w 1474102"/>
+              <a:gd name="connsiteY0" fmla="*/ 0 h 1502220"/>
+              <a:gd name="connsiteX1" fmla="*/ 476626 w 1474102"/>
+              <a:gd name="connsiteY1" fmla="*/ 0 h 1502220"/>
+              <a:gd name="connsiteX2" fmla="*/ 923771 w 1474102"/>
+              <a:gd name="connsiteY2" fmla="*/ 0 h 1502220"/>
+              <a:gd name="connsiteX3" fmla="*/ 1474102 w 1474102"/>
+              <a:gd name="connsiteY3" fmla="*/ 0 h 1502220"/>
+              <a:gd name="connsiteX4" fmla="*/ 1474102 w 1474102"/>
+              <a:gd name="connsiteY4" fmla="*/ 485718 h 1502220"/>
+              <a:gd name="connsiteX5" fmla="*/ 1474102 w 1474102"/>
+              <a:gd name="connsiteY5" fmla="*/ 956413 h 1502220"/>
+              <a:gd name="connsiteX6" fmla="*/ 1474102 w 1474102"/>
+              <a:gd name="connsiteY6" fmla="*/ 1502220 h 1502220"/>
+              <a:gd name="connsiteX7" fmla="*/ 982735 w 1474102"/>
+              <a:gd name="connsiteY7" fmla="*/ 1502220 h 1502220"/>
+              <a:gd name="connsiteX8" fmla="*/ 461885 w 1474102"/>
+              <a:gd name="connsiteY8" fmla="*/ 1502220 h 1502220"/>
+              <a:gd name="connsiteX9" fmla="*/ 0 w 1474102"/>
+              <a:gd name="connsiteY9" fmla="*/ 1502220 h 1502220"/>
+              <a:gd name="connsiteX10" fmla="*/ 0 w 1474102"/>
+              <a:gd name="connsiteY10" fmla="*/ 1001480 h 1502220"/>
+              <a:gd name="connsiteX11" fmla="*/ 0 w 1474102"/>
+              <a:gd name="connsiteY11" fmla="*/ 515762 h 1502220"/>
+              <a:gd name="connsiteX12" fmla="*/ 0 w 1474102"/>
+              <a:gd name="connsiteY12" fmla="*/ 0 h 1502220"/>
+            </a:gdLst>
+            <a:ahLst/>
+            <a:cxnLst>
+              <a:cxn ang="0">
+                <a:pos x="connsiteX0" y="connsiteY0"/>
+              </a:cxn>
+              <a:cxn ang="0">
+                <a:pos x="connsiteX1" y="connsiteY1"/>
+              </a:cxn>
+              <a:cxn ang="0">
+                <a:pos x="connsiteX2" y="connsiteY2"/>
+              </a:cxn>
+              <a:cxn ang="0">
+                <a:pos x="connsiteX3" y="connsiteY3"/>
+              </a:cxn>
+              <a:cxn ang="0">
+                <a:pos x="connsiteX4" y="connsiteY4"/>
+              </a:cxn>
+              <a:cxn ang="0">
+                <a:pos x="connsiteX5" y="connsiteY5"/>
+              </a:cxn>
+              <a:cxn ang="0">
+                <a:pos x="connsiteX6" y="connsiteY6"/>
+              </a:cxn>
+              <a:cxn ang="0">
+                <a:pos x="connsiteX7" y="connsiteY7"/>
+              </a:cxn>
+              <a:cxn ang="0">
+                <a:pos x="connsiteX8" y="connsiteY8"/>
+              </a:cxn>
+              <a:cxn ang="0">
+                <a:pos x="connsiteX9" y="connsiteY9"/>
+              </a:cxn>
+              <a:cxn ang="0">
+                <a:pos x="connsiteX10" y="connsiteY10"/>
+              </a:cxn>
+              <a:cxn ang="0">
+                <a:pos x="connsiteX11" y="connsiteY11"/>
+              </a:cxn>
+              <a:cxn ang="0">
+                <a:pos x="connsiteX12" y="connsiteY12"/>
+              </a:cxn>
+            </a:cxnLst>
+            <a:rect l="l" t="t" r="r" b="b"/>
+            <a:pathLst>
+              <a:path w="1474102" h="1502220" extrusionOk="0">
+                <a:moveTo>
+                  <a:pt x="0" y="0"/>
+                </a:moveTo>
+                <a:cubicBezTo>
+                  <a:pt x="123701" y="17865"/>
+                  <a:pt x="380075" y="-15782"/>
+                  <a:pt x="476626" y="0"/>
+                </a:cubicBezTo>
+                <a:cubicBezTo>
+                  <a:pt x="573177" y="15782"/>
+                  <a:pt x="741827" y="2622"/>
+                  <a:pt x="923771" y="0"/>
+                </a:cubicBezTo>
+                <a:cubicBezTo>
+                  <a:pt x="1105715" y="-2622"/>
+                  <a:pt x="1269455" y="-4001"/>
+                  <a:pt x="1474102" y="0"/>
+                </a:cubicBezTo>
+                <a:cubicBezTo>
+                  <a:pt x="1494371" y="182172"/>
+                  <a:pt x="1488678" y="322797"/>
+                  <a:pt x="1474102" y="485718"/>
+                </a:cubicBezTo>
+                <a:cubicBezTo>
+                  <a:pt x="1459526" y="648639"/>
+                  <a:pt x="1479109" y="849765"/>
+                  <a:pt x="1474102" y="956413"/>
+                </a:cubicBezTo>
+                <a:cubicBezTo>
+                  <a:pt x="1469095" y="1063061"/>
+                  <a:pt x="1485273" y="1368829"/>
+                  <a:pt x="1474102" y="1502220"/>
+                </a:cubicBezTo>
+                <a:cubicBezTo>
+                  <a:pt x="1229360" y="1503485"/>
+                  <a:pt x="1097785" y="1525126"/>
+                  <a:pt x="982735" y="1502220"/>
+                </a:cubicBezTo>
+                <a:cubicBezTo>
+                  <a:pt x="867685" y="1479314"/>
+                  <a:pt x="716961" y="1504479"/>
+                  <a:pt x="461885" y="1502220"/>
+                </a:cubicBezTo>
+                <a:cubicBezTo>
+                  <a:pt x="206809" y="1499962"/>
+                  <a:pt x="128251" y="1496175"/>
+                  <a:pt x="0" y="1502220"/>
+                </a:cubicBezTo>
+                <a:cubicBezTo>
+                  <a:pt x="19845" y="1313574"/>
+                  <a:pt x="22973" y="1200391"/>
+                  <a:pt x="0" y="1001480"/>
+                </a:cubicBezTo>
+                <a:cubicBezTo>
+                  <a:pt x="-22973" y="802569"/>
+                  <a:pt x="-5950" y="688831"/>
+                  <a:pt x="0" y="515762"/>
+                </a:cubicBezTo>
+                <a:cubicBezTo>
+                  <a:pt x="5950" y="342693"/>
+                  <a:pt x="-22968" y="213318"/>
+                  <a:pt x="0" y="0"/>
+                </a:cubicBezTo>
+                <a:close/>
+              </a:path>
+            </a:pathLst>
+          </a:custGeom>
+          <a:noFill/>
+          <a:ln>
+            <a:extLst>
+              <a:ext uri="{C807C97D-BFC1-408E-A445-0C87EB9F89A2}">
+                <ask:lineSketchStyleProps xmlns:ask="http://schemas.microsoft.com/office/drawing/2018/sketchyshapes" sd="1219033472">
+                  <a:prstGeom prst="rect">
+                    <a:avLst/>
+                  </a:prstGeom>
+                  <ask:type>
+                    <ask:lineSketchFreehand/>
+                  </ask:type>
+                </ask:lineSketchStyleProps>
+              </a:ext>
+            </a:extLst>
+          </a:ln>
+        </p:spPr>
+        <p:style>
+          <a:lnRef idx="2">
+            <a:schemeClr val="accent1">
+              <a:shade val="15000"/>
+            </a:schemeClr>
+          </a:lnRef>
+          <a:fillRef idx="1">
+            <a:schemeClr val="accent1"/>
+          </a:fillRef>
+          <a:effectRef idx="0">
+            <a:schemeClr val="accent1"/>
+          </a:effectRef>
+          <a:fontRef idx="minor">
+            <a:schemeClr val="lt1"/>
+          </a:fontRef>
+        </p:style>
+        <p:txBody>
+          <a:bodyPr rtlCol="0" anchor="ctr" anchorCtr="0"/>
+          <a:lstStyle/>
+          <a:p>
+            <a:pPr algn="ctr"/>
+            <a:r>
+              <a:rPr lang="en-US" sz="1400" dirty="0">
+                <a:solidFill>
+                  <a:schemeClr val="accent1">
+                    <a:lumMod val="75000"/>
+                  </a:schemeClr>
+                </a:solidFill>
+              </a:rPr>
+              <a:t>Evaluate PR tradeoff </a:t>
+            </a:r>
+            <a:br>
+              <a:rPr lang="en-US" sz="1400" dirty="0">
+                <a:solidFill>
+                  <a:schemeClr val="accent1">
+                    <a:lumMod val="75000"/>
+                  </a:schemeClr>
+                </a:solidFill>
+              </a:rPr>
+            </a:br>
+            <a:r>
+              <a:rPr lang="en-US" sz="1400" dirty="0">
+                <a:solidFill>
+                  <a:schemeClr val="accent1">
+                    <a:lumMod val="75000"/>
+                  </a:schemeClr>
+                </a:solidFill>
+              </a:rPr>
+              <a:t>(scikit-learn visualization)</a:t>
+            </a:r>
+          </a:p>
+        </p:txBody>
+      </p:sp>
+      <p:cxnSp>
+        <p:nvCxnSpPr>
+          <p:cNvPr id="38" name="Straight Connector 37">
+            <a:extLst>
+              <a:ext uri="{FF2B5EF4-FFF2-40B4-BE49-F238E27FC236}">
+                <a16:creationId xmlns:a16="http://schemas.microsoft.com/office/drawing/2014/main" id="{FACF3747-5EAE-AC7A-8FF6-C9B64626D5DE}"/>
+              </a:ext>
+            </a:extLst>
+          </p:cNvPr>
+          <p:cNvCxnSpPr>
+            <a:cxnSpLocks/>
+            <a:stCxn id="8" idx="2"/>
+            <a:endCxn id="37" idx="0"/>
+          </p:cNvCxnSpPr>
+          <p:nvPr/>
+        </p:nvCxnSpPr>
+        <p:spPr>
+          <a:xfrm>
+            <a:off x="5407025" y="3533068"/>
+            <a:ext cx="890360" cy="326835"/>
+          </a:xfrm>
+          <a:prstGeom prst="line">
+            <a:avLst/>
+          </a:prstGeom>
+          <a:ln>
+            <a:prstDash val="dash"/>
+          </a:ln>
+        </p:spPr>
+        <p:style>
+          <a:lnRef idx="1">
+            <a:schemeClr val="accent1"/>
+          </a:lnRef>
+          <a:fillRef idx="0">
+            <a:schemeClr val="accent1"/>
+          </a:fillRef>
+          <a:effectRef idx="0">
+            <a:schemeClr val="accent1"/>
+          </a:effectRef>
+          <a:fontRef idx="minor">
+            <a:schemeClr val="tx1"/>
+          </a:fontRef>
+        </p:style>
+      </p:cxnSp>
+      <p:pic>
+        <p:nvPicPr>
+          <p:cNvPr id="44" name="Graphic 43" descr="Loan with solid fill">
+            <a:extLst>
+              <a:ext uri="{FF2B5EF4-FFF2-40B4-BE49-F238E27FC236}">
+                <a16:creationId xmlns:a16="http://schemas.microsoft.com/office/drawing/2014/main" id="{E104E8AC-4ED4-B63D-19BC-C69A2E92B6E3}"/>
+              </a:ext>
+            </a:extLst>
+          </p:cNvPr>
+          <p:cNvPicPr>
+            <a:picLocks noChangeAspect="1"/>
+          </p:cNvPicPr>
+          <p:nvPr/>
+        </p:nvPicPr>
+        <p:blipFill>
+          <a:blip r:embed="rId2">
+            <a:extLst>
+              <a:ext uri="{96DAC541-7B7A-43D3-8B79-37D633B846F1}">
+                <asvg:svgBlip xmlns:asvg="http://schemas.microsoft.com/office/drawing/2016/SVG/main" r:embed="rId3"/>
+              </a:ext>
+            </a:extLst>
+          </a:blip>
+          <a:stretch>
+            <a:fillRect/>
+          </a:stretch>
+        </p:blipFill>
+        <p:spPr>
+          <a:xfrm>
+            <a:off x="787408" y="2091272"/>
+            <a:ext cx="348665" cy="348665"/>
+          </a:xfrm>
+          <a:prstGeom prst="rect">
+            <a:avLst/>
+          </a:prstGeom>
+        </p:spPr>
+      </p:pic>
+      <p:pic>
+        <p:nvPicPr>
+          <p:cNvPr id="46" name="Graphic 45" descr="Lightbulb and gear outline">
+            <a:extLst>
+              <a:ext uri="{FF2B5EF4-FFF2-40B4-BE49-F238E27FC236}">
+                <a16:creationId xmlns:a16="http://schemas.microsoft.com/office/drawing/2014/main" id="{0EC88B7C-3ED1-183A-5EE5-FF9210C366F5}"/>
+              </a:ext>
+            </a:extLst>
+          </p:cNvPr>
+          <p:cNvPicPr>
+            <a:picLocks noChangeAspect="1"/>
+          </p:cNvPicPr>
+          <p:nvPr/>
+        </p:nvPicPr>
+        <p:blipFill>
+          <a:blip r:embed="rId4">
+            <a:extLst>
+              <a:ext uri="{96DAC541-7B7A-43D3-8B79-37D633B846F1}">
+                <asvg:svgBlip xmlns:asvg="http://schemas.microsoft.com/office/drawing/2016/SVG/main" r:embed="rId5"/>
+              </a:ext>
+            </a:extLst>
+          </a:blip>
+          <a:stretch>
+            <a:fillRect/>
+          </a:stretch>
+        </p:blipFill>
+        <p:spPr>
+          <a:xfrm>
+            <a:off x="10172953" y="2030848"/>
+            <a:ext cx="353132" cy="353132"/>
+          </a:xfrm>
+          <a:prstGeom prst="rect">
+            <a:avLst/>
+          </a:prstGeom>
+        </p:spPr>
+      </p:pic>
+    </p:spTree>
+    <p:extLst>
+      <p:ext uri="{BB962C8B-B14F-4D97-AF65-F5344CB8AC3E}">
+        <p14:creationId xmlns:p14="http://schemas.microsoft.com/office/powerpoint/2010/main" val="702526587"/>
+      </p:ext>
+    </p:extLst>
+  </p:cSld>
+  <p:clrMapOvr>
+    <a:masterClrMapping/>
+  </p:clrMapOvr>
+</p:sld>
+</file>
+
+<file path=ppt/slides/slide8.xml><?xml version="1.0" encoding="utf-8"?>
+<p:sld xmlns:a="http://schemas.openxmlformats.org/drawingml/2006/main" xmlns:r="http://schemas.openxmlformats.org/officeDocument/2006/relationships" xmlns:p="http://schemas.openxmlformats.org/presentationml/2006/main">
+  <p:cSld>
+    <p:spTree>
+      <p:nvGrpSpPr>
+        <p:cNvPr id="1" name=""/>
+        <p:cNvGrpSpPr/>
+        <p:nvPr/>
+      </p:nvGrpSpPr>
+      <p:grpSpPr>
+        <a:xfrm>
+          <a:off x="0" y="0"/>
+          <a:ext cx="0" cy="0"/>
+          <a:chOff x="0" y="0"/>
+          <a:chExt cx="0" cy="0"/>
+        </a:xfrm>
+      </p:grpSpPr>
+      <p:sp>
+        <p:nvSpPr>
+          <p:cNvPr id="4" name="Rectangle 3">
+            <a:extLst>
+              <a:ext uri="{FF2B5EF4-FFF2-40B4-BE49-F238E27FC236}">
+                <a16:creationId xmlns:a16="http://schemas.microsoft.com/office/drawing/2014/main" id="{F51D59AE-EF4B-07C4-203A-C0877F280A38}"/>
+              </a:ext>
+            </a:extLst>
+          </p:cNvPr>
+          <p:cNvSpPr/>
+          <p:nvPr/>
+        </p:nvSpPr>
+        <p:spPr>
+          <a:xfrm>
+            <a:off x="1025237" y="1016000"/>
+            <a:ext cx="9975272" cy="4525817"/>
+          </a:xfrm>
+          <a:custGeom>
+            <a:avLst/>
+            <a:gdLst>
+              <a:gd name="connsiteX0" fmla="*/ 0 w 9975272"/>
+              <a:gd name="connsiteY0" fmla="*/ 0 h 4525817"/>
+              <a:gd name="connsiteX1" fmla="*/ 665018 w 9975272"/>
+              <a:gd name="connsiteY1" fmla="*/ 0 h 4525817"/>
+              <a:gd name="connsiteX2" fmla="*/ 1230284 w 9975272"/>
+              <a:gd name="connsiteY2" fmla="*/ 0 h 4525817"/>
+              <a:gd name="connsiteX3" fmla="*/ 1995054 w 9975272"/>
+              <a:gd name="connsiteY3" fmla="*/ 0 h 4525817"/>
+              <a:gd name="connsiteX4" fmla="*/ 2859578 w 9975272"/>
+              <a:gd name="connsiteY4" fmla="*/ 0 h 4525817"/>
+              <a:gd name="connsiteX5" fmla="*/ 3524596 w 9975272"/>
+              <a:gd name="connsiteY5" fmla="*/ 0 h 4525817"/>
+              <a:gd name="connsiteX6" fmla="*/ 4289367 w 9975272"/>
+              <a:gd name="connsiteY6" fmla="*/ 0 h 4525817"/>
+              <a:gd name="connsiteX7" fmla="*/ 4655127 w 9975272"/>
+              <a:gd name="connsiteY7" fmla="*/ 0 h 4525817"/>
+              <a:gd name="connsiteX8" fmla="*/ 5020887 w 9975272"/>
+              <a:gd name="connsiteY8" fmla="*/ 0 h 4525817"/>
+              <a:gd name="connsiteX9" fmla="*/ 5685905 w 9975272"/>
+              <a:gd name="connsiteY9" fmla="*/ 0 h 4525817"/>
+              <a:gd name="connsiteX10" fmla="*/ 6251170 w 9975272"/>
+              <a:gd name="connsiteY10" fmla="*/ 0 h 4525817"/>
+              <a:gd name="connsiteX11" fmla="*/ 6916189 w 9975272"/>
+              <a:gd name="connsiteY11" fmla="*/ 0 h 4525817"/>
+              <a:gd name="connsiteX12" fmla="*/ 7381701 w 9975272"/>
+              <a:gd name="connsiteY12" fmla="*/ 0 h 4525817"/>
+              <a:gd name="connsiteX13" fmla="*/ 8246225 w 9975272"/>
+              <a:gd name="connsiteY13" fmla="*/ 0 h 4525817"/>
+              <a:gd name="connsiteX14" fmla="*/ 8911243 w 9975272"/>
+              <a:gd name="connsiteY14" fmla="*/ 0 h 4525817"/>
+              <a:gd name="connsiteX15" fmla="*/ 9277003 w 9975272"/>
+              <a:gd name="connsiteY15" fmla="*/ 0 h 4525817"/>
+              <a:gd name="connsiteX16" fmla="*/ 9975272 w 9975272"/>
+              <a:gd name="connsiteY16" fmla="*/ 0 h 4525817"/>
+              <a:gd name="connsiteX17" fmla="*/ 9975272 w 9975272"/>
+              <a:gd name="connsiteY17" fmla="*/ 646545 h 4525817"/>
+              <a:gd name="connsiteX18" fmla="*/ 9975272 w 9975272"/>
+              <a:gd name="connsiteY18" fmla="*/ 1202574 h 4525817"/>
+              <a:gd name="connsiteX19" fmla="*/ 9975272 w 9975272"/>
+              <a:gd name="connsiteY19" fmla="*/ 1713345 h 4525817"/>
+              <a:gd name="connsiteX20" fmla="*/ 9975272 w 9975272"/>
+              <a:gd name="connsiteY20" fmla="*/ 2314632 h 4525817"/>
+              <a:gd name="connsiteX21" fmla="*/ 9975272 w 9975272"/>
+              <a:gd name="connsiteY21" fmla="*/ 2825403 h 4525817"/>
+              <a:gd name="connsiteX22" fmla="*/ 9975272 w 9975272"/>
+              <a:gd name="connsiteY22" fmla="*/ 3336174 h 4525817"/>
+              <a:gd name="connsiteX23" fmla="*/ 9975272 w 9975272"/>
+              <a:gd name="connsiteY23" fmla="*/ 4525817 h 4525817"/>
+              <a:gd name="connsiteX24" fmla="*/ 9609512 w 9975272"/>
+              <a:gd name="connsiteY24" fmla="*/ 4525817 h 4525817"/>
+              <a:gd name="connsiteX25" fmla="*/ 8744988 w 9975272"/>
+              <a:gd name="connsiteY25" fmla="*/ 4525817 h 4525817"/>
+              <a:gd name="connsiteX26" fmla="*/ 7880465 w 9975272"/>
+              <a:gd name="connsiteY26" fmla="*/ 4525817 h 4525817"/>
+              <a:gd name="connsiteX27" fmla="*/ 7015941 w 9975272"/>
+              <a:gd name="connsiteY27" fmla="*/ 4525817 h 4525817"/>
+              <a:gd name="connsiteX28" fmla="*/ 6251170 w 9975272"/>
+              <a:gd name="connsiteY28" fmla="*/ 4525817 h 4525817"/>
+              <a:gd name="connsiteX29" fmla="*/ 5685905 w 9975272"/>
+              <a:gd name="connsiteY29" fmla="*/ 4525817 h 4525817"/>
+              <a:gd name="connsiteX30" fmla="*/ 4921134 w 9975272"/>
+              <a:gd name="connsiteY30" fmla="*/ 4525817 h 4525817"/>
+              <a:gd name="connsiteX31" fmla="*/ 4056611 w 9975272"/>
+              <a:gd name="connsiteY31" fmla="*/ 4525817 h 4525817"/>
+              <a:gd name="connsiteX32" fmla="*/ 3591098 w 9975272"/>
+              <a:gd name="connsiteY32" fmla="*/ 4525817 h 4525817"/>
+              <a:gd name="connsiteX33" fmla="*/ 3225338 w 9975272"/>
+              <a:gd name="connsiteY33" fmla="*/ 4525817 h 4525817"/>
+              <a:gd name="connsiteX34" fmla="*/ 2560320 w 9975272"/>
+              <a:gd name="connsiteY34" fmla="*/ 4525817 h 4525817"/>
+              <a:gd name="connsiteX35" fmla="*/ 2194560 w 9975272"/>
+              <a:gd name="connsiteY35" fmla="*/ 4525817 h 4525817"/>
+              <a:gd name="connsiteX36" fmla="*/ 1429789 w 9975272"/>
+              <a:gd name="connsiteY36" fmla="*/ 4525817 h 4525817"/>
+              <a:gd name="connsiteX37" fmla="*/ 565265 w 9975272"/>
+              <a:gd name="connsiteY37" fmla="*/ 4525817 h 4525817"/>
+              <a:gd name="connsiteX38" fmla="*/ 0 w 9975272"/>
+              <a:gd name="connsiteY38" fmla="*/ 4525817 h 4525817"/>
+              <a:gd name="connsiteX39" fmla="*/ 0 w 9975272"/>
+              <a:gd name="connsiteY39" fmla="*/ 3924530 h 4525817"/>
+              <a:gd name="connsiteX40" fmla="*/ 0 w 9975272"/>
+              <a:gd name="connsiteY40" fmla="*/ 3187468 h 4525817"/>
+              <a:gd name="connsiteX41" fmla="*/ 0 w 9975272"/>
+              <a:gd name="connsiteY41" fmla="*/ 2495665 h 4525817"/>
+              <a:gd name="connsiteX42" fmla="*/ 0 w 9975272"/>
+              <a:gd name="connsiteY42" fmla="*/ 1939636 h 4525817"/>
+              <a:gd name="connsiteX43" fmla="*/ 0 w 9975272"/>
+              <a:gd name="connsiteY43" fmla="*/ 1428865 h 4525817"/>
+              <a:gd name="connsiteX44" fmla="*/ 0 w 9975272"/>
+              <a:gd name="connsiteY44" fmla="*/ 827578 h 4525817"/>
+              <a:gd name="connsiteX45" fmla="*/ 0 w 9975272"/>
+              <a:gd name="connsiteY45" fmla="*/ 0 h 4525817"/>
+            </a:gdLst>
+            <a:ahLst/>
+            <a:cxnLst>
+              <a:cxn ang="0">
+                <a:pos x="connsiteX0" y="connsiteY0"/>
+              </a:cxn>
+              <a:cxn ang="0">
+                <a:pos x="connsiteX1" y="connsiteY1"/>
+              </a:cxn>
+              <a:cxn ang="0">
+                <a:pos x="connsiteX2" y="connsiteY2"/>
+              </a:cxn>
+              <a:cxn ang="0">
+                <a:pos x="connsiteX3" y="connsiteY3"/>
+              </a:cxn>
+              <a:cxn ang="0">
+                <a:pos x="connsiteX4" y="connsiteY4"/>
+              </a:cxn>
+              <a:cxn ang="0">
+                <a:pos x="connsiteX5" y="connsiteY5"/>
+              </a:cxn>
+              <a:cxn ang="0">
+                <a:pos x="connsiteX6" y="connsiteY6"/>
+              </a:cxn>
+              <a:cxn ang="0">
+                <a:pos x="connsiteX7" y="connsiteY7"/>
+              </a:cxn>
+              <a:cxn ang="0">
+                <a:pos x="connsiteX8" y="connsiteY8"/>
+              </a:cxn>
+              <a:cxn ang="0">
+                <a:pos x="connsiteX9" y="connsiteY9"/>
+              </a:cxn>
+              <a:cxn ang="0">
+                <a:pos x="connsiteX10" y="connsiteY10"/>
+              </a:cxn>
+              <a:cxn ang="0">
+                <a:pos x="connsiteX11" y="connsiteY11"/>
+              </a:cxn>
+              <a:cxn ang="0">
+                <a:pos x="connsiteX12" y="connsiteY12"/>
+              </a:cxn>
+              <a:cxn ang="0">
+                <a:pos x="connsiteX13" y="connsiteY13"/>
+              </a:cxn>
+              <a:cxn ang="0">
+                <a:pos x="connsiteX14" y="connsiteY14"/>
+              </a:cxn>
+              <a:cxn ang="0">
+                <a:pos x="connsiteX15" y="connsiteY15"/>
+              </a:cxn>
+              <a:cxn ang="0">
+                <a:pos x="connsiteX16" y="connsiteY16"/>
+              </a:cxn>
+              <a:cxn ang="0">
+                <a:pos x="connsiteX17" y="connsiteY17"/>
+              </a:cxn>
+              <a:cxn ang="0">
+                <a:pos x="connsiteX18" y="connsiteY18"/>
+              </a:cxn>
+              <a:cxn ang="0">
+                <a:pos x="connsiteX19" y="connsiteY19"/>
+              </a:cxn>
+              <a:cxn ang="0">
+                <a:pos x="connsiteX20" y="connsiteY20"/>
+              </a:cxn>
+              <a:cxn ang="0">
+                <a:pos x="connsiteX21" y="connsiteY21"/>
+              </a:cxn>
+              <a:cxn ang="0">
+                <a:pos x="connsiteX22" y="connsiteY22"/>
+              </a:cxn>
+              <a:cxn ang="0">
+                <a:pos x="connsiteX23" y="connsiteY23"/>
+              </a:cxn>
+              <a:cxn ang="0">
+                <a:pos x="connsiteX24" y="connsiteY24"/>
+              </a:cxn>
+              <a:cxn ang="0">
+                <a:pos x="connsiteX25" y="connsiteY25"/>
+              </a:cxn>
+              <a:cxn ang="0">
+                <a:pos x="connsiteX26" y="connsiteY26"/>
+              </a:cxn>
+              <a:cxn ang="0">
+                <a:pos x="connsiteX27" y="connsiteY27"/>
+              </a:cxn>
+              <a:cxn ang="0">
+                <a:pos x="connsiteX28" y="connsiteY28"/>
+              </a:cxn>
+              <a:cxn ang="0">
+                <a:pos x="connsiteX29" y="connsiteY29"/>
+              </a:cxn>
+              <a:cxn ang="0">
+                <a:pos x="connsiteX30" y="connsiteY30"/>
+              </a:cxn>
+              <a:cxn ang="0">
+                <a:pos x="connsiteX31" y="connsiteY31"/>
+              </a:cxn>
+              <a:cxn ang="0">
+                <a:pos x="connsiteX32" y="connsiteY32"/>
+              </a:cxn>
+              <a:cxn ang="0">
+                <a:pos x="connsiteX33" y="connsiteY33"/>
+              </a:cxn>
+              <a:cxn ang="0">
+                <a:pos x="connsiteX34" y="connsiteY34"/>
+              </a:cxn>
+              <a:cxn ang="0">
+                <a:pos x="connsiteX35" y="connsiteY35"/>
+              </a:cxn>
+              <a:cxn ang="0">
+                <a:pos x="connsiteX36" y="connsiteY36"/>
+              </a:cxn>
+              <a:cxn ang="0">
+                <a:pos x="connsiteX37" y="connsiteY37"/>
+              </a:cxn>
+              <a:cxn ang="0">
+                <a:pos x="connsiteX38" y="connsiteY38"/>
+              </a:cxn>
+              <a:cxn ang="0">
+                <a:pos x="connsiteX39" y="connsiteY39"/>
+              </a:cxn>
+              <a:cxn ang="0">
+                <a:pos x="connsiteX40" y="connsiteY40"/>
+              </a:cxn>
+              <a:cxn ang="0">
+                <a:pos x="connsiteX41" y="connsiteY41"/>
+              </a:cxn>
+              <a:cxn ang="0">
+                <a:pos x="connsiteX42" y="connsiteY42"/>
+              </a:cxn>
+              <a:cxn ang="0">
+                <a:pos x="connsiteX43" y="connsiteY43"/>
+              </a:cxn>
+              <a:cxn ang="0">
+                <a:pos x="connsiteX44" y="connsiteY44"/>
+              </a:cxn>
+              <a:cxn ang="0">
+                <a:pos x="connsiteX45" y="connsiteY45"/>
+              </a:cxn>
+            </a:cxnLst>
+            <a:rect l="l" t="t" r="r" b="b"/>
+            <a:pathLst>
+              <a:path w="9975272" h="4525817" extrusionOk="0">
+                <a:moveTo>
+                  <a:pt x="0" y="0"/>
+                </a:moveTo>
+                <a:cubicBezTo>
+                  <a:pt x="316539" y="-19359"/>
+                  <a:pt x="412909" y="21845"/>
+                  <a:pt x="665018" y="0"/>
+                </a:cubicBezTo>
+                <a:cubicBezTo>
+                  <a:pt x="917127" y="-21845"/>
+                  <a:pt x="968359" y="-21479"/>
+                  <a:pt x="1230284" y="0"/>
+                </a:cubicBezTo>
+                <a:cubicBezTo>
+                  <a:pt x="1492209" y="21479"/>
+                  <a:pt x="1781547" y="-34315"/>
+                  <a:pt x="1995054" y="0"/>
+                </a:cubicBezTo>
+                <a:cubicBezTo>
+                  <a:pt x="2208561" y="34315"/>
+                  <a:pt x="2488485" y="13865"/>
+                  <a:pt x="2859578" y="0"/>
+                </a:cubicBezTo>
+                <a:cubicBezTo>
+                  <a:pt x="3230671" y="-13865"/>
+                  <a:pt x="3390283" y="22500"/>
+                  <a:pt x="3524596" y="0"/>
+                </a:cubicBezTo>
+                <a:cubicBezTo>
+                  <a:pt x="3658909" y="-22500"/>
+                  <a:pt x="3965438" y="1046"/>
+                  <a:pt x="4289367" y="0"/>
+                </a:cubicBezTo>
+                <a:cubicBezTo>
+                  <a:pt x="4613296" y="-1046"/>
+                  <a:pt x="4548688" y="-17031"/>
+                  <a:pt x="4655127" y="0"/>
+                </a:cubicBezTo>
+                <a:cubicBezTo>
+                  <a:pt x="4761566" y="17031"/>
+                  <a:pt x="4863415" y="13896"/>
+                  <a:pt x="5020887" y="0"/>
+                </a:cubicBezTo>
+                <a:cubicBezTo>
+                  <a:pt x="5178359" y="-13896"/>
+                  <a:pt x="5501307" y="23035"/>
+                  <a:pt x="5685905" y="0"/>
+                </a:cubicBezTo>
+                <a:cubicBezTo>
+                  <a:pt x="5870503" y="-23035"/>
+                  <a:pt x="6058989" y="9405"/>
+                  <a:pt x="6251170" y="0"/>
+                </a:cubicBezTo>
+                <a:cubicBezTo>
+                  <a:pt x="6443351" y="-9405"/>
+                  <a:pt x="6747719" y="262"/>
+                  <a:pt x="6916189" y="0"/>
+                </a:cubicBezTo>
+                <a:cubicBezTo>
+                  <a:pt x="7084659" y="-262"/>
+                  <a:pt x="7220083" y="-7651"/>
+                  <a:pt x="7381701" y="0"/>
+                </a:cubicBezTo>
+                <a:cubicBezTo>
+                  <a:pt x="7543319" y="7651"/>
+                  <a:pt x="7944873" y="-9519"/>
+                  <a:pt x="8246225" y="0"/>
+                </a:cubicBezTo>
+                <a:cubicBezTo>
+                  <a:pt x="8547577" y="9519"/>
+                  <a:pt x="8694788" y="30116"/>
+                  <a:pt x="8911243" y="0"/>
+                </a:cubicBezTo>
+                <a:cubicBezTo>
+                  <a:pt x="9127698" y="-30116"/>
+                  <a:pt x="9132965" y="-1270"/>
+                  <a:pt x="9277003" y="0"/>
+                </a:cubicBezTo>
+                <a:cubicBezTo>
+                  <a:pt x="9421041" y="1270"/>
+                  <a:pt x="9665487" y="-5127"/>
+                  <a:pt x="9975272" y="0"/>
+                </a:cubicBezTo>
+                <a:cubicBezTo>
+                  <a:pt x="10007501" y="234919"/>
+                  <a:pt x="9943933" y="367074"/>
+                  <a:pt x="9975272" y="646545"/>
+                </a:cubicBezTo>
+                <a:cubicBezTo>
+                  <a:pt x="10006611" y="926017"/>
+                  <a:pt x="9986031" y="1086898"/>
+                  <a:pt x="9975272" y="1202574"/>
+                </a:cubicBezTo>
+                <a:cubicBezTo>
+                  <a:pt x="9964513" y="1318250"/>
+                  <a:pt x="9968058" y="1556474"/>
+                  <a:pt x="9975272" y="1713345"/>
+                </a:cubicBezTo>
+                <a:cubicBezTo>
+                  <a:pt x="9982486" y="1870216"/>
+                  <a:pt x="9985424" y="2132716"/>
+                  <a:pt x="9975272" y="2314632"/>
+                </a:cubicBezTo>
+                <a:cubicBezTo>
+                  <a:pt x="9965120" y="2496548"/>
+                  <a:pt x="9982342" y="2593790"/>
+                  <a:pt x="9975272" y="2825403"/>
+                </a:cubicBezTo>
+                <a:cubicBezTo>
+                  <a:pt x="9968202" y="3057016"/>
+                  <a:pt x="9955187" y="3096532"/>
+                  <a:pt x="9975272" y="3336174"/>
+                </a:cubicBezTo>
+                <a:cubicBezTo>
+                  <a:pt x="9995357" y="3575816"/>
+                  <a:pt x="9934675" y="4277248"/>
+                  <a:pt x="9975272" y="4525817"/>
+                </a:cubicBezTo>
+                <a:cubicBezTo>
+                  <a:pt x="9835794" y="4534610"/>
+                  <a:pt x="9761824" y="4521810"/>
+                  <a:pt x="9609512" y="4525817"/>
+                </a:cubicBezTo>
+                <a:cubicBezTo>
+                  <a:pt x="9457200" y="4529824"/>
+                  <a:pt x="8961980" y="4551635"/>
+                  <a:pt x="8744988" y="4525817"/>
+                </a:cubicBezTo>
+                <a:cubicBezTo>
+                  <a:pt x="8527996" y="4499999"/>
+                  <a:pt x="8093788" y="4561698"/>
+                  <a:pt x="7880465" y="4525817"/>
+                </a:cubicBezTo>
+                <a:cubicBezTo>
+                  <a:pt x="7667142" y="4489936"/>
+                  <a:pt x="7284598" y="4507058"/>
+                  <a:pt x="7015941" y="4525817"/>
+                </a:cubicBezTo>
+                <a:cubicBezTo>
+                  <a:pt x="6747284" y="4544576"/>
+                  <a:pt x="6614705" y="4513996"/>
+                  <a:pt x="6251170" y="4525817"/>
+                </a:cubicBezTo>
+                <a:cubicBezTo>
+                  <a:pt x="5887635" y="4537638"/>
+                  <a:pt x="5948082" y="4524384"/>
+                  <a:pt x="5685905" y="4525817"/>
+                </a:cubicBezTo>
+                <a:cubicBezTo>
+                  <a:pt x="5423729" y="4527250"/>
+                  <a:pt x="5226910" y="4531581"/>
+                  <a:pt x="4921134" y="4525817"/>
+                </a:cubicBezTo>
+                <a:cubicBezTo>
+                  <a:pt x="4615358" y="4520053"/>
+                  <a:pt x="4284925" y="4555534"/>
+                  <a:pt x="4056611" y="4525817"/>
+                </a:cubicBezTo>
+                <a:cubicBezTo>
+                  <a:pt x="3828297" y="4496100"/>
+                  <a:pt x="3809662" y="4512317"/>
+                  <a:pt x="3591098" y="4525817"/>
+                </a:cubicBezTo>
+                <a:cubicBezTo>
+                  <a:pt x="3372534" y="4539317"/>
+                  <a:pt x="3301402" y="4513999"/>
+                  <a:pt x="3225338" y="4525817"/>
+                </a:cubicBezTo>
+                <a:cubicBezTo>
+                  <a:pt x="3149274" y="4537635"/>
+                  <a:pt x="2889545" y="4500662"/>
+                  <a:pt x="2560320" y="4525817"/>
+                </a:cubicBezTo>
+                <a:cubicBezTo>
+                  <a:pt x="2231095" y="4550972"/>
+                  <a:pt x="2317509" y="4508438"/>
+                  <a:pt x="2194560" y="4525817"/>
+                </a:cubicBezTo>
+                <a:cubicBezTo>
+                  <a:pt x="2071611" y="4543196"/>
+                  <a:pt x="1740677" y="4554528"/>
+                  <a:pt x="1429789" y="4525817"/>
+                </a:cubicBezTo>
+                <a:cubicBezTo>
+                  <a:pt x="1118901" y="4497106"/>
+                  <a:pt x="758220" y="4548763"/>
+                  <a:pt x="565265" y="4525817"/>
+                </a:cubicBezTo>
+                <a:cubicBezTo>
+                  <a:pt x="372310" y="4502871"/>
+                  <a:pt x="182206" y="4518765"/>
+                  <a:pt x="0" y="4525817"/>
+                </a:cubicBezTo>
+                <a:cubicBezTo>
+                  <a:pt x="5973" y="4302187"/>
+                  <a:pt x="-12486" y="4107722"/>
+                  <a:pt x="0" y="3924530"/>
+                </a:cubicBezTo>
+                <a:cubicBezTo>
+                  <a:pt x="12486" y="3741338"/>
+                  <a:pt x="-31947" y="3378960"/>
+                  <a:pt x="0" y="3187468"/>
+                </a:cubicBezTo>
+                <a:cubicBezTo>
+                  <a:pt x="31947" y="2995976"/>
+                  <a:pt x="-10995" y="2751986"/>
+                  <a:pt x="0" y="2495665"/>
+                </a:cubicBezTo>
+                <a:cubicBezTo>
+                  <a:pt x="10995" y="2239344"/>
+                  <a:pt x="-185" y="2216785"/>
+                  <a:pt x="0" y="1939636"/>
+                </a:cubicBezTo>
+                <a:cubicBezTo>
+                  <a:pt x="185" y="1662487"/>
+                  <a:pt x="22955" y="1603576"/>
+                  <a:pt x="0" y="1428865"/>
+                </a:cubicBezTo>
+                <a:cubicBezTo>
+                  <a:pt x="-22955" y="1254154"/>
+                  <a:pt x="728" y="997203"/>
+                  <a:pt x="0" y="827578"/>
+                </a:cubicBezTo>
+                <a:cubicBezTo>
+                  <a:pt x="-728" y="657953"/>
+                  <a:pt x="36569" y="299817"/>
+                  <a:pt x="0" y="0"/>
+                </a:cubicBezTo>
+                <a:close/>
+              </a:path>
+            </a:pathLst>
+          </a:custGeom>
+          <a:noFill/>
+          <a:ln>
+            <a:extLst>
+              <a:ext uri="{C807C97D-BFC1-408E-A445-0C87EB9F89A2}">
+                <ask:lineSketchStyleProps xmlns:ask="http://schemas.microsoft.com/office/drawing/2018/sketchyshapes" sd="1617499634">
+                  <a:prstGeom prst="rect">
+                    <a:avLst/>
+                  </a:prstGeom>
+                  <ask:type>
+                    <ask:lineSketchFreehand/>
+                  </ask:type>
+                </ask:lineSketchStyleProps>
+              </a:ext>
+            </a:extLst>
+          </a:ln>
+        </p:spPr>
+        <p:style>
+          <a:lnRef idx="2">
+            <a:schemeClr val="accent1">
+              <a:shade val="15000"/>
+            </a:schemeClr>
+          </a:lnRef>
+          <a:fillRef idx="1">
+            <a:schemeClr val="accent1"/>
+          </a:fillRef>
+          <a:effectRef idx="0">
+            <a:schemeClr val="accent1"/>
+          </a:effectRef>
+          <a:fontRef idx="minor">
+            <a:schemeClr val="lt1"/>
+          </a:fontRef>
+        </p:style>
+        <p:txBody>
+          <a:bodyPr rtlCol="0" anchor="t" anchorCtr="0"/>
+          <a:lstStyle/>
+          <a:p>
+            <a:pPr algn="ctr"/>
+            <a:r>
+              <a:rPr lang="en-US" sz="2400" dirty="0">
+                <a:solidFill>
+                  <a:schemeClr val="accent1">
+                    <a:lumMod val="75000"/>
+                  </a:schemeClr>
+                </a:solidFill>
+              </a:rPr>
+              <a:t>Monitoring AI in </a:t>
+            </a:r>
+            <a:r>
+              <a:rPr lang="en-US" sz="2400" b="1" u="sng" dirty="0">
+                <a:solidFill>
+                  <a:schemeClr val="accent1">
+                    <a:lumMod val="75000"/>
+                  </a:schemeClr>
+                </a:solidFill>
+              </a:rPr>
+              <a:t>Production</a:t>
+            </a:r>
+            <a:br>
+              <a:rPr lang="en-US" sz="2400" b="1" u="sng" dirty="0">
+                <a:solidFill>
+                  <a:schemeClr val="accent1">
+                    <a:lumMod val="75000"/>
+                  </a:schemeClr>
+                </a:solidFill>
+              </a:rPr>
+            </a:br>
+            <a:r>
+              <a:rPr lang="en-US" sz="2400" dirty="0">
+                <a:solidFill>
+                  <a:schemeClr val="accent1">
+                    <a:lumMod val="75000"/>
+                  </a:schemeClr>
+                </a:solidFill>
+              </a:rPr>
+              <a:t>(Kubeflow Pipeline)</a:t>
+            </a:r>
+          </a:p>
+        </p:txBody>
+      </p:sp>
+      <p:grpSp>
+        <p:nvGrpSpPr>
+          <p:cNvPr id="22" name="Group 21">
+            <a:extLst>
+              <a:ext uri="{FF2B5EF4-FFF2-40B4-BE49-F238E27FC236}">
+                <a16:creationId xmlns:a16="http://schemas.microsoft.com/office/drawing/2014/main" id="{D0DC8496-A806-59ED-96F8-C25C92440A06}"/>
+              </a:ext>
+            </a:extLst>
+          </p:cNvPr>
+          <p:cNvGrpSpPr/>
+          <p:nvPr/>
+        </p:nvGrpSpPr>
+        <p:grpSpPr>
+          <a:xfrm>
+            <a:off x="2127690" y="2120432"/>
+            <a:ext cx="4830194" cy="3074338"/>
+            <a:chOff x="798043" y="1926780"/>
+            <a:chExt cx="5297957" cy="3318726"/>
+          </a:xfrm>
+        </p:grpSpPr>
+        <p:sp>
+          <p:nvSpPr>
+            <p:cNvPr id="5" name="Rectangle 4">
+              <a:extLst>
+                <a:ext uri="{FF2B5EF4-FFF2-40B4-BE49-F238E27FC236}">
+                  <a16:creationId xmlns:a16="http://schemas.microsoft.com/office/drawing/2014/main" id="{FD783D1A-64A1-3A07-5AA2-53CB54529D4E}"/>
+                </a:ext>
+              </a:extLst>
+            </p:cNvPr>
+            <p:cNvSpPr/>
+            <p:nvPr/>
+          </p:nvSpPr>
+          <p:spPr>
+            <a:xfrm>
+              <a:off x="798043" y="1926780"/>
+              <a:ext cx="1474102" cy="1502220"/>
+            </a:xfrm>
+            <a:custGeom>
+              <a:avLst/>
+              <a:gdLst>
+                <a:gd name="connsiteX0" fmla="*/ 0 w 1343952"/>
+                <a:gd name="connsiteY0" fmla="*/ 0 h 1391598"/>
+                <a:gd name="connsiteX1" fmla="*/ 658536 w 1343952"/>
+                <a:gd name="connsiteY1" fmla="*/ 0 h 1391598"/>
+                <a:gd name="connsiteX2" fmla="*/ 1343952 w 1343952"/>
+                <a:gd name="connsiteY2" fmla="*/ 0 h 1391598"/>
+                <a:gd name="connsiteX3" fmla="*/ 1343952 w 1343952"/>
+                <a:gd name="connsiteY3" fmla="*/ 723631 h 1391598"/>
+                <a:gd name="connsiteX4" fmla="*/ 1343952 w 1343952"/>
+                <a:gd name="connsiteY4" fmla="*/ 1391598 h 1391598"/>
+                <a:gd name="connsiteX5" fmla="*/ 698855 w 1343952"/>
+                <a:gd name="connsiteY5" fmla="*/ 1391598 h 1391598"/>
+                <a:gd name="connsiteX6" fmla="*/ 0 w 1343952"/>
+                <a:gd name="connsiteY6" fmla="*/ 1391598 h 1391598"/>
+                <a:gd name="connsiteX7" fmla="*/ 0 w 1343952"/>
+                <a:gd name="connsiteY7" fmla="*/ 723631 h 1391598"/>
+                <a:gd name="connsiteX8" fmla="*/ 0 w 1343952"/>
+                <a:gd name="connsiteY8" fmla="*/ 0 h 1391598"/>
+              </a:gdLst>
+              <a:ahLst/>
+              <a:cxnLst>
+                <a:cxn ang="0">
+                  <a:pos x="connsiteX0" y="connsiteY0"/>
+                </a:cxn>
+                <a:cxn ang="0">
+                  <a:pos x="connsiteX1" y="connsiteY1"/>
+                </a:cxn>
+                <a:cxn ang="0">
+                  <a:pos x="connsiteX2" y="connsiteY2"/>
+                </a:cxn>
+                <a:cxn ang="0">
+                  <a:pos x="connsiteX3" y="connsiteY3"/>
+                </a:cxn>
+                <a:cxn ang="0">
+                  <a:pos x="connsiteX4" y="connsiteY4"/>
+                </a:cxn>
+                <a:cxn ang="0">
+                  <a:pos x="connsiteX5" y="connsiteY5"/>
+                </a:cxn>
+                <a:cxn ang="0">
+                  <a:pos x="connsiteX6" y="connsiteY6"/>
+                </a:cxn>
+                <a:cxn ang="0">
+                  <a:pos x="connsiteX7" y="connsiteY7"/>
+                </a:cxn>
+                <a:cxn ang="0">
+                  <a:pos x="connsiteX8" y="connsiteY8"/>
+                </a:cxn>
+              </a:cxnLst>
+              <a:rect l="l" t="t" r="r" b="b"/>
+              <a:pathLst>
+                <a:path w="1343952" h="1391598" extrusionOk="0">
+                  <a:moveTo>
+                    <a:pt x="0" y="0"/>
+                  </a:moveTo>
+                  <a:cubicBezTo>
+                    <a:pt x="277585" y="27819"/>
+                    <a:pt x="446576" y="-32659"/>
+                    <a:pt x="658536" y="0"/>
+                  </a:cubicBezTo>
+                  <a:cubicBezTo>
+                    <a:pt x="870496" y="32659"/>
+                    <a:pt x="1093584" y="4021"/>
+                    <a:pt x="1343952" y="0"/>
+                  </a:cubicBezTo>
+                  <a:cubicBezTo>
+                    <a:pt x="1334549" y="156421"/>
+                    <a:pt x="1308673" y="431792"/>
+                    <a:pt x="1343952" y="723631"/>
+                  </a:cubicBezTo>
+                  <a:cubicBezTo>
+                    <a:pt x="1379231" y="1015470"/>
+                    <a:pt x="1321373" y="1229252"/>
+                    <a:pt x="1343952" y="1391598"/>
+                  </a:cubicBezTo>
+                  <a:cubicBezTo>
+                    <a:pt x="1136012" y="1415098"/>
+                    <a:pt x="996035" y="1394716"/>
+                    <a:pt x="698855" y="1391598"/>
+                  </a:cubicBezTo>
+                  <a:cubicBezTo>
+                    <a:pt x="401675" y="1388480"/>
+                    <a:pt x="213598" y="1384405"/>
+                    <a:pt x="0" y="1391598"/>
+                  </a:cubicBezTo>
+                  <a:cubicBezTo>
+                    <a:pt x="29262" y="1252518"/>
+                    <a:pt x="15487" y="879250"/>
+                    <a:pt x="0" y="723631"/>
+                  </a:cubicBezTo>
+                  <a:cubicBezTo>
+                    <a:pt x="-15487" y="568012"/>
+                    <a:pt x="-6034" y="218119"/>
+                    <a:pt x="0" y="0"/>
+                  </a:cubicBezTo>
+                  <a:close/>
+                </a:path>
+              </a:pathLst>
+            </a:custGeom>
+            <a:noFill/>
+            <a:ln>
+              <a:extLst>
+                <a:ext uri="{C807C97D-BFC1-408E-A445-0C87EB9F89A2}">
+                  <ask:lineSketchStyleProps xmlns:ask="http://schemas.microsoft.com/office/drawing/2018/sketchyshapes" sd="1219033472">
+                    <a:prstGeom prst="rect">
+                      <a:avLst/>
+                    </a:prstGeom>
+                    <ask:type>
+                      <ask:lineSketchFreehand/>
+                    </ask:type>
+                  </ask:lineSketchStyleProps>
+                </a:ext>
+              </a:extLst>
+            </a:ln>
+          </p:spPr>
+          <p:style>
+            <a:lnRef idx="2">
+              <a:schemeClr val="accent1">
+                <a:shade val="15000"/>
+              </a:schemeClr>
+            </a:lnRef>
+            <a:fillRef idx="1">
+              <a:schemeClr val="accent1"/>
+            </a:fillRef>
+            <a:effectRef idx="0">
+              <a:schemeClr val="accent1"/>
+            </a:effectRef>
+            <a:fontRef idx="minor">
+              <a:schemeClr val="lt1"/>
+            </a:fontRef>
+          </p:style>
+          <p:txBody>
+            <a:bodyPr rtlCol="0" anchor="ctr" anchorCtr="0"/>
+            <a:lstStyle/>
+            <a:p>
+              <a:pPr algn="ctr"/>
+              <a:r>
+                <a:rPr lang="en-US" sz="1400" dirty="0">
+                  <a:solidFill>
+                    <a:schemeClr val="accent1">
+                      <a:lumMod val="75000"/>
+                    </a:schemeClr>
+                  </a:solidFill>
+                </a:rPr>
+                <a:t>Training Data</a:t>
+              </a:r>
+            </a:p>
+          </p:txBody>
+        </p:sp>
+        <p:sp>
+          <p:nvSpPr>
+            <p:cNvPr id="6" name="Rectangle 5">
+              <a:extLst>
+                <a:ext uri="{FF2B5EF4-FFF2-40B4-BE49-F238E27FC236}">
+                  <a16:creationId xmlns:a16="http://schemas.microsoft.com/office/drawing/2014/main" id="{24046AEB-EA13-9BE7-A9C9-B91EAF668FA7}"/>
+                </a:ext>
+              </a:extLst>
+            </p:cNvPr>
+            <p:cNvSpPr/>
+            <p:nvPr/>
+          </p:nvSpPr>
+          <p:spPr>
+            <a:xfrm>
+              <a:off x="798043" y="3743286"/>
+              <a:ext cx="1474102" cy="1502220"/>
+            </a:xfrm>
+            <a:custGeom>
+              <a:avLst/>
+              <a:gdLst>
+                <a:gd name="connsiteX0" fmla="*/ 0 w 1343952"/>
+                <a:gd name="connsiteY0" fmla="*/ 0 h 1391598"/>
+                <a:gd name="connsiteX1" fmla="*/ 658536 w 1343952"/>
+                <a:gd name="connsiteY1" fmla="*/ 0 h 1391598"/>
+                <a:gd name="connsiteX2" fmla="*/ 1343952 w 1343952"/>
+                <a:gd name="connsiteY2" fmla="*/ 0 h 1391598"/>
+                <a:gd name="connsiteX3" fmla="*/ 1343952 w 1343952"/>
+                <a:gd name="connsiteY3" fmla="*/ 723631 h 1391598"/>
+                <a:gd name="connsiteX4" fmla="*/ 1343952 w 1343952"/>
+                <a:gd name="connsiteY4" fmla="*/ 1391598 h 1391598"/>
+                <a:gd name="connsiteX5" fmla="*/ 698855 w 1343952"/>
+                <a:gd name="connsiteY5" fmla="*/ 1391598 h 1391598"/>
+                <a:gd name="connsiteX6" fmla="*/ 0 w 1343952"/>
+                <a:gd name="connsiteY6" fmla="*/ 1391598 h 1391598"/>
+                <a:gd name="connsiteX7" fmla="*/ 0 w 1343952"/>
+                <a:gd name="connsiteY7" fmla="*/ 723631 h 1391598"/>
+                <a:gd name="connsiteX8" fmla="*/ 0 w 1343952"/>
+                <a:gd name="connsiteY8" fmla="*/ 0 h 1391598"/>
+              </a:gdLst>
+              <a:ahLst/>
+              <a:cxnLst>
+                <a:cxn ang="0">
+                  <a:pos x="connsiteX0" y="connsiteY0"/>
+                </a:cxn>
+                <a:cxn ang="0">
+                  <a:pos x="connsiteX1" y="connsiteY1"/>
+                </a:cxn>
+                <a:cxn ang="0">
+                  <a:pos x="connsiteX2" y="connsiteY2"/>
+                </a:cxn>
+                <a:cxn ang="0">
+                  <a:pos x="connsiteX3" y="connsiteY3"/>
+                </a:cxn>
+                <a:cxn ang="0">
+                  <a:pos x="connsiteX4" y="connsiteY4"/>
+                </a:cxn>
+                <a:cxn ang="0">
+                  <a:pos x="connsiteX5" y="connsiteY5"/>
+                </a:cxn>
+                <a:cxn ang="0">
+                  <a:pos x="connsiteX6" y="connsiteY6"/>
+                </a:cxn>
+                <a:cxn ang="0">
+                  <a:pos x="connsiteX7" y="connsiteY7"/>
+                </a:cxn>
+                <a:cxn ang="0">
+                  <a:pos x="connsiteX8" y="connsiteY8"/>
+                </a:cxn>
+              </a:cxnLst>
+              <a:rect l="l" t="t" r="r" b="b"/>
+              <a:pathLst>
+                <a:path w="1343952" h="1391598" extrusionOk="0">
+                  <a:moveTo>
+                    <a:pt x="0" y="0"/>
+                  </a:moveTo>
+                  <a:cubicBezTo>
+                    <a:pt x="277585" y="27819"/>
+                    <a:pt x="446576" y="-32659"/>
+                    <a:pt x="658536" y="0"/>
+                  </a:cubicBezTo>
+                  <a:cubicBezTo>
+                    <a:pt x="870496" y="32659"/>
+                    <a:pt x="1093584" y="4021"/>
+                    <a:pt x="1343952" y="0"/>
+                  </a:cubicBezTo>
+                  <a:cubicBezTo>
+                    <a:pt x="1334549" y="156421"/>
+                    <a:pt x="1308673" y="431792"/>
+                    <a:pt x="1343952" y="723631"/>
+                  </a:cubicBezTo>
+                  <a:cubicBezTo>
+                    <a:pt x="1379231" y="1015470"/>
+                    <a:pt x="1321373" y="1229252"/>
+                    <a:pt x="1343952" y="1391598"/>
+                  </a:cubicBezTo>
+                  <a:cubicBezTo>
+                    <a:pt x="1136012" y="1415098"/>
+                    <a:pt x="996035" y="1394716"/>
+                    <a:pt x="698855" y="1391598"/>
+                  </a:cubicBezTo>
+                  <a:cubicBezTo>
+                    <a:pt x="401675" y="1388480"/>
+                    <a:pt x="213598" y="1384405"/>
+                    <a:pt x="0" y="1391598"/>
+                  </a:cubicBezTo>
+                  <a:cubicBezTo>
+                    <a:pt x="29262" y="1252518"/>
+                    <a:pt x="15487" y="879250"/>
+                    <a:pt x="0" y="723631"/>
+                  </a:cubicBezTo>
+                  <a:cubicBezTo>
+                    <a:pt x="-15487" y="568012"/>
+                    <a:pt x="-6034" y="218119"/>
+                    <a:pt x="0" y="0"/>
+                  </a:cubicBezTo>
+                  <a:close/>
+                </a:path>
+              </a:pathLst>
+            </a:custGeom>
+            <a:noFill/>
+            <a:ln>
+              <a:extLst>
+                <a:ext uri="{C807C97D-BFC1-408E-A445-0C87EB9F89A2}">
+                  <ask:lineSketchStyleProps xmlns:ask="http://schemas.microsoft.com/office/drawing/2018/sketchyshapes" sd="1219033472">
+                    <a:prstGeom prst="rect">
+                      <a:avLst/>
+                    </a:prstGeom>
+                    <ask:type>
+                      <ask:lineSketchFreehand/>
+                    </ask:type>
+                  </ask:lineSketchStyleProps>
+                </a:ext>
+              </a:extLst>
+            </a:ln>
+          </p:spPr>
+          <p:style>
+            <a:lnRef idx="2">
+              <a:schemeClr val="accent1">
+                <a:shade val="15000"/>
+              </a:schemeClr>
+            </a:lnRef>
+            <a:fillRef idx="1">
+              <a:schemeClr val="accent1"/>
+            </a:fillRef>
+            <a:effectRef idx="0">
+              <a:schemeClr val="accent1"/>
+            </a:effectRef>
+            <a:fontRef idx="minor">
+              <a:schemeClr val="lt1"/>
+            </a:fontRef>
+          </p:style>
+          <p:txBody>
+            <a:bodyPr rtlCol="0" anchor="ctr" anchorCtr="0"/>
+            <a:lstStyle/>
+            <a:p>
+              <a:pPr algn="ctr"/>
+              <a:r>
+                <a:rPr lang="en-US" sz="1400" dirty="0">
+                  <a:solidFill>
+                    <a:schemeClr val="accent1">
+                      <a:lumMod val="75000"/>
+                    </a:schemeClr>
+                  </a:solidFill>
+                </a:rPr>
+                <a:t>Production Data</a:t>
+              </a:r>
+              <a:br>
+                <a:rPr lang="en-US" sz="1400" dirty="0">
+                  <a:solidFill>
+                    <a:schemeClr val="accent1">
+                      <a:lumMod val="75000"/>
+                    </a:schemeClr>
+                  </a:solidFill>
+                </a:rPr>
+              </a:br>
+              <a:r>
+                <a:rPr lang="en-US" sz="1400" dirty="0">
+                  <a:solidFill>
+                    <a:schemeClr val="accent1">
+                      <a:lumMod val="75000"/>
+                    </a:schemeClr>
+                  </a:solidFill>
+                </a:rPr>
+                <a:t>(with accuracy feedback)</a:t>
+              </a:r>
+            </a:p>
+          </p:txBody>
+        </p:sp>
+        <p:sp>
+          <p:nvSpPr>
+            <p:cNvPr id="7" name="Rectangle 6">
+              <a:extLst>
+                <a:ext uri="{FF2B5EF4-FFF2-40B4-BE49-F238E27FC236}">
+                  <a16:creationId xmlns:a16="http://schemas.microsoft.com/office/drawing/2014/main" id="{C92F3CA8-F394-B777-0226-9900DEA9CAA2}"/>
+                </a:ext>
+              </a:extLst>
+            </p:cNvPr>
+            <p:cNvSpPr/>
+            <p:nvPr/>
+          </p:nvSpPr>
+          <p:spPr>
+            <a:xfrm>
+              <a:off x="4621898" y="1989837"/>
+              <a:ext cx="1474102" cy="1502220"/>
+            </a:xfrm>
+            <a:custGeom>
+              <a:avLst/>
+              <a:gdLst>
+                <a:gd name="connsiteX0" fmla="*/ 0 w 1343952"/>
+                <a:gd name="connsiteY0" fmla="*/ 0 h 1391598"/>
+                <a:gd name="connsiteX1" fmla="*/ 658536 w 1343952"/>
+                <a:gd name="connsiteY1" fmla="*/ 0 h 1391598"/>
+                <a:gd name="connsiteX2" fmla="*/ 1343952 w 1343952"/>
+                <a:gd name="connsiteY2" fmla="*/ 0 h 1391598"/>
+                <a:gd name="connsiteX3" fmla="*/ 1343952 w 1343952"/>
+                <a:gd name="connsiteY3" fmla="*/ 723631 h 1391598"/>
+                <a:gd name="connsiteX4" fmla="*/ 1343952 w 1343952"/>
+                <a:gd name="connsiteY4" fmla="*/ 1391598 h 1391598"/>
+                <a:gd name="connsiteX5" fmla="*/ 698855 w 1343952"/>
+                <a:gd name="connsiteY5" fmla="*/ 1391598 h 1391598"/>
+                <a:gd name="connsiteX6" fmla="*/ 0 w 1343952"/>
+                <a:gd name="connsiteY6" fmla="*/ 1391598 h 1391598"/>
+                <a:gd name="connsiteX7" fmla="*/ 0 w 1343952"/>
+                <a:gd name="connsiteY7" fmla="*/ 723631 h 1391598"/>
+                <a:gd name="connsiteX8" fmla="*/ 0 w 1343952"/>
+                <a:gd name="connsiteY8" fmla="*/ 0 h 1391598"/>
+              </a:gdLst>
+              <a:ahLst/>
+              <a:cxnLst>
+                <a:cxn ang="0">
+                  <a:pos x="connsiteX0" y="connsiteY0"/>
+                </a:cxn>
+                <a:cxn ang="0">
+                  <a:pos x="connsiteX1" y="connsiteY1"/>
+                </a:cxn>
+                <a:cxn ang="0">
+                  <a:pos x="connsiteX2" y="connsiteY2"/>
+                </a:cxn>
+                <a:cxn ang="0">
+                  <a:pos x="connsiteX3" y="connsiteY3"/>
+                </a:cxn>
+                <a:cxn ang="0">
+                  <a:pos x="connsiteX4" y="connsiteY4"/>
+                </a:cxn>
+                <a:cxn ang="0">
+                  <a:pos x="connsiteX5" y="connsiteY5"/>
+                </a:cxn>
+                <a:cxn ang="0">
+                  <a:pos x="connsiteX6" y="connsiteY6"/>
+                </a:cxn>
+                <a:cxn ang="0">
+                  <a:pos x="connsiteX7" y="connsiteY7"/>
+                </a:cxn>
+                <a:cxn ang="0">
+                  <a:pos x="connsiteX8" y="connsiteY8"/>
+                </a:cxn>
+              </a:cxnLst>
+              <a:rect l="l" t="t" r="r" b="b"/>
+              <a:pathLst>
+                <a:path w="1343952" h="1391598" extrusionOk="0">
+                  <a:moveTo>
+                    <a:pt x="0" y="0"/>
+                  </a:moveTo>
+                  <a:cubicBezTo>
+                    <a:pt x="277585" y="27819"/>
+                    <a:pt x="446576" y="-32659"/>
+                    <a:pt x="658536" y="0"/>
+                  </a:cubicBezTo>
+                  <a:cubicBezTo>
+                    <a:pt x="870496" y="32659"/>
+                    <a:pt x="1093584" y="4021"/>
+                    <a:pt x="1343952" y="0"/>
+                  </a:cubicBezTo>
+                  <a:cubicBezTo>
+                    <a:pt x="1334549" y="156421"/>
+                    <a:pt x="1308673" y="431792"/>
+                    <a:pt x="1343952" y="723631"/>
+                  </a:cubicBezTo>
+                  <a:cubicBezTo>
+                    <a:pt x="1379231" y="1015470"/>
+                    <a:pt x="1321373" y="1229252"/>
+                    <a:pt x="1343952" y="1391598"/>
+                  </a:cubicBezTo>
+                  <a:cubicBezTo>
+                    <a:pt x="1136012" y="1415098"/>
+                    <a:pt x="996035" y="1394716"/>
+                    <a:pt x="698855" y="1391598"/>
+                  </a:cubicBezTo>
+                  <a:cubicBezTo>
+                    <a:pt x="401675" y="1388480"/>
+                    <a:pt x="213598" y="1384405"/>
+                    <a:pt x="0" y="1391598"/>
+                  </a:cubicBezTo>
+                  <a:cubicBezTo>
+                    <a:pt x="29262" y="1252518"/>
+                    <a:pt x="15487" y="879250"/>
+                    <a:pt x="0" y="723631"/>
+                  </a:cubicBezTo>
+                  <a:cubicBezTo>
+                    <a:pt x="-15487" y="568012"/>
+                    <a:pt x="-6034" y="218119"/>
+                    <a:pt x="0" y="0"/>
+                  </a:cubicBezTo>
+                  <a:close/>
+                </a:path>
+              </a:pathLst>
+            </a:custGeom>
+            <a:noFill/>
+            <a:ln>
+              <a:extLst>
+                <a:ext uri="{C807C97D-BFC1-408E-A445-0C87EB9F89A2}">
+                  <ask:lineSketchStyleProps xmlns:ask="http://schemas.microsoft.com/office/drawing/2018/sketchyshapes" sd="1219033472">
+                    <a:prstGeom prst="rect">
+                      <a:avLst/>
+                    </a:prstGeom>
+                    <ask:type>
+                      <ask:lineSketchFreehand/>
+                    </ask:type>
+                  </ask:lineSketchStyleProps>
+                </a:ext>
+              </a:extLst>
+            </a:ln>
+          </p:spPr>
+          <p:style>
+            <a:lnRef idx="2">
+              <a:schemeClr val="accent1">
+                <a:shade val="15000"/>
+              </a:schemeClr>
+            </a:lnRef>
+            <a:fillRef idx="1">
+              <a:schemeClr val="accent1"/>
+            </a:fillRef>
+            <a:effectRef idx="0">
+              <a:schemeClr val="accent1"/>
+            </a:effectRef>
+            <a:fontRef idx="minor">
+              <a:schemeClr val="lt1"/>
+            </a:fontRef>
+          </p:style>
+          <p:txBody>
+            <a:bodyPr rtlCol="0" anchor="ctr" anchorCtr="0"/>
+            <a:lstStyle/>
+            <a:p>
+              <a:pPr algn="ctr"/>
+              <a:r>
+                <a:rPr lang="en-US" sz="1400" dirty="0">
+                  <a:solidFill>
+                    <a:schemeClr val="accent1">
+                      <a:lumMod val="75000"/>
+                    </a:schemeClr>
+                  </a:solidFill>
+                </a:rPr>
+                <a:t>Model performance metrics Analysis</a:t>
+              </a:r>
+              <a:br>
+                <a:rPr lang="en-US" sz="1400" dirty="0">
+                  <a:solidFill>
+                    <a:schemeClr val="accent1">
+                      <a:lumMod val="75000"/>
+                    </a:schemeClr>
+                  </a:solidFill>
+                </a:rPr>
+              </a:br>
+              <a:r>
+                <a:rPr lang="en-US" sz="1400" dirty="0">
+                  <a:solidFill>
+                    <a:schemeClr val="accent1">
+                      <a:lumMod val="75000"/>
+                    </a:schemeClr>
+                  </a:solidFill>
+                </a:rPr>
+                <a:t>(Evidently AI)</a:t>
+              </a:r>
+            </a:p>
+          </p:txBody>
+        </p:sp>
+        <p:sp>
+          <p:nvSpPr>
+            <p:cNvPr id="8" name="Rectangle 7">
+              <a:extLst>
+                <a:ext uri="{FF2B5EF4-FFF2-40B4-BE49-F238E27FC236}">
+                  <a16:creationId xmlns:a16="http://schemas.microsoft.com/office/drawing/2014/main" id="{C98EBCA5-25CC-AE55-B746-DAC8C5621A87}"/>
+                </a:ext>
+              </a:extLst>
+            </p:cNvPr>
+            <p:cNvSpPr/>
+            <p:nvPr/>
+          </p:nvSpPr>
+          <p:spPr>
+            <a:xfrm>
+              <a:off x="4621898" y="3743286"/>
+              <a:ext cx="1474102" cy="1502220"/>
+            </a:xfrm>
+            <a:custGeom>
+              <a:avLst/>
+              <a:gdLst>
+                <a:gd name="connsiteX0" fmla="*/ 0 w 1343952"/>
+                <a:gd name="connsiteY0" fmla="*/ 0 h 1391598"/>
+                <a:gd name="connsiteX1" fmla="*/ 658536 w 1343952"/>
+                <a:gd name="connsiteY1" fmla="*/ 0 h 1391598"/>
+                <a:gd name="connsiteX2" fmla="*/ 1343952 w 1343952"/>
+                <a:gd name="connsiteY2" fmla="*/ 0 h 1391598"/>
+                <a:gd name="connsiteX3" fmla="*/ 1343952 w 1343952"/>
+                <a:gd name="connsiteY3" fmla="*/ 723631 h 1391598"/>
+                <a:gd name="connsiteX4" fmla="*/ 1343952 w 1343952"/>
+                <a:gd name="connsiteY4" fmla="*/ 1391598 h 1391598"/>
+                <a:gd name="connsiteX5" fmla="*/ 698855 w 1343952"/>
+                <a:gd name="connsiteY5" fmla="*/ 1391598 h 1391598"/>
+                <a:gd name="connsiteX6" fmla="*/ 0 w 1343952"/>
+                <a:gd name="connsiteY6" fmla="*/ 1391598 h 1391598"/>
+                <a:gd name="connsiteX7" fmla="*/ 0 w 1343952"/>
+                <a:gd name="connsiteY7" fmla="*/ 723631 h 1391598"/>
+                <a:gd name="connsiteX8" fmla="*/ 0 w 1343952"/>
+                <a:gd name="connsiteY8" fmla="*/ 0 h 1391598"/>
+              </a:gdLst>
+              <a:ahLst/>
+              <a:cxnLst>
+                <a:cxn ang="0">
+                  <a:pos x="connsiteX0" y="connsiteY0"/>
+                </a:cxn>
+                <a:cxn ang="0">
+                  <a:pos x="connsiteX1" y="connsiteY1"/>
+                </a:cxn>
+                <a:cxn ang="0">
+                  <a:pos x="connsiteX2" y="connsiteY2"/>
+                </a:cxn>
+                <a:cxn ang="0">
+                  <a:pos x="connsiteX3" y="connsiteY3"/>
+                </a:cxn>
+                <a:cxn ang="0">
+                  <a:pos x="connsiteX4" y="connsiteY4"/>
+                </a:cxn>
+                <a:cxn ang="0">
+                  <a:pos x="connsiteX5" y="connsiteY5"/>
+                </a:cxn>
+                <a:cxn ang="0">
+                  <a:pos x="connsiteX6" y="connsiteY6"/>
+                </a:cxn>
+                <a:cxn ang="0">
+                  <a:pos x="connsiteX7" y="connsiteY7"/>
+                </a:cxn>
+                <a:cxn ang="0">
+                  <a:pos x="connsiteX8" y="connsiteY8"/>
+                </a:cxn>
+              </a:cxnLst>
+              <a:rect l="l" t="t" r="r" b="b"/>
+              <a:pathLst>
+                <a:path w="1343952" h="1391598" extrusionOk="0">
+                  <a:moveTo>
+                    <a:pt x="0" y="0"/>
+                  </a:moveTo>
+                  <a:cubicBezTo>
+                    <a:pt x="277585" y="27819"/>
+                    <a:pt x="446576" y="-32659"/>
+                    <a:pt x="658536" y="0"/>
+                  </a:cubicBezTo>
+                  <a:cubicBezTo>
+                    <a:pt x="870496" y="32659"/>
+                    <a:pt x="1093584" y="4021"/>
+                    <a:pt x="1343952" y="0"/>
+                  </a:cubicBezTo>
+                  <a:cubicBezTo>
+                    <a:pt x="1334549" y="156421"/>
+                    <a:pt x="1308673" y="431792"/>
+                    <a:pt x="1343952" y="723631"/>
+                  </a:cubicBezTo>
+                  <a:cubicBezTo>
+                    <a:pt x="1379231" y="1015470"/>
+                    <a:pt x="1321373" y="1229252"/>
+                    <a:pt x="1343952" y="1391598"/>
+                  </a:cubicBezTo>
+                  <a:cubicBezTo>
+                    <a:pt x="1136012" y="1415098"/>
+                    <a:pt x="996035" y="1394716"/>
+                    <a:pt x="698855" y="1391598"/>
+                  </a:cubicBezTo>
+                  <a:cubicBezTo>
+                    <a:pt x="401675" y="1388480"/>
+                    <a:pt x="213598" y="1384405"/>
+                    <a:pt x="0" y="1391598"/>
+                  </a:cubicBezTo>
+                  <a:cubicBezTo>
+                    <a:pt x="29262" y="1252518"/>
+                    <a:pt x="15487" y="879250"/>
+                    <a:pt x="0" y="723631"/>
+                  </a:cubicBezTo>
+                  <a:cubicBezTo>
+                    <a:pt x="-15487" y="568012"/>
+                    <a:pt x="-6034" y="218119"/>
+                    <a:pt x="0" y="0"/>
+                  </a:cubicBezTo>
+                  <a:close/>
+                </a:path>
+              </a:pathLst>
+            </a:custGeom>
+            <a:noFill/>
+            <a:ln>
+              <a:extLst>
+                <a:ext uri="{C807C97D-BFC1-408E-A445-0C87EB9F89A2}">
+                  <ask:lineSketchStyleProps xmlns:ask="http://schemas.microsoft.com/office/drawing/2018/sketchyshapes" sd="1219033472">
+                    <a:prstGeom prst="rect">
+                      <a:avLst/>
+                    </a:prstGeom>
+                    <ask:type>
+                      <ask:lineSketchFreehand/>
+                    </ask:type>
+                  </ask:lineSketchStyleProps>
+                </a:ext>
+              </a:extLst>
+            </a:ln>
+          </p:spPr>
+          <p:style>
+            <a:lnRef idx="2">
+              <a:schemeClr val="accent1">
+                <a:shade val="15000"/>
+              </a:schemeClr>
+            </a:lnRef>
+            <a:fillRef idx="1">
+              <a:schemeClr val="accent1"/>
+            </a:fillRef>
+            <a:effectRef idx="0">
+              <a:schemeClr val="accent1"/>
+            </a:effectRef>
+            <a:fontRef idx="minor">
+              <a:schemeClr val="lt1"/>
+            </a:fontRef>
+          </p:style>
+          <p:txBody>
+            <a:bodyPr rtlCol="0" anchor="ctr" anchorCtr="0"/>
+            <a:lstStyle/>
+            <a:p>
+              <a:pPr algn="ctr"/>
+              <a:r>
+                <a:rPr lang="en-US" sz="1400" dirty="0">
+                  <a:solidFill>
+                    <a:schemeClr val="accent1">
+                      <a:lumMod val="75000"/>
+                    </a:schemeClr>
+                  </a:solidFill>
+                </a:rPr>
+                <a:t>Data Drift Analysis</a:t>
+              </a:r>
+              <a:br>
+                <a:rPr lang="en-US" sz="1400" dirty="0">
+                  <a:solidFill>
+                    <a:schemeClr val="accent1">
+                      <a:lumMod val="75000"/>
+                    </a:schemeClr>
+                  </a:solidFill>
+                </a:rPr>
+              </a:br>
+              <a:r>
+                <a:rPr lang="en-US" sz="1400" dirty="0">
+                  <a:solidFill>
+                    <a:schemeClr val="accent1">
+                      <a:lumMod val="75000"/>
+                    </a:schemeClr>
+                  </a:solidFill>
+                </a:rPr>
+                <a:t>(Evidently AI)</a:t>
+              </a:r>
+            </a:p>
+          </p:txBody>
+        </p:sp>
+        <p:sp>
+          <p:nvSpPr>
+            <p:cNvPr id="9" name="Oval 8">
+              <a:extLst>
+                <a:ext uri="{FF2B5EF4-FFF2-40B4-BE49-F238E27FC236}">
+                  <a16:creationId xmlns:a16="http://schemas.microsoft.com/office/drawing/2014/main" id="{C70FA596-3766-E242-C3C2-A1398A2108F2}"/>
+                </a:ext>
+              </a:extLst>
+            </p:cNvPr>
+            <p:cNvSpPr/>
+            <p:nvPr/>
+          </p:nvSpPr>
+          <p:spPr>
+            <a:xfrm>
+              <a:off x="3230687" y="3448836"/>
+              <a:ext cx="332507" cy="314286"/>
+            </a:xfrm>
+            <a:prstGeom prst="ellipse">
+              <a:avLst/>
+            </a:prstGeom>
+            <a:noFill/>
+          </p:spPr>
+          <p:style>
+            <a:lnRef idx="2">
+              <a:schemeClr val="accent1">
+                <a:shade val="15000"/>
+              </a:schemeClr>
+            </a:lnRef>
+            <a:fillRef idx="1">
+              <a:schemeClr val="accent1"/>
+            </a:fillRef>
+            <a:effectRef idx="0">
+              <a:schemeClr val="accent1"/>
+            </a:effectRef>
+            <a:fontRef idx="minor">
+              <a:schemeClr val="lt1"/>
+            </a:fontRef>
+          </p:style>
+          <p:txBody>
+            <a:bodyPr rtlCol="0" anchor="ctr"/>
+            <a:lstStyle/>
+            <a:p>
+              <a:pPr algn="ctr"/>
+              <a:endParaRPr lang="en-US" dirty="0"/>
+            </a:p>
+          </p:txBody>
+        </p:sp>
+        <p:cxnSp>
+          <p:nvCxnSpPr>
+            <p:cNvPr id="11" name="Curved Connector 10">
+              <a:extLst>
+                <a:ext uri="{FF2B5EF4-FFF2-40B4-BE49-F238E27FC236}">
+                  <a16:creationId xmlns:a16="http://schemas.microsoft.com/office/drawing/2014/main" id="{16A2A41A-6FEC-8AB4-3C71-D7F55EE4E939}"/>
+                </a:ext>
+              </a:extLst>
+            </p:cNvPr>
+            <p:cNvCxnSpPr>
+              <a:stCxn id="5" idx="3"/>
+              <a:endCxn id="9" idx="2"/>
+            </p:cNvCxnSpPr>
+            <p:nvPr/>
+          </p:nvCxnSpPr>
+          <p:spPr>
+            <a:xfrm>
+              <a:off x="2272145" y="2677890"/>
+              <a:ext cx="958542" cy="928089"/>
+            </a:xfrm>
+            <a:prstGeom prst="curvedConnector3">
+              <a:avLst/>
+            </a:prstGeom>
+            <a:ln>
+              <a:tailEnd type="triangle"/>
+            </a:ln>
+          </p:spPr>
+          <p:style>
+            <a:lnRef idx="1">
+              <a:schemeClr val="accent1"/>
+            </a:lnRef>
+            <a:fillRef idx="0">
+              <a:schemeClr val="accent1"/>
+            </a:fillRef>
+            <a:effectRef idx="0">
+              <a:schemeClr val="accent1"/>
+            </a:effectRef>
+            <a:fontRef idx="minor">
+              <a:schemeClr val="tx1"/>
+            </a:fontRef>
+          </p:style>
+        </p:cxnSp>
+        <p:cxnSp>
+          <p:nvCxnSpPr>
+            <p:cNvPr id="13" name="Curved Connector 12">
+              <a:extLst>
+                <a:ext uri="{FF2B5EF4-FFF2-40B4-BE49-F238E27FC236}">
+                  <a16:creationId xmlns:a16="http://schemas.microsoft.com/office/drawing/2014/main" id="{832DE1EC-D042-03FA-2AEB-1DBB85E7749E}"/>
+                </a:ext>
+              </a:extLst>
+            </p:cNvPr>
+            <p:cNvCxnSpPr>
+              <a:stCxn id="6" idx="3"/>
+              <a:endCxn id="9" idx="2"/>
+            </p:cNvCxnSpPr>
+            <p:nvPr/>
+          </p:nvCxnSpPr>
+          <p:spPr>
+            <a:xfrm flipV="1">
+              <a:off x="2272145" y="3605979"/>
+              <a:ext cx="958542" cy="888417"/>
+            </a:xfrm>
+            <a:prstGeom prst="curvedConnector3">
+              <a:avLst/>
+            </a:prstGeom>
+            <a:ln>
+              <a:tailEnd type="triangle"/>
+            </a:ln>
+          </p:spPr>
+          <p:style>
+            <a:lnRef idx="1">
+              <a:schemeClr val="accent1"/>
+            </a:lnRef>
+            <a:fillRef idx="0">
+              <a:schemeClr val="accent1"/>
+            </a:fillRef>
+            <a:effectRef idx="0">
+              <a:schemeClr val="accent1"/>
+            </a:effectRef>
+            <a:fontRef idx="minor">
+              <a:schemeClr val="tx1"/>
+            </a:fontRef>
+          </p:style>
+        </p:cxnSp>
+        <p:cxnSp>
+          <p:nvCxnSpPr>
+            <p:cNvPr id="17" name="Curved Connector 16">
+              <a:extLst>
+                <a:ext uri="{FF2B5EF4-FFF2-40B4-BE49-F238E27FC236}">
+                  <a16:creationId xmlns:a16="http://schemas.microsoft.com/office/drawing/2014/main" id="{3D7F3D27-C8ED-F885-6BAD-E88C29450987}"/>
+                </a:ext>
+              </a:extLst>
+            </p:cNvPr>
+            <p:cNvCxnSpPr>
+              <a:stCxn id="9" idx="6"/>
+              <a:endCxn id="7" idx="1"/>
+            </p:cNvCxnSpPr>
+            <p:nvPr/>
+          </p:nvCxnSpPr>
+          <p:spPr>
+            <a:xfrm flipV="1">
+              <a:off x="3563195" y="2740948"/>
+              <a:ext cx="1058703" cy="865031"/>
+            </a:xfrm>
+            <a:prstGeom prst="curvedConnector3">
+              <a:avLst/>
+            </a:prstGeom>
+            <a:ln>
+              <a:tailEnd type="triangle"/>
+            </a:ln>
+          </p:spPr>
+          <p:style>
+            <a:lnRef idx="1">
+              <a:schemeClr val="accent1"/>
+            </a:lnRef>
+            <a:fillRef idx="0">
+              <a:schemeClr val="accent1"/>
+            </a:fillRef>
+            <a:effectRef idx="0">
+              <a:schemeClr val="accent1"/>
+            </a:effectRef>
+            <a:fontRef idx="minor">
+              <a:schemeClr val="tx1"/>
+            </a:fontRef>
+          </p:style>
+        </p:cxnSp>
+        <p:cxnSp>
+          <p:nvCxnSpPr>
+            <p:cNvPr id="19" name="Curved Connector 18">
+              <a:extLst>
+                <a:ext uri="{FF2B5EF4-FFF2-40B4-BE49-F238E27FC236}">
+                  <a16:creationId xmlns:a16="http://schemas.microsoft.com/office/drawing/2014/main" id="{FD527DEA-7E61-656B-20F8-C952AB2773D5}"/>
+                </a:ext>
+              </a:extLst>
+            </p:cNvPr>
+            <p:cNvCxnSpPr>
+              <a:stCxn id="9" idx="6"/>
+              <a:endCxn id="8" idx="1"/>
+            </p:cNvCxnSpPr>
+            <p:nvPr/>
+          </p:nvCxnSpPr>
+          <p:spPr>
+            <a:xfrm>
+              <a:off x="3563195" y="3605979"/>
+              <a:ext cx="1058703" cy="888417"/>
+            </a:xfrm>
+            <a:prstGeom prst="curvedConnector3">
+              <a:avLst/>
+            </a:prstGeom>
+            <a:ln>
+              <a:tailEnd type="triangle"/>
+            </a:ln>
+          </p:spPr>
+          <p:style>
+            <a:lnRef idx="1">
+              <a:schemeClr val="accent1"/>
+            </a:lnRef>
+            <a:fillRef idx="0">
+              <a:schemeClr val="accent1"/>
+            </a:fillRef>
+            <a:effectRef idx="0">
+              <a:schemeClr val="accent1"/>
+            </a:effectRef>
+            <a:fontRef idx="minor">
+              <a:schemeClr val="tx1"/>
+            </a:fontRef>
+          </p:style>
+        </p:cxnSp>
+      </p:grpSp>
+      <p:cxnSp>
+        <p:nvCxnSpPr>
+          <p:cNvPr id="35" name="Straight Arrow Connector 34">
+            <a:extLst>
+              <a:ext uri="{FF2B5EF4-FFF2-40B4-BE49-F238E27FC236}">
+                <a16:creationId xmlns:a16="http://schemas.microsoft.com/office/drawing/2014/main" id="{A8CFB9D0-D5FE-3FD0-9990-62767FD7A08F}"/>
+              </a:ext>
+            </a:extLst>
+          </p:cNvPr>
+          <p:cNvCxnSpPr>
+            <a:stCxn id="7" idx="3"/>
+            <a:endCxn id="32" idx="1"/>
+          </p:cNvCxnSpPr>
+          <p:nvPr/>
+        </p:nvCxnSpPr>
+        <p:spPr>
+          <a:xfrm>
+            <a:off x="6957884" y="2874645"/>
+            <a:ext cx="1494841" cy="746010"/>
+          </a:xfrm>
+          <a:prstGeom prst="straightConnector1">
+            <a:avLst/>
+          </a:prstGeom>
+          <a:ln>
+            <a:tailEnd type="triangle"/>
+          </a:ln>
+        </p:spPr>
+        <p:style>
+          <a:lnRef idx="1">
+            <a:schemeClr val="accent1"/>
+          </a:lnRef>
+          <a:fillRef idx="0">
+            <a:schemeClr val="accent1"/>
+          </a:fillRef>
+          <a:effectRef idx="0">
+            <a:schemeClr val="accent1"/>
+          </a:effectRef>
+          <a:fontRef idx="minor">
+            <a:schemeClr val="tx1"/>
+          </a:fontRef>
+        </p:style>
+      </p:cxnSp>
+      <p:cxnSp>
+        <p:nvCxnSpPr>
+          <p:cNvPr id="37" name="Straight Arrow Connector 36">
+            <a:extLst>
+              <a:ext uri="{FF2B5EF4-FFF2-40B4-BE49-F238E27FC236}">
+                <a16:creationId xmlns:a16="http://schemas.microsoft.com/office/drawing/2014/main" id="{E0541555-9D4E-4D8C-3E0F-944B1209CC18}"/>
+              </a:ext>
+            </a:extLst>
+          </p:cNvPr>
+          <p:cNvCxnSpPr>
+            <a:stCxn id="8" idx="3"/>
+            <a:endCxn id="32" idx="1"/>
+          </p:cNvCxnSpPr>
+          <p:nvPr/>
+        </p:nvCxnSpPr>
+        <p:spPr>
+          <a:xfrm flipV="1">
+            <a:off x="6957884" y="3620655"/>
+            <a:ext cx="1494841" cy="878316"/>
+          </a:xfrm>
+          <a:prstGeom prst="straightConnector1">
+            <a:avLst/>
+          </a:prstGeom>
+          <a:ln>
+            <a:tailEnd type="triangle"/>
+          </a:ln>
+        </p:spPr>
+        <p:style>
+          <a:lnRef idx="1">
+            <a:schemeClr val="accent1"/>
+          </a:lnRef>
+          <a:fillRef idx="0">
+            <a:schemeClr val="accent1"/>
+          </a:fillRef>
+          <a:effectRef idx="0">
+            <a:schemeClr val="accent1"/>
+          </a:effectRef>
+          <a:fontRef idx="minor">
+            <a:schemeClr val="tx1"/>
+          </a:fontRef>
+        </p:style>
+      </p:cxnSp>
+      <p:pic>
+        <p:nvPicPr>
+          <p:cNvPr id="41" name="Graphic 40" descr="Add with solid fill">
+            <a:extLst>
+              <a:ext uri="{FF2B5EF4-FFF2-40B4-BE49-F238E27FC236}">
+                <a16:creationId xmlns:a16="http://schemas.microsoft.com/office/drawing/2014/main" id="{868B5A68-857A-99DD-0E67-A87C481FEE5E}"/>
+              </a:ext>
+            </a:extLst>
+          </p:cNvPr>
+          <p:cNvPicPr>
+            <a:picLocks noChangeAspect="1"/>
+          </p:cNvPicPr>
+          <p:nvPr/>
+        </p:nvPicPr>
+        <p:blipFill>
+          <a:blip r:embed="rId2">
+            <a:extLst>
+              <a:ext uri="{96DAC541-7B7A-43D3-8B79-37D633B846F1}">
+                <asvg:svgBlip xmlns:asvg="http://schemas.microsoft.com/office/drawing/2016/SVG/main" r:embed="rId3"/>
+              </a:ext>
+            </a:extLst>
+          </a:blip>
+          <a:stretch>
+            <a:fillRect/>
+          </a:stretch>
+        </p:blipFill>
+        <p:spPr>
+          <a:xfrm>
+            <a:off x="4383215" y="3575345"/>
+            <a:ext cx="227826" cy="227826"/>
+          </a:xfrm>
+          <a:prstGeom prst="rect">
+            <a:avLst/>
+          </a:prstGeom>
+        </p:spPr>
+      </p:pic>
+      <p:grpSp>
+        <p:nvGrpSpPr>
+          <p:cNvPr id="48" name="Group 47">
+            <a:extLst>
+              <a:ext uri="{FF2B5EF4-FFF2-40B4-BE49-F238E27FC236}">
+                <a16:creationId xmlns:a16="http://schemas.microsoft.com/office/drawing/2014/main" id="{C220887C-55E3-FD4B-2F03-48C2C7990B14}"/>
+              </a:ext>
+            </a:extLst>
+          </p:cNvPr>
+          <p:cNvGrpSpPr/>
+          <p:nvPr/>
+        </p:nvGrpSpPr>
+        <p:grpSpPr>
+          <a:xfrm>
+            <a:off x="8452725" y="2470728"/>
+            <a:ext cx="1413164" cy="2299854"/>
+            <a:chOff x="8452725" y="2470728"/>
+            <a:chExt cx="1413164" cy="2299854"/>
+          </a:xfrm>
+        </p:grpSpPr>
+        <p:pic>
+          <p:nvPicPr>
+            <p:cNvPr id="29" name="Graphic 28" descr="Completed outline">
+              <a:extLst>
+                <a:ext uri="{FF2B5EF4-FFF2-40B4-BE49-F238E27FC236}">
+                  <a16:creationId xmlns:a16="http://schemas.microsoft.com/office/drawing/2014/main" id="{BA61BAFC-3A11-E9D2-B125-F0B78617461E}"/>
+                </a:ext>
+              </a:extLst>
+            </p:cNvPr>
+            <p:cNvPicPr>
+              <a:picLocks noChangeAspect="1"/>
+            </p:cNvPicPr>
+            <p:nvPr/>
+          </p:nvPicPr>
+          <p:blipFill>
+            <a:blip r:embed="rId4">
+              <a:extLst>
+                <a:ext uri="{96DAC541-7B7A-43D3-8B79-37D633B846F1}">
+                  <asvg:svgBlip xmlns:asvg="http://schemas.microsoft.com/office/drawing/2016/SVG/main" r:embed="rId5"/>
+                </a:ext>
+              </a:extLst>
+            </a:blip>
+            <a:stretch>
+              <a:fillRect/>
+            </a:stretch>
+          </p:blipFill>
+          <p:spPr>
+            <a:xfrm>
+              <a:off x="8688255" y="2623030"/>
+              <a:ext cx="914400" cy="914400"/>
+            </a:xfrm>
+            <a:prstGeom prst="rect">
+              <a:avLst/>
+            </a:prstGeom>
+          </p:spPr>
+        </p:pic>
+        <p:sp>
+          <p:nvSpPr>
+            <p:cNvPr id="32" name="Rounded Rectangle 31">
+              <a:extLst>
+                <a:ext uri="{FF2B5EF4-FFF2-40B4-BE49-F238E27FC236}">
+                  <a16:creationId xmlns:a16="http://schemas.microsoft.com/office/drawing/2014/main" id="{FF745D51-B604-E48B-C87D-24D217BA0171}"/>
+                </a:ext>
+              </a:extLst>
+            </p:cNvPr>
+            <p:cNvSpPr/>
+            <p:nvPr/>
+          </p:nvSpPr>
+          <p:spPr>
+            <a:xfrm>
+              <a:off x="8452725" y="2470728"/>
+              <a:ext cx="1413164" cy="2299854"/>
+            </a:xfrm>
+            <a:prstGeom prst="roundRect">
+              <a:avLst/>
+            </a:prstGeom>
+            <a:noFill/>
+          </p:spPr>
+          <p:style>
+            <a:lnRef idx="2">
+              <a:schemeClr val="accent1">
+                <a:shade val="15000"/>
+              </a:schemeClr>
+            </a:lnRef>
+            <a:fillRef idx="1">
+              <a:schemeClr val="accent1"/>
+            </a:fillRef>
+            <a:effectRef idx="0">
+              <a:schemeClr val="accent1"/>
+            </a:effectRef>
+            <a:fontRef idx="minor">
+              <a:schemeClr val="lt1"/>
+            </a:fontRef>
+          </p:style>
+          <p:txBody>
+            <a:bodyPr rtlCol="0" anchor="ctr"/>
+            <a:lstStyle/>
+            <a:p>
+              <a:pPr algn="ctr"/>
+              <a:endParaRPr lang="en-US"/>
+            </a:p>
+          </p:txBody>
+        </p:sp>
+        <p:pic>
+          <p:nvPicPr>
+            <p:cNvPr id="47" name="Graphic 46" descr="Clipboard All Crosses outline">
+              <a:extLst>
+                <a:ext uri="{FF2B5EF4-FFF2-40B4-BE49-F238E27FC236}">
+                  <a16:creationId xmlns:a16="http://schemas.microsoft.com/office/drawing/2014/main" id="{B0C5298B-1142-780B-9626-73D5BE69E5F2}"/>
+                </a:ext>
+              </a:extLst>
+            </p:cNvPr>
+            <p:cNvPicPr>
+              <a:picLocks noChangeAspect="1"/>
+            </p:cNvPicPr>
+            <p:nvPr/>
+          </p:nvPicPr>
+          <p:blipFill>
+            <a:blip r:embed="rId6">
+              <a:extLst>
+                <a:ext uri="{96DAC541-7B7A-43D3-8B79-37D633B846F1}">
+                  <asvg:svgBlip xmlns:asvg="http://schemas.microsoft.com/office/drawing/2016/SVG/main" r:embed="rId7"/>
+                </a:ext>
+              </a:extLst>
+            </a:blip>
+            <a:stretch>
+              <a:fillRect/>
+            </a:stretch>
+          </p:blipFill>
+          <p:spPr>
+            <a:xfrm>
+              <a:off x="8702107" y="3537430"/>
+              <a:ext cx="914400" cy="914400"/>
+            </a:xfrm>
+            <a:prstGeom prst="rect">
+              <a:avLst/>
+            </a:prstGeom>
+          </p:spPr>
+        </p:pic>
+      </p:grpSp>
+    </p:spTree>
+    <p:extLst>
+      <p:ext uri="{BB962C8B-B14F-4D97-AF65-F5344CB8AC3E}">
+        <p14:creationId xmlns:p14="http://schemas.microsoft.com/office/powerpoint/2010/main" val="4114188723"/>
+      </p:ext>
+    </p:extLst>
+  </p:cSld>
+  <p:clrMapOvr>
+    <a:masterClrMapping/>
+  </p:clrMapOvr>
+</p:sld>
+</file>
+
+<file path=ppt/slides/slide9.xml><?xml version="1.0" encoding="utf-8"?>
+<p:sld xmlns:a="http://schemas.openxmlformats.org/drawingml/2006/main" xmlns:r="http://schemas.openxmlformats.org/officeDocument/2006/relationships" xmlns:p="http://schemas.openxmlformats.org/presentationml/2006/main">
+  <p:cSld>
+    <p:spTree>
+      <p:nvGrpSpPr>
+        <p:cNvPr id="1" name=""/>
+        <p:cNvGrpSpPr/>
+        <p:nvPr/>
+      </p:nvGrpSpPr>
+      <p:grpSpPr>
+        <a:xfrm>
+          <a:off x="0" y="0"/>
+          <a:ext cx="0" cy="0"/>
+          <a:chOff x="0" y="0"/>
+          <a:chExt cx="0" cy="0"/>
+        </a:xfrm>
+      </p:grpSpPr>
+      <p:sp>
+        <p:nvSpPr>
+          <p:cNvPr id="4" name="Rectangle 3">
+            <a:extLst>
+              <a:ext uri="{FF2B5EF4-FFF2-40B4-BE49-F238E27FC236}">
+                <a16:creationId xmlns:a16="http://schemas.microsoft.com/office/drawing/2014/main" id="{4DA60FA9-5B02-53B2-FADC-DFB7F2CFA166}"/>
+              </a:ext>
+            </a:extLst>
+          </p:cNvPr>
+          <p:cNvSpPr/>
+          <p:nvPr/>
+        </p:nvSpPr>
+        <p:spPr>
+          <a:xfrm>
+            <a:off x="1025237" y="1016000"/>
+            <a:ext cx="9975272" cy="4525817"/>
+          </a:xfrm>
+          <a:custGeom>
+            <a:avLst/>
+            <a:gdLst>
+              <a:gd name="connsiteX0" fmla="*/ 0 w 9975272"/>
+              <a:gd name="connsiteY0" fmla="*/ 0 h 4525817"/>
+              <a:gd name="connsiteX1" fmla="*/ 665018 w 9975272"/>
+              <a:gd name="connsiteY1" fmla="*/ 0 h 4525817"/>
+              <a:gd name="connsiteX2" fmla="*/ 1230284 w 9975272"/>
+              <a:gd name="connsiteY2" fmla="*/ 0 h 4525817"/>
+              <a:gd name="connsiteX3" fmla="*/ 1995054 w 9975272"/>
+              <a:gd name="connsiteY3" fmla="*/ 0 h 4525817"/>
+              <a:gd name="connsiteX4" fmla="*/ 2859578 w 9975272"/>
+              <a:gd name="connsiteY4" fmla="*/ 0 h 4525817"/>
+              <a:gd name="connsiteX5" fmla="*/ 3524596 w 9975272"/>
+              <a:gd name="connsiteY5" fmla="*/ 0 h 4525817"/>
+              <a:gd name="connsiteX6" fmla="*/ 4289367 w 9975272"/>
+              <a:gd name="connsiteY6" fmla="*/ 0 h 4525817"/>
+              <a:gd name="connsiteX7" fmla="*/ 4655127 w 9975272"/>
+              <a:gd name="connsiteY7" fmla="*/ 0 h 4525817"/>
+              <a:gd name="connsiteX8" fmla="*/ 5020887 w 9975272"/>
+              <a:gd name="connsiteY8" fmla="*/ 0 h 4525817"/>
+              <a:gd name="connsiteX9" fmla="*/ 5685905 w 9975272"/>
+              <a:gd name="connsiteY9" fmla="*/ 0 h 4525817"/>
+              <a:gd name="connsiteX10" fmla="*/ 6251170 w 9975272"/>
+              <a:gd name="connsiteY10" fmla="*/ 0 h 4525817"/>
+              <a:gd name="connsiteX11" fmla="*/ 6916189 w 9975272"/>
+              <a:gd name="connsiteY11" fmla="*/ 0 h 4525817"/>
+              <a:gd name="connsiteX12" fmla="*/ 7381701 w 9975272"/>
+              <a:gd name="connsiteY12" fmla="*/ 0 h 4525817"/>
+              <a:gd name="connsiteX13" fmla="*/ 8246225 w 9975272"/>
+              <a:gd name="connsiteY13" fmla="*/ 0 h 4525817"/>
+              <a:gd name="connsiteX14" fmla="*/ 8911243 w 9975272"/>
+              <a:gd name="connsiteY14" fmla="*/ 0 h 4525817"/>
+              <a:gd name="connsiteX15" fmla="*/ 9277003 w 9975272"/>
+              <a:gd name="connsiteY15" fmla="*/ 0 h 4525817"/>
+              <a:gd name="connsiteX16" fmla="*/ 9975272 w 9975272"/>
+              <a:gd name="connsiteY16" fmla="*/ 0 h 4525817"/>
+              <a:gd name="connsiteX17" fmla="*/ 9975272 w 9975272"/>
+              <a:gd name="connsiteY17" fmla="*/ 646545 h 4525817"/>
+              <a:gd name="connsiteX18" fmla="*/ 9975272 w 9975272"/>
+              <a:gd name="connsiteY18" fmla="*/ 1202574 h 4525817"/>
+              <a:gd name="connsiteX19" fmla="*/ 9975272 w 9975272"/>
+              <a:gd name="connsiteY19" fmla="*/ 1713345 h 4525817"/>
+              <a:gd name="connsiteX20" fmla="*/ 9975272 w 9975272"/>
+              <a:gd name="connsiteY20" fmla="*/ 2314632 h 4525817"/>
+              <a:gd name="connsiteX21" fmla="*/ 9975272 w 9975272"/>
+              <a:gd name="connsiteY21" fmla="*/ 2825403 h 4525817"/>
+              <a:gd name="connsiteX22" fmla="*/ 9975272 w 9975272"/>
+              <a:gd name="connsiteY22" fmla="*/ 3336174 h 4525817"/>
+              <a:gd name="connsiteX23" fmla="*/ 9975272 w 9975272"/>
+              <a:gd name="connsiteY23" fmla="*/ 4525817 h 4525817"/>
+              <a:gd name="connsiteX24" fmla="*/ 9609512 w 9975272"/>
+              <a:gd name="connsiteY24" fmla="*/ 4525817 h 4525817"/>
+              <a:gd name="connsiteX25" fmla="*/ 8744988 w 9975272"/>
+              <a:gd name="connsiteY25" fmla="*/ 4525817 h 4525817"/>
+              <a:gd name="connsiteX26" fmla="*/ 7880465 w 9975272"/>
+              <a:gd name="connsiteY26" fmla="*/ 4525817 h 4525817"/>
+              <a:gd name="connsiteX27" fmla="*/ 7015941 w 9975272"/>
+              <a:gd name="connsiteY27" fmla="*/ 4525817 h 4525817"/>
+              <a:gd name="connsiteX28" fmla="*/ 6251170 w 9975272"/>
+              <a:gd name="connsiteY28" fmla="*/ 4525817 h 4525817"/>
+              <a:gd name="connsiteX29" fmla="*/ 5685905 w 9975272"/>
+              <a:gd name="connsiteY29" fmla="*/ 4525817 h 4525817"/>
+              <a:gd name="connsiteX30" fmla="*/ 4921134 w 9975272"/>
+              <a:gd name="connsiteY30" fmla="*/ 4525817 h 4525817"/>
+              <a:gd name="connsiteX31" fmla="*/ 4056611 w 9975272"/>
+              <a:gd name="connsiteY31" fmla="*/ 4525817 h 4525817"/>
+              <a:gd name="connsiteX32" fmla="*/ 3591098 w 9975272"/>
+              <a:gd name="connsiteY32" fmla="*/ 4525817 h 4525817"/>
+              <a:gd name="connsiteX33" fmla="*/ 3225338 w 9975272"/>
+              <a:gd name="connsiteY33" fmla="*/ 4525817 h 4525817"/>
+              <a:gd name="connsiteX34" fmla="*/ 2560320 w 9975272"/>
+              <a:gd name="connsiteY34" fmla="*/ 4525817 h 4525817"/>
+              <a:gd name="connsiteX35" fmla="*/ 2194560 w 9975272"/>
+              <a:gd name="connsiteY35" fmla="*/ 4525817 h 4525817"/>
+              <a:gd name="connsiteX36" fmla="*/ 1429789 w 9975272"/>
+              <a:gd name="connsiteY36" fmla="*/ 4525817 h 4525817"/>
+              <a:gd name="connsiteX37" fmla="*/ 565265 w 9975272"/>
+              <a:gd name="connsiteY37" fmla="*/ 4525817 h 4525817"/>
+              <a:gd name="connsiteX38" fmla="*/ 0 w 9975272"/>
+              <a:gd name="connsiteY38" fmla="*/ 4525817 h 4525817"/>
+              <a:gd name="connsiteX39" fmla="*/ 0 w 9975272"/>
+              <a:gd name="connsiteY39" fmla="*/ 3924530 h 4525817"/>
+              <a:gd name="connsiteX40" fmla="*/ 0 w 9975272"/>
+              <a:gd name="connsiteY40" fmla="*/ 3187468 h 4525817"/>
+              <a:gd name="connsiteX41" fmla="*/ 0 w 9975272"/>
+              <a:gd name="connsiteY41" fmla="*/ 2495665 h 4525817"/>
+              <a:gd name="connsiteX42" fmla="*/ 0 w 9975272"/>
+              <a:gd name="connsiteY42" fmla="*/ 1939636 h 4525817"/>
+              <a:gd name="connsiteX43" fmla="*/ 0 w 9975272"/>
+              <a:gd name="connsiteY43" fmla="*/ 1428865 h 4525817"/>
+              <a:gd name="connsiteX44" fmla="*/ 0 w 9975272"/>
+              <a:gd name="connsiteY44" fmla="*/ 827578 h 4525817"/>
+              <a:gd name="connsiteX45" fmla="*/ 0 w 9975272"/>
+              <a:gd name="connsiteY45" fmla="*/ 0 h 4525817"/>
+            </a:gdLst>
+            <a:ahLst/>
+            <a:cxnLst>
+              <a:cxn ang="0">
+                <a:pos x="connsiteX0" y="connsiteY0"/>
+              </a:cxn>
+              <a:cxn ang="0">
+                <a:pos x="connsiteX1" y="connsiteY1"/>
+              </a:cxn>
+              <a:cxn ang="0">
+                <a:pos x="connsiteX2" y="connsiteY2"/>
+              </a:cxn>
+              <a:cxn ang="0">
+                <a:pos x="connsiteX3" y="connsiteY3"/>
+              </a:cxn>
+              <a:cxn ang="0">
+                <a:pos x="connsiteX4" y="connsiteY4"/>
+              </a:cxn>
+              <a:cxn ang="0">
+                <a:pos x="connsiteX5" y="connsiteY5"/>
+              </a:cxn>
+              <a:cxn ang="0">
+                <a:pos x="connsiteX6" y="connsiteY6"/>
+              </a:cxn>
+              <a:cxn ang="0">
+                <a:pos x="connsiteX7" y="connsiteY7"/>
+              </a:cxn>
+              <a:cxn ang="0">
+                <a:pos x="connsiteX8" y="connsiteY8"/>
+              </a:cxn>
+              <a:cxn ang="0">
+                <a:pos x="connsiteX9" y="connsiteY9"/>
+              </a:cxn>
+              <a:cxn ang="0">
+                <a:pos x="connsiteX10" y="connsiteY10"/>
+              </a:cxn>
+              <a:cxn ang="0">
+                <a:pos x="connsiteX11" y="connsiteY11"/>
+              </a:cxn>
+              <a:cxn ang="0">
+                <a:pos x="connsiteX12" y="connsiteY12"/>
+              </a:cxn>
+              <a:cxn ang="0">
+                <a:pos x="connsiteX13" y="connsiteY13"/>
+              </a:cxn>
+              <a:cxn ang="0">
+                <a:pos x="connsiteX14" y="connsiteY14"/>
+              </a:cxn>
+              <a:cxn ang="0">
+                <a:pos x="connsiteX15" y="connsiteY15"/>
+              </a:cxn>
+              <a:cxn ang="0">
+                <a:pos x="connsiteX16" y="connsiteY16"/>
+              </a:cxn>
+              <a:cxn ang="0">
+                <a:pos x="connsiteX17" y="connsiteY17"/>
+              </a:cxn>
+              <a:cxn ang="0">
+                <a:pos x="connsiteX18" y="connsiteY18"/>
+              </a:cxn>
+              <a:cxn ang="0">
+                <a:pos x="connsiteX19" y="connsiteY19"/>
+              </a:cxn>
+              <a:cxn ang="0">
+                <a:pos x="connsiteX20" y="connsiteY20"/>
+              </a:cxn>
+              <a:cxn ang="0">
+                <a:pos x="connsiteX21" y="connsiteY21"/>
+              </a:cxn>
+              <a:cxn ang="0">
+                <a:pos x="connsiteX22" y="connsiteY22"/>
+              </a:cxn>
+              <a:cxn ang="0">
+                <a:pos x="connsiteX23" y="connsiteY23"/>
+              </a:cxn>
+              <a:cxn ang="0">
+                <a:pos x="connsiteX24" y="connsiteY24"/>
+              </a:cxn>
+              <a:cxn ang="0">
+                <a:pos x="connsiteX25" y="connsiteY25"/>
+              </a:cxn>
+              <a:cxn ang="0">
+                <a:pos x="connsiteX26" y="connsiteY26"/>
+              </a:cxn>
+              <a:cxn ang="0">
+                <a:pos x="connsiteX27" y="connsiteY27"/>
+              </a:cxn>
+              <a:cxn ang="0">
+                <a:pos x="connsiteX28" y="connsiteY28"/>
+              </a:cxn>
+              <a:cxn ang="0">
+                <a:pos x="connsiteX29" y="connsiteY29"/>
+              </a:cxn>
+              <a:cxn ang="0">
+                <a:pos x="connsiteX30" y="connsiteY30"/>
+              </a:cxn>
+              <a:cxn ang="0">
+                <a:pos x="connsiteX31" y="connsiteY31"/>
+              </a:cxn>
+              <a:cxn ang="0">
+                <a:pos x="connsiteX32" y="connsiteY32"/>
+              </a:cxn>
+              <a:cxn ang="0">
+                <a:pos x="connsiteX33" y="connsiteY33"/>
+              </a:cxn>
+              <a:cxn ang="0">
+                <a:pos x="connsiteX34" y="connsiteY34"/>
+              </a:cxn>
+              <a:cxn ang="0">
+                <a:pos x="connsiteX35" y="connsiteY35"/>
+              </a:cxn>
+              <a:cxn ang="0">
+                <a:pos x="connsiteX36" y="connsiteY36"/>
+              </a:cxn>
+              <a:cxn ang="0">
+                <a:pos x="connsiteX37" y="connsiteY37"/>
+              </a:cxn>
+              <a:cxn ang="0">
+                <a:pos x="connsiteX38" y="connsiteY38"/>
+              </a:cxn>
+              <a:cxn ang="0">
+                <a:pos x="connsiteX39" y="connsiteY39"/>
+              </a:cxn>
+              <a:cxn ang="0">
+                <a:pos x="connsiteX40" y="connsiteY40"/>
+              </a:cxn>
+              <a:cxn ang="0">
+                <a:pos x="connsiteX41" y="connsiteY41"/>
+              </a:cxn>
+              <a:cxn ang="0">
+                <a:pos x="connsiteX42" y="connsiteY42"/>
+              </a:cxn>
+              <a:cxn ang="0">
+                <a:pos x="connsiteX43" y="connsiteY43"/>
+              </a:cxn>
+              <a:cxn ang="0">
+                <a:pos x="connsiteX44" y="connsiteY44"/>
+              </a:cxn>
+              <a:cxn ang="0">
+                <a:pos x="connsiteX45" y="connsiteY45"/>
+              </a:cxn>
+            </a:cxnLst>
+            <a:rect l="l" t="t" r="r" b="b"/>
+            <a:pathLst>
+              <a:path w="9975272" h="4525817" extrusionOk="0">
+                <a:moveTo>
+                  <a:pt x="0" y="0"/>
+                </a:moveTo>
+                <a:cubicBezTo>
+                  <a:pt x="316539" y="-19359"/>
+                  <a:pt x="412909" y="21845"/>
+                  <a:pt x="665018" y="0"/>
+                </a:cubicBezTo>
+                <a:cubicBezTo>
+                  <a:pt x="917127" y="-21845"/>
+                  <a:pt x="968359" y="-21479"/>
+                  <a:pt x="1230284" y="0"/>
+                </a:cubicBezTo>
+                <a:cubicBezTo>
+                  <a:pt x="1492209" y="21479"/>
+                  <a:pt x="1781547" y="-34315"/>
+                  <a:pt x="1995054" y="0"/>
+                </a:cubicBezTo>
+                <a:cubicBezTo>
+                  <a:pt x="2208561" y="34315"/>
+                  <a:pt x="2488485" y="13865"/>
+                  <a:pt x="2859578" y="0"/>
+                </a:cubicBezTo>
+                <a:cubicBezTo>
+                  <a:pt x="3230671" y="-13865"/>
+                  <a:pt x="3390283" y="22500"/>
+                  <a:pt x="3524596" y="0"/>
+                </a:cubicBezTo>
+                <a:cubicBezTo>
+                  <a:pt x="3658909" y="-22500"/>
+                  <a:pt x="3965438" y="1046"/>
+                  <a:pt x="4289367" y="0"/>
+                </a:cubicBezTo>
+                <a:cubicBezTo>
+                  <a:pt x="4613296" y="-1046"/>
+                  <a:pt x="4548688" y="-17031"/>
+                  <a:pt x="4655127" y="0"/>
+                </a:cubicBezTo>
+                <a:cubicBezTo>
+                  <a:pt x="4761566" y="17031"/>
+                  <a:pt x="4863415" y="13896"/>
+                  <a:pt x="5020887" y="0"/>
+                </a:cubicBezTo>
+                <a:cubicBezTo>
+                  <a:pt x="5178359" y="-13896"/>
+                  <a:pt x="5501307" y="23035"/>
+                  <a:pt x="5685905" y="0"/>
+                </a:cubicBezTo>
+                <a:cubicBezTo>
+                  <a:pt x="5870503" y="-23035"/>
+                  <a:pt x="6058989" y="9405"/>
+                  <a:pt x="6251170" y="0"/>
+                </a:cubicBezTo>
+                <a:cubicBezTo>
+                  <a:pt x="6443351" y="-9405"/>
+                  <a:pt x="6747719" y="262"/>
+                  <a:pt x="6916189" y="0"/>
+                </a:cubicBezTo>
+                <a:cubicBezTo>
+                  <a:pt x="7084659" y="-262"/>
+                  <a:pt x="7220083" y="-7651"/>
+                  <a:pt x="7381701" y="0"/>
+                </a:cubicBezTo>
+                <a:cubicBezTo>
+                  <a:pt x="7543319" y="7651"/>
+                  <a:pt x="7944873" y="-9519"/>
+                  <a:pt x="8246225" y="0"/>
+                </a:cubicBezTo>
+                <a:cubicBezTo>
+                  <a:pt x="8547577" y="9519"/>
+                  <a:pt x="8694788" y="30116"/>
+                  <a:pt x="8911243" y="0"/>
+                </a:cubicBezTo>
+                <a:cubicBezTo>
+                  <a:pt x="9127698" y="-30116"/>
+                  <a:pt x="9132965" y="-1270"/>
+                  <a:pt x="9277003" y="0"/>
+                </a:cubicBezTo>
+                <a:cubicBezTo>
+                  <a:pt x="9421041" y="1270"/>
+                  <a:pt x="9665487" y="-5127"/>
+                  <a:pt x="9975272" y="0"/>
+                </a:cubicBezTo>
+                <a:cubicBezTo>
+                  <a:pt x="10007501" y="234919"/>
+                  <a:pt x="9943933" y="367074"/>
+                  <a:pt x="9975272" y="646545"/>
+                </a:cubicBezTo>
+                <a:cubicBezTo>
+                  <a:pt x="10006611" y="926017"/>
+                  <a:pt x="9986031" y="1086898"/>
+                  <a:pt x="9975272" y="1202574"/>
+                </a:cubicBezTo>
+                <a:cubicBezTo>
+                  <a:pt x="9964513" y="1318250"/>
+                  <a:pt x="9968058" y="1556474"/>
+                  <a:pt x="9975272" y="1713345"/>
+                </a:cubicBezTo>
+                <a:cubicBezTo>
+                  <a:pt x="9982486" y="1870216"/>
+                  <a:pt x="9985424" y="2132716"/>
+                  <a:pt x="9975272" y="2314632"/>
+                </a:cubicBezTo>
+                <a:cubicBezTo>
+                  <a:pt x="9965120" y="2496548"/>
+                  <a:pt x="9982342" y="2593790"/>
+                  <a:pt x="9975272" y="2825403"/>
+                </a:cubicBezTo>
+                <a:cubicBezTo>
+                  <a:pt x="9968202" y="3057016"/>
+                  <a:pt x="9955187" y="3096532"/>
+                  <a:pt x="9975272" y="3336174"/>
+                </a:cubicBezTo>
+                <a:cubicBezTo>
+                  <a:pt x="9995357" y="3575816"/>
+                  <a:pt x="9934675" y="4277248"/>
+                  <a:pt x="9975272" y="4525817"/>
+                </a:cubicBezTo>
+                <a:cubicBezTo>
+                  <a:pt x="9835794" y="4534610"/>
+                  <a:pt x="9761824" y="4521810"/>
+                  <a:pt x="9609512" y="4525817"/>
+                </a:cubicBezTo>
+                <a:cubicBezTo>
+                  <a:pt x="9457200" y="4529824"/>
+                  <a:pt x="8961980" y="4551635"/>
+                  <a:pt x="8744988" y="4525817"/>
+                </a:cubicBezTo>
+                <a:cubicBezTo>
+                  <a:pt x="8527996" y="4499999"/>
+                  <a:pt x="8093788" y="4561698"/>
+                  <a:pt x="7880465" y="4525817"/>
+                </a:cubicBezTo>
+                <a:cubicBezTo>
+                  <a:pt x="7667142" y="4489936"/>
+                  <a:pt x="7284598" y="4507058"/>
+                  <a:pt x="7015941" y="4525817"/>
+                </a:cubicBezTo>
+                <a:cubicBezTo>
+                  <a:pt x="6747284" y="4544576"/>
+                  <a:pt x="6614705" y="4513996"/>
+                  <a:pt x="6251170" y="4525817"/>
+                </a:cubicBezTo>
+                <a:cubicBezTo>
+                  <a:pt x="5887635" y="4537638"/>
+                  <a:pt x="5948082" y="4524384"/>
+                  <a:pt x="5685905" y="4525817"/>
+                </a:cubicBezTo>
+                <a:cubicBezTo>
+                  <a:pt x="5423729" y="4527250"/>
+                  <a:pt x="5226910" y="4531581"/>
+                  <a:pt x="4921134" y="4525817"/>
+                </a:cubicBezTo>
+                <a:cubicBezTo>
+                  <a:pt x="4615358" y="4520053"/>
+                  <a:pt x="4284925" y="4555534"/>
+                  <a:pt x="4056611" y="4525817"/>
+                </a:cubicBezTo>
+                <a:cubicBezTo>
+                  <a:pt x="3828297" y="4496100"/>
+                  <a:pt x="3809662" y="4512317"/>
+                  <a:pt x="3591098" y="4525817"/>
+                </a:cubicBezTo>
+                <a:cubicBezTo>
+                  <a:pt x="3372534" y="4539317"/>
+                  <a:pt x="3301402" y="4513999"/>
+                  <a:pt x="3225338" y="4525817"/>
+                </a:cubicBezTo>
+                <a:cubicBezTo>
+                  <a:pt x="3149274" y="4537635"/>
+                  <a:pt x="2889545" y="4500662"/>
+                  <a:pt x="2560320" y="4525817"/>
+                </a:cubicBezTo>
+                <a:cubicBezTo>
+                  <a:pt x="2231095" y="4550972"/>
+                  <a:pt x="2317509" y="4508438"/>
+                  <a:pt x="2194560" y="4525817"/>
+                </a:cubicBezTo>
+                <a:cubicBezTo>
+                  <a:pt x="2071611" y="4543196"/>
+                  <a:pt x="1740677" y="4554528"/>
+                  <a:pt x="1429789" y="4525817"/>
+                </a:cubicBezTo>
+                <a:cubicBezTo>
+                  <a:pt x="1118901" y="4497106"/>
+                  <a:pt x="758220" y="4548763"/>
+                  <a:pt x="565265" y="4525817"/>
+                </a:cubicBezTo>
+                <a:cubicBezTo>
+                  <a:pt x="372310" y="4502871"/>
+                  <a:pt x="182206" y="4518765"/>
+                  <a:pt x="0" y="4525817"/>
+                </a:cubicBezTo>
+                <a:cubicBezTo>
+                  <a:pt x="5973" y="4302187"/>
+                  <a:pt x="-12486" y="4107722"/>
+                  <a:pt x="0" y="3924530"/>
+                </a:cubicBezTo>
+                <a:cubicBezTo>
+                  <a:pt x="12486" y="3741338"/>
+                  <a:pt x="-31947" y="3378960"/>
+                  <a:pt x="0" y="3187468"/>
+                </a:cubicBezTo>
+                <a:cubicBezTo>
+                  <a:pt x="31947" y="2995976"/>
+                  <a:pt x="-10995" y="2751986"/>
+                  <a:pt x="0" y="2495665"/>
+                </a:cubicBezTo>
+                <a:cubicBezTo>
+                  <a:pt x="10995" y="2239344"/>
+                  <a:pt x="-185" y="2216785"/>
+                  <a:pt x="0" y="1939636"/>
+                </a:cubicBezTo>
+                <a:cubicBezTo>
+                  <a:pt x="185" y="1662487"/>
+                  <a:pt x="22955" y="1603576"/>
+                  <a:pt x="0" y="1428865"/>
+                </a:cubicBezTo>
+                <a:cubicBezTo>
+                  <a:pt x="-22955" y="1254154"/>
+                  <a:pt x="728" y="997203"/>
+                  <a:pt x="0" y="827578"/>
+                </a:cubicBezTo>
+                <a:cubicBezTo>
+                  <a:pt x="-728" y="657953"/>
+                  <a:pt x="36569" y="299817"/>
+                  <a:pt x="0" y="0"/>
+                </a:cubicBezTo>
+                <a:close/>
+              </a:path>
+            </a:pathLst>
+          </a:custGeom>
+          <a:noFill/>
+          <a:ln>
+            <a:extLst>
+              <a:ext uri="{C807C97D-BFC1-408E-A445-0C87EB9F89A2}">
+                <ask:lineSketchStyleProps xmlns:ask="http://schemas.microsoft.com/office/drawing/2018/sketchyshapes" sd="1617499634">
+                  <a:prstGeom prst="rect">
+                    <a:avLst/>
+                  </a:prstGeom>
+                  <ask:type>
+                    <ask:lineSketchFreehand/>
+                  </ask:type>
+                </ask:lineSketchStyleProps>
+              </a:ext>
+            </a:extLst>
+          </a:ln>
+        </p:spPr>
+        <p:style>
+          <a:lnRef idx="2">
+            <a:schemeClr val="accent1">
+              <a:shade val="15000"/>
+            </a:schemeClr>
+          </a:lnRef>
+          <a:fillRef idx="1">
+            <a:schemeClr val="accent1"/>
+          </a:fillRef>
+          <a:effectRef idx="0">
+            <a:schemeClr val="accent1"/>
+          </a:effectRef>
+          <a:fontRef idx="minor">
+            <a:schemeClr val="lt1"/>
+          </a:fontRef>
+        </p:style>
+        <p:txBody>
+          <a:bodyPr rtlCol="0" anchor="t" anchorCtr="0"/>
+          <a:lstStyle/>
+          <a:p>
+            <a:pPr algn="ctr"/>
+            <a:r>
+              <a:rPr lang="en-US" sz="2400" dirty="0">
+                <a:solidFill>
+                  <a:schemeClr val="accent1">
+                    <a:lumMod val="75000"/>
+                  </a:schemeClr>
+                </a:solidFill>
+              </a:rPr>
+              <a:t>AI Scaling in </a:t>
+            </a:r>
+            <a:r>
+              <a:rPr lang="en-US" sz="2400" b="1" u="sng" dirty="0">
+                <a:solidFill>
+                  <a:schemeClr val="accent1">
+                    <a:lumMod val="75000"/>
+                  </a:schemeClr>
+                </a:solidFill>
+              </a:rPr>
+              <a:t>Production</a:t>
+            </a:r>
+            <a:br>
+              <a:rPr lang="en-US" sz="2400" b="1" u="sng" dirty="0">
+                <a:solidFill>
+                  <a:schemeClr val="accent1">
+                    <a:lumMod val="75000"/>
+                  </a:schemeClr>
+                </a:solidFill>
+              </a:rPr>
+            </a:br>
+            <a:r>
+              <a:rPr lang="en-US" sz="2400" dirty="0">
+                <a:solidFill>
+                  <a:schemeClr val="accent1">
+                    <a:lumMod val="75000"/>
+                  </a:schemeClr>
+                </a:solidFill>
+              </a:rPr>
+              <a:t>(</a:t>
+            </a:r>
+            <a:r>
+              <a:rPr lang="en-US" sz="2400" dirty="0" err="1">
+                <a:solidFill>
+                  <a:schemeClr val="accent1">
+                    <a:lumMod val="75000"/>
+                  </a:schemeClr>
+                </a:solidFill>
+              </a:rPr>
+              <a:t>KNative</a:t>
+            </a:r>
+            <a:r>
+              <a:rPr lang="en-US" sz="2400" dirty="0">
+                <a:solidFill>
+                  <a:schemeClr val="accent1">
+                    <a:lumMod val="75000"/>
+                  </a:schemeClr>
+                </a:solidFill>
+              </a:rPr>
+              <a:t> &amp; </a:t>
+            </a:r>
+            <a:r>
+              <a:rPr lang="en-US" sz="2400" dirty="0" err="1">
+                <a:solidFill>
+                  <a:schemeClr val="accent1">
+                    <a:lumMod val="75000"/>
+                  </a:schemeClr>
+                </a:solidFill>
+              </a:rPr>
+              <a:t>KServe</a:t>
+            </a:r>
+            <a:r>
+              <a:rPr lang="en-US" sz="2400" dirty="0">
+                <a:solidFill>
+                  <a:schemeClr val="accent1">
+                    <a:lumMod val="75000"/>
+                  </a:schemeClr>
+                </a:solidFill>
+              </a:rPr>
+              <a:t>)</a:t>
+            </a:r>
+          </a:p>
+        </p:txBody>
+      </p:sp>
+      <p:pic>
+        <p:nvPicPr>
+          <p:cNvPr id="6" name="Graphic 5" descr="Web design outline">
+            <a:extLst>
+              <a:ext uri="{FF2B5EF4-FFF2-40B4-BE49-F238E27FC236}">
+                <a16:creationId xmlns:a16="http://schemas.microsoft.com/office/drawing/2014/main" id="{A9D0375A-7DD3-DA32-4C75-D116134124AC}"/>
+              </a:ext>
+            </a:extLst>
+          </p:cNvPr>
+          <p:cNvPicPr>
+            <a:picLocks noChangeAspect="1"/>
+          </p:cNvPicPr>
+          <p:nvPr/>
+        </p:nvPicPr>
+        <p:blipFill>
+          <a:blip r:embed="rId2">
+            <a:extLst>
+              <a:ext uri="{96DAC541-7B7A-43D3-8B79-37D633B846F1}">
+                <asvg:svgBlip xmlns:asvg="http://schemas.microsoft.com/office/drawing/2016/SVG/main" r:embed="rId3"/>
+              </a:ext>
+            </a:extLst>
+          </a:blip>
+          <a:stretch>
+            <a:fillRect/>
+          </a:stretch>
+        </p:blipFill>
+        <p:spPr>
+          <a:xfrm>
+            <a:off x="2320637" y="2363353"/>
+            <a:ext cx="914400" cy="914400"/>
+          </a:xfrm>
+          <a:prstGeom prst="rect">
+            <a:avLst/>
+          </a:prstGeom>
+        </p:spPr>
+      </p:pic>
+      <p:pic>
+        <p:nvPicPr>
+          <p:cNvPr id="8" name="Graphic 7" descr="Users outline">
+            <a:extLst>
+              <a:ext uri="{FF2B5EF4-FFF2-40B4-BE49-F238E27FC236}">
+                <a16:creationId xmlns:a16="http://schemas.microsoft.com/office/drawing/2014/main" id="{A207531F-3075-2935-505B-8B00C82FDFC8}"/>
+              </a:ext>
+            </a:extLst>
+          </p:cNvPr>
+          <p:cNvPicPr>
+            <a:picLocks noChangeAspect="1"/>
+          </p:cNvPicPr>
+          <p:nvPr/>
+        </p:nvPicPr>
+        <p:blipFill>
+          <a:blip r:embed="rId4">
+            <a:extLst>
+              <a:ext uri="{96DAC541-7B7A-43D3-8B79-37D633B846F1}">
+                <asvg:svgBlip xmlns:asvg="http://schemas.microsoft.com/office/drawing/2016/SVG/main" r:embed="rId5"/>
+              </a:ext>
+            </a:extLst>
+          </a:blip>
+          <a:stretch>
+            <a:fillRect/>
+          </a:stretch>
+        </p:blipFill>
+        <p:spPr>
+          <a:xfrm>
+            <a:off x="2320637" y="4060533"/>
+            <a:ext cx="914400" cy="914400"/>
+          </a:xfrm>
+          <a:prstGeom prst="rect">
+            <a:avLst/>
+          </a:prstGeom>
+        </p:spPr>
+      </p:pic>
+      <p:pic>
+        <p:nvPicPr>
+          <p:cNvPr id="9" name="Graphic 8" descr="Users outline">
+            <a:extLst>
+              <a:ext uri="{FF2B5EF4-FFF2-40B4-BE49-F238E27FC236}">
+                <a16:creationId xmlns:a16="http://schemas.microsoft.com/office/drawing/2014/main" id="{80C45692-B674-4663-D9F2-1C06C0C3538B}"/>
+              </a:ext>
+            </a:extLst>
+          </p:cNvPr>
+          <p:cNvPicPr>
+            <a:picLocks noChangeAspect="1"/>
+          </p:cNvPicPr>
+          <p:nvPr/>
+        </p:nvPicPr>
+        <p:blipFill>
+          <a:blip r:embed="rId4">
+            <a:extLst>
+              <a:ext uri="{96DAC541-7B7A-43D3-8B79-37D633B846F1}">
+                <asvg:svgBlip xmlns:asvg="http://schemas.microsoft.com/office/drawing/2016/SVG/main" r:embed="rId5"/>
+              </a:ext>
+            </a:extLst>
+          </a:blip>
+          <a:stretch>
+            <a:fillRect/>
+          </a:stretch>
+        </p:blipFill>
+        <p:spPr>
+          <a:xfrm>
+            <a:off x="4883728" y="4045521"/>
+            <a:ext cx="914400" cy="914400"/>
+          </a:xfrm>
+          <a:prstGeom prst="rect">
+            <a:avLst/>
+          </a:prstGeom>
+        </p:spPr>
+      </p:pic>
+      <p:pic>
+        <p:nvPicPr>
+          <p:cNvPr id="10" name="Graphic 9" descr="Users outline">
+            <a:extLst>
+              <a:ext uri="{FF2B5EF4-FFF2-40B4-BE49-F238E27FC236}">
+                <a16:creationId xmlns:a16="http://schemas.microsoft.com/office/drawing/2014/main" id="{BF415127-4995-C50D-E059-A9F8A483F45B}"/>
+              </a:ext>
+            </a:extLst>
+          </p:cNvPr>
+          <p:cNvPicPr>
+            <a:picLocks noChangeAspect="1"/>
+          </p:cNvPicPr>
+          <p:nvPr/>
+        </p:nvPicPr>
+        <p:blipFill>
+          <a:blip r:embed="rId4">
+            <a:extLst>
+              <a:ext uri="{96DAC541-7B7A-43D3-8B79-37D633B846F1}">
+                <asvg:svgBlip xmlns:asvg="http://schemas.microsoft.com/office/drawing/2016/SVG/main" r:embed="rId5"/>
+              </a:ext>
+            </a:extLst>
+          </a:blip>
+          <a:stretch>
+            <a:fillRect/>
+          </a:stretch>
+        </p:blipFill>
+        <p:spPr>
+          <a:xfrm>
+            <a:off x="6166428" y="4015505"/>
+            <a:ext cx="914400" cy="914400"/>
+          </a:xfrm>
+          <a:prstGeom prst="rect">
+            <a:avLst/>
+          </a:prstGeom>
+        </p:spPr>
+      </p:pic>
+      <p:pic>
+        <p:nvPicPr>
+          <p:cNvPr id="11" name="Graphic 10" descr="Web design outline">
+            <a:extLst>
+              <a:ext uri="{FF2B5EF4-FFF2-40B4-BE49-F238E27FC236}">
+                <a16:creationId xmlns:a16="http://schemas.microsoft.com/office/drawing/2014/main" id="{F2BFCA1B-8B2D-FF9E-9D11-6FF66E295934}"/>
+              </a:ext>
+            </a:extLst>
+          </p:cNvPr>
+          <p:cNvPicPr>
+            <a:picLocks noChangeAspect="1"/>
+          </p:cNvPicPr>
+          <p:nvPr/>
+        </p:nvPicPr>
+        <p:blipFill>
+          <a:blip r:embed="rId2">
+            <a:extLst>
+              <a:ext uri="{96DAC541-7B7A-43D3-8B79-37D633B846F1}">
+                <asvg:svgBlip xmlns:asvg="http://schemas.microsoft.com/office/drawing/2016/SVG/main" r:embed="rId3"/>
+              </a:ext>
+            </a:extLst>
+          </a:blip>
+          <a:stretch>
+            <a:fillRect/>
+          </a:stretch>
+        </p:blipFill>
+        <p:spPr>
+          <a:xfrm>
+            <a:off x="4884886" y="2364506"/>
+            <a:ext cx="914400" cy="914400"/>
+          </a:xfrm>
+          <a:prstGeom prst="rect">
+            <a:avLst/>
+          </a:prstGeom>
+        </p:spPr>
+      </p:pic>
+      <p:pic>
+        <p:nvPicPr>
+          <p:cNvPr id="12" name="Graphic 11" descr="Web design outline">
+            <a:extLst>
+              <a:ext uri="{FF2B5EF4-FFF2-40B4-BE49-F238E27FC236}">
+                <a16:creationId xmlns:a16="http://schemas.microsoft.com/office/drawing/2014/main" id="{1B6F2297-227F-EDE3-9034-260F1D05A733}"/>
+              </a:ext>
+            </a:extLst>
+          </p:cNvPr>
+          <p:cNvPicPr>
+            <a:picLocks noChangeAspect="1"/>
+          </p:cNvPicPr>
+          <p:nvPr/>
+        </p:nvPicPr>
+        <p:blipFill>
+          <a:blip r:embed="rId2">
+            <a:extLst>
+              <a:ext uri="{96DAC541-7B7A-43D3-8B79-37D633B846F1}">
+                <asvg:svgBlip xmlns:asvg="http://schemas.microsoft.com/office/drawing/2016/SVG/main" r:embed="rId3"/>
+              </a:ext>
+            </a:extLst>
+          </a:blip>
+          <a:stretch>
+            <a:fillRect/>
+          </a:stretch>
+        </p:blipFill>
+        <p:spPr>
+          <a:xfrm>
+            <a:off x="6161808" y="2363353"/>
+            <a:ext cx="914400" cy="914400"/>
+          </a:xfrm>
+          <a:prstGeom prst="rect">
+            <a:avLst/>
+          </a:prstGeom>
+        </p:spPr>
+      </p:pic>
+      <p:sp>
+        <p:nvSpPr>
+          <p:cNvPr id="13" name="Rectangle 12">
+            <a:extLst>
+              <a:ext uri="{FF2B5EF4-FFF2-40B4-BE49-F238E27FC236}">
+                <a16:creationId xmlns:a16="http://schemas.microsoft.com/office/drawing/2014/main" id="{804CD52C-7618-694E-7E08-DD44953681C9}"/>
+              </a:ext>
+            </a:extLst>
+          </p:cNvPr>
+          <p:cNvSpPr/>
+          <p:nvPr/>
+        </p:nvSpPr>
+        <p:spPr>
+          <a:xfrm>
+            <a:off x="1762991" y="2021607"/>
+            <a:ext cx="2029693" cy="3084945"/>
+          </a:xfrm>
+          <a:custGeom>
+            <a:avLst/>
+            <a:gdLst>
+              <a:gd name="connsiteX0" fmla="*/ 0 w 2029693"/>
+              <a:gd name="connsiteY0" fmla="*/ 0 h 3084945"/>
+              <a:gd name="connsiteX1" fmla="*/ 487126 w 2029693"/>
+              <a:gd name="connsiteY1" fmla="*/ 0 h 3084945"/>
+              <a:gd name="connsiteX2" fmla="*/ 933659 w 2029693"/>
+              <a:gd name="connsiteY2" fmla="*/ 0 h 3084945"/>
+              <a:gd name="connsiteX3" fmla="*/ 1481676 w 2029693"/>
+              <a:gd name="connsiteY3" fmla="*/ 0 h 3084945"/>
+              <a:gd name="connsiteX4" fmla="*/ 2029693 w 2029693"/>
+              <a:gd name="connsiteY4" fmla="*/ 0 h 3084945"/>
+              <a:gd name="connsiteX5" fmla="*/ 2029693 w 2029693"/>
+              <a:gd name="connsiteY5" fmla="*/ 483308 h 3084945"/>
+              <a:gd name="connsiteX6" fmla="*/ 2029693 w 2029693"/>
+              <a:gd name="connsiteY6" fmla="*/ 935767 h 3084945"/>
+              <a:gd name="connsiteX7" fmla="*/ 2029693 w 2029693"/>
+              <a:gd name="connsiteY7" fmla="*/ 1449924 h 3084945"/>
+              <a:gd name="connsiteX8" fmla="*/ 2029693 w 2029693"/>
+              <a:gd name="connsiteY8" fmla="*/ 1964082 h 3084945"/>
+              <a:gd name="connsiteX9" fmla="*/ 2029693 w 2029693"/>
+              <a:gd name="connsiteY9" fmla="*/ 2416540 h 3084945"/>
+              <a:gd name="connsiteX10" fmla="*/ 2029693 w 2029693"/>
+              <a:gd name="connsiteY10" fmla="*/ 3084945 h 3084945"/>
+              <a:gd name="connsiteX11" fmla="*/ 1522270 w 2029693"/>
+              <a:gd name="connsiteY11" fmla="*/ 3084945 h 3084945"/>
+              <a:gd name="connsiteX12" fmla="*/ 1035143 w 2029693"/>
+              <a:gd name="connsiteY12" fmla="*/ 3084945 h 3084945"/>
+              <a:gd name="connsiteX13" fmla="*/ 487126 w 2029693"/>
+              <a:gd name="connsiteY13" fmla="*/ 3084945 h 3084945"/>
+              <a:gd name="connsiteX14" fmla="*/ 0 w 2029693"/>
+              <a:gd name="connsiteY14" fmla="*/ 3084945 h 3084945"/>
+              <a:gd name="connsiteX15" fmla="*/ 0 w 2029693"/>
+              <a:gd name="connsiteY15" fmla="*/ 2632486 h 3084945"/>
+              <a:gd name="connsiteX16" fmla="*/ 0 w 2029693"/>
+              <a:gd name="connsiteY16" fmla="*/ 2118329 h 3084945"/>
+              <a:gd name="connsiteX17" fmla="*/ 0 w 2029693"/>
+              <a:gd name="connsiteY17" fmla="*/ 1635021 h 3084945"/>
+              <a:gd name="connsiteX18" fmla="*/ 0 w 2029693"/>
+              <a:gd name="connsiteY18" fmla="*/ 1213412 h 3084945"/>
+              <a:gd name="connsiteX19" fmla="*/ 0 w 2029693"/>
+              <a:gd name="connsiteY19" fmla="*/ 760953 h 3084945"/>
+              <a:gd name="connsiteX20" fmla="*/ 0 w 2029693"/>
+              <a:gd name="connsiteY20" fmla="*/ 0 h 3084945"/>
+            </a:gdLst>
+            <a:ahLst/>
+            <a:cxnLst>
+              <a:cxn ang="0">
+                <a:pos x="connsiteX0" y="connsiteY0"/>
+              </a:cxn>
+              <a:cxn ang="0">
+                <a:pos x="connsiteX1" y="connsiteY1"/>
+              </a:cxn>
+              <a:cxn ang="0">
+                <a:pos x="connsiteX2" y="connsiteY2"/>
+              </a:cxn>
+              <a:cxn ang="0">
+                <a:pos x="connsiteX3" y="connsiteY3"/>
+              </a:cxn>
+              <a:cxn ang="0">
+                <a:pos x="connsiteX4" y="connsiteY4"/>
+              </a:cxn>
+              <a:cxn ang="0">
+                <a:pos x="connsiteX5" y="connsiteY5"/>
+              </a:cxn>
+              <a:cxn ang="0">
+                <a:pos x="connsiteX6" y="connsiteY6"/>
+              </a:cxn>
+              <a:cxn ang="0">
+                <a:pos x="connsiteX7" y="connsiteY7"/>
+              </a:cxn>
+              <a:cxn ang="0">
+                <a:pos x="connsiteX8" y="connsiteY8"/>
+              </a:cxn>
+              <a:cxn ang="0">
+                <a:pos x="connsiteX9" y="connsiteY9"/>
+              </a:cxn>
+              <a:cxn ang="0">
+                <a:pos x="connsiteX10" y="connsiteY10"/>
+              </a:cxn>
+              <a:cxn ang="0">
+                <a:pos x="connsiteX11" y="connsiteY11"/>
+              </a:cxn>
+              <a:cxn ang="0">
+                <a:pos x="connsiteX12" y="connsiteY12"/>
+              </a:cxn>
+              <a:cxn ang="0">
+                <a:pos x="connsiteX13" y="connsiteY13"/>
+              </a:cxn>
+              <a:cxn ang="0">
+                <a:pos x="connsiteX14" y="connsiteY14"/>
+              </a:cxn>
+              <a:cxn ang="0">
+                <a:pos x="connsiteX15" y="connsiteY15"/>
+              </a:cxn>
+              <a:cxn ang="0">
+                <a:pos x="connsiteX16" y="connsiteY16"/>
+              </a:cxn>
+              <a:cxn ang="0">
+                <a:pos x="connsiteX17" y="connsiteY17"/>
+              </a:cxn>
+              <a:cxn ang="0">
+                <a:pos x="connsiteX18" y="connsiteY18"/>
+              </a:cxn>
+              <a:cxn ang="0">
+                <a:pos x="connsiteX19" y="connsiteY19"/>
+              </a:cxn>
+              <a:cxn ang="0">
+                <a:pos x="connsiteX20" y="connsiteY20"/>
+              </a:cxn>
+            </a:cxnLst>
+            <a:rect l="l" t="t" r="r" b="b"/>
+            <a:pathLst>
+              <a:path w="2029693" h="3084945" extrusionOk="0">
+                <a:moveTo>
+                  <a:pt x="0" y="0"/>
+                </a:moveTo>
+                <a:cubicBezTo>
+                  <a:pt x="112996" y="-45349"/>
+                  <a:pt x="248504" y="34022"/>
+                  <a:pt x="487126" y="0"/>
+                </a:cubicBezTo>
+                <a:cubicBezTo>
+                  <a:pt x="725748" y="-34022"/>
+                  <a:pt x="712191" y="46146"/>
+                  <a:pt x="933659" y="0"/>
+                </a:cubicBezTo>
+                <a:cubicBezTo>
+                  <a:pt x="1155127" y="-46146"/>
+                  <a:pt x="1302277" y="60868"/>
+                  <a:pt x="1481676" y="0"/>
+                </a:cubicBezTo>
+                <a:cubicBezTo>
+                  <a:pt x="1661075" y="-60868"/>
+                  <a:pt x="1844620" y="36363"/>
+                  <a:pt x="2029693" y="0"/>
+                </a:cubicBezTo>
+                <a:cubicBezTo>
+                  <a:pt x="2041784" y="140672"/>
+                  <a:pt x="2004064" y="277037"/>
+                  <a:pt x="2029693" y="483308"/>
+                </a:cubicBezTo>
+                <a:cubicBezTo>
+                  <a:pt x="2055322" y="689579"/>
+                  <a:pt x="2004324" y="764945"/>
+                  <a:pt x="2029693" y="935767"/>
+                </a:cubicBezTo>
+                <a:cubicBezTo>
+                  <a:pt x="2055062" y="1106589"/>
+                  <a:pt x="1975436" y="1318658"/>
+                  <a:pt x="2029693" y="1449924"/>
+                </a:cubicBezTo>
+                <a:cubicBezTo>
+                  <a:pt x="2083950" y="1581190"/>
+                  <a:pt x="2029373" y="1731739"/>
+                  <a:pt x="2029693" y="1964082"/>
+                </a:cubicBezTo>
+                <a:cubicBezTo>
+                  <a:pt x="2030013" y="2196425"/>
+                  <a:pt x="1996811" y="2201153"/>
+                  <a:pt x="2029693" y="2416540"/>
+                </a:cubicBezTo>
+                <a:cubicBezTo>
+                  <a:pt x="2062575" y="2631927"/>
+                  <a:pt x="2021471" y="2758290"/>
+                  <a:pt x="2029693" y="3084945"/>
+                </a:cubicBezTo>
+                <a:cubicBezTo>
+                  <a:pt x="1816291" y="3102300"/>
+                  <a:pt x="1642713" y="3026569"/>
+                  <a:pt x="1522270" y="3084945"/>
+                </a:cubicBezTo>
+                <a:cubicBezTo>
+                  <a:pt x="1401827" y="3143321"/>
+                  <a:pt x="1246081" y="3026694"/>
+                  <a:pt x="1035143" y="3084945"/>
+                </a:cubicBezTo>
+                <a:cubicBezTo>
+                  <a:pt x="824205" y="3143196"/>
+                  <a:pt x="715513" y="3076258"/>
+                  <a:pt x="487126" y="3084945"/>
+                </a:cubicBezTo>
+                <a:cubicBezTo>
+                  <a:pt x="258739" y="3093632"/>
+                  <a:pt x="167702" y="3058704"/>
+                  <a:pt x="0" y="3084945"/>
+                </a:cubicBezTo>
+                <a:cubicBezTo>
+                  <a:pt x="-5398" y="2891401"/>
+                  <a:pt x="12491" y="2788511"/>
+                  <a:pt x="0" y="2632486"/>
+                </a:cubicBezTo>
+                <a:cubicBezTo>
+                  <a:pt x="-12491" y="2476461"/>
+                  <a:pt x="59522" y="2288523"/>
+                  <a:pt x="0" y="2118329"/>
+                </a:cubicBezTo>
+                <a:cubicBezTo>
+                  <a:pt x="-59522" y="1948135"/>
+                  <a:pt x="38221" y="1844813"/>
+                  <a:pt x="0" y="1635021"/>
+                </a:cubicBezTo>
+                <a:cubicBezTo>
+                  <a:pt x="-38221" y="1425229"/>
+                  <a:pt x="26386" y="1412960"/>
+                  <a:pt x="0" y="1213412"/>
+                </a:cubicBezTo>
+                <a:cubicBezTo>
+                  <a:pt x="-26386" y="1013864"/>
+                  <a:pt x="41867" y="970901"/>
+                  <a:pt x="0" y="760953"/>
+                </a:cubicBezTo>
+                <a:cubicBezTo>
+                  <a:pt x="-41867" y="551005"/>
+                  <a:pt x="70109" y="154237"/>
+                  <a:pt x="0" y="0"/>
+                </a:cubicBezTo>
+                <a:close/>
+              </a:path>
+            </a:pathLst>
+          </a:custGeom>
+          <a:noFill/>
+          <a:ln>
+            <a:prstDash val="sysDot"/>
+            <a:extLst>
+              <a:ext uri="{C807C97D-BFC1-408E-A445-0C87EB9F89A2}">
+                <ask:lineSketchStyleProps xmlns:ask="http://schemas.microsoft.com/office/drawing/2018/sketchyshapes" sd="1219033472">
+                  <a:prstGeom prst="rect">
+                    <a:avLst/>
+                  </a:prstGeom>
+                  <ask:type>
+                    <ask:lineSketchScribble/>
+                  </ask:type>
+                </ask:lineSketchStyleProps>
+              </a:ext>
+            </a:extLst>
+          </a:ln>
+        </p:spPr>
+        <p:style>
+          <a:lnRef idx="2">
+            <a:schemeClr val="accent1">
+              <a:shade val="15000"/>
+            </a:schemeClr>
+          </a:lnRef>
+          <a:fillRef idx="1">
+            <a:schemeClr val="accent1"/>
+          </a:fillRef>
+          <a:effectRef idx="0">
+            <a:schemeClr val="accent1"/>
+          </a:effectRef>
+          <a:fontRef idx="minor">
+            <a:schemeClr val="lt1"/>
+          </a:fontRef>
+        </p:style>
+        <p:txBody>
+          <a:bodyPr rtlCol="0" anchor="t" anchorCtr="0"/>
+          <a:lstStyle/>
+          <a:p>
+            <a:pPr algn="ctr"/>
+            <a:r>
+              <a:rPr lang="en-US" dirty="0">
+                <a:solidFill>
+                  <a:schemeClr val="accent1">
+                    <a:lumMod val="75000"/>
+                  </a:schemeClr>
+                </a:solidFill>
+              </a:rPr>
+              <a:t>Normal Demand</a:t>
+            </a:r>
+          </a:p>
+        </p:txBody>
+      </p:sp>
+      <p:sp>
+        <p:nvSpPr>
+          <p:cNvPr id="14" name="Rectangle 13">
+            <a:extLst>
+              <a:ext uri="{FF2B5EF4-FFF2-40B4-BE49-F238E27FC236}">
+                <a16:creationId xmlns:a16="http://schemas.microsoft.com/office/drawing/2014/main" id="{49D780C3-245B-8421-269A-268595FB0B8F}"/>
+              </a:ext>
+            </a:extLst>
+          </p:cNvPr>
+          <p:cNvSpPr/>
+          <p:nvPr/>
+        </p:nvSpPr>
+        <p:spPr>
+          <a:xfrm>
+            <a:off x="4629727" y="1976579"/>
+            <a:ext cx="2766291" cy="3174999"/>
+          </a:xfrm>
+          <a:custGeom>
+            <a:avLst/>
+            <a:gdLst>
+              <a:gd name="connsiteX0" fmla="*/ 0 w 2766291"/>
+              <a:gd name="connsiteY0" fmla="*/ 0 h 3174999"/>
+              <a:gd name="connsiteX1" fmla="*/ 525595 w 2766291"/>
+              <a:gd name="connsiteY1" fmla="*/ 0 h 3174999"/>
+              <a:gd name="connsiteX2" fmla="*/ 995865 w 2766291"/>
+              <a:gd name="connsiteY2" fmla="*/ 0 h 3174999"/>
+              <a:gd name="connsiteX3" fmla="*/ 1604449 w 2766291"/>
+              <a:gd name="connsiteY3" fmla="*/ 0 h 3174999"/>
+              <a:gd name="connsiteX4" fmla="*/ 2130044 w 2766291"/>
+              <a:gd name="connsiteY4" fmla="*/ 0 h 3174999"/>
+              <a:gd name="connsiteX5" fmla="*/ 2766291 w 2766291"/>
+              <a:gd name="connsiteY5" fmla="*/ 0 h 3174999"/>
+              <a:gd name="connsiteX6" fmla="*/ 2766291 w 2766291"/>
+              <a:gd name="connsiteY6" fmla="*/ 592666 h 3174999"/>
+              <a:gd name="connsiteX7" fmla="*/ 2766291 w 2766291"/>
+              <a:gd name="connsiteY7" fmla="*/ 1121833 h 3174999"/>
+              <a:gd name="connsiteX8" fmla="*/ 2766291 w 2766291"/>
+              <a:gd name="connsiteY8" fmla="*/ 1650999 h 3174999"/>
+              <a:gd name="connsiteX9" fmla="*/ 2766291 w 2766291"/>
+              <a:gd name="connsiteY9" fmla="*/ 2116666 h 3174999"/>
+              <a:gd name="connsiteX10" fmla="*/ 2766291 w 2766291"/>
+              <a:gd name="connsiteY10" fmla="*/ 2582333 h 3174999"/>
+              <a:gd name="connsiteX11" fmla="*/ 2766291 w 2766291"/>
+              <a:gd name="connsiteY11" fmla="*/ 3174999 h 3174999"/>
+              <a:gd name="connsiteX12" fmla="*/ 2185370 w 2766291"/>
+              <a:gd name="connsiteY12" fmla="*/ 3174999 h 3174999"/>
+              <a:gd name="connsiteX13" fmla="*/ 1576786 w 2766291"/>
+              <a:gd name="connsiteY13" fmla="*/ 3174999 h 3174999"/>
+              <a:gd name="connsiteX14" fmla="*/ 968202 w 2766291"/>
+              <a:gd name="connsiteY14" fmla="*/ 3174999 h 3174999"/>
+              <a:gd name="connsiteX15" fmla="*/ 0 w 2766291"/>
+              <a:gd name="connsiteY15" fmla="*/ 3174999 h 3174999"/>
+              <a:gd name="connsiteX16" fmla="*/ 0 w 2766291"/>
+              <a:gd name="connsiteY16" fmla="*/ 2645833 h 3174999"/>
+              <a:gd name="connsiteX17" fmla="*/ 0 w 2766291"/>
+              <a:gd name="connsiteY17" fmla="*/ 2148416 h 3174999"/>
+              <a:gd name="connsiteX18" fmla="*/ 0 w 2766291"/>
+              <a:gd name="connsiteY18" fmla="*/ 1714499 h 3174999"/>
+              <a:gd name="connsiteX19" fmla="*/ 0 w 2766291"/>
+              <a:gd name="connsiteY19" fmla="*/ 1248833 h 3174999"/>
+              <a:gd name="connsiteX20" fmla="*/ 0 w 2766291"/>
+              <a:gd name="connsiteY20" fmla="*/ 783166 h 3174999"/>
+              <a:gd name="connsiteX21" fmla="*/ 0 w 2766291"/>
+              <a:gd name="connsiteY21" fmla="*/ 0 h 3174999"/>
+            </a:gdLst>
+            <a:ahLst/>
+            <a:cxnLst>
+              <a:cxn ang="0">
+                <a:pos x="connsiteX0" y="connsiteY0"/>
+              </a:cxn>
+              <a:cxn ang="0">
+                <a:pos x="connsiteX1" y="connsiteY1"/>
+              </a:cxn>
+              <a:cxn ang="0">
+                <a:pos x="connsiteX2" y="connsiteY2"/>
+              </a:cxn>
+              <a:cxn ang="0">
+                <a:pos x="connsiteX3" y="connsiteY3"/>
+              </a:cxn>
+              <a:cxn ang="0">
+                <a:pos x="connsiteX4" y="connsiteY4"/>
+              </a:cxn>
+              <a:cxn ang="0">
+                <a:pos x="connsiteX5" y="connsiteY5"/>
+              </a:cxn>
+              <a:cxn ang="0">
+                <a:pos x="connsiteX6" y="connsiteY6"/>
+              </a:cxn>
+              <a:cxn ang="0">
+                <a:pos x="connsiteX7" y="connsiteY7"/>
+              </a:cxn>
+              <a:cxn ang="0">
+                <a:pos x="connsiteX8" y="connsiteY8"/>
+              </a:cxn>
+              <a:cxn ang="0">
+                <a:pos x="connsiteX9" y="connsiteY9"/>
+              </a:cxn>
+              <a:cxn ang="0">
+                <a:pos x="connsiteX10" y="connsiteY10"/>
+              </a:cxn>
+              <a:cxn ang="0">
+                <a:pos x="connsiteX11" y="connsiteY11"/>
+              </a:cxn>
+              <a:cxn ang="0">
+                <a:pos x="connsiteX12" y="connsiteY12"/>
+              </a:cxn>
+              <a:cxn ang="0">
+                <a:pos x="connsiteX13" y="connsiteY13"/>
+              </a:cxn>
+              <a:cxn ang="0">
+                <a:pos x="connsiteX14" y="connsiteY14"/>
+              </a:cxn>
+              <a:cxn ang="0">
+                <a:pos x="connsiteX15" y="connsiteY15"/>
+              </a:cxn>
+              <a:cxn ang="0">
+                <a:pos x="connsiteX16" y="connsiteY16"/>
+              </a:cxn>
+              <a:cxn ang="0">
+                <a:pos x="connsiteX17" y="connsiteY17"/>
+              </a:cxn>
+              <a:cxn ang="0">
+                <a:pos x="connsiteX18" y="connsiteY18"/>
+              </a:cxn>
+              <a:cxn ang="0">
+                <a:pos x="connsiteX19" y="connsiteY19"/>
+              </a:cxn>
+              <a:cxn ang="0">
+                <a:pos x="connsiteX20" y="connsiteY20"/>
+              </a:cxn>
+              <a:cxn ang="0">
+                <a:pos x="connsiteX21" y="connsiteY21"/>
+              </a:cxn>
+            </a:cxnLst>
+            <a:rect l="l" t="t" r="r" b="b"/>
+            <a:pathLst>
+              <a:path w="2766291" h="3174999" extrusionOk="0">
+                <a:moveTo>
+                  <a:pt x="0" y="0"/>
+                </a:moveTo>
+                <a:cubicBezTo>
+                  <a:pt x="135881" y="-29000"/>
+                  <a:pt x="344101" y="25501"/>
+                  <a:pt x="525595" y="0"/>
+                </a:cubicBezTo>
+                <a:cubicBezTo>
+                  <a:pt x="707089" y="-25501"/>
+                  <a:pt x="896939" y="22179"/>
+                  <a:pt x="995865" y="0"/>
+                </a:cubicBezTo>
+                <a:cubicBezTo>
+                  <a:pt x="1094791" y="-22179"/>
+                  <a:pt x="1479272" y="11092"/>
+                  <a:pt x="1604449" y="0"/>
+                </a:cubicBezTo>
+                <a:cubicBezTo>
+                  <a:pt x="1729626" y="-11092"/>
+                  <a:pt x="1878400" y="30746"/>
+                  <a:pt x="2130044" y="0"/>
+                </a:cubicBezTo>
+                <a:cubicBezTo>
+                  <a:pt x="2381688" y="-30746"/>
+                  <a:pt x="2453027" y="44639"/>
+                  <a:pt x="2766291" y="0"/>
+                </a:cubicBezTo>
+                <a:cubicBezTo>
+                  <a:pt x="2791487" y="129924"/>
+                  <a:pt x="2698542" y="340364"/>
+                  <a:pt x="2766291" y="592666"/>
+                </a:cubicBezTo>
+                <a:cubicBezTo>
+                  <a:pt x="2834040" y="844968"/>
+                  <a:pt x="2715007" y="956962"/>
+                  <a:pt x="2766291" y="1121833"/>
+                </a:cubicBezTo>
+                <a:cubicBezTo>
+                  <a:pt x="2817575" y="1286704"/>
+                  <a:pt x="2748589" y="1416564"/>
+                  <a:pt x="2766291" y="1650999"/>
+                </a:cubicBezTo>
+                <a:cubicBezTo>
+                  <a:pt x="2783993" y="1885434"/>
+                  <a:pt x="2764825" y="1947999"/>
+                  <a:pt x="2766291" y="2116666"/>
+                </a:cubicBezTo>
+                <a:cubicBezTo>
+                  <a:pt x="2767757" y="2285333"/>
+                  <a:pt x="2756886" y="2435577"/>
+                  <a:pt x="2766291" y="2582333"/>
+                </a:cubicBezTo>
+                <a:cubicBezTo>
+                  <a:pt x="2775696" y="2729089"/>
+                  <a:pt x="2748416" y="3035590"/>
+                  <a:pt x="2766291" y="3174999"/>
+                </a:cubicBezTo>
+                <a:cubicBezTo>
+                  <a:pt x="2618094" y="3232344"/>
+                  <a:pt x="2346936" y="3160944"/>
+                  <a:pt x="2185370" y="3174999"/>
+                </a:cubicBezTo>
+                <a:cubicBezTo>
+                  <a:pt x="2023804" y="3189054"/>
+                  <a:pt x="1799125" y="3161090"/>
+                  <a:pt x="1576786" y="3174999"/>
+                </a:cubicBezTo>
+                <a:cubicBezTo>
+                  <a:pt x="1354447" y="3188908"/>
+                  <a:pt x="1216979" y="3103653"/>
+                  <a:pt x="968202" y="3174999"/>
+                </a:cubicBezTo>
+                <a:cubicBezTo>
+                  <a:pt x="719425" y="3246345"/>
+                  <a:pt x="272300" y="3141398"/>
+                  <a:pt x="0" y="3174999"/>
+                </a:cubicBezTo>
+                <a:cubicBezTo>
+                  <a:pt x="-30290" y="2995176"/>
+                  <a:pt x="33964" y="2879548"/>
+                  <a:pt x="0" y="2645833"/>
+                </a:cubicBezTo>
+                <a:cubicBezTo>
+                  <a:pt x="-33964" y="2412118"/>
+                  <a:pt x="8708" y="2391106"/>
+                  <a:pt x="0" y="2148416"/>
+                </a:cubicBezTo>
+                <a:cubicBezTo>
+                  <a:pt x="-8708" y="1905726"/>
+                  <a:pt x="37278" y="1875827"/>
+                  <a:pt x="0" y="1714499"/>
+                </a:cubicBezTo>
+                <a:cubicBezTo>
+                  <a:pt x="-37278" y="1553171"/>
+                  <a:pt x="15350" y="1419889"/>
+                  <a:pt x="0" y="1248833"/>
+                </a:cubicBezTo>
+                <a:cubicBezTo>
+                  <a:pt x="-15350" y="1077777"/>
+                  <a:pt x="48529" y="974731"/>
+                  <a:pt x="0" y="783166"/>
+                </a:cubicBezTo>
+                <a:cubicBezTo>
+                  <a:pt x="-48529" y="591601"/>
+                  <a:pt x="65192" y="324612"/>
+                  <a:pt x="0" y="0"/>
+                </a:cubicBezTo>
+                <a:close/>
+              </a:path>
+            </a:pathLst>
+          </a:custGeom>
+          <a:noFill/>
+          <a:ln>
+            <a:prstDash val="sysDot"/>
+            <a:extLst>
+              <a:ext uri="{C807C97D-BFC1-408E-A445-0C87EB9F89A2}">
+                <ask:lineSketchStyleProps xmlns:ask="http://schemas.microsoft.com/office/drawing/2018/sketchyshapes" sd="1219033472">
+                  <a:prstGeom prst="rect">
+                    <a:avLst/>
+                  </a:prstGeom>
+                  <ask:type>
+                    <ask:lineSketchScribble/>
+                  </ask:type>
+                </ask:lineSketchStyleProps>
+              </a:ext>
+            </a:extLst>
+          </a:ln>
+        </p:spPr>
+        <p:style>
+          <a:lnRef idx="2">
+            <a:schemeClr val="accent1">
+              <a:shade val="15000"/>
+            </a:schemeClr>
+          </a:lnRef>
+          <a:fillRef idx="1">
+            <a:schemeClr val="accent1"/>
+          </a:fillRef>
+          <a:effectRef idx="0">
+            <a:schemeClr val="accent1"/>
+          </a:effectRef>
+          <a:fontRef idx="minor">
+            <a:schemeClr val="lt1"/>
+          </a:fontRef>
+        </p:style>
+        <p:txBody>
+          <a:bodyPr rtlCol="0" anchor="t" anchorCtr="0"/>
+          <a:lstStyle/>
+          <a:p>
+            <a:pPr algn="ctr"/>
+            <a:r>
+              <a:rPr lang="en-US" dirty="0">
+                <a:solidFill>
+                  <a:schemeClr val="accent1">
+                    <a:lumMod val="75000"/>
+                  </a:schemeClr>
+                </a:solidFill>
+              </a:rPr>
+              <a:t>Increased Demand</a:t>
+            </a:r>
+          </a:p>
+        </p:txBody>
+      </p:sp>
+      <p:sp>
+        <p:nvSpPr>
+          <p:cNvPr id="15" name="Rectangle 14">
+            <a:extLst>
+              <a:ext uri="{FF2B5EF4-FFF2-40B4-BE49-F238E27FC236}">
+                <a16:creationId xmlns:a16="http://schemas.microsoft.com/office/drawing/2014/main" id="{5944D9FB-47C5-7A4F-A5E6-C9050B0C2A95}"/>
+              </a:ext>
+            </a:extLst>
+          </p:cNvPr>
+          <p:cNvSpPr/>
+          <p:nvPr/>
+        </p:nvSpPr>
+        <p:spPr>
+          <a:xfrm>
+            <a:off x="8234793" y="2021607"/>
+            <a:ext cx="2029693" cy="3084945"/>
+          </a:xfrm>
+          <a:custGeom>
+            <a:avLst/>
+            <a:gdLst>
+              <a:gd name="connsiteX0" fmla="*/ 0 w 2029693"/>
+              <a:gd name="connsiteY0" fmla="*/ 0 h 3084945"/>
+              <a:gd name="connsiteX1" fmla="*/ 487126 w 2029693"/>
+              <a:gd name="connsiteY1" fmla="*/ 0 h 3084945"/>
+              <a:gd name="connsiteX2" fmla="*/ 933659 w 2029693"/>
+              <a:gd name="connsiteY2" fmla="*/ 0 h 3084945"/>
+              <a:gd name="connsiteX3" fmla="*/ 1481676 w 2029693"/>
+              <a:gd name="connsiteY3" fmla="*/ 0 h 3084945"/>
+              <a:gd name="connsiteX4" fmla="*/ 2029693 w 2029693"/>
+              <a:gd name="connsiteY4" fmla="*/ 0 h 3084945"/>
+              <a:gd name="connsiteX5" fmla="*/ 2029693 w 2029693"/>
+              <a:gd name="connsiteY5" fmla="*/ 483308 h 3084945"/>
+              <a:gd name="connsiteX6" fmla="*/ 2029693 w 2029693"/>
+              <a:gd name="connsiteY6" fmla="*/ 935767 h 3084945"/>
+              <a:gd name="connsiteX7" fmla="*/ 2029693 w 2029693"/>
+              <a:gd name="connsiteY7" fmla="*/ 1449924 h 3084945"/>
+              <a:gd name="connsiteX8" fmla="*/ 2029693 w 2029693"/>
+              <a:gd name="connsiteY8" fmla="*/ 1964082 h 3084945"/>
+              <a:gd name="connsiteX9" fmla="*/ 2029693 w 2029693"/>
+              <a:gd name="connsiteY9" fmla="*/ 2416540 h 3084945"/>
+              <a:gd name="connsiteX10" fmla="*/ 2029693 w 2029693"/>
+              <a:gd name="connsiteY10" fmla="*/ 3084945 h 3084945"/>
+              <a:gd name="connsiteX11" fmla="*/ 1522270 w 2029693"/>
+              <a:gd name="connsiteY11" fmla="*/ 3084945 h 3084945"/>
+              <a:gd name="connsiteX12" fmla="*/ 1035143 w 2029693"/>
+              <a:gd name="connsiteY12" fmla="*/ 3084945 h 3084945"/>
+              <a:gd name="connsiteX13" fmla="*/ 487126 w 2029693"/>
+              <a:gd name="connsiteY13" fmla="*/ 3084945 h 3084945"/>
+              <a:gd name="connsiteX14" fmla="*/ 0 w 2029693"/>
+              <a:gd name="connsiteY14" fmla="*/ 3084945 h 3084945"/>
+              <a:gd name="connsiteX15" fmla="*/ 0 w 2029693"/>
+              <a:gd name="connsiteY15" fmla="*/ 2632486 h 3084945"/>
+              <a:gd name="connsiteX16" fmla="*/ 0 w 2029693"/>
+              <a:gd name="connsiteY16" fmla="*/ 2118329 h 3084945"/>
+              <a:gd name="connsiteX17" fmla="*/ 0 w 2029693"/>
+              <a:gd name="connsiteY17" fmla="*/ 1635021 h 3084945"/>
+              <a:gd name="connsiteX18" fmla="*/ 0 w 2029693"/>
+              <a:gd name="connsiteY18" fmla="*/ 1213412 h 3084945"/>
+              <a:gd name="connsiteX19" fmla="*/ 0 w 2029693"/>
+              <a:gd name="connsiteY19" fmla="*/ 760953 h 3084945"/>
+              <a:gd name="connsiteX20" fmla="*/ 0 w 2029693"/>
+              <a:gd name="connsiteY20" fmla="*/ 0 h 3084945"/>
+            </a:gdLst>
+            <a:ahLst/>
+            <a:cxnLst>
+              <a:cxn ang="0">
+                <a:pos x="connsiteX0" y="connsiteY0"/>
+              </a:cxn>
+              <a:cxn ang="0">
+                <a:pos x="connsiteX1" y="connsiteY1"/>
+              </a:cxn>
+              <a:cxn ang="0">
+                <a:pos x="connsiteX2" y="connsiteY2"/>
+              </a:cxn>
+              <a:cxn ang="0">
+                <a:pos x="connsiteX3" y="connsiteY3"/>
+              </a:cxn>
+              <a:cxn ang="0">
+                <a:pos x="connsiteX4" y="connsiteY4"/>
+              </a:cxn>
+              <a:cxn ang="0">
+                <a:pos x="connsiteX5" y="connsiteY5"/>
+              </a:cxn>
+              <a:cxn ang="0">
+                <a:pos x="connsiteX6" y="connsiteY6"/>
+              </a:cxn>
+              <a:cxn ang="0">
+                <a:pos x="connsiteX7" y="connsiteY7"/>
+              </a:cxn>
+              <a:cxn ang="0">
+                <a:pos x="connsiteX8" y="connsiteY8"/>
+              </a:cxn>
+              <a:cxn ang="0">
+                <a:pos x="connsiteX9" y="connsiteY9"/>
+              </a:cxn>
+              <a:cxn ang="0">
+                <a:pos x="connsiteX10" y="connsiteY10"/>
+              </a:cxn>
+              <a:cxn ang="0">
+                <a:pos x="connsiteX11" y="connsiteY11"/>
+              </a:cxn>
+              <a:cxn ang="0">
+                <a:pos x="connsiteX12" y="connsiteY12"/>
+              </a:cxn>
+              <a:cxn ang="0">
+                <a:pos x="connsiteX13" y="connsiteY13"/>
+              </a:cxn>
+              <a:cxn ang="0">
+                <a:pos x="connsiteX14" y="connsiteY14"/>
+              </a:cxn>
+              <a:cxn ang="0">
+                <a:pos x="connsiteX15" y="connsiteY15"/>
+              </a:cxn>
+              <a:cxn ang="0">
+                <a:pos x="connsiteX16" y="connsiteY16"/>
+              </a:cxn>
+              <a:cxn ang="0">
+                <a:pos x="connsiteX17" y="connsiteY17"/>
+              </a:cxn>
+              <a:cxn ang="0">
+                <a:pos x="connsiteX18" y="connsiteY18"/>
+              </a:cxn>
+              <a:cxn ang="0">
+                <a:pos x="connsiteX19" y="connsiteY19"/>
+              </a:cxn>
+              <a:cxn ang="0">
+                <a:pos x="connsiteX20" y="connsiteY20"/>
+              </a:cxn>
+            </a:cxnLst>
+            <a:rect l="l" t="t" r="r" b="b"/>
+            <a:pathLst>
+              <a:path w="2029693" h="3084945" extrusionOk="0">
+                <a:moveTo>
+                  <a:pt x="0" y="0"/>
+                </a:moveTo>
+                <a:cubicBezTo>
+                  <a:pt x="112996" y="-45349"/>
+                  <a:pt x="248504" y="34022"/>
+                  <a:pt x="487126" y="0"/>
+                </a:cubicBezTo>
+                <a:cubicBezTo>
+                  <a:pt x="725748" y="-34022"/>
+                  <a:pt x="712191" y="46146"/>
+                  <a:pt x="933659" y="0"/>
+                </a:cubicBezTo>
+                <a:cubicBezTo>
+                  <a:pt x="1155127" y="-46146"/>
+                  <a:pt x="1302277" y="60868"/>
+                  <a:pt x="1481676" y="0"/>
+                </a:cubicBezTo>
+                <a:cubicBezTo>
+                  <a:pt x="1661075" y="-60868"/>
+                  <a:pt x="1844620" y="36363"/>
+                  <a:pt x="2029693" y="0"/>
+                </a:cubicBezTo>
+                <a:cubicBezTo>
+                  <a:pt x="2041784" y="140672"/>
+                  <a:pt x="2004064" y="277037"/>
+                  <a:pt x="2029693" y="483308"/>
+                </a:cubicBezTo>
+                <a:cubicBezTo>
+                  <a:pt x="2055322" y="689579"/>
+                  <a:pt x="2004324" y="764945"/>
+                  <a:pt x="2029693" y="935767"/>
+                </a:cubicBezTo>
+                <a:cubicBezTo>
+                  <a:pt x="2055062" y="1106589"/>
+                  <a:pt x="1975436" y="1318658"/>
+                  <a:pt x="2029693" y="1449924"/>
+                </a:cubicBezTo>
+                <a:cubicBezTo>
+                  <a:pt x="2083950" y="1581190"/>
+                  <a:pt x="2029373" y="1731739"/>
+                  <a:pt x="2029693" y="1964082"/>
+                </a:cubicBezTo>
+                <a:cubicBezTo>
+                  <a:pt x="2030013" y="2196425"/>
+                  <a:pt x="1996811" y="2201153"/>
+                  <a:pt x="2029693" y="2416540"/>
+                </a:cubicBezTo>
+                <a:cubicBezTo>
+                  <a:pt x="2062575" y="2631927"/>
+                  <a:pt x="2021471" y="2758290"/>
+                  <a:pt x="2029693" y="3084945"/>
+                </a:cubicBezTo>
+                <a:cubicBezTo>
+                  <a:pt x="1816291" y="3102300"/>
+                  <a:pt x="1642713" y="3026569"/>
+                  <a:pt x="1522270" y="3084945"/>
+                </a:cubicBezTo>
+                <a:cubicBezTo>
+                  <a:pt x="1401827" y="3143321"/>
+                  <a:pt x="1246081" y="3026694"/>
+                  <a:pt x="1035143" y="3084945"/>
+                </a:cubicBezTo>
+                <a:cubicBezTo>
+                  <a:pt x="824205" y="3143196"/>
+                  <a:pt x="715513" y="3076258"/>
+                  <a:pt x="487126" y="3084945"/>
+                </a:cubicBezTo>
+                <a:cubicBezTo>
+                  <a:pt x="258739" y="3093632"/>
+                  <a:pt x="167702" y="3058704"/>
+                  <a:pt x="0" y="3084945"/>
+                </a:cubicBezTo>
+                <a:cubicBezTo>
+                  <a:pt x="-5398" y="2891401"/>
+                  <a:pt x="12491" y="2788511"/>
+                  <a:pt x="0" y="2632486"/>
+                </a:cubicBezTo>
+                <a:cubicBezTo>
+                  <a:pt x="-12491" y="2476461"/>
+                  <a:pt x="59522" y="2288523"/>
+                  <a:pt x="0" y="2118329"/>
+                </a:cubicBezTo>
+                <a:cubicBezTo>
+                  <a:pt x="-59522" y="1948135"/>
+                  <a:pt x="38221" y="1844813"/>
+                  <a:pt x="0" y="1635021"/>
+                </a:cubicBezTo>
+                <a:cubicBezTo>
+                  <a:pt x="-38221" y="1425229"/>
+                  <a:pt x="26386" y="1412960"/>
+                  <a:pt x="0" y="1213412"/>
+                </a:cubicBezTo>
+                <a:cubicBezTo>
+                  <a:pt x="-26386" y="1013864"/>
+                  <a:pt x="41867" y="970901"/>
+                  <a:pt x="0" y="760953"/>
+                </a:cubicBezTo>
+                <a:cubicBezTo>
+                  <a:pt x="-41867" y="551005"/>
+                  <a:pt x="70109" y="154237"/>
+                  <a:pt x="0" y="0"/>
+                </a:cubicBezTo>
+                <a:close/>
+              </a:path>
+            </a:pathLst>
+          </a:custGeom>
+          <a:noFill/>
+          <a:ln>
+            <a:prstDash val="sysDot"/>
+            <a:extLst>
+              <a:ext uri="{C807C97D-BFC1-408E-A445-0C87EB9F89A2}">
+                <ask:lineSketchStyleProps xmlns:ask="http://schemas.microsoft.com/office/drawing/2018/sketchyshapes" sd="1219033472">
+                  <a:prstGeom prst="rect">
+                    <a:avLst/>
+                  </a:prstGeom>
+                  <ask:type>
+                    <ask:lineSketchScribble/>
+                  </ask:type>
+                </ask:lineSketchStyleProps>
+              </a:ext>
+            </a:extLst>
+          </a:ln>
+        </p:spPr>
+        <p:style>
+          <a:lnRef idx="2">
+            <a:schemeClr val="accent1">
+              <a:shade val="15000"/>
+            </a:schemeClr>
+          </a:lnRef>
+          <a:fillRef idx="1">
+            <a:schemeClr val="accent1"/>
+          </a:fillRef>
+          <a:effectRef idx="0">
+            <a:schemeClr val="accent1"/>
+          </a:effectRef>
+          <a:fontRef idx="minor">
+            <a:schemeClr val="lt1"/>
+          </a:fontRef>
+        </p:style>
+        <p:txBody>
+          <a:bodyPr rtlCol="0" anchor="t" anchorCtr="0"/>
+          <a:lstStyle/>
+          <a:p>
+            <a:pPr algn="ctr"/>
+            <a:r>
+              <a:rPr lang="en-US" dirty="0">
+                <a:solidFill>
+                  <a:schemeClr val="accent1">
+                    <a:lumMod val="75000"/>
+                  </a:schemeClr>
+                </a:solidFill>
+              </a:rPr>
+              <a:t>Scale to Zero</a:t>
+            </a:r>
+          </a:p>
+        </p:txBody>
+      </p:sp>
+      <p:cxnSp>
+        <p:nvCxnSpPr>
+          <p:cNvPr id="17" name="Straight Arrow Connector 16">
+            <a:extLst>
+              <a:ext uri="{FF2B5EF4-FFF2-40B4-BE49-F238E27FC236}">
+                <a16:creationId xmlns:a16="http://schemas.microsoft.com/office/drawing/2014/main" id="{6D002499-54BE-FA16-DCEA-A3BCE7BDAFBC}"/>
+              </a:ext>
+            </a:extLst>
+          </p:cNvPr>
+          <p:cNvCxnSpPr>
+            <a:cxnSpLocks/>
+          </p:cNvCxnSpPr>
+          <p:nvPr/>
+        </p:nvCxnSpPr>
+        <p:spPr>
+          <a:xfrm>
+            <a:off x="2761673" y="3121891"/>
+            <a:ext cx="0" cy="1283854"/>
+          </a:xfrm>
+          <a:prstGeom prst="straightConnector1">
+            <a:avLst/>
+          </a:prstGeom>
+          <a:ln>
+            <a:headEnd type="triangle"/>
+            <a:tailEnd type="triangle"/>
+          </a:ln>
+        </p:spPr>
+        <p:style>
+          <a:lnRef idx="1">
+            <a:schemeClr val="accent1"/>
+          </a:lnRef>
+          <a:fillRef idx="0">
+            <a:schemeClr val="accent1"/>
+          </a:fillRef>
+          <a:effectRef idx="0">
+            <a:schemeClr val="accent1"/>
+          </a:effectRef>
+          <a:fontRef idx="minor">
+            <a:schemeClr val="tx1"/>
+          </a:fontRef>
+        </p:style>
+      </p:cxnSp>
+      <p:cxnSp>
+        <p:nvCxnSpPr>
+          <p:cNvPr id="20" name="Straight Arrow Connector 19">
+            <a:extLst>
+              <a:ext uri="{FF2B5EF4-FFF2-40B4-BE49-F238E27FC236}">
+                <a16:creationId xmlns:a16="http://schemas.microsoft.com/office/drawing/2014/main" id="{87832614-7C48-6BC0-8B16-0BDB10572F3A}"/>
+              </a:ext>
+            </a:extLst>
+          </p:cNvPr>
+          <p:cNvCxnSpPr>
+            <a:cxnSpLocks/>
+          </p:cNvCxnSpPr>
+          <p:nvPr/>
+        </p:nvCxnSpPr>
+        <p:spPr>
+          <a:xfrm>
+            <a:off x="5324764" y="3105727"/>
+            <a:ext cx="0" cy="1283854"/>
+          </a:xfrm>
+          <a:prstGeom prst="straightConnector1">
+            <a:avLst/>
+          </a:prstGeom>
+          <a:ln>
+            <a:headEnd type="triangle"/>
+            <a:tailEnd type="triangle"/>
+          </a:ln>
+        </p:spPr>
+        <p:style>
+          <a:lnRef idx="1">
+            <a:schemeClr val="accent1"/>
+          </a:lnRef>
+          <a:fillRef idx="0">
+            <a:schemeClr val="accent1"/>
+          </a:fillRef>
+          <a:effectRef idx="0">
+            <a:schemeClr val="accent1"/>
+          </a:effectRef>
+          <a:fontRef idx="minor">
+            <a:schemeClr val="tx1"/>
+          </a:fontRef>
+        </p:style>
+      </p:cxnSp>
+      <p:cxnSp>
+        <p:nvCxnSpPr>
+          <p:cNvPr id="23" name="Straight Arrow Connector 22">
+            <a:extLst>
+              <a:ext uri="{FF2B5EF4-FFF2-40B4-BE49-F238E27FC236}">
+                <a16:creationId xmlns:a16="http://schemas.microsoft.com/office/drawing/2014/main" id="{5D4027F1-EEA0-BFC3-E60C-9AEF5F81C67A}"/>
+              </a:ext>
+            </a:extLst>
+          </p:cNvPr>
+          <p:cNvCxnSpPr>
+            <a:cxnSpLocks/>
+          </p:cNvCxnSpPr>
+          <p:nvPr/>
+        </p:nvCxnSpPr>
+        <p:spPr>
+          <a:xfrm flipH="1">
+            <a:off x="5324764" y="3105727"/>
+            <a:ext cx="1306945" cy="1283854"/>
+          </a:xfrm>
+          <a:prstGeom prst="straightConnector1">
+            <a:avLst/>
+          </a:prstGeom>
+          <a:ln>
+            <a:headEnd type="triangle"/>
+            <a:tailEnd type="triangle"/>
+          </a:ln>
+        </p:spPr>
+        <p:style>
+          <a:lnRef idx="1">
+            <a:schemeClr val="accent1"/>
+          </a:lnRef>
+          <a:fillRef idx="0">
+            <a:schemeClr val="accent1"/>
+          </a:fillRef>
+          <a:effectRef idx="0">
+            <a:schemeClr val="accent1"/>
+          </a:effectRef>
+          <a:fontRef idx="minor">
+            <a:schemeClr val="tx1"/>
+          </a:fontRef>
+        </p:style>
+      </p:cxnSp>
+      <p:cxnSp>
+        <p:nvCxnSpPr>
+          <p:cNvPr id="26" name="Straight Arrow Connector 25">
+            <a:extLst>
+              <a:ext uri="{FF2B5EF4-FFF2-40B4-BE49-F238E27FC236}">
+                <a16:creationId xmlns:a16="http://schemas.microsoft.com/office/drawing/2014/main" id="{EC825470-9B32-9FE2-F1F2-8EE9F854B48D}"/>
+              </a:ext>
+            </a:extLst>
+          </p:cNvPr>
+          <p:cNvCxnSpPr>
+            <a:cxnSpLocks/>
+          </p:cNvCxnSpPr>
+          <p:nvPr/>
+        </p:nvCxnSpPr>
+        <p:spPr>
+          <a:xfrm>
+            <a:off x="5324763" y="3105727"/>
+            <a:ext cx="1313298" cy="1231896"/>
+          </a:xfrm>
+          <a:prstGeom prst="straightConnector1">
+            <a:avLst/>
+          </a:prstGeom>
+          <a:ln>
+            <a:headEnd type="triangle"/>
+            <a:tailEnd type="triangle"/>
+          </a:ln>
+        </p:spPr>
+        <p:style>
+          <a:lnRef idx="1">
+            <a:schemeClr val="accent1"/>
+          </a:lnRef>
+          <a:fillRef idx="0">
+            <a:schemeClr val="accent1"/>
+          </a:fillRef>
+          <a:effectRef idx="0">
+            <a:schemeClr val="accent1"/>
+          </a:effectRef>
+          <a:fontRef idx="minor">
+            <a:schemeClr val="tx1"/>
+          </a:fontRef>
+        </p:style>
+      </p:cxnSp>
+      <p:cxnSp>
+        <p:nvCxnSpPr>
+          <p:cNvPr id="29" name="Straight Arrow Connector 28">
+            <a:extLst>
+              <a:ext uri="{FF2B5EF4-FFF2-40B4-BE49-F238E27FC236}">
+                <a16:creationId xmlns:a16="http://schemas.microsoft.com/office/drawing/2014/main" id="{4A8B42BB-5A3E-B4F3-2478-6FE9CD3575EB}"/>
+              </a:ext>
+            </a:extLst>
+          </p:cNvPr>
+          <p:cNvCxnSpPr>
+            <a:cxnSpLocks/>
+          </p:cNvCxnSpPr>
+          <p:nvPr/>
+        </p:nvCxnSpPr>
+        <p:spPr>
+          <a:xfrm>
+            <a:off x="6631709" y="3084367"/>
+            <a:ext cx="0" cy="1253256"/>
+          </a:xfrm>
+          <a:prstGeom prst="straightConnector1">
+            <a:avLst/>
+          </a:prstGeom>
+          <a:ln>
+            <a:headEnd type="triangle"/>
+            <a:tailEnd type="triangle"/>
+          </a:ln>
+        </p:spPr>
+        <p:style>
+          <a:lnRef idx="1">
+            <a:schemeClr val="accent1"/>
+          </a:lnRef>
+          <a:fillRef idx="0">
+            <a:schemeClr val="accent1"/>
+          </a:fillRef>
+          <a:effectRef idx="0">
+            <a:schemeClr val="accent1"/>
+          </a:effectRef>
+          <a:fontRef idx="minor">
+            <a:schemeClr val="tx1"/>
+          </a:fontRef>
+        </p:style>
+      </p:cxnSp>
+      <p:sp>
+        <p:nvSpPr>
+          <p:cNvPr id="32" name="Right Arrow 31">
+            <a:extLst>
+              <a:ext uri="{FF2B5EF4-FFF2-40B4-BE49-F238E27FC236}">
+                <a16:creationId xmlns:a16="http://schemas.microsoft.com/office/drawing/2014/main" id="{0583BB55-1529-0D85-788D-0DF54C080140}"/>
+              </a:ext>
+            </a:extLst>
+          </p:cNvPr>
+          <p:cNvSpPr/>
+          <p:nvPr/>
+        </p:nvSpPr>
+        <p:spPr>
+          <a:xfrm>
+            <a:off x="3847523" y="3429000"/>
+            <a:ext cx="722745" cy="586505"/>
+          </a:xfrm>
+          <a:prstGeom prst="rightArrow">
+            <a:avLst/>
+          </a:prstGeom>
+          <a:noFill/>
+        </p:spPr>
+        <p:style>
+          <a:lnRef idx="2">
+            <a:schemeClr val="accent1">
+              <a:shade val="15000"/>
+            </a:schemeClr>
+          </a:lnRef>
+          <a:fillRef idx="1">
+            <a:schemeClr val="accent1"/>
+          </a:fillRef>
+          <a:effectRef idx="0">
+            <a:schemeClr val="accent1"/>
+          </a:effectRef>
+          <a:fontRef idx="minor">
+            <a:schemeClr val="lt1"/>
+          </a:fontRef>
+        </p:style>
+        <p:txBody>
+          <a:bodyPr rtlCol="0" anchor="ctr"/>
+          <a:lstStyle/>
+          <a:p>
+            <a:pPr algn="ctr"/>
+            <a:endParaRPr lang="en-US"/>
+          </a:p>
+        </p:txBody>
+      </p:sp>
+      <p:sp>
+        <p:nvSpPr>
+          <p:cNvPr id="33" name="Right Arrow 32">
+            <a:extLst>
+              <a:ext uri="{FF2B5EF4-FFF2-40B4-BE49-F238E27FC236}">
+                <a16:creationId xmlns:a16="http://schemas.microsoft.com/office/drawing/2014/main" id="{087CC310-DDEB-51E7-010B-B6FA93E8B2D4}"/>
+              </a:ext>
+            </a:extLst>
+          </p:cNvPr>
+          <p:cNvSpPr/>
+          <p:nvPr/>
+        </p:nvSpPr>
+        <p:spPr>
+          <a:xfrm>
+            <a:off x="7461819" y="3428422"/>
+            <a:ext cx="722745" cy="586505"/>
+          </a:xfrm>
+          <a:prstGeom prst="rightArrow">
+            <a:avLst/>
+          </a:prstGeom>
+          <a:noFill/>
+        </p:spPr>
+        <p:style>
+          <a:lnRef idx="2">
+            <a:schemeClr val="accent1">
+              <a:shade val="15000"/>
+            </a:schemeClr>
+          </a:lnRef>
+          <a:fillRef idx="1">
+            <a:schemeClr val="accent1"/>
+          </a:fillRef>
+          <a:effectRef idx="0">
+            <a:schemeClr val="accent1"/>
+          </a:effectRef>
+          <a:fontRef idx="minor">
+            <a:schemeClr val="lt1"/>
+          </a:fontRef>
+        </p:style>
+        <p:txBody>
+          <a:bodyPr rtlCol="0" anchor="ctr"/>
+          <a:lstStyle/>
+          <a:p>
+            <a:pPr algn="ctr"/>
+            <a:endParaRPr lang="en-US"/>
+          </a:p>
+        </p:txBody>
+      </p:sp>
+      <p:cxnSp>
+        <p:nvCxnSpPr>
+          <p:cNvPr id="35" name="Straight Connector 34">
+            <a:extLst>
+              <a:ext uri="{FF2B5EF4-FFF2-40B4-BE49-F238E27FC236}">
+                <a16:creationId xmlns:a16="http://schemas.microsoft.com/office/drawing/2014/main" id="{B34C1409-D03E-8943-C661-0D136C7FA341}"/>
+              </a:ext>
+            </a:extLst>
+          </p:cNvPr>
+          <p:cNvCxnSpPr>
+            <a:stCxn id="11" idx="3"/>
+            <a:endCxn id="12" idx="1"/>
+          </p:cNvCxnSpPr>
+          <p:nvPr/>
+        </p:nvCxnSpPr>
+        <p:spPr>
+          <a:xfrm flipV="1">
+            <a:off x="5799286" y="2820553"/>
+            <a:ext cx="362522" cy="1153"/>
+          </a:xfrm>
+          <a:prstGeom prst="line">
+            <a:avLst/>
+          </a:prstGeom>
+          <a:ln>
+            <a:prstDash val="lgDash"/>
+          </a:ln>
+        </p:spPr>
+        <p:style>
+          <a:lnRef idx="1">
+            <a:schemeClr val="accent1"/>
+          </a:lnRef>
+          <a:fillRef idx="0">
+            <a:schemeClr val="accent1"/>
+          </a:fillRef>
+          <a:effectRef idx="0">
+            <a:schemeClr val="accent1"/>
+          </a:effectRef>
+          <a:fontRef idx="minor">
+            <a:schemeClr val="tx1"/>
+          </a:fontRef>
+        </p:style>
+      </p:cxnSp>
+    </p:spTree>
+    <p:extLst>
+      <p:ext uri="{BB962C8B-B14F-4D97-AF65-F5344CB8AC3E}">
+        <p14:creationId xmlns:p14="http://schemas.microsoft.com/office/powerpoint/2010/main" val="2341943672"/>
       </p:ext>
     </p:extLst>
   </p:cSld>

--- a/explain/container_image/application/static/AI.pptx
+++ b/explain/container_image/application/static/AI.pptx
@@ -14,6 +14,7 @@
     <p:sldId id="262" r:id="rId8"/>
     <p:sldId id="263" r:id="rId9"/>
     <p:sldId id="264" r:id="rId10"/>
+    <p:sldId id="265" r:id="rId11"/>
   </p:sldIdLst>
   <p:sldSz cx="12192000" cy="6858000"/>
   <p:notesSz cx="6858000" cy="9144000"/>
@@ -6249,6 +6250,324 @@
     <p:extLst>
       <p:ext uri="{BB962C8B-B14F-4D97-AF65-F5344CB8AC3E}">
         <p14:creationId xmlns:p14="http://schemas.microsoft.com/office/powerpoint/2010/main" val="2873785143"/>
+      </p:ext>
+    </p:extLst>
+  </p:cSld>
+  <p:clrMapOvr>
+    <a:masterClrMapping/>
+  </p:clrMapOvr>
+</p:sld>
+</file>
+
+<file path=ppt/slides/slide10.xml><?xml version="1.0" encoding="utf-8"?>
+<p:sld xmlns:a="http://schemas.openxmlformats.org/drawingml/2006/main" xmlns:r="http://schemas.openxmlformats.org/officeDocument/2006/relationships" xmlns:p="http://schemas.openxmlformats.org/presentationml/2006/main">
+  <p:cSld>
+    <p:spTree>
+      <p:nvGrpSpPr>
+        <p:cNvPr id="1" name=""/>
+        <p:cNvGrpSpPr/>
+        <p:nvPr/>
+      </p:nvGrpSpPr>
+      <p:grpSpPr>
+        <a:xfrm>
+          <a:off x="0" y="0"/>
+          <a:ext cx="0" cy="0"/>
+          <a:chOff x="0" y="0"/>
+          <a:chExt cx="0" cy="0"/>
+        </a:xfrm>
+      </p:grpSpPr>
+      <p:sp>
+        <p:nvSpPr>
+          <p:cNvPr id="5" name="Rectangle 4">
+            <a:extLst>
+              <a:ext uri="{FF2B5EF4-FFF2-40B4-BE49-F238E27FC236}">
+                <a16:creationId xmlns:a16="http://schemas.microsoft.com/office/drawing/2014/main" id="{35C4431C-EDFB-F2DE-0363-4924884F9F4A}"/>
+              </a:ext>
+            </a:extLst>
+          </p:cNvPr>
+          <p:cNvSpPr/>
+          <p:nvPr/>
+        </p:nvSpPr>
+        <p:spPr>
+          <a:xfrm>
+            <a:off x="4275213" y="1455955"/>
+            <a:ext cx="3641574" cy="584775"/>
+          </a:xfrm>
+          <a:prstGeom prst="rect">
+            <a:avLst/>
+          </a:prstGeom>
+          <a:noFill/>
+        </p:spPr>
+        <p:txBody>
+          <a:bodyPr wrap="none" lIns="91440" tIns="45720" rIns="91440" bIns="45720">
+            <a:spAutoFit/>
+          </a:bodyPr>
+          <a:lstStyle/>
+          <a:p>
+            <a:pPr algn="ctr"/>
+            <a:r>
+              <a:rPr lang="en-US" sz="3200" b="0" cap="none" spc="0" dirty="0">
+                <a:ln w="0"/>
+                <a:solidFill>
+                  <a:schemeClr val="accent1"/>
+                </a:solidFill>
+                <a:effectLst>
+                  <a:outerShdw blurRad="38100" dist="25400" dir="5400000" algn="ctr" rotWithShape="0">
+                    <a:srgbClr val="6E747A">
+                      <a:alpha val="43000"/>
+                    </a:srgbClr>
+                  </a:outerShdw>
+                </a:effectLst>
+              </a:rPr>
+              <a:t>AI for the Enterprise</a:t>
+            </a:r>
+            <a:endParaRPr lang="en-US" sz="3200" dirty="0">
+              <a:ln w="0"/>
+              <a:solidFill>
+                <a:schemeClr val="accent1"/>
+              </a:solidFill>
+              <a:effectLst>
+                <a:outerShdw blurRad="38100" dist="25400" dir="5400000" algn="ctr" rotWithShape="0">
+                  <a:srgbClr val="6E747A">
+                    <a:alpha val="43000"/>
+                  </a:srgbClr>
+                </a:outerShdw>
+              </a:effectLst>
+            </a:endParaRPr>
+          </a:p>
+        </p:txBody>
+      </p:sp>
+      <p:sp>
+        <p:nvSpPr>
+          <p:cNvPr id="7" name="Rectangle 6">
+            <a:extLst>
+              <a:ext uri="{FF2B5EF4-FFF2-40B4-BE49-F238E27FC236}">
+                <a16:creationId xmlns:a16="http://schemas.microsoft.com/office/drawing/2014/main" id="{FEE53C8F-1C25-9F6F-C60F-6EF90E375A69}"/>
+              </a:ext>
+            </a:extLst>
+          </p:cNvPr>
+          <p:cNvSpPr/>
+          <p:nvPr/>
+        </p:nvSpPr>
+        <p:spPr>
+          <a:xfrm>
+            <a:off x="3674015" y="2460055"/>
+            <a:ext cx="5010219" cy="923330"/>
+          </a:xfrm>
+          <a:prstGeom prst="rect">
+            <a:avLst/>
+          </a:prstGeom>
+          <a:noFill/>
+        </p:spPr>
+        <p:txBody>
+          <a:bodyPr wrap="none" lIns="91440" tIns="45720" rIns="91440" bIns="45720">
+            <a:spAutoFit/>
+            <a:scene3d>
+              <a:camera prst="orthographicFront"/>
+              <a:lightRig rig="harsh" dir="t"/>
+            </a:scene3d>
+            <a:sp3d extrusionH="57150" prstMaterial="matte">
+              <a:bevelT w="63500" h="12700" prst="angle"/>
+              <a:contourClr>
+                <a:schemeClr val="bg1">
+                  <a:lumMod val="65000"/>
+                </a:schemeClr>
+              </a:contourClr>
+            </a:sp3d>
+          </a:bodyPr>
+          <a:lstStyle/>
+          <a:p>
+            <a:pPr algn="ctr"/>
+            <a:r>
+              <a:rPr lang="en-US" sz="5400" b="0" cap="none" spc="0" dirty="0">
+                <a:ln w="0"/>
+                <a:solidFill>
+                  <a:schemeClr val="accent1"/>
+                </a:solidFill>
+                <a:effectLst>
+                  <a:outerShdw blurRad="38100" dist="25400" dir="5400000" algn="ctr" rotWithShape="0">
+                    <a:srgbClr val="6E747A">
+                      <a:alpha val="43000"/>
+                    </a:srgbClr>
+                  </a:outerShdw>
+                </a:effectLst>
+              </a:rPr>
+              <a:t>Credit Risk Demo</a:t>
+            </a:r>
+          </a:p>
+        </p:txBody>
+      </p:sp>
+      <p:sp>
+        <p:nvSpPr>
+          <p:cNvPr id="8" name="Rectangle 7">
+            <a:extLst>
+              <a:ext uri="{FF2B5EF4-FFF2-40B4-BE49-F238E27FC236}">
+                <a16:creationId xmlns:a16="http://schemas.microsoft.com/office/drawing/2014/main" id="{4CE253F6-58BD-B9EF-176D-10DC111D4F03}"/>
+              </a:ext>
+            </a:extLst>
+          </p:cNvPr>
+          <p:cNvSpPr/>
+          <p:nvPr/>
+        </p:nvSpPr>
+        <p:spPr>
+          <a:xfrm>
+            <a:off x="4659741" y="3802710"/>
+            <a:ext cx="2872518" cy="584775"/>
+          </a:xfrm>
+          <a:prstGeom prst="rect">
+            <a:avLst/>
+          </a:prstGeom>
+          <a:noFill/>
+        </p:spPr>
+        <p:txBody>
+          <a:bodyPr wrap="none" lIns="91440" tIns="45720" rIns="91440" bIns="45720">
+            <a:spAutoFit/>
+          </a:bodyPr>
+          <a:lstStyle/>
+          <a:p>
+            <a:pPr algn="ctr"/>
+            <a:r>
+              <a:rPr lang="en-US" sz="3200" dirty="0">
+                <a:ln w="0"/>
+                <a:solidFill>
+                  <a:schemeClr val="accent1"/>
+                </a:solidFill>
+                <a:effectLst>
+                  <a:outerShdw blurRad="38100" dist="25400" dir="5400000" algn="ctr" rotWithShape="0">
+                    <a:srgbClr val="6E747A">
+                      <a:alpha val="43000"/>
+                    </a:srgbClr>
+                  </a:outerShdw>
+                </a:effectLst>
+              </a:rPr>
+              <a:t>IBM Expert Labs</a:t>
+            </a:r>
+          </a:p>
+        </p:txBody>
+      </p:sp>
+      <p:sp>
+        <p:nvSpPr>
+          <p:cNvPr id="9" name="Rounded Rectangle 8">
+            <a:extLst>
+              <a:ext uri="{FF2B5EF4-FFF2-40B4-BE49-F238E27FC236}">
+                <a16:creationId xmlns:a16="http://schemas.microsoft.com/office/drawing/2014/main" id="{6B6B2278-6A5B-40D6-67DF-9F0E9B30A970}"/>
+              </a:ext>
+            </a:extLst>
+          </p:cNvPr>
+          <p:cNvSpPr/>
+          <p:nvPr/>
+        </p:nvSpPr>
+        <p:spPr>
+          <a:xfrm>
+            <a:off x="2387598" y="1036629"/>
+            <a:ext cx="7583055" cy="4193309"/>
+          </a:xfrm>
+          <a:prstGeom prst="roundRect">
+            <a:avLst/>
+          </a:prstGeom>
+          <a:noFill/>
+        </p:spPr>
+        <p:style>
+          <a:lnRef idx="2">
+            <a:schemeClr val="accent1">
+              <a:shade val="15000"/>
+            </a:schemeClr>
+          </a:lnRef>
+          <a:fillRef idx="1">
+            <a:schemeClr val="accent1"/>
+          </a:fillRef>
+          <a:effectRef idx="0">
+            <a:schemeClr val="accent1"/>
+          </a:effectRef>
+          <a:fontRef idx="minor">
+            <a:schemeClr val="lt1"/>
+          </a:fontRef>
+        </p:style>
+        <p:txBody>
+          <a:bodyPr rtlCol="0" anchor="ctr"/>
+          <a:lstStyle/>
+          <a:p>
+            <a:pPr algn="ctr"/>
+            <a:endParaRPr lang="en-US"/>
+          </a:p>
+        </p:txBody>
+      </p:sp>
+      <p:pic>
+        <p:nvPicPr>
+          <p:cNvPr id="11" name="Graphic 10" descr="Artificial Intelligence outline">
+            <a:extLst>
+              <a:ext uri="{FF2B5EF4-FFF2-40B4-BE49-F238E27FC236}">
+                <a16:creationId xmlns:a16="http://schemas.microsoft.com/office/drawing/2014/main" id="{693C1FF5-BBB6-A564-1EA1-FE6DF1DACFC9}"/>
+              </a:ext>
+            </a:extLst>
+          </p:cNvPr>
+          <p:cNvPicPr>
+            <a:picLocks noChangeAspect="1"/>
+          </p:cNvPicPr>
+          <p:nvPr/>
+        </p:nvPicPr>
+        <p:blipFill>
+          <a:blip r:embed="rId2">
+            <a:extLst>
+              <a:ext uri="{96DAC541-7B7A-43D3-8B79-37D633B846F1}">
+                <asvg:svgBlip xmlns:asvg="http://schemas.microsoft.com/office/drawing/2016/SVG/main" r:embed="rId3"/>
+              </a:ext>
+            </a:extLst>
+          </a:blip>
+          <a:stretch>
+            <a:fillRect/>
+          </a:stretch>
+        </p:blipFill>
+        <p:spPr>
+          <a:xfrm>
+            <a:off x="2692400" y="3777885"/>
+            <a:ext cx="1066800" cy="1066800"/>
+          </a:xfrm>
+          <a:prstGeom prst="rect">
+            <a:avLst/>
+          </a:prstGeom>
+        </p:spPr>
+      </p:pic>
+      <p:pic>
+        <p:nvPicPr>
+          <p:cNvPr id="13" name="Graphic 12" descr="Bank outline">
+            <a:extLst>
+              <a:ext uri="{FF2B5EF4-FFF2-40B4-BE49-F238E27FC236}">
+                <a16:creationId xmlns:a16="http://schemas.microsoft.com/office/drawing/2014/main" id="{0EE1B1A5-FE1D-757D-A548-FF1269086717}"/>
+              </a:ext>
+            </a:extLst>
+          </p:cNvPr>
+          <p:cNvPicPr>
+            <a:picLocks noChangeAspect="1"/>
+          </p:cNvPicPr>
+          <p:nvPr/>
+        </p:nvPicPr>
+        <p:blipFill>
+          <a:blip r:embed="rId4">
+            <a:extLst>
+              <a:ext uri="{96DAC541-7B7A-43D3-8B79-37D633B846F1}">
+                <asvg:svgBlip xmlns:asvg="http://schemas.microsoft.com/office/drawing/2016/SVG/main" r:embed="rId5"/>
+              </a:ext>
+            </a:extLst>
+          </a:blip>
+          <a:stretch>
+            <a:fillRect/>
+          </a:stretch>
+        </p:blipFill>
+        <p:spPr>
+          <a:xfrm>
+            <a:off x="8684234" y="3777885"/>
+            <a:ext cx="914400" cy="914400"/>
+          </a:xfrm>
+          <a:prstGeom prst="rect">
+            <a:avLst/>
+          </a:prstGeom>
+        </p:spPr>
+      </p:pic>
+    </p:spTree>
+    <p:extLst>
+      <p:ext uri="{BB962C8B-B14F-4D97-AF65-F5344CB8AC3E}">
+        <p14:creationId xmlns:p14="http://schemas.microsoft.com/office/powerpoint/2010/main" val="433428021"/>
       </p:ext>
     </p:extLst>
   </p:cSld>

--- a/explain/container_image/application/static/AI.pptx
+++ b/explain/container_image/application/static/AI.pptx
@@ -14,7 +14,10 @@
     <p:sldId id="262" r:id="rId8"/>
     <p:sldId id="263" r:id="rId9"/>
     <p:sldId id="264" r:id="rId10"/>
-    <p:sldId id="265" r:id="rId11"/>
+    <p:sldId id="266" r:id="rId11"/>
+    <p:sldId id="267" r:id="rId12"/>
+    <p:sldId id="268" r:id="rId13"/>
+    <p:sldId id="265" r:id="rId14"/>
   </p:sldIdLst>
   <p:sldSz cx="12192000" cy="6858000"/>
   <p:notesSz cx="6858000" cy="9144000"/>
@@ -113,6 +116,11 @@
       </a:defRPr>
     </a:lvl9pPr>
   </p:defaultTextStyle>
+  <p:extLst>
+    <p:ext uri="{EFAFB233-063F-42B5-8137-9DF3F51BA10A}">
+      <p15:sldGuideLst xmlns:p15="http://schemas.microsoft.com/office/powerpoint/2012/main"/>
+    </p:ext>
+  </p:extLst>
 </p:presentation>
 </file>
 
@@ -263,7 +271,7 @@
           <a:p>
             <a:fld id="{D235C3FD-F896-6F4C-A943-7DE504738B33}" type="datetimeFigureOut">
               <a:rPr lang="en-US" smtClean="0"/>
-              <a:t>10/17/23</a:t>
+              <a:t>10/23/23</a:t>
             </a:fld>
             <a:endParaRPr lang="en-US"/>
           </a:p>
@@ -461,7 +469,7 @@
           <a:p>
             <a:fld id="{D235C3FD-F896-6F4C-A943-7DE504738B33}" type="datetimeFigureOut">
               <a:rPr lang="en-US" smtClean="0"/>
-              <a:t>10/17/23</a:t>
+              <a:t>10/23/23</a:t>
             </a:fld>
             <a:endParaRPr lang="en-US"/>
           </a:p>
@@ -669,7 +677,7 @@
           <a:p>
             <a:fld id="{D235C3FD-F896-6F4C-A943-7DE504738B33}" type="datetimeFigureOut">
               <a:rPr lang="en-US" smtClean="0"/>
-              <a:t>10/17/23</a:t>
+              <a:t>10/23/23</a:t>
             </a:fld>
             <a:endParaRPr lang="en-US"/>
           </a:p>
@@ -867,7 +875,7 @@
           <a:p>
             <a:fld id="{D235C3FD-F896-6F4C-A943-7DE504738B33}" type="datetimeFigureOut">
               <a:rPr lang="en-US" smtClean="0"/>
-              <a:t>10/17/23</a:t>
+              <a:t>10/23/23</a:t>
             </a:fld>
             <a:endParaRPr lang="en-US"/>
           </a:p>
@@ -1142,7 +1150,7 @@
           <a:p>
             <a:fld id="{D235C3FD-F896-6F4C-A943-7DE504738B33}" type="datetimeFigureOut">
               <a:rPr lang="en-US" smtClean="0"/>
-              <a:t>10/17/23</a:t>
+              <a:t>10/23/23</a:t>
             </a:fld>
             <a:endParaRPr lang="en-US"/>
           </a:p>
@@ -1407,7 +1415,7 @@
           <a:p>
             <a:fld id="{D235C3FD-F896-6F4C-A943-7DE504738B33}" type="datetimeFigureOut">
               <a:rPr lang="en-US" smtClean="0"/>
-              <a:t>10/17/23</a:t>
+              <a:t>10/23/23</a:t>
             </a:fld>
             <a:endParaRPr lang="en-US"/>
           </a:p>
@@ -1819,7 +1827,7 @@
           <a:p>
             <a:fld id="{D235C3FD-F896-6F4C-A943-7DE504738B33}" type="datetimeFigureOut">
               <a:rPr lang="en-US" smtClean="0"/>
-              <a:t>10/17/23</a:t>
+              <a:t>10/23/23</a:t>
             </a:fld>
             <a:endParaRPr lang="en-US"/>
           </a:p>
@@ -1960,7 +1968,7 @@
           <a:p>
             <a:fld id="{D235C3FD-F896-6F4C-A943-7DE504738B33}" type="datetimeFigureOut">
               <a:rPr lang="en-US" smtClean="0"/>
-              <a:t>10/17/23</a:t>
+              <a:t>10/23/23</a:t>
             </a:fld>
             <a:endParaRPr lang="en-US"/>
           </a:p>
@@ -2073,7 +2081,7 @@
           <a:p>
             <a:fld id="{D235C3FD-F896-6F4C-A943-7DE504738B33}" type="datetimeFigureOut">
               <a:rPr lang="en-US" smtClean="0"/>
-              <a:t>10/17/23</a:t>
+              <a:t>10/23/23</a:t>
             </a:fld>
             <a:endParaRPr lang="en-US"/>
           </a:p>
@@ -2384,7 +2392,7 @@
           <a:p>
             <a:fld id="{D235C3FD-F896-6F4C-A943-7DE504738B33}" type="datetimeFigureOut">
               <a:rPr lang="en-US" smtClean="0"/>
-              <a:t>10/17/23</a:t>
+              <a:t>10/23/23</a:t>
             </a:fld>
             <a:endParaRPr lang="en-US"/>
           </a:p>
@@ -2672,7 +2680,7 @@
           <a:p>
             <a:fld id="{D235C3FD-F896-6F4C-A943-7DE504738B33}" type="datetimeFigureOut">
               <a:rPr lang="en-US" smtClean="0"/>
-              <a:t>10/17/23</a:t>
+              <a:t>10/23/23</a:t>
             </a:fld>
             <a:endParaRPr lang="en-US"/>
           </a:p>
@@ -2913,7 +2921,7 @@
           <a:p>
             <a:fld id="{D235C3FD-F896-6F4C-A943-7DE504738B33}" type="datetimeFigureOut">
               <a:rPr lang="en-US" smtClean="0"/>
-              <a:t>10/17/23</a:t>
+              <a:t>10/23/23</a:t>
             </a:fld>
             <a:endParaRPr lang="en-US"/>
           </a:p>
@@ -6276,6 +6284,2067 @@
           <a:chExt cx="0" cy="0"/>
         </a:xfrm>
       </p:grpSpPr>
+      <p:pic>
+        <p:nvPicPr>
+          <p:cNvPr id="4" name="Picture 3">
+            <a:extLst>
+              <a:ext uri="{FF2B5EF4-FFF2-40B4-BE49-F238E27FC236}">
+                <a16:creationId xmlns:a16="http://schemas.microsoft.com/office/drawing/2014/main" id="{86D93C7A-34F1-D465-FC2A-F1E6E8568E29}"/>
+              </a:ext>
+            </a:extLst>
+          </p:cNvPr>
+          <p:cNvPicPr>
+            <a:picLocks noChangeAspect="1"/>
+          </p:cNvPicPr>
+          <p:nvPr/>
+        </p:nvPicPr>
+        <p:blipFill>
+          <a:blip r:embed="rId2"/>
+          <a:stretch>
+            <a:fillRect/>
+          </a:stretch>
+        </p:blipFill>
+        <p:spPr>
+          <a:xfrm>
+            <a:off x="7186096" y="1946562"/>
+            <a:ext cx="3445505" cy="3429000"/>
+          </a:xfrm>
+          <a:prstGeom prst="rect">
+            <a:avLst/>
+          </a:prstGeom>
+        </p:spPr>
+      </p:pic>
+      <p:sp>
+        <p:nvSpPr>
+          <p:cNvPr id="5" name="Rectangle 4">
+            <a:extLst>
+              <a:ext uri="{FF2B5EF4-FFF2-40B4-BE49-F238E27FC236}">
+                <a16:creationId xmlns:a16="http://schemas.microsoft.com/office/drawing/2014/main" id="{A09EBAB4-2D0D-FFFC-6D35-F20E2BD3E369}"/>
+              </a:ext>
+            </a:extLst>
+          </p:cNvPr>
+          <p:cNvSpPr/>
+          <p:nvPr/>
+        </p:nvSpPr>
+        <p:spPr>
+          <a:xfrm>
+            <a:off x="1025237" y="1016000"/>
+            <a:ext cx="9975272" cy="4525817"/>
+          </a:xfrm>
+          <a:custGeom>
+            <a:avLst/>
+            <a:gdLst>
+              <a:gd name="connsiteX0" fmla="*/ 0 w 9975272"/>
+              <a:gd name="connsiteY0" fmla="*/ 0 h 4525817"/>
+              <a:gd name="connsiteX1" fmla="*/ 665018 w 9975272"/>
+              <a:gd name="connsiteY1" fmla="*/ 0 h 4525817"/>
+              <a:gd name="connsiteX2" fmla="*/ 1230284 w 9975272"/>
+              <a:gd name="connsiteY2" fmla="*/ 0 h 4525817"/>
+              <a:gd name="connsiteX3" fmla="*/ 1995054 w 9975272"/>
+              <a:gd name="connsiteY3" fmla="*/ 0 h 4525817"/>
+              <a:gd name="connsiteX4" fmla="*/ 2859578 w 9975272"/>
+              <a:gd name="connsiteY4" fmla="*/ 0 h 4525817"/>
+              <a:gd name="connsiteX5" fmla="*/ 3524596 w 9975272"/>
+              <a:gd name="connsiteY5" fmla="*/ 0 h 4525817"/>
+              <a:gd name="connsiteX6" fmla="*/ 4289367 w 9975272"/>
+              <a:gd name="connsiteY6" fmla="*/ 0 h 4525817"/>
+              <a:gd name="connsiteX7" fmla="*/ 4655127 w 9975272"/>
+              <a:gd name="connsiteY7" fmla="*/ 0 h 4525817"/>
+              <a:gd name="connsiteX8" fmla="*/ 5020887 w 9975272"/>
+              <a:gd name="connsiteY8" fmla="*/ 0 h 4525817"/>
+              <a:gd name="connsiteX9" fmla="*/ 5685905 w 9975272"/>
+              <a:gd name="connsiteY9" fmla="*/ 0 h 4525817"/>
+              <a:gd name="connsiteX10" fmla="*/ 6251170 w 9975272"/>
+              <a:gd name="connsiteY10" fmla="*/ 0 h 4525817"/>
+              <a:gd name="connsiteX11" fmla="*/ 6916189 w 9975272"/>
+              <a:gd name="connsiteY11" fmla="*/ 0 h 4525817"/>
+              <a:gd name="connsiteX12" fmla="*/ 7381701 w 9975272"/>
+              <a:gd name="connsiteY12" fmla="*/ 0 h 4525817"/>
+              <a:gd name="connsiteX13" fmla="*/ 8246225 w 9975272"/>
+              <a:gd name="connsiteY13" fmla="*/ 0 h 4525817"/>
+              <a:gd name="connsiteX14" fmla="*/ 8911243 w 9975272"/>
+              <a:gd name="connsiteY14" fmla="*/ 0 h 4525817"/>
+              <a:gd name="connsiteX15" fmla="*/ 9277003 w 9975272"/>
+              <a:gd name="connsiteY15" fmla="*/ 0 h 4525817"/>
+              <a:gd name="connsiteX16" fmla="*/ 9975272 w 9975272"/>
+              <a:gd name="connsiteY16" fmla="*/ 0 h 4525817"/>
+              <a:gd name="connsiteX17" fmla="*/ 9975272 w 9975272"/>
+              <a:gd name="connsiteY17" fmla="*/ 646545 h 4525817"/>
+              <a:gd name="connsiteX18" fmla="*/ 9975272 w 9975272"/>
+              <a:gd name="connsiteY18" fmla="*/ 1202574 h 4525817"/>
+              <a:gd name="connsiteX19" fmla="*/ 9975272 w 9975272"/>
+              <a:gd name="connsiteY19" fmla="*/ 1713345 h 4525817"/>
+              <a:gd name="connsiteX20" fmla="*/ 9975272 w 9975272"/>
+              <a:gd name="connsiteY20" fmla="*/ 2314632 h 4525817"/>
+              <a:gd name="connsiteX21" fmla="*/ 9975272 w 9975272"/>
+              <a:gd name="connsiteY21" fmla="*/ 2825403 h 4525817"/>
+              <a:gd name="connsiteX22" fmla="*/ 9975272 w 9975272"/>
+              <a:gd name="connsiteY22" fmla="*/ 3336174 h 4525817"/>
+              <a:gd name="connsiteX23" fmla="*/ 9975272 w 9975272"/>
+              <a:gd name="connsiteY23" fmla="*/ 4525817 h 4525817"/>
+              <a:gd name="connsiteX24" fmla="*/ 9609512 w 9975272"/>
+              <a:gd name="connsiteY24" fmla="*/ 4525817 h 4525817"/>
+              <a:gd name="connsiteX25" fmla="*/ 8744988 w 9975272"/>
+              <a:gd name="connsiteY25" fmla="*/ 4525817 h 4525817"/>
+              <a:gd name="connsiteX26" fmla="*/ 7880465 w 9975272"/>
+              <a:gd name="connsiteY26" fmla="*/ 4525817 h 4525817"/>
+              <a:gd name="connsiteX27" fmla="*/ 7015941 w 9975272"/>
+              <a:gd name="connsiteY27" fmla="*/ 4525817 h 4525817"/>
+              <a:gd name="connsiteX28" fmla="*/ 6251170 w 9975272"/>
+              <a:gd name="connsiteY28" fmla="*/ 4525817 h 4525817"/>
+              <a:gd name="connsiteX29" fmla="*/ 5685905 w 9975272"/>
+              <a:gd name="connsiteY29" fmla="*/ 4525817 h 4525817"/>
+              <a:gd name="connsiteX30" fmla="*/ 4921134 w 9975272"/>
+              <a:gd name="connsiteY30" fmla="*/ 4525817 h 4525817"/>
+              <a:gd name="connsiteX31" fmla="*/ 4056611 w 9975272"/>
+              <a:gd name="connsiteY31" fmla="*/ 4525817 h 4525817"/>
+              <a:gd name="connsiteX32" fmla="*/ 3591098 w 9975272"/>
+              <a:gd name="connsiteY32" fmla="*/ 4525817 h 4525817"/>
+              <a:gd name="connsiteX33" fmla="*/ 3225338 w 9975272"/>
+              <a:gd name="connsiteY33" fmla="*/ 4525817 h 4525817"/>
+              <a:gd name="connsiteX34" fmla="*/ 2560320 w 9975272"/>
+              <a:gd name="connsiteY34" fmla="*/ 4525817 h 4525817"/>
+              <a:gd name="connsiteX35" fmla="*/ 2194560 w 9975272"/>
+              <a:gd name="connsiteY35" fmla="*/ 4525817 h 4525817"/>
+              <a:gd name="connsiteX36" fmla="*/ 1429789 w 9975272"/>
+              <a:gd name="connsiteY36" fmla="*/ 4525817 h 4525817"/>
+              <a:gd name="connsiteX37" fmla="*/ 565265 w 9975272"/>
+              <a:gd name="connsiteY37" fmla="*/ 4525817 h 4525817"/>
+              <a:gd name="connsiteX38" fmla="*/ 0 w 9975272"/>
+              <a:gd name="connsiteY38" fmla="*/ 4525817 h 4525817"/>
+              <a:gd name="connsiteX39" fmla="*/ 0 w 9975272"/>
+              <a:gd name="connsiteY39" fmla="*/ 3924530 h 4525817"/>
+              <a:gd name="connsiteX40" fmla="*/ 0 w 9975272"/>
+              <a:gd name="connsiteY40" fmla="*/ 3187468 h 4525817"/>
+              <a:gd name="connsiteX41" fmla="*/ 0 w 9975272"/>
+              <a:gd name="connsiteY41" fmla="*/ 2495665 h 4525817"/>
+              <a:gd name="connsiteX42" fmla="*/ 0 w 9975272"/>
+              <a:gd name="connsiteY42" fmla="*/ 1939636 h 4525817"/>
+              <a:gd name="connsiteX43" fmla="*/ 0 w 9975272"/>
+              <a:gd name="connsiteY43" fmla="*/ 1428865 h 4525817"/>
+              <a:gd name="connsiteX44" fmla="*/ 0 w 9975272"/>
+              <a:gd name="connsiteY44" fmla="*/ 827578 h 4525817"/>
+              <a:gd name="connsiteX45" fmla="*/ 0 w 9975272"/>
+              <a:gd name="connsiteY45" fmla="*/ 0 h 4525817"/>
+            </a:gdLst>
+            <a:ahLst/>
+            <a:cxnLst>
+              <a:cxn ang="0">
+                <a:pos x="connsiteX0" y="connsiteY0"/>
+              </a:cxn>
+              <a:cxn ang="0">
+                <a:pos x="connsiteX1" y="connsiteY1"/>
+              </a:cxn>
+              <a:cxn ang="0">
+                <a:pos x="connsiteX2" y="connsiteY2"/>
+              </a:cxn>
+              <a:cxn ang="0">
+                <a:pos x="connsiteX3" y="connsiteY3"/>
+              </a:cxn>
+              <a:cxn ang="0">
+                <a:pos x="connsiteX4" y="connsiteY4"/>
+              </a:cxn>
+              <a:cxn ang="0">
+                <a:pos x="connsiteX5" y="connsiteY5"/>
+              </a:cxn>
+              <a:cxn ang="0">
+                <a:pos x="connsiteX6" y="connsiteY6"/>
+              </a:cxn>
+              <a:cxn ang="0">
+                <a:pos x="connsiteX7" y="connsiteY7"/>
+              </a:cxn>
+              <a:cxn ang="0">
+                <a:pos x="connsiteX8" y="connsiteY8"/>
+              </a:cxn>
+              <a:cxn ang="0">
+                <a:pos x="connsiteX9" y="connsiteY9"/>
+              </a:cxn>
+              <a:cxn ang="0">
+                <a:pos x="connsiteX10" y="connsiteY10"/>
+              </a:cxn>
+              <a:cxn ang="0">
+                <a:pos x="connsiteX11" y="connsiteY11"/>
+              </a:cxn>
+              <a:cxn ang="0">
+                <a:pos x="connsiteX12" y="connsiteY12"/>
+              </a:cxn>
+              <a:cxn ang="0">
+                <a:pos x="connsiteX13" y="connsiteY13"/>
+              </a:cxn>
+              <a:cxn ang="0">
+                <a:pos x="connsiteX14" y="connsiteY14"/>
+              </a:cxn>
+              <a:cxn ang="0">
+                <a:pos x="connsiteX15" y="connsiteY15"/>
+              </a:cxn>
+              <a:cxn ang="0">
+                <a:pos x="connsiteX16" y="connsiteY16"/>
+              </a:cxn>
+              <a:cxn ang="0">
+                <a:pos x="connsiteX17" y="connsiteY17"/>
+              </a:cxn>
+              <a:cxn ang="0">
+                <a:pos x="connsiteX18" y="connsiteY18"/>
+              </a:cxn>
+              <a:cxn ang="0">
+                <a:pos x="connsiteX19" y="connsiteY19"/>
+              </a:cxn>
+              <a:cxn ang="0">
+                <a:pos x="connsiteX20" y="connsiteY20"/>
+              </a:cxn>
+              <a:cxn ang="0">
+                <a:pos x="connsiteX21" y="connsiteY21"/>
+              </a:cxn>
+              <a:cxn ang="0">
+                <a:pos x="connsiteX22" y="connsiteY22"/>
+              </a:cxn>
+              <a:cxn ang="0">
+                <a:pos x="connsiteX23" y="connsiteY23"/>
+              </a:cxn>
+              <a:cxn ang="0">
+                <a:pos x="connsiteX24" y="connsiteY24"/>
+              </a:cxn>
+              <a:cxn ang="0">
+                <a:pos x="connsiteX25" y="connsiteY25"/>
+              </a:cxn>
+              <a:cxn ang="0">
+                <a:pos x="connsiteX26" y="connsiteY26"/>
+              </a:cxn>
+              <a:cxn ang="0">
+                <a:pos x="connsiteX27" y="connsiteY27"/>
+              </a:cxn>
+              <a:cxn ang="0">
+                <a:pos x="connsiteX28" y="connsiteY28"/>
+              </a:cxn>
+              <a:cxn ang="0">
+                <a:pos x="connsiteX29" y="connsiteY29"/>
+              </a:cxn>
+              <a:cxn ang="0">
+                <a:pos x="connsiteX30" y="connsiteY30"/>
+              </a:cxn>
+              <a:cxn ang="0">
+                <a:pos x="connsiteX31" y="connsiteY31"/>
+              </a:cxn>
+              <a:cxn ang="0">
+                <a:pos x="connsiteX32" y="connsiteY32"/>
+              </a:cxn>
+              <a:cxn ang="0">
+                <a:pos x="connsiteX33" y="connsiteY33"/>
+              </a:cxn>
+              <a:cxn ang="0">
+                <a:pos x="connsiteX34" y="connsiteY34"/>
+              </a:cxn>
+              <a:cxn ang="0">
+                <a:pos x="connsiteX35" y="connsiteY35"/>
+              </a:cxn>
+              <a:cxn ang="0">
+                <a:pos x="connsiteX36" y="connsiteY36"/>
+              </a:cxn>
+              <a:cxn ang="0">
+                <a:pos x="connsiteX37" y="connsiteY37"/>
+              </a:cxn>
+              <a:cxn ang="0">
+                <a:pos x="connsiteX38" y="connsiteY38"/>
+              </a:cxn>
+              <a:cxn ang="0">
+                <a:pos x="connsiteX39" y="connsiteY39"/>
+              </a:cxn>
+              <a:cxn ang="0">
+                <a:pos x="connsiteX40" y="connsiteY40"/>
+              </a:cxn>
+              <a:cxn ang="0">
+                <a:pos x="connsiteX41" y="connsiteY41"/>
+              </a:cxn>
+              <a:cxn ang="0">
+                <a:pos x="connsiteX42" y="connsiteY42"/>
+              </a:cxn>
+              <a:cxn ang="0">
+                <a:pos x="connsiteX43" y="connsiteY43"/>
+              </a:cxn>
+              <a:cxn ang="0">
+                <a:pos x="connsiteX44" y="connsiteY44"/>
+              </a:cxn>
+              <a:cxn ang="0">
+                <a:pos x="connsiteX45" y="connsiteY45"/>
+              </a:cxn>
+            </a:cxnLst>
+            <a:rect l="l" t="t" r="r" b="b"/>
+            <a:pathLst>
+              <a:path w="9975272" h="4525817" extrusionOk="0">
+                <a:moveTo>
+                  <a:pt x="0" y="0"/>
+                </a:moveTo>
+                <a:cubicBezTo>
+                  <a:pt x="316539" y="-19359"/>
+                  <a:pt x="412909" y="21845"/>
+                  <a:pt x="665018" y="0"/>
+                </a:cubicBezTo>
+                <a:cubicBezTo>
+                  <a:pt x="917127" y="-21845"/>
+                  <a:pt x="968359" y="-21479"/>
+                  <a:pt x="1230284" y="0"/>
+                </a:cubicBezTo>
+                <a:cubicBezTo>
+                  <a:pt x="1492209" y="21479"/>
+                  <a:pt x="1781547" y="-34315"/>
+                  <a:pt x="1995054" y="0"/>
+                </a:cubicBezTo>
+                <a:cubicBezTo>
+                  <a:pt x="2208561" y="34315"/>
+                  <a:pt x="2488485" y="13865"/>
+                  <a:pt x="2859578" y="0"/>
+                </a:cubicBezTo>
+                <a:cubicBezTo>
+                  <a:pt x="3230671" y="-13865"/>
+                  <a:pt x="3390283" y="22500"/>
+                  <a:pt x="3524596" y="0"/>
+                </a:cubicBezTo>
+                <a:cubicBezTo>
+                  <a:pt x="3658909" y="-22500"/>
+                  <a:pt x="3965438" y="1046"/>
+                  <a:pt x="4289367" y="0"/>
+                </a:cubicBezTo>
+                <a:cubicBezTo>
+                  <a:pt x="4613296" y="-1046"/>
+                  <a:pt x="4548688" y="-17031"/>
+                  <a:pt x="4655127" y="0"/>
+                </a:cubicBezTo>
+                <a:cubicBezTo>
+                  <a:pt x="4761566" y="17031"/>
+                  <a:pt x="4863415" y="13896"/>
+                  <a:pt x="5020887" y="0"/>
+                </a:cubicBezTo>
+                <a:cubicBezTo>
+                  <a:pt x="5178359" y="-13896"/>
+                  <a:pt x="5501307" y="23035"/>
+                  <a:pt x="5685905" y="0"/>
+                </a:cubicBezTo>
+                <a:cubicBezTo>
+                  <a:pt x="5870503" y="-23035"/>
+                  <a:pt x="6058989" y="9405"/>
+                  <a:pt x="6251170" y="0"/>
+                </a:cubicBezTo>
+                <a:cubicBezTo>
+                  <a:pt x="6443351" y="-9405"/>
+                  <a:pt x="6747719" y="262"/>
+                  <a:pt x="6916189" y="0"/>
+                </a:cubicBezTo>
+                <a:cubicBezTo>
+                  <a:pt x="7084659" y="-262"/>
+                  <a:pt x="7220083" y="-7651"/>
+                  <a:pt x="7381701" y="0"/>
+                </a:cubicBezTo>
+                <a:cubicBezTo>
+                  <a:pt x="7543319" y="7651"/>
+                  <a:pt x="7944873" y="-9519"/>
+                  <a:pt x="8246225" y="0"/>
+                </a:cubicBezTo>
+                <a:cubicBezTo>
+                  <a:pt x="8547577" y="9519"/>
+                  <a:pt x="8694788" y="30116"/>
+                  <a:pt x="8911243" y="0"/>
+                </a:cubicBezTo>
+                <a:cubicBezTo>
+                  <a:pt x="9127698" y="-30116"/>
+                  <a:pt x="9132965" y="-1270"/>
+                  <a:pt x="9277003" y="0"/>
+                </a:cubicBezTo>
+                <a:cubicBezTo>
+                  <a:pt x="9421041" y="1270"/>
+                  <a:pt x="9665487" y="-5127"/>
+                  <a:pt x="9975272" y="0"/>
+                </a:cubicBezTo>
+                <a:cubicBezTo>
+                  <a:pt x="10007501" y="234919"/>
+                  <a:pt x="9943933" y="367074"/>
+                  <a:pt x="9975272" y="646545"/>
+                </a:cubicBezTo>
+                <a:cubicBezTo>
+                  <a:pt x="10006611" y="926017"/>
+                  <a:pt x="9986031" y="1086898"/>
+                  <a:pt x="9975272" y="1202574"/>
+                </a:cubicBezTo>
+                <a:cubicBezTo>
+                  <a:pt x="9964513" y="1318250"/>
+                  <a:pt x="9968058" y="1556474"/>
+                  <a:pt x="9975272" y="1713345"/>
+                </a:cubicBezTo>
+                <a:cubicBezTo>
+                  <a:pt x="9982486" y="1870216"/>
+                  <a:pt x="9985424" y="2132716"/>
+                  <a:pt x="9975272" y="2314632"/>
+                </a:cubicBezTo>
+                <a:cubicBezTo>
+                  <a:pt x="9965120" y="2496548"/>
+                  <a:pt x="9982342" y="2593790"/>
+                  <a:pt x="9975272" y="2825403"/>
+                </a:cubicBezTo>
+                <a:cubicBezTo>
+                  <a:pt x="9968202" y="3057016"/>
+                  <a:pt x="9955187" y="3096532"/>
+                  <a:pt x="9975272" y="3336174"/>
+                </a:cubicBezTo>
+                <a:cubicBezTo>
+                  <a:pt x="9995357" y="3575816"/>
+                  <a:pt x="9934675" y="4277248"/>
+                  <a:pt x="9975272" y="4525817"/>
+                </a:cubicBezTo>
+                <a:cubicBezTo>
+                  <a:pt x="9835794" y="4534610"/>
+                  <a:pt x="9761824" y="4521810"/>
+                  <a:pt x="9609512" y="4525817"/>
+                </a:cubicBezTo>
+                <a:cubicBezTo>
+                  <a:pt x="9457200" y="4529824"/>
+                  <a:pt x="8961980" y="4551635"/>
+                  <a:pt x="8744988" y="4525817"/>
+                </a:cubicBezTo>
+                <a:cubicBezTo>
+                  <a:pt x="8527996" y="4499999"/>
+                  <a:pt x="8093788" y="4561698"/>
+                  <a:pt x="7880465" y="4525817"/>
+                </a:cubicBezTo>
+                <a:cubicBezTo>
+                  <a:pt x="7667142" y="4489936"/>
+                  <a:pt x="7284598" y="4507058"/>
+                  <a:pt x="7015941" y="4525817"/>
+                </a:cubicBezTo>
+                <a:cubicBezTo>
+                  <a:pt x="6747284" y="4544576"/>
+                  <a:pt x="6614705" y="4513996"/>
+                  <a:pt x="6251170" y="4525817"/>
+                </a:cubicBezTo>
+                <a:cubicBezTo>
+                  <a:pt x="5887635" y="4537638"/>
+                  <a:pt x="5948082" y="4524384"/>
+                  <a:pt x="5685905" y="4525817"/>
+                </a:cubicBezTo>
+                <a:cubicBezTo>
+                  <a:pt x="5423729" y="4527250"/>
+                  <a:pt x="5226910" y="4531581"/>
+                  <a:pt x="4921134" y="4525817"/>
+                </a:cubicBezTo>
+                <a:cubicBezTo>
+                  <a:pt x="4615358" y="4520053"/>
+                  <a:pt x="4284925" y="4555534"/>
+                  <a:pt x="4056611" y="4525817"/>
+                </a:cubicBezTo>
+                <a:cubicBezTo>
+                  <a:pt x="3828297" y="4496100"/>
+                  <a:pt x="3809662" y="4512317"/>
+                  <a:pt x="3591098" y="4525817"/>
+                </a:cubicBezTo>
+                <a:cubicBezTo>
+                  <a:pt x="3372534" y="4539317"/>
+                  <a:pt x="3301402" y="4513999"/>
+                  <a:pt x="3225338" y="4525817"/>
+                </a:cubicBezTo>
+                <a:cubicBezTo>
+                  <a:pt x="3149274" y="4537635"/>
+                  <a:pt x="2889545" y="4500662"/>
+                  <a:pt x="2560320" y="4525817"/>
+                </a:cubicBezTo>
+                <a:cubicBezTo>
+                  <a:pt x="2231095" y="4550972"/>
+                  <a:pt x="2317509" y="4508438"/>
+                  <a:pt x="2194560" y="4525817"/>
+                </a:cubicBezTo>
+                <a:cubicBezTo>
+                  <a:pt x="2071611" y="4543196"/>
+                  <a:pt x="1740677" y="4554528"/>
+                  <a:pt x="1429789" y="4525817"/>
+                </a:cubicBezTo>
+                <a:cubicBezTo>
+                  <a:pt x="1118901" y="4497106"/>
+                  <a:pt x="758220" y="4548763"/>
+                  <a:pt x="565265" y="4525817"/>
+                </a:cubicBezTo>
+                <a:cubicBezTo>
+                  <a:pt x="372310" y="4502871"/>
+                  <a:pt x="182206" y="4518765"/>
+                  <a:pt x="0" y="4525817"/>
+                </a:cubicBezTo>
+                <a:cubicBezTo>
+                  <a:pt x="5973" y="4302187"/>
+                  <a:pt x="-12486" y="4107722"/>
+                  <a:pt x="0" y="3924530"/>
+                </a:cubicBezTo>
+                <a:cubicBezTo>
+                  <a:pt x="12486" y="3741338"/>
+                  <a:pt x="-31947" y="3378960"/>
+                  <a:pt x="0" y="3187468"/>
+                </a:cubicBezTo>
+                <a:cubicBezTo>
+                  <a:pt x="31947" y="2995976"/>
+                  <a:pt x="-10995" y="2751986"/>
+                  <a:pt x="0" y="2495665"/>
+                </a:cubicBezTo>
+                <a:cubicBezTo>
+                  <a:pt x="10995" y="2239344"/>
+                  <a:pt x="-185" y="2216785"/>
+                  <a:pt x="0" y="1939636"/>
+                </a:cubicBezTo>
+                <a:cubicBezTo>
+                  <a:pt x="185" y="1662487"/>
+                  <a:pt x="22955" y="1603576"/>
+                  <a:pt x="0" y="1428865"/>
+                </a:cubicBezTo>
+                <a:cubicBezTo>
+                  <a:pt x="-22955" y="1254154"/>
+                  <a:pt x="728" y="997203"/>
+                  <a:pt x="0" y="827578"/>
+                </a:cubicBezTo>
+                <a:cubicBezTo>
+                  <a:pt x="-728" y="657953"/>
+                  <a:pt x="36569" y="299817"/>
+                  <a:pt x="0" y="0"/>
+                </a:cubicBezTo>
+                <a:close/>
+              </a:path>
+            </a:pathLst>
+          </a:custGeom>
+          <a:noFill/>
+          <a:ln>
+            <a:extLst>
+              <a:ext uri="{C807C97D-BFC1-408E-A445-0C87EB9F89A2}">
+                <ask:lineSketchStyleProps xmlns:ask="http://schemas.microsoft.com/office/drawing/2018/sketchyshapes" sd="1617499634">
+                  <a:prstGeom prst="rect">
+                    <a:avLst/>
+                  </a:prstGeom>
+                  <ask:type>
+                    <ask:lineSketchFreehand/>
+                  </ask:type>
+                </ask:lineSketchStyleProps>
+              </a:ext>
+            </a:extLst>
+          </a:ln>
+        </p:spPr>
+        <p:style>
+          <a:lnRef idx="2">
+            <a:schemeClr val="accent1">
+              <a:shade val="15000"/>
+            </a:schemeClr>
+          </a:lnRef>
+          <a:fillRef idx="1">
+            <a:schemeClr val="accent1"/>
+          </a:fillRef>
+          <a:effectRef idx="0">
+            <a:schemeClr val="accent1"/>
+          </a:effectRef>
+          <a:fontRef idx="minor">
+            <a:schemeClr val="lt1"/>
+          </a:fontRef>
+        </p:style>
+        <p:txBody>
+          <a:bodyPr rtlCol="0" anchor="t" anchorCtr="0"/>
+          <a:lstStyle/>
+          <a:p>
+            <a:pPr algn="ctr"/>
+            <a:r>
+              <a:rPr lang="en-US" sz="2400" dirty="0">
+                <a:solidFill>
+                  <a:schemeClr val="accent1">
+                    <a:lumMod val="75000"/>
+                  </a:schemeClr>
+                </a:solidFill>
+              </a:rPr>
+              <a:t>Monitor Training Metrics</a:t>
+            </a:r>
+          </a:p>
+          <a:p>
+            <a:pPr algn="ctr"/>
+            <a:r>
+              <a:rPr lang="en-US" sz="2400" dirty="0">
+                <a:solidFill>
+                  <a:schemeClr val="accent1">
+                    <a:lumMod val="75000"/>
+                  </a:schemeClr>
+                </a:solidFill>
+              </a:rPr>
+              <a:t>(</a:t>
+            </a:r>
+            <a:r>
+              <a:rPr lang="en-US" sz="2400" dirty="0" err="1">
+                <a:solidFill>
+                  <a:schemeClr val="accent1">
+                    <a:lumMod val="75000"/>
+                  </a:schemeClr>
+                </a:solidFill>
+              </a:rPr>
+              <a:t>TensorBoard</a:t>
+            </a:r>
+            <a:r>
+              <a:rPr lang="en-US" sz="2400" dirty="0">
+                <a:solidFill>
+                  <a:schemeClr val="accent1">
+                    <a:lumMod val="75000"/>
+                  </a:schemeClr>
+                </a:solidFill>
+              </a:rPr>
+              <a:t>)</a:t>
+            </a:r>
+          </a:p>
+        </p:txBody>
+      </p:sp>
+      <p:pic>
+        <p:nvPicPr>
+          <p:cNvPr id="6" name="Picture 5">
+            <a:extLst>
+              <a:ext uri="{FF2B5EF4-FFF2-40B4-BE49-F238E27FC236}">
+                <a16:creationId xmlns:a16="http://schemas.microsoft.com/office/drawing/2014/main" id="{4A375318-CFCE-8274-14ED-769B5754CD2E}"/>
+              </a:ext>
+            </a:extLst>
+          </p:cNvPr>
+          <p:cNvPicPr>
+            <a:picLocks noChangeAspect="1"/>
+          </p:cNvPicPr>
+          <p:nvPr/>
+        </p:nvPicPr>
+        <p:blipFill>
+          <a:blip r:embed="rId3"/>
+          <a:stretch>
+            <a:fillRect/>
+          </a:stretch>
+        </p:blipFill>
+        <p:spPr>
+          <a:xfrm>
+            <a:off x="1445029" y="2253563"/>
+            <a:ext cx="3725487" cy="2814998"/>
+          </a:xfrm>
+          <a:prstGeom prst="rect">
+            <a:avLst/>
+          </a:prstGeom>
+        </p:spPr>
+      </p:pic>
+      <p:sp>
+        <p:nvSpPr>
+          <p:cNvPr id="7" name="Right Arrow 6">
+            <a:extLst>
+              <a:ext uri="{FF2B5EF4-FFF2-40B4-BE49-F238E27FC236}">
+                <a16:creationId xmlns:a16="http://schemas.microsoft.com/office/drawing/2014/main" id="{D5A88ABF-5479-61AC-3A3E-13B68E3EA7AB}"/>
+              </a:ext>
+            </a:extLst>
+          </p:cNvPr>
+          <p:cNvSpPr/>
+          <p:nvPr/>
+        </p:nvSpPr>
+        <p:spPr>
+          <a:xfrm>
+            <a:off x="5535455" y="3238959"/>
+            <a:ext cx="1442377" cy="844205"/>
+          </a:xfrm>
+          <a:custGeom>
+            <a:avLst/>
+            <a:gdLst>
+              <a:gd name="connsiteX0" fmla="*/ 0 w 1442377"/>
+              <a:gd name="connsiteY0" fmla="*/ 211051 h 844205"/>
+              <a:gd name="connsiteX1" fmla="*/ 499935 w 1442377"/>
+              <a:gd name="connsiteY1" fmla="*/ 211051 h 844205"/>
+              <a:gd name="connsiteX2" fmla="*/ 1020275 w 1442377"/>
+              <a:gd name="connsiteY2" fmla="*/ 211051 h 844205"/>
+              <a:gd name="connsiteX3" fmla="*/ 1020275 w 1442377"/>
+              <a:gd name="connsiteY3" fmla="*/ 0 h 844205"/>
+              <a:gd name="connsiteX4" fmla="*/ 1442377 w 1442377"/>
+              <a:gd name="connsiteY4" fmla="*/ 422103 h 844205"/>
+              <a:gd name="connsiteX5" fmla="*/ 1020275 w 1442377"/>
+              <a:gd name="connsiteY5" fmla="*/ 844205 h 844205"/>
+              <a:gd name="connsiteX6" fmla="*/ 1020275 w 1442377"/>
+              <a:gd name="connsiteY6" fmla="*/ 633154 h 844205"/>
+              <a:gd name="connsiteX7" fmla="*/ 530543 w 1442377"/>
+              <a:gd name="connsiteY7" fmla="*/ 633154 h 844205"/>
+              <a:gd name="connsiteX8" fmla="*/ 0 w 1442377"/>
+              <a:gd name="connsiteY8" fmla="*/ 633154 h 844205"/>
+              <a:gd name="connsiteX9" fmla="*/ 0 w 1442377"/>
+              <a:gd name="connsiteY9" fmla="*/ 211051 h 844205"/>
+            </a:gdLst>
+            <a:ahLst/>
+            <a:cxnLst>
+              <a:cxn ang="0">
+                <a:pos x="connsiteX0" y="connsiteY0"/>
+              </a:cxn>
+              <a:cxn ang="0">
+                <a:pos x="connsiteX1" y="connsiteY1"/>
+              </a:cxn>
+              <a:cxn ang="0">
+                <a:pos x="connsiteX2" y="connsiteY2"/>
+              </a:cxn>
+              <a:cxn ang="0">
+                <a:pos x="connsiteX3" y="connsiteY3"/>
+              </a:cxn>
+              <a:cxn ang="0">
+                <a:pos x="connsiteX4" y="connsiteY4"/>
+              </a:cxn>
+              <a:cxn ang="0">
+                <a:pos x="connsiteX5" y="connsiteY5"/>
+              </a:cxn>
+              <a:cxn ang="0">
+                <a:pos x="connsiteX6" y="connsiteY6"/>
+              </a:cxn>
+              <a:cxn ang="0">
+                <a:pos x="connsiteX7" y="connsiteY7"/>
+              </a:cxn>
+              <a:cxn ang="0">
+                <a:pos x="connsiteX8" y="connsiteY8"/>
+              </a:cxn>
+              <a:cxn ang="0">
+                <a:pos x="connsiteX9" y="connsiteY9"/>
+              </a:cxn>
+            </a:cxnLst>
+            <a:rect l="l" t="t" r="r" b="b"/>
+            <a:pathLst>
+              <a:path w="1442377" h="844205" extrusionOk="0">
+                <a:moveTo>
+                  <a:pt x="0" y="211051"/>
+                </a:moveTo>
+                <a:cubicBezTo>
+                  <a:pt x="152534" y="197518"/>
+                  <a:pt x="295595" y="206297"/>
+                  <a:pt x="499935" y="211051"/>
+                </a:cubicBezTo>
+                <a:cubicBezTo>
+                  <a:pt x="704276" y="215805"/>
+                  <a:pt x="887736" y="203217"/>
+                  <a:pt x="1020275" y="211051"/>
+                </a:cubicBezTo>
+                <a:cubicBezTo>
+                  <a:pt x="1024863" y="124993"/>
+                  <a:pt x="1018296" y="45057"/>
+                  <a:pt x="1020275" y="0"/>
+                </a:cubicBezTo>
+                <a:cubicBezTo>
+                  <a:pt x="1231028" y="179729"/>
+                  <a:pt x="1321060" y="309528"/>
+                  <a:pt x="1442377" y="422103"/>
+                </a:cubicBezTo>
+                <a:cubicBezTo>
+                  <a:pt x="1309069" y="561937"/>
+                  <a:pt x="1175388" y="652878"/>
+                  <a:pt x="1020275" y="844205"/>
+                </a:cubicBezTo>
+                <a:cubicBezTo>
+                  <a:pt x="1016347" y="780595"/>
+                  <a:pt x="1011069" y="721761"/>
+                  <a:pt x="1020275" y="633154"/>
+                </a:cubicBezTo>
+                <a:cubicBezTo>
+                  <a:pt x="849433" y="633609"/>
+                  <a:pt x="737896" y="608701"/>
+                  <a:pt x="530543" y="633154"/>
+                </a:cubicBezTo>
+                <a:cubicBezTo>
+                  <a:pt x="323190" y="657607"/>
+                  <a:pt x="159048" y="645426"/>
+                  <a:pt x="0" y="633154"/>
+                </a:cubicBezTo>
+                <a:cubicBezTo>
+                  <a:pt x="-20167" y="506366"/>
+                  <a:pt x="-6769" y="399310"/>
+                  <a:pt x="0" y="211051"/>
+                </a:cubicBezTo>
+                <a:close/>
+              </a:path>
+            </a:pathLst>
+          </a:custGeom>
+          <a:noFill/>
+          <a:ln>
+            <a:solidFill>
+              <a:schemeClr val="accent6">
+                <a:lumMod val="50000"/>
+              </a:schemeClr>
+            </a:solidFill>
+            <a:extLst>
+              <a:ext uri="{C807C97D-BFC1-408E-A445-0C87EB9F89A2}">
+                <ask:lineSketchStyleProps xmlns:ask="http://schemas.microsoft.com/office/drawing/2018/sketchyshapes" sd="1219033472">
+                  <a:prstGeom prst="rightArrow">
+                    <a:avLst/>
+                  </a:prstGeom>
+                  <ask:type>
+                    <ask:lineSketchFreehand/>
+                  </ask:type>
+                </ask:lineSketchStyleProps>
+              </a:ext>
+            </a:extLst>
+          </a:ln>
+        </p:spPr>
+        <p:style>
+          <a:lnRef idx="2">
+            <a:schemeClr val="accent1">
+              <a:shade val="15000"/>
+            </a:schemeClr>
+          </a:lnRef>
+          <a:fillRef idx="1">
+            <a:schemeClr val="accent1"/>
+          </a:fillRef>
+          <a:effectRef idx="0">
+            <a:schemeClr val="accent1"/>
+          </a:effectRef>
+          <a:fontRef idx="minor">
+            <a:schemeClr val="lt1"/>
+          </a:fontRef>
+        </p:style>
+        <p:txBody>
+          <a:bodyPr rtlCol="0" anchor="ctr"/>
+          <a:lstStyle/>
+          <a:p>
+            <a:pPr algn="ctr"/>
+            <a:endParaRPr lang="en-US"/>
+          </a:p>
+        </p:txBody>
+      </p:sp>
+    </p:spTree>
+    <p:extLst>
+      <p:ext uri="{BB962C8B-B14F-4D97-AF65-F5344CB8AC3E}">
+        <p14:creationId xmlns:p14="http://schemas.microsoft.com/office/powerpoint/2010/main" val="1395530967"/>
+      </p:ext>
+    </p:extLst>
+  </p:cSld>
+  <p:clrMapOvr>
+    <a:masterClrMapping/>
+  </p:clrMapOvr>
+</p:sld>
+</file>
+
+<file path=ppt/slides/slide11.xml><?xml version="1.0" encoding="utf-8"?>
+<p:sld xmlns:a="http://schemas.openxmlformats.org/drawingml/2006/main" xmlns:r="http://schemas.openxmlformats.org/officeDocument/2006/relationships" xmlns:p="http://schemas.openxmlformats.org/presentationml/2006/main">
+  <p:cSld>
+    <p:spTree>
+      <p:nvGrpSpPr>
+        <p:cNvPr id="1" name=""/>
+        <p:cNvGrpSpPr/>
+        <p:nvPr/>
+      </p:nvGrpSpPr>
+      <p:grpSpPr>
+        <a:xfrm>
+          <a:off x="0" y="0"/>
+          <a:ext cx="0" cy="0"/>
+          <a:chOff x="0" y="0"/>
+          <a:chExt cx="0" cy="0"/>
+        </a:xfrm>
+      </p:grpSpPr>
+      <p:pic>
+        <p:nvPicPr>
+          <p:cNvPr id="5" name="Picture 4">
+            <a:extLst>
+              <a:ext uri="{FF2B5EF4-FFF2-40B4-BE49-F238E27FC236}">
+                <a16:creationId xmlns:a16="http://schemas.microsoft.com/office/drawing/2014/main" id="{99823620-C937-2F6E-79A2-41CDB21A9F75}"/>
+              </a:ext>
+            </a:extLst>
+          </p:cNvPr>
+          <p:cNvPicPr>
+            <a:picLocks noChangeAspect="1"/>
+          </p:cNvPicPr>
+          <p:nvPr/>
+        </p:nvPicPr>
+        <p:blipFill>
+          <a:blip r:embed="rId2"/>
+          <a:stretch>
+            <a:fillRect/>
+          </a:stretch>
+        </p:blipFill>
+        <p:spPr>
+          <a:xfrm>
+            <a:off x="2992582" y="1816088"/>
+            <a:ext cx="5772496" cy="3555616"/>
+          </a:xfrm>
+          <a:prstGeom prst="rect">
+            <a:avLst/>
+          </a:prstGeom>
+        </p:spPr>
+      </p:pic>
+      <p:sp>
+        <p:nvSpPr>
+          <p:cNvPr id="4" name="Rectangle 3">
+            <a:extLst>
+              <a:ext uri="{FF2B5EF4-FFF2-40B4-BE49-F238E27FC236}">
+                <a16:creationId xmlns:a16="http://schemas.microsoft.com/office/drawing/2014/main" id="{4B195B6A-277A-E8BB-1960-4268AC3E7C86}"/>
+              </a:ext>
+            </a:extLst>
+          </p:cNvPr>
+          <p:cNvSpPr/>
+          <p:nvPr/>
+        </p:nvSpPr>
+        <p:spPr>
+          <a:xfrm>
+            <a:off x="1025237" y="1016000"/>
+            <a:ext cx="9975272" cy="4525817"/>
+          </a:xfrm>
+          <a:custGeom>
+            <a:avLst/>
+            <a:gdLst>
+              <a:gd name="connsiteX0" fmla="*/ 0 w 9975272"/>
+              <a:gd name="connsiteY0" fmla="*/ 0 h 4525817"/>
+              <a:gd name="connsiteX1" fmla="*/ 665018 w 9975272"/>
+              <a:gd name="connsiteY1" fmla="*/ 0 h 4525817"/>
+              <a:gd name="connsiteX2" fmla="*/ 1230284 w 9975272"/>
+              <a:gd name="connsiteY2" fmla="*/ 0 h 4525817"/>
+              <a:gd name="connsiteX3" fmla="*/ 1995054 w 9975272"/>
+              <a:gd name="connsiteY3" fmla="*/ 0 h 4525817"/>
+              <a:gd name="connsiteX4" fmla="*/ 2859578 w 9975272"/>
+              <a:gd name="connsiteY4" fmla="*/ 0 h 4525817"/>
+              <a:gd name="connsiteX5" fmla="*/ 3524596 w 9975272"/>
+              <a:gd name="connsiteY5" fmla="*/ 0 h 4525817"/>
+              <a:gd name="connsiteX6" fmla="*/ 4289367 w 9975272"/>
+              <a:gd name="connsiteY6" fmla="*/ 0 h 4525817"/>
+              <a:gd name="connsiteX7" fmla="*/ 4655127 w 9975272"/>
+              <a:gd name="connsiteY7" fmla="*/ 0 h 4525817"/>
+              <a:gd name="connsiteX8" fmla="*/ 5020887 w 9975272"/>
+              <a:gd name="connsiteY8" fmla="*/ 0 h 4525817"/>
+              <a:gd name="connsiteX9" fmla="*/ 5685905 w 9975272"/>
+              <a:gd name="connsiteY9" fmla="*/ 0 h 4525817"/>
+              <a:gd name="connsiteX10" fmla="*/ 6251170 w 9975272"/>
+              <a:gd name="connsiteY10" fmla="*/ 0 h 4525817"/>
+              <a:gd name="connsiteX11" fmla="*/ 6916189 w 9975272"/>
+              <a:gd name="connsiteY11" fmla="*/ 0 h 4525817"/>
+              <a:gd name="connsiteX12" fmla="*/ 7381701 w 9975272"/>
+              <a:gd name="connsiteY12" fmla="*/ 0 h 4525817"/>
+              <a:gd name="connsiteX13" fmla="*/ 8246225 w 9975272"/>
+              <a:gd name="connsiteY13" fmla="*/ 0 h 4525817"/>
+              <a:gd name="connsiteX14" fmla="*/ 8911243 w 9975272"/>
+              <a:gd name="connsiteY14" fmla="*/ 0 h 4525817"/>
+              <a:gd name="connsiteX15" fmla="*/ 9277003 w 9975272"/>
+              <a:gd name="connsiteY15" fmla="*/ 0 h 4525817"/>
+              <a:gd name="connsiteX16" fmla="*/ 9975272 w 9975272"/>
+              <a:gd name="connsiteY16" fmla="*/ 0 h 4525817"/>
+              <a:gd name="connsiteX17" fmla="*/ 9975272 w 9975272"/>
+              <a:gd name="connsiteY17" fmla="*/ 646545 h 4525817"/>
+              <a:gd name="connsiteX18" fmla="*/ 9975272 w 9975272"/>
+              <a:gd name="connsiteY18" fmla="*/ 1202574 h 4525817"/>
+              <a:gd name="connsiteX19" fmla="*/ 9975272 w 9975272"/>
+              <a:gd name="connsiteY19" fmla="*/ 1713345 h 4525817"/>
+              <a:gd name="connsiteX20" fmla="*/ 9975272 w 9975272"/>
+              <a:gd name="connsiteY20" fmla="*/ 2314632 h 4525817"/>
+              <a:gd name="connsiteX21" fmla="*/ 9975272 w 9975272"/>
+              <a:gd name="connsiteY21" fmla="*/ 2825403 h 4525817"/>
+              <a:gd name="connsiteX22" fmla="*/ 9975272 w 9975272"/>
+              <a:gd name="connsiteY22" fmla="*/ 3336174 h 4525817"/>
+              <a:gd name="connsiteX23" fmla="*/ 9975272 w 9975272"/>
+              <a:gd name="connsiteY23" fmla="*/ 4525817 h 4525817"/>
+              <a:gd name="connsiteX24" fmla="*/ 9609512 w 9975272"/>
+              <a:gd name="connsiteY24" fmla="*/ 4525817 h 4525817"/>
+              <a:gd name="connsiteX25" fmla="*/ 8744988 w 9975272"/>
+              <a:gd name="connsiteY25" fmla="*/ 4525817 h 4525817"/>
+              <a:gd name="connsiteX26" fmla="*/ 7880465 w 9975272"/>
+              <a:gd name="connsiteY26" fmla="*/ 4525817 h 4525817"/>
+              <a:gd name="connsiteX27" fmla="*/ 7015941 w 9975272"/>
+              <a:gd name="connsiteY27" fmla="*/ 4525817 h 4525817"/>
+              <a:gd name="connsiteX28" fmla="*/ 6251170 w 9975272"/>
+              <a:gd name="connsiteY28" fmla="*/ 4525817 h 4525817"/>
+              <a:gd name="connsiteX29" fmla="*/ 5685905 w 9975272"/>
+              <a:gd name="connsiteY29" fmla="*/ 4525817 h 4525817"/>
+              <a:gd name="connsiteX30" fmla="*/ 4921134 w 9975272"/>
+              <a:gd name="connsiteY30" fmla="*/ 4525817 h 4525817"/>
+              <a:gd name="connsiteX31" fmla="*/ 4056611 w 9975272"/>
+              <a:gd name="connsiteY31" fmla="*/ 4525817 h 4525817"/>
+              <a:gd name="connsiteX32" fmla="*/ 3591098 w 9975272"/>
+              <a:gd name="connsiteY32" fmla="*/ 4525817 h 4525817"/>
+              <a:gd name="connsiteX33" fmla="*/ 3225338 w 9975272"/>
+              <a:gd name="connsiteY33" fmla="*/ 4525817 h 4525817"/>
+              <a:gd name="connsiteX34" fmla="*/ 2560320 w 9975272"/>
+              <a:gd name="connsiteY34" fmla="*/ 4525817 h 4525817"/>
+              <a:gd name="connsiteX35" fmla="*/ 2194560 w 9975272"/>
+              <a:gd name="connsiteY35" fmla="*/ 4525817 h 4525817"/>
+              <a:gd name="connsiteX36" fmla="*/ 1429789 w 9975272"/>
+              <a:gd name="connsiteY36" fmla="*/ 4525817 h 4525817"/>
+              <a:gd name="connsiteX37" fmla="*/ 565265 w 9975272"/>
+              <a:gd name="connsiteY37" fmla="*/ 4525817 h 4525817"/>
+              <a:gd name="connsiteX38" fmla="*/ 0 w 9975272"/>
+              <a:gd name="connsiteY38" fmla="*/ 4525817 h 4525817"/>
+              <a:gd name="connsiteX39" fmla="*/ 0 w 9975272"/>
+              <a:gd name="connsiteY39" fmla="*/ 3924530 h 4525817"/>
+              <a:gd name="connsiteX40" fmla="*/ 0 w 9975272"/>
+              <a:gd name="connsiteY40" fmla="*/ 3187468 h 4525817"/>
+              <a:gd name="connsiteX41" fmla="*/ 0 w 9975272"/>
+              <a:gd name="connsiteY41" fmla="*/ 2495665 h 4525817"/>
+              <a:gd name="connsiteX42" fmla="*/ 0 w 9975272"/>
+              <a:gd name="connsiteY42" fmla="*/ 1939636 h 4525817"/>
+              <a:gd name="connsiteX43" fmla="*/ 0 w 9975272"/>
+              <a:gd name="connsiteY43" fmla="*/ 1428865 h 4525817"/>
+              <a:gd name="connsiteX44" fmla="*/ 0 w 9975272"/>
+              <a:gd name="connsiteY44" fmla="*/ 827578 h 4525817"/>
+              <a:gd name="connsiteX45" fmla="*/ 0 w 9975272"/>
+              <a:gd name="connsiteY45" fmla="*/ 0 h 4525817"/>
+            </a:gdLst>
+            <a:ahLst/>
+            <a:cxnLst>
+              <a:cxn ang="0">
+                <a:pos x="connsiteX0" y="connsiteY0"/>
+              </a:cxn>
+              <a:cxn ang="0">
+                <a:pos x="connsiteX1" y="connsiteY1"/>
+              </a:cxn>
+              <a:cxn ang="0">
+                <a:pos x="connsiteX2" y="connsiteY2"/>
+              </a:cxn>
+              <a:cxn ang="0">
+                <a:pos x="connsiteX3" y="connsiteY3"/>
+              </a:cxn>
+              <a:cxn ang="0">
+                <a:pos x="connsiteX4" y="connsiteY4"/>
+              </a:cxn>
+              <a:cxn ang="0">
+                <a:pos x="connsiteX5" y="connsiteY5"/>
+              </a:cxn>
+              <a:cxn ang="0">
+                <a:pos x="connsiteX6" y="connsiteY6"/>
+              </a:cxn>
+              <a:cxn ang="0">
+                <a:pos x="connsiteX7" y="connsiteY7"/>
+              </a:cxn>
+              <a:cxn ang="0">
+                <a:pos x="connsiteX8" y="connsiteY8"/>
+              </a:cxn>
+              <a:cxn ang="0">
+                <a:pos x="connsiteX9" y="connsiteY9"/>
+              </a:cxn>
+              <a:cxn ang="0">
+                <a:pos x="connsiteX10" y="connsiteY10"/>
+              </a:cxn>
+              <a:cxn ang="0">
+                <a:pos x="connsiteX11" y="connsiteY11"/>
+              </a:cxn>
+              <a:cxn ang="0">
+                <a:pos x="connsiteX12" y="connsiteY12"/>
+              </a:cxn>
+              <a:cxn ang="0">
+                <a:pos x="connsiteX13" y="connsiteY13"/>
+              </a:cxn>
+              <a:cxn ang="0">
+                <a:pos x="connsiteX14" y="connsiteY14"/>
+              </a:cxn>
+              <a:cxn ang="0">
+                <a:pos x="connsiteX15" y="connsiteY15"/>
+              </a:cxn>
+              <a:cxn ang="0">
+                <a:pos x="connsiteX16" y="connsiteY16"/>
+              </a:cxn>
+              <a:cxn ang="0">
+                <a:pos x="connsiteX17" y="connsiteY17"/>
+              </a:cxn>
+              <a:cxn ang="0">
+                <a:pos x="connsiteX18" y="connsiteY18"/>
+              </a:cxn>
+              <a:cxn ang="0">
+                <a:pos x="connsiteX19" y="connsiteY19"/>
+              </a:cxn>
+              <a:cxn ang="0">
+                <a:pos x="connsiteX20" y="connsiteY20"/>
+              </a:cxn>
+              <a:cxn ang="0">
+                <a:pos x="connsiteX21" y="connsiteY21"/>
+              </a:cxn>
+              <a:cxn ang="0">
+                <a:pos x="connsiteX22" y="connsiteY22"/>
+              </a:cxn>
+              <a:cxn ang="0">
+                <a:pos x="connsiteX23" y="connsiteY23"/>
+              </a:cxn>
+              <a:cxn ang="0">
+                <a:pos x="connsiteX24" y="connsiteY24"/>
+              </a:cxn>
+              <a:cxn ang="0">
+                <a:pos x="connsiteX25" y="connsiteY25"/>
+              </a:cxn>
+              <a:cxn ang="0">
+                <a:pos x="connsiteX26" y="connsiteY26"/>
+              </a:cxn>
+              <a:cxn ang="0">
+                <a:pos x="connsiteX27" y="connsiteY27"/>
+              </a:cxn>
+              <a:cxn ang="0">
+                <a:pos x="connsiteX28" y="connsiteY28"/>
+              </a:cxn>
+              <a:cxn ang="0">
+                <a:pos x="connsiteX29" y="connsiteY29"/>
+              </a:cxn>
+              <a:cxn ang="0">
+                <a:pos x="connsiteX30" y="connsiteY30"/>
+              </a:cxn>
+              <a:cxn ang="0">
+                <a:pos x="connsiteX31" y="connsiteY31"/>
+              </a:cxn>
+              <a:cxn ang="0">
+                <a:pos x="connsiteX32" y="connsiteY32"/>
+              </a:cxn>
+              <a:cxn ang="0">
+                <a:pos x="connsiteX33" y="connsiteY33"/>
+              </a:cxn>
+              <a:cxn ang="0">
+                <a:pos x="connsiteX34" y="connsiteY34"/>
+              </a:cxn>
+              <a:cxn ang="0">
+                <a:pos x="connsiteX35" y="connsiteY35"/>
+              </a:cxn>
+              <a:cxn ang="0">
+                <a:pos x="connsiteX36" y="connsiteY36"/>
+              </a:cxn>
+              <a:cxn ang="0">
+                <a:pos x="connsiteX37" y="connsiteY37"/>
+              </a:cxn>
+              <a:cxn ang="0">
+                <a:pos x="connsiteX38" y="connsiteY38"/>
+              </a:cxn>
+              <a:cxn ang="0">
+                <a:pos x="connsiteX39" y="connsiteY39"/>
+              </a:cxn>
+              <a:cxn ang="0">
+                <a:pos x="connsiteX40" y="connsiteY40"/>
+              </a:cxn>
+              <a:cxn ang="0">
+                <a:pos x="connsiteX41" y="connsiteY41"/>
+              </a:cxn>
+              <a:cxn ang="0">
+                <a:pos x="connsiteX42" y="connsiteY42"/>
+              </a:cxn>
+              <a:cxn ang="0">
+                <a:pos x="connsiteX43" y="connsiteY43"/>
+              </a:cxn>
+              <a:cxn ang="0">
+                <a:pos x="connsiteX44" y="connsiteY44"/>
+              </a:cxn>
+              <a:cxn ang="0">
+                <a:pos x="connsiteX45" y="connsiteY45"/>
+              </a:cxn>
+            </a:cxnLst>
+            <a:rect l="l" t="t" r="r" b="b"/>
+            <a:pathLst>
+              <a:path w="9975272" h="4525817" extrusionOk="0">
+                <a:moveTo>
+                  <a:pt x="0" y="0"/>
+                </a:moveTo>
+                <a:cubicBezTo>
+                  <a:pt x="316539" y="-19359"/>
+                  <a:pt x="412909" y="21845"/>
+                  <a:pt x="665018" y="0"/>
+                </a:cubicBezTo>
+                <a:cubicBezTo>
+                  <a:pt x="917127" y="-21845"/>
+                  <a:pt x="968359" y="-21479"/>
+                  <a:pt x="1230284" y="0"/>
+                </a:cubicBezTo>
+                <a:cubicBezTo>
+                  <a:pt x="1492209" y="21479"/>
+                  <a:pt x="1781547" y="-34315"/>
+                  <a:pt x="1995054" y="0"/>
+                </a:cubicBezTo>
+                <a:cubicBezTo>
+                  <a:pt x="2208561" y="34315"/>
+                  <a:pt x="2488485" y="13865"/>
+                  <a:pt x="2859578" y="0"/>
+                </a:cubicBezTo>
+                <a:cubicBezTo>
+                  <a:pt x="3230671" y="-13865"/>
+                  <a:pt x="3390283" y="22500"/>
+                  <a:pt x="3524596" y="0"/>
+                </a:cubicBezTo>
+                <a:cubicBezTo>
+                  <a:pt x="3658909" y="-22500"/>
+                  <a:pt x="3965438" y="1046"/>
+                  <a:pt x="4289367" y="0"/>
+                </a:cubicBezTo>
+                <a:cubicBezTo>
+                  <a:pt x="4613296" y="-1046"/>
+                  <a:pt x="4548688" y="-17031"/>
+                  <a:pt x="4655127" y="0"/>
+                </a:cubicBezTo>
+                <a:cubicBezTo>
+                  <a:pt x="4761566" y="17031"/>
+                  <a:pt x="4863415" y="13896"/>
+                  <a:pt x="5020887" y="0"/>
+                </a:cubicBezTo>
+                <a:cubicBezTo>
+                  <a:pt x="5178359" y="-13896"/>
+                  <a:pt x="5501307" y="23035"/>
+                  <a:pt x="5685905" y="0"/>
+                </a:cubicBezTo>
+                <a:cubicBezTo>
+                  <a:pt x="5870503" y="-23035"/>
+                  <a:pt x="6058989" y="9405"/>
+                  <a:pt x="6251170" y="0"/>
+                </a:cubicBezTo>
+                <a:cubicBezTo>
+                  <a:pt x="6443351" y="-9405"/>
+                  <a:pt x="6747719" y="262"/>
+                  <a:pt x="6916189" y="0"/>
+                </a:cubicBezTo>
+                <a:cubicBezTo>
+                  <a:pt x="7084659" y="-262"/>
+                  <a:pt x="7220083" y="-7651"/>
+                  <a:pt x="7381701" y="0"/>
+                </a:cubicBezTo>
+                <a:cubicBezTo>
+                  <a:pt x="7543319" y="7651"/>
+                  <a:pt x="7944873" y="-9519"/>
+                  <a:pt x="8246225" y="0"/>
+                </a:cubicBezTo>
+                <a:cubicBezTo>
+                  <a:pt x="8547577" y="9519"/>
+                  <a:pt x="8694788" y="30116"/>
+                  <a:pt x="8911243" y="0"/>
+                </a:cubicBezTo>
+                <a:cubicBezTo>
+                  <a:pt x="9127698" y="-30116"/>
+                  <a:pt x="9132965" y="-1270"/>
+                  <a:pt x="9277003" y="0"/>
+                </a:cubicBezTo>
+                <a:cubicBezTo>
+                  <a:pt x="9421041" y="1270"/>
+                  <a:pt x="9665487" y="-5127"/>
+                  <a:pt x="9975272" y="0"/>
+                </a:cubicBezTo>
+                <a:cubicBezTo>
+                  <a:pt x="10007501" y="234919"/>
+                  <a:pt x="9943933" y="367074"/>
+                  <a:pt x="9975272" y="646545"/>
+                </a:cubicBezTo>
+                <a:cubicBezTo>
+                  <a:pt x="10006611" y="926017"/>
+                  <a:pt x="9986031" y="1086898"/>
+                  <a:pt x="9975272" y="1202574"/>
+                </a:cubicBezTo>
+                <a:cubicBezTo>
+                  <a:pt x="9964513" y="1318250"/>
+                  <a:pt x="9968058" y="1556474"/>
+                  <a:pt x="9975272" y="1713345"/>
+                </a:cubicBezTo>
+                <a:cubicBezTo>
+                  <a:pt x="9982486" y="1870216"/>
+                  <a:pt x="9985424" y="2132716"/>
+                  <a:pt x="9975272" y="2314632"/>
+                </a:cubicBezTo>
+                <a:cubicBezTo>
+                  <a:pt x="9965120" y="2496548"/>
+                  <a:pt x="9982342" y="2593790"/>
+                  <a:pt x="9975272" y="2825403"/>
+                </a:cubicBezTo>
+                <a:cubicBezTo>
+                  <a:pt x="9968202" y="3057016"/>
+                  <a:pt x="9955187" y="3096532"/>
+                  <a:pt x="9975272" y="3336174"/>
+                </a:cubicBezTo>
+                <a:cubicBezTo>
+                  <a:pt x="9995357" y="3575816"/>
+                  <a:pt x="9934675" y="4277248"/>
+                  <a:pt x="9975272" y="4525817"/>
+                </a:cubicBezTo>
+                <a:cubicBezTo>
+                  <a:pt x="9835794" y="4534610"/>
+                  <a:pt x="9761824" y="4521810"/>
+                  <a:pt x="9609512" y="4525817"/>
+                </a:cubicBezTo>
+                <a:cubicBezTo>
+                  <a:pt x="9457200" y="4529824"/>
+                  <a:pt x="8961980" y="4551635"/>
+                  <a:pt x="8744988" y="4525817"/>
+                </a:cubicBezTo>
+                <a:cubicBezTo>
+                  <a:pt x="8527996" y="4499999"/>
+                  <a:pt x="8093788" y="4561698"/>
+                  <a:pt x="7880465" y="4525817"/>
+                </a:cubicBezTo>
+                <a:cubicBezTo>
+                  <a:pt x="7667142" y="4489936"/>
+                  <a:pt x="7284598" y="4507058"/>
+                  <a:pt x="7015941" y="4525817"/>
+                </a:cubicBezTo>
+                <a:cubicBezTo>
+                  <a:pt x="6747284" y="4544576"/>
+                  <a:pt x="6614705" y="4513996"/>
+                  <a:pt x="6251170" y="4525817"/>
+                </a:cubicBezTo>
+                <a:cubicBezTo>
+                  <a:pt x="5887635" y="4537638"/>
+                  <a:pt x="5948082" y="4524384"/>
+                  <a:pt x="5685905" y="4525817"/>
+                </a:cubicBezTo>
+                <a:cubicBezTo>
+                  <a:pt x="5423729" y="4527250"/>
+                  <a:pt x="5226910" y="4531581"/>
+                  <a:pt x="4921134" y="4525817"/>
+                </a:cubicBezTo>
+                <a:cubicBezTo>
+                  <a:pt x="4615358" y="4520053"/>
+                  <a:pt x="4284925" y="4555534"/>
+                  <a:pt x="4056611" y="4525817"/>
+                </a:cubicBezTo>
+                <a:cubicBezTo>
+                  <a:pt x="3828297" y="4496100"/>
+                  <a:pt x="3809662" y="4512317"/>
+                  <a:pt x="3591098" y="4525817"/>
+                </a:cubicBezTo>
+                <a:cubicBezTo>
+                  <a:pt x="3372534" y="4539317"/>
+                  <a:pt x="3301402" y="4513999"/>
+                  <a:pt x="3225338" y="4525817"/>
+                </a:cubicBezTo>
+                <a:cubicBezTo>
+                  <a:pt x="3149274" y="4537635"/>
+                  <a:pt x="2889545" y="4500662"/>
+                  <a:pt x="2560320" y="4525817"/>
+                </a:cubicBezTo>
+                <a:cubicBezTo>
+                  <a:pt x="2231095" y="4550972"/>
+                  <a:pt x="2317509" y="4508438"/>
+                  <a:pt x="2194560" y="4525817"/>
+                </a:cubicBezTo>
+                <a:cubicBezTo>
+                  <a:pt x="2071611" y="4543196"/>
+                  <a:pt x="1740677" y="4554528"/>
+                  <a:pt x="1429789" y="4525817"/>
+                </a:cubicBezTo>
+                <a:cubicBezTo>
+                  <a:pt x="1118901" y="4497106"/>
+                  <a:pt x="758220" y="4548763"/>
+                  <a:pt x="565265" y="4525817"/>
+                </a:cubicBezTo>
+                <a:cubicBezTo>
+                  <a:pt x="372310" y="4502871"/>
+                  <a:pt x="182206" y="4518765"/>
+                  <a:pt x="0" y="4525817"/>
+                </a:cubicBezTo>
+                <a:cubicBezTo>
+                  <a:pt x="5973" y="4302187"/>
+                  <a:pt x="-12486" y="4107722"/>
+                  <a:pt x="0" y="3924530"/>
+                </a:cubicBezTo>
+                <a:cubicBezTo>
+                  <a:pt x="12486" y="3741338"/>
+                  <a:pt x="-31947" y="3378960"/>
+                  <a:pt x="0" y="3187468"/>
+                </a:cubicBezTo>
+                <a:cubicBezTo>
+                  <a:pt x="31947" y="2995976"/>
+                  <a:pt x="-10995" y="2751986"/>
+                  <a:pt x="0" y="2495665"/>
+                </a:cubicBezTo>
+                <a:cubicBezTo>
+                  <a:pt x="10995" y="2239344"/>
+                  <a:pt x="-185" y="2216785"/>
+                  <a:pt x="0" y="1939636"/>
+                </a:cubicBezTo>
+                <a:cubicBezTo>
+                  <a:pt x="185" y="1662487"/>
+                  <a:pt x="22955" y="1603576"/>
+                  <a:pt x="0" y="1428865"/>
+                </a:cubicBezTo>
+                <a:cubicBezTo>
+                  <a:pt x="-22955" y="1254154"/>
+                  <a:pt x="728" y="997203"/>
+                  <a:pt x="0" y="827578"/>
+                </a:cubicBezTo>
+                <a:cubicBezTo>
+                  <a:pt x="-728" y="657953"/>
+                  <a:pt x="36569" y="299817"/>
+                  <a:pt x="0" y="0"/>
+                </a:cubicBezTo>
+                <a:close/>
+              </a:path>
+            </a:pathLst>
+          </a:custGeom>
+          <a:noFill/>
+          <a:ln>
+            <a:extLst>
+              <a:ext uri="{C807C97D-BFC1-408E-A445-0C87EB9F89A2}">
+                <ask:lineSketchStyleProps xmlns:ask="http://schemas.microsoft.com/office/drawing/2018/sketchyshapes" sd="1617499634">
+                  <a:prstGeom prst="rect">
+                    <a:avLst/>
+                  </a:prstGeom>
+                  <ask:type>
+                    <ask:lineSketchFreehand/>
+                  </ask:type>
+                </ask:lineSketchStyleProps>
+              </a:ext>
+            </a:extLst>
+          </a:ln>
+        </p:spPr>
+        <p:style>
+          <a:lnRef idx="2">
+            <a:schemeClr val="accent1">
+              <a:shade val="15000"/>
+            </a:schemeClr>
+          </a:lnRef>
+          <a:fillRef idx="1">
+            <a:schemeClr val="accent1"/>
+          </a:fillRef>
+          <a:effectRef idx="0">
+            <a:schemeClr val="accent1"/>
+          </a:effectRef>
+          <a:fontRef idx="minor">
+            <a:schemeClr val="lt1"/>
+          </a:fontRef>
+        </p:style>
+        <p:txBody>
+          <a:bodyPr rtlCol="0" anchor="t" anchorCtr="0"/>
+          <a:lstStyle/>
+          <a:p>
+            <a:pPr algn="ctr"/>
+            <a:r>
+              <a:rPr lang="en-US" sz="2400" dirty="0">
+                <a:solidFill>
+                  <a:schemeClr val="accent1">
+                    <a:lumMod val="75000"/>
+                  </a:schemeClr>
+                </a:solidFill>
+              </a:rPr>
+              <a:t>Visualize Training Performance</a:t>
+            </a:r>
+          </a:p>
+          <a:p>
+            <a:pPr algn="ctr"/>
+            <a:r>
+              <a:rPr lang="en-US" sz="2400" dirty="0">
+                <a:solidFill>
+                  <a:schemeClr val="accent1">
+                    <a:lumMod val="75000"/>
+                  </a:schemeClr>
+                </a:solidFill>
+              </a:rPr>
+              <a:t>(Kubeflow visualizations)</a:t>
+            </a:r>
+          </a:p>
+        </p:txBody>
+      </p:sp>
+    </p:spTree>
+    <p:extLst>
+      <p:ext uri="{BB962C8B-B14F-4D97-AF65-F5344CB8AC3E}">
+        <p14:creationId xmlns:p14="http://schemas.microsoft.com/office/powerpoint/2010/main" val="2149168844"/>
+      </p:ext>
+    </p:extLst>
+  </p:cSld>
+  <p:clrMapOvr>
+    <a:masterClrMapping/>
+  </p:clrMapOvr>
+</p:sld>
+</file>
+
+<file path=ppt/slides/slide12.xml><?xml version="1.0" encoding="utf-8"?>
+<p:sld xmlns:a="http://schemas.openxmlformats.org/drawingml/2006/main" xmlns:r="http://schemas.openxmlformats.org/officeDocument/2006/relationships" xmlns:p="http://schemas.openxmlformats.org/presentationml/2006/main">
+  <p:cSld>
+    <p:spTree>
+      <p:nvGrpSpPr>
+        <p:cNvPr id="1" name=""/>
+        <p:cNvGrpSpPr/>
+        <p:nvPr/>
+      </p:nvGrpSpPr>
+      <p:grpSpPr>
+        <a:xfrm>
+          <a:off x="0" y="0"/>
+          <a:ext cx="0" cy="0"/>
+          <a:chOff x="0" y="0"/>
+          <a:chExt cx="0" cy="0"/>
+        </a:xfrm>
+      </p:grpSpPr>
+      <p:sp>
+        <p:nvSpPr>
+          <p:cNvPr id="4" name="Rectangle 3">
+            <a:extLst>
+              <a:ext uri="{FF2B5EF4-FFF2-40B4-BE49-F238E27FC236}">
+                <a16:creationId xmlns:a16="http://schemas.microsoft.com/office/drawing/2014/main" id="{700144F0-B4BF-9878-653D-A5C3473D973D}"/>
+              </a:ext>
+            </a:extLst>
+          </p:cNvPr>
+          <p:cNvSpPr/>
+          <p:nvPr/>
+        </p:nvSpPr>
+        <p:spPr>
+          <a:xfrm>
+            <a:off x="1025237" y="1016000"/>
+            <a:ext cx="9975272" cy="4525817"/>
+          </a:xfrm>
+          <a:custGeom>
+            <a:avLst/>
+            <a:gdLst>
+              <a:gd name="connsiteX0" fmla="*/ 0 w 9975272"/>
+              <a:gd name="connsiteY0" fmla="*/ 0 h 4525817"/>
+              <a:gd name="connsiteX1" fmla="*/ 665018 w 9975272"/>
+              <a:gd name="connsiteY1" fmla="*/ 0 h 4525817"/>
+              <a:gd name="connsiteX2" fmla="*/ 1230284 w 9975272"/>
+              <a:gd name="connsiteY2" fmla="*/ 0 h 4525817"/>
+              <a:gd name="connsiteX3" fmla="*/ 1995054 w 9975272"/>
+              <a:gd name="connsiteY3" fmla="*/ 0 h 4525817"/>
+              <a:gd name="connsiteX4" fmla="*/ 2859578 w 9975272"/>
+              <a:gd name="connsiteY4" fmla="*/ 0 h 4525817"/>
+              <a:gd name="connsiteX5" fmla="*/ 3524596 w 9975272"/>
+              <a:gd name="connsiteY5" fmla="*/ 0 h 4525817"/>
+              <a:gd name="connsiteX6" fmla="*/ 4289367 w 9975272"/>
+              <a:gd name="connsiteY6" fmla="*/ 0 h 4525817"/>
+              <a:gd name="connsiteX7" fmla="*/ 4655127 w 9975272"/>
+              <a:gd name="connsiteY7" fmla="*/ 0 h 4525817"/>
+              <a:gd name="connsiteX8" fmla="*/ 5020887 w 9975272"/>
+              <a:gd name="connsiteY8" fmla="*/ 0 h 4525817"/>
+              <a:gd name="connsiteX9" fmla="*/ 5685905 w 9975272"/>
+              <a:gd name="connsiteY9" fmla="*/ 0 h 4525817"/>
+              <a:gd name="connsiteX10" fmla="*/ 6251170 w 9975272"/>
+              <a:gd name="connsiteY10" fmla="*/ 0 h 4525817"/>
+              <a:gd name="connsiteX11" fmla="*/ 6916189 w 9975272"/>
+              <a:gd name="connsiteY11" fmla="*/ 0 h 4525817"/>
+              <a:gd name="connsiteX12" fmla="*/ 7381701 w 9975272"/>
+              <a:gd name="connsiteY12" fmla="*/ 0 h 4525817"/>
+              <a:gd name="connsiteX13" fmla="*/ 8246225 w 9975272"/>
+              <a:gd name="connsiteY13" fmla="*/ 0 h 4525817"/>
+              <a:gd name="connsiteX14" fmla="*/ 8911243 w 9975272"/>
+              <a:gd name="connsiteY14" fmla="*/ 0 h 4525817"/>
+              <a:gd name="connsiteX15" fmla="*/ 9277003 w 9975272"/>
+              <a:gd name="connsiteY15" fmla="*/ 0 h 4525817"/>
+              <a:gd name="connsiteX16" fmla="*/ 9975272 w 9975272"/>
+              <a:gd name="connsiteY16" fmla="*/ 0 h 4525817"/>
+              <a:gd name="connsiteX17" fmla="*/ 9975272 w 9975272"/>
+              <a:gd name="connsiteY17" fmla="*/ 646545 h 4525817"/>
+              <a:gd name="connsiteX18" fmla="*/ 9975272 w 9975272"/>
+              <a:gd name="connsiteY18" fmla="*/ 1202574 h 4525817"/>
+              <a:gd name="connsiteX19" fmla="*/ 9975272 w 9975272"/>
+              <a:gd name="connsiteY19" fmla="*/ 1713345 h 4525817"/>
+              <a:gd name="connsiteX20" fmla="*/ 9975272 w 9975272"/>
+              <a:gd name="connsiteY20" fmla="*/ 2314632 h 4525817"/>
+              <a:gd name="connsiteX21" fmla="*/ 9975272 w 9975272"/>
+              <a:gd name="connsiteY21" fmla="*/ 2825403 h 4525817"/>
+              <a:gd name="connsiteX22" fmla="*/ 9975272 w 9975272"/>
+              <a:gd name="connsiteY22" fmla="*/ 3336174 h 4525817"/>
+              <a:gd name="connsiteX23" fmla="*/ 9975272 w 9975272"/>
+              <a:gd name="connsiteY23" fmla="*/ 4525817 h 4525817"/>
+              <a:gd name="connsiteX24" fmla="*/ 9609512 w 9975272"/>
+              <a:gd name="connsiteY24" fmla="*/ 4525817 h 4525817"/>
+              <a:gd name="connsiteX25" fmla="*/ 8744988 w 9975272"/>
+              <a:gd name="connsiteY25" fmla="*/ 4525817 h 4525817"/>
+              <a:gd name="connsiteX26" fmla="*/ 7880465 w 9975272"/>
+              <a:gd name="connsiteY26" fmla="*/ 4525817 h 4525817"/>
+              <a:gd name="connsiteX27" fmla="*/ 7015941 w 9975272"/>
+              <a:gd name="connsiteY27" fmla="*/ 4525817 h 4525817"/>
+              <a:gd name="connsiteX28" fmla="*/ 6251170 w 9975272"/>
+              <a:gd name="connsiteY28" fmla="*/ 4525817 h 4525817"/>
+              <a:gd name="connsiteX29" fmla="*/ 5685905 w 9975272"/>
+              <a:gd name="connsiteY29" fmla="*/ 4525817 h 4525817"/>
+              <a:gd name="connsiteX30" fmla="*/ 4921134 w 9975272"/>
+              <a:gd name="connsiteY30" fmla="*/ 4525817 h 4525817"/>
+              <a:gd name="connsiteX31" fmla="*/ 4056611 w 9975272"/>
+              <a:gd name="connsiteY31" fmla="*/ 4525817 h 4525817"/>
+              <a:gd name="connsiteX32" fmla="*/ 3591098 w 9975272"/>
+              <a:gd name="connsiteY32" fmla="*/ 4525817 h 4525817"/>
+              <a:gd name="connsiteX33" fmla="*/ 3225338 w 9975272"/>
+              <a:gd name="connsiteY33" fmla="*/ 4525817 h 4525817"/>
+              <a:gd name="connsiteX34" fmla="*/ 2560320 w 9975272"/>
+              <a:gd name="connsiteY34" fmla="*/ 4525817 h 4525817"/>
+              <a:gd name="connsiteX35" fmla="*/ 2194560 w 9975272"/>
+              <a:gd name="connsiteY35" fmla="*/ 4525817 h 4525817"/>
+              <a:gd name="connsiteX36" fmla="*/ 1429789 w 9975272"/>
+              <a:gd name="connsiteY36" fmla="*/ 4525817 h 4525817"/>
+              <a:gd name="connsiteX37" fmla="*/ 565265 w 9975272"/>
+              <a:gd name="connsiteY37" fmla="*/ 4525817 h 4525817"/>
+              <a:gd name="connsiteX38" fmla="*/ 0 w 9975272"/>
+              <a:gd name="connsiteY38" fmla="*/ 4525817 h 4525817"/>
+              <a:gd name="connsiteX39" fmla="*/ 0 w 9975272"/>
+              <a:gd name="connsiteY39" fmla="*/ 3924530 h 4525817"/>
+              <a:gd name="connsiteX40" fmla="*/ 0 w 9975272"/>
+              <a:gd name="connsiteY40" fmla="*/ 3187468 h 4525817"/>
+              <a:gd name="connsiteX41" fmla="*/ 0 w 9975272"/>
+              <a:gd name="connsiteY41" fmla="*/ 2495665 h 4525817"/>
+              <a:gd name="connsiteX42" fmla="*/ 0 w 9975272"/>
+              <a:gd name="connsiteY42" fmla="*/ 1939636 h 4525817"/>
+              <a:gd name="connsiteX43" fmla="*/ 0 w 9975272"/>
+              <a:gd name="connsiteY43" fmla="*/ 1428865 h 4525817"/>
+              <a:gd name="connsiteX44" fmla="*/ 0 w 9975272"/>
+              <a:gd name="connsiteY44" fmla="*/ 827578 h 4525817"/>
+              <a:gd name="connsiteX45" fmla="*/ 0 w 9975272"/>
+              <a:gd name="connsiteY45" fmla="*/ 0 h 4525817"/>
+            </a:gdLst>
+            <a:ahLst/>
+            <a:cxnLst>
+              <a:cxn ang="0">
+                <a:pos x="connsiteX0" y="connsiteY0"/>
+              </a:cxn>
+              <a:cxn ang="0">
+                <a:pos x="connsiteX1" y="connsiteY1"/>
+              </a:cxn>
+              <a:cxn ang="0">
+                <a:pos x="connsiteX2" y="connsiteY2"/>
+              </a:cxn>
+              <a:cxn ang="0">
+                <a:pos x="connsiteX3" y="connsiteY3"/>
+              </a:cxn>
+              <a:cxn ang="0">
+                <a:pos x="connsiteX4" y="connsiteY4"/>
+              </a:cxn>
+              <a:cxn ang="0">
+                <a:pos x="connsiteX5" y="connsiteY5"/>
+              </a:cxn>
+              <a:cxn ang="0">
+                <a:pos x="connsiteX6" y="connsiteY6"/>
+              </a:cxn>
+              <a:cxn ang="0">
+                <a:pos x="connsiteX7" y="connsiteY7"/>
+              </a:cxn>
+              <a:cxn ang="0">
+                <a:pos x="connsiteX8" y="connsiteY8"/>
+              </a:cxn>
+              <a:cxn ang="0">
+                <a:pos x="connsiteX9" y="connsiteY9"/>
+              </a:cxn>
+              <a:cxn ang="0">
+                <a:pos x="connsiteX10" y="connsiteY10"/>
+              </a:cxn>
+              <a:cxn ang="0">
+                <a:pos x="connsiteX11" y="connsiteY11"/>
+              </a:cxn>
+              <a:cxn ang="0">
+                <a:pos x="connsiteX12" y="connsiteY12"/>
+              </a:cxn>
+              <a:cxn ang="0">
+                <a:pos x="connsiteX13" y="connsiteY13"/>
+              </a:cxn>
+              <a:cxn ang="0">
+                <a:pos x="connsiteX14" y="connsiteY14"/>
+              </a:cxn>
+              <a:cxn ang="0">
+                <a:pos x="connsiteX15" y="connsiteY15"/>
+              </a:cxn>
+              <a:cxn ang="0">
+                <a:pos x="connsiteX16" y="connsiteY16"/>
+              </a:cxn>
+              <a:cxn ang="0">
+                <a:pos x="connsiteX17" y="connsiteY17"/>
+              </a:cxn>
+              <a:cxn ang="0">
+                <a:pos x="connsiteX18" y="connsiteY18"/>
+              </a:cxn>
+              <a:cxn ang="0">
+                <a:pos x="connsiteX19" y="connsiteY19"/>
+              </a:cxn>
+              <a:cxn ang="0">
+                <a:pos x="connsiteX20" y="connsiteY20"/>
+              </a:cxn>
+              <a:cxn ang="0">
+                <a:pos x="connsiteX21" y="connsiteY21"/>
+              </a:cxn>
+              <a:cxn ang="0">
+                <a:pos x="connsiteX22" y="connsiteY22"/>
+              </a:cxn>
+              <a:cxn ang="0">
+                <a:pos x="connsiteX23" y="connsiteY23"/>
+              </a:cxn>
+              <a:cxn ang="0">
+                <a:pos x="connsiteX24" y="connsiteY24"/>
+              </a:cxn>
+              <a:cxn ang="0">
+                <a:pos x="connsiteX25" y="connsiteY25"/>
+              </a:cxn>
+              <a:cxn ang="0">
+                <a:pos x="connsiteX26" y="connsiteY26"/>
+              </a:cxn>
+              <a:cxn ang="0">
+                <a:pos x="connsiteX27" y="connsiteY27"/>
+              </a:cxn>
+              <a:cxn ang="0">
+                <a:pos x="connsiteX28" y="connsiteY28"/>
+              </a:cxn>
+              <a:cxn ang="0">
+                <a:pos x="connsiteX29" y="connsiteY29"/>
+              </a:cxn>
+              <a:cxn ang="0">
+                <a:pos x="connsiteX30" y="connsiteY30"/>
+              </a:cxn>
+              <a:cxn ang="0">
+                <a:pos x="connsiteX31" y="connsiteY31"/>
+              </a:cxn>
+              <a:cxn ang="0">
+                <a:pos x="connsiteX32" y="connsiteY32"/>
+              </a:cxn>
+              <a:cxn ang="0">
+                <a:pos x="connsiteX33" y="connsiteY33"/>
+              </a:cxn>
+              <a:cxn ang="0">
+                <a:pos x="connsiteX34" y="connsiteY34"/>
+              </a:cxn>
+              <a:cxn ang="0">
+                <a:pos x="connsiteX35" y="connsiteY35"/>
+              </a:cxn>
+              <a:cxn ang="0">
+                <a:pos x="connsiteX36" y="connsiteY36"/>
+              </a:cxn>
+              <a:cxn ang="0">
+                <a:pos x="connsiteX37" y="connsiteY37"/>
+              </a:cxn>
+              <a:cxn ang="0">
+                <a:pos x="connsiteX38" y="connsiteY38"/>
+              </a:cxn>
+              <a:cxn ang="0">
+                <a:pos x="connsiteX39" y="connsiteY39"/>
+              </a:cxn>
+              <a:cxn ang="0">
+                <a:pos x="connsiteX40" y="connsiteY40"/>
+              </a:cxn>
+              <a:cxn ang="0">
+                <a:pos x="connsiteX41" y="connsiteY41"/>
+              </a:cxn>
+              <a:cxn ang="0">
+                <a:pos x="connsiteX42" y="connsiteY42"/>
+              </a:cxn>
+              <a:cxn ang="0">
+                <a:pos x="connsiteX43" y="connsiteY43"/>
+              </a:cxn>
+              <a:cxn ang="0">
+                <a:pos x="connsiteX44" y="connsiteY44"/>
+              </a:cxn>
+              <a:cxn ang="0">
+                <a:pos x="connsiteX45" y="connsiteY45"/>
+              </a:cxn>
+            </a:cxnLst>
+            <a:rect l="l" t="t" r="r" b="b"/>
+            <a:pathLst>
+              <a:path w="9975272" h="4525817" extrusionOk="0">
+                <a:moveTo>
+                  <a:pt x="0" y="0"/>
+                </a:moveTo>
+                <a:cubicBezTo>
+                  <a:pt x="316539" y="-19359"/>
+                  <a:pt x="412909" y="21845"/>
+                  <a:pt x="665018" y="0"/>
+                </a:cubicBezTo>
+                <a:cubicBezTo>
+                  <a:pt x="917127" y="-21845"/>
+                  <a:pt x="968359" y="-21479"/>
+                  <a:pt x="1230284" y="0"/>
+                </a:cubicBezTo>
+                <a:cubicBezTo>
+                  <a:pt x="1492209" y="21479"/>
+                  <a:pt x="1781547" y="-34315"/>
+                  <a:pt x="1995054" y="0"/>
+                </a:cubicBezTo>
+                <a:cubicBezTo>
+                  <a:pt x="2208561" y="34315"/>
+                  <a:pt x="2488485" y="13865"/>
+                  <a:pt x="2859578" y="0"/>
+                </a:cubicBezTo>
+                <a:cubicBezTo>
+                  <a:pt x="3230671" y="-13865"/>
+                  <a:pt x="3390283" y="22500"/>
+                  <a:pt x="3524596" y="0"/>
+                </a:cubicBezTo>
+                <a:cubicBezTo>
+                  <a:pt x="3658909" y="-22500"/>
+                  <a:pt x="3965438" y="1046"/>
+                  <a:pt x="4289367" y="0"/>
+                </a:cubicBezTo>
+                <a:cubicBezTo>
+                  <a:pt x="4613296" y="-1046"/>
+                  <a:pt x="4548688" y="-17031"/>
+                  <a:pt x="4655127" y="0"/>
+                </a:cubicBezTo>
+                <a:cubicBezTo>
+                  <a:pt x="4761566" y="17031"/>
+                  <a:pt x="4863415" y="13896"/>
+                  <a:pt x="5020887" y="0"/>
+                </a:cubicBezTo>
+                <a:cubicBezTo>
+                  <a:pt x="5178359" y="-13896"/>
+                  <a:pt x="5501307" y="23035"/>
+                  <a:pt x="5685905" y="0"/>
+                </a:cubicBezTo>
+                <a:cubicBezTo>
+                  <a:pt x="5870503" y="-23035"/>
+                  <a:pt x="6058989" y="9405"/>
+                  <a:pt x="6251170" y="0"/>
+                </a:cubicBezTo>
+                <a:cubicBezTo>
+                  <a:pt x="6443351" y="-9405"/>
+                  <a:pt x="6747719" y="262"/>
+                  <a:pt x="6916189" y="0"/>
+                </a:cubicBezTo>
+                <a:cubicBezTo>
+                  <a:pt x="7084659" y="-262"/>
+                  <a:pt x="7220083" y="-7651"/>
+                  <a:pt x="7381701" y="0"/>
+                </a:cubicBezTo>
+                <a:cubicBezTo>
+                  <a:pt x="7543319" y="7651"/>
+                  <a:pt x="7944873" y="-9519"/>
+                  <a:pt x="8246225" y="0"/>
+                </a:cubicBezTo>
+                <a:cubicBezTo>
+                  <a:pt x="8547577" y="9519"/>
+                  <a:pt x="8694788" y="30116"/>
+                  <a:pt x="8911243" y="0"/>
+                </a:cubicBezTo>
+                <a:cubicBezTo>
+                  <a:pt x="9127698" y="-30116"/>
+                  <a:pt x="9132965" y="-1270"/>
+                  <a:pt x="9277003" y="0"/>
+                </a:cubicBezTo>
+                <a:cubicBezTo>
+                  <a:pt x="9421041" y="1270"/>
+                  <a:pt x="9665487" y="-5127"/>
+                  <a:pt x="9975272" y="0"/>
+                </a:cubicBezTo>
+                <a:cubicBezTo>
+                  <a:pt x="10007501" y="234919"/>
+                  <a:pt x="9943933" y="367074"/>
+                  <a:pt x="9975272" y="646545"/>
+                </a:cubicBezTo>
+                <a:cubicBezTo>
+                  <a:pt x="10006611" y="926017"/>
+                  <a:pt x="9986031" y="1086898"/>
+                  <a:pt x="9975272" y="1202574"/>
+                </a:cubicBezTo>
+                <a:cubicBezTo>
+                  <a:pt x="9964513" y="1318250"/>
+                  <a:pt x="9968058" y="1556474"/>
+                  <a:pt x="9975272" y="1713345"/>
+                </a:cubicBezTo>
+                <a:cubicBezTo>
+                  <a:pt x="9982486" y="1870216"/>
+                  <a:pt x="9985424" y="2132716"/>
+                  <a:pt x="9975272" y="2314632"/>
+                </a:cubicBezTo>
+                <a:cubicBezTo>
+                  <a:pt x="9965120" y="2496548"/>
+                  <a:pt x="9982342" y="2593790"/>
+                  <a:pt x="9975272" y="2825403"/>
+                </a:cubicBezTo>
+                <a:cubicBezTo>
+                  <a:pt x="9968202" y="3057016"/>
+                  <a:pt x="9955187" y="3096532"/>
+                  <a:pt x="9975272" y="3336174"/>
+                </a:cubicBezTo>
+                <a:cubicBezTo>
+                  <a:pt x="9995357" y="3575816"/>
+                  <a:pt x="9934675" y="4277248"/>
+                  <a:pt x="9975272" y="4525817"/>
+                </a:cubicBezTo>
+                <a:cubicBezTo>
+                  <a:pt x="9835794" y="4534610"/>
+                  <a:pt x="9761824" y="4521810"/>
+                  <a:pt x="9609512" y="4525817"/>
+                </a:cubicBezTo>
+                <a:cubicBezTo>
+                  <a:pt x="9457200" y="4529824"/>
+                  <a:pt x="8961980" y="4551635"/>
+                  <a:pt x="8744988" y="4525817"/>
+                </a:cubicBezTo>
+                <a:cubicBezTo>
+                  <a:pt x="8527996" y="4499999"/>
+                  <a:pt x="8093788" y="4561698"/>
+                  <a:pt x="7880465" y="4525817"/>
+                </a:cubicBezTo>
+                <a:cubicBezTo>
+                  <a:pt x="7667142" y="4489936"/>
+                  <a:pt x="7284598" y="4507058"/>
+                  <a:pt x="7015941" y="4525817"/>
+                </a:cubicBezTo>
+                <a:cubicBezTo>
+                  <a:pt x="6747284" y="4544576"/>
+                  <a:pt x="6614705" y="4513996"/>
+                  <a:pt x="6251170" y="4525817"/>
+                </a:cubicBezTo>
+                <a:cubicBezTo>
+                  <a:pt x="5887635" y="4537638"/>
+                  <a:pt x="5948082" y="4524384"/>
+                  <a:pt x="5685905" y="4525817"/>
+                </a:cubicBezTo>
+                <a:cubicBezTo>
+                  <a:pt x="5423729" y="4527250"/>
+                  <a:pt x="5226910" y="4531581"/>
+                  <a:pt x="4921134" y="4525817"/>
+                </a:cubicBezTo>
+                <a:cubicBezTo>
+                  <a:pt x="4615358" y="4520053"/>
+                  <a:pt x="4284925" y="4555534"/>
+                  <a:pt x="4056611" y="4525817"/>
+                </a:cubicBezTo>
+                <a:cubicBezTo>
+                  <a:pt x="3828297" y="4496100"/>
+                  <a:pt x="3809662" y="4512317"/>
+                  <a:pt x="3591098" y="4525817"/>
+                </a:cubicBezTo>
+                <a:cubicBezTo>
+                  <a:pt x="3372534" y="4539317"/>
+                  <a:pt x="3301402" y="4513999"/>
+                  <a:pt x="3225338" y="4525817"/>
+                </a:cubicBezTo>
+                <a:cubicBezTo>
+                  <a:pt x="3149274" y="4537635"/>
+                  <a:pt x="2889545" y="4500662"/>
+                  <a:pt x="2560320" y="4525817"/>
+                </a:cubicBezTo>
+                <a:cubicBezTo>
+                  <a:pt x="2231095" y="4550972"/>
+                  <a:pt x="2317509" y="4508438"/>
+                  <a:pt x="2194560" y="4525817"/>
+                </a:cubicBezTo>
+                <a:cubicBezTo>
+                  <a:pt x="2071611" y="4543196"/>
+                  <a:pt x="1740677" y="4554528"/>
+                  <a:pt x="1429789" y="4525817"/>
+                </a:cubicBezTo>
+                <a:cubicBezTo>
+                  <a:pt x="1118901" y="4497106"/>
+                  <a:pt x="758220" y="4548763"/>
+                  <a:pt x="565265" y="4525817"/>
+                </a:cubicBezTo>
+                <a:cubicBezTo>
+                  <a:pt x="372310" y="4502871"/>
+                  <a:pt x="182206" y="4518765"/>
+                  <a:pt x="0" y="4525817"/>
+                </a:cubicBezTo>
+                <a:cubicBezTo>
+                  <a:pt x="5973" y="4302187"/>
+                  <a:pt x="-12486" y="4107722"/>
+                  <a:pt x="0" y="3924530"/>
+                </a:cubicBezTo>
+                <a:cubicBezTo>
+                  <a:pt x="12486" y="3741338"/>
+                  <a:pt x="-31947" y="3378960"/>
+                  <a:pt x="0" y="3187468"/>
+                </a:cubicBezTo>
+                <a:cubicBezTo>
+                  <a:pt x="31947" y="2995976"/>
+                  <a:pt x="-10995" y="2751986"/>
+                  <a:pt x="0" y="2495665"/>
+                </a:cubicBezTo>
+                <a:cubicBezTo>
+                  <a:pt x="10995" y="2239344"/>
+                  <a:pt x="-185" y="2216785"/>
+                  <a:pt x="0" y="1939636"/>
+                </a:cubicBezTo>
+                <a:cubicBezTo>
+                  <a:pt x="185" y="1662487"/>
+                  <a:pt x="22955" y="1603576"/>
+                  <a:pt x="0" y="1428865"/>
+                </a:cubicBezTo>
+                <a:cubicBezTo>
+                  <a:pt x="-22955" y="1254154"/>
+                  <a:pt x="728" y="997203"/>
+                  <a:pt x="0" y="827578"/>
+                </a:cubicBezTo>
+                <a:cubicBezTo>
+                  <a:pt x="-728" y="657953"/>
+                  <a:pt x="36569" y="299817"/>
+                  <a:pt x="0" y="0"/>
+                </a:cubicBezTo>
+                <a:close/>
+              </a:path>
+            </a:pathLst>
+          </a:custGeom>
+          <a:noFill/>
+          <a:ln>
+            <a:extLst>
+              <a:ext uri="{C807C97D-BFC1-408E-A445-0C87EB9F89A2}">
+                <ask:lineSketchStyleProps xmlns:ask="http://schemas.microsoft.com/office/drawing/2018/sketchyshapes" sd="1617499634">
+                  <a:prstGeom prst="rect">
+                    <a:avLst/>
+                  </a:prstGeom>
+                  <ask:type>
+                    <ask:lineSketchFreehand/>
+                  </ask:type>
+                </ask:lineSketchStyleProps>
+              </a:ext>
+            </a:extLst>
+          </a:ln>
+        </p:spPr>
+        <p:style>
+          <a:lnRef idx="2">
+            <a:schemeClr val="accent1">
+              <a:shade val="15000"/>
+            </a:schemeClr>
+          </a:lnRef>
+          <a:fillRef idx="1">
+            <a:schemeClr val="accent1"/>
+          </a:fillRef>
+          <a:effectRef idx="0">
+            <a:schemeClr val="accent1"/>
+          </a:effectRef>
+          <a:fontRef idx="minor">
+            <a:schemeClr val="lt1"/>
+          </a:fontRef>
+        </p:style>
+        <p:txBody>
+          <a:bodyPr rtlCol="0" anchor="t" anchorCtr="0"/>
+          <a:lstStyle/>
+          <a:p>
+            <a:pPr algn="ctr"/>
+            <a:r>
+              <a:rPr lang="en-US" sz="2400" dirty="0">
+                <a:solidFill>
+                  <a:schemeClr val="accent1">
+                    <a:lumMod val="75000"/>
+                  </a:schemeClr>
+                </a:solidFill>
+              </a:rPr>
+              <a:t>Report Model Performance on Test Data</a:t>
+            </a:r>
+          </a:p>
+          <a:p>
+            <a:pPr algn="ctr"/>
+            <a:r>
+              <a:rPr lang="en-US" sz="2400" dirty="0">
+                <a:solidFill>
+                  <a:schemeClr val="accent1">
+                    <a:lumMod val="75000"/>
+                  </a:schemeClr>
+                </a:solidFill>
+              </a:rPr>
+              <a:t>(Evidently AI)</a:t>
+            </a:r>
+          </a:p>
+        </p:txBody>
+      </p:sp>
+      <p:pic>
+        <p:nvPicPr>
+          <p:cNvPr id="5" name="Picture 4">
+            <a:extLst>
+              <a:ext uri="{FF2B5EF4-FFF2-40B4-BE49-F238E27FC236}">
+                <a16:creationId xmlns:a16="http://schemas.microsoft.com/office/drawing/2014/main" id="{EF289004-3CC0-D231-EA0E-22BD9B124C4A}"/>
+              </a:ext>
+            </a:extLst>
+          </p:cNvPr>
+          <p:cNvPicPr>
+            <a:picLocks noChangeAspect="1"/>
+          </p:cNvPicPr>
+          <p:nvPr/>
+        </p:nvPicPr>
+        <p:blipFill>
+          <a:blip r:embed="rId2"/>
+          <a:stretch>
+            <a:fillRect/>
+          </a:stretch>
+        </p:blipFill>
+        <p:spPr>
+          <a:xfrm>
+            <a:off x="3318856" y="1780256"/>
+            <a:ext cx="5554287" cy="3552335"/>
+          </a:xfrm>
+          <a:prstGeom prst="rect">
+            <a:avLst/>
+          </a:prstGeom>
+        </p:spPr>
+      </p:pic>
+    </p:spTree>
+    <p:extLst>
+      <p:ext uri="{BB962C8B-B14F-4D97-AF65-F5344CB8AC3E}">
+        <p14:creationId xmlns:p14="http://schemas.microsoft.com/office/powerpoint/2010/main" val="2025382627"/>
+      </p:ext>
+    </p:extLst>
+  </p:cSld>
+  <p:clrMapOvr>
+    <a:masterClrMapping/>
+  </p:clrMapOvr>
+</p:sld>
+</file>
+
+<file path=ppt/slides/slide13.xml><?xml version="1.0" encoding="utf-8"?>
+<p:sld xmlns:a="http://schemas.openxmlformats.org/drawingml/2006/main" xmlns:r="http://schemas.openxmlformats.org/officeDocument/2006/relationships" xmlns:p="http://schemas.openxmlformats.org/presentationml/2006/main">
+  <p:cSld>
+    <p:spTree>
+      <p:nvGrpSpPr>
+        <p:cNvPr id="1" name=""/>
+        <p:cNvGrpSpPr/>
+        <p:nvPr/>
+      </p:nvGrpSpPr>
+      <p:grpSpPr>
+        <a:xfrm>
+          <a:off x="0" y="0"/>
+          <a:ext cx="0" cy="0"/>
+          <a:chOff x="0" y="0"/>
+          <a:chExt cx="0" cy="0"/>
+        </a:xfrm>
+      </p:grpSpPr>
       <p:sp>
         <p:nvSpPr>
           <p:cNvPr id="5" name="Rectangle 4">
@@ -7066,20 +9135,36 @@
             <a:custGeom>
               <a:avLst/>
               <a:gdLst>
-                <a:gd name="connsiteX0" fmla="*/ 0 w 944288"/>
-                <a:gd name="connsiteY0" fmla="*/ 0 h 581891"/>
-                <a:gd name="connsiteX1" fmla="*/ 462701 w 944288"/>
-                <a:gd name="connsiteY1" fmla="*/ 0 h 581891"/>
-                <a:gd name="connsiteX2" fmla="*/ 944288 w 944288"/>
-                <a:gd name="connsiteY2" fmla="*/ 0 h 581891"/>
-                <a:gd name="connsiteX3" fmla="*/ 944288 w 944288"/>
-                <a:gd name="connsiteY3" fmla="*/ 581891 h 581891"/>
-                <a:gd name="connsiteX4" fmla="*/ 472144 w 944288"/>
-                <a:gd name="connsiteY4" fmla="*/ 581891 h 581891"/>
-                <a:gd name="connsiteX5" fmla="*/ 0 w 944288"/>
-                <a:gd name="connsiteY5" fmla="*/ 581891 h 581891"/>
-                <a:gd name="connsiteX6" fmla="*/ 0 w 944288"/>
-                <a:gd name="connsiteY6" fmla="*/ 0 h 581891"/>
+                <a:gd name="connsiteX0" fmla="*/ 0 w 1854117"/>
+                <a:gd name="connsiteY0" fmla="*/ 0 h 1532662"/>
+                <a:gd name="connsiteX1" fmla="*/ 444988 w 1854117"/>
+                <a:gd name="connsiteY1" fmla="*/ 0 h 1532662"/>
+                <a:gd name="connsiteX2" fmla="*/ 852894 w 1854117"/>
+                <a:gd name="connsiteY2" fmla="*/ 0 h 1532662"/>
+                <a:gd name="connsiteX3" fmla="*/ 1353505 w 1854117"/>
+                <a:gd name="connsiteY3" fmla="*/ 0 h 1532662"/>
+                <a:gd name="connsiteX4" fmla="*/ 1854117 w 1854117"/>
+                <a:gd name="connsiteY4" fmla="*/ 0 h 1532662"/>
+                <a:gd name="connsiteX5" fmla="*/ 1854117 w 1854117"/>
+                <a:gd name="connsiteY5" fmla="*/ 495561 h 1532662"/>
+                <a:gd name="connsiteX6" fmla="*/ 1854117 w 1854117"/>
+                <a:gd name="connsiteY6" fmla="*/ 975795 h 1532662"/>
+                <a:gd name="connsiteX7" fmla="*/ 1854117 w 1854117"/>
+                <a:gd name="connsiteY7" fmla="*/ 1532662 h 1532662"/>
+                <a:gd name="connsiteX8" fmla="*/ 1390588 w 1854117"/>
+                <a:gd name="connsiteY8" fmla="*/ 1532662 h 1532662"/>
+                <a:gd name="connsiteX9" fmla="*/ 982682 w 1854117"/>
+                <a:gd name="connsiteY9" fmla="*/ 1532662 h 1532662"/>
+                <a:gd name="connsiteX10" fmla="*/ 519153 w 1854117"/>
+                <a:gd name="connsiteY10" fmla="*/ 1532662 h 1532662"/>
+                <a:gd name="connsiteX11" fmla="*/ 0 w 1854117"/>
+                <a:gd name="connsiteY11" fmla="*/ 1532662 h 1532662"/>
+                <a:gd name="connsiteX12" fmla="*/ 0 w 1854117"/>
+                <a:gd name="connsiteY12" fmla="*/ 1037101 h 1532662"/>
+                <a:gd name="connsiteX13" fmla="*/ 0 w 1854117"/>
+                <a:gd name="connsiteY13" fmla="*/ 541541 h 1532662"/>
+                <a:gd name="connsiteX14" fmla="*/ 0 w 1854117"/>
+                <a:gd name="connsiteY14" fmla="*/ 0 h 1532662"/>
               </a:gdLst>
               <a:ahLst/>
               <a:cxnLst>
@@ -7104,41 +9189,105 @@
                 <a:cxn ang="0">
                   <a:pos x="connsiteX6" y="connsiteY6"/>
                 </a:cxn>
+                <a:cxn ang="0">
+                  <a:pos x="connsiteX7" y="connsiteY7"/>
+                </a:cxn>
+                <a:cxn ang="0">
+                  <a:pos x="connsiteX8" y="connsiteY8"/>
+                </a:cxn>
+                <a:cxn ang="0">
+                  <a:pos x="connsiteX9" y="connsiteY9"/>
+                </a:cxn>
+                <a:cxn ang="0">
+                  <a:pos x="connsiteX10" y="connsiteY10"/>
+                </a:cxn>
+                <a:cxn ang="0">
+                  <a:pos x="connsiteX11" y="connsiteY11"/>
+                </a:cxn>
+                <a:cxn ang="0">
+                  <a:pos x="connsiteX12" y="connsiteY12"/>
+                </a:cxn>
+                <a:cxn ang="0">
+                  <a:pos x="connsiteX13" y="connsiteY13"/>
+                </a:cxn>
+                <a:cxn ang="0">
+                  <a:pos x="connsiteX14" y="connsiteY14"/>
+                </a:cxn>
               </a:cxnLst>
               <a:rect l="l" t="t" r="r" b="b"/>
               <a:pathLst>
-                <a:path w="944288" h="581891" extrusionOk="0">
+                <a:path w="1854117" h="1532662" extrusionOk="0">
                   <a:moveTo>
                     <a:pt x="0" y="0"/>
                   </a:moveTo>
                   <a:cubicBezTo>
-                    <a:pt x="205221" y="-15749"/>
-                    <a:pt x="315227" y="50023"/>
-                    <a:pt x="462701" y="0"/>
+                    <a:pt x="170942" y="-3932"/>
+                    <a:pt x="313023" y="42623"/>
+                    <a:pt x="444988" y="0"/>
                   </a:cubicBezTo>
                   <a:cubicBezTo>
-                    <a:pt x="610175" y="-50023"/>
-                    <a:pt x="821364" y="14983"/>
-                    <a:pt x="944288" y="0"/>
+                    <a:pt x="576953" y="-42623"/>
+                    <a:pt x="729527" y="28491"/>
+                    <a:pt x="852894" y="0"/>
                   </a:cubicBezTo>
                   <a:cubicBezTo>
-                    <a:pt x="968717" y="216924"/>
-                    <a:pt x="902762" y="353902"/>
-                    <a:pt x="944288" y="581891"/>
+                    <a:pt x="976261" y="-28491"/>
+                    <a:pt x="1140214" y="36888"/>
+                    <a:pt x="1353505" y="0"/>
                   </a:cubicBezTo>
                   <a:cubicBezTo>
-                    <a:pt x="813085" y="621815"/>
-                    <a:pt x="654205" y="563078"/>
-                    <a:pt x="472144" y="581891"/>
+                    <a:pt x="1566796" y="-36888"/>
+                    <a:pt x="1672221" y="56814"/>
+                    <a:pt x="1854117" y="0"/>
                   </a:cubicBezTo>
                   <a:cubicBezTo>
-                    <a:pt x="290083" y="600704"/>
-                    <a:pt x="183207" y="534410"/>
-                    <a:pt x="0" y="581891"/>
+                    <a:pt x="1857707" y="118541"/>
+                    <a:pt x="1797603" y="283491"/>
+                    <a:pt x="1854117" y="495561"/>
                   </a:cubicBezTo>
                   <a:cubicBezTo>
-                    <a:pt x="-65518" y="451082"/>
-                    <a:pt x="60483" y="206295"/>
+                    <a:pt x="1910631" y="707631"/>
+                    <a:pt x="1821318" y="747354"/>
+                    <a:pt x="1854117" y="975795"/>
+                  </a:cubicBezTo>
+                  <a:cubicBezTo>
+                    <a:pt x="1886916" y="1204236"/>
+                    <a:pt x="1820205" y="1269598"/>
+                    <a:pt x="1854117" y="1532662"/>
+                  </a:cubicBezTo>
+                  <a:cubicBezTo>
+                    <a:pt x="1711114" y="1538042"/>
+                    <a:pt x="1537564" y="1496421"/>
+                    <a:pt x="1390588" y="1532662"/>
+                  </a:cubicBezTo>
+                  <a:cubicBezTo>
+                    <a:pt x="1243612" y="1568903"/>
+                    <a:pt x="1096121" y="1531432"/>
+                    <a:pt x="982682" y="1532662"/>
+                  </a:cubicBezTo>
+                  <a:cubicBezTo>
+                    <a:pt x="869243" y="1533892"/>
+                    <a:pt x="721237" y="1528337"/>
+                    <a:pt x="519153" y="1532662"/>
+                  </a:cubicBezTo>
+                  <a:cubicBezTo>
+                    <a:pt x="317069" y="1536987"/>
+                    <a:pt x="226654" y="1485349"/>
+                    <a:pt x="0" y="1532662"/>
+                  </a:cubicBezTo>
+                  <a:cubicBezTo>
+                    <a:pt x="-1745" y="1330597"/>
+                    <a:pt x="46549" y="1275911"/>
+                    <a:pt x="0" y="1037101"/>
+                  </a:cubicBezTo>
+                  <a:cubicBezTo>
+                    <a:pt x="-46549" y="798291"/>
+                    <a:pt x="47485" y="752513"/>
+                    <a:pt x="0" y="541541"/>
+                  </a:cubicBezTo>
+                  <a:cubicBezTo>
+                    <a:pt x="-47485" y="330569"/>
+                    <a:pt x="48941" y="132036"/>
                     <a:pt x="0" y="0"/>
                   </a:cubicBezTo>
                   <a:close/>
@@ -7273,20 +9422,36 @@
             <a:custGeom>
               <a:avLst/>
               <a:gdLst>
-                <a:gd name="connsiteX0" fmla="*/ 0 w 947261"/>
-                <a:gd name="connsiteY0" fmla="*/ 0 h 581892"/>
-                <a:gd name="connsiteX1" fmla="*/ 464158 w 947261"/>
-                <a:gd name="connsiteY1" fmla="*/ 0 h 581892"/>
-                <a:gd name="connsiteX2" fmla="*/ 947261 w 947261"/>
-                <a:gd name="connsiteY2" fmla="*/ 0 h 581892"/>
-                <a:gd name="connsiteX3" fmla="*/ 947261 w 947261"/>
-                <a:gd name="connsiteY3" fmla="*/ 581892 h 581892"/>
-                <a:gd name="connsiteX4" fmla="*/ 473631 w 947261"/>
-                <a:gd name="connsiteY4" fmla="*/ 581892 h 581892"/>
-                <a:gd name="connsiteX5" fmla="*/ 0 w 947261"/>
-                <a:gd name="connsiteY5" fmla="*/ 581892 h 581892"/>
-                <a:gd name="connsiteX6" fmla="*/ 0 w 947261"/>
-                <a:gd name="connsiteY6" fmla="*/ 0 h 581892"/>
+                <a:gd name="connsiteX0" fmla="*/ 0 w 1854117"/>
+                <a:gd name="connsiteY0" fmla="*/ 0 h 1532662"/>
+                <a:gd name="connsiteX1" fmla="*/ 444988 w 1854117"/>
+                <a:gd name="connsiteY1" fmla="*/ 0 h 1532662"/>
+                <a:gd name="connsiteX2" fmla="*/ 852894 w 1854117"/>
+                <a:gd name="connsiteY2" fmla="*/ 0 h 1532662"/>
+                <a:gd name="connsiteX3" fmla="*/ 1353505 w 1854117"/>
+                <a:gd name="connsiteY3" fmla="*/ 0 h 1532662"/>
+                <a:gd name="connsiteX4" fmla="*/ 1854117 w 1854117"/>
+                <a:gd name="connsiteY4" fmla="*/ 0 h 1532662"/>
+                <a:gd name="connsiteX5" fmla="*/ 1854117 w 1854117"/>
+                <a:gd name="connsiteY5" fmla="*/ 495561 h 1532662"/>
+                <a:gd name="connsiteX6" fmla="*/ 1854117 w 1854117"/>
+                <a:gd name="connsiteY6" fmla="*/ 975795 h 1532662"/>
+                <a:gd name="connsiteX7" fmla="*/ 1854117 w 1854117"/>
+                <a:gd name="connsiteY7" fmla="*/ 1532662 h 1532662"/>
+                <a:gd name="connsiteX8" fmla="*/ 1390588 w 1854117"/>
+                <a:gd name="connsiteY8" fmla="*/ 1532662 h 1532662"/>
+                <a:gd name="connsiteX9" fmla="*/ 982682 w 1854117"/>
+                <a:gd name="connsiteY9" fmla="*/ 1532662 h 1532662"/>
+                <a:gd name="connsiteX10" fmla="*/ 519153 w 1854117"/>
+                <a:gd name="connsiteY10" fmla="*/ 1532662 h 1532662"/>
+                <a:gd name="connsiteX11" fmla="*/ 0 w 1854117"/>
+                <a:gd name="connsiteY11" fmla="*/ 1532662 h 1532662"/>
+                <a:gd name="connsiteX12" fmla="*/ 0 w 1854117"/>
+                <a:gd name="connsiteY12" fmla="*/ 1037101 h 1532662"/>
+                <a:gd name="connsiteX13" fmla="*/ 0 w 1854117"/>
+                <a:gd name="connsiteY13" fmla="*/ 541541 h 1532662"/>
+                <a:gd name="connsiteX14" fmla="*/ 0 w 1854117"/>
+                <a:gd name="connsiteY14" fmla="*/ 0 h 1532662"/>
               </a:gdLst>
               <a:ahLst/>
               <a:cxnLst>
@@ -7311,41 +9476,105 @@
                 <a:cxn ang="0">
                   <a:pos x="connsiteX6" y="connsiteY6"/>
                 </a:cxn>
+                <a:cxn ang="0">
+                  <a:pos x="connsiteX7" y="connsiteY7"/>
+                </a:cxn>
+                <a:cxn ang="0">
+                  <a:pos x="connsiteX8" y="connsiteY8"/>
+                </a:cxn>
+                <a:cxn ang="0">
+                  <a:pos x="connsiteX9" y="connsiteY9"/>
+                </a:cxn>
+                <a:cxn ang="0">
+                  <a:pos x="connsiteX10" y="connsiteY10"/>
+                </a:cxn>
+                <a:cxn ang="0">
+                  <a:pos x="connsiteX11" y="connsiteY11"/>
+                </a:cxn>
+                <a:cxn ang="0">
+                  <a:pos x="connsiteX12" y="connsiteY12"/>
+                </a:cxn>
+                <a:cxn ang="0">
+                  <a:pos x="connsiteX13" y="connsiteY13"/>
+                </a:cxn>
+                <a:cxn ang="0">
+                  <a:pos x="connsiteX14" y="connsiteY14"/>
+                </a:cxn>
               </a:cxnLst>
               <a:rect l="l" t="t" r="r" b="b"/>
               <a:pathLst>
-                <a:path w="947261" h="581892" extrusionOk="0">
+                <a:path w="1854117" h="1532662" extrusionOk="0">
                   <a:moveTo>
                     <a:pt x="0" y="0"/>
                   </a:moveTo>
                   <a:cubicBezTo>
-                    <a:pt x="175813" y="-49599"/>
-                    <a:pt x="233186" y="7302"/>
-                    <a:pt x="464158" y="0"/>
+                    <a:pt x="170942" y="-3932"/>
+                    <a:pt x="313023" y="42623"/>
+                    <a:pt x="444988" y="0"/>
                   </a:cubicBezTo>
                   <a:cubicBezTo>
-                    <a:pt x="695130" y="-7302"/>
-                    <a:pt x="748241" y="26587"/>
-                    <a:pt x="947261" y="0"/>
+                    <a:pt x="576953" y="-42623"/>
+                    <a:pt x="729527" y="28491"/>
+                    <a:pt x="852894" y="0"/>
                   </a:cubicBezTo>
                   <a:cubicBezTo>
-                    <a:pt x="977525" y="214294"/>
-                    <a:pt x="908202" y="352200"/>
-                    <a:pt x="947261" y="581892"/>
+                    <a:pt x="976261" y="-28491"/>
+                    <a:pt x="1140214" y="36888"/>
+                    <a:pt x="1353505" y="0"/>
                   </a:cubicBezTo>
                   <a:cubicBezTo>
-                    <a:pt x="784855" y="596940"/>
-                    <a:pt x="614043" y="547491"/>
-                    <a:pt x="473631" y="581892"/>
+                    <a:pt x="1566796" y="-36888"/>
+                    <a:pt x="1672221" y="56814"/>
+                    <a:pt x="1854117" y="0"/>
                   </a:cubicBezTo>
                   <a:cubicBezTo>
-                    <a:pt x="333219" y="616293"/>
-                    <a:pt x="168075" y="576957"/>
-                    <a:pt x="0" y="581892"/>
+                    <a:pt x="1857707" y="118541"/>
+                    <a:pt x="1797603" y="283491"/>
+                    <a:pt x="1854117" y="495561"/>
                   </a:cubicBezTo>
                   <a:cubicBezTo>
-                    <a:pt x="-767" y="453127"/>
-                    <a:pt x="60419" y="211167"/>
+                    <a:pt x="1910631" y="707631"/>
+                    <a:pt x="1821318" y="747354"/>
+                    <a:pt x="1854117" y="975795"/>
+                  </a:cubicBezTo>
+                  <a:cubicBezTo>
+                    <a:pt x="1886916" y="1204236"/>
+                    <a:pt x="1820205" y="1269598"/>
+                    <a:pt x="1854117" y="1532662"/>
+                  </a:cubicBezTo>
+                  <a:cubicBezTo>
+                    <a:pt x="1711114" y="1538042"/>
+                    <a:pt x="1537564" y="1496421"/>
+                    <a:pt x="1390588" y="1532662"/>
+                  </a:cubicBezTo>
+                  <a:cubicBezTo>
+                    <a:pt x="1243612" y="1568903"/>
+                    <a:pt x="1096121" y="1531432"/>
+                    <a:pt x="982682" y="1532662"/>
+                  </a:cubicBezTo>
+                  <a:cubicBezTo>
+                    <a:pt x="869243" y="1533892"/>
+                    <a:pt x="721237" y="1528337"/>
+                    <a:pt x="519153" y="1532662"/>
+                  </a:cubicBezTo>
+                  <a:cubicBezTo>
+                    <a:pt x="317069" y="1536987"/>
+                    <a:pt x="226654" y="1485349"/>
+                    <a:pt x="0" y="1532662"/>
+                  </a:cubicBezTo>
+                  <a:cubicBezTo>
+                    <a:pt x="-1745" y="1330597"/>
+                    <a:pt x="46549" y="1275911"/>
+                    <a:pt x="0" y="1037101"/>
+                  </a:cubicBezTo>
+                  <a:cubicBezTo>
+                    <a:pt x="-46549" y="798291"/>
+                    <a:pt x="47485" y="752513"/>
+                    <a:pt x="0" y="541541"/>
+                  </a:cubicBezTo>
+                  <a:cubicBezTo>
+                    <a:pt x="-47485" y="330569"/>
+                    <a:pt x="48941" y="132036"/>
                     <a:pt x="0" y="0"/>
                   </a:cubicBezTo>
                   <a:close/>
@@ -8064,31 +10293,31 @@
               <a:avLst/>
               <a:gdLst>
                 <a:gd name="connsiteX0" fmla="*/ 0 w 1450288"/>
-                <a:gd name="connsiteY0" fmla="*/ 0 h 1537219"/>
+                <a:gd name="connsiteY0" fmla="*/ 0 h 1371020"/>
                 <a:gd name="connsiteX1" fmla="*/ 468926 w 1450288"/>
-                <a:gd name="connsiteY1" fmla="*/ 0 h 1537219"/>
+                <a:gd name="connsiteY1" fmla="*/ 0 h 1371020"/>
                 <a:gd name="connsiteX2" fmla="*/ 908847 w 1450288"/>
-                <a:gd name="connsiteY2" fmla="*/ 0 h 1537219"/>
+                <a:gd name="connsiteY2" fmla="*/ 0 h 1371020"/>
                 <a:gd name="connsiteX3" fmla="*/ 1450288 w 1450288"/>
-                <a:gd name="connsiteY3" fmla="*/ 0 h 1537219"/>
+                <a:gd name="connsiteY3" fmla="*/ 0 h 1371020"/>
                 <a:gd name="connsiteX4" fmla="*/ 1450288 w 1450288"/>
-                <a:gd name="connsiteY4" fmla="*/ 497034 h 1537219"/>
+                <a:gd name="connsiteY4" fmla="*/ 443296 h 1371020"/>
                 <a:gd name="connsiteX5" fmla="*/ 1450288 w 1450288"/>
-                <a:gd name="connsiteY5" fmla="*/ 978696 h 1537219"/>
+                <a:gd name="connsiteY5" fmla="*/ 872883 h 1371020"/>
                 <a:gd name="connsiteX6" fmla="*/ 1450288 w 1450288"/>
-                <a:gd name="connsiteY6" fmla="*/ 1537219 h 1537219"/>
+                <a:gd name="connsiteY6" fmla="*/ 1371020 h 1371020"/>
                 <a:gd name="connsiteX7" fmla="*/ 966859 w 1450288"/>
-                <a:gd name="connsiteY7" fmla="*/ 1537219 h 1537219"/>
+                <a:gd name="connsiteY7" fmla="*/ 1371020 h 1371020"/>
                 <a:gd name="connsiteX8" fmla="*/ 454424 w 1450288"/>
-                <a:gd name="connsiteY8" fmla="*/ 1537219 h 1537219"/>
+                <a:gd name="connsiteY8" fmla="*/ 1371020 h 1371020"/>
                 <a:gd name="connsiteX9" fmla="*/ 0 w 1450288"/>
-                <a:gd name="connsiteY9" fmla="*/ 1537219 h 1537219"/>
+                <a:gd name="connsiteY9" fmla="*/ 1371020 h 1371020"/>
                 <a:gd name="connsiteX10" fmla="*/ 0 w 1450288"/>
-                <a:gd name="connsiteY10" fmla="*/ 1024813 h 1537219"/>
+                <a:gd name="connsiteY10" fmla="*/ 914013 h 1371020"/>
                 <a:gd name="connsiteX11" fmla="*/ 0 w 1450288"/>
-                <a:gd name="connsiteY11" fmla="*/ 527779 h 1537219"/>
+                <a:gd name="connsiteY11" fmla="*/ 470717 h 1371020"/>
                 <a:gd name="connsiteX12" fmla="*/ 0 w 1450288"/>
-                <a:gd name="connsiteY12" fmla="*/ 0 h 1537219"/>
+                <a:gd name="connsiteY12" fmla="*/ 0 h 1371020"/>
               </a:gdLst>
               <a:ahLst/>
               <a:cxnLst>
@@ -8134,7 +10363,7 @@
               </a:cxnLst>
               <a:rect l="l" t="t" r="r" b="b"/>
               <a:pathLst>
-                <a:path w="1450288" h="1537219" extrusionOk="0">
+                <a:path w="1450288" h="1371020" extrusionOk="0">
                   <a:moveTo>
                     <a:pt x="0" y="0"/>
                   </a:moveTo>
@@ -8154,48 +10383,48 @@
                     <a:pt x="1450288" y="0"/>
                   </a:cubicBezTo>
                   <a:cubicBezTo>
-                    <a:pt x="1496409" y="139774"/>
-                    <a:pt x="1417994" y="330920"/>
-                    <a:pt x="1450288" y="497034"/>
+                    <a:pt x="1452775" y="146769"/>
+                    <a:pt x="1426752" y="304074"/>
+                    <a:pt x="1450288" y="443296"/>
                   </a:cubicBezTo>
                   <a:cubicBezTo>
-                    <a:pt x="1482582" y="663148"/>
-                    <a:pt x="1419923" y="750868"/>
-                    <a:pt x="1450288" y="978696"/>
+                    <a:pt x="1473824" y="582518"/>
+                    <a:pt x="1437209" y="663313"/>
+                    <a:pt x="1450288" y="872883"/>
                   </a:cubicBezTo>
                   <a:cubicBezTo>
-                    <a:pt x="1480653" y="1206524"/>
-                    <a:pt x="1384589" y="1284253"/>
-                    <a:pt x="1450288" y="1537219"/>
+                    <a:pt x="1463367" y="1082453"/>
+                    <a:pt x="1424361" y="1263683"/>
+                    <a:pt x="1450288" y="1371020"/>
                   </a:cubicBezTo>
                   <a:cubicBezTo>
-                    <a:pt x="1350823" y="1544551"/>
-                    <a:pt x="1202975" y="1535878"/>
-                    <a:pt x="966859" y="1537219"/>
+                    <a:pt x="1350823" y="1378352"/>
+                    <a:pt x="1202975" y="1369679"/>
+                    <a:pt x="966859" y="1371020"/>
                   </a:cubicBezTo>
                   <a:cubicBezTo>
-                    <a:pt x="730743" y="1538560"/>
-                    <a:pt x="624611" y="1498070"/>
-                    <a:pt x="454424" y="1537219"/>
+                    <a:pt x="730743" y="1372361"/>
+                    <a:pt x="624611" y="1331871"/>
+                    <a:pt x="454424" y="1371020"/>
                   </a:cubicBezTo>
                   <a:cubicBezTo>
-                    <a:pt x="284237" y="1576368"/>
-                    <a:pt x="213005" y="1490945"/>
-                    <a:pt x="0" y="1537219"/>
+                    <a:pt x="284237" y="1410169"/>
+                    <a:pt x="213005" y="1324746"/>
+                    <a:pt x="0" y="1371020"/>
                   </a:cubicBezTo>
                   <a:cubicBezTo>
-                    <a:pt x="-26812" y="1329440"/>
-                    <a:pt x="13858" y="1268433"/>
-                    <a:pt x="0" y="1024813"/>
+                    <a:pt x="-39048" y="1250897"/>
+                    <a:pt x="26800" y="1078714"/>
+                    <a:pt x="0" y="914013"/>
                   </a:cubicBezTo>
                   <a:cubicBezTo>
-                    <a:pt x="-13858" y="781193"/>
-                    <a:pt x="10434" y="741972"/>
-                    <a:pt x="0" y="527779"/>
+                    <a:pt x="-26800" y="749312"/>
+                    <a:pt x="10014" y="615247"/>
+                    <a:pt x="0" y="470717"/>
                   </a:cubicBezTo>
                   <a:cubicBezTo>
-                    <a:pt x="-10434" y="313586"/>
-                    <a:pt x="37426" y="142494"/>
+                    <a:pt x="-10014" y="326187"/>
+                    <a:pt x="41564" y="98254"/>
                     <a:pt x="0" y="0"/>
                   </a:cubicBezTo>
                   <a:close/>
@@ -8687,6 +10916,132 @@
           </a:prstGeom>
         </p:spPr>
       </p:pic>
+      <p:sp>
+        <p:nvSpPr>
+          <p:cNvPr id="2" name="Cloud Callout 1">
+            <a:extLst>
+              <a:ext uri="{FF2B5EF4-FFF2-40B4-BE49-F238E27FC236}">
+                <a16:creationId xmlns:a16="http://schemas.microsoft.com/office/drawing/2014/main" id="{EB3951DF-FE82-FA1F-CC2D-3558552CFBB7}"/>
+              </a:ext>
+            </a:extLst>
+          </p:cNvPr>
+          <p:cNvSpPr/>
+          <p:nvPr/>
+        </p:nvSpPr>
+        <p:spPr>
+          <a:xfrm>
+            <a:off x="6849374" y="5116945"/>
+            <a:ext cx="2562045" cy="1361493"/>
+          </a:xfrm>
+          <a:prstGeom prst="cloudCallout">
+            <a:avLst>
+              <a:gd name="adj1" fmla="val -92686"/>
+              <a:gd name="adj2" fmla="val -96389"/>
+            </a:avLst>
+          </a:prstGeom>
+          <a:solidFill>
+            <a:schemeClr val="bg2">
+              <a:lumMod val="50000"/>
+            </a:schemeClr>
+          </a:solidFill>
+          <a:ln>
+            <a:solidFill>
+              <a:srgbClr val="810012"/>
+            </a:solidFill>
+          </a:ln>
+        </p:spPr>
+        <p:style>
+          <a:lnRef idx="2">
+            <a:schemeClr val="accent1">
+              <a:shade val="15000"/>
+            </a:schemeClr>
+          </a:lnRef>
+          <a:fillRef idx="1">
+            <a:schemeClr val="accent1"/>
+          </a:fillRef>
+          <a:effectRef idx="0">
+            <a:schemeClr val="accent1"/>
+          </a:effectRef>
+          <a:fontRef idx="minor">
+            <a:schemeClr val="lt1"/>
+          </a:fontRef>
+        </p:style>
+        <p:txBody>
+          <a:bodyPr rtlCol="0" anchor="ctr"/>
+          <a:lstStyle/>
+          <a:p>
+            <a:pPr algn="ctr"/>
+            <a:r>
+              <a:rPr lang="en-US" sz="1400" dirty="0"/>
+              <a:t>“Risk” predictions must be explained</a:t>
+            </a:r>
+          </a:p>
+        </p:txBody>
+      </p:sp>
+      <p:sp>
+        <p:nvSpPr>
+          <p:cNvPr id="3" name="Cloud Callout 2">
+            <a:extLst>
+              <a:ext uri="{FF2B5EF4-FFF2-40B4-BE49-F238E27FC236}">
+                <a16:creationId xmlns:a16="http://schemas.microsoft.com/office/drawing/2014/main" id="{210C0D85-6FD0-F4D9-5EC3-0F5A1251C5F4}"/>
+              </a:ext>
+            </a:extLst>
+          </p:cNvPr>
+          <p:cNvSpPr/>
+          <p:nvPr/>
+        </p:nvSpPr>
+        <p:spPr>
+          <a:xfrm>
+            <a:off x="7420863" y="379562"/>
+            <a:ext cx="2562045" cy="1361493"/>
+          </a:xfrm>
+          <a:prstGeom prst="cloudCallout">
+            <a:avLst>
+              <a:gd name="adj1" fmla="val -44446"/>
+              <a:gd name="adj2" fmla="val 154544"/>
+            </a:avLst>
+          </a:prstGeom>
+          <a:solidFill>
+            <a:schemeClr val="bg2">
+              <a:lumMod val="50000"/>
+            </a:schemeClr>
+          </a:solidFill>
+          <a:ln>
+            <a:solidFill>
+              <a:schemeClr val="accent6">
+                <a:lumMod val="50000"/>
+              </a:schemeClr>
+            </a:solidFill>
+          </a:ln>
+        </p:spPr>
+        <p:style>
+          <a:lnRef idx="2">
+            <a:schemeClr val="accent1">
+              <a:shade val="15000"/>
+            </a:schemeClr>
+          </a:lnRef>
+          <a:fillRef idx="1">
+            <a:schemeClr val="accent1"/>
+          </a:fillRef>
+          <a:effectRef idx="0">
+            <a:schemeClr val="accent1"/>
+          </a:effectRef>
+          <a:fontRef idx="minor">
+            <a:schemeClr val="lt1"/>
+          </a:fontRef>
+        </p:style>
+        <p:txBody>
+          <a:bodyPr rtlCol="0" anchor="ctr"/>
+          <a:lstStyle/>
+          <a:p>
+            <a:pPr algn="ctr"/>
+            <a:r>
+              <a:rPr lang="en-US" sz="1400" dirty="0"/>
+              <a:t>Quality must be monitored</a:t>
+            </a:r>
+          </a:p>
+        </p:txBody>
+      </p:sp>
     </p:spTree>
     <p:extLst>
       <p:ext uri="{BB962C8B-B14F-4D97-AF65-F5344CB8AC3E}">
@@ -18425,24 +20780,32 @@
             <a:custGeom>
               <a:avLst/>
               <a:gdLst>
-                <a:gd name="connsiteX0" fmla="*/ 0 w 1343952"/>
-                <a:gd name="connsiteY0" fmla="*/ 0 h 1391598"/>
-                <a:gd name="connsiteX1" fmla="*/ 658536 w 1343952"/>
-                <a:gd name="connsiteY1" fmla="*/ 0 h 1391598"/>
-                <a:gd name="connsiteX2" fmla="*/ 1343952 w 1343952"/>
-                <a:gd name="connsiteY2" fmla="*/ 0 h 1391598"/>
-                <a:gd name="connsiteX3" fmla="*/ 1343952 w 1343952"/>
-                <a:gd name="connsiteY3" fmla="*/ 723631 h 1391598"/>
-                <a:gd name="connsiteX4" fmla="*/ 1343952 w 1343952"/>
-                <a:gd name="connsiteY4" fmla="*/ 1391598 h 1391598"/>
-                <a:gd name="connsiteX5" fmla="*/ 698855 w 1343952"/>
-                <a:gd name="connsiteY5" fmla="*/ 1391598 h 1391598"/>
-                <a:gd name="connsiteX6" fmla="*/ 0 w 1343952"/>
-                <a:gd name="connsiteY6" fmla="*/ 1391598 h 1391598"/>
-                <a:gd name="connsiteX7" fmla="*/ 0 w 1343952"/>
-                <a:gd name="connsiteY7" fmla="*/ 723631 h 1391598"/>
-                <a:gd name="connsiteX8" fmla="*/ 0 w 1343952"/>
-                <a:gd name="connsiteY8" fmla="*/ 0 h 1391598"/>
+                <a:gd name="connsiteX0" fmla="*/ 0 w 1474102"/>
+                <a:gd name="connsiteY0" fmla="*/ 0 h 1502220"/>
+                <a:gd name="connsiteX1" fmla="*/ 476626 w 1474102"/>
+                <a:gd name="connsiteY1" fmla="*/ 0 h 1502220"/>
+                <a:gd name="connsiteX2" fmla="*/ 923771 w 1474102"/>
+                <a:gd name="connsiteY2" fmla="*/ 0 h 1502220"/>
+                <a:gd name="connsiteX3" fmla="*/ 1474102 w 1474102"/>
+                <a:gd name="connsiteY3" fmla="*/ 0 h 1502220"/>
+                <a:gd name="connsiteX4" fmla="*/ 1474102 w 1474102"/>
+                <a:gd name="connsiteY4" fmla="*/ 485718 h 1502220"/>
+                <a:gd name="connsiteX5" fmla="*/ 1474102 w 1474102"/>
+                <a:gd name="connsiteY5" fmla="*/ 956413 h 1502220"/>
+                <a:gd name="connsiteX6" fmla="*/ 1474102 w 1474102"/>
+                <a:gd name="connsiteY6" fmla="*/ 1502220 h 1502220"/>
+                <a:gd name="connsiteX7" fmla="*/ 982735 w 1474102"/>
+                <a:gd name="connsiteY7" fmla="*/ 1502220 h 1502220"/>
+                <a:gd name="connsiteX8" fmla="*/ 461885 w 1474102"/>
+                <a:gd name="connsiteY8" fmla="*/ 1502220 h 1502220"/>
+                <a:gd name="connsiteX9" fmla="*/ 0 w 1474102"/>
+                <a:gd name="connsiteY9" fmla="*/ 1502220 h 1502220"/>
+                <a:gd name="connsiteX10" fmla="*/ 0 w 1474102"/>
+                <a:gd name="connsiteY10" fmla="*/ 1001480 h 1502220"/>
+                <a:gd name="connsiteX11" fmla="*/ 0 w 1474102"/>
+                <a:gd name="connsiteY11" fmla="*/ 515762 h 1502220"/>
+                <a:gd name="connsiteX12" fmla="*/ 0 w 1474102"/>
+                <a:gd name="connsiteY12" fmla="*/ 0 h 1502220"/>
               </a:gdLst>
               <a:ahLst/>
               <a:cxnLst>
@@ -18473,51 +20836,83 @@
                 <a:cxn ang="0">
                   <a:pos x="connsiteX8" y="connsiteY8"/>
                 </a:cxn>
+                <a:cxn ang="0">
+                  <a:pos x="connsiteX9" y="connsiteY9"/>
+                </a:cxn>
+                <a:cxn ang="0">
+                  <a:pos x="connsiteX10" y="connsiteY10"/>
+                </a:cxn>
+                <a:cxn ang="0">
+                  <a:pos x="connsiteX11" y="connsiteY11"/>
+                </a:cxn>
+                <a:cxn ang="0">
+                  <a:pos x="connsiteX12" y="connsiteY12"/>
+                </a:cxn>
               </a:cxnLst>
               <a:rect l="l" t="t" r="r" b="b"/>
               <a:pathLst>
-                <a:path w="1343952" h="1391598" extrusionOk="0">
+                <a:path w="1474102" h="1502220" extrusionOk="0">
                   <a:moveTo>
                     <a:pt x="0" y="0"/>
                   </a:moveTo>
                   <a:cubicBezTo>
-                    <a:pt x="277585" y="27819"/>
-                    <a:pt x="446576" y="-32659"/>
-                    <a:pt x="658536" y="0"/>
+                    <a:pt x="123701" y="17865"/>
+                    <a:pt x="380075" y="-15782"/>
+                    <a:pt x="476626" y="0"/>
                   </a:cubicBezTo>
                   <a:cubicBezTo>
-                    <a:pt x="870496" y="32659"/>
-                    <a:pt x="1093584" y="4021"/>
-                    <a:pt x="1343952" y="0"/>
+                    <a:pt x="573177" y="15782"/>
+                    <a:pt x="741827" y="2622"/>
+                    <a:pt x="923771" y="0"/>
                   </a:cubicBezTo>
                   <a:cubicBezTo>
-                    <a:pt x="1334549" y="156421"/>
-                    <a:pt x="1308673" y="431792"/>
-                    <a:pt x="1343952" y="723631"/>
+                    <a:pt x="1105715" y="-2622"/>
+                    <a:pt x="1269455" y="-4001"/>
+                    <a:pt x="1474102" y="0"/>
                   </a:cubicBezTo>
                   <a:cubicBezTo>
-                    <a:pt x="1379231" y="1015470"/>
-                    <a:pt x="1321373" y="1229252"/>
-                    <a:pt x="1343952" y="1391598"/>
+                    <a:pt x="1494371" y="182172"/>
+                    <a:pt x="1488678" y="322797"/>
+                    <a:pt x="1474102" y="485718"/>
                   </a:cubicBezTo>
                   <a:cubicBezTo>
-                    <a:pt x="1136012" y="1415098"/>
-                    <a:pt x="996035" y="1394716"/>
-                    <a:pt x="698855" y="1391598"/>
+                    <a:pt x="1459526" y="648639"/>
+                    <a:pt x="1479109" y="849765"/>
+                    <a:pt x="1474102" y="956413"/>
                   </a:cubicBezTo>
                   <a:cubicBezTo>
-                    <a:pt x="401675" y="1388480"/>
-                    <a:pt x="213598" y="1384405"/>
-                    <a:pt x="0" y="1391598"/>
+                    <a:pt x="1469095" y="1063061"/>
+                    <a:pt x="1485273" y="1368829"/>
+                    <a:pt x="1474102" y="1502220"/>
                   </a:cubicBezTo>
                   <a:cubicBezTo>
-                    <a:pt x="29262" y="1252518"/>
-                    <a:pt x="15487" y="879250"/>
-                    <a:pt x="0" y="723631"/>
+                    <a:pt x="1229360" y="1503485"/>
+                    <a:pt x="1097785" y="1525126"/>
+                    <a:pt x="982735" y="1502220"/>
                   </a:cubicBezTo>
                   <a:cubicBezTo>
-                    <a:pt x="-15487" y="568012"/>
-                    <a:pt x="-6034" y="218119"/>
+                    <a:pt x="867685" y="1479314"/>
+                    <a:pt x="716961" y="1504479"/>
+                    <a:pt x="461885" y="1502220"/>
+                  </a:cubicBezTo>
+                  <a:cubicBezTo>
+                    <a:pt x="206809" y="1499962"/>
+                    <a:pt x="128251" y="1496175"/>
+                    <a:pt x="0" y="1502220"/>
+                  </a:cubicBezTo>
+                  <a:cubicBezTo>
+                    <a:pt x="19845" y="1313574"/>
+                    <a:pt x="22973" y="1200391"/>
+                    <a:pt x="0" y="1001480"/>
+                  </a:cubicBezTo>
+                  <a:cubicBezTo>
+                    <a:pt x="-22973" y="802569"/>
+                    <a:pt x="-5950" y="688831"/>
+                    <a:pt x="0" y="515762"/>
+                  </a:cubicBezTo>
+                  <a:cubicBezTo>
+                    <a:pt x="5950" y="342693"/>
+                    <a:pt x="-22968" y="213318"/>
                     <a:pt x="0" y="0"/>
                   </a:cubicBezTo>
                   <a:close/>
@@ -18594,24 +20989,32 @@
             <a:custGeom>
               <a:avLst/>
               <a:gdLst>
-                <a:gd name="connsiteX0" fmla="*/ 0 w 1343952"/>
-                <a:gd name="connsiteY0" fmla="*/ 0 h 1391598"/>
-                <a:gd name="connsiteX1" fmla="*/ 658536 w 1343952"/>
-                <a:gd name="connsiteY1" fmla="*/ 0 h 1391598"/>
-                <a:gd name="connsiteX2" fmla="*/ 1343952 w 1343952"/>
-                <a:gd name="connsiteY2" fmla="*/ 0 h 1391598"/>
-                <a:gd name="connsiteX3" fmla="*/ 1343952 w 1343952"/>
-                <a:gd name="connsiteY3" fmla="*/ 723631 h 1391598"/>
-                <a:gd name="connsiteX4" fmla="*/ 1343952 w 1343952"/>
-                <a:gd name="connsiteY4" fmla="*/ 1391598 h 1391598"/>
-                <a:gd name="connsiteX5" fmla="*/ 698855 w 1343952"/>
-                <a:gd name="connsiteY5" fmla="*/ 1391598 h 1391598"/>
-                <a:gd name="connsiteX6" fmla="*/ 0 w 1343952"/>
-                <a:gd name="connsiteY6" fmla="*/ 1391598 h 1391598"/>
-                <a:gd name="connsiteX7" fmla="*/ 0 w 1343952"/>
-                <a:gd name="connsiteY7" fmla="*/ 723631 h 1391598"/>
-                <a:gd name="connsiteX8" fmla="*/ 0 w 1343952"/>
-                <a:gd name="connsiteY8" fmla="*/ 0 h 1391598"/>
+                <a:gd name="connsiteX0" fmla="*/ 0 w 1474102"/>
+                <a:gd name="connsiteY0" fmla="*/ 0 h 1502220"/>
+                <a:gd name="connsiteX1" fmla="*/ 476626 w 1474102"/>
+                <a:gd name="connsiteY1" fmla="*/ 0 h 1502220"/>
+                <a:gd name="connsiteX2" fmla="*/ 923771 w 1474102"/>
+                <a:gd name="connsiteY2" fmla="*/ 0 h 1502220"/>
+                <a:gd name="connsiteX3" fmla="*/ 1474102 w 1474102"/>
+                <a:gd name="connsiteY3" fmla="*/ 0 h 1502220"/>
+                <a:gd name="connsiteX4" fmla="*/ 1474102 w 1474102"/>
+                <a:gd name="connsiteY4" fmla="*/ 485718 h 1502220"/>
+                <a:gd name="connsiteX5" fmla="*/ 1474102 w 1474102"/>
+                <a:gd name="connsiteY5" fmla="*/ 956413 h 1502220"/>
+                <a:gd name="connsiteX6" fmla="*/ 1474102 w 1474102"/>
+                <a:gd name="connsiteY6" fmla="*/ 1502220 h 1502220"/>
+                <a:gd name="connsiteX7" fmla="*/ 982735 w 1474102"/>
+                <a:gd name="connsiteY7" fmla="*/ 1502220 h 1502220"/>
+                <a:gd name="connsiteX8" fmla="*/ 461885 w 1474102"/>
+                <a:gd name="connsiteY8" fmla="*/ 1502220 h 1502220"/>
+                <a:gd name="connsiteX9" fmla="*/ 0 w 1474102"/>
+                <a:gd name="connsiteY9" fmla="*/ 1502220 h 1502220"/>
+                <a:gd name="connsiteX10" fmla="*/ 0 w 1474102"/>
+                <a:gd name="connsiteY10" fmla="*/ 1001480 h 1502220"/>
+                <a:gd name="connsiteX11" fmla="*/ 0 w 1474102"/>
+                <a:gd name="connsiteY11" fmla="*/ 515762 h 1502220"/>
+                <a:gd name="connsiteX12" fmla="*/ 0 w 1474102"/>
+                <a:gd name="connsiteY12" fmla="*/ 0 h 1502220"/>
               </a:gdLst>
               <a:ahLst/>
               <a:cxnLst>
@@ -18642,51 +21045,83 @@
                 <a:cxn ang="0">
                   <a:pos x="connsiteX8" y="connsiteY8"/>
                 </a:cxn>
+                <a:cxn ang="0">
+                  <a:pos x="connsiteX9" y="connsiteY9"/>
+                </a:cxn>
+                <a:cxn ang="0">
+                  <a:pos x="connsiteX10" y="connsiteY10"/>
+                </a:cxn>
+                <a:cxn ang="0">
+                  <a:pos x="connsiteX11" y="connsiteY11"/>
+                </a:cxn>
+                <a:cxn ang="0">
+                  <a:pos x="connsiteX12" y="connsiteY12"/>
+                </a:cxn>
               </a:cxnLst>
               <a:rect l="l" t="t" r="r" b="b"/>
               <a:pathLst>
-                <a:path w="1343952" h="1391598" extrusionOk="0">
+                <a:path w="1474102" h="1502220" extrusionOk="0">
                   <a:moveTo>
                     <a:pt x="0" y="0"/>
                   </a:moveTo>
                   <a:cubicBezTo>
-                    <a:pt x="277585" y="27819"/>
-                    <a:pt x="446576" y="-32659"/>
-                    <a:pt x="658536" y="0"/>
+                    <a:pt x="123701" y="17865"/>
+                    <a:pt x="380075" y="-15782"/>
+                    <a:pt x="476626" y="0"/>
                   </a:cubicBezTo>
                   <a:cubicBezTo>
-                    <a:pt x="870496" y="32659"/>
-                    <a:pt x="1093584" y="4021"/>
-                    <a:pt x="1343952" y="0"/>
+                    <a:pt x="573177" y="15782"/>
+                    <a:pt x="741827" y="2622"/>
+                    <a:pt x="923771" y="0"/>
                   </a:cubicBezTo>
                   <a:cubicBezTo>
-                    <a:pt x="1334549" y="156421"/>
-                    <a:pt x="1308673" y="431792"/>
-                    <a:pt x="1343952" y="723631"/>
+                    <a:pt x="1105715" y="-2622"/>
+                    <a:pt x="1269455" y="-4001"/>
+                    <a:pt x="1474102" y="0"/>
                   </a:cubicBezTo>
                   <a:cubicBezTo>
-                    <a:pt x="1379231" y="1015470"/>
-                    <a:pt x="1321373" y="1229252"/>
-                    <a:pt x="1343952" y="1391598"/>
+                    <a:pt x="1494371" y="182172"/>
+                    <a:pt x="1488678" y="322797"/>
+                    <a:pt x="1474102" y="485718"/>
                   </a:cubicBezTo>
                   <a:cubicBezTo>
-                    <a:pt x="1136012" y="1415098"/>
-                    <a:pt x="996035" y="1394716"/>
-                    <a:pt x="698855" y="1391598"/>
+                    <a:pt x="1459526" y="648639"/>
+                    <a:pt x="1479109" y="849765"/>
+                    <a:pt x="1474102" y="956413"/>
                   </a:cubicBezTo>
                   <a:cubicBezTo>
-                    <a:pt x="401675" y="1388480"/>
-                    <a:pt x="213598" y="1384405"/>
-                    <a:pt x="0" y="1391598"/>
+                    <a:pt x="1469095" y="1063061"/>
+                    <a:pt x="1485273" y="1368829"/>
+                    <a:pt x="1474102" y="1502220"/>
                   </a:cubicBezTo>
                   <a:cubicBezTo>
-                    <a:pt x="29262" y="1252518"/>
-                    <a:pt x="15487" y="879250"/>
-                    <a:pt x="0" y="723631"/>
+                    <a:pt x="1229360" y="1503485"/>
+                    <a:pt x="1097785" y="1525126"/>
+                    <a:pt x="982735" y="1502220"/>
                   </a:cubicBezTo>
                   <a:cubicBezTo>
-                    <a:pt x="-15487" y="568012"/>
-                    <a:pt x="-6034" y="218119"/>
+                    <a:pt x="867685" y="1479314"/>
+                    <a:pt x="716961" y="1504479"/>
+                    <a:pt x="461885" y="1502220"/>
+                  </a:cubicBezTo>
+                  <a:cubicBezTo>
+                    <a:pt x="206809" y="1499962"/>
+                    <a:pt x="128251" y="1496175"/>
+                    <a:pt x="0" y="1502220"/>
+                  </a:cubicBezTo>
+                  <a:cubicBezTo>
+                    <a:pt x="19845" y="1313574"/>
+                    <a:pt x="22973" y="1200391"/>
+                    <a:pt x="0" y="1001480"/>
+                  </a:cubicBezTo>
+                  <a:cubicBezTo>
+                    <a:pt x="-22973" y="802569"/>
+                    <a:pt x="-5950" y="688831"/>
+                    <a:pt x="0" y="515762"/>
+                  </a:cubicBezTo>
+                  <a:cubicBezTo>
+                    <a:pt x="5950" y="342693"/>
+                    <a:pt x="-22968" y="213318"/>
                     <a:pt x="0" y="0"/>
                   </a:cubicBezTo>
                   <a:close/>
@@ -18782,24 +21217,32 @@
             <a:custGeom>
               <a:avLst/>
               <a:gdLst>
-                <a:gd name="connsiteX0" fmla="*/ 0 w 1343952"/>
-                <a:gd name="connsiteY0" fmla="*/ 0 h 1391598"/>
-                <a:gd name="connsiteX1" fmla="*/ 658536 w 1343952"/>
-                <a:gd name="connsiteY1" fmla="*/ 0 h 1391598"/>
-                <a:gd name="connsiteX2" fmla="*/ 1343952 w 1343952"/>
-                <a:gd name="connsiteY2" fmla="*/ 0 h 1391598"/>
-                <a:gd name="connsiteX3" fmla="*/ 1343952 w 1343952"/>
-                <a:gd name="connsiteY3" fmla="*/ 723631 h 1391598"/>
-                <a:gd name="connsiteX4" fmla="*/ 1343952 w 1343952"/>
-                <a:gd name="connsiteY4" fmla="*/ 1391598 h 1391598"/>
-                <a:gd name="connsiteX5" fmla="*/ 698855 w 1343952"/>
-                <a:gd name="connsiteY5" fmla="*/ 1391598 h 1391598"/>
-                <a:gd name="connsiteX6" fmla="*/ 0 w 1343952"/>
-                <a:gd name="connsiteY6" fmla="*/ 1391598 h 1391598"/>
-                <a:gd name="connsiteX7" fmla="*/ 0 w 1343952"/>
-                <a:gd name="connsiteY7" fmla="*/ 723631 h 1391598"/>
-                <a:gd name="connsiteX8" fmla="*/ 0 w 1343952"/>
-                <a:gd name="connsiteY8" fmla="*/ 0 h 1391598"/>
+                <a:gd name="connsiteX0" fmla="*/ 0 w 1474102"/>
+                <a:gd name="connsiteY0" fmla="*/ 0 h 1502220"/>
+                <a:gd name="connsiteX1" fmla="*/ 476626 w 1474102"/>
+                <a:gd name="connsiteY1" fmla="*/ 0 h 1502220"/>
+                <a:gd name="connsiteX2" fmla="*/ 923771 w 1474102"/>
+                <a:gd name="connsiteY2" fmla="*/ 0 h 1502220"/>
+                <a:gd name="connsiteX3" fmla="*/ 1474102 w 1474102"/>
+                <a:gd name="connsiteY3" fmla="*/ 0 h 1502220"/>
+                <a:gd name="connsiteX4" fmla="*/ 1474102 w 1474102"/>
+                <a:gd name="connsiteY4" fmla="*/ 485718 h 1502220"/>
+                <a:gd name="connsiteX5" fmla="*/ 1474102 w 1474102"/>
+                <a:gd name="connsiteY5" fmla="*/ 956413 h 1502220"/>
+                <a:gd name="connsiteX6" fmla="*/ 1474102 w 1474102"/>
+                <a:gd name="connsiteY6" fmla="*/ 1502220 h 1502220"/>
+                <a:gd name="connsiteX7" fmla="*/ 982735 w 1474102"/>
+                <a:gd name="connsiteY7" fmla="*/ 1502220 h 1502220"/>
+                <a:gd name="connsiteX8" fmla="*/ 461885 w 1474102"/>
+                <a:gd name="connsiteY8" fmla="*/ 1502220 h 1502220"/>
+                <a:gd name="connsiteX9" fmla="*/ 0 w 1474102"/>
+                <a:gd name="connsiteY9" fmla="*/ 1502220 h 1502220"/>
+                <a:gd name="connsiteX10" fmla="*/ 0 w 1474102"/>
+                <a:gd name="connsiteY10" fmla="*/ 1001480 h 1502220"/>
+                <a:gd name="connsiteX11" fmla="*/ 0 w 1474102"/>
+                <a:gd name="connsiteY11" fmla="*/ 515762 h 1502220"/>
+                <a:gd name="connsiteX12" fmla="*/ 0 w 1474102"/>
+                <a:gd name="connsiteY12" fmla="*/ 0 h 1502220"/>
               </a:gdLst>
               <a:ahLst/>
               <a:cxnLst>
@@ -18830,51 +21273,83 @@
                 <a:cxn ang="0">
                   <a:pos x="connsiteX8" y="connsiteY8"/>
                 </a:cxn>
+                <a:cxn ang="0">
+                  <a:pos x="connsiteX9" y="connsiteY9"/>
+                </a:cxn>
+                <a:cxn ang="0">
+                  <a:pos x="connsiteX10" y="connsiteY10"/>
+                </a:cxn>
+                <a:cxn ang="0">
+                  <a:pos x="connsiteX11" y="connsiteY11"/>
+                </a:cxn>
+                <a:cxn ang="0">
+                  <a:pos x="connsiteX12" y="connsiteY12"/>
+                </a:cxn>
               </a:cxnLst>
               <a:rect l="l" t="t" r="r" b="b"/>
               <a:pathLst>
-                <a:path w="1343952" h="1391598" extrusionOk="0">
+                <a:path w="1474102" h="1502220" extrusionOk="0">
                   <a:moveTo>
                     <a:pt x="0" y="0"/>
                   </a:moveTo>
                   <a:cubicBezTo>
-                    <a:pt x="277585" y="27819"/>
-                    <a:pt x="446576" y="-32659"/>
-                    <a:pt x="658536" y="0"/>
+                    <a:pt x="123701" y="17865"/>
+                    <a:pt x="380075" y="-15782"/>
+                    <a:pt x="476626" y="0"/>
                   </a:cubicBezTo>
                   <a:cubicBezTo>
-                    <a:pt x="870496" y="32659"/>
-                    <a:pt x="1093584" y="4021"/>
-                    <a:pt x="1343952" y="0"/>
+                    <a:pt x="573177" y="15782"/>
+                    <a:pt x="741827" y="2622"/>
+                    <a:pt x="923771" y="0"/>
                   </a:cubicBezTo>
                   <a:cubicBezTo>
-                    <a:pt x="1334549" y="156421"/>
-                    <a:pt x="1308673" y="431792"/>
-                    <a:pt x="1343952" y="723631"/>
+                    <a:pt x="1105715" y="-2622"/>
+                    <a:pt x="1269455" y="-4001"/>
+                    <a:pt x="1474102" y="0"/>
                   </a:cubicBezTo>
                   <a:cubicBezTo>
-                    <a:pt x="1379231" y="1015470"/>
-                    <a:pt x="1321373" y="1229252"/>
-                    <a:pt x="1343952" y="1391598"/>
+                    <a:pt x="1494371" y="182172"/>
+                    <a:pt x="1488678" y="322797"/>
+                    <a:pt x="1474102" y="485718"/>
                   </a:cubicBezTo>
                   <a:cubicBezTo>
-                    <a:pt x="1136012" y="1415098"/>
-                    <a:pt x="996035" y="1394716"/>
-                    <a:pt x="698855" y="1391598"/>
+                    <a:pt x="1459526" y="648639"/>
+                    <a:pt x="1479109" y="849765"/>
+                    <a:pt x="1474102" y="956413"/>
                   </a:cubicBezTo>
                   <a:cubicBezTo>
-                    <a:pt x="401675" y="1388480"/>
-                    <a:pt x="213598" y="1384405"/>
-                    <a:pt x="0" y="1391598"/>
+                    <a:pt x="1469095" y="1063061"/>
+                    <a:pt x="1485273" y="1368829"/>
+                    <a:pt x="1474102" y="1502220"/>
                   </a:cubicBezTo>
                   <a:cubicBezTo>
-                    <a:pt x="29262" y="1252518"/>
-                    <a:pt x="15487" y="879250"/>
-                    <a:pt x="0" y="723631"/>
+                    <a:pt x="1229360" y="1503485"/>
+                    <a:pt x="1097785" y="1525126"/>
+                    <a:pt x="982735" y="1502220"/>
                   </a:cubicBezTo>
                   <a:cubicBezTo>
-                    <a:pt x="-15487" y="568012"/>
-                    <a:pt x="-6034" y="218119"/>
+                    <a:pt x="867685" y="1479314"/>
+                    <a:pt x="716961" y="1504479"/>
+                    <a:pt x="461885" y="1502220"/>
+                  </a:cubicBezTo>
+                  <a:cubicBezTo>
+                    <a:pt x="206809" y="1499962"/>
+                    <a:pt x="128251" y="1496175"/>
+                    <a:pt x="0" y="1502220"/>
+                  </a:cubicBezTo>
+                  <a:cubicBezTo>
+                    <a:pt x="19845" y="1313574"/>
+                    <a:pt x="22973" y="1200391"/>
+                    <a:pt x="0" y="1001480"/>
+                  </a:cubicBezTo>
+                  <a:cubicBezTo>
+                    <a:pt x="-22973" y="802569"/>
+                    <a:pt x="-5950" y="688831"/>
+                    <a:pt x="0" y="515762"/>
+                  </a:cubicBezTo>
+                  <a:cubicBezTo>
+                    <a:pt x="5950" y="342693"/>
+                    <a:pt x="-22968" y="213318"/>
                     <a:pt x="0" y="0"/>
                   </a:cubicBezTo>
                   <a:close/>
@@ -18970,24 +21445,32 @@
             <a:custGeom>
               <a:avLst/>
               <a:gdLst>
-                <a:gd name="connsiteX0" fmla="*/ 0 w 1343952"/>
-                <a:gd name="connsiteY0" fmla="*/ 0 h 1391598"/>
-                <a:gd name="connsiteX1" fmla="*/ 658536 w 1343952"/>
-                <a:gd name="connsiteY1" fmla="*/ 0 h 1391598"/>
-                <a:gd name="connsiteX2" fmla="*/ 1343952 w 1343952"/>
-                <a:gd name="connsiteY2" fmla="*/ 0 h 1391598"/>
-                <a:gd name="connsiteX3" fmla="*/ 1343952 w 1343952"/>
-                <a:gd name="connsiteY3" fmla="*/ 723631 h 1391598"/>
-                <a:gd name="connsiteX4" fmla="*/ 1343952 w 1343952"/>
-                <a:gd name="connsiteY4" fmla="*/ 1391598 h 1391598"/>
-                <a:gd name="connsiteX5" fmla="*/ 698855 w 1343952"/>
-                <a:gd name="connsiteY5" fmla="*/ 1391598 h 1391598"/>
-                <a:gd name="connsiteX6" fmla="*/ 0 w 1343952"/>
-                <a:gd name="connsiteY6" fmla="*/ 1391598 h 1391598"/>
-                <a:gd name="connsiteX7" fmla="*/ 0 w 1343952"/>
-                <a:gd name="connsiteY7" fmla="*/ 723631 h 1391598"/>
-                <a:gd name="connsiteX8" fmla="*/ 0 w 1343952"/>
-                <a:gd name="connsiteY8" fmla="*/ 0 h 1391598"/>
+                <a:gd name="connsiteX0" fmla="*/ 0 w 1474102"/>
+                <a:gd name="connsiteY0" fmla="*/ 0 h 1502220"/>
+                <a:gd name="connsiteX1" fmla="*/ 476626 w 1474102"/>
+                <a:gd name="connsiteY1" fmla="*/ 0 h 1502220"/>
+                <a:gd name="connsiteX2" fmla="*/ 923771 w 1474102"/>
+                <a:gd name="connsiteY2" fmla="*/ 0 h 1502220"/>
+                <a:gd name="connsiteX3" fmla="*/ 1474102 w 1474102"/>
+                <a:gd name="connsiteY3" fmla="*/ 0 h 1502220"/>
+                <a:gd name="connsiteX4" fmla="*/ 1474102 w 1474102"/>
+                <a:gd name="connsiteY4" fmla="*/ 485718 h 1502220"/>
+                <a:gd name="connsiteX5" fmla="*/ 1474102 w 1474102"/>
+                <a:gd name="connsiteY5" fmla="*/ 956413 h 1502220"/>
+                <a:gd name="connsiteX6" fmla="*/ 1474102 w 1474102"/>
+                <a:gd name="connsiteY6" fmla="*/ 1502220 h 1502220"/>
+                <a:gd name="connsiteX7" fmla="*/ 982735 w 1474102"/>
+                <a:gd name="connsiteY7" fmla="*/ 1502220 h 1502220"/>
+                <a:gd name="connsiteX8" fmla="*/ 461885 w 1474102"/>
+                <a:gd name="connsiteY8" fmla="*/ 1502220 h 1502220"/>
+                <a:gd name="connsiteX9" fmla="*/ 0 w 1474102"/>
+                <a:gd name="connsiteY9" fmla="*/ 1502220 h 1502220"/>
+                <a:gd name="connsiteX10" fmla="*/ 0 w 1474102"/>
+                <a:gd name="connsiteY10" fmla="*/ 1001480 h 1502220"/>
+                <a:gd name="connsiteX11" fmla="*/ 0 w 1474102"/>
+                <a:gd name="connsiteY11" fmla="*/ 515762 h 1502220"/>
+                <a:gd name="connsiteX12" fmla="*/ 0 w 1474102"/>
+                <a:gd name="connsiteY12" fmla="*/ 0 h 1502220"/>
               </a:gdLst>
               <a:ahLst/>
               <a:cxnLst>
@@ -19018,51 +21501,83 @@
                 <a:cxn ang="0">
                   <a:pos x="connsiteX8" y="connsiteY8"/>
                 </a:cxn>
+                <a:cxn ang="0">
+                  <a:pos x="connsiteX9" y="connsiteY9"/>
+                </a:cxn>
+                <a:cxn ang="0">
+                  <a:pos x="connsiteX10" y="connsiteY10"/>
+                </a:cxn>
+                <a:cxn ang="0">
+                  <a:pos x="connsiteX11" y="connsiteY11"/>
+                </a:cxn>
+                <a:cxn ang="0">
+                  <a:pos x="connsiteX12" y="connsiteY12"/>
+                </a:cxn>
               </a:cxnLst>
               <a:rect l="l" t="t" r="r" b="b"/>
               <a:pathLst>
-                <a:path w="1343952" h="1391598" extrusionOk="0">
+                <a:path w="1474102" h="1502220" extrusionOk="0">
                   <a:moveTo>
                     <a:pt x="0" y="0"/>
                   </a:moveTo>
                   <a:cubicBezTo>
-                    <a:pt x="277585" y="27819"/>
-                    <a:pt x="446576" y="-32659"/>
-                    <a:pt x="658536" y="0"/>
+                    <a:pt x="123701" y="17865"/>
+                    <a:pt x="380075" y="-15782"/>
+                    <a:pt x="476626" y="0"/>
                   </a:cubicBezTo>
                   <a:cubicBezTo>
-                    <a:pt x="870496" y="32659"/>
-                    <a:pt x="1093584" y="4021"/>
-                    <a:pt x="1343952" y="0"/>
+                    <a:pt x="573177" y="15782"/>
+                    <a:pt x="741827" y="2622"/>
+                    <a:pt x="923771" y="0"/>
                   </a:cubicBezTo>
                   <a:cubicBezTo>
-                    <a:pt x="1334549" y="156421"/>
-                    <a:pt x="1308673" y="431792"/>
-                    <a:pt x="1343952" y="723631"/>
+                    <a:pt x="1105715" y="-2622"/>
+                    <a:pt x="1269455" y="-4001"/>
+                    <a:pt x="1474102" y="0"/>
                   </a:cubicBezTo>
                   <a:cubicBezTo>
-                    <a:pt x="1379231" y="1015470"/>
-                    <a:pt x="1321373" y="1229252"/>
-                    <a:pt x="1343952" y="1391598"/>
+                    <a:pt x="1494371" y="182172"/>
+                    <a:pt x="1488678" y="322797"/>
+                    <a:pt x="1474102" y="485718"/>
                   </a:cubicBezTo>
                   <a:cubicBezTo>
-                    <a:pt x="1136012" y="1415098"/>
-                    <a:pt x="996035" y="1394716"/>
-                    <a:pt x="698855" y="1391598"/>
+                    <a:pt x="1459526" y="648639"/>
+                    <a:pt x="1479109" y="849765"/>
+                    <a:pt x="1474102" y="956413"/>
                   </a:cubicBezTo>
                   <a:cubicBezTo>
-                    <a:pt x="401675" y="1388480"/>
-                    <a:pt x="213598" y="1384405"/>
-                    <a:pt x="0" y="1391598"/>
+                    <a:pt x="1469095" y="1063061"/>
+                    <a:pt x="1485273" y="1368829"/>
+                    <a:pt x="1474102" y="1502220"/>
                   </a:cubicBezTo>
                   <a:cubicBezTo>
-                    <a:pt x="29262" y="1252518"/>
-                    <a:pt x="15487" y="879250"/>
-                    <a:pt x="0" y="723631"/>
+                    <a:pt x="1229360" y="1503485"/>
+                    <a:pt x="1097785" y="1525126"/>
+                    <a:pt x="982735" y="1502220"/>
                   </a:cubicBezTo>
                   <a:cubicBezTo>
-                    <a:pt x="-15487" y="568012"/>
-                    <a:pt x="-6034" y="218119"/>
+                    <a:pt x="867685" y="1479314"/>
+                    <a:pt x="716961" y="1504479"/>
+                    <a:pt x="461885" y="1502220"/>
+                  </a:cubicBezTo>
+                  <a:cubicBezTo>
+                    <a:pt x="206809" y="1499962"/>
+                    <a:pt x="128251" y="1496175"/>
+                    <a:pt x="0" y="1502220"/>
+                  </a:cubicBezTo>
+                  <a:cubicBezTo>
+                    <a:pt x="19845" y="1313574"/>
+                    <a:pt x="22973" y="1200391"/>
+                    <a:pt x="0" y="1001480"/>
+                  </a:cubicBezTo>
+                  <a:cubicBezTo>
+                    <a:pt x="-22973" y="802569"/>
+                    <a:pt x="-5950" y="688831"/>
+                    <a:pt x="0" y="515762"/>
+                  </a:cubicBezTo>
+                  <a:cubicBezTo>
+                    <a:pt x="5950" y="342693"/>
+                    <a:pt x="-22968" y="213318"/>
                     <a:pt x="0" y="0"/>
                   </a:cubicBezTo>
                   <a:close/>

--- a/explain/container_image/application/static/AI.pptx
+++ b/explain/container_image/application/static/AI.pptx
@@ -19,7 +19,8 @@
     <p:sldId id="266" r:id="rId13"/>
     <p:sldId id="267" r:id="rId14"/>
     <p:sldId id="268" r:id="rId15"/>
-    <p:sldId id="265" r:id="rId16"/>
+    <p:sldId id="271" r:id="rId16"/>
+    <p:sldId id="265" r:id="rId17"/>
   </p:sldIdLst>
   <p:sldSz cx="12192000" cy="6858000"/>
   <p:notesSz cx="6858000" cy="9144000"/>
@@ -12416,6 +12417,1001 @@
       </p:grpSpPr>
       <p:sp>
         <p:nvSpPr>
+          <p:cNvPr id="43" name="Rectangle 42">
+            <a:extLst>
+              <a:ext uri="{FF2B5EF4-FFF2-40B4-BE49-F238E27FC236}">
+                <a16:creationId xmlns:a16="http://schemas.microsoft.com/office/drawing/2014/main" id="{CCB92D30-A40B-19CD-5AF9-41F3D92058E0}"/>
+              </a:ext>
+            </a:extLst>
+          </p:cNvPr>
+          <p:cNvSpPr/>
+          <p:nvPr/>
+        </p:nvSpPr>
+        <p:spPr>
+          <a:xfrm>
+            <a:off x="83826" y="201601"/>
+            <a:ext cx="4217671" cy="5414010"/>
+          </a:xfrm>
+          <a:prstGeom prst="rect">
+            <a:avLst/>
+          </a:prstGeom>
+          <a:solidFill>
+            <a:schemeClr val="bg2">
+              <a:lumMod val="90000"/>
+              <a:alpha val="14357"/>
+            </a:schemeClr>
+          </a:solidFill>
+        </p:spPr>
+        <p:style>
+          <a:lnRef idx="2">
+            <a:schemeClr val="accent1">
+              <a:shade val="15000"/>
+            </a:schemeClr>
+          </a:lnRef>
+          <a:fillRef idx="1">
+            <a:schemeClr val="accent1"/>
+          </a:fillRef>
+          <a:effectRef idx="0">
+            <a:schemeClr val="accent1"/>
+          </a:effectRef>
+          <a:fontRef idx="minor">
+            <a:schemeClr val="lt1"/>
+          </a:fontRef>
+        </p:style>
+        <p:txBody>
+          <a:bodyPr rtlCol="0" anchor="t" anchorCtr="0"/>
+          <a:lstStyle/>
+          <a:p>
+            <a:pPr algn="ctr"/>
+            <a:r>
+              <a:rPr lang="en-US" dirty="0">
+                <a:solidFill>
+                  <a:schemeClr val="accent1"/>
+                </a:solidFill>
+              </a:rPr>
+              <a:t>Owned by </a:t>
+            </a:r>
+            <a:r>
+              <a:rPr lang="en-US" dirty="0" err="1">
+                <a:solidFill>
+                  <a:schemeClr val="accent1"/>
+                </a:solidFill>
+              </a:rPr>
+              <a:t>PyTorchJob</a:t>
+            </a:r>
+            <a:endParaRPr lang="en-US" dirty="0">
+              <a:solidFill>
+                <a:schemeClr val="accent1"/>
+              </a:solidFill>
+            </a:endParaRPr>
+          </a:p>
+        </p:txBody>
+      </p:sp>
+      <p:sp>
+        <p:nvSpPr>
+          <p:cNvPr id="47" name="Rectangle 46">
+            <a:extLst>
+              <a:ext uri="{FF2B5EF4-FFF2-40B4-BE49-F238E27FC236}">
+                <a16:creationId xmlns:a16="http://schemas.microsoft.com/office/drawing/2014/main" id="{F8E14A6A-64E4-0C9B-6E71-2A0B870497D5}"/>
+              </a:ext>
+            </a:extLst>
+          </p:cNvPr>
+          <p:cNvSpPr/>
+          <p:nvPr/>
+        </p:nvSpPr>
+        <p:spPr>
+          <a:xfrm>
+            <a:off x="8149589" y="91439"/>
+            <a:ext cx="4042405" cy="6675109"/>
+          </a:xfrm>
+          <a:prstGeom prst="rect">
+            <a:avLst/>
+          </a:prstGeom>
+          <a:solidFill>
+            <a:schemeClr val="bg2">
+              <a:lumMod val="90000"/>
+              <a:alpha val="14357"/>
+            </a:schemeClr>
+          </a:solidFill>
+        </p:spPr>
+        <p:style>
+          <a:lnRef idx="2">
+            <a:schemeClr val="accent1">
+              <a:shade val="15000"/>
+            </a:schemeClr>
+          </a:lnRef>
+          <a:fillRef idx="1">
+            <a:schemeClr val="accent1"/>
+          </a:fillRef>
+          <a:effectRef idx="0">
+            <a:schemeClr val="accent1"/>
+          </a:effectRef>
+          <a:fontRef idx="minor">
+            <a:schemeClr val="lt1"/>
+          </a:fontRef>
+        </p:style>
+        <p:txBody>
+          <a:bodyPr rtlCol="0" anchor="t" anchorCtr="0"/>
+          <a:lstStyle/>
+          <a:p>
+            <a:r>
+              <a:rPr lang="en-US" dirty="0">
+                <a:solidFill>
+                  <a:schemeClr val="accent1"/>
+                </a:solidFill>
+              </a:rPr>
+              <a:t>Kubeflow pipeline</a:t>
+            </a:r>
+          </a:p>
+        </p:txBody>
+      </p:sp>
+      <p:sp>
+        <p:nvSpPr>
+          <p:cNvPr id="4" name="Rectangle 3">
+            <a:extLst>
+              <a:ext uri="{FF2B5EF4-FFF2-40B4-BE49-F238E27FC236}">
+                <a16:creationId xmlns:a16="http://schemas.microsoft.com/office/drawing/2014/main" id="{6F40D062-FC9F-3231-3F05-216EA68598CC}"/>
+              </a:ext>
+            </a:extLst>
+          </p:cNvPr>
+          <p:cNvSpPr/>
+          <p:nvPr/>
+        </p:nvSpPr>
+        <p:spPr>
+          <a:xfrm>
+            <a:off x="8492490" y="2396490"/>
+            <a:ext cx="3188970" cy="1470660"/>
+          </a:xfrm>
+          <a:prstGeom prst="rect">
+            <a:avLst/>
+          </a:prstGeom>
+          <a:solidFill>
+            <a:schemeClr val="accent6">
+              <a:lumMod val="75000"/>
+            </a:schemeClr>
+          </a:solidFill>
+          <a:ln w="111125">
+            <a:solidFill>
+              <a:schemeClr val="accent6">
+                <a:lumMod val="50000"/>
+              </a:schemeClr>
+            </a:solidFill>
+          </a:ln>
+        </p:spPr>
+        <p:style>
+          <a:lnRef idx="2">
+            <a:schemeClr val="accent1">
+              <a:shade val="15000"/>
+            </a:schemeClr>
+          </a:lnRef>
+          <a:fillRef idx="1">
+            <a:schemeClr val="accent1"/>
+          </a:fillRef>
+          <a:effectRef idx="0">
+            <a:schemeClr val="accent1"/>
+          </a:effectRef>
+          <a:fontRef idx="minor">
+            <a:schemeClr val="lt1"/>
+          </a:fontRef>
+        </p:style>
+        <p:txBody>
+          <a:bodyPr rtlCol="0" anchor="ctr"/>
+          <a:lstStyle/>
+          <a:p>
+            <a:pPr algn="ctr"/>
+            <a:r>
+              <a:rPr lang="en-US" dirty="0" err="1"/>
+              <a:t>train_model_task</a:t>
+            </a:r>
+            <a:endParaRPr lang="en-US" dirty="0"/>
+          </a:p>
+        </p:txBody>
+      </p:sp>
+      <p:sp>
+        <p:nvSpPr>
+          <p:cNvPr id="5" name="Rectangle 4">
+            <a:extLst>
+              <a:ext uri="{FF2B5EF4-FFF2-40B4-BE49-F238E27FC236}">
+                <a16:creationId xmlns:a16="http://schemas.microsoft.com/office/drawing/2014/main" id="{52FC524C-F578-7647-AE17-DF1F7B1E5DED}"/>
+              </a:ext>
+            </a:extLst>
+          </p:cNvPr>
+          <p:cNvSpPr/>
+          <p:nvPr/>
+        </p:nvSpPr>
+        <p:spPr>
+          <a:xfrm>
+            <a:off x="8492490" y="533400"/>
+            <a:ext cx="3188970" cy="1245870"/>
+          </a:xfrm>
+          <a:prstGeom prst="rect">
+            <a:avLst/>
+          </a:prstGeom>
+          <a:solidFill>
+            <a:schemeClr val="accent6">
+              <a:lumMod val="75000"/>
+            </a:schemeClr>
+          </a:solidFill>
+        </p:spPr>
+        <p:style>
+          <a:lnRef idx="2">
+            <a:schemeClr val="accent1">
+              <a:shade val="15000"/>
+            </a:schemeClr>
+          </a:lnRef>
+          <a:fillRef idx="1">
+            <a:schemeClr val="accent1"/>
+          </a:fillRef>
+          <a:effectRef idx="0">
+            <a:schemeClr val="accent1"/>
+          </a:effectRef>
+          <a:fontRef idx="minor">
+            <a:schemeClr val="lt1"/>
+          </a:fontRef>
+        </p:style>
+        <p:txBody>
+          <a:bodyPr rtlCol="0" anchor="ctr"/>
+          <a:lstStyle/>
+          <a:p>
+            <a:pPr algn="ctr"/>
+            <a:r>
+              <a:rPr lang="en-US" dirty="0" err="1"/>
+              <a:t>Configure_tensorboard_task</a:t>
+            </a:r>
+            <a:endParaRPr lang="en-US" dirty="0"/>
+          </a:p>
+        </p:txBody>
+      </p:sp>
+      <p:sp>
+        <p:nvSpPr>
+          <p:cNvPr id="6" name="Rectangle 5">
+            <a:extLst>
+              <a:ext uri="{FF2B5EF4-FFF2-40B4-BE49-F238E27FC236}">
+                <a16:creationId xmlns:a16="http://schemas.microsoft.com/office/drawing/2014/main" id="{4BFDB177-98EA-CF8F-EDFA-CDF01D7CFEEF}"/>
+              </a:ext>
+            </a:extLst>
+          </p:cNvPr>
+          <p:cNvSpPr/>
+          <p:nvPr/>
+        </p:nvSpPr>
+        <p:spPr>
+          <a:xfrm>
+            <a:off x="8492490" y="4686300"/>
+            <a:ext cx="3188970" cy="1390650"/>
+          </a:xfrm>
+          <a:prstGeom prst="rect">
+            <a:avLst/>
+          </a:prstGeom>
+          <a:solidFill>
+            <a:schemeClr val="accent6">
+              <a:lumMod val="75000"/>
+            </a:schemeClr>
+          </a:solidFill>
+        </p:spPr>
+        <p:style>
+          <a:lnRef idx="2">
+            <a:schemeClr val="accent1">
+              <a:shade val="15000"/>
+            </a:schemeClr>
+          </a:lnRef>
+          <a:fillRef idx="1">
+            <a:schemeClr val="accent1"/>
+          </a:fillRef>
+          <a:effectRef idx="0">
+            <a:schemeClr val="accent1"/>
+          </a:effectRef>
+          <a:fontRef idx="minor">
+            <a:schemeClr val="lt1"/>
+          </a:fontRef>
+        </p:style>
+        <p:txBody>
+          <a:bodyPr rtlCol="0" anchor="ctr"/>
+          <a:lstStyle/>
+          <a:p>
+            <a:pPr algn="ctr"/>
+            <a:r>
+              <a:rPr lang="en-US" dirty="0" err="1"/>
+              <a:t>test_model_task</a:t>
+            </a:r>
+            <a:endParaRPr lang="en-US" dirty="0"/>
+          </a:p>
+        </p:txBody>
+      </p:sp>
+      <p:sp>
+        <p:nvSpPr>
+          <p:cNvPr id="7" name="Rectangle 6">
+            <a:extLst>
+              <a:ext uri="{FF2B5EF4-FFF2-40B4-BE49-F238E27FC236}">
+                <a16:creationId xmlns:a16="http://schemas.microsoft.com/office/drawing/2014/main" id="{46790DEA-63C1-D5E1-CB87-24FCD326FD57}"/>
+              </a:ext>
+            </a:extLst>
+          </p:cNvPr>
+          <p:cNvSpPr/>
+          <p:nvPr/>
+        </p:nvSpPr>
+        <p:spPr>
+          <a:xfrm>
+            <a:off x="4583430" y="1871662"/>
+            <a:ext cx="2548890" cy="2520315"/>
+          </a:xfrm>
+          <a:prstGeom prst="rect">
+            <a:avLst/>
+          </a:prstGeom>
+        </p:spPr>
+        <p:style>
+          <a:lnRef idx="2">
+            <a:schemeClr val="accent1">
+              <a:shade val="15000"/>
+            </a:schemeClr>
+          </a:lnRef>
+          <a:fillRef idx="1">
+            <a:schemeClr val="accent1"/>
+          </a:fillRef>
+          <a:effectRef idx="0">
+            <a:schemeClr val="accent1"/>
+          </a:effectRef>
+          <a:fontRef idx="minor">
+            <a:schemeClr val="lt1"/>
+          </a:fontRef>
+        </p:style>
+        <p:txBody>
+          <a:bodyPr rtlCol="0" anchor="ctr"/>
+          <a:lstStyle/>
+          <a:p>
+            <a:pPr algn="ctr"/>
+            <a:r>
+              <a:rPr lang="en-US" dirty="0" err="1"/>
+              <a:t>PyTorchJob</a:t>
+            </a:r>
+            <a:endParaRPr lang="en-US" dirty="0"/>
+          </a:p>
+        </p:txBody>
+      </p:sp>
+      <p:sp>
+        <p:nvSpPr>
+          <p:cNvPr id="8" name="Rectangle 7">
+            <a:extLst>
+              <a:ext uri="{FF2B5EF4-FFF2-40B4-BE49-F238E27FC236}">
+                <a16:creationId xmlns:a16="http://schemas.microsoft.com/office/drawing/2014/main" id="{4306E48A-A312-2683-7FD4-0B6015E653FB}"/>
+              </a:ext>
+            </a:extLst>
+          </p:cNvPr>
+          <p:cNvSpPr/>
+          <p:nvPr/>
+        </p:nvSpPr>
+        <p:spPr>
+          <a:xfrm>
+            <a:off x="1437330" y="1343814"/>
+            <a:ext cx="1607820" cy="735330"/>
+          </a:xfrm>
+          <a:prstGeom prst="rect">
+            <a:avLst/>
+          </a:prstGeom>
+        </p:spPr>
+        <p:style>
+          <a:lnRef idx="2">
+            <a:schemeClr val="accent1">
+              <a:shade val="15000"/>
+            </a:schemeClr>
+          </a:lnRef>
+          <a:fillRef idx="1">
+            <a:schemeClr val="accent1"/>
+          </a:fillRef>
+          <a:effectRef idx="0">
+            <a:schemeClr val="accent1"/>
+          </a:effectRef>
+          <a:fontRef idx="minor">
+            <a:schemeClr val="lt1"/>
+          </a:fontRef>
+        </p:style>
+        <p:txBody>
+          <a:bodyPr rtlCol="0" anchor="ctr"/>
+          <a:lstStyle/>
+          <a:p>
+            <a:pPr algn="ctr"/>
+            <a:r>
+              <a:rPr lang="en-US" dirty="0"/>
+              <a:t>POD</a:t>
+            </a:r>
+          </a:p>
+          <a:p>
+            <a:pPr algn="ctr"/>
+            <a:r>
+              <a:rPr lang="en-US" dirty="0"/>
+              <a:t>Worker #1</a:t>
+            </a:r>
+          </a:p>
+        </p:txBody>
+      </p:sp>
+      <p:sp>
+        <p:nvSpPr>
+          <p:cNvPr id="9" name="Rectangle 8">
+            <a:extLst>
+              <a:ext uri="{FF2B5EF4-FFF2-40B4-BE49-F238E27FC236}">
+                <a16:creationId xmlns:a16="http://schemas.microsoft.com/office/drawing/2014/main" id="{AB52DA14-A5D9-D443-3084-8F9E38C216E8}"/>
+              </a:ext>
+            </a:extLst>
+          </p:cNvPr>
+          <p:cNvSpPr/>
+          <p:nvPr/>
+        </p:nvSpPr>
+        <p:spPr>
+          <a:xfrm>
+            <a:off x="247654" y="3373754"/>
+            <a:ext cx="1607820" cy="735330"/>
+          </a:xfrm>
+          <a:prstGeom prst="rect">
+            <a:avLst/>
+          </a:prstGeom>
+        </p:spPr>
+        <p:style>
+          <a:lnRef idx="2">
+            <a:schemeClr val="accent1">
+              <a:shade val="15000"/>
+            </a:schemeClr>
+          </a:lnRef>
+          <a:fillRef idx="1">
+            <a:schemeClr val="accent1"/>
+          </a:fillRef>
+          <a:effectRef idx="0">
+            <a:schemeClr val="accent1"/>
+          </a:effectRef>
+          <a:fontRef idx="minor">
+            <a:schemeClr val="lt1"/>
+          </a:fontRef>
+        </p:style>
+        <p:txBody>
+          <a:bodyPr rtlCol="0" anchor="ctr"/>
+          <a:lstStyle/>
+          <a:p>
+            <a:pPr algn="ctr"/>
+            <a:r>
+              <a:rPr lang="en-US" dirty="0"/>
+              <a:t>POD</a:t>
+            </a:r>
+          </a:p>
+          <a:p>
+            <a:pPr algn="ctr"/>
+            <a:r>
+              <a:rPr lang="en-US" dirty="0"/>
+              <a:t>Worker #2</a:t>
+            </a:r>
+          </a:p>
+        </p:txBody>
+      </p:sp>
+      <p:sp>
+        <p:nvSpPr>
+          <p:cNvPr id="10" name="Rectangle 9">
+            <a:extLst>
+              <a:ext uri="{FF2B5EF4-FFF2-40B4-BE49-F238E27FC236}">
+                <a16:creationId xmlns:a16="http://schemas.microsoft.com/office/drawing/2014/main" id="{F4D5B10D-611E-6B75-EDB3-236A3CA2BCA3}"/>
+              </a:ext>
+            </a:extLst>
+          </p:cNvPr>
+          <p:cNvSpPr/>
+          <p:nvPr/>
+        </p:nvSpPr>
+        <p:spPr>
+          <a:xfrm>
+            <a:off x="2642242" y="3354705"/>
+            <a:ext cx="1607820" cy="735330"/>
+          </a:xfrm>
+          <a:prstGeom prst="rect">
+            <a:avLst/>
+          </a:prstGeom>
+        </p:spPr>
+        <p:style>
+          <a:lnRef idx="2">
+            <a:schemeClr val="accent1">
+              <a:shade val="15000"/>
+            </a:schemeClr>
+          </a:lnRef>
+          <a:fillRef idx="1">
+            <a:schemeClr val="accent1"/>
+          </a:fillRef>
+          <a:effectRef idx="0">
+            <a:schemeClr val="accent1"/>
+          </a:effectRef>
+          <a:fontRef idx="minor">
+            <a:schemeClr val="lt1"/>
+          </a:fontRef>
+        </p:style>
+        <p:txBody>
+          <a:bodyPr rtlCol="0" anchor="ctr"/>
+          <a:lstStyle/>
+          <a:p>
+            <a:pPr algn="ctr"/>
+            <a:r>
+              <a:rPr lang="en-US" dirty="0"/>
+              <a:t>POD</a:t>
+            </a:r>
+          </a:p>
+          <a:p>
+            <a:pPr algn="ctr"/>
+            <a:r>
+              <a:rPr lang="en-US" dirty="0"/>
+              <a:t>Worker #3</a:t>
+            </a:r>
+          </a:p>
+        </p:txBody>
+      </p:sp>
+      <p:cxnSp>
+        <p:nvCxnSpPr>
+          <p:cNvPr id="13" name="Straight Arrow Connector 12">
+            <a:extLst>
+              <a:ext uri="{FF2B5EF4-FFF2-40B4-BE49-F238E27FC236}">
+                <a16:creationId xmlns:a16="http://schemas.microsoft.com/office/drawing/2014/main" id="{A08A8B09-5BB3-589F-65B3-E4CFC45B5F71}"/>
+              </a:ext>
+            </a:extLst>
+          </p:cNvPr>
+          <p:cNvCxnSpPr>
+            <a:cxnSpLocks/>
+          </p:cNvCxnSpPr>
+          <p:nvPr/>
+        </p:nvCxnSpPr>
+        <p:spPr>
+          <a:xfrm>
+            <a:off x="10166985" y="91440"/>
+            <a:ext cx="0" cy="441960"/>
+          </a:xfrm>
+          <a:prstGeom prst="straightConnector1">
+            <a:avLst/>
+          </a:prstGeom>
+          <a:ln>
+            <a:headEnd type="none" w="lg" len="lg"/>
+            <a:tailEnd type="triangle"/>
+          </a:ln>
+        </p:spPr>
+        <p:style>
+          <a:lnRef idx="1">
+            <a:schemeClr val="accent1"/>
+          </a:lnRef>
+          <a:fillRef idx="0">
+            <a:schemeClr val="accent1"/>
+          </a:fillRef>
+          <a:effectRef idx="0">
+            <a:schemeClr val="accent1"/>
+          </a:effectRef>
+          <a:fontRef idx="minor">
+            <a:schemeClr val="tx1"/>
+          </a:fontRef>
+        </p:style>
+      </p:cxnSp>
+      <p:cxnSp>
+        <p:nvCxnSpPr>
+          <p:cNvPr id="15" name="Straight Arrow Connector 14">
+            <a:extLst>
+              <a:ext uri="{FF2B5EF4-FFF2-40B4-BE49-F238E27FC236}">
+                <a16:creationId xmlns:a16="http://schemas.microsoft.com/office/drawing/2014/main" id="{98C4CF3A-BF98-A84C-95AA-BD5EAF102B48}"/>
+              </a:ext>
+            </a:extLst>
+          </p:cNvPr>
+          <p:cNvCxnSpPr>
+            <a:cxnSpLocks/>
+          </p:cNvCxnSpPr>
+          <p:nvPr/>
+        </p:nvCxnSpPr>
+        <p:spPr>
+          <a:xfrm>
+            <a:off x="10176510" y="6076950"/>
+            <a:ext cx="0" cy="575310"/>
+          </a:xfrm>
+          <a:prstGeom prst="straightConnector1">
+            <a:avLst/>
+          </a:prstGeom>
+          <a:ln>
+            <a:headEnd type="none" w="lg" len="lg"/>
+            <a:tailEnd type="triangle"/>
+          </a:ln>
+        </p:spPr>
+        <p:style>
+          <a:lnRef idx="1">
+            <a:schemeClr val="accent1"/>
+          </a:lnRef>
+          <a:fillRef idx="0">
+            <a:schemeClr val="accent1"/>
+          </a:fillRef>
+          <a:effectRef idx="0">
+            <a:schemeClr val="accent1"/>
+          </a:effectRef>
+          <a:fontRef idx="minor">
+            <a:schemeClr val="tx1"/>
+          </a:fontRef>
+        </p:style>
+      </p:cxnSp>
+      <p:cxnSp>
+        <p:nvCxnSpPr>
+          <p:cNvPr id="17" name="Straight Arrow Connector 16">
+            <a:extLst>
+              <a:ext uri="{FF2B5EF4-FFF2-40B4-BE49-F238E27FC236}">
+                <a16:creationId xmlns:a16="http://schemas.microsoft.com/office/drawing/2014/main" id="{7716164A-FC98-C621-B95F-F8081829CB78}"/>
+              </a:ext>
+            </a:extLst>
+          </p:cNvPr>
+          <p:cNvCxnSpPr>
+            <a:cxnSpLocks/>
+            <a:stCxn id="5" idx="2"/>
+          </p:cNvCxnSpPr>
+          <p:nvPr/>
+        </p:nvCxnSpPr>
+        <p:spPr>
+          <a:xfrm>
+            <a:off x="10086975" y="1779270"/>
+            <a:ext cx="0" cy="617220"/>
+          </a:xfrm>
+          <a:prstGeom prst="straightConnector1">
+            <a:avLst/>
+          </a:prstGeom>
+          <a:ln>
+            <a:headEnd type="none" w="lg" len="lg"/>
+            <a:tailEnd type="triangle"/>
+          </a:ln>
+        </p:spPr>
+        <p:style>
+          <a:lnRef idx="1">
+            <a:schemeClr val="accent1"/>
+          </a:lnRef>
+          <a:fillRef idx="0">
+            <a:schemeClr val="accent1"/>
+          </a:fillRef>
+          <a:effectRef idx="0">
+            <a:schemeClr val="accent1"/>
+          </a:effectRef>
+          <a:fontRef idx="minor">
+            <a:schemeClr val="tx1"/>
+          </a:fontRef>
+        </p:style>
+      </p:cxnSp>
+      <p:cxnSp>
+        <p:nvCxnSpPr>
+          <p:cNvPr id="20" name="Straight Arrow Connector 19">
+            <a:extLst>
+              <a:ext uri="{FF2B5EF4-FFF2-40B4-BE49-F238E27FC236}">
+                <a16:creationId xmlns:a16="http://schemas.microsoft.com/office/drawing/2014/main" id="{9FC52AC7-32E1-3407-B74C-1AA39BE7A46F}"/>
+              </a:ext>
+            </a:extLst>
+          </p:cNvPr>
+          <p:cNvCxnSpPr>
+            <a:cxnSpLocks/>
+          </p:cNvCxnSpPr>
+          <p:nvPr/>
+        </p:nvCxnSpPr>
+        <p:spPr>
+          <a:xfrm>
+            <a:off x="10176510" y="3867150"/>
+            <a:ext cx="0" cy="819150"/>
+          </a:xfrm>
+          <a:prstGeom prst="straightConnector1">
+            <a:avLst/>
+          </a:prstGeom>
+          <a:ln>
+            <a:headEnd type="none" w="lg" len="lg"/>
+            <a:tailEnd type="triangle"/>
+          </a:ln>
+        </p:spPr>
+        <p:style>
+          <a:lnRef idx="1">
+            <a:schemeClr val="accent1"/>
+          </a:lnRef>
+          <a:fillRef idx="0">
+            <a:schemeClr val="accent1"/>
+          </a:fillRef>
+          <a:effectRef idx="0">
+            <a:schemeClr val="accent1"/>
+          </a:effectRef>
+          <a:fontRef idx="minor">
+            <a:schemeClr val="tx1"/>
+          </a:fontRef>
+        </p:style>
+      </p:cxnSp>
+      <p:cxnSp>
+        <p:nvCxnSpPr>
+          <p:cNvPr id="23" name="Straight Connector 22">
+            <a:extLst>
+              <a:ext uri="{FF2B5EF4-FFF2-40B4-BE49-F238E27FC236}">
+                <a16:creationId xmlns:a16="http://schemas.microsoft.com/office/drawing/2014/main" id="{AAF016AD-3D48-F2A3-4DD5-B7F210F0C057}"/>
+              </a:ext>
+            </a:extLst>
+          </p:cNvPr>
+          <p:cNvCxnSpPr>
+            <a:stCxn id="4" idx="1"/>
+            <a:endCxn id="7" idx="3"/>
+          </p:cNvCxnSpPr>
+          <p:nvPr/>
+        </p:nvCxnSpPr>
+        <p:spPr>
+          <a:xfrm flipH="1">
+            <a:off x="7132320" y="3131820"/>
+            <a:ext cx="1360170" cy="0"/>
+          </a:xfrm>
+          <a:prstGeom prst="line">
+            <a:avLst/>
+          </a:prstGeom>
+        </p:spPr>
+        <p:style>
+          <a:lnRef idx="1">
+            <a:schemeClr val="accent1"/>
+          </a:lnRef>
+          <a:fillRef idx="0">
+            <a:schemeClr val="accent1"/>
+          </a:fillRef>
+          <a:effectRef idx="0">
+            <a:schemeClr val="accent1"/>
+          </a:effectRef>
+          <a:fontRef idx="minor">
+            <a:schemeClr val="tx1"/>
+          </a:fontRef>
+        </p:style>
+      </p:cxnSp>
+      <p:cxnSp>
+        <p:nvCxnSpPr>
+          <p:cNvPr id="31" name="Curved Connector 30">
+            <a:extLst>
+              <a:ext uri="{FF2B5EF4-FFF2-40B4-BE49-F238E27FC236}">
+                <a16:creationId xmlns:a16="http://schemas.microsoft.com/office/drawing/2014/main" id="{E8503BF2-23A6-A6D6-5F70-3BEFE0B8431E}"/>
+              </a:ext>
+            </a:extLst>
+          </p:cNvPr>
+          <p:cNvCxnSpPr>
+            <a:stCxn id="9" idx="2"/>
+            <a:endCxn id="10" idx="2"/>
+          </p:cNvCxnSpPr>
+          <p:nvPr/>
+        </p:nvCxnSpPr>
+        <p:spPr>
+          <a:xfrm rot="5400000" flipH="1" flipV="1">
+            <a:off x="2239333" y="2902266"/>
+            <a:ext cx="19049" cy="2394588"/>
+          </a:xfrm>
+          <a:prstGeom prst="curvedConnector3">
+            <a:avLst>
+              <a:gd name="adj1" fmla="val -1200063"/>
+            </a:avLst>
+          </a:prstGeom>
+          <a:ln>
+            <a:tailEnd type="triangle"/>
+          </a:ln>
+        </p:spPr>
+        <p:style>
+          <a:lnRef idx="1">
+            <a:schemeClr val="accent1"/>
+          </a:lnRef>
+          <a:fillRef idx="0">
+            <a:schemeClr val="accent1"/>
+          </a:fillRef>
+          <a:effectRef idx="0">
+            <a:schemeClr val="accent1"/>
+          </a:effectRef>
+          <a:fontRef idx="minor">
+            <a:schemeClr val="tx1"/>
+          </a:fontRef>
+        </p:style>
+      </p:cxnSp>
+      <p:cxnSp>
+        <p:nvCxnSpPr>
+          <p:cNvPr id="33" name="Curved Connector 32">
+            <a:extLst>
+              <a:ext uri="{FF2B5EF4-FFF2-40B4-BE49-F238E27FC236}">
+                <a16:creationId xmlns:a16="http://schemas.microsoft.com/office/drawing/2014/main" id="{86FF4044-C899-E15A-9171-DACEAD9F7C07}"/>
+              </a:ext>
+            </a:extLst>
+          </p:cNvPr>
+          <p:cNvCxnSpPr>
+            <a:cxnSpLocks/>
+            <a:endCxn id="8" idx="3"/>
+          </p:cNvCxnSpPr>
+          <p:nvPr/>
+        </p:nvCxnSpPr>
+        <p:spPr>
+          <a:xfrm rot="16200000" flipV="1">
+            <a:off x="2493568" y="2263061"/>
+            <a:ext cx="1624176" cy="521011"/>
+          </a:xfrm>
+          <a:prstGeom prst="curvedConnector2">
+            <a:avLst/>
+          </a:prstGeom>
+          <a:ln>
+            <a:tailEnd type="triangle"/>
+          </a:ln>
+        </p:spPr>
+        <p:style>
+          <a:lnRef idx="1">
+            <a:schemeClr val="accent1"/>
+          </a:lnRef>
+          <a:fillRef idx="0">
+            <a:schemeClr val="accent1"/>
+          </a:fillRef>
+          <a:effectRef idx="0">
+            <a:schemeClr val="accent1"/>
+          </a:effectRef>
+          <a:fontRef idx="minor">
+            <a:schemeClr val="tx1"/>
+          </a:fontRef>
+        </p:style>
+      </p:cxnSp>
+      <p:cxnSp>
+        <p:nvCxnSpPr>
+          <p:cNvPr id="39" name="Curved Connector 38">
+            <a:extLst>
+              <a:ext uri="{FF2B5EF4-FFF2-40B4-BE49-F238E27FC236}">
+                <a16:creationId xmlns:a16="http://schemas.microsoft.com/office/drawing/2014/main" id="{91B9894F-E535-F4F5-184D-14C22E2EFE39}"/>
+              </a:ext>
+            </a:extLst>
+          </p:cNvPr>
+          <p:cNvCxnSpPr>
+            <a:cxnSpLocks/>
+            <a:stCxn id="8" idx="1"/>
+          </p:cNvCxnSpPr>
+          <p:nvPr/>
+        </p:nvCxnSpPr>
+        <p:spPr>
+          <a:xfrm rot="10800000" flipV="1">
+            <a:off x="940132" y="1711479"/>
+            <a:ext cx="497198" cy="1643226"/>
+          </a:xfrm>
+          <a:prstGeom prst="curvedConnector2">
+            <a:avLst/>
+          </a:prstGeom>
+          <a:ln>
+            <a:tailEnd type="triangle"/>
+          </a:ln>
+        </p:spPr>
+        <p:style>
+          <a:lnRef idx="1">
+            <a:schemeClr val="accent1"/>
+          </a:lnRef>
+          <a:fillRef idx="0">
+            <a:schemeClr val="accent1"/>
+          </a:fillRef>
+          <a:effectRef idx="0">
+            <a:schemeClr val="accent1"/>
+          </a:effectRef>
+          <a:fontRef idx="minor">
+            <a:schemeClr val="tx1"/>
+          </a:fontRef>
+        </p:style>
+      </p:cxnSp>
+      <p:cxnSp>
+        <p:nvCxnSpPr>
+          <p:cNvPr id="45" name="Straight Connector 44">
+            <a:extLst>
+              <a:ext uri="{FF2B5EF4-FFF2-40B4-BE49-F238E27FC236}">
+                <a16:creationId xmlns:a16="http://schemas.microsoft.com/office/drawing/2014/main" id="{183E46B5-2278-E3D1-43F4-754D1FC2A997}"/>
+              </a:ext>
+            </a:extLst>
+          </p:cNvPr>
+          <p:cNvCxnSpPr>
+            <a:cxnSpLocks/>
+            <a:stCxn id="7" idx="1"/>
+          </p:cNvCxnSpPr>
+          <p:nvPr/>
+        </p:nvCxnSpPr>
+        <p:spPr>
+          <a:xfrm flipH="1">
+            <a:off x="4301497" y="3131820"/>
+            <a:ext cx="281933" cy="7619"/>
+          </a:xfrm>
+          <a:prstGeom prst="line">
+            <a:avLst/>
+          </a:prstGeom>
+        </p:spPr>
+        <p:style>
+          <a:lnRef idx="1">
+            <a:schemeClr val="accent1"/>
+          </a:lnRef>
+          <a:fillRef idx="0">
+            <a:schemeClr val="accent1"/>
+          </a:fillRef>
+          <a:effectRef idx="0">
+            <a:schemeClr val="accent1"/>
+          </a:effectRef>
+          <a:fontRef idx="minor">
+            <a:schemeClr val="tx1"/>
+          </a:fontRef>
+        </p:style>
+      </p:cxnSp>
+      <p:sp>
+        <p:nvSpPr>
+          <p:cNvPr id="48" name="TextBox 47">
+            <a:extLst>
+              <a:ext uri="{FF2B5EF4-FFF2-40B4-BE49-F238E27FC236}">
+                <a16:creationId xmlns:a16="http://schemas.microsoft.com/office/drawing/2014/main" id="{D328CE20-969E-3241-A7B4-67F88054286D}"/>
+              </a:ext>
+            </a:extLst>
+          </p:cNvPr>
+          <p:cNvSpPr txBox="1"/>
+          <p:nvPr/>
+        </p:nvSpPr>
+        <p:spPr>
+          <a:xfrm>
+            <a:off x="7155184" y="2677774"/>
+            <a:ext cx="1360165" cy="461665"/>
+          </a:xfrm>
+          <a:prstGeom prst="rect">
+            <a:avLst/>
+          </a:prstGeom>
+          <a:noFill/>
+        </p:spPr>
+        <p:txBody>
+          <a:bodyPr wrap="square" rtlCol="0">
+            <a:spAutoFit/>
+          </a:bodyPr>
+          <a:lstStyle/>
+          <a:p>
+            <a:r>
+              <a:rPr lang="en-US" sz="1200" dirty="0"/>
+              <a:t>Deploy &amp; Synchronize</a:t>
+            </a:r>
+          </a:p>
+        </p:txBody>
+      </p:sp>
+      <p:sp>
+        <p:nvSpPr>
+          <p:cNvPr id="56" name="TextBox 55">
+            <a:extLst>
+              <a:ext uri="{FF2B5EF4-FFF2-40B4-BE49-F238E27FC236}">
+                <a16:creationId xmlns:a16="http://schemas.microsoft.com/office/drawing/2014/main" id="{1077B07B-4309-8616-13E0-958A38C66ED5}"/>
+              </a:ext>
+            </a:extLst>
+          </p:cNvPr>
+          <p:cNvSpPr txBox="1"/>
+          <p:nvPr/>
+        </p:nvSpPr>
+        <p:spPr>
+          <a:xfrm>
+            <a:off x="1568774" y="2686740"/>
+            <a:ext cx="1360165" cy="461665"/>
+          </a:xfrm>
+          <a:prstGeom prst="rect">
+            <a:avLst/>
+          </a:prstGeom>
+          <a:noFill/>
+        </p:spPr>
+        <p:txBody>
+          <a:bodyPr wrap="square" rtlCol="0">
+            <a:spAutoFit/>
+          </a:bodyPr>
+          <a:lstStyle/>
+          <a:p>
+            <a:r>
+              <a:rPr lang="en-US" sz="1200" dirty="0"/>
+              <a:t>Train using DDP &amp; All Reduce</a:t>
+            </a:r>
+          </a:p>
+        </p:txBody>
+      </p:sp>
+    </p:spTree>
+    <p:extLst>
+      <p:ext uri="{BB962C8B-B14F-4D97-AF65-F5344CB8AC3E}">
+        <p14:creationId xmlns:p14="http://schemas.microsoft.com/office/powerpoint/2010/main" val="1436942617"/>
+      </p:ext>
+    </p:extLst>
+  </p:cSld>
+  <p:clrMapOvr>
+    <a:masterClrMapping/>
+  </p:clrMapOvr>
+</p:sld>
+</file>
+
+<file path=ppt/slides/slide16.xml><?xml version="1.0" encoding="utf-8"?>
+<p:sld xmlns:a="http://schemas.openxmlformats.org/drawingml/2006/main" xmlns:r="http://schemas.openxmlformats.org/officeDocument/2006/relationships" xmlns:p="http://schemas.openxmlformats.org/presentationml/2006/main">
+  <p:cSld>
+    <p:spTree>
+      <p:nvGrpSpPr>
+        <p:cNvPr id="1" name=""/>
+        <p:cNvGrpSpPr/>
+        <p:nvPr/>
+      </p:nvGrpSpPr>
+      <p:grpSpPr>
+        <a:xfrm>
+          <a:off x="0" y="0"/>
+          <a:ext cx="0" cy="0"/>
+          <a:chOff x="0" y="0"/>
+          <a:chExt cx="0" cy="0"/>
+        </a:xfrm>
+      </p:grpSpPr>
+      <p:sp>
+        <p:nvSpPr>
           <p:cNvPr id="5" name="Rectangle 4">
             <a:extLst>
               <a:ext uri="{FF2B5EF4-FFF2-40B4-BE49-F238E27FC236}">
@@ -15107,6 +16103,75 @@
             <a:r>
               <a:rPr lang="en-US" sz="1400" dirty="0"/>
               <a:t>Quality must be monitored</a:t>
+            </a:r>
+          </a:p>
+        </p:txBody>
+      </p:sp>
+      <p:sp>
+        <p:nvSpPr>
+          <p:cNvPr id="4" name="Cloud Callout 3">
+            <a:extLst>
+              <a:ext uri="{FF2B5EF4-FFF2-40B4-BE49-F238E27FC236}">
+                <a16:creationId xmlns:a16="http://schemas.microsoft.com/office/drawing/2014/main" id="{F3BD8911-26CB-D645-76F7-A6B260D00D24}"/>
+              </a:ext>
+            </a:extLst>
+          </p:cNvPr>
+          <p:cNvSpPr/>
+          <p:nvPr/>
+        </p:nvSpPr>
+        <p:spPr>
+          <a:xfrm>
+            <a:off x="738134" y="465730"/>
+            <a:ext cx="2562045" cy="1361493"/>
+          </a:xfrm>
+          <a:prstGeom prst="cloudCallout">
+            <a:avLst>
+              <a:gd name="adj1" fmla="val 77735"/>
+              <a:gd name="adj2" fmla="val 182331"/>
+            </a:avLst>
+          </a:prstGeom>
+          <a:solidFill>
+            <a:schemeClr val="bg2">
+              <a:lumMod val="50000"/>
+            </a:schemeClr>
+          </a:solidFill>
+          <a:ln>
+            <a:solidFill>
+              <a:srgbClr val="810012"/>
+            </a:solidFill>
+          </a:ln>
+        </p:spPr>
+        <p:style>
+          <a:lnRef idx="2">
+            <a:schemeClr val="accent1">
+              <a:shade val="15000"/>
+            </a:schemeClr>
+          </a:lnRef>
+          <a:fillRef idx="1">
+            <a:schemeClr val="accent1"/>
+          </a:fillRef>
+          <a:effectRef idx="0">
+            <a:schemeClr val="accent1"/>
+          </a:effectRef>
+          <a:fontRef idx="minor">
+            <a:schemeClr val="lt1"/>
+          </a:fontRef>
+        </p:style>
+        <p:txBody>
+          <a:bodyPr rtlCol="0" anchor="ctr"/>
+          <a:lstStyle/>
+          <a:p>
+            <a:pPr algn="ctr"/>
+            <a:r>
+              <a:rPr lang="en-US" sz="1400" dirty="0"/>
+              <a:t>Quality controls on AI Model</a:t>
+            </a:r>
+          </a:p>
+          <a:p>
+            <a:pPr algn="ctr"/>
+            <a:r>
+              <a:rPr lang="en-US" sz="1400" dirty="0"/>
+              <a:t>Train/Eval/Deploy</a:t>
             </a:r>
           </a:p>
         </p:txBody>
